--- a/slides/Tag-1_2-Git.pptx
+++ b/slides/Tag-1_2-Git.pptx
@@ -2334,7 +2334,7 @@
               <a:pPr algn="ctr">
                 <a:defRPr/>
               </a:pPr>
-              <a:t>09.06.2024</a:t>
+              <a:t>10.06.2024</a:t>
             </a:fld>
             <a:endParaRPr lang="de-DE" sz="1000" dirty="0">
               <a:solidFill>
@@ -4441,7 +4441,7 @@
               <a:pPr algn="ctr">
                 <a:defRPr/>
               </a:pPr>
-              <a:t>09.06.2024</a:t>
+              <a:t>10.06.2024</a:t>
             </a:fld>
             <a:endParaRPr lang="de-DE" sz="1000" dirty="0">
               <a:solidFill>
@@ -5896,7 +5896,7 @@
               <a:pPr algn="ctr">
                 <a:defRPr/>
               </a:pPr>
-              <a:t>09.06.2024</a:t>
+              <a:t>10.06.2024</a:t>
             </a:fld>
             <a:endParaRPr lang="de-DE" sz="1000">
               <a:solidFill>
@@ -20984,7 +20984,7 @@
               <a:rPr lang="de-DE" altLang="de-DE" dirty="0">
                 <a:latin typeface="Consolas" panose="020B0609020204030204" pitchFamily="49" charset="0"/>
               </a:rPr>
-              <a:t>*/</a:t>
+              <a:t>**/</a:t>
             </a:r>
             <a:r>
               <a:rPr lang="de-DE" altLang="de-DE" dirty="0" err="1">
@@ -21010,7 +21010,7 @@
               <a:rPr lang="de-DE" altLang="de-DE" dirty="0">
                 <a:latin typeface="Consolas" panose="020B0609020204030204" pitchFamily="49" charset="0"/>
               </a:rPr>
-              <a:t>*/bin/</a:t>
+              <a:t>**/bin/</a:t>
             </a:r>
           </a:p>
           <a:p>
@@ -28516,7 +28516,7 @@
             </a:r>
             <a:r>
               <a:rPr lang="de-DE" altLang="de-DE" dirty="0"/>
-              <a:t> hier leer sein.</a:t>
+              <a:t> hier leer bzw. nicht vorhanden sein.</a:t>
             </a:r>
           </a:p>
           <a:p>
@@ -31467,7 +31467,7 @@
             </a:pPr>
             <a:r>
               <a:rPr lang="de-DE" altLang="de-DE" dirty="0"/>
-              <a:t>Legen Sie im Ordner </a:t>
+              <a:t>Legen Sie erneut den Ordner </a:t>
             </a:r>
             <a:r>
               <a:rPr lang="de-DE" altLang="de-DE" dirty="0" err="1">
@@ -31479,7 +31479,7 @@
             </a:r>
             <a:r>
               <a:rPr lang="de-DE" altLang="de-DE" dirty="0"/>
-              <a:t> eine Datei </a:t>
+              <a:t>, sowie eine Datei </a:t>
             </a:r>
             <a:r>
               <a:rPr lang="de-DE" altLang="de-DE" dirty="0">
@@ -31525,7 +31525,7 @@
             </a:r>
             <a:r>
               <a:rPr lang="de-DE" altLang="de-DE" dirty="0"/>
-              <a:t> Ordner ist hier immer noch leer.</a:t>
+              <a:t> Ordner ist hier immer noch nicht vorhanden bzw. leer.</a:t>
             </a:r>
           </a:p>
           <a:p>

--- a/slides/Tag-1_2-Git.pptx
+++ b/slides/Tag-1_2-Git.pptx
@@ -4,86 +4,84 @@
   <p:sldMasterIdLst>
     <p:sldMasterId id="2147483648" r:id="rId1"/>
     <p:sldMasterId id="2147483649" r:id="rId2"/>
-    <p:sldMasterId id="2147483897" r:id="rId3"/>
-    <p:sldMasterId id="2147483899" r:id="rId4"/>
   </p:sldMasterIdLst>
   <p:notesMasterIdLst>
-    <p:notesMasterId r:id="rId75"/>
+    <p:notesMasterId r:id="rId73"/>
   </p:notesMasterIdLst>
   <p:handoutMasterIdLst>
-    <p:handoutMasterId r:id="rId76"/>
+    <p:handoutMasterId r:id="rId74"/>
   </p:handoutMasterIdLst>
   <p:sldIdLst>
-    <p:sldId id="604" r:id="rId5"/>
-    <p:sldId id="606" r:id="rId6"/>
-    <p:sldId id="607" r:id="rId7"/>
-    <p:sldId id="287" r:id="rId8"/>
-    <p:sldId id="596" r:id="rId9"/>
-    <p:sldId id="303" r:id="rId10"/>
-    <p:sldId id="304" r:id="rId11"/>
-    <p:sldId id="309" r:id="rId12"/>
-    <p:sldId id="308" r:id="rId13"/>
-    <p:sldId id="311" r:id="rId14"/>
-    <p:sldId id="313" r:id="rId15"/>
-    <p:sldId id="312" r:id="rId16"/>
-    <p:sldId id="314" r:id="rId17"/>
-    <p:sldId id="597" r:id="rId18"/>
-    <p:sldId id="289" r:id="rId19"/>
-    <p:sldId id="318" r:id="rId20"/>
-    <p:sldId id="319" r:id="rId21"/>
-    <p:sldId id="321" r:id="rId22"/>
-    <p:sldId id="322" r:id="rId23"/>
-    <p:sldId id="601" r:id="rId24"/>
-    <p:sldId id="598" r:id="rId25"/>
-    <p:sldId id="323" r:id="rId26"/>
-    <p:sldId id="324" r:id="rId27"/>
-    <p:sldId id="325" r:id="rId28"/>
-    <p:sldId id="602" r:id="rId29"/>
-    <p:sldId id="326" r:id="rId30"/>
-    <p:sldId id="327" r:id="rId31"/>
-    <p:sldId id="328" r:id="rId32"/>
-    <p:sldId id="329" r:id="rId33"/>
-    <p:sldId id="330" r:id="rId34"/>
-    <p:sldId id="331" r:id="rId35"/>
-    <p:sldId id="332" r:id="rId36"/>
-    <p:sldId id="333" r:id="rId37"/>
-    <p:sldId id="334" r:id="rId38"/>
-    <p:sldId id="388" r:id="rId39"/>
-    <p:sldId id="335" r:id="rId40"/>
-    <p:sldId id="338" r:id="rId41"/>
-    <p:sldId id="339" r:id="rId42"/>
-    <p:sldId id="340" r:id="rId43"/>
-    <p:sldId id="389" r:id="rId44"/>
-    <p:sldId id="603" r:id="rId45"/>
-    <p:sldId id="391" r:id="rId46"/>
-    <p:sldId id="393" r:id="rId47"/>
-    <p:sldId id="599" r:id="rId48"/>
-    <p:sldId id="341" r:id="rId49"/>
-    <p:sldId id="342" r:id="rId50"/>
-    <p:sldId id="343" r:id="rId51"/>
-    <p:sldId id="344" r:id="rId52"/>
-    <p:sldId id="345" r:id="rId53"/>
-    <p:sldId id="347" r:id="rId54"/>
-    <p:sldId id="358" r:id="rId55"/>
-    <p:sldId id="357" r:id="rId56"/>
-    <p:sldId id="394" r:id="rId57"/>
-    <p:sldId id="346" r:id="rId58"/>
-    <p:sldId id="348" r:id="rId59"/>
-    <p:sldId id="350" r:id="rId60"/>
-    <p:sldId id="352" r:id="rId61"/>
-    <p:sldId id="351" r:id="rId62"/>
-    <p:sldId id="355" r:id="rId63"/>
-    <p:sldId id="356" r:id="rId64"/>
-    <p:sldId id="395" r:id="rId65"/>
-    <p:sldId id="600" r:id="rId66"/>
-    <p:sldId id="359" r:id="rId67"/>
-    <p:sldId id="365" r:id="rId68"/>
-    <p:sldId id="362" r:id="rId69"/>
-    <p:sldId id="363" r:id="rId70"/>
-    <p:sldId id="370" r:id="rId71"/>
-    <p:sldId id="367" r:id="rId72"/>
-    <p:sldId id="368" r:id="rId73"/>
-    <p:sldId id="369" r:id="rId74"/>
+    <p:sldId id="604" r:id="rId3"/>
+    <p:sldId id="606" r:id="rId4"/>
+    <p:sldId id="607" r:id="rId5"/>
+    <p:sldId id="287" r:id="rId6"/>
+    <p:sldId id="596" r:id="rId7"/>
+    <p:sldId id="303" r:id="rId8"/>
+    <p:sldId id="304" r:id="rId9"/>
+    <p:sldId id="309" r:id="rId10"/>
+    <p:sldId id="308" r:id="rId11"/>
+    <p:sldId id="311" r:id="rId12"/>
+    <p:sldId id="313" r:id="rId13"/>
+    <p:sldId id="312" r:id="rId14"/>
+    <p:sldId id="314" r:id="rId15"/>
+    <p:sldId id="597" r:id="rId16"/>
+    <p:sldId id="289" r:id="rId17"/>
+    <p:sldId id="318" r:id="rId18"/>
+    <p:sldId id="319" r:id="rId19"/>
+    <p:sldId id="321" r:id="rId20"/>
+    <p:sldId id="322" r:id="rId21"/>
+    <p:sldId id="601" r:id="rId22"/>
+    <p:sldId id="598" r:id="rId23"/>
+    <p:sldId id="323" r:id="rId24"/>
+    <p:sldId id="324" r:id="rId25"/>
+    <p:sldId id="325" r:id="rId26"/>
+    <p:sldId id="602" r:id="rId27"/>
+    <p:sldId id="326" r:id="rId28"/>
+    <p:sldId id="327" r:id="rId29"/>
+    <p:sldId id="328" r:id="rId30"/>
+    <p:sldId id="329" r:id="rId31"/>
+    <p:sldId id="330" r:id="rId32"/>
+    <p:sldId id="331" r:id="rId33"/>
+    <p:sldId id="332" r:id="rId34"/>
+    <p:sldId id="333" r:id="rId35"/>
+    <p:sldId id="334" r:id="rId36"/>
+    <p:sldId id="388" r:id="rId37"/>
+    <p:sldId id="335" r:id="rId38"/>
+    <p:sldId id="338" r:id="rId39"/>
+    <p:sldId id="339" r:id="rId40"/>
+    <p:sldId id="340" r:id="rId41"/>
+    <p:sldId id="389" r:id="rId42"/>
+    <p:sldId id="603" r:id="rId43"/>
+    <p:sldId id="391" r:id="rId44"/>
+    <p:sldId id="393" r:id="rId45"/>
+    <p:sldId id="599" r:id="rId46"/>
+    <p:sldId id="341" r:id="rId47"/>
+    <p:sldId id="342" r:id="rId48"/>
+    <p:sldId id="343" r:id="rId49"/>
+    <p:sldId id="344" r:id="rId50"/>
+    <p:sldId id="345" r:id="rId51"/>
+    <p:sldId id="347" r:id="rId52"/>
+    <p:sldId id="358" r:id="rId53"/>
+    <p:sldId id="357" r:id="rId54"/>
+    <p:sldId id="394" r:id="rId55"/>
+    <p:sldId id="346" r:id="rId56"/>
+    <p:sldId id="348" r:id="rId57"/>
+    <p:sldId id="350" r:id="rId58"/>
+    <p:sldId id="352" r:id="rId59"/>
+    <p:sldId id="351" r:id="rId60"/>
+    <p:sldId id="355" r:id="rId61"/>
+    <p:sldId id="356" r:id="rId62"/>
+    <p:sldId id="395" r:id="rId63"/>
+    <p:sldId id="600" r:id="rId64"/>
+    <p:sldId id="359" r:id="rId65"/>
+    <p:sldId id="365" r:id="rId66"/>
+    <p:sldId id="362" r:id="rId67"/>
+    <p:sldId id="363" r:id="rId68"/>
+    <p:sldId id="370" r:id="rId69"/>
+    <p:sldId id="367" r:id="rId70"/>
+    <p:sldId id="368" r:id="rId71"/>
+    <p:sldId id="369" r:id="rId72"/>
   </p:sldIdLst>
   <p:sldSz cx="9144000" cy="6858000" type="screen4x3"/>
   <p:notesSz cx="6784975" cy="9921875"/>
@@ -1646,521 +1644,6 @@
     <p:extLst>
       <p:ext uri="{BB962C8B-B14F-4D97-AF65-F5344CB8AC3E}">
         <p14:creationId xmlns:p14="http://schemas.microsoft.com/office/powerpoint/2010/main" val="1327672931"/>
-      </p:ext>
-    </p:extLst>
-  </p:cSld>
-  <p:clrMapOvr>
-    <a:masterClrMapping/>
-  </p:clrMapOvr>
-</p:sldLayout>
-</file>
-
-<file path=ppt/slideLayouts/slideLayout4.xml><?xml version="1.0" encoding="utf-8"?>
-<p:sldLayout xmlns:a="http://schemas.openxmlformats.org/drawingml/2006/main" xmlns:r="http://schemas.openxmlformats.org/officeDocument/2006/relationships" xmlns:p="http://schemas.openxmlformats.org/presentationml/2006/main" type="obj" preserve="1">
-  <p:cSld name="Titel und Inhalt">
-    <p:spTree>
-      <p:nvGrpSpPr>
-        <p:cNvPr id="1" name=""/>
-        <p:cNvGrpSpPr/>
-        <p:nvPr/>
-      </p:nvGrpSpPr>
-      <p:grpSpPr>
-        <a:xfrm>
-          <a:off x="0" y="0"/>
-          <a:ext cx="0" cy="0"/>
-          <a:chOff x="0" y="0"/>
-          <a:chExt cx="0" cy="0"/>
-        </a:xfrm>
-      </p:grpSpPr>
-      <p:sp>
-        <p:nvSpPr>
-          <p:cNvPr id="2" name="Titel 1"/>
-          <p:cNvSpPr>
-            <a:spLocks noGrp="1"/>
-          </p:cNvSpPr>
-          <p:nvPr>
-            <p:ph type="title"/>
-          </p:nvPr>
-        </p:nvSpPr>
-        <p:spPr>
-          <a:xfrm>
-            <a:off x="285720" y="150795"/>
-            <a:ext cx="5554663" cy="706437"/>
-          </a:xfrm>
-        </p:spPr>
-        <p:txBody>
-          <a:bodyPr/>
-          <a:lstStyle/>
-          <a:p>
-            <a:r>
-              <a:rPr lang="de-DE"/>
-              <a:t>Mastertitelformat bearbeiten</a:t>
-            </a:r>
-          </a:p>
-        </p:txBody>
-      </p:sp>
-      <p:sp>
-        <p:nvSpPr>
-          <p:cNvPr id="3" name="Inhaltsplatzhalter 2"/>
-          <p:cNvSpPr>
-            <a:spLocks noGrp="1"/>
-          </p:cNvSpPr>
-          <p:nvPr>
-            <p:ph idx="1"/>
-          </p:nvPr>
-        </p:nvSpPr>
-        <p:spPr/>
-        <p:txBody>
-          <a:bodyPr/>
-          <a:lstStyle>
-            <a:lvl1pPr>
-              <a:spcBef>
-                <a:spcPts val="1200"/>
-              </a:spcBef>
-              <a:spcAft>
-                <a:spcPts val="0"/>
-              </a:spcAft>
-              <a:defRPr sz="2000"/>
-            </a:lvl1pPr>
-            <a:lvl2pPr>
-              <a:spcBef>
-                <a:spcPts val="600"/>
-              </a:spcBef>
-              <a:spcAft>
-                <a:spcPts val="0"/>
-              </a:spcAft>
-              <a:defRPr sz="1600"/>
-            </a:lvl2pPr>
-            <a:lvl3pPr>
-              <a:spcBef>
-                <a:spcPts val="600"/>
-              </a:spcBef>
-              <a:spcAft>
-                <a:spcPts val="0"/>
-              </a:spcAft>
-              <a:defRPr/>
-            </a:lvl3pPr>
-            <a:lvl4pPr>
-              <a:spcBef>
-                <a:spcPts val="600"/>
-              </a:spcBef>
-              <a:spcAft>
-                <a:spcPts val="0"/>
-              </a:spcAft>
-              <a:defRPr/>
-            </a:lvl4pPr>
-            <a:lvl5pPr>
-              <a:spcBef>
-                <a:spcPts val="600"/>
-              </a:spcBef>
-              <a:spcAft>
-                <a:spcPts val="0"/>
-              </a:spcAft>
-              <a:defRPr/>
-            </a:lvl5pPr>
-          </a:lstStyle>
-          <a:p>
-            <a:pPr lvl="0"/>
-            <a:r>
-              <a:rPr lang="de-DE" dirty="0"/>
-              <a:t>Mastertextformat bearbeiten</a:t>
-            </a:r>
-          </a:p>
-          <a:p>
-            <a:pPr lvl="1"/>
-            <a:r>
-              <a:rPr lang="de-DE" dirty="0"/>
-              <a:t>Zweite Ebene</a:t>
-            </a:r>
-          </a:p>
-          <a:p>
-            <a:pPr lvl="2"/>
-            <a:r>
-              <a:rPr lang="de-DE" dirty="0"/>
-              <a:t>Dritte Ebene</a:t>
-            </a:r>
-          </a:p>
-          <a:p>
-            <a:pPr lvl="3"/>
-            <a:r>
-              <a:rPr lang="de-DE" dirty="0"/>
-              <a:t>Vierte Ebene</a:t>
-            </a:r>
-          </a:p>
-          <a:p>
-            <a:pPr lvl="4"/>
-            <a:r>
-              <a:rPr lang="de-DE" dirty="0"/>
-              <a:t>Fünfte Ebene</a:t>
-            </a:r>
-          </a:p>
-        </p:txBody>
-      </p:sp>
-    </p:spTree>
-    <p:extLst>
-      <p:ext uri="{BB962C8B-B14F-4D97-AF65-F5344CB8AC3E}">
-        <p14:creationId xmlns:p14="http://schemas.microsoft.com/office/powerpoint/2010/main" val="3028396463"/>
-      </p:ext>
-    </p:extLst>
-  </p:cSld>
-  <p:clrMapOvr>
-    <a:masterClrMapping/>
-  </p:clrMapOvr>
-</p:sldLayout>
-</file>
-
-<file path=ppt/slideLayouts/slideLayout5.xml><?xml version="1.0" encoding="utf-8"?>
-<p:sldLayout xmlns:a="http://schemas.openxmlformats.org/drawingml/2006/main" xmlns:r="http://schemas.openxmlformats.org/officeDocument/2006/relationships" xmlns:p="http://schemas.openxmlformats.org/presentationml/2006/main" type="secHead">
-  <p:cSld name="Abschnittsüberschrift">
-    <p:spTree>
-      <p:nvGrpSpPr>
-        <p:cNvPr id="1" name=""/>
-        <p:cNvGrpSpPr/>
-        <p:nvPr/>
-      </p:nvGrpSpPr>
-      <p:grpSpPr>
-        <a:xfrm>
-          <a:off x="0" y="0"/>
-          <a:ext cx="0" cy="0"/>
-          <a:chOff x="0" y="0"/>
-          <a:chExt cx="0" cy="0"/>
-        </a:xfrm>
-      </p:grpSpPr>
-      <p:sp>
-        <p:nvSpPr>
-          <p:cNvPr id="2" name="Titel 1"/>
-          <p:cNvSpPr>
-            <a:spLocks noGrp="1"/>
-          </p:cNvSpPr>
-          <p:nvPr>
-            <p:ph type="title"/>
-          </p:nvPr>
-        </p:nvSpPr>
-        <p:spPr>
-          <a:xfrm>
-            <a:off x="722313" y="4406900"/>
-            <a:ext cx="7772400" cy="1362075"/>
-          </a:xfrm>
-        </p:spPr>
-        <p:txBody>
-          <a:bodyPr anchor="t"/>
-          <a:lstStyle>
-            <a:lvl1pPr algn="l">
-              <a:defRPr sz="4000" b="1" cap="all"/>
-            </a:lvl1pPr>
-          </a:lstStyle>
-          <a:p>
-            <a:r>
-              <a:rPr lang="de-DE" dirty="0"/>
-              <a:t>Titelmasterformat durch Klicken bearbeiten</a:t>
-            </a:r>
-          </a:p>
-        </p:txBody>
-      </p:sp>
-      <p:sp>
-        <p:nvSpPr>
-          <p:cNvPr id="3" name="Textplatzhalter 2"/>
-          <p:cNvSpPr>
-            <a:spLocks noGrp="1"/>
-          </p:cNvSpPr>
-          <p:nvPr>
-            <p:ph type="body" idx="1"/>
-          </p:nvPr>
-        </p:nvSpPr>
-        <p:spPr>
-          <a:xfrm>
-            <a:off x="722313" y="2906713"/>
-            <a:ext cx="7772400" cy="1500187"/>
-          </a:xfrm>
-        </p:spPr>
-        <p:txBody>
-          <a:bodyPr anchor="b"/>
-          <a:lstStyle>
-            <a:lvl1pPr marL="0" indent="0">
-              <a:buNone/>
-              <a:defRPr sz="2000"/>
-            </a:lvl1pPr>
-            <a:lvl2pPr marL="457200" indent="0">
-              <a:buNone/>
-              <a:defRPr sz="1800"/>
-            </a:lvl2pPr>
-            <a:lvl3pPr marL="914400" indent="0">
-              <a:buNone/>
-              <a:defRPr sz="1600"/>
-            </a:lvl3pPr>
-            <a:lvl4pPr marL="1371600" indent="0">
-              <a:buNone/>
-              <a:defRPr sz="1400"/>
-            </a:lvl4pPr>
-            <a:lvl5pPr marL="1828800" indent="0">
-              <a:buNone/>
-              <a:defRPr sz="1400"/>
-            </a:lvl5pPr>
-            <a:lvl6pPr marL="2286000" indent="0">
-              <a:buNone/>
-              <a:defRPr sz="1400"/>
-            </a:lvl6pPr>
-            <a:lvl7pPr marL="2743200" indent="0">
-              <a:buNone/>
-              <a:defRPr sz="1400"/>
-            </a:lvl7pPr>
-            <a:lvl8pPr marL="3200400" indent="0">
-              <a:buNone/>
-              <a:defRPr sz="1400"/>
-            </a:lvl8pPr>
-            <a:lvl9pPr marL="3657600" indent="0">
-              <a:buNone/>
-              <a:defRPr sz="1400"/>
-            </a:lvl9pPr>
-          </a:lstStyle>
-          <a:p>
-            <a:pPr lvl="0"/>
-            <a:r>
-              <a:rPr lang="de-DE"/>
-              <a:t>Textmasterformate durch Klicken bearbeiten</a:t>
-            </a:r>
-          </a:p>
-        </p:txBody>
-      </p:sp>
-    </p:spTree>
-    <p:extLst>
-      <p:ext uri="{BB962C8B-B14F-4D97-AF65-F5344CB8AC3E}">
-        <p14:creationId xmlns:p14="http://schemas.microsoft.com/office/powerpoint/2010/main" val="3097530947"/>
-      </p:ext>
-    </p:extLst>
-  </p:cSld>
-  <p:clrMapOvr>
-    <a:masterClrMapping/>
-  </p:clrMapOvr>
-</p:sldLayout>
-</file>
-
-<file path=ppt/slideLayouts/slideLayout6.xml><?xml version="1.0" encoding="utf-8"?>
-<p:sldLayout xmlns:a="http://schemas.openxmlformats.org/drawingml/2006/main" xmlns:r="http://schemas.openxmlformats.org/officeDocument/2006/relationships" xmlns:p="http://schemas.openxmlformats.org/presentationml/2006/main" type="obj" preserve="1">
-  <p:cSld name="Titel und Inhalt">
-    <p:spTree>
-      <p:nvGrpSpPr>
-        <p:cNvPr id="1" name=""/>
-        <p:cNvGrpSpPr/>
-        <p:nvPr/>
-      </p:nvGrpSpPr>
-      <p:grpSpPr>
-        <a:xfrm>
-          <a:off x="0" y="0"/>
-          <a:ext cx="0" cy="0"/>
-          <a:chOff x="0" y="0"/>
-          <a:chExt cx="0" cy="0"/>
-        </a:xfrm>
-      </p:grpSpPr>
-      <p:sp>
-        <p:nvSpPr>
-          <p:cNvPr id="2" name="Titel 1"/>
-          <p:cNvSpPr>
-            <a:spLocks noGrp="1"/>
-          </p:cNvSpPr>
-          <p:nvPr>
-            <p:ph type="title"/>
-          </p:nvPr>
-        </p:nvSpPr>
-        <p:spPr>
-          <a:xfrm>
-            <a:off x="285720" y="150795"/>
-            <a:ext cx="5554663" cy="706437"/>
-          </a:xfrm>
-        </p:spPr>
-        <p:txBody>
-          <a:bodyPr/>
-          <a:lstStyle/>
-          <a:p>
-            <a:r>
-              <a:rPr lang="de-DE"/>
-              <a:t>Mastertitelformat bearbeiten</a:t>
-            </a:r>
-          </a:p>
-        </p:txBody>
-      </p:sp>
-      <p:sp>
-        <p:nvSpPr>
-          <p:cNvPr id="3" name="Inhaltsplatzhalter 2"/>
-          <p:cNvSpPr>
-            <a:spLocks noGrp="1"/>
-          </p:cNvSpPr>
-          <p:nvPr>
-            <p:ph idx="1"/>
-          </p:nvPr>
-        </p:nvSpPr>
-        <p:spPr/>
-        <p:txBody>
-          <a:bodyPr/>
-          <a:lstStyle/>
-          <a:p>
-            <a:pPr lvl="0"/>
-            <a:r>
-              <a:rPr lang="de-DE"/>
-              <a:t>Mastertextformat bearbeiten</a:t>
-            </a:r>
-          </a:p>
-          <a:p>
-            <a:pPr lvl="1"/>
-            <a:r>
-              <a:rPr lang="de-DE"/>
-              <a:t>Zweite Ebene</a:t>
-            </a:r>
-          </a:p>
-          <a:p>
-            <a:pPr lvl="2"/>
-            <a:r>
-              <a:rPr lang="de-DE"/>
-              <a:t>Dritte Ebene</a:t>
-            </a:r>
-          </a:p>
-          <a:p>
-            <a:pPr lvl="3"/>
-            <a:r>
-              <a:rPr lang="de-DE"/>
-              <a:t>Vierte Ebene</a:t>
-            </a:r>
-          </a:p>
-          <a:p>
-            <a:pPr lvl="4"/>
-            <a:r>
-              <a:rPr lang="de-DE"/>
-              <a:t>Fünfte Ebene</a:t>
-            </a:r>
-            <a:endParaRPr lang="de-DE" dirty="0"/>
-          </a:p>
-        </p:txBody>
-      </p:sp>
-    </p:spTree>
-    <p:extLst>
-      <p:ext uri="{BB962C8B-B14F-4D97-AF65-F5344CB8AC3E}">
-        <p14:creationId xmlns:p14="http://schemas.microsoft.com/office/powerpoint/2010/main" val="2299686721"/>
-      </p:ext>
-    </p:extLst>
-  </p:cSld>
-  <p:clrMapOvr>
-    <a:masterClrMapping/>
-  </p:clrMapOvr>
-</p:sldLayout>
-</file>
-
-<file path=ppt/slideLayouts/slideLayout7.xml><?xml version="1.0" encoding="utf-8"?>
-<p:sldLayout xmlns:a="http://schemas.openxmlformats.org/drawingml/2006/main" xmlns:r="http://schemas.openxmlformats.org/officeDocument/2006/relationships" xmlns:p="http://schemas.openxmlformats.org/presentationml/2006/main" type="secHead">
-  <p:cSld name="Abschnittsüberschrift">
-    <p:spTree>
-      <p:nvGrpSpPr>
-        <p:cNvPr id="1" name=""/>
-        <p:cNvGrpSpPr/>
-        <p:nvPr/>
-      </p:nvGrpSpPr>
-      <p:grpSpPr>
-        <a:xfrm>
-          <a:off x="0" y="0"/>
-          <a:ext cx="0" cy="0"/>
-          <a:chOff x="0" y="0"/>
-          <a:chExt cx="0" cy="0"/>
-        </a:xfrm>
-      </p:grpSpPr>
-      <p:sp>
-        <p:nvSpPr>
-          <p:cNvPr id="2" name="Titel 1"/>
-          <p:cNvSpPr>
-            <a:spLocks noGrp="1"/>
-          </p:cNvSpPr>
-          <p:nvPr>
-            <p:ph type="title"/>
-          </p:nvPr>
-        </p:nvSpPr>
-        <p:spPr>
-          <a:xfrm>
-            <a:off x="722313" y="4406900"/>
-            <a:ext cx="7772400" cy="1362075"/>
-          </a:xfrm>
-        </p:spPr>
-        <p:txBody>
-          <a:bodyPr anchor="t"/>
-          <a:lstStyle>
-            <a:lvl1pPr algn="l">
-              <a:defRPr sz="4000" b="1" cap="all"/>
-            </a:lvl1pPr>
-          </a:lstStyle>
-          <a:p>
-            <a:r>
-              <a:rPr lang="de-DE" dirty="0"/>
-              <a:t>Titelmasterformat durch Klicken bearbeiten</a:t>
-            </a:r>
-          </a:p>
-        </p:txBody>
-      </p:sp>
-      <p:sp>
-        <p:nvSpPr>
-          <p:cNvPr id="3" name="Textplatzhalter 2"/>
-          <p:cNvSpPr>
-            <a:spLocks noGrp="1"/>
-          </p:cNvSpPr>
-          <p:nvPr>
-            <p:ph type="body" idx="1"/>
-          </p:nvPr>
-        </p:nvSpPr>
-        <p:spPr>
-          <a:xfrm>
-            <a:off x="722313" y="2906713"/>
-            <a:ext cx="7772400" cy="1500187"/>
-          </a:xfrm>
-        </p:spPr>
-        <p:txBody>
-          <a:bodyPr anchor="b"/>
-          <a:lstStyle>
-            <a:lvl1pPr marL="0" indent="0">
-              <a:buNone/>
-              <a:defRPr sz="2000"/>
-            </a:lvl1pPr>
-            <a:lvl2pPr marL="457200" indent="0">
-              <a:buNone/>
-              <a:defRPr sz="1800"/>
-            </a:lvl2pPr>
-            <a:lvl3pPr marL="914400" indent="0">
-              <a:buNone/>
-              <a:defRPr sz="1600"/>
-            </a:lvl3pPr>
-            <a:lvl4pPr marL="1371600" indent="0">
-              <a:buNone/>
-              <a:defRPr sz="1400"/>
-            </a:lvl4pPr>
-            <a:lvl5pPr marL="1828800" indent="0">
-              <a:buNone/>
-              <a:defRPr sz="1400"/>
-            </a:lvl5pPr>
-            <a:lvl6pPr marL="2286000" indent="0">
-              <a:buNone/>
-              <a:defRPr sz="1400"/>
-            </a:lvl6pPr>
-            <a:lvl7pPr marL="2743200" indent="0">
-              <a:buNone/>
-              <a:defRPr sz="1400"/>
-            </a:lvl7pPr>
-            <a:lvl8pPr marL="3200400" indent="0">
-              <a:buNone/>
-              <a:defRPr sz="1400"/>
-            </a:lvl8pPr>
-            <a:lvl9pPr marL="3657600" indent="0">
-              <a:buNone/>
-              <a:defRPr sz="1400"/>
-            </a:lvl9pPr>
-          </a:lstStyle>
-          <a:p>
-            <a:pPr lvl="0"/>
-            <a:r>
-              <a:rPr lang="de-DE"/>
-              <a:t>Textmasterformate durch Klicken bearbeiten</a:t>
-            </a:r>
-          </a:p>
-        </p:txBody>
-      </p:sp>
-    </p:spTree>
-    <p:extLst>
-      <p:ext uri="{BB962C8B-B14F-4D97-AF65-F5344CB8AC3E}">
-        <p14:creationId xmlns:p14="http://schemas.microsoft.com/office/powerpoint/2010/main" val="3884432657"/>
       </p:ext>
     </p:extLst>
   </p:cSld>
@@ -3893,6 +3376,42 @@
           </a:p>
         </p:txBody>
       </p:sp>
+      <p:pic>
+        <p:nvPicPr>
+          <p:cNvPr id="2" name="Grafik 1">
+            <a:extLst>
+              <a:ext uri="{FF2B5EF4-FFF2-40B4-BE49-F238E27FC236}">
+                <a16:creationId xmlns:a16="http://schemas.microsoft.com/office/drawing/2014/main" id="{66A49564-ADCA-65A2-EEA9-ADD78BCFBF35}"/>
+              </a:ext>
+            </a:extLst>
+          </p:cNvPr>
+          <p:cNvPicPr>
+            <a:picLocks noChangeAspect="1"/>
+          </p:cNvPicPr>
+          <p:nvPr userDrawn="1"/>
+        </p:nvPicPr>
+        <p:blipFill>
+          <a:blip r:embed="rId5">
+            <a:extLst>
+              <a:ext uri="{28A0092B-C50C-407E-A947-70E740481C1C}">
+                <a14:useLocalDpi xmlns:a14="http://schemas.microsoft.com/office/drawing/2010/main" val="0"/>
+              </a:ext>
+            </a:extLst>
+          </a:blip>
+          <a:stretch>
+            <a:fillRect/>
+          </a:stretch>
+        </p:blipFill>
+        <p:spPr>
+          <a:xfrm>
+            <a:off x="3383868" y="4481736"/>
+            <a:ext cx="2376264" cy="2376264"/>
+          </a:xfrm>
+          <a:prstGeom prst="rect">
+            <a:avLst/>
+          </a:prstGeom>
+        </p:spPr>
+      </p:pic>
     </p:spTree>
   </p:cSld>
   <p:clrMap bg1="lt1" tx1="dk1" bg2="lt2" tx2="dk2" accent1="accent1" accent2="accent2" accent3="accent3" accent4="accent4" accent5="accent5" accent6="accent6" hlink="hlink" folHlink="folHlink"/>
@@ -4162,2898 +3681,6 @@
         </a:spcAft>
         <a:buChar char="»"/>
         <a:defRPr sz="2000">
-          <a:solidFill>
-            <a:schemeClr val="tx1"/>
-          </a:solidFill>
-          <a:latin typeface="+mn-lt"/>
-        </a:defRPr>
-      </a:lvl9pPr>
-    </p:bodyStyle>
-    <p:otherStyle>
-      <a:defPPr>
-        <a:defRPr lang="de-DE"/>
-      </a:defPPr>
-      <a:lvl1pPr marL="0" algn="l" defTabSz="914400" rtl="0" eaLnBrk="1" latinLnBrk="0" hangingPunct="1">
-        <a:defRPr sz="1800" kern="1200">
-          <a:solidFill>
-            <a:schemeClr val="tx1"/>
-          </a:solidFill>
-          <a:latin typeface="+mn-lt"/>
-          <a:ea typeface="+mn-ea"/>
-          <a:cs typeface="+mn-cs"/>
-        </a:defRPr>
-      </a:lvl1pPr>
-      <a:lvl2pPr marL="457200" algn="l" defTabSz="914400" rtl="0" eaLnBrk="1" latinLnBrk="0" hangingPunct="1">
-        <a:defRPr sz="1800" kern="1200">
-          <a:solidFill>
-            <a:schemeClr val="tx1"/>
-          </a:solidFill>
-          <a:latin typeface="+mn-lt"/>
-          <a:ea typeface="+mn-ea"/>
-          <a:cs typeface="+mn-cs"/>
-        </a:defRPr>
-      </a:lvl2pPr>
-      <a:lvl3pPr marL="914400" algn="l" defTabSz="914400" rtl="0" eaLnBrk="1" latinLnBrk="0" hangingPunct="1">
-        <a:defRPr sz="1800" kern="1200">
-          <a:solidFill>
-            <a:schemeClr val="tx1"/>
-          </a:solidFill>
-          <a:latin typeface="+mn-lt"/>
-          <a:ea typeface="+mn-ea"/>
-          <a:cs typeface="+mn-cs"/>
-        </a:defRPr>
-      </a:lvl3pPr>
-      <a:lvl4pPr marL="1371600" algn="l" defTabSz="914400" rtl="0" eaLnBrk="1" latinLnBrk="0" hangingPunct="1">
-        <a:defRPr sz="1800" kern="1200">
-          <a:solidFill>
-            <a:schemeClr val="tx1"/>
-          </a:solidFill>
-          <a:latin typeface="+mn-lt"/>
-          <a:ea typeface="+mn-ea"/>
-          <a:cs typeface="+mn-cs"/>
-        </a:defRPr>
-      </a:lvl4pPr>
-      <a:lvl5pPr marL="1828800" algn="l" defTabSz="914400" rtl="0" eaLnBrk="1" latinLnBrk="0" hangingPunct="1">
-        <a:defRPr sz="1800" kern="1200">
-          <a:solidFill>
-            <a:schemeClr val="tx1"/>
-          </a:solidFill>
-          <a:latin typeface="+mn-lt"/>
-          <a:ea typeface="+mn-ea"/>
-          <a:cs typeface="+mn-cs"/>
-        </a:defRPr>
-      </a:lvl5pPr>
-      <a:lvl6pPr marL="2286000" algn="l" defTabSz="914400" rtl="0" eaLnBrk="1" latinLnBrk="0" hangingPunct="1">
-        <a:defRPr sz="1800" kern="1200">
-          <a:solidFill>
-            <a:schemeClr val="tx1"/>
-          </a:solidFill>
-          <a:latin typeface="+mn-lt"/>
-          <a:ea typeface="+mn-ea"/>
-          <a:cs typeface="+mn-cs"/>
-        </a:defRPr>
-      </a:lvl6pPr>
-      <a:lvl7pPr marL="2743200" algn="l" defTabSz="914400" rtl="0" eaLnBrk="1" latinLnBrk="0" hangingPunct="1">
-        <a:defRPr sz="1800" kern="1200">
-          <a:solidFill>
-            <a:schemeClr val="tx1"/>
-          </a:solidFill>
-          <a:latin typeface="+mn-lt"/>
-          <a:ea typeface="+mn-ea"/>
-          <a:cs typeface="+mn-cs"/>
-        </a:defRPr>
-      </a:lvl7pPr>
-      <a:lvl8pPr marL="3200400" algn="l" defTabSz="914400" rtl="0" eaLnBrk="1" latinLnBrk="0" hangingPunct="1">
-        <a:defRPr sz="1800" kern="1200">
-          <a:solidFill>
-            <a:schemeClr val="tx1"/>
-          </a:solidFill>
-          <a:latin typeface="+mn-lt"/>
-          <a:ea typeface="+mn-ea"/>
-          <a:cs typeface="+mn-cs"/>
-        </a:defRPr>
-      </a:lvl8pPr>
-      <a:lvl9pPr marL="3657600" algn="l" defTabSz="914400" rtl="0" eaLnBrk="1" latinLnBrk="0" hangingPunct="1">
-        <a:defRPr sz="1800" kern="1200">
-          <a:solidFill>
-            <a:schemeClr val="tx1"/>
-          </a:solidFill>
-          <a:latin typeface="+mn-lt"/>
-          <a:ea typeface="+mn-ea"/>
-          <a:cs typeface="+mn-cs"/>
-        </a:defRPr>
-      </a:lvl9pPr>
-    </p:otherStyle>
-  </p:txStyles>
-</p:sldMaster>
-</file>
-
-<file path=ppt/slideMasters/slideMaster3.xml><?xml version="1.0" encoding="utf-8"?>
-<p:sldMaster xmlns:a="http://schemas.openxmlformats.org/drawingml/2006/main" xmlns:r="http://schemas.openxmlformats.org/officeDocument/2006/relationships" xmlns:p="http://schemas.openxmlformats.org/presentationml/2006/main">
-  <p:cSld>
-    <p:bg>
-      <p:bgPr>
-        <a:solidFill>
-          <a:schemeClr val="bg1"/>
-        </a:solidFill>
-        <a:effectLst/>
-      </p:bgPr>
-    </p:bg>
-    <p:spTree>
-      <p:nvGrpSpPr>
-        <p:cNvPr id="1" name=""/>
-        <p:cNvGrpSpPr/>
-        <p:nvPr/>
-      </p:nvGrpSpPr>
-      <p:grpSpPr>
-        <a:xfrm>
-          <a:off x="0" y="0"/>
-          <a:ext cx="0" cy="0"/>
-          <a:chOff x="0" y="0"/>
-          <a:chExt cx="0" cy="0"/>
-        </a:xfrm>
-      </p:grpSpPr>
-      <p:sp>
-        <p:nvSpPr>
-          <p:cNvPr id="1071" name="Rectangle 47">
-            <a:extLst>
-              <a:ext uri="{FF2B5EF4-FFF2-40B4-BE49-F238E27FC236}">
-                <a16:creationId xmlns:a16="http://schemas.microsoft.com/office/drawing/2014/main" id="{BAECF73F-51DF-FDBE-6AE5-F37C2B1BD435}"/>
-              </a:ext>
-            </a:extLst>
-          </p:cNvPr>
-          <p:cNvSpPr>
-            <a:spLocks noChangeArrowheads="1"/>
-          </p:cNvSpPr>
-          <p:nvPr userDrawn="1"/>
-        </p:nvSpPr>
-        <p:spPr bwMode="auto">
-          <a:xfrm>
-            <a:off x="0" y="6453188"/>
-            <a:ext cx="9144000" cy="404812"/>
-          </a:xfrm>
-          <a:prstGeom prst="rect">
-            <a:avLst/>
-          </a:prstGeom>
-          <a:solidFill>
-            <a:srgbClr val="0D4F3C"/>
-          </a:solidFill>
-          <a:ln w="9525">
-            <a:noFill/>
-            <a:miter lim="800000"/>
-            <a:headEnd/>
-            <a:tailEnd/>
-          </a:ln>
-          <a:effectLst/>
-        </p:spPr>
-        <p:txBody>
-          <a:bodyPr wrap="none" anchor="ctr"/>
-          <a:lstStyle/>
-          <a:p>
-            <a:pPr>
-              <a:defRPr/>
-            </a:pPr>
-            <a:endParaRPr lang="de-DE" dirty="0">
-              <a:latin typeface="Arial" pitchFamily="34" charset="0"/>
-            </a:endParaRPr>
-          </a:p>
-        </p:txBody>
-      </p:sp>
-      <p:sp>
-        <p:nvSpPr>
-          <p:cNvPr id="1029" name="Rectangle 5">
-            <a:extLst>
-              <a:ext uri="{FF2B5EF4-FFF2-40B4-BE49-F238E27FC236}">
-                <a16:creationId xmlns:a16="http://schemas.microsoft.com/office/drawing/2014/main" id="{05F4B649-D280-50F3-C67E-6AAA9D00BFF3}"/>
-              </a:ext>
-            </a:extLst>
-          </p:cNvPr>
-          <p:cNvSpPr>
-            <a:spLocks noChangeArrowheads="1"/>
-          </p:cNvSpPr>
-          <p:nvPr/>
-        </p:nvSpPr>
-        <p:spPr bwMode="auto">
-          <a:xfrm>
-            <a:off x="7924800" y="457200"/>
-            <a:ext cx="895350" cy="457200"/>
-          </a:xfrm>
-          <a:prstGeom prst="rect">
-            <a:avLst/>
-          </a:prstGeom>
-          <a:noFill/>
-          <a:ln w="9525">
-            <a:noFill/>
-            <a:miter lim="800000"/>
-            <a:headEnd/>
-            <a:tailEnd/>
-          </a:ln>
-          <a:effectLst/>
-        </p:spPr>
-        <p:txBody>
-          <a:bodyPr wrap="none" anchor="ctr"/>
-          <a:lstStyle/>
-          <a:p>
-            <a:pPr>
-              <a:defRPr/>
-            </a:pPr>
-            <a:endParaRPr lang="de-DE" dirty="0">
-              <a:latin typeface="Arial" pitchFamily="34" charset="0"/>
-            </a:endParaRPr>
-          </a:p>
-        </p:txBody>
-      </p:sp>
-      <p:sp>
-        <p:nvSpPr>
-          <p:cNvPr id="1030" name="Rectangle 6">
-            <a:extLst>
-              <a:ext uri="{FF2B5EF4-FFF2-40B4-BE49-F238E27FC236}">
-                <a16:creationId xmlns:a16="http://schemas.microsoft.com/office/drawing/2014/main" id="{84F4050C-4DDC-EEE7-1F55-0CF6892CBFB1}"/>
-              </a:ext>
-            </a:extLst>
-          </p:cNvPr>
-          <p:cNvSpPr>
-            <a:spLocks noChangeArrowheads="1"/>
-          </p:cNvSpPr>
-          <p:nvPr/>
-        </p:nvSpPr>
-        <p:spPr bwMode="auto">
-          <a:xfrm>
-            <a:off x="4456113" y="6615113"/>
-            <a:ext cx="812800" cy="244475"/>
-          </a:xfrm>
-          <a:prstGeom prst="rect">
-            <a:avLst/>
-          </a:prstGeom>
-          <a:noFill/>
-          <a:ln w="9525">
-            <a:noFill/>
-            <a:miter lim="800000"/>
-            <a:headEnd/>
-            <a:tailEnd/>
-          </a:ln>
-          <a:effectLst/>
-        </p:spPr>
-        <p:txBody>
-          <a:bodyPr wrap="none" lIns="92075" tIns="46038" rIns="92075" bIns="46038" anchor="ctr">
-            <a:spAutoFit/>
-          </a:bodyPr>
-          <a:lstStyle/>
-          <a:p>
-            <a:pPr algn="ctr">
-              <a:defRPr/>
-            </a:pPr>
-            <a:fld id="{61B3D086-5D28-4B67-8868-985D0752D18E}" type="datetime1">
-              <a:rPr lang="de-DE" sz="1000">
-                <a:solidFill>
-                  <a:schemeClr val="bg1"/>
-                </a:solidFill>
-                <a:latin typeface="Arial" charset="0"/>
-              </a:rPr>
-              <a:pPr algn="ctr">
-                <a:defRPr/>
-              </a:pPr>
-              <a:t>10.06.2024</a:t>
-            </a:fld>
-            <a:endParaRPr lang="de-DE" sz="1000" dirty="0">
-              <a:solidFill>
-                <a:schemeClr val="bg1"/>
-              </a:solidFill>
-              <a:latin typeface="Arial" charset="0"/>
-            </a:endParaRPr>
-          </a:p>
-        </p:txBody>
-      </p:sp>
-      <p:sp>
-        <p:nvSpPr>
-          <p:cNvPr id="1031" name="Rectangle 7">
-            <a:extLst>
-              <a:ext uri="{FF2B5EF4-FFF2-40B4-BE49-F238E27FC236}">
-                <a16:creationId xmlns:a16="http://schemas.microsoft.com/office/drawing/2014/main" id="{F275FE2A-62CE-89A3-6F74-188DBF7725EF}"/>
-              </a:ext>
-            </a:extLst>
-          </p:cNvPr>
-          <p:cNvSpPr>
-            <a:spLocks noChangeArrowheads="1"/>
-          </p:cNvSpPr>
-          <p:nvPr/>
-        </p:nvSpPr>
-        <p:spPr bwMode="auto">
-          <a:xfrm>
-            <a:off x="8308975" y="6515100"/>
-            <a:ext cx="439738" cy="244475"/>
-          </a:xfrm>
-          <a:prstGeom prst="rect">
-            <a:avLst/>
-          </a:prstGeom>
-          <a:noFill/>
-          <a:ln w="9525">
-            <a:noFill/>
-            <a:miter lim="800000"/>
-            <a:headEnd/>
-            <a:tailEnd/>
-          </a:ln>
-          <a:effectLst/>
-        </p:spPr>
-        <p:txBody>
-          <a:bodyPr wrap="none" lIns="92075" tIns="46038" rIns="92075" bIns="46038" anchor="ctr">
-            <a:spAutoFit/>
-          </a:bodyPr>
-          <a:lstStyle>
-            <a:lvl1pPr>
-              <a:defRPr sz="2400">
-                <a:solidFill>
-                  <a:schemeClr val="tx1"/>
-                </a:solidFill>
-                <a:latin typeface="Times New Roman" panose="02020603050405020304" pitchFamily="18" charset="0"/>
-              </a:defRPr>
-            </a:lvl1pPr>
-            <a:lvl2pPr marL="742950" indent="-285750">
-              <a:defRPr sz="2400">
-                <a:solidFill>
-                  <a:schemeClr val="tx1"/>
-                </a:solidFill>
-                <a:latin typeface="Times New Roman" panose="02020603050405020304" pitchFamily="18" charset="0"/>
-              </a:defRPr>
-            </a:lvl2pPr>
-            <a:lvl3pPr marL="1143000" indent="-228600">
-              <a:defRPr sz="2400">
-                <a:solidFill>
-                  <a:schemeClr val="tx1"/>
-                </a:solidFill>
-                <a:latin typeface="Times New Roman" panose="02020603050405020304" pitchFamily="18" charset="0"/>
-              </a:defRPr>
-            </a:lvl3pPr>
-            <a:lvl4pPr marL="1600200" indent="-228600">
-              <a:defRPr sz="2400">
-                <a:solidFill>
-                  <a:schemeClr val="tx1"/>
-                </a:solidFill>
-                <a:latin typeface="Times New Roman" panose="02020603050405020304" pitchFamily="18" charset="0"/>
-              </a:defRPr>
-            </a:lvl4pPr>
-            <a:lvl5pPr marL="2057400" indent="-228600">
-              <a:defRPr sz="2400">
-                <a:solidFill>
-                  <a:schemeClr val="tx1"/>
-                </a:solidFill>
-                <a:latin typeface="Times New Roman" panose="02020603050405020304" pitchFamily="18" charset="0"/>
-              </a:defRPr>
-            </a:lvl5pPr>
-            <a:lvl6pPr marL="2514600" indent="-228600" eaLnBrk="0" fontAlgn="base" hangingPunct="0">
-              <a:spcBef>
-                <a:spcPct val="0"/>
-              </a:spcBef>
-              <a:spcAft>
-                <a:spcPct val="0"/>
-              </a:spcAft>
-              <a:defRPr sz="2400">
-                <a:solidFill>
-                  <a:schemeClr val="tx1"/>
-                </a:solidFill>
-                <a:latin typeface="Times New Roman" panose="02020603050405020304" pitchFamily="18" charset="0"/>
-              </a:defRPr>
-            </a:lvl6pPr>
-            <a:lvl7pPr marL="2971800" indent="-228600" eaLnBrk="0" fontAlgn="base" hangingPunct="0">
-              <a:spcBef>
-                <a:spcPct val="0"/>
-              </a:spcBef>
-              <a:spcAft>
-                <a:spcPct val="0"/>
-              </a:spcAft>
-              <a:defRPr sz="2400">
-                <a:solidFill>
-                  <a:schemeClr val="tx1"/>
-                </a:solidFill>
-                <a:latin typeface="Times New Roman" panose="02020603050405020304" pitchFamily="18" charset="0"/>
-              </a:defRPr>
-            </a:lvl7pPr>
-            <a:lvl8pPr marL="3429000" indent="-228600" eaLnBrk="0" fontAlgn="base" hangingPunct="0">
-              <a:spcBef>
-                <a:spcPct val="0"/>
-              </a:spcBef>
-              <a:spcAft>
-                <a:spcPct val="0"/>
-              </a:spcAft>
-              <a:defRPr sz="2400">
-                <a:solidFill>
-                  <a:schemeClr val="tx1"/>
-                </a:solidFill>
-                <a:latin typeface="Times New Roman" panose="02020603050405020304" pitchFamily="18" charset="0"/>
-              </a:defRPr>
-            </a:lvl8pPr>
-            <a:lvl9pPr marL="3886200" indent="-228600" eaLnBrk="0" fontAlgn="base" hangingPunct="0">
-              <a:spcBef>
-                <a:spcPct val="0"/>
-              </a:spcBef>
-              <a:spcAft>
-                <a:spcPct val="0"/>
-              </a:spcAft>
-              <a:defRPr sz="2400">
-                <a:solidFill>
-                  <a:schemeClr val="tx1"/>
-                </a:solidFill>
-                <a:latin typeface="Times New Roman" panose="02020603050405020304" pitchFamily="18" charset="0"/>
-              </a:defRPr>
-            </a:lvl9pPr>
-          </a:lstStyle>
-          <a:p>
-            <a:pPr algn="r"/>
-            <a:fld id="{412D5C9A-5062-4B85-AFEB-13425A69A721}" type="slidenum">
-              <a:rPr lang="de-DE" altLang="de-DE" sz="1000">
-                <a:solidFill>
-                  <a:schemeClr val="bg1"/>
-                </a:solidFill>
-                <a:latin typeface="Arial" panose="020B0604020202020204" pitchFamily="34" charset="0"/>
-              </a:rPr>
-              <a:pPr algn="r"/>
-              <a:t>‹Nr.›</a:t>
-            </a:fld>
-            <a:endParaRPr lang="de-DE" altLang="de-DE" sz="1000" dirty="0">
-              <a:solidFill>
-                <a:schemeClr val="bg1"/>
-              </a:solidFill>
-              <a:latin typeface="Arial" panose="020B0604020202020204" pitchFamily="34" charset="0"/>
-            </a:endParaRPr>
-          </a:p>
-        </p:txBody>
-      </p:sp>
-      <p:sp>
-        <p:nvSpPr>
-          <p:cNvPr id="2" name="Rectangle 9">
-            <a:extLst>
-              <a:ext uri="{FF2B5EF4-FFF2-40B4-BE49-F238E27FC236}">
-                <a16:creationId xmlns:a16="http://schemas.microsoft.com/office/drawing/2014/main" id="{2C8B5109-8C77-C5A8-61F4-5A9D9A719833}"/>
-              </a:ext>
-            </a:extLst>
-          </p:cNvPr>
-          <p:cNvSpPr>
-            <a:spLocks noGrp="1" noChangeArrowheads="1"/>
-          </p:cNvSpPr>
-          <p:nvPr>
-            <p:ph type="body" idx="1"/>
-          </p:nvPr>
-        </p:nvSpPr>
-        <p:spPr bwMode="auto">
-          <a:xfrm>
-            <a:off x="303213" y="981075"/>
-            <a:ext cx="8516937" cy="5400675"/>
-          </a:xfrm>
-          <a:prstGeom prst="rect">
-            <a:avLst/>
-          </a:prstGeom>
-          <a:noFill/>
-          <a:ln>
-            <a:noFill/>
-          </a:ln>
-          <a:extLst>
-            <a:ext uri="{909E8E84-426E-40DD-AFC4-6F175D3DCCD1}">
-              <a14:hiddenFill xmlns:a14="http://schemas.microsoft.com/office/drawing/2010/main">
-                <a:solidFill>
-                  <a:srgbClr val="FFFFFF"/>
-                </a:solidFill>
-              </a14:hiddenFill>
-            </a:ext>
-            <a:ext uri="{91240B29-F687-4F45-9708-019B960494DF}">
-              <a14:hiddenLine xmlns:a14="http://schemas.microsoft.com/office/drawing/2010/main" w="9525">
-                <a:solidFill>
-                  <a:srgbClr val="000000"/>
-                </a:solidFill>
-                <a:miter lim="800000"/>
-                <a:headEnd/>
-                <a:tailEnd/>
-              </a14:hiddenLine>
-            </a:ext>
-          </a:extLst>
-        </p:spPr>
-        <p:txBody>
-          <a:bodyPr vert="horz" wrap="square" lIns="92075" tIns="46038" rIns="92075" bIns="46038" numCol="1" anchor="t" anchorCtr="0" compatLnSpc="1">
-            <a:prstTxWarp prst="textNoShape">
-              <a:avLst/>
-            </a:prstTxWarp>
-          </a:bodyPr>
-          <a:lstStyle/>
-          <a:p>
-            <a:pPr lvl="0"/>
-            <a:r>
-              <a:rPr lang="de-DE" altLang="de-DE" dirty="0"/>
-              <a:t>Klicken Sie,  um die Formate des Vorlagentextes zu bearbeiten</a:t>
-            </a:r>
-          </a:p>
-          <a:p>
-            <a:pPr lvl="1"/>
-            <a:r>
-              <a:rPr lang="de-DE" altLang="de-DE" dirty="0"/>
-              <a:t>Zweite Ebene</a:t>
-            </a:r>
-          </a:p>
-          <a:p>
-            <a:pPr lvl="2"/>
-            <a:r>
-              <a:rPr lang="de-DE" altLang="de-DE" dirty="0"/>
-              <a:t>Dritte Ebene</a:t>
-            </a:r>
-          </a:p>
-          <a:p>
-            <a:pPr lvl="3"/>
-            <a:r>
-              <a:rPr lang="de-DE" altLang="de-DE" dirty="0"/>
-              <a:t>Vierte Ebene</a:t>
-            </a:r>
-          </a:p>
-          <a:p>
-            <a:pPr lvl="4"/>
-            <a:r>
-              <a:rPr lang="de-DE" altLang="de-DE" dirty="0"/>
-              <a:t>Fünfte Ebene</a:t>
-            </a:r>
-          </a:p>
-        </p:txBody>
-      </p:sp>
-      <p:sp>
-        <p:nvSpPr>
-          <p:cNvPr id="1048" name="Text Box 24">
-            <a:extLst>
-              <a:ext uri="{FF2B5EF4-FFF2-40B4-BE49-F238E27FC236}">
-                <a16:creationId xmlns:a16="http://schemas.microsoft.com/office/drawing/2014/main" id="{F1840321-693F-91D3-D149-F3E33CC4DB5D}"/>
-              </a:ext>
-            </a:extLst>
-          </p:cNvPr>
-          <p:cNvSpPr txBox="1">
-            <a:spLocks noChangeArrowheads="1"/>
-          </p:cNvSpPr>
-          <p:nvPr/>
-        </p:nvSpPr>
-        <p:spPr bwMode="auto">
-          <a:xfrm>
-            <a:off x="250825" y="6429375"/>
-            <a:ext cx="3035300" cy="427038"/>
-          </a:xfrm>
-          <a:prstGeom prst="rect">
-            <a:avLst/>
-          </a:prstGeom>
-          <a:noFill/>
-          <a:ln w="12700">
-            <a:noFill/>
-            <a:miter lim="800000"/>
-            <a:headEnd type="none" w="sm" len="sm"/>
-            <a:tailEnd type="none" w="sm" len="sm"/>
-          </a:ln>
-          <a:effectLst/>
-        </p:spPr>
-        <p:txBody>
-          <a:bodyPr wrap="none">
-            <a:spAutoFit/>
-          </a:bodyPr>
-          <a:lstStyle/>
-          <a:p>
-            <a:pPr defTabSz="762000">
-              <a:defRPr/>
-            </a:pPr>
-            <a:r>
-              <a:rPr lang="de-DE" sz="1000" dirty="0" err="1">
-                <a:solidFill>
-                  <a:schemeClr val="bg1"/>
-                </a:solidFill>
-                <a:latin typeface="Arial" charset="0"/>
-              </a:rPr>
-              <a:t>anderScore</a:t>
-            </a:r>
-            <a:r>
-              <a:rPr lang="de-DE" sz="1000" dirty="0">
-                <a:solidFill>
-                  <a:schemeClr val="bg1"/>
-                </a:solidFill>
-                <a:latin typeface="Arial" charset="0"/>
-              </a:rPr>
-              <a:t> GmbH </a:t>
-            </a:r>
-            <a:r>
-              <a:rPr lang="de-DE" sz="1200" dirty="0">
-                <a:solidFill>
-                  <a:schemeClr val="bg1"/>
-                </a:solidFill>
-                <a:latin typeface="Arial" charset="0"/>
-              </a:rPr>
-              <a:t>•</a:t>
-            </a:r>
-            <a:r>
-              <a:rPr lang="de-DE" sz="1000" dirty="0">
-                <a:solidFill>
-                  <a:schemeClr val="bg1"/>
-                </a:solidFill>
-                <a:latin typeface="Arial" charset="0"/>
-              </a:rPr>
-              <a:t> Frankenwerft 35 </a:t>
-            </a:r>
-            <a:r>
-              <a:rPr lang="de-DE" sz="1200" dirty="0">
-                <a:solidFill>
-                  <a:schemeClr val="bg1"/>
-                </a:solidFill>
-                <a:latin typeface="Arial" charset="0"/>
-              </a:rPr>
-              <a:t>•</a:t>
-            </a:r>
-            <a:r>
-              <a:rPr lang="de-DE" sz="1000" dirty="0">
-                <a:solidFill>
-                  <a:schemeClr val="bg1"/>
-                </a:solidFill>
-                <a:latin typeface="Arial" charset="0"/>
-              </a:rPr>
-              <a:t> 50667 Köln</a:t>
-            </a:r>
-          </a:p>
-          <a:p>
-            <a:pPr defTabSz="762000">
-              <a:defRPr/>
-            </a:pPr>
-            <a:r>
-              <a:rPr lang="de-DE" sz="1000" dirty="0">
-                <a:solidFill>
-                  <a:schemeClr val="bg1"/>
-                </a:solidFill>
-                <a:latin typeface="Arial" charset="0"/>
-              </a:rPr>
-              <a:t>Daniel Krämer &amp; Malte Fischer</a:t>
-            </a:r>
-          </a:p>
-        </p:txBody>
-      </p:sp>
-      <p:sp>
-        <p:nvSpPr>
-          <p:cNvPr id="1054" name="Text Box 30">
-            <a:extLst>
-              <a:ext uri="{FF2B5EF4-FFF2-40B4-BE49-F238E27FC236}">
-                <a16:creationId xmlns:a16="http://schemas.microsoft.com/office/drawing/2014/main" id="{9346920B-D70B-3A57-06DF-529E537954C8}"/>
-              </a:ext>
-            </a:extLst>
-          </p:cNvPr>
-          <p:cNvSpPr txBox="1">
-            <a:spLocks noChangeArrowheads="1"/>
-          </p:cNvSpPr>
-          <p:nvPr/>
-        </p:nvSpPr>
-        <p:spPr bwMode="auto">
-          <a:xfrm>
-            <a:off x="4252913" y="6424613"/>
-            <a:ext cx="1077539" cy="246221"/>
-          </a:xfrm>
-          <a:prstGeom prst="rect">
-            <a:avLst/>
-          </a:prstGeom>
-          <a:noFill/>
-          <a:ln w="12700">
-            <a:noFill/>
-            <a:miter lim="800000"/>
-            <a:headEnd type="none" w="sm" len="sm"/>
-            <a:tailEnd type="none" w="sm" len="sm"/>
-          </a:ln>
-          <a:effectLst/>
-        </p:spPr>
-        <p:txBody>
-          <a:bodyPr wrap="none">
-            <a:spAutoFit/>
-          </a:bodyPr>
-          <a:lstStyle/>
-          <a:p>
-            <a:pPr defTabSz="762000">
-              <a:defRPr/>
-            </a:pPr>
-            <a:r>
-              <a:rPr lang="de-DE" sz="1000" dirty="0">
-                <a:solidFill>
-                  <a:schemeClr val="bg1"/>
-                </a:solidFill>
-                <a:latin typeface="Arial" charset="0"/>
-              </a:rPr>
-              <a:t>Tag-1_2-Git.ppt</a:t>
-            </a:r>
-            <a:endParaRPr lang="de-DE" sz="1000" dirty="0">
-              <a:solidFill>
-                <a:schemeClr val="bg1"/>
-              </a:solidFill>
-              <a:latin typeface="Arial" pitchFamily="34" charset="0"/>
-            </a:endParaRPr>
-          </a:p>
-        </p:txBody>
-      </p:sp>
-      <p:sp>
-        <p:nvSpPr>
-          <p:cNvPr id="1063" name="Rectangle 39">
-            <a:hlinkClick r:id="rId4"/>
-            <a:extLst>
-              <a:ext uri="{FF2B5EF4-FFF2-40B4-BE49-F238E27FC236}">
-                <a16:creationId xmlns:a16="http://schemas.microsoft.com/office/drawing/2014/main" id="{613611E0-DAA0-F230-CD0B-8592F1472163}"/>
-              </a:ext>
-            </a:extLst>
-          </p:cNvPr>
-          <p:cNvSpPr>
-            <a:spLocks noChangeArrowheads="1"/>
-          </p:cNvSpPr>
-          <p:nvPr userDrawn="1"/>
-        </p:nvSpPr>
-        <p:spPr bwMode="auto">
-          <a:xfrm>
-            <a:off x="3914775" y="3105150"/>
-            <a:ext cx="9144000" cy="461963"/>
-          </a:xfrm>
-          <a:prstGeom prst="rect">
-            <a:avLst/>
-          </a:prstGeom>
-          <a:noFill/>
-          <a:ln w="12700">
-            <a:noFill/>
-            <a:miter lim="800000"/>
-            <a:headEnd type="none" w="sm" len="sm"/>
-            <a:tailEnd type="none" w="sm" len="sm"/>
-          </a:ln>
-          <a:effectLst/>
-        </p:spPr>
-        <p:txBody>
-          <a:bodyPr>
-            <a:spAutoFit/>
-          </a:bodyPr>
-          <a:lstStyle/>
-          <a:p>
-            <a:pPr>
-              <a:defRPr/>
-            </a:pPr>
-            <a:endParaRPr lang="de-DE" dirty="0">
-              <a:latin typeface="Arial" pitchFamily="34" charset="0"/>
-            </a:endParaRPr>
-          </a:p>
-        </p:txBody>
-      </p:sp>
-      <p:sp>
-        <p:nvSpPr>
-          <p:cNvPr id="1064" name="Rectangle 40">
-            <a:extLst>
-              <a:ext uri="{FF2B5EF4-FFF2-40B4-BE49-F238E27FC236}">
-                <a16:creationId xmlns:a16="http://schemas.microsoft.com/office/drawing/2014/main" id="{29E915F4-DDDF-F121-AC80-954D75E00DFB}"/>
-              </a:ext>
-            </a:extLst>
-          </p:cNvPr>
-          <p:cNvSpPr>
-            <a:spLocks noChangeArrowheads="1"/>
-          </p:cNvSpPr>
-          <p:nvPr userDrawn="1"/>
-        </p:nvSpPr>
-        <p:spPr bwMode="auto">
-          <a:xfrm>
-            <a:off x="0" y="0"/>
-            <a:ext cx="252413" cy="260350"/>
-          </a:xfrm>
-          <a:prstGeom prst="rect">
-            <a:avLst/>
-          </a:prstGeom>
-          <a:noFill/>
-          <a:ln w="12700">
-            <a:noFill/>
-            <a:miter lim="800000"/>
-            <a:headEnd type="none" w="sm" len="sm"/>
-            <a:tailEnd type="none" w="sm" len="sm"/>
-          </a:ln>
-          <a:effectLst/>
-        </p:spPr>
-        <p:txBody>
-          <a:bodyPr wrap="none" anchor="ctr">
-            <a:spAutoFit/>
-          </a:bodyPr>
-          <a:lstStyle/>
-          <a:p>
-            <a:pPr defTabSz="762000">
-              <a:defRPr/>
-            </a:pPr>
-            <a:r>
-              <a:rPr lang="de-DE" sz="800" dirty="0">
-                <a:latin typeface="Arial" charset="0"/>
-                <a:ea typeface="Times New Roman" pitchFamily="18" charset="0"/>
-                <a:cs typeface="Arial" charset="0"/>
-              </a:rPr>
-              <a:t> </a:t>
-            </a:r>
-            <a:r>
-              <a:rPr lang="de-DE" sz="1100" dirty="0">
-                <a:latin typeface="Arial" pitchFamily="34" charset="0"/>
-                <a:ea typeface="Times New Roman" pitchFamily="18" charset="0"/>
-                <a:cs typeface="Arial" charset="0"/>
-              </a:rPr>
-              <a:t> </a:t>
-            </a:r>
-            <a:endParaRPr lang="de-DE" dirty="0">
-              <a:latin typeface="Arial" pitchFamily="34" charset="0"/>
-              <a:ea typeface="Times New Roman" pitchFamily="18" charset="0"/>
-              <a:cs typeface="Arial" charset="0"/>
-            </a:endParaRPr>
-          </a:p>
-        </p:txBody>
-      </p:sp>
-      <p:sp>
-        <p:nvSpPr>
-          <p:cNvPr id="1065" name="Rectangle 41">
-            <a:extLst>
-              <a:ext uri="{FF2B5EF4-FFF2-40B4-BE49-F238E27FC236}">
-                <a16:creationId xmlns:a16="http://schemas.microsoft.com/office/drawing/2014/main" id="{1AC20BC3-24D2-D550-0D11-5B051D92208E}"/>
-              </a:ext>
-            </a:extLst>
-          </p:cNvPr>
-          <p:cNvSpPr>
-            <a:spLocks noChangeArrowheads="1"/>
-          </p:cNvSpPr>
-          <p:nvPr userDrawn="1"/>
-        </p:nvSpPr>
-        <p:spPr bwMode="auto">
-          <a:xfrm>
-            <a:off x="0" y="0"/>
-            <a:ext cx="252413" cy="260350"/>
-          </a:xfrm>
-          <a:prstGeom prst="rect">
-            <a:avLst/>
-          </a:prstGeom>
-          <a:noFill/>
-          <a:ln w="12700">
-            <a:noFill/>
-            <a:miter lim="800000"/>
-            <a:headEnd type="none" w="sm" len="sm"/>
-            <a:tailEnd type="none" w="sm" len="sm"/>
-          </a:ln>
-          <a:effectLst/>
-        </p:spPr>
-        <p:txBody>
-          <a:bodyPr wrap="none" anchor="ctr">
-            <a:spAutoFit/>
-          </a:bodyPr>
-          <a:lstStyle/>
-          <a:p>
-            <a:pPr defTabSz="762000">
-              <a:defRPr/>
-            </a:pPr>
-            <a:r>
-              <a:rPr lang="de-DE" sz="800" dirty="0">
-                <a:latin typeface="Arial" charset="0"/>
-                <a:ea typeface="Times New Roman" pitchFamily="18" charset="0"/>
-                <a:cs typeface="Arial" charset="0"/>
-              </a:rPr>
-              <a:t> </a:t>
-            </a:r>
-            <a:r>
-              <a:rPr lang="de-DE" sz="1100" dirty="0">
-                <a:latin typeface="Arial" pitchFamily="34" charset="0"/>
-                <a:ea typeface="Times New Roman" pitchFamily="18" charset="0"/>
-                <a:cs typeface="Arial" charset="0"/>
-              </a:rPr>
-              <a:t> </a:t>
-            </a:r>
-            <a:endParaRPr lang="de-DE" dirty="0">
-              <a:latin typeface="Arial" pitchFamily="34" charset="0"/>
-              <a:ea typeface="Times New Roman" pitchFamily="18" charset="0"/>
-              <a:cs typeface="Arial" charset="0"/>
-            </a:endParaRPr>
-          </a:p>
-        </p:txBody>
-      </p:sp>
-      <p:sp>
-        <p:nvSpPr>
-          <p:cNvPr id="1066" name="Rectangle 42">
-            <a:extLst>
-              <a:ext uri="{FF2B5EF4-FFF2-40B4-BE49-F238E27FC236}">
-                <a16:creationId xmlns:a16="http://schemas.microsoft.com/office/drawing/2014/main" id="{492F53AD-7BED-DC98-EB8F-A0EE8D11CB43}"/>
-              </a:ext>
-            </a:extLst>
-          </p:cNvPr>
-          <p:cNvSpPr>
-            <a:spLocks noChangeArrowheads="1"/>
-          </p:cNvSpPr>
-          <p:nvPr userDrawn="1"/>
-        </p:nvSpPr>
-        <p:spPr bwMode="auto">
-          <a:xfrm>
-            <a:off x="0" y="0"/>
-            <a:ext cx="252413" cy="260350"/>
-          </a:xfrm>
-          <a:prstGeom prst="rect">
-            <a:avLst/>
-          </a:prstGeom>
-          <a:noFill/>
-          <a:ln w="12700">
-            <a:noFill/>
-            <a:miter lim="800000"/>
-            <a:headEnd type="none" w="sm" len="sm"/>
-            <a:tailEnd type="none" w="sm" len="sm"/>
-          </a:ln>
-          <a:effectLst/>
-        </p:spPr>
-        <p:txBody>
-          <a:bodyPr wrap="none" anchor="ctr">
-            <a:spAutoFit/>
-          </a:bodyPr>
-          <a:lstStyle/>
-          <a:p>
-            <a:pPr defTabSz="762000">
-              <a:defRPr/>
-            </a:pPr>
-            <a:r>
-              <a:rPr lang="de-DE" sz="800" dirty="0">
-                <a:latin typeface="Arial" charset="0"/>
-                <a:ea typeface="Times New Roman" pitchFamily="18" charset="0"/>
-                <a:cs typeface="Arial" charset="0"/>
-              </a:rPr>
-              <a:t> </a:t>
-            </a:r>
-            <a:r>
-              <a:rPr lang="de-DE" sz="1100" dirty="0">
-                <a:latin typeface="Arial" pitchFamily="34" charset="0"/>
-                <a:ea typeface="Times New Roman" pitchFamily="18" charset="0"/>
-                <a:cs typeface="Arial" charset="0"/>
-              </a:rPr>
-              <a:t> </a:t>
-            </a:r>
-            <a:endParaRPr lang="de-DE" dirty="0">
-              <a:latin typeface="Arial" pitchFamily="34" charset="0"/>
-              <a:ea typeface="Times New Roman" pitchFamily="18" charset="0"/>
-              <a:cs typeface="Arial" charset="0"/>
-            </a:endParaRPr>
-          </a:p>
-        </p:txBody>
-      </p:sp>
-      <p:pic>
-        <p:nvPicPr>
-          <p:cNvPr id="1037" name="713fdfc0-1a72-49da-bd13-b47278f75372" descr="EAF3711E-BEB0-47E0-BD76-8002A3B4EEFA@localdomain">
-            <a:extLst>
-              <a:ext uri="{FF2B5EF4-FFF2-40B4-BE49-F238E27FC236}">
-                <a16:creationId xmlns:a16="http://schemas.microsoft.com/office/drawing/2014/main" id="{4AE00106-8F78-C96F-8B30-D2683A6B8AAD}"/>
-              </a:ext>
-            </a:extLst>
-          </p:cNvPr>
-          <p:cNvPicPr>
-            <a:picLocks noChangeAspect="1" noChangeArrowheads="1"/>
-          </p:cNvPicPr>
-          <p:nvPr userDrawn="1"/>
-        </p:nvPicPr>
-        <p:blipFill>
-          <a:blip r:embed="rId5">
-            <a:extLst>
-              <a:ext uri="{28A0092B-C50C-407E-A947-70E740481C1C}">
-                <a14:useLocalDpi xmlns:a14="http://schemas.microsoft.com/office/drawing/2010/main" val="0"/>
-              </a:ext>
-            </a:extLst>
-          </a:blip>
-          <a:srcRect/>
-          <a:stretch>
-            <a:fillRect/>
-          </a:stretch>
-        </p:blipFill>
-        <p:spPr bwMode="auto">
-          <a:xfrm>
-            <a:off x="0" y="0"/>
-            <a:ext cx="9144000" cy="955675"/>
-          </a:xfrm>
-          <a:prstGeom prst="rect">
-            <a:avLst/>
-          </a:prstGeom>
-          <a:noFill/>
-          <a:ln>
-            <a:noFill/>
-          </a:ln>
-          <a:extLst>
-            <a:ext uri="{909E8E84-426E-40DD-AFC4-6F175D3DCCD1}">
-              <a14:hiddenFill xmlns:a14="http://schemas.microsoft.com/office/drawing/2010/main">
-                <a:solidFill>
-                  <a:srgbClr val="FFFFFF"/>
-                </a:solidFill>
-              </a14:hiddenFill>
-            </a:ext>
-            <a:ext uri="{91240B29-F687-4F45-9708-019B960494DF}">
-              <a14:hiddenLine xmlns:a14="http://schemas.microsoft.com/office/drawing/2010/main" w="9525">
-                <a:solidFill>
-                  <a:srgbClr val="000000"/>
-                </a:solidFill>
-                <a:miter lim="800000"/>
-                <a:headEnd/>
-                <a:tailEnd/>
-              </a14:hiddenLine>
-            </a:ext>
-          </a:extLst>
-        </p:spPr>
-      </p:pic>
-      <p:pic>
-        <p:nvPicPr>
-          <p:cNvPr id="1038" name="Picture 43" descr="_anderScore-Logo_2773x575_new">
-            <a:extLst>
-              <a:ext uri="{FF2B5EF4-FFF2-40B4-BE49-F238E27FC236}">
-                <a16:creationId xmlns:a16="http://schemas.microsoft.com/office/drawing/2014/main" id="{CC9E1C11-27DD-E217-D73D-AA9C236B0D54}"/>
-              </a:ext>
-            </a:extLst>
-          </p:cNvPr>
-          <p:cNvPicPr>
-            <a:picLocks noChangeAspect="1" noChangeArrowheads="1"/>
-          </p:cNvPicPr>
-          <p:nvPr userDrawn="1"/>
-        </p:nvPicPr>
-        <p:blipFill>
-          <a:blip r:embed="rId6">
-            <a:extLst>
-              <a:ext uri="{28A0092B-C50C-407E-A947-70E740481C1C}">
-                <a14:useLocalDpi xmlns:a14="http://schemas.microsoft.com/office/drawing/2010/main" val="0"/>
-              </a:ext>
-            </a:extLst>
-          </a:blip>
-          <a:srcRect/>
-          <a:stretch>
-            <a:fillRect/>
-          </a:stretch>
-        </p:blipFill>
-        <p:spPr bwMode="auto">
-          <a:xfrm>
-            <a:off x="6084888" y="231775"/>
-            <a:ext cx="2754312" cy="576263"/>
-          </a:xfrm>
-          <a:prstGeom prst="rect">
-            <a:avLst/>
-          </a:prstGeom>
-          <a:noFill/>
-          <a:ln>
-            <a:noFill/>
-          </a:ln>
-          <a:extLst>
-            <a:ext uri="{909E8E84-426E-40DD-AFC4-6F175D3DCCD1}">
-              <a14:hiddenFill xmlns:a14="http://schemas.microsoft.com/office/drawing/2010/main">
-                <a:solidFill>
-                  <a:srgbClr val="FFFFFF"/>
-                </a:solidFill>
-              </a14:hiddenFill>
-            </a:ext>
-            <a:ext uri="{91240B29-F687-4F45-9708-019B960494DF}">
-              <a14:hiddenLine xmlns:a14="http://schemas.microsoft.com/office/drawing/2010/main" w="9525">
-                <a:solidFill>
-                  <a:srgbClr val="000000"/>
-                </a:solidFill>
-                <a:miter lim="800000"/>
-                <a:headEnd/>
-                <a:tailEnd/>
-              </a14:hiddenLine>
-            </a:ext>
-          </a:extLst>
-        </p:spPr>
-      </p:pic>
-      <p:sp>
-        <p:nvSpPr>
-          <p:cNvPr id="1039" name="Rectangle 45">
-            <a:extLst>
-              <a:ext uri="{FF2B5EF4-FFF2-40B4-BE49-F238E27FC236}">
-                <a16:creationId xmlns:a16="http://schemas.microsoft.com/office/drawing/2014/main" id="{ECFE2338-BCA1-E902-1A46-C4FCCF006FB2}"/>
-              </a:ext>
-            </a:extLst>
-          </p:cNvPr>
-          <p:cNvSpPr>
-            <a:spLocks noGrp="1" noChangeArrowheads="1"/>
-          </p:cNvSpPr>
-          <p:nvPr>
-            <p:ph type="title"/>
-          </p:nvPr>
-        </p:nvSpPr>
-        <p:spPr bwMode="auto">
-          <a:xfrm>
-            <a:off x="303213" y="115888"/>
-            <a:ext cx="5554662" cy="706437"/>
-          </a:xfrm>
-          <a:prstGeom prst="rect">
-            <a:avLst/>
-          </a:prstGeom>
-          <a:noFill/>
-          <a:ln>
-            <a:noFill/>
-          </a:ln>
-          <a:extLst>
-            <a:ext uri="{909E8E84-426E-40DD-AFC4-6F175D3DCCD1}">
-              <a14:hiddenFill xmlns:a14="http://schemas.microsoft.com/office/drawing/2010/main">
-                <a:solidFill>
-                  <a:srgbClr val="FFFFFF"/>
-                </a:solidFill>
-              </a14:hiddenFill>
-            </a:ext>
-            <a:ext uri="{91240B29-F687-4F45-9708-019B960494DF}">
-              <a14:hiddenLine xmlns:a14="http://schemas.microsoft.com/office/drawing/2010/main" w="9525">
-                <a:solidFill>
-                  <a:srgbClr val="000000"/>
-                </a:solidFill>
-                <a:miter lim="800000"/>
-                <a:headEnd/>
-                <a:tailEnd/>
-              </a14:hiddenLine>
-            </a:ext>
-          </a:extLst>
-        </p:spPr>
-        <p:txBody>
-          <a:bodyPr vert="horz" wrap="square" lIns="91440" tIns="45720" rIns="91440" bIns="45720" numCol="1" anchor="ctr" anchorCtr="0" compatLnSpc="1">
-            <a:prstTxWarp prst="textNoShape">
-              <a:avLst/>
-            </a:prstTxWarp>
-          </a:bodyPr>
-          <a:lstStyle/>
-          <a:p>
-            <a:pPr lvl="0"/>
-            <a:r>
-              <a:rPr lang="de-DE" altLang="de-DE"/>
-              <a:t>Titelmasterformat durch Klicken bearbeiten</a:t>
-            </a:r>
-          </a:p>
-        </p:txBody>
-      </p:sp>
-    </p:spTree>
-    <p:extLst>
-      <p:ext uri="{BB962C8B-B14F-4D97-AF65-F5344CB8AC3E}">
-        <p14:creationId xmlns:p14="http://schemas.microsoft.com/office/powerpoint/2010/main" val="160863298"/>
-      </p:ext>
-    </p:extLst>
-  </p:cSld>
-  <p:clrMap bg1="lt1" tx1="dk1" bg2="lt2" tx2="dk2" accent1="accent1" accent2="accent2" accent3="accent3" accent4="accent4" accent5="accent5" accent6="accent6" hlink="hlink" folHlink="folHlink"/>
-  <p:sldLayoutIdLst>
-    <p:sldLayoutId id="2147483898" r:id="rId1"/>
-    <p:sldLayoutId id="2147483902" r:id="rId2"/>
-  </p:sldLayoutIdLst>
-  <p:txStyles>
-    <p:titleStyle>
-      <a:lvl1pPr algn="l" rtl="0" eaLnBrk="1" fontAlgn="base" hangingPunct="1">
-        <a:lnSpc>
-          <a:spcPct val="90000"/>
-        </a:lnSpc>
-        <a:spcBef>
-          <a:spcPct val="0"/>
-        </a:spcBef>
-        <a:spcAft>
-          <a:spcPct val="0"/>
-        </a:spcAft>
-        <a:defRPr sz="3000">
-          <a:solidFill>
-            <a:srgbClr val="0D4F3C"/>
-          </a:solidFill>
-          <a:latin typeface="+mj-lt"/>
-          <a:ea typeface="+mj-ea"/>
-          <a:cs typeface="+mj-cs"/>
-        </a:defRPr>
-      </a:lvl1pPr>
-      <a:lvl2pPr algn="l" rtl="0" eaLnBrk="1" fontAlgn="base" hangingPunct="1">
-        <a:lnSpc>
-          <a:spcPct val="90000"/>
-        </a:lnSpc>
-        <a:spcBef>
-          <a:spcPct val="0"/>
-        </a:spcBef>
-        <a:spcAft>
-          <a:spcPct val="0"/>
-        </a:spcAft>
-        <a:defRPr sz="3000">
-          <a:solidFill>
-            <a:srgbClr val="0D4F3C"/>
-          </a:solidFill>
-          <a:latin typeface="Arial" charset="0"/>
-        </a:defRPr>
-      </a:lvl2pPr>
-      <a:lvl3pPr algn="l" rtl="0" eaLnBrk="1" fontAlgn="base" hangingPunct="1">
-        <a:lnSpc>
-          <a:spcPct val="90000"/>
-        </a:lnSpc>
-        <a:spcBef>
-          <a:spcPct val="0"/>
-        </a:spcBef>
-        <a:spcAft>
-          <a:spcPct val="0"/>
-        </a:spcAft>
-        <a:defRPr sz="3000">
-          <a:solidFill>
-            <a:srgbClr val="0D4F3C"/>
-          </a:solidFill>
-          <a:latin typeface="Arial" charset="0"/>
-        </a:defRPr>
-      </a:lvl3pPr>
-      <a:lvl4pPr algn="l" rtl="0" eaLnBrk="1" fontAlgn="base" hangingPunct="1">
-        <a:lnSpc>
-          <a:spcPct val="90000"/>
-        </a:lnSpc>
-        <a:spcBef>
-          <a:spcPct val="0"/>
-        </a:spcBef>
-        <a:spcAft>
-          <a:spcPct val="0"/>
-        </a:spcAft>
-        <a:defRPr sz="3000">
-          <a:solidFill>
-            <a:srgbClr val="0D4F3C"/>
-          </a:solidFill>
-          <a:latin typeface="Arial" charset="0"/>
-        </a:defRPr>
-      </a:lvl4pPr>
-      <a:lvl5pPr algn="l" rtl="0" eaLnBrk="1" fontAlgn="base" hangingPunct="1">
-        <a:lnSpc>
-          <a:spcPct val="90000"/>
-        </a:lnSpc>
-        <a:spcBef>
-          <a:spcPct val="0"/>
-        </a:spcBef>
-        <a:spcAft>
-          <a:spcPct val="0"/>
-        </a:spcAft>
-        <a:defRPr sz="3000">
-          <a:solidFill>
-            <a:srgbClr val="0D4F3C"/>
-          </a:solidFill>
-          <a:latin typeface="Arial" charset="0"/>
-        </a:defRPr>
-      </a:lvl5pPr>
-      <a:lvl6pPr marL="457200" algn="l" rtl="0" eaLnBrk="1" fontAlgn="base" hangingPunct="1">
-        <a:spcBef>
-          <a:spcPct val="0"/>
-        </a:spcBef>
-        <a:spcAft>
-          <a:spcPct val="0"/>
-        </a:spcAft>
-        <a:defRPr sz="3000">
-          <a:solidFill>
-            <a:srgbClr val="0D4F3C"/>
-          </a:solidFill>
-          <a:latin typeface="Arial" charset="0"/>
-        </a:defRPr>
-      </a:lvl6pPr>
-      <a:lvl7pPr marL="914400" algn="l" rtl="0" eaLnBrk="1" fontAlgn="base" hangingPunct="1">
-        <a:spcBef>
-          <a:spcPct val="0"/>
-        </a:spcBef>
-        <a:spcAft>
-          <a:spcPct val="0"/>
-        </a:spcAft>
-        <a:defRPr sz="3000">
-          <a:solidFill>
-            <a:srgbClr val="0D4F3C"/>
-          </a:solidFill>
-          <a:latin typeface="Arial" charset="0"/>
-        </a:defRPr>
-      </a:lvl7pPr>
-      <a:lvl8pPr marL="1371600" algn="l" rtl="0" eaLnBrk="1" fontAlgn="base" hangingPunct="1">
-        <a:spcBef>
-          <a:spcPct val="0"/>
-        </a:spcBef>
-        <a:spcAft>
-          <a:spcPct val="0"/>
-        </a:spcAft>
-        <a:defRPr sz="3000">
-          <a:solidFill>
-            <a:srgbClr val="0D4F3C"/>
-          </a:solidFill>
-          <a:latin typeface="Arial" charset="0"/>
-        </a:defRPr>
-      </a:lvl8pPr>
-      <a:lvl9pPr marL="1828800" algn="l" rtl="0" eaLnBrk="1" fontAlgn="base" hangingPunct="1">
-        <a:spcBef>
-          <a:spcPct val="0"/>
-        </a:spcBef>
-        <a:spcAft>
-          <a:spcPct val="0"/>
-        </a:spcAft>
-        <a:defRPr sz="3000">
-          <a:solidFill>
-            <a:srgbClr val="0D4F3C"/>
-          </a:solidFill>
-          <a:latin typeface="Arial" charset="0"/>
-        </a:defRPr>
-      </a:lvl9pPr>
-    </p:titleStyle>
-    <p:bodyStyle>
-      <a:lvl1pPr marL="342900" indent="-342900" algn="l" rtl="0" eaLnBrk="1" fontAlgn="base" hangingPunct="1">
-        <a:spcBef>
-          <a:spcPct val="20000"/>
-        </a:spcBef>
-        <a:spcAft>
-          <a:spcPct val="0"/>
-        </a:spcAft>
-        <a:buClr>
-          <a:srgbClr val="008C5A"/>
-        </a:buClr>
-        <a:buFont typeface="Arial" panose="020B0604020202020204" pitchFamily="34" charset="0"/>
-        <a:buChar char="•"/>
-        <a:defRPr sz="2400">
-          <a:solidFill>
-            <a:schemeClr val="tx1"/>
-          </a:solidFill>
-          <a:latin typeface="+mn-lt"/>
-          <a:ea typeface="+mn-ea"/>
-          <a:cs typeface="+mn-cs"/>
-        </a:defRPr>
-      </a:lvl1pPr>
-      <a:lvl2pPr marL="742950" indent="-285750" algn="l" rtl="0" eaLnBrk="1" fontAlgn="base" hangingPunct="1">
-        <a:spcBef>
-          <a:spcPct val="20000"/>
-        </a:spcBef>
-        <a:spcAft>
-          <a:spcPct val="0"/>
-        </a:spcAft>
-        <a:buClr>
-          <a:srgbClr val="008C5A"/>
-        </a:buClr>
-        <a:buFont typeface="Arial" panose="020B0604020202020204" pitchFamily="34" charset="0"/>
-        <a:buChar char="•"/>
-        <a:defRPr sz="2000">
-          <a:solidFill>
-            <a:schemeClr val="tx1"/>
-          </a:solidFill>
-          <a:latin typeface="+mn-lt"/>
-        </a:defRPr>
-      </a:lvl2pPr>
-      <a:lvl3pPr marL="1143000" indent="-228600" algn="l" rtl="0" eaLnBrk="1" fontAlgn="base" hangingPunct="1">
-        <a:spcBef>
-          <a:spcPct val="20000"/>
-        </a:spcBef>
-        <a:spcAft>
-          <a:spcPct val="0"/>
-        </a:spcAft>
-        <a:buClr>
-          <a:srgbClr val="008C5A"/>
-        </a:buClr>
-        <a:buFont typeface="Arial" panose="020B0604020202020204" pitchFamily="34" charset="0"/>
-        <a:buChar char="•"/>
-        <a:defRPr sz="1600">
-          <a:solidFill>
-            <a:schemeClr val="tx1"/>
-          </a:solidFill>
-          <a:latin typeface="+mn-lt"/>
-        </a:defRPr>
-      </a:lvl3pPr>
-      <a:lvl4pPr marL="1562100" indent="-228600" algn="l" rtl="0" eaLnBrk="1" fontAlgn="base" hangingPunct="1">
-        <a:spcBef>
-          <a:spcPct val="20000"/>
-        </a:spcBef>
-        <a:spcAft>
-          <a:spcPct val="0"/>
-        </a:spcAft>
-        <a:buClr>
-          <a:srgbClr val="008C5A"/>
-        </a:buClr>
-        <a:buFont typeface="Arial" panose="020B0604020202020204" pitchFamily="34" charset="0"/>
-        <a:buChar char="•"/>
-        <a:defRPr sz="1600">
-          <a:solidFill>
-            <a:schemeClr val="tx1"/>
-          </a:solidFill>
-          <a:latin typeface="+mn-lt"/>
-        </a:defRPr>
-      </a:lvl4pPr>
-      <a:lvl5pPr marL="1981200" indent="-228600" algn="l" rtl="0" eaLnBrk="1" fontAlgn="base" hangingPunct="1">
-        <a:spcBef>
-          <a:spcPct val="20000"/>
-        </a:spcBef>
-        <a:spcAft>
-          <a:spcPct val="0"/>
-        </a:spcAft>
-        <a:buClr>
-          <a:srgbClr val="008C5A"/>
-        </a:buClr>
-        <a:buFont typeface="Arial" panose="020B0604020202020204" pitchFamily="34" charset="0"/>
-        <a:buChar char="•"/>
-        <a:defRPr sz="1600">
-          <a:solidFill>
-            <a:schemeClr val="tx1"/>
-          </a:solidFill>
-          <a:latin typeface="+mn-lt"/>
-        </a:defRPr>
-      </a:lvl5pPr>
-      <a:lvl6pPr marL="2438400" indent="-228600" algn="l" rtl="0" eaLnBrk="1" fontAlgn="base" hangingPunct="1">
-        <a:spcBef>
-          <a:spcPct val="20000"/>
-        </a:spcBef>
-        <a:spcAft>
-          <a:spcPct val="0"/>
-        </a:spcAft>
-        <a:buClr>
-          <a:srgbClr val="008C5A"/>
-        </a:buClr>
-        <a:buFont typeface="Monotype Sorts" pitchFamily="2" charset="2"/>
-        <a:buChar char="l"/>
-        <a:defRPr sz="1600">
-          <a:solidFill>
-            <a:schemeClr val="tx1"/>
-          </a:solidFill>
-          <a:latin typeface="+mn-lt"/>
-        </a:defRPr>
-      </a:lvl6pPr>
-      <a:lvl7pPr marL="2895600" indent="-228600" algn="l" rtl="0" eaLnBrk="1" fontAlgn="base" hangingPunct="1">
-        <a:spcBef>
-          <a:spcPct val="20000"/>
-        </a:spcBef>
-        <a:spcAft>
-          <a:spcPct val="0"/>
-        </a:spcAft>
-        <a:buClr>
-          <a:srgbClr val="008C5A"/>
-        </a:buClr>
-        <a:buFont typeface="Monotype Sorts" pitchFamily="2" charset="2"/>
-        <a:buChar char="l"/>
-        <a:defRPr sz="1600">
-          <a:solidFill>
-            <a:schemeClr val="tx1"/>
-          </a:solidFill>
-          <a:latin typeface="+mn-lt"/>
-        </a:defRPr>
-      </a:lvl7pPr>
-      <a:lvl8pPr marL="3352800" indent="-228600" algn="l" rtl="0" eaLnBrk="1" fontAlgn="base" hangingPunct="1">
-        <a:spcBef>
-          <a:spcPct val="20000"/>
-        </a:spcBef>
-        <a:spcAft>
-          <a:spcPct val="0"/>
-        </a:spcAft>
-        <a:buClr>
-          <a:srgbClr val="008C5A"/>
-        </a:buClr>
-        <a:buFont typeface="Monotype Sorts" pitchFamily="2" charset="2"/>
-        <a:buChar char="l"/>
-        <a:defRPr sz="1600">
-          <a:solidFill>
-            <a:schemeClr val="tx1"/>
-          </a:solidFill>
-          <a:latin typeface="+mn-lt"/>
-        </a:defRPr>
-      </a:lvl8pPr>
-      <a:lvl9pPr marL="3810000" indent="-228600" algn="l" rtl="0" eaLnBrk="1" fontAlgn="base" hangingPunct="1">
-        <a:spcBef>
-          <a:spcPct val="20000"/>
-        </a:spcBef>
-        <a:spcAft>
-          <a:spcPct val="0"/>
-        </a:spcAft>
-        <a:buClr>
-          <a:srgbClr val="008C5A"/>
-        </a:buClr>
-        <a:buFont typeface="Monotype Sorts" pitchFamily="2" charset="2"/>
-        <a:buChar char="l"/>
-        <a:defRPr sz="1600">
-          <a:solidFill>
-            <a:schemeClr val="tx1"/>
-          </a:solidFill>
-          <a:latin typeface="+mn-lt"/>
-        </a:defRPr>
-      </a:lvl9pPr>
-    </p:bodyStyle>
-    <p:otherStyle>
-      <a:defPPr>
-        <a:defRPr lang="de-DE"/>
-      </a:defPPr>
-      <a:lvl1pPr marL="0" algn="l" defTabSz="914400" rtl="0" eaLnBrk="1" latinLnBrk="0" hangingPunct="1">
-        <a:defRPr sz="1800" kern="1200">
-          <a:solidFill>
-            <a:schemeClr val="tx1"/>
-          </a:solidFill>
-          <a:latin typeface="+mn-lt"/>
-          <a:ea typeface="+mn-ea"/>
-          <a:cs typeface="+mn-cs"/>
-        </a:defRPr>
-      </a:lvl1pPr>
-      <a:lvl2pPr marL="457200" algn="l" defTabSz="914400" rtl="0" eaLnBrk="1" latinLnBrk="0" hangingPunct="1">
-        <a:defRPr sz="1800" kern="1200">
-          <a:solidFill>
-            <a:schemeClr val="tx1"/>
-          </a:solidFill>
-          <a:latin typeface="+mn-lt"/>
-          <a:ea typeface="+mn-ea"/>
-          <a:cs typeface="+mn-cs"/>
-        </a:defRPr>
-      </a:lvl2pPr>
-      <a:lvl3pPr marL="914400" algn="l" defTabSz="914400" rtl="0" eaLnBrk="1" latinLnBrk="0" hangingPunct="1">
-        <a:defRPr sz="1800" kern="1200">
-          <a:solidFill>
-            <a:schemeClr val="tx1"/>
-          </a:solidFill>
-          <a:latin typeface="+mn-lt"/>
-          <a:ea typeface="+mn-ea"/>
-          <a:cs typeface="+mn-cs"/>
-        </a:defRPr>
-      </a:lvl3pPr>
-      <a:lvl4pPr marL="1371600" algn="l" defTabSz="914400" rtl="0" eaLnBrk="1" latinLnBrk="0" hangingPunct="1">
-        <a:defRPr sz="1800" kern="1200">
-          <a:solidFill>
-            <a:schemeClr val="tx1"/>
-          </a:solidFill>
-          <a:latin typeface="+mn-lt"/>
-          <a:ea typeface="+mn-ea"/>
-          <a:cs typeface="+mn-cs"/>
-        </a:defRPr>
-      </a:lvl4pPr>
-      <a:lvl5pPr marL="1828800" algn="l" defTabSz="914400" rtl="0" eaLnBrk="1" latinLnBrk="0" hangingPunct="1">
-        <a:defRPr sz="1800" kern="1200">
-          <a:solidFill>
-            <a:schemeClr val="tx1"/>
-          </a:solidFill>
-          <a:latin typeface="+mn-lt"/>
-          <a:ea typeface="+mn-ea"/>
-          <a:cs typeface="+mn-cs"/>
-        </a:defRPr>
-      </a:lvl5pPr>
-      <a:lvl6pPr marL="2286000" algn="l" defTabSz="914400" rtl="0" eaLnBrk="1" latinLnBrk="0" hangingPunct="1">
-        <a:defRPr sz="1800" kern="1200">
-          <a:solidFill>
-            <a:schemeClr val="tx1"/>
-          </a:solidFill>
-          <a:latin typeface="+mn-lt"/>
-          <a:ea typeface="+mn-ea"/>
-          <a:cs typeface="+mn-cs"/>
-        </a:defRPr>
-      </a:lvl6pPr>
-      <a:lvl7pPr marL="2743200" algn="l" defTabSz="914400" rtl="0" eaLnBrk="1" latinLnBrk="0" hangingPunct="1">
-        <a:defRPr sz="1800" kern="1200">
-          <a:solidFill>
-            <a:schemeClr val="tx1"/>
-          </a:solidFill>
-          <a:latin typeface="+mn-lt"/>
-          <a:ea typeface="+mn-ea"/>
-          <a:cs typeface="+mn-cs"/>
-        </a:defRPr>
-      </a:lvl7pPr>
-      <a:lvl8pPr marL="3200400" algn="l" defTabSz="914400" rtl="0" eaLnBrk="1" latinLnBrk="0" hangingPunct="1">
-        <a:defRPr sz="1800" kern="1200">
-          <a:solidFill>
-            <a:schemeClr val="tx1"/>
-          </a:solidFill>
-          <a:latin typeface="+mn-lt"/>
-          <a:ea typeface="+mn-ea"/>
-          <a:cs typeface="+mn-cs"/>
-        </a:defRPr>
-      </a:lvl8pPr>
-      <a:lvl9pPr marL="3657600" algn="l" defTabSz="914400" rtl="0" eaLnBrk="1" latinLnBrk="0" hangingPunct="1">
-        <a:defRPr sz="1800" kern="1200">
-          <a:solidFill>
-            <a:schemeClr val="tx1"/>
-          </a:solidFill>
-          <a:latin typeface="+mn-lt"/>
-          <a:ea typeface="+mn-ea"/>
-          <a:cs typeface="+mn-cs"/>
-        </a:defRPr>
-      </a:lvl9pPr>
-    </p:otherStyle>
-  </p:txStyles>
-</p:sldMaster>
-</file>
-
-<file path=ppt/slideMasters/slideMaster4.xml><?xml version="1.0" encoding="utf-8"?>
-<p:sldMaster xmlns:a="http://schemas.openxmlformats.org/drawingml/2006/main" xmlns:r="http://schemas.openxmlformats.org/officeDocument/2006/relationships" xmlns:p="http://schemas.openxmlformats.org/presentationml/2006/main">
-  <p:cSld>
-    <p:bg>
-      <p:bgPr>
-        <a:solidFill>
-          <a:schemeClr val="bg1"/>
-        </a:solidFill>
-        <a:effectLst/>
-      </p:bgPr>
-    </p:bg>
-    <p:spTree>
-      <p:nvGrpSpPr>
-        <p:cNvPr id="1" name=""/>
-        <p:cNvGrpSpPr/>
-        <p:nvPr/>
-      </p:nvGrpSpPr>
-      <p:grpSpPr>
-        <a:xfrm>
-          <a:off x="0" y="0"/>
-          <a:ext cx="0" cy="0"/>
-          <a:chOff x="0" y="0"/>
-          <a:chExt cx="0" cy="0"/>
-        </a:xfrm>
-      </p:grpSpPr>
-      <p:sp>
-        <p:nvSpPr>
-          <p:cNvPr id="1071" name="Rectangle 47">
-            <a:extLst>
-              <a:ext uri="{FF2B5EF4-FFF2-40B4-BE49-F238E27FC236}">
-                <a16:creationId xmlns:a16="http://schemas.microsoft.com/office/drawing/2014/main" id="{BAECF73F-51DF-FDBE-6AE5-F37C2B1BD435}"/>
-              </a:ext>
-            </a:extLst>
-          </p:cNvPr>
-          <p:cNvSpPr>
-            <a:spLocks noChangeArrowheads="1"/>
-          </p:cNvSpPr>
-          <p:nvPr userDrawn="1"/>
-        </p:nvSpPr>
-        <p:spPr bwMode="auto">
-          <a:xfrm>
-            <a:off x="0" y="6453188"/>
-            <a:ext cx="9144000" cy="404812"/>
-          </a:xfrm>
-          <a:prstGeom prst="rect">
-            <a:avLst/>
-          </a:prstGeom>
-          <a:solidFill>
-            <a:srgbClr val="0D4F3C"/>
-          </a:solidFill>
-          <a:ln w="9525">
-            <a:noFill/>
-            <a:miter lim="800000"/>
-            <a:headEnd/>
-            <a:tailEnd/>
-          </a:ln>
-          <a:effectLst/>
-        </p:spPr>
-        <p:txBody>
-          <a:bodyPr wrap="none" anchor="ctr"/>
-          <a:lstStyle/>
-          <a:p>
-            <a:pPr>
-              <a:defRPr/>
-            </a:pPr>
-            <a:endParaRPr lang="de-DE" dirty="0">
-              <a:latin typeface="Arial" pitchFamily="34" charset="0"/>
-            </a:endParaRPr>
-          </a:p>
-        </p:txBody>
-      </p:sp>
-      <p:sp>
-        <p:nvSpPr>
-          <p:cNvPr id="1029" name="Rectangle 5">
-            <a:extLst>
-              <a:ext uri="{FF2B5EF4-FFF2-40B4-BE49-F238E27FC236}">
-                <a16:creationId xmlns:a16="http://schemas.microsoft.com/office/drawing/2014/main" id="{05F4B649-D280-50F3-C67E-6AAA9D00BFF3}"/>
-              </a:ext>
-            </a:extLst>
-          </p:cNvPr>
-          <p:cNvSpPr>
-            <a:spLocks noChangeArrowheads="1"/>
-          </p:cNvSpPr>
-          <p:nvPr/>
-        </p:nvSpPr>
-        <p:spPr bwMode="auto">
-          <a:xfrm>
-            <a:off x="7924800" y="457200"/>
-            <a:ext cx="895350" cy="457200"/>
-          </a:xfrm>
-          <a:prstGeom prst="rect">
-            <a:avLst/>
-          </a:prstGeom>
-          <a:noFill/>
-          <a:ln w="9525">
-            <a:noFill/>
-            <a:miter lim="800000"/>
-            <a:headEnd/>
-            <a:tailEnd/>
-          </a:ln>
-          <a:effectLst/>
-        </p:spPr>
-        <p:txBody>
-          <a:bodyPr wrap="none" anchor="ctr"/>
-          <a:lstStyle/>
-          <a:p>
-            <a:pPr>
-              <a:defRPr/>
-            </a:pPr>
-            <a:endParaRPr lang="de-DE" dirty="0">
-              <a:latin typeface="Arial" pitchFamily="34" charset="0"/>
-            </a:endParaRPr>
-          </a:p>
-        </p:txBody>
-      </p:sp>
-      <p:sp>
-        <p:nvSpPr>
-          <p:cNvPr id="1030" name="Rectangle 6">
-            <a:extLst>
-              <a:ext uri="{FF2B5EF4-FFF2-40B4-BE49-F238E27FC236}">
-                <a16:creationId xmlns:a16="http://schemas.microsoft.com/office/drawing/2014/main" id="{84F4050C-4DDC-EEE7-1F55-0CF6892CBFB1}"/>
-              </a:ext>
-            </a:extLst>
-          </p:cNvPr>
-          <p:cNvSpPr>
-            <a:spLocks noChangeArrowheads="1"/>
-          </p:cNvSpPr>
-          <p:nvPr/>
-        </p:nvSpPr>
-        <p:spPr bwMode="auto">
-          <a:xfrm>
-            <a:off x="4456113" y="6615113"/>
-            <a:ext cx="812800" cy="244475"/>
-          </a:xfrm>
-          <a:prstGeom prst="rect">
-            <a:avLst/>
-          </a:prstGeom>
-          <a:noFill/>
-          <a:ln w="9525">
-            <a:noFill/>
-            <a:miter lim="800000"/>
-            <a:headEnd/>
-            <a:tailEnd/>
-          </a:ln>
-          <a:effectLst/>
-        </p:spPr>
-        <p:txBody>
-          <a:bodyPr wrap="none" lIns="92075" tIns="46038" rIns="92075" bIns="46038" anchor="ctr">
-            <a:spAutoFit/>
-          </a:bodyPr>
-          <a:lstStyle/>
-          <a:p>
-            <a:pPr algn="ctr">
-              <a:defRPr/>
-            </a:pPr>
-            <a:fld id="{61B3D086-5D28-4B67-8868-985D0752D18E}" type="datetime1">
-              <a:rPr lang="de-DE" sz="1000">
-                <a:solidFill>
-                  <a:schemeClr val="bg1"/>
-                </a:solidFill>
-                <a:latin typeface="Arial" charset="0"/>
-              </a:rPr>
-              <a:pPr algn="ctr">
-                <a:defRPr/>
-              </a:pPr>
-              <a:t>10.06.2024</a:t>
-            </a:fld>
-            <a:endParaRPr lang="de-DE" sz="1000">
-              <a:solidFill>
-                <a:schemeClr val="bg1"/>
-              </a:solidFill>
-              <a:latin typeface="Arial" charset="0"/>
-            </a:endParaRPr>
-          </a:p>
-        </p:txBody>
-      </p:sp>
-      <p:sp>
-        <p:nvSpPr>
-          <p:cNvPr id="1031" name="Rectangle 7">
-            <a:extLst>
-              <a:ext uri="{FF2B5EF4-FFF2-40B4-BE49-F238E27FC236}">
-                <a16:creationId xmlns:a16="http://schemas.microsoft.com/office/drawing/2014/main" id="{F275FE2A-62CE-89A3-6F74-188DBF7725EF}"/>
-              </a:ext>
-            </a:extLst>
-          </p:cNvPr>
-          <p:cNvSpPr>
-            <a:spLocks noChangeArrowheads="1"/>
-          </p:cNvSpPr>
-          <p:nvPr/>
-        </p:nvSpPr>
-        <p:spPr bwMode="auto">
-          <a:xfrm>
-            <a:off x="8308975" y="6515100"/>
-            <a:ext cx="439738" cy="244475"/>
-          </a:xfrm>
-          <a:prstGeom prst="rect">
-            <a:avLst/>
-          </a:prstGeom>
-          <a:noFill/>
-          <a:ln w="9525">
-            <a:noFill/>
-            <a:miter lim="800000"/>
-            <a:headEnd/>
-            <a:tailEnd/>
-          </a:ln>
-          <a:effectLst/>
-        </p:spPr>
-        <p:txBody>
-          <a:bodyPr wrap="none" lIns="92075" tIns="46038" rIns="92075" bIns="46038" anchor="ctr">
-            <a:spAutoFit/>
-          </a:bodyPr>
-          <a:lstStyle>
-            <a:lvl1pPr>
-              <a:defRPr sz="2400">
-                <a:solidFill>
-                  <a:schemeClr val="tx1"/>
-                </a:solidFill>
-                <a:latin typeface="Times New Roman" panose="02020603050405020304" pitchFamily="18" charset="0"/>
-              </a:defRPr>
-            </a:lvl1pPr>
-            <a:lvl2pPr marL="742950" indent="-285750">
-              <a:defRPr sz="2400">
-                <a:solidFill>
-                  <a:schemeClr val="tx1"/>
-                </a:solidFill>
-                <a:latin typeface="Times New Roman" panose="02020603050405020304" pitchFamily="18" charset="0"/>
-              </a:defRPr>
-            </a:lvl2pPr>
-            <a:lvl3pPr marL="1143000" indent="-228600">
-              <a:defRPr sz="2400">
-                <a:solidFill>
-                  <a:schemeClr val="tx1"/>
-                </a:solidFill>
-                <a:latin typeface="Times New Roman" panose="02020603050405020304" pitchFamily="18" charset="0"/>
-              </a:defRPr>
-            </a:lvl3pPr>
-            <a:lvl4pPr marL="1600200" indent="-228600">
-              <a:defRPr sz="2400">
-                <a:solidFill>
-                  <a:schemeClr val="tx1"/>
-                </a:solidFill>
-                <a:latin typeface="Times New Roman" panose="02020603050405020304" pitchFamily="18" charset="0"/>
-              </a:defRPr>
-            </a:lvl4pPr>
-            <a:lvl5pPr marL="2057400" indent="-228600">
-              <a:defRPr sz="2400">
-                <a:solidFill>
-                  <a:schemeClr val="tx1"/>
-                </a:solidFill>
-                <a:latin typeface="Times New Roman" panose="02020603050405020304" pitchFamily="18" charset="0"/>
-              </a:defRPr>
-            </a:lvl5pPr>
-            <a:lvl6pPr marL="2514600" indent="-228600" eaLnBrk="0" fontAlgn="base" hangingPunct="0">
-              <a:spcBef>
-                <a:spcPct val="0"/>
-              </a:spcBef>
-              <a:spcAft>
-                <a:spcPct val="0"/>
-              </a:spcAft>
-              <a:defRPr sz="2400">
-                <a:solidFill>
-                  <a:schemeClr val="tx1"/>
-                </a:solidFill>
-                <a:latin typeface="Times New Roman" panose="02020603050405020304" pitchFamily="18" charset="0"/>
-              </a:defRPr>
-            </a:lvl6pPr>
-            <a:lvl7pPr marL="2971800" indent="-228600" eaLnBrk="0" fontAlgn="base" hangingPunct="0">
-              <a:spcBef>
-                <a:spcPct val="0"/>
-              </a:spcBef>
-              <a:spcAft>
-                <a:spcPct val="0"/>
-              </a:spcAft>
-              <a:defRPr sz="2400">
-                <a:solidFill>
-                  <a:schemeClr val="tx1"/>
-                </a:solidFill>
-                <a:latin typeface="Times New Roman" panose="02020603050405020304" pitchFamily="18" charset="0"/>
-              </a:defRPr>
-            </a:lvl7pPr>
-            <a:lvl8pPr marL="3429000" indent="-228600" eaLnBrk="0" fontAlgn="base" hangingPunct="0">
-              <a:spcBef>
-                <a:spcPct val="0"/>
-              </a:spcBef>
-              <a:spcAft>
-                <a:spcPct val="0"/>
-              </a:spcAft>
-              <a:defRPr sz="2400">
-                <a:solidFill>
-                  <a:schemeClr val="tx1"/>
-                </a:solidFill>
-                <a:latin typeface="Times New Roman" panose="02020603050405020304" pitchFamily="18" charset="0"/>
-              </a:defRPr>
-            </a:lvl8pPr>
-            <a:lvl9pPr marL="3886200" indent="-228600" eaLnBrk="0" fontAlgn="base" hangingPunct="0">
-              <a:spcBef>
-                <a:spcPct val="0"/>
-              </a:spcBef>
-              <a:spcAft>
-                <a:spcPct val="0"/>
-              </a:spcAft>
-              <a:defRPr sz="2400">
-                <a:solidFill>
-                  <a:schemeClr val="tx1"/>
-                </a:solidFill>
-                <a:latin typeface="Times New Roman" panose="02020603050405020304" pitchFamily="18" charset="0"/>
-              </a:defRPr>
-            </a:lvl9pPr>
-          </a:lstStyle>
-          <a:p>
-            <a:pPr algn="r"/>
-            <a:fld id="{412D5C9A-5062-4B85-AFEB-13425A69A721}" type="slidenum">
-              <a:rPr lang="de-DE" altLang="de-DE" sz="1000">
-                <a:solidFill>
-                  <a:schemeClr val="bg1"/>
-                </a:solidFill>
-                <a:latin typeface="Arial" panose="020B0604020202020204" pitchFamily="34" charset="0"/>
-              </a:rPr>
-              <a:pPr algn="r"/>
-              <a:t>‹Nr.›</a:t>
-            </a:fld>
-            <a:endParaRPr lang="de-DE" altLang="de-DE" sz="1000">
-              <a:solidFill>
-                <a:schemeClr val="bg1"/>
-              </a:solidFill>
-              <a:latin typeface="Arial" panose="020B0604020202020204" pitchFamily="34" charset="0"/>
-            </a:endParaRPr>
-          </a:p>
-        </p:txBody>
-      </p:sp>
-      <p:sp>
-        <p:nvSpPr>
-          <p:cNvPr id="2" name="Rectangle 9">
-            <a:extLst>
-              <a:ext uri="{FF2B5EF4-FFF2-40B4-BE49-F238E27FC236}">
-                <a16:creationId xmlns:a16="http://schemas.microsoft.com/office/drawing/2014/main" id="{2C8B5109-8C77-C5A8-61F4-5A9D9A719833}"/>
-              </a:ext>
-            </a:extLst>
-          </p:cNvPr>
-          <p:cNvSpPr>
-            <a:spLocks noGrp="1" noChangeArrowheads="1"/>
-          </p:cNvSpPr>
-          <p:nvPr>
-            <p:ph type="body" idx="1"/>
-          </p:nvPr>
-        </p:nvSpPr>
-        <p:spPr bwMode="auto">
-          <a:xfrm>
-            <a:off x="303213" y="981075"/>
-            <a:ext cx="8516937" cy="5400675"/>
-          </a:xfrm>
-          <a:prstGeom prst="rect">
-            <a:avLst/>
-          </a:prstGeom>
-          <a:noFill/>
-          <a:ln>
-            <a:noFill/>
-          </a:ln>
-          <a:extLst>
-            <a:ext uri="{909E8E84-426E-40DD-AFC4-6F175D3DCCD1}">
-              <a14:hiddenFill xmlns:a14="http://schemas.microsoft.com/office/drawing/2010/main">
-                <a:solidFill>
-                  <a:srgbClr val="FFFFFF"/>
-                </a:solidFill>
-              </a14:hiddenFill>
-            </a:ext>
-            <a:ext uri="{91240B29-F687-4F45-9708-019B960494DF}">
-              <a14:hiddenLine xmlns:a14="http://schemas.microsoft.com/office/drawing/2010/main" w="9525">
-                <a:solidFill>
-                  <a:srgbClr val="000000"/>
-                </a:solidFill>
-                <a:miter lim="800000"/>
-                <a:headEnd/>
-                <a:tailEnd/>
-              </a14:hiddenLine>
-            </a:ext>
-          </a:extLst>
-        </p:spPr>
-        <p:txBody>
-          <a:bodyPr vert="horz" wrap="square" lIns="92075" tIns="46038" rIns="92075" bIns="46038" numCol="1" anchor="t" anchorCtr="0" compatLnSpc="1">
-            <a:prstTxWarp prst="textNoShape">
-              <a:avLst/>
-            </a:prstTxWarp>
-          </a:bodyPr>
-          <a:lstStyle/>
-          <a:p>
-            <a:pPr lvl="0"/>
-            <a:r>
-              <a:rPr lang="de-DE" altLang="de-DE" dirty="0"/>
-              <a:t>Klicken Sie,  um die Formate des Vorlagentextes zu bearbeiten</a:t>
-            </a:r>
-          </a:p>
-          <a:p>
-            <a:pPr lvl="1"/>
-            <a:r>
-              <a:rPr lang="de-DE" altLang="de-DE" dirty="0"/>
-              <a:t>Zweite Ebene</a:t>
-            </a:r>
-          </a:p>
-          <a:p>
-            <a:pPr lvl="2"/>
-            <a:r>
-              <a:rPr lang="de-DE" altLang="de-DE" dirty="0"/>
-              <a:t>Dritte Ebene</a:t>
-            </a:r>
-          </a:p>
-          <a:p>
-            <a:pPr lvl="3"/>
-            <a:r>
-              <a:rPr lang="de-DE" altLang="de-DE" dirty="0"/>
-              <a:t>Vierte Ebene</a:t>
-            </a:r>
-          </a:p>
-          <a:p>
-            <a:pPr lvl="4"/>
-            <a:r>
-              <a:rPr lang="de-DE" altLang="de-DE"/>
-              <a:t>Fünfte Ebene</a:t>
-            </a:r>
-          </a:p>
-        </p:txBody>
-      </p:sp>
-      <p:sp>
-        <p:nvSpPr>
-          <p:cNvPr id="1048" name="Text Box 24">
-            <a:extLst>
-              <a:ext uri="{FF2B5EF4-FFF2-40B4-BE49-F238E27FC236}">
-                <a16:creationId xmlns:a16="http://schemas.microsoft.com/office/drawing/2014/main" id="{F1840321-693F-91D3-D149-F3E33CC4DB5D}"/>
-              </a:ext>
-            </a:extLst>
-          </p:cNvPr>
-          <p:cNvSpPr txBox="1">
-            <a:spLocks noChangeArrowheads="1"/>
-          </p:cNvSpPr>
-          <p:nvPr/>
-        </p:nvSpPr>
-        <p:spPr bwMode="auto">
-          <a:xfrm>
-            <a:off x="250825" y="6429375"/>
-            <a:ext cx="3035300" cy="427038"/>
-          </a:xfrm>
-          <a:prstGeom prst="rect">
-            <a:avLst/>
-          </a:prstGeom>
-          <a:noFill/>
-          <a:ln w="12700">
-            <a:noFill/>
-            <a:miter lim="800000"/>
-            <a:headEnd type="none" w="sm" len="sm"/>
-            <a:tailEnd type="none" w="sm" len="sm"/>
-          </a:ln>
-          <a:effectLst/>
-        </p:spPr>
-        <p:txBody>
-          <a:bodyPr wrap="none">
-            <a:spAutoFit/>
-          </a:bodyPr>
-          <a:lstStyle/>
-          <a:p>
-            <a:pPr defTabSz="762000">
-              <a:defRPr/>
-            </a:pPr>
-            <a:r>
-              <a:rPr lang="de-DE" sz="1000" dirty="0" err="1">
-                <a:solidFill>
-                  <a:schemeClr val="bg1"/>
-                </a:solidFill>
-                <a:latin typeface="Arial" charset="0"/>
-              </a:rPr>
-              <a:t>anderScore</a:t>
-            </a:r>
-            <a:r>
-              <a:rPr lang="de-DE" sz="1000" dirty="0">
-                <a:solidFill>
-                  <a:schemeClr val="bg1"/>
-                </a:solidFill>
-                <a:latin typeface="Arial" charset="0"/>
-              </a:rPr>
-              <a:t> GmbH </a:t>
-            </a:r>
-            <a:r>
-              <a:rPr lang="de-DE" sz="1200" dirty="0">
-                <a:solidFill>
-                  <a:schemeClr val="bg1"/>
-                </a:solidFill>
-                <a:latin typeface="Arial" charset="0"/>
-              </a:rPr>
-              <a:t>•</a:t>
-            </a:r>
-            <a:r>
-              <a:rPr lang="de-DE" sz="1000" dirty="0">
-                <a:solidFill>
-                  <a:schemeClr val="bg1"/>
-                </a:solidFill>
-                <a:latin typeface="Arial" charset="0"/>
-              </a:rPr>
-              <a:t> Frankenwerft 35 </a:t>
-            </a:r>
-            <a:r>
-              <a:rPr lang="de-DE" sz="1200" dirty="0">
-                <a:solidFill>
-                  <a:schemeClr val="bg1"/>
-                </a:solidFill>
-                <a:latin typeface="Arial" charset="0"/>
-              </a:rPr>
-              <a:t>•</a:t>
-            </a:r>
-            <a:r>
-              <a:rPr lang="de-DE" sz="1000" dirty="0">
-                <a:solidFill>
-                  <a:schemeClr val="bg1"/>
-                </a:solidFill>
-                <a:latin typeface="Arial" charset="0"/>
-              </a:rPr>
-              <a:t> 50667 Köln</a:t>
-            </a:r>
-          </a:p>
-          <a:p>
-            <a:pPr defTabSz="762000">
-              <a:defRPr/>
-            </a:pPr>
-            <a:r>
-              <a:rPr lang="de-DE" sz="1000" dirty="0">
-                <a:solidFill>
-                  <a:schemeClr val="bg1"/>
-                </a:solidFill>
-                <a:latin typeface="Arial" charset="0"/>
-              </a:rPr>
-              <a:t>Daniel Krämer &amp; Malte Fischer</a:t>
-            </a:r>
-          </a:p>
-        </p:txBody>
-      </p:sp>
-      <p:sp>
-        <p:nvSpPr>
-          <p:cNvPr id="1054" name="Text Box 30">
-            <a:extLst>
-              <a:ext uri="{FF2B5EF4-FFF2-40B4-BE49-F238E27FC236}">
-                <a16:creationId xmlns:a16="http://schemas.microsoft.com/office/drawing/2014/main" id="{9346920B-D70B-3A57-06DF-529E537954C8}"/>
-              </a:ext>
-            </a:extLst>
-          </p:cNvPr>
-          <p:cNvSpPr txBox="1">
-            <a:spLocks noChangeArrowheads="1"/>
-          </p:cNvSpPr>
-          <p:nvPr/>
-        </p:nvSpPr>
-        <p:spPr bwMode="auto">
-          <a:xfrm>
-            <a:off x="4252913" y="6424613"/>
-            <a:ext cx="1077539" cy="246221"/>
-          </a:xfrm>
-          <a:prstGeom prst="rect">
-            <a:avLst/>
-          </a:prstGeom>
-          <a:noFill/>
-          <a:ln w="12700">
-            <a:noFill/>
-            <a:miter lim="800000"/>
-            <a:headEnd type="none" w="sm" len="sm"/>
-            <a:tailEnd type="none" w="sm" len="sm"/>
-          </a:ln>
-          <a:effectLst/>
-        </p:spPr>
-        <p:txBody>
-          <a:bodyPr wrap="none">
-            <a:spAutoFit/>
-          </a:bodyPr>
-          <a:lstStyle/>
-          <a:p>
-            <a:pPr defTabSz="762000">
-              <a:defRPr/>
-            </a:pPr>
-            <a:r>
-              <a:rPr lang="de-DE" sz="1000" dirty="0">
-                <a:solidFill>
-                  <a:schemeClr val="bg1"/>
-                </a:solidFill>
-                <a:latin typeface="Arial" charset="0"/>
-              </a:rPr>
-              <a:t>Tag-1_2-Git.ppt</a:t>
-            </a:r>
-            <a:endParaRPr lang="de-DE" sz="1000" dirty="0">
-              <a:solidFill>
-                <a:schemeClr val="bg1"/>
-              </a:solidFill>
-              <a:latin typeface="Arial" pitchFamily="34" charset="0"/>
-            </a:endParaRPr>
-          </a:p>
-        </p:txBody>
-      </p:sp>
-      <p:sp>
-        <p:nvSpPr>
-          <p:cNvPr id="1063" name="Rectangle 39">
-            <a:hlinkClick r:id="rId4"/>
-            <a:extLst>
-              <a:ext uri="{FF2B5EF4-FFF2-40B4-BE49-F238E27FC236}">
-                <a16:creationId xmlns:a16="http://schemas.microsoft.com/office/drawing/2014/main" id="{613611E0-DAA0-F230-CD0B-8592F1472163}"/>
-              </a:ext>
-            </a:extLst>
-          </p:cNvPr>
-          <p:cNvSpPr>
-            <a:spLocks noChangeArrowheads="1"/>
-          </p:cNvSpPr>
-          <p:nvPr userDrawn="1"/>
-        </p:nvSpPr>
-        <p:spPr bwMode="auto">
-          <a:xfrm>
-            <a:off x="3914775" y="3105150"/>
-            <a:ext cx="9144000" cy="461963"/>
-          </a:xfrm>
-          <a:prstGeom prst="rect">
-            <a:avLst/>
-          </a:prstGeom>
-          <a:noFill/>
-          <a:ln w="12700">
-            <a:noFill/>
-            <a:miter lim="800000"/>
-            <a:headEnd type="none" w="sm" len="sm"/>
-            <a:tailEnd type="none" w="sm" len="sm"/>
-          </a:ln>
-          <a:effectLst/>
-        </p:spPr>
-        <p:txBody>
-          <a:bodyPr>
-            <a:spAutoFit/>
-          </a:bodyPr>
-          <a:lstStyle/>
-          <a:p>
-            <a:pPr>
-              <a:defRPr/>
-            </a:pPr>
-            <a:endParaRPr lang="de-DE" dirty="0">
-              <a:latin typeface="Arial" pitchFamily="34" charset="0"/>
-            </a:endParaRPr>
-          </a:p>
-        </p:txBody>
-      </p:sp>
-      <p:sp>
-        <p:nvSpPr>
-          <p:cNvPr id="1064" name="Rectangle 40">
-            <a:extLst>
-              <a:ext uri="{FF2B5EF4-FFF2-40B4-BE49-F238E27FC236}">
-                <a16:creationId xmlns:a16="http://schemas.microsoft.com/office/drawing/2014/main" id="{29E915F4-DDDF-F121-AC80-954D75E00DFB}"/>
-              </a:ext>
-            </a:extLst>
-          </p:cNvPr>
-          <p:cNvSpPr>
-            <a:spLocks noChangeArrowheads="1"/>
-          </p:cNvSpPr>
-          <p:nvPr userDrawn="1"/>
-        </p:nvSpPr>
-        <p:spPr bwMode="auto">
-          <a:xfrm>
-            <a:off x="0" y="0"/>
-            <a:ext cx="252413" cy="260350"/>
-          </a:xfrm>
-          <a:prstGeom prst="rect">
-            <a:avLst/>
-          </a:prstGeom>
-          <a:noFill/>
-          <a:ln w="12700">
-            <a:noFill/>
-            <a:miter lim="800000"/>
-            <a:headEnd type="none" w="sm" len="sm"/>
-            <a:tailEnd type="none" w="sm" len="sm"/>
-          </a:ln>
-          <a:effectLst/>
-        </p:spPr>
-        <p:txBody>
-          <a:bodyPr wrap="none" anchor="ctr">
-            <a:spAutoFit/>
-          </a:bodyPr>
-          <a:lstStyle/>
-          <a:p>
-            <a:pPr defTabSz="762000">
-              <a:defRPr/>
-            </a:pPr>
-            <a:r>
-              <a:rPr lang="de-DE" sz="800" dirty="0">
-                <a:latin typeface="Arial" charset="0"/>
-                <a:ea typeface="Times New Roman" pitchFamily="18" charset="0"/>
-                <a:cs typeface="Arial" charset="0"/>
-              </a:rPr>
-              <a:t> </a:t>
-            </a:r>
-            <a:r>
-              <a:rPr lang="de-DE" sz="1100" dirty="0">
-                <a:latin typeface="Arial" pitchFamily="34" charset="0"/>
-                <a:ea typeface="Times New Roman" pitchFamily="18" charset="0"/>
-                <a:cs typeface="Arial" charset="0"/>
-              </a:rPr>
-              <a:t> </a:t>
-            </a:r>
-            <a:endParaRPr lang="de-DE" dirty="0">
-              <a:latin typeface="Arial" pitchFamily="34" charset="0"/>
-              <a:ea typeface="Times New Roman" pitchFamily="18" charset="0"/>
-              <a:cs typeface="Arial" charset="0"/>
-            </a:endParaRPr>
-          </a:p>
-        </p:txBody>
-      </p:sp>
-      <p:sp>
-        <p:nvSpPr>
-          <p:cNvPr id="1065" name="Rectangle 41">
-            <a:extLst>
-              <a:ext uri="{FF2B5EF4-FFF2-40B4-BE49-F238E27FC236}">
-                <a16:creationId xmlns:a16="http://schemas.microsoft.com/office/drawing/2014/main" id="{1AC20BC3-24D2-D550-0D11-5B051D92208E}"/>
-              </a:ext>
-            </a:extLst>
-          </p:cNvPr>
-          <p:cNvSpPr>
-            <a:spLocks noChangeArrowheads="1"/>
-          </p:cNvSpPr>
-          <p:nvPr userDrawn="1"/>
-        </p:nvSpPr>
-        <p:spPr bwMode="auto">
-          <a:xfrm>
-            <a:off x="0" y="0"/>
-            <a:ext cx="252413" cy="260350"/>
-          </a:xfrm>
-          <a:prstGeom prst="rect">
-            <a:avLst/>
-          </a:prstGeom>
-          <a:noFill/>
-          <a:ln w="12700">
-            <a:noFill/>
-            <a:miter lim="800000"/>
-            <a:headEnd type="none" w="sm" len="sm"/>
-            <a:tailEnd type="none" w="sm" len="sm"/>
-          </a:ln>
-          <a:effectLst/>
-        </p:spPr>
-        <p:txBody>
-          <a:bodyPr wrap="none" anchor="ctr">
-            <a:spAutoFit/>
-          </a:bodyPr>
-          <a:lstStyle/>
-          <a:p>
-            <a:pPr defTabSz="762000">
-              <a:defRPr/>
-            </a:pPr>
-            <a:r>
-              <a:rPr lang="de-DE" sz="800" dirty="0">
-                <a:latin typeface="Arial" charset="0"/>
-                <a:ea typeface="Times New Roman" pitchFamily="18" charset="0"/>
-                <a:cs typeface="Arial" charset="0"/>
-              </a:rPr>
-              <a:t> </a:t>
-            </a:r>
-            <a:r>
-              <a:rPr lang="de-DE" sz="1100" dirty="0">
-                <a:latin typeface="Arial" pitchFamily="34" charset="0"/>
-                <a:ea typeface="Times New Roman" pitchFamily="18" charset="0"/>
-                <a:cs typeface="Arial" charset="0"/>
-              </a:rPr>
-              <a:t> </a:t>
-            </a:r>
-            <a:endParaRPr lang="de-DE" dirty="0">
-              <a:latin typeface="Arial" pitchFamily="34" charset="0"/>
-              <a:ea typeface="Times New Roman" pitchFamily="18" charset="0"/>
-              <a:cs typeface="Arial" charset="0"/>
-            </a:endParaRPr>
-          </a:p>
-        </p:txBody>
-      </p:sp>
-      <p:sp>
-        <p:nvSpPr>
-          <p:cNvPr id="1066" name="Rectangle 42">
-            <a:extLst>
-              <a:ext uri="{FF2B5EF4-FFF2-40B4-BE49-F238E27FC236}">
-                <a16:creationId xmlns:a16="http://schemas.microsoft.com/office/drawing/2014/main" id="{492F53AD-7BED-DC98-EB8F-A0EE8D11CB43}"/>
-              </a:ext>
-            </a:extLst>
-          </p:cNvPr>
-          <p:cNvSpPr>
-            <a:spLocks noChangeArrowheads="1"/>
-          </p:cNvSpPr>
-          <p:nvPr userDrawn="1"/>
-        </p:nvSpPr>
-        <p:spPr bwMode="auto">
-          <a:xfrm>
-            <a:off x="0" y="0"/>
-            <a:ext cx="252413" cy="260350"/>
-          </a:xfrm>
-          <a:prstGeom prst="rect">
-            <a:avLst/>
-          </a:prstGeom>
-          <a:noFill/>
-          <a:ln w="12700">
-            <a:noFill/>
-            <a:miter lim="800000"/>
-            <a:headEnd type="none" w="sm" len="sm"/>
-            <a:tailEnd type="none" w="sm" len="sm"/>
-          </a:ln>
-          <a:effectLst/>
-        </p:spPr>
-        <p:txBody>
-          <a:bodyPr wrap="none" anchor="ctr">
-            <a:spAutoFit/>
-          </a:bodyPr>
-          <a:lstStyle/>
-          <a:p>
-            <a:pPr defTabSz="762000">
-              <a:defRPr/>
-            </a:pPr>
-            <a:r>
-              <a:rPr lang="de-DE" sz="800" dirty="0">
-                <a:latin typeface="Arial" charset="0"/>
-                <a:ea typeface="Times New Roman" pitchFamily="18" charset="0"/>
-                <a:cs typeface="Arial" charset="0"/>
-              </a:rPr>
-              <a:t> </a:t>
-            </a:r>
-            <a:r>
-              <a:rPr lang="de-DE" sz="1100" dirty="0">
-                <a:latin typeface="Arial" pitchFamily="34" charset="0"/>
-                <a:ea typeface="Times New Roman" pitchFamily="18" charset="0"/>
-                <a:cs typeface="Arial" charset="0"/>
-              </a:rPr>
-              <a:t> </a:t>
-            </a:r>
-            <a:endParaRPr lang="de-DE" dirty="0">
-              <a:latin typeface="Arial" pitchFamily="34" charset="0"/>
-              <a:ea typeface="Times New Roman" pitchFamily="18" charset="0"/>
-              <a:cs typeface="Arial" charset="0"/>
-            </a:endParaRPr>
-          </a:p>
-        </p:txBody>
-      </p:sp>
-      <p:pic>
-        <p:nvPicPr>
-          <p:cNvPr id="1037" name="713fdfc0-1a72-49da-bd13-b47278f75372" descr="EAF3711E-BEB0-47E0-BD76-8002A3B4EEFA@localdomain">
-            <a:extLst>
-              <a:ext uri="{FF2B5EF4-FFF2-40B4-BE49-F238E27FC236}">
-                <a16:creationId xmlns:a16="http://schemas.microsoft.com/office/drawing/2014/main" id="{4AE00106-8F78-C96F-8B30-D2683A6B8AAD}"/>
-              </a:ext>
-            </a:extLst>
-          </p:cNvPr>
-          <p:cNvPicPr>
-            <a:picLocks noChangeAspect="1" noChangeArrowheads="1"/>
-          </p:cNvPicPr>
-          <p:nvPr userDrawn="1"/>
-        </p:nvPicPr>
-        <p:blipFill>
-          <a:blip r:embed="rId5">
-            <a:extLst>
-              <a:ext uri="{28A0092B-C50C-407E-A947-70E740481C1C}">
-                <a14:useLocalDpi xmlns:a14="http://schemas.microsoft.com/office/drawing/2010/main" val="0"/>
-              </a:ext>
-            </a:extLst>
-          </a:blip>
-          <a:srcRect/>
-          <a:stretch>
-            <a:fillRect/>
-          </a:stretch>
-        </p:blipFill>
-        <p:spPr bwMode="auto">
-          <a:xfrm>
-            <a:off x="0" y="0"/>
-            <a:ext cx="9144000" cy="955675"/>
-          </a:xfrm>
-          <a:prstGeom prst="rect">
-            <a:avLst/>
-          </a:prstGeom>
-          <a:noFill/>
-          <a:ln>
-            <a:noFill/>
-          </a:ln>
-          <a:extLst>
-            <a:ext uri="{909E8E84-426E-40DD-AFC4-6F175D3DCCD1}">
-              <a14:hiddenFill xmlns:a14="http://schemas.microsoft.com/office/drawing/2010/main">
-                <a:solidFill>
-                  <a:srgbClr val="FFFFFF"/>
-                </a:solidFill>
-              </a14:hiddenFill>
-            </a:ext>
-            <a:ext uri="{91240B29-F687-4F45-9708-019B960494DF}">
-              <a14:hiddenLine xmlns:a14="http://schemas.microsoft.com/office/drawing/2010/main" w="9525">
-                <a:solidFill>
-                  <a:srgbClr val="000000"/>
-                </a:solidFill>
-                <a:miter lim="800000"/>
-                <a:headEnd/>
-                <a:tailEnd/>
-              </a14:hiddenLine>
-            </a:ext>
-          </a:extLst>
-        </p:spPr>
-      </p:pic>
-      <p:pic>
-        <p:nvPicPr>
-          <p:cNvPr id="1038" name="Picture 43" descr="_anderScore-Logo_2773x575_new">
-            <a:extLst>
-              <a:ext uri="{FF2B5EF4-FFF2-40B4-BE49-F238E27FC236}">
-                <a16:creationId xmlns:a16="http://schemas.microsoft.com/office/drawing/2014/main" id="{CC9E1C11-27DD-E217-D73D-AA9C236B0D54}"/>
-              </a:ext>
-            </a:extLst>
-          </p:cNvPr>
-          <p:cNvPicPr>
-            <a:picLocks noChangeAspect="1" noChangeArrowheads="1"/>
-          </p:cNvPicPr>
-          <p:nvPr userDrawn="1"/>
-        </p:nvPicPr>
-        <p:blipFill>
-          <a:blip r:embed="rId6">
-            <a:extLst>
-              <a:ext uri="{28A0092B-C50C-407E-A947-70E740481C1C}">
-                <a14:useLocalDpi xmlns:a14="http://schemas.microsoft.com/office/drawing/2010/main" val="0"/>
-              </a:ext>
-            </a:extLst>
-          </a:blip>
-          <a:srcRect/>
-          <a:stretch>
-            <a:fillRect/>
-          </a:stretch>
-        </p:blipFill>
-        <p:spPr bwMode="auto">
-          <a:xfrm>
-            <a:off x="6084888" y="231775"/>
-            <a:ext cx="2754312" cy="576263"/>
-          </a:xfrm>
-          <a:prstGeom prst="rect">
-            <a:avLst/>
-          </a:prstGeom>
-          <a:noFill/>
-          <a:ln>
-            <a:noFill/>
-          </a:ln>
-          <a:extLst>
-            <a:ext uri="{909E8E84-426E-40DD-AFC4-6F175D3DCCD1}">
-              <a14:hiddenFill xmlns:a14="http://schemas.microsoft.com/office/drawing/2010/main">
-                <a:solidFill>
-                  <a:srgbClr val="FFFFFF"/>
-                </a:solidFill>
-              </a14:hiddenFill>
-            </a:ext>
-            <a:ext uri="{91240B29-F687-4F45-9708-019B960494DF}">
-              <a14:hiddenLine xmlns:a14="http://schemas.microsoft.com/office/drawing/2010/main" w="9525">
-                <a:solidFill>
-                  <a:srgbClr val="000000"/>
-                </a:solidFill>
-                <a:miter lim="800000"/>
-                <a:headEnd/>
-                <a:tailEnd/>
-              </a14:hiddenLine>
-            </a:ext>
-          </a:extLst>
-        </p:spPr>
-      </p:pic>
-      <p:sp>
-        <p:nvSpPr>
-          <p:cNvPr id="1039" name="Rectangle 45">
-            <a:extLst>
-              <a:ext uri="{FF2B5EF4-FFF2-40B4-BE49-F238E27FC236}">
-                <a16:creationId xmlns:a16="http://schemas.microsoft.com/office/drawing/2014/main" id="{ECFE2338-BCA1-E902-1A46-C4FCCF006FB2}"/>
-              </a:ext>
-            </a:extLst>
-          </p:cNvPr>
-          <p:cNvSpPr>
-            <a:spLocks noGrp="1" noChangeArrowheads="1"/>
-          </p:cNvSpPr>
-          <p:nvPr>
-            <p:ph type="title"/>
-          </p:nvPr>
-        </p:nvSpPr>
-        <p:spPr bwMode="auto">
-          <a:xfrm>
-            <a:off x="303213" y="115888"/>
-            <a:ext cx="5554662" cy="706437"/>
-          </a:xfrm>
-          <a:prstGeom prst="rect">
-            <a:avLst/>
-          </a:prstGeom>
-          <a:noFill/>
-          <a:ln>
-            <a:noFill/>
-          </a:ln>
-          <a:extLst>
-            <a:ext uri="{909E8E84-426E-40DD-AFC4-6F175D3DCCD1}">
-              <a14:hiddenFill xmlns:a14="http://schemas.microsoft.com/office/drawing/2010/main">
-                <a:solidFill>
-                  <a:srgbClr val="FFFFFF"/>
-                </a:solidFill>
-              </a14:hiddenFill>
-            </a:ext>
-            <a:ext uri="{91240B29-F687-4F45-9708-019B960494DF}">
-              <a14:hiddenLine xmlns:a14="http://schemas.microsoft.com/office/drawing/2010/main" w="9525">
-                <a:solidFill>
-                  <a:srgbClr val="000000"/>
-                </a:solidFill>
-                <a:miter lim="800000"/>
-                <a:headEnd/>
-                <a:tailEnd/>
-              </a14:hiddenLine>
-            </a:ext>
-          </a:extLst>
-        </p:spPr>
-        <p:txBody>
-          <a:bodyPr vert="horz" wrap="square" lIns="91440" tIns="45720" rIns="91440" bIns="45720" numCol="1" anchor="ctr" anchorCtr="0" compatLnSpc="1">
-            <a:prstTxWarp prst="textNoShape">
-              <a:avLst/>
-            </a:prstTxWarp>
-          </a:bodyPr>
-          <a:lstStyle/>
-          <a:p>
-            <a:pPr lvl="0"/>
-            <a:r>
-              <a:rPr lang="de-DE" altLang="de-DE"/>
-              <a:t>Titelmasterformat durch Klicken bearbeiten</a:t>
-            </a:r>
-          </a:p>
-        </p:txBody>
-      </p:sp>
-    </p:spTree>
-    <p:extLst>
-      <p:ext uri="{BB962C8B-B14F-4D97-AF65-F5344CB8AC3E}">
-        <p14:creationId xmlns:p14="http://schemas.microsoft.com/office/powerpoint/2010/main" val="3870315490"/>
-      </p:ext>
-    </p:extLst>
-  </p:cSld>
-  <p:clrMap bg1="lt1" tx1="dk1" bg2="lt2" tx2="dk2" accent1="accent1" accent2="accent2" accent3="accent3" accent4="accent4" accent5="accent5" accent6="accent6" hlink="hlink" folHlink="folHlink"/>
-  <p:sldLayoutIdLst>
-    <p:sldLayoutId id="2147483900" r:id="rId1"/>
-    <p:sldLayoutId id="2147483901" r:id="rId2"/>
-  </p:sldLayoutIdLst>
-  <p:txStyles>
-    <p:titleStyle>
-      <a:lvl1pPr algn="l" rtl="0" eaLnBrk="1" fontAlgn="base" hangingPunct="1">
-        <a:lnSpc>
-          <a:spcPct val="90000"/>
-        </a:lnSpc>
-        <a:spcBef>
-          <a:spcPct val="0"/>
-        </a:spcBef>
-        <a:spcAft>
-          <a:spcPct val="0"/>
-        </a:spcAft>
-        <a:defRPr sz="3000">
-          <a:solidFill>
-            <a:srgbClr val="0D4F3C"/>
-          </a:solidFill>
-          <a:latin typeface="+mj-lt"/>
-          <a:ea typeface="+mj-ea"/>
-          <a:cs typeface="+mj-cs"/>
-        </a:defRPr>
-      </a:lvl1pPr>
-      <a:lvl2pPr algn="l" rtl="0" eaLnBrk="1" fontAlgn="base" hangingPunct="1">
-        <a:lnSpc>
-          <a:spcPct val="90000"/>
-        </a:lnSpc>
-        <a:spcBef>
-          <a:spcPct val="0"/>
-        </a:spcBef>
-        <a:spcAft>
-          <a:spcPct val="0"/>
-        </a:spcAft>
-        <a:defRPr sz="3000">
-          <a:solidFill>
-            <a:srgbClr val="0D4F3C"/>
-          </a:solidFill>
-          <a:latin typeface="Arial" charset="0"/>
-        </a:defRPr>
-      </a:lvl2pPr>
-      <a:lvl3pPr algn="l" rtl="0" eaLnBrk="1" fontAlgn="base" hangingPunct="1">
-        <a:lnSpc>
-          <a:spcPct val="90000"/>
-        </a:lnSpc>
-        <a:spcBef>
-          <a:spcPct val="0"/>
-        </a:spcBef>
-        <a:spcAft>
-          <a:spcPct val="0"/>
-        </a:spcAft>
-        <a:defRPr sz="3000">
-          <a:solidFill>
-            <a:srgbClr val="0D4F3C"/>
-          </a:solidFill>
-          <a:latin typeface="Arial" charset="0"/>
-        </a:defRPr>
-      </a:lvl3pPr>
-      <a:lvl4pPr algn="l" rtl="0" eaLnBrk="1" fontAlgn="base" hangingPunct="1">
-        <a:lnSpc>
-          <a:spcPct val="90000"/>
-        </a:lnSpc>
-        <a:spcBef>
-          <a:spcPct val="0"/>
-        </a:spcBef>
-        <a:spcAft>
-          <a:spcPct val="0"/>
-        </a:spcAft>
-        <a:defRPr sz="3000">
-          <a:solidFill>
-            <a:srgbClr val="0D4F3C"/>
-          </a:solidFill>
-          <a:latin typeface="Arial" charset="0"/>
-        </a:defRPr>
-      </a:lvl4pPr>
-      <a:lvl5pPr algn="l" rtl="0" eaLnBrk="1" fontAlgn="base" hangingPunct="1">
-        <a:lnSpc>
-          <a:spcPct val="90000"/>
-        </a:lnSpc>
-        <a:spcBef>
-          <a:spcPct val="0"/>
-        </a:spcBef>
-        <a:spcAft>
-          <a:spcPct val="0"/>
-        </a:spcAft>
-        <a:defRPr sz="3000">
-          <a:solidFill>
-            <a:srgbClr val="0D4F3C"/>
-          </a:solidFill>
-          <a:latin typeface="Arial" charset="0"/>
-        </a:defRPr>
-      </a:lvl5pPr>
-      <a:lvl6pPr marL="457200" algn="l" rtl="0" eaLnBrk="1" fontAlgn="base" hangingPunct="1">
-        <a:spcBef>
-          <a:spcPct val="0"/>
-        </a:spcBef>
-        <a:spcAft>
-          <a:spcPct val="0"/>
-        </a:spcAft>
-        <a:defRPr sz="3000">
-          <a:solidFill>
-            <a:srgbClr val="0D4F3C"/>
-          </a:solidFill>
-          <a:latin typeface="Arial" charset="0"/>
-        </a:defRPr>
-      </a:lvl6pPr>
-      <a:lvl7pPr marL="914400" algn="l" rtl="0" eaLnBrk="1" fontAlgn="base" hangingPunct="1">
-        <a:spcBef>
-          <a:spcPct val="0"/>
-        </a:spcBef>
-        <a:spcAft>
-          <a:spcPct val="0"/>
-        </a:spcAft>
-        <a:defRPr sz="3000">
-          <a:solidFill>
-            <a:srgbClr val="0D4F3C"/>
-          </a:solidFill>
-          <a:latin typeface="Arial" charset="0"/>
-        </a:defRPr>
-      </a:lvl7pPr>
-      <a:lvl8pPr marL="1371600" algn="l" rtl="0" eaLnBrk="1" fontAlgn="base" hangingPunct="1">
-        <a:spcBef>
-          <a:spcPct val="0"/>
-        </a:spcBef>
-        <a:spcAft>
-          <a:spcPct val="0"/>
-        </a:spcAft>
-        <a:defRPr sz="3000">
-          <a:solidFill>
-            <a:srgbClr val="0D4F3C"/>
-          </a:solidFill>
-          <a:latin typeface="Arial" charset="0"/>
-        </a:defRPr>
-      </a:lvl8pPr>
-      <a:lvl9pPr marL="1828800" algn="l" rtl="0" eaLnBrk="1" fontAlgn="base" hangingPunct="1">
-        <a:spcBef>
-          <a:spcPct val="0"/>
-        </a:spcBef>
-        <a:spcAft>
-          <a:spcPct val="0"/>
-        </a:spcAft>
-        <a:defRPr sz="3000">
-          <a:solidFill>
-            <a:srgbClr val="0D4F3C"/>
-          </a:solidFill>
-          <a:latin typeface="Arial" charset="0"/>
-        </a:defRPr>
-      </a:lvl9pPr>
-    </p:titleStyle>
-    <p:bodyStyle>
-      <a:lvl1pPr marL="342900" indent="-342900" algn="l" rtl="0" eaLnBrk="1" fontAlgn="base" hangingPunct="1">
-        <a:spcBef>
-          <a:spcPct val="20000"/>
-        </a:spcBef>
-        <a:spcAft>
-          <a:spcPct val="0"/>
-        </a:spcAft>
-        <a:buClr>
-          <a:srgbClr val="008C5A"/>
-        </a:buClr>
-        <a:buFont typeface="Monotype Sorts" pitchFamily="2" charset="2"/>
-        <a:buChar char="l"/>
-        <a:defRPr sz="2400">
-          <a:solidFill>
-            <a:schemeClr val="tx1"/>
-          </a:solidFill>
-          <a:latin typeface="+mn-lt"/>
-          <a:ea typeface="+mn-ea"/>
-          <a:cs typeface="+mn-cs"/>
-        </a:defRPr>
-      </a:lvl1pPr>
-      <a:lvl2pPr marL="742950" indent="-285750" algn="l" rtl="0" eaLnBrk="1" fontAlgn="base" hangingPunct="1">
-        <a:spcBef>
-          <a:spcPct val="20000"/>
-        </a:spcBef>
-        <a:spcAft>
-          <a:spcPct val="0"/>
-        </a:spcAft>
-        <a:buClr>
-          <a:srgbClr val="008C5A"/>
-        </a:buClr>
-        <a:buFont typeface="Monotype Sorts" pitchFamily="2" charset="2"/>
-        <a:buChar char="l"/>
-        <a:defRPr sz="2000">
-          <a:solidFill>
-            <a:schemeClr val="tx1"/>
-          </a:solidFill>
-          <a:latin typeface="+mn-lt"/>
-        </a:defRPr>
-      </a:lvl2pPr>
-      <a:lvl3pPr marL="1143000" indent="-228600" algn="l" rtl="0" eaLnBrk="1" fontAlgn="base" hangingPunct="1">
-        <a:spcBef>
-          <a:spcPct val="20000"/>
-        </a:spcBef>
-        <a:spcAft>
-          <a:spcPct val="0"/>
-        </a:spcAft>
-        <a:buClr>
-          <a:srgbClr val="008C5A"/>
-        </a:buClr>
-        <a:buFont typeface="Monotype Sorts" pitchFamily="2" charset="2"/>
-        <a:buChar char="l"/>
-        <a:defRPr sz="2400">
-          <a:solidFill>
-            <a:schemeClr val="tx1"/>
-          </a:solidFill>
-          <a:latin typeface="+mn-lt"/>
-        </a:defRPr>
-      </a:lvl3pPr>
-      <a:lvl4pPr marL="1562100" indent="-228600" algn="l" rtl="0" eaLnBrk="1" fontAlgn="base" hangingPunct="1">
-        <a:spcBef>
-          <a:spcPct val="20000"/>
-        </a:spcBef>
-        <a:spcAft>
-          <a:spcPct val="0"/>
-        </a:spcAft>
-        <a:buClr>
-          <a:srgbClr val="008C5A"/>
-        </a:buClr>
-        <a:buFont typeface="Monotype Sorts" pitchFamily="2" charset="2"/>
-        <a:buChar char="l"/>
-        <a:defRPr sz="1600">
-          <a:solidFill>
-            <a:schemeClr val="tx1"/>
-          </a:solidFill>
-          <a:latin typeface="+mn-lt"/>
-        </a:defRPr>
-      </a:lvl4pPr>
-      <a:lvl5pPr marL="1981200" indent="-228600" algn="l" rtl="0" eaLnBrk="1" fontAlgn="base" hangingPunct="1">
-        <a:spcBef>
-          <a:spcPct val="20000"/>
-        </a:spcBef>
-        <a:spcAft>
-          <a:spcPct val="0"/>
-        </a:spcAft>
-        <a:buClr>
-          <a:srgbClr val="008C5A"/>
-        </a:buClr>
-        <a:buFont typeface="Monotype Sorts" pitchFamily="2" charset="2"/>
-        <a:buChar char="l"/>
-        <a:defRPr sz="1600">
-          <a:solidFill>
-            <a:schemeClr val="tx1"/>
-          </a:solidFill>
-          <a:latin typeface="+mn-lt"/>
-        </a:defRPr>
-      </a:lvl5pPr>
-      <a:lvl6pPr marL="2438400" indent="-228600" algn="l" rtl="0" eaLnBrk="1" fontAlgn="base" hangingPunct="1">
-        <a:spcBef>
-          <a:spcPct val="20000"/>
-        </a:spcBef>
-        <a:spcAft>
-          <a:spcPct val="0"/>
-        </a:spcAft>
-        <a:buClr>
-          <a:srgbClr val="008C5A"/>
-        </a:buClr>
-        <a:buFont typeface="Monotype Sorts" pitchFamily="2" charset="2"/>
-        <a:buChar char="l"/>
-        <a:defRPr sz="1600">
-          <a:solidFill>
-            <a:schemeClr val="tx1"/>
-          </a:solidFill>
-          <a:latin typeface="+mn-lt"/>
-        </a:defRPr>
-      </a:lvl6pPr>
-      <a:lvl7pPr marL="2895600" indent="-228600" algn="l" rtl="0" eaLnBrk="1" fontAlgn="base" hangingPunct="1">
-        <a:spcBef>
-          <a:spcPct val="20000"/>
-        </a:spcBef>
-        <a:spcAft>
-          <a:spcPct val="0"/>
-        </a:spcAft>
-        <a:buClr>
-          <a:srgbClr val="008C5A"/>
-        </a:buClr>
-        <a:buFont typeface="Monotype Sorts" pitchFamily="2" charset="2"/>
-        <a:buChar char="l"/>
-        <a:defRPr sz="1600">
-          <a:solidFill>
-            <a:schemeClr val="tx1"/>
-          </a:solidFill>
-          <a:latin typeface="+mn-lt"/>
-        </a:defRPr>
-      </a:lvl7pPr>
-      <a:lvl8pPr marL="3352800" indent="-228600" algn="l" rtl="0" eaLnBrk="1" fontAlgn="base" hangingPunct="1">
-        <a:spcBef>
-          <a:spcPct val="20000"/>
-        </a:spcBef>
-        <a:spcAft>
-          <a:spcPct val="0"/>
-        </a:spcAft>
-        <a:buClr>
-          <a:srgbClr val="008C5A"/>
-        </a:buClr>
-        <a:buFont typeface="Monotype Sorts" pitchFamily="2" charset="2"/>
-        <a:buChar char="l"/>
-        <a:defRPr sz="1600">
-          <a:solidFill>
-            <a:schemeClr val="tx1"/>
-          </a:solidFill>
-          <a:latin typeface="+mn-lt"/>
-        </a:defRPr>
-      </a:lvl8pPr>
-      <a:lvl9pPr marL="3810000" indent="-228600" algn="l" rtl="0" eaLnBrk="1" fontAlgn="base" hangingPunct="1">
-        <a:spcBef>
-          <a:spcPct val="20000"/>
-        </a:spcBef>
-        <a:spcAft>
-          <a:spcPct val="0"/>
-        </a:spcAft>
-        <a:buClr>
-          <a:srgbClr val="008C5A"/>
-        </a:buClr>
-        <a:buFont typeface="Monotype Sorts" pitchFamily="2" charset="2"/>
-        <a:buChar char="l"/>
-        <a:defRPr sz="1600">
           <a:solidFill>
             <a:schemeClr val="tx1"/>
           </a:solidFill>
@@ -10247,360 +6874,6 @@
       </p:grpSpPr>
       <p:sp>
         <p:nvSpPr>
-          <p:cNvPr id="6146" name="Inhaltsplatzhalter 18">
-            <a:extLst>
-              <a:ext uri="{FF2B5EF4-FFF2-40B4-BE49-F238E27FC236}">
-                <a16:creationId xmlns:a16="http://schemas.microsoft.com/office/drawing/2014/main" id="{BE3C4C95-FD5D-27F0-ED0C-AB8113CAC9F1}"/>
-              </a:ext>
-            </a:extLst>
-          </p:cNvPr>
-          <p:cNvSpPr>
-            <a:spLocks noGrp="1"/>
-          </p:cNvSpPr>
-          <p:nvPr>
-            <p:ph idx="1"/>
-          </p:nvPr>
-        </p:nvSpPr>
-        <p:spPr/>
-        <p:txBody>
-          <a:bodyPr/>
-          <a:lstStyle/>
-          <a:p>
-            <a:pPr>
-              <a:buFont typeface="Arial" panose="020B0604020202020204" pitchFamily="34" charset="0"/>
-              <a:buChar char="•"/>
-            </a:pPr>
-            <a:r>
-              <a:rPr lang="de-DE" altLang="de-DE" sz="1800" b="1" dirty="0"/>
-              <a:t>Tag 1 – Einführung in </a:t>
-            </a:r>
-            <a:r>
-              <a:rPr lang="de-DE" altLang="de-DE" sz="1800" b="1" dirty="0" err="1"/>
-              <a:t>Git</a:t>
-            </a:r>
-            <a:r>
-              <a:rPr lang="de-DE" altLang="de-DE" sz="1800" b="1" dirty="0"/>
-              <a:t> und </a:t>
-            </a:r>
-            <a:r>
-              <a:rPr lang="de-DE" altLang="de-DE" sz="1800" b="1" dirty="0" err="1"/>
-              <a:t>GitLab</a:t>
-            </a:r>
-            <a:r>
-              <a:rPr lang="de-DE" altLang="de-DE" sz="1800" b="1" dirty="0"/>
-              <a:t>, </a:t>
-            </a:r>
-            <a:r>
-              <a:rPr lang="de-DE" altLang="de-DE" sz="1800" b="1" dirty="0" err="1"/>
-              <a:t>Git</a:t>
-            </a:r>
-            <a:r>
-              <a:rPr lang="de-DE" altLang="de-DE" sz="1800" b="1" dirty="0"/>
-              <a:t>-Workflow im Team</a:t>
-            </a:r>
-          </a:p>
-          <a:p>
-            <a:pPr lvl="1">
-              <a:buFont typeface="Arial" panose="020B0604020202020204" pitchFamily="34" charset="0"/>
-              <a:buChar char="•"/>
-            </a:pPr>
-            <a:r>
-              <a:rPr lang="de-DE" altLang="de-DE" sz="1400" dirty="0"/>
-              <a:t>Einführung &amp; Kursüberblick</a:t>
-            </a:r>
-          </a:p>
-          <a:p>
-            <a:pPr lvl="1">
-              <a:buFont typeface="Arial" panose="020B0604020202020204" pitchFamily="34" charset="0"/>
-              <a:buChar char="•"/>
-            </a:pPr>
-            <a:r>
-              <a:rPr lang="de-DE" altLang="de-DE" sz="1400" dirty="0"/>
-              <a:t>Grundlagen von </a:t>
-            </a:r>
-            <a:r>
-              <a:rPr lang="de-DE" altLang="de-DE" sz="1400" dirty="0" err="1"/>
-              <a:t>Git</a:t>
-            </a:r>
-            <a:endParaRPr lang="de-DE" altLang="de-DE" sz="1400" dirty="0"/>
-          </a:p>
-          <a:p>
-            <a:pPr lvl="1">
-              <a:buFont typeface="Arial" panose="020B0604020202020204" pitchFamily="34" charset="0"/>
-              <a:buChar char="•"/>
-            </a:pPr>
-            <a:r>
-              <a:rPr lang="de-DE" altLang="de-DE" sz="1400" dirty="0" err="1"/>
-              <a:t>Git</a:t>
-            </a:r>
-            <a:r>
-              <a:rPr lang="de-DE" altLang="de-DE" sz="1400" dirty="0"/>
-              <a:t> </a:t>
-            </a:r>
-            <a:r>
-              <a:rPr lang="de-DE" altLang="de-DE" sz="1400" dirty="0" err="1"/>
-              <a:t>Rebase</a:t>
-            </a:r>
-            <a:r>
-              <a:rPr lang="de-DE" altLang="de-DE" sz="1400" dirty="0"/>
-              <a:t> und </a:t>
-            </a:r>
-            <a:r>
-              <a:rPr lang="de-DE" altLang="de-DE" sz="1400" dirty="0" err="1"/>
-              <a:t>Merge</a:t>
-            </a:r>
-            <a:r>
-              <a:rPr lang="de-DE" altLang="de-DE" sz="1400" dirty="0"/>
-              <a:t>-Strategien</a:t>
-            </a:r>
-          </a:p>
-          <a:p>
-            <a:pPr lvl="1">
-              <a:buFont typeface="Arial" panose="020B0604020202020204" pitchFamily="34" charset="0"/>
-              <a:buChar char="•"/>
-            </a:pPr>
-            <a:r>
-              <a:rPr lang="de-DE" altLang="de-DE" sz="1400" dirty="0" err="1"/>
-              <a:t>Git</a:t>
-            </a:r>
-            <a:r>
-              <a:rPr lang="de-DE" altLang="de-DE" sz="1400" dirty="0"/>
-              <a:t> Remote</a:t>
-            </a:r>
-          </a:p>
-          <a:p>
-            <a:pPr lvl="1">
-              <a:buFont typeface="Arial" panose="020B0604020202020204" pitchFamily="34" charset="0"/>
-              <a:buChar char="•"/>
-            </a:pPr>
-            <a:r>
-              <a:rPr lang="de-DE" altLang="de-DE" sz="1400" dirty="0"/>
-              <a:t>Grundlagen von </a:t>
-            </a:r>
-            <a:r>
-              <a:rPr lang="de-DE" altLang="de-DE" sz="1400" dirty="0" err="1"/>
-              <a:t>GitLab</a:t>
-            </a:r>
-            <a:endParaRPr lang="de-DE" altLang="de-DE" sz="1400" dirty="0"/>
-          </a:p>
-          <a:p>
-            <a:pPr lvl="1">
-              <a:buFont typeface="Arial" panose="020B0604020202020204" pitchFamily="34" charset="0"/>
-              <a:buChar char="•"/>
-            </a:pPr>
-            <a:r>
-              <a:rPr lang="de-DE" altLang="de-DE" sz="1400" dirty="0" err="1"/>
-              <a:t>Git</a:t>
-            </a:r>
-            <a:r>
-              <a:rPr lang="de-DE" altLang="de-DE" sz="1400" dirty="0"/>
-              <a:t>-Workflow im Team</a:t>
-            </a:r>
-          </a:p>
-          <a:p>
-            <a:pPr>
-              <a:buFont typeface="Arial" panose="020B0604020202020204" pitchFamily="34" charset="0"/>
-              <a:buChar char="•"/>
-            </a:pPr>
-            <a:r>
-              <a:rPr lang="de-DE" altLang="de-DE" sz="1800" b="1" dirty="0"/>
-              <a:t>Tag 2 – Vertiefung </a:t>
-            </a:r>
-            <a:r>
-              <a:rPr lang="de-DE" altLang="de-DE" sz="1800" b="1" dirty="0" err="1"/>
-              <a:t>Git</a:t>
-            </a:r>
-            <a:r>
-              <a:rPr lang="de-DE" altLang="de-DE" sz="1800" b="1" dirty="0"/>
-              <a:t>-Workflow, CI/CD &amp; </a:t>
-            </a:r>
-            <a:r>
-              <a:rPr lang="de-DE" altLang="de-DE" sz="1800" b="1" dirty="0" err="1"/>
-              <a:t>GitLab</a:t>
-            </a:r>
-            <a:r>
-              <a:rPr lang="de-DE" altLang="de-DE" sz="1800" b="1" dirty="0"/>
-              <a:t> CI </a:t>
-            </a:r>
-          </a:p>
-          <a:p>
-            <a:pPr lvl="1">
-              <a:buFont typeface="Arial" panose="020B0604020202020204" pitchFamily="34" charset="0"/>
-              <a:buChar char="•"/>
-            </a:pPr>
-            <a:r>
-              <a:rPr lang="de-DE" altLang="de-DE" sz="1400" dirty="0" err="1"/>
-              <a:t>Gitflow</a:t>
-            </a:r>
-            <a:r>
-              <a:rPr lang="de-DE" altLang="de-DE" sz="1400" dirty="0"/>
-              <a:t>-Workflow</a:t>
-            </a:r>
-          </a:p>
-          <a:p>
-            <a:pPr lvl="1">
-              <a:buFont typeface="Arial" panose="020B0604020202020204" pitchFamily="34" charset="0"/>
-              <a:buChar char="•"/>
-            </a:pPr>
-            <a:r>
-              <a:rPr lang="de-DE" altLang="de-DE" sz="1400" dirty="0"/>
-              <a:t>Tags, Releases &amp; deren Verwaltung</a:t>
-            </a:r>
-          </a:p>
-          <a:p>
-            <a:pPr lvl="1">
-              <a:buFont typeface="Arial" panose="020B0604020202020204" pitchFamily="34" charset="0"/>
-              <a:buChar char="•"/>
-            </a:pPr>
-            <a:r>
-              <a:rPr lang="de-DE" altLang="de-DE" sz="1400" dirty="0" err="1"/>
-              <a:t>GitLab</a:t>
-            </a:r>
-            <a:r>
-              <a:rPr lang="de-DE" altLang="de-DE" sz="1400" dirty="0"/>
-              <a:t>-Runner</a:t>
-            </a:r>
-          </a:p>
-          <a:p>
-            <a:pPr lvl="1">
-              <a:buFont typeface="Arial" panose="020B0604020202020204" pitchFamily="34" charset="0"/>
-              <a:buChar char="•"/>
-            </a:pPr>
-            <a:r>
-              <a:rPr lang="de-DE" altLang="de-DE" sz="1400" dirty="0"/>
-              <a:t>Einführung in </a:t>
-            </a:r>
-            <a:r>
-              <a:rPr lang="de-DE" altLang="de-DE" sz="1400" dirty="0" err="1"/>
-              <a:t>GitLab</a:t>
-            </a:r>
-            <a:r>
-              <a:rPr lang="de-DE" altLang="de-DE" sz="1400" dirty="0"/>
-              <a:t> CI/CD &amp; </a:t>
-            </a:r>
-            <a:r>
-              <a:rPr lang="de-DE" altLang="de-DE" sz="1400" dirty="0" err="1"/>
-              <a:t>gitlab.yml</a:t>
-            </a:r>
-            <a:endParaRPr lang="de-DE" altLang="de-DE" sz="1400" dirty="0"/>
-          </a:p>
-          <a:p>
-            <a:pPr>
-              <a:buFont typeface="Arial" panose="020B0604020202020204" pitchFamily="34" charset="0"/>
-              <a:buChar char="•"/>
-            </a:pPr>
-            <a:r>
-              <a:rPr lang="de-DE" altLang="de-DE" sz="1800" b="1" dirty="0"/>
-              <a:t>Tag 3 – </a:t>
-            </a:r>
-            <a:r>
-              <a:rPr lang="de-DE" altLang="de-DE" sz="1800" b="1" dirty="0" err="1"/>
-              <a:t>GitOps</a:t>
-            </a:r>
-            <a:r>
-              <a:rPr lang="de-DE" altLang="de-DE" sz="1800" b="1" dirty="0"/>
-              <a:t>, Docker in der Entwicklung und </a:t>
-            </a:r>
-            <a:r>
-              <a:rPr lang="de-DE" altLang="de-DE" sz="1800" b="1" dirty="0" err="1"/>
-              <a:t>Deployment</a:t>
-            </a:r>
-            <a:r>
-              <a:rPr lang="de-DE" altLang="de-DE" sz="1800" b="1" dirty="0"/>
-              <a:t>-Strategien</a:t>
-            </a:r>
-          </a:p>
-          <a:p>
-            <a:pPr lvl="1">
-              <a:buFont typeface="Arial" panose="020B0604020202020204" pitchFamily="34" charset="0"/>
-              <a:buChar char="•"/>
-            </a:pPr>
-            <a:r>
-              <a:rPr lang="de-DE" altLang="de-DE" sz="1400" dirty="0" err="1"/>
-              <a:t>GitOps</a:t>
-            </a:r>
-            <a:r>
-              <a:rPr lang="de-DE" altLang="de-DE" sz="1400" dirty="0"/>
-              <a:t> Grundlagen</a:t>
-            </a:r>
-          </a:p>
-          <a:p>
-            <a:pPr lvl="1">
-              <a:buFont typeface="Arial" panose="020B0604020202020204" pitchFamily="34" charset="0"/>
-              <a:buChar char="•"/>
-            </a:pPr>
-            <a:r>
-              <a:rPr lang="de-DE" altLang="de-DE" sz="1400" dirty="0"/>
-              <a:t>Lokale Entwicklung mit Docker</a:t>
-            </a:r>
-          </a:p>
-          <a:p>
-            <a:pPr lvl="1">
-              <a:buFont typeface="Arial" panose="020B0604020202020204" pitchFamily="34" charset="0"/>
-              <a:buChar char="•"/>
-            </a:pPr>
-            <a:r>
-              <a:rPr lang="de-DE" altLang="de-DE" sz="1400" dirty="0"/>
-              <a:t>Container/Docker-Registry</a:t>
-            </a:r>
-          </a:p>
-          <a:p>
-            <a:pPr lvl="1">
-              <a:buFont typeface="Arial" panose="020B0604020202020204" pitchFamily="34" charset="0"/>
-              <a:buChar char="•"/>
-            </a:pPr>
-            <a:r>
-              <a:rPr lang="de-DE" altLang="de-DE" sz="1400" dirty="0"/>
-              <a:t>Erstellen von Release- und </a:t>
-            </a:r>
-            <a:r>
-              <a:rPr lang="de-DE" altLang="de-DE" sz="1400" dirty="0" err="1"/>
-              <a:t>Tagged</a:t>
-            </a:r>
-            <a:r>
-              <a:rPr lang="de-DE" altLang="de-DE" sz="1400" dirty="0"/>
-              <a:t>-Images</a:t>
-            </a:r>
-          </a:p>
-          <a:p>
-            <a:pPr lvl="1">
-              <a:buFont typeface="Arial" panose="020B0604020202020204" pitchFamily="34" charset="0"/>
-              <a:buChar char="•"/>
-            </a:pPr>
-            <a:r>
-              <a:rPr lang="de-DE" altLang="de-DE" sz="1400" dirty="0"/>
-              <a:t>Möglichkeiten des </a:t>
-            </a:r>
-            <a:r>
-              <a:rPr lang="de-DE" altLang="de-DE" sz="1400" dirty="0" err="1"/>
-              <a:t>Deployments</a:t>
-            </a:r>
-            <a:r>
-              <a:rPr lang="de-DE" altLang="de-DE" sz="1400" dirty="0"/>
-              <a:t> &amp; Verwaltung von Konfiguration</a:t>
-            </a:r>
-          </a:p>
-          <a:p>
-            <a:pPr lvl="1">
-              <a:buFont typeface="Arial" panose="020B0604020202020204" pitchFamily="34" charset="0"/>
-              <a:buChar char="•"/>
-            </a:pPr>
-            <a:r>
-              <a:rPr lang="de-DE" altLang="de-DE" sz="1400" dirty="0"/>
-              <a:t>Abschlussübung &amp; Diskussion</a:t>
-            </a:r>
-          </a:p>
-          <a:p>
-            <a:pPr lvl="1">
-              <a:buFont typeface="Arial" panose="020B0604020202020204" pitchFamily="34" charset="0"/>
-              <a:buChar char="•"/>
-            </a:pPr>
-            <a:endParaRPr lang="de-DE" altLang="de-DE" sz="1400" dirty="0"/>
-          </a:p>
-        </p:txBody>
-      </p:sp>
-      <p:sp>
-        <p:nvSpPr>
           <p:cNvPr id="6147" name="Rectangle 1062">
             <a:extLst>
               <a:ext uri="{FF2B5EF4-FFF2-40B4-BE49-F238E27FC236}">
@@ -10629,6 +6902,360 @@
               <a:rPr lang="de-DE" altLang="de-DE" dirty="0"/>
               <a:t>Agenda</a:t>
             </a:r>
+          </a:p>
+        </p:txBody>
+      </p:sp>
+      <p:sp>
+        <p:nvSpPr>
+          <p:cNvPr id="6146" name="Inhaltsplatzhalter 18">
+            <a:extLst>
+              <a:ext uri="{FF2B5EF4-FFF2-40B4-BE49-F238E27FC236}">
+                <a16:creationId xmlns:a16="http://schemas.microsoft.com/office/drawing/2014/main" id="{BE3C4C95-FD5D-27F0-ED0C-AB8113CAC9F1}"/>
+              </a:ext>
+            </a:extLst>
+          </p:cNvPr>
+          <p:cNvSpPr>
+            <a:spLocks noGrp="1"/>
+          </p:cNvSpPr>
+          <p:nvPr>
+            <p:ph idx="1"/>
+          </p:nvPr>
+        </p:nvSpPr>
+        <p:spPr/>
+        <p:txBody>
+          <a:bodyPr/>
+          <a:lstStyle/>
+          <a:p>
+            <a:pPr>
+              <a:buFont typeface="Arial" panose="020B0604020202020204" pitchFamily="34" charset="0"/>
+              <a:buChar char="•"/>
+            </a:pPr>
+            <a:r>
+              <a:rPr lang="de-DE" altLang="de-DE" sz="1800" b="1" dirty="0"/>
+              <a:t>Tag 1 – Einführung in </a:t>
+            </a:r>
+            <a:r>
+              <a:rPr lang="de-DE" altLang="de-DE" sz="1800" b="1" dirty="0" err="1"/>
+              <a:t>Git</a:t>
+            </a:r>
+            <a:r>
+              <a:rPr lang="de-DE" altLang="de-DE" sz="1800" b="1" dirty="0"/>
+              <a:t> und </a:t>
+            </a:r>
+            <a:r>
+              <a:rPr lang="de-DE" altLang="de-DE" sz="1800" b="1" dirty="0" err="1"/>
+              <a:t>GitLab</a:t>
+            </a:r>
+            <a:r>
+              <a:rPr lang="de-DE" altLang="de-DE" sz="1800" b="1" dirty="0"/>
+              <a:t>, </a:t>
+            </a:r>
+            <a:r>
+              <a:rPr lang="de-DE" altLang="de-DE" sz="1800" b="1" dirty="0" err="1"/>
+              <a:t>Git</a:t>
+            </a:r>
+            <a:r>
+              <a:rPr lang="de-DE" altLang="de-DE" sz="1800" b="1" dirty="0"/>
+              <a:t>-Workflow im Team</a:t>
+            </a:r>
+          </a:p>
+          <a:p>
+            <a:pPr lvl="1">
+              <a:buFont typeface="Arial" panose="020B0604020202020204" pitchFamily="34" charset="0"/>
+              <a:buChar char="•"/>
+            </a:pPr>
+            <a:r>
+              <a:rPr lang="de-DE" altLang="de-DE" sz="1400" dirty="0"/>
+              <a:t>Einführung &amp; Kursüberblick</a:t>
+            </a:r>
+          </a:p>
+          <a:p>
+            <a:pPr lvl="1">
+              <a:buFont typeface="Arial" panose="020B0604020202020204" pitchFamily="34" charset="0"/>
+              <a:buChar char="•"/>
+            </a:pPr>
+            <a:r>
+              <a:rPr lang="de-DE" altLang="de-DE" sz="1400" dirty="0"/>
+              <a:t>Grundlagen von </a:t>
+            </a:r>
+            <a:r>
+              <a:rPr lang="de-DE" altLang="de-DE" sz="1400" dirty="0" err="1"/>
+              <a:t>Git</a:t>
+            </a:r>
+            <a:endParaRPr lang="de-DE" altLang="de-DE" sz="1400" dirty="0"/>
+          </a:p>
+          <a:p>
+            <a:pPr lvl="1">
+              <a:buFont typeface="Arial" panose="020B0604020202020204" pitchFamily="34" charset="0"/>
+              <a:buChar char="•"/>
+            </a:pPr>
+            <a:r>
+              <a:rPr lang="de-DE" altLang="de-DE" sz="1400" dirty="0" err="1"/>
+              <a:t>Git</a:t>
+            </a:r>
+            <a:r>
+              <a:rPr lang="de-DE" altLang="de-DE" sz="1400" dirty="0"/>
+              <a:t> </a:t>
+            </a:r>
+            <a:r>
+              <a:rPr lang="de-DE" altLang="de-DE" sz="1400" dirty="0" err="1"/>
+              <a:t>Rebase</a:t>
+            </a:r>
+            <a:r>
+              <a:rPr lang="de-DE" altLang="de-DE" sz="1400" dirty="0"/>
+              <a:t> und </a:t>
+            </a:r>
+            <a:r>
+              <a:rPr lang="de-DE" altLang="de-DE" sz="1400" dirty="0" err="1"/>
+              <a:t>Merge</a:t>
+            </a:r>
+            <a:r>
+              <a:rPr lang="de-DE" altLang="de-DE" sz="1400" dirty="0"/>
+              <a:t>-Strategien</a:t>
+            </a:r>
+          </a:p>
+          <a:p>
+            <a:pPr lvl="1">
+              <a:buFont typeface="Arial" panose="020B0604020202020204" pitchFamily="34" charset="0"/>
+              <a:buChar char="•"/>
+            </a:pPr>
+            <a:r>
+              <a:rPr lang="de-DE" altLang="de-DE" sz="1400" dirty="0" err="1"/>
+              <a:t>Git</a:t>
+            </a:r>
+            <a:r>
+              <a:rPr lang="de-DE" altLang="de-DE" sz="1400" dirty="0"/>
+              <a:t> Remote</a:t>
+            </a:r>
+          </a:p>
+          <a:p>
+            <a:pPr lvl="1">
+              <a:buFont typeface="Arial" panose="020B0604020202020204" pitchFamily="34" charset="0"/>
+              <a:buChar char="•"/>
+            </a:pPr>
+            <a:r>
+              <a:rPr lang="de-DE" altLang="de-DE" sz="1400" dirty="0"/>
+              <a:t>Grundlagen von </a:t>
+            </a:r>
+            <a:r>
+              <a:rPr lang="de-DE" altLang="de-DE" sz="1400" dirty="0" err="1"/>
+              <a:t>GitLab</a:t>
+            </a:r>
+            <a:endParaRPr lang="de-DE" altLang="de-DE" sz="1400" dirty="0"/>
+          </a:p>
+          <a:p>
+            <a:pPr lvl="1">
+              <a:buFont typeface="Arial" panose="020B0604020202020204" pitchFamily="34" charset="0"/>
+              <a:buChar char="•"/>
+            </a:pPr>
+            <a:r>
+              <a:rPr lang="de-DE" altLang="de-DE" sz="1400" dirty="0" err="1"/>
+              <a:t>Git</a:t>
+            </a:r>
+            <a:r>
+              <a:rPr lang="de-DE" altLang="de-DE" sz="1400" dirty="0"/>
+              <a:t>-Workflow im Team</a:t>
+            </a:r>
+          </a:p>
+          <a:p>
+            <a:pPr>
+              <a:buFont typeface="Arial" panose="020B0604020202020204" pitchFamily="34" charset="0"/>
+              <a:buChar char="•"/>
+            </a:pPr>
+            <a:r>
+              <a:rPr lang="de-DE" altLang="de-DE" sz="1800" b="1" dirty="0"/>
+              <a:t>Tag 2 – Vertiefung </a:t>
+            </a:r>
+            <a:r>
+              <a:rPr lang="de-DE" altLang="de-DE" sz="1800" b="1" dirty="0" err="1"/>
+              <a:t>Git</a:t>
+            </a:r>
+            <a:r>
+              <a:rPr lang="de-DE" altLang="de-DE" sz="1800" b="1" dirty="0"/>
+              <a:t>-Workflow, CI/CD &amp; </a:t>
+            </a:r>
+            <a:r>
+              <a:rPr lang="de-DE" altLang="de-DE" sz="1800" b="1" dirty="0" err="1"/>
+              <a:t>GitLab</a:t>
+            </a:r>
+            <a:r>
+              <a:rPr lang="de-DE" altLang="de-DE" sz="1800" b="1" dirty="0"/>
+              <a:t> CI </a:t>
+            </a:r>
+          </a:p>
+          <a:p>
+            <a:pPr lvl="1">
+              <a:buFont typeface="Arial" panose="020B0604020202020204" pitchFamily="34" charset="0"/>
+              <a:buChar char="•"/>
+            </a:pPr>
+            <a:r>
+              <a:rPr lang="de-DE" altLang="de-DE" sz="1400" dirty="0" err="1"/>
+              <a:t>Gitflow</a:t>
+            </a:r>
+            <a:r>
+              <a:rPr lang="de-DE" altLang="de-DE" sz="1400" dirty="0"/>
+              <a:t>-Workflow</a:t>
+            </a:r>
+          </a:p>
+          <a:p>
+            <a:pPr lvl="1">
+              <a:buFont typeface="Arial" panose="020B0604020202020204" pitchFamily="34" charset="0"/>
+              <a:buChar char="•"/>
+            </a:pPr>
+            <a:r>
+              <a:rPr lang="de-DE" altLang="de-DE" sz="1400" dirty="0"/>
+              <a:t>Tags, Releases &amp; deren Verwaltung</a:t>
+            </a:r>
+          </a:p>
+          <a:p>
+            <a:pPr lvl="1">
+              <a:buFont typeface="Arial" panose="020B0604020202020204" pitchFamily="34" charset="0"/>
+              <a:buChar char="•"/>
+            </a:pPr>
+            <a:r>
+              <a:rPr lang="de-DE" altLang="de-DE" sz="1400" dirty="0" err="1"/>
+              <a:t>GitLab</a:t>
+            </a:r>
+            <a:r>
+              <a:rPr lang="de-DE" altLang="de-DE" sz="1400" dirty="0"/>
+              <a:t>-Runner</a:t>
+            </a:r>
+          </a:p>
+          <a:p>
+            <a:pPr lvl="1">
+              <a:buFont typeface="Arial" panose="020B0604020202020204" pitchFamily="34" charset="0"/>
+              <a:buChar char="•"/>
+            </a:pPr>
+            <a:r>
+              <a:rPr lang="de-DE" altLang="de-DE" sz="1400" dirty="0"/>
+              <a:t>Einführung in </a:t>
+            </a:r>
+            <a:r>
+              <a:rPr lang="de-DE" altLang="de-DE" sz="1400" dirty="0" err="1"/>
+              <a:t>GitLab</a:t>
+            </a:r>
+            <a:r>
+              <a:rPr lang="de-DE" altLang="de-DE" sz="1400" dirty="0"/>
+              <a:t> CI/CD &amp; </a:t>
+            </a:r>
+            <a:r>
+              <a:rPr lang="de-DE" altLang="de-DE" sz="1400" dirty="0" err="1"/>
+              <a:t>gitlab.yml</a:t>
+            </a:r>
+            <a:endParaRPr lang="de-DE" altLang="de-DE" sz="1400" dirty="0"/>
+          </a:p>
+          <a:p>
+            <a:pPr>
+              <a:buFont typeface="Arial" panose="020B0604020202020204" pitchFamily="34" charset="0"/>
+              <a:buChar char="•"/>
+            </a:pPr>
+            <a:r>
+              <a:rPr lang="de-DE" altLang="de-DE" sz="1800" b="1" dirty="0"/>
+              <a:t>Tag 3 – </a:t>
+            </a:r>
+            <a:r>
+              <a:rPr lang="de-DE" altLang="de-DE" sz="1800" b="1" dirty="0" err="1"/>
+              <a:t>GitOps</a:t>
+            </a:r>
+            <a:r>
+              <a:rPr lang="de-DE" altLang="de-DE" sz="1800" b="1" dirty="0"/>
+              <a:t>, Docker in der Entwicklung und </a:t>
+            </a:r>
+            <a:r>
+              <a:rPr lang="de-DE" altLang="de-DE" sz="1800" b="1" dirty="0" err="1"/>
+              <a:t>Deployment</a:t>
+            </a:r>
+            <a:r>
+              <a:rPr lang="de-DE" altLang="de-DE" sz="1800" b="1" dirty="0"/>
+              <a:t>-Strategien</a:t>
+            </a:r>
+          </a:p>
+          <a:p>
+            <a:pPr lvl="1">
+              <a:buFont typeface="Arial" panose="020B0604020202020204" pitchFamily="34" charset="0"/>
+              <a:buChar char="•"/>
+            </a:pPr>
+            <a:r>
+              <a:rPr lang="de-DE" altLang="de-DE" sz="1400" dirty="0" err="1"/>
+              <a:t>GitOps</a:t>
+            </a:r>
+            <a:r>
+              <a:rPr lang="de-DE" altLang="de-DE" sz="1400" dirty="0"/>
+              <a:t> Grundlagen</a:t>
+            </a:r>
+          </a:p>
+          <a:p>
+            <a:pPr lvl="1">
+              <a:buFont typeface="Arial" panose="020B0604020202020204" pitchFamily="34" charset="0"/>
+              <a:buChar char="•"/>
+            </a:pPr>
+            <a:r>
+              <a:rPr lang="de-DE" altLang="de-DE" sz="1400" dirty="0"/>
+              <a:t>Lokale Entwicklung mit Docker</a:t>
+            </a:r>
+          </a:p>
+          <a:p>
+            <a:pPr lvl="1">
+              <a:buFont typeface="Arial" panose="020B0604020202020204" pitchFamily="34" charset="0"/>
+              <a:buChar char="•"/>
+            </a:pPr>
+            <a:r>
+              <a:rPr lang="de-DE" altLang="de-DE" sz="1400" dirty="0"/>
+              <a:t>Container/Docker-Registry</a:t>
+            </a:r>
+          </a:p>
+          <a:p>
+            <a:pPr lvl="1">
+              <a:buFont typeface="Arial" panose="020B0604020202020204" pitchFamily="34" charset="0"/>
+              <a:buChar char="•"/>
+            </a:pPr>
+            <a:r>
+              <a:rPr lang="de-DE" altLang="de-DE" sz="1400" dirty="0"/>
+              <a:t>Erstellen von Release- und </a:t>
+            </a:r>
+            <a:r>
+              <a:rPr lang="de-DE" altLang="de-DE" sz="1400" dirty="0" err="1"/>
+              <a:t>Tagged</a:t>
+            </a:r>
+            <a:r>
+              <a:rPr lang="de-DE" altLang="de-DE" sz="1400" dirty="0"/>
+              <a:t>-Images</a:t>
+            </a:r>
+          </a:p>
+          <a:p>
+            <a:pPr lvl="1">
+              <a:buFont typeface="Arial" panose="020B0604020202020204" pitchFamily="34" charset="0"/>
+              <a:buChar char="•"/>
+            </a:pPr>
+            <a:r>
+              <a:rPr lang="de-DE" altLang="de-DE" sz="1400" dirty="0"/>
+              <a:t>Möglichkeiten des </a:t>
+            </a:r>
+            <a:r>
+              <a:rPr lang="de-DE" altLang="de-DE" sz="1400" dirty="0" err="1"/>
+              <a:t>Deployments</a:t>
+            </a:r>
+            <a:r>
+              <a:rPr lang="de-DE" altLang="de-DE" sz="1400" dirty="0"/>
+              <a:t> &amp; Verwaltung von Konfiguration</a:t>
+            </a:r>
+          </a:p>
+          <a:p>
+            <a:pPr lvl="1">
+              <a:buFont typeface="Arial" panose="020B0604020202020204" pitchFamily="34" charset="0"/>
+              <a:buChar char="•"/>
+            </a:pPr>
+            <a:r>
+              <a:rPr lang="de-DE" altLang="de-DE" sz="1400" dirty="0"/>
+              <a:t>Abschlussübung &amp; Diskussion</a:t>
+            </a:r>
+          </a:p>
+          <a:p>
+            <a:pPr lvl="1">
+              <a:buFont typeface="Arial" panose="020B0604020202020204" pitchFamily="34" charset="0"/>
+              <a:buChar char="•"/>
+            </a:pPr>
+            <a:endParaRPr lang="de-DE" altLang="de-DE" sz="1400" dirty="0"/>
           </a:p>
         </p:txBody>
       </p:sp>
@@ -14696,360 +11323,6 @@
       </p:grpSpPr>
       <p:sp>
         <p:nvSpPr>
-          <p:cNvPr id="6146" name="Inhaltsplatzhalter 18">
-            <a:extLst>
-              <a:ext uri="{FF2B5EF4-FFF2-40B4-BE49-F238E27FC236}">
-                <a16:creationId xmlns:a16="http://schemas.microsoft.com/office/drawing/2014/main" id="{BE3C4C95-FD5D-27F0-ED0C-AB8113CAC9F1}"/>
-              </a:ext>
-            </a:extLst>
-          </p:cNvPr>
-          <p:cNvSpPr>
-            <a:spLocks noGrp="1"/>
-          </p:cNvSpPr>
-          <p:nvPr>
-            <p:ph idx="1"/>
-          </p:nvPr>
-        </p:nvSpPr>
-        <p:spPr/>
-        <p:txBody>
-          <a:bodyPr/>
-          <a:lstStyle/>
-          <a:p>
-            <a:pPr>
-              <a:buFont typeface="Arial" panose="020B0604020202020204" pitchFamily="34" charset="0"/>
-              <a:buChar char="•"/>
-            </a:pPr>
-            <a:r>
-              <a:rPr lang="de-DE" altLang="de-DE" sz="1800" b="1" dirty="0"/>
-              <a:t>Tag 1 – Einführung in </a:t>
-            </a:r>
-            <a:r>
-              <a:rPr lang="de-DE" altLang="de-DE" sz="1800" b="1" dirty="0" err="1"/>
-              <a:t>Git</a:t>
-            </a:r>
-            <a:r>
-              <a:rPr lang="de-DE" altLang="de-DE" sz="1800" b="1" dirty="0"/>
-              <a:t> und </a:t>
-            </a:r>
-            <a:r>
-              <a:rPr lang="de-DE" altLang="de-DE" sz="1800" b="1" dirty="0" err="1"/>
-              <a:t>GitLab</a:t>
-            </a:r>
-            <a:r>
-              <a:rPr lang="de-DE" altLang="de-DE" sz="1800" b="1" dirty="0"/>
-              <a:t>, </a:t>
-            </a:r>
-            <a:r>
-              <a:rPr lang="de-DE" altLang="de-DE" sz="1800" b="1" dirty="0" err="1"/>
-              <a:t>Git</a:t>
-            </a:r>
-            <a:r>
-              <a:rPr lang="de-DE" altLang="de-DE" sz="1800" b="1" dirty="0"/>
-              <a:t>-Workflow im Team</a:t>
-            </a:r>
-          </a:p>
-          <a:p>
-            <a:pPr lvl="1">
-              <a:buFont typeface="Arial" panose="020B0604020202020204" pitchFamily="34" charset="0"/>
-              <a:buChar char="•"/>
-            </a:pPr>
-            <a:r>
-              <a:rPr lang="de-DE" altLang="de-DE" sz="1400" dirty="0"/>
-              <a:t>Einführung &amp; Kursüberblick</a:t>
-            </a:r>
-          </a:p>
-          <a:p>
-            <a:pPr lvl="1">
-              <a:buFont typeface="Arial" panose="020B0604020202020204" pitchFamily="34" charset="0"/>
-              <a:buChar char="•"/>
-            </a:pPr>
-            <a:r>
-              <a:rPr lang="de-DE" altLang="de-DE" sz="1400" u="sng" dirty="0"/>
-              <a:t>Grundlagen von </a:t>
-            </a:r>
-            <a:r>
-              <a:rPr lang="de-DE" altLang="de-DE" sz="1400" u="sng" dirty="0" err="1"/>
-              <a:t>Git</a:t>
-            </a:r>
-            <a:endParaRPr lang="de-DE" altLang="de-DE" sz="1400" u="sng" dirty="0"/>
-          </a:p>
-          <a:p>
-            <a:pPr lvl="1">
-              <a:buFont typeface="Arial" panose="020B0604020202020204" pitchFamily="34" charset="0"/>
-              <a:buChar char="•"/>
-            </a:pPr>
-            <a:r>
-              <a:rPr lang="de-DE" altLang="de-DE" sz="1400" dirty="0" err="1"/>
-              <a:t>Git</a:t>
-            </a:r>
-            <a:r>
-              <a:rPr lang="de-DE" altLang="de-DE" sz="1400" dirty="0"/>
-              <a:t> </a:t>
-            </a:r>
-            <a:r>
-              <a:rPr lang="de-DE" altLang="de-DE" sz="1400" dirty="0" err="1"/>
-              <a:t>Rebase</a:t>
-            </a:r>
-            <a:r>
-              <a:rPr lang="de-DE" altLang="de-DE" sz="1400" dirty="0"/>
-              <a:t> und </a:t>
-            </a:r>
-            <a:r>
-              <a:rPr lang="de-DE" altLang="de-DE" sz="1400" dirty="0" err="1"/>
-              <a:t>Merge</a:t>
-            </a:r>
-            <a:r>
-              <a:rPr lang="de-DE" altLang="de-DE" sz="1400" dirty="0"/>
-              <a:t>-Strategien</a:t>
-            </a:r>
-          </a:p>
-          <a:p>
-            <a:pPr lvl="1">
-              <a:buFont typeface="Arial" panose="020B0604020202020204" pitchFamily="34" charset="0"/>
-              <a:buChar char="•"/>
-            </a:pPr>
-            <a:r>
-              <a:rPr lang="de-DE" altLang="de-DE" sz="1400" dirty="0" err="1"/>
-              <a:t>Git</a:t>
-            </a:r>
-            <a:r>
-              <a:rPr lang="de-DE" altLang="de-DE" sz="1400" dirty="0"/>
-              <a:t> Remote</a:t>
-            </a:r>
-          </a:p>
-          <a:p>
-            <a:pPr lvl="1">
-              <a:buFont typeface="Arial" panose="020B0604020202020204" pitchFamily="34" charset="0"/>
-              <a:buChar char="•"/>
-            </a:pPr>
-            <a:r>
-              <a:rPr lang="de-DE" altLang="de-DE" sz="1400" dirty="0"/>
-              <a:t>Grundlagen von </a:t>
-            </a:r>
-            <a:r>
-              <a:rPr lang="de-DE" altLang="de-DE" sz="1400" dirty="0" err="1"/>
-              <a:t>GitLab</a:t>
-            </a:r>
-            <a:endParaRPr lang="de-DE" altLang="de-DE" sz="1400" dirty="0"/>
-          </a:p>
-          <a:p>
-            <a:pPr lvl="1">
-              <a:buFont typeface="Arial" panose="020B0604020202020204" pitchFamily="34" charset="0"/>
-              <a:buChar char="•"/>
-            </a:pPr>
-            <a:r>
-              <a:rPr lang="de-DE" altLang="de-DE" sz="1400" dirty="0" err="1"/>
-              <a:t>Git</a:t>
-            </a:r>
-            <a:r>
-              <a:rPr lang="de-DE" altLang="de-DE" sz="1400" dirty="0"/>
-              <a:t>-Workflow im Team</a:t>
-            </a:r>
-          </a:p>
-          <a:p>
-            <a:pPr>
-              <a:buFont typeface="Arial" panose="020B0604020202020204" pitchFamily="34" charset="0"/>
-              <a:buChar char="•"/>
-            </a:pPr>
-            <a:r>
-              <a:rPr lang="de-DE" altLang="de-DE" sz="1800" b="1" dirty="0"/>
-              <a:t>Tag 2 – Vertiefung </a:t>
-            </a:r>
-            <a:r>
-              <a:rPr lang="de-DE" altLang="de-DE" sz="1800" b="1" dirty="0" err="1"/>
-              <a:t>Git</a:t>
-            </a:r>
-            <a:r>
-              <a:rPr lang="de-DE" altLang="de-DE" sz="1800" b="1" dirty="0"/>
-              <a:t>-Workflow, CI/CD &amp; </a:t>
-            </a:r>
-            <a:r>
-              <a:rPr lang="de-DE" altLang="de-DE" sz="1800" b="1" dirty="0" err="1"/>
-              <a:t>GitLab</a:t>
-            </a:r>
-            <a:r>
-              <a:rPr lang="de-DE" altLang="de-DE" sz="1800" b="1" dirty="0"/>
-              <a:t> CI </a:t>
-            </a:r>
-          </a:p>
-          <a:p>
-            <a:pPr lvl="1">
-              <a:buFont typeface="Arial" panose="020B0604020202020204" pitchFamily="34" charset="0"/>
-              <a:buChar char="•"/>
-            </a:pPr>
-            <a:r>
-              <a:rPr lang="de-DE" altLang="de-DE" sz="1400" dirty="0" err="1"/>
-              <a:t>Gitflow</a:t>
-            </a:r>
-            <a:r>
-              <a:rPr lang="de-DE" altLang="de-DE" sz="1400" dirty="0"/>
-              <a:t>-Workflow</a:t>
-            </a:r>
-          </a:p>
-          <a:p>
-            <a:pPr lvl="1">
-              <a:buFont typeface="Arial" panose="020B0604020202020204" pitchFamily="34" charset="0"/>
-              <a:buChar char="•"/>
-            </a:pPr>
-            <a:r>
-              <a:rPr lang="de-DE" altLang="de-DE" sz="1400" dirty="0"/>
-              <a:t>Tags, Releases &amp; deren Verwaltung</a:t>
-            </a:r>
-          </a:p>
-          <a:p>
-            <a:pPr lvl="1">
-              <a:buFont typeface="Arial" panose="020B0604020202020204" pitchFamily="34" charset="0"/>
-              <a:buChar char="•"/>
-            </a:pPr>
-            <a:r>
-              <a:rPr lang="de-DE" altLang="de-DE" sz="1400" dirty="0" err="1"/>
-              <a:t>GitLab</a:t>
-            </a:r>
-            <a:r>
-              <a:rPr lang="de-DE" altLang="de-DE" sz="1400" dirty="0"/>
-              <a:t>-Runner</a:t>
-            </a:r>
-          </a:p>
-          <a:p>
-            <a:pPr lvl="1">
-              <a:buFont typeface="Arial" panose="020B0604020202020204" pitchFamily="34" charset="0"/>
-              <a:buChar char="•"/>
-            </a:pPr>
-            <a:r>
-              <a:rPr lang="de-DE" altLang="de-DE" sz="1400" dirty="0"/>
-              <a:t>Einführung in </a:t>
-            </a:r>
-            <a:r>
-              <a:rPr lang="de-DE" altLang="de-DE" sz="1400" dirty="0" err="1"/>
-              <a:t>GitLab</a:t>
-            </a:r>
-            <a:r>
-              <a:rPr lang="de-DE" altLang="de-DE" sz="1400" dirty="0"/>
-              <a:t> CI/CD &amp; </a:t>
-            </a:r>
-            <a:r>
-              <a:rPr lang="de-DE" altLang="de-DE" sz="1400" dirty="0" err="1"/>
-              <a:t>gitlab.yml</a:t>
-            </a:r>
-            <a:endParaRPr lang="de-DE" altLang="de-DE" sz="1400" dirty="0"/>
-          </a:p>
-          <a:p>
-            <a:pPr>
-              <a:buFont typeface="Arial" panose="020B0604020202020204" pitchFamily="34" charset="0"/>
-              <a:buChar char="•"/>
-            </a:pPr>
-            <a:r>
-              <a:rPr lang="de-DE" altLang="de-DE" sz="1800" b="1" dirty="0"/>
-              <a:t>Tag 3 – </a:t>
-            </a:r>
-            <a:r>
-              <a:rPr lang="de-DE" altLang="de-DE" sz="1800" b="1" dirty="0" err="1"/>
-              <a:t>GitOps</a:t>
-            </a:r>
-            <a:r>
-              <a:rPr lang="de-DE" altLang="de-DE" sz="1800" b="1" dirty="0"/>
-              <a:t>, Docker in der Entwicklung und </a:t>
-            </a:r>
-            <a:r>
-              <a:rPr lang="de-DE" altLang="de-DE" sz="1800" b="1" dirty="0" err="1"/>
-              <a:t>Deployment</a:t>
-            </a:r>
-            <a:r>
-              <a:rPr lang="de-DE" altLang="de-DE" sz="1800" b="1" dirty="0"/>
-              <a:t>-Strategien</a:t>
-            </a:r>
-          </a:p>
-          <a:p>
-            <a:pPr lvl="1">
-              <a:buFont typeface="Arial" panose="020B0604020202020204" pitchFamily="34" charset="0"/>
-              <a:buChar char="•"/>
-            </a:pPr>
-            <a:r>
-              <a:rPr lang="de-DE" altLang="de-DE" sz="1400" dirty="0" err="1"/>
-              <a:t>GitOps</a:t>
-            </a:r>
-            <a:r>
-              <a:rPr lang="de-DE" altLang="de-DE" sz="1400" dirty="0"/>
-              <a:t> Grundlagen</a:t>
-            </a:r>
-          </a:p>
-          <a:p>
-            <a:pPr lvl="1">
-              <a:buFont typeface="Arial" panose="020B0604020202020204" pitchFamily="34" charset="0"/>
-              <a:buChar char="•"/>
-            </a:pPr>
-            <a:r>
-              <a:rPr lang="de-DE" altLang="de-DE" sz="1400" dirty="0"/>
-              <a:t>Lokale Entwicklung mit Docker</a:t>
-            </a:r>
-          </a:p>
-          <a:p>
-            <a:pPr lvl="1">
-              <a:buFont typeface="Arial" panose="020B0604020202020204" pitchFamily="34" charset="0"/>
-              <a:buChar char="•"/>
-            </a:pPr>
-            <a:r>
-              <a:rPr lang="de-DE" altLang="de-DE" sz="1400" dirty="0"/>
-              <a:t>Container/Docker-Registry</a:t>
-            </a:r>
-          </a:p>
-          <a:p>
-            <a:pPr lvl="1">
-              <a:buFont typeface="Arial" panose="020B0604020202020204" pitchFamily="34" charset="0"/>
-              <a:buChar char="•"/>
-            </a:pPr>
-            <a:r>
-              <a:rPr lang="de-DE" altLang="de-DE" sz="1400" dirty="0"/>
-              <a:t>Erstellen von Release- und </a:t>
-            </a:r>
-            <a:r>
-              <a:rPr lang="de-DE" altLang="de-DE" sz="1400" dirty="0" err="1"/>
-              <a:t>Tagged</a:t>
-            </a:r>
-            <a:r>
-              <a:rPr lang="de-DE" altLang="de-DE" sz="1400" dirty="0"/>
-              <a:t>-Images</a:t>
-            </a:r>
-          </a:p>
-          <a:p>
-            <a:pPr lvl="1">
-              <a:buFont typeface="Arial" panose="020B0604020202020204" pitchFamily="34" charset="0"/>
-              <a:buChar char="•"/>
-            </a:pPr>
-            <a:r>
-              <a:rPr lang="de-DE" altLang="de-DE" sz="1400" dirty="0"/>
-              <a:t>Möglichkeiten des </a:t>
-            </a:r>
-            <a:r>
-              <a:rPr lang="de-DE" altLang="de-DE" sz="1400" dirty="0" err="1"/>
-              <a:t>Deployments</a:t>
-            </a:r>
-            <a:r>
-              <a:rPr lang="de-DE" altLang="de-DE" sz="1400" dirty="0"/>
-              <a:t> &amp; Verwaltung von Konfiguration</a:t>
-            </a:r>
-          </a:p>
-          <a:p>
-            <a:pPr lvl="1">
-              <a:buFont typeface="Arial" panose="020B0604020202020204" pitchFamily="34" charset="0"/>
-              <a:buChar char="•"/>
-            </a:pPr>
-            <a:r>
-              <a:rPr lang="de-DE" altLang="de-DE" sz="1400" dirty="0"/>
-              <a:t>Abschlussübung &amp; Diskussion</a:t>
-            </a:r>
-          </a:p>
-          <a:p>
-            <a:pPr lvl="1">
-              <a:buFont typeface="Arial" panose="020B0604020202020204" pitchFamily="34" charset="0"/>
-              <a:buChar char="•"/>
-            </a:pPr>
-            <a:endParaRPr lang="de-DE" altLang="de-DE" sz="1400" dirty="0"/>
-          </a:p>
-        </p:txBody>
-      </p:sp>
-      <p:sp>
-        <p:nvSpPr>
           <p:cNvPr id="6147" name="Rectangle 1062">
             <a:extLst>
               <a:ext uri="{FF2B5EF4-FFF2-40B4-BE49-F238E27FC236}">
@@ -15078,6 +11351,360 @@
               <a:rPr lang="de-DE" altLang="de-DE" dirty="0"/>
               <a:t>Agenda</a:t>
             </a:r>
+          </a:p>
+        </p:txBody>
+      </p:sp>
+      <p:sp>
+        <p:nvSpPr>
+          <p:cNvPr id="6146" name="Inhaltsplatzhalter 18">
+            <a:extLst>
+              <a:ext uri="{FF2B5EF4-FFF2-40B4-BE49-F238E27FC236}">
+                <a16:creationId xmlns:a16="http://schemas.microsoft.com/office/drawing/2014/main" id="{BE3C4C95-FD5D-27F0-ED0C-AB8113CAC9F1}"/>
+              </a:ext>
+            </a:extLst>
+          </p:cNvPr>
+          <p:cNvSpPr>
+            <a:spLocks noGrp="1"/>
+          </p:cNvSpPr>
+          <p:nvPr>
+            <p:ph idx="1"/>
+          </p:nvPr>
+        </p:nvSpPr>
+        <p:spPr/>
+        <p:txBody>
+          <a:bodyPr/>
+          <a:lstStyle/>
+          <a:p>
+            <a:pPr>
+              <a:buFont typeface="Arial" panose="020B0604020202020204" pitchFamily="34" charset="0"/>
+              <a:buChar char="•"/>
+            </a:pPr>
+            <a:r>
+              <a:rPr lang="de-DE" altLang="de-DE" sz="1800" b="1" dirty="0"/>
+              <a:t>Tag 1 – Einführung in </a:t>
+            </a:r>
+            <a:r>
+              <a:rPr lang="de-DE" altLang="de-DE" sz="1800" b="1" dirty="0" err="1"/>
+              <a:t>Git</a:t>
+            </a:r>
+            <a:r>
+              <a:rPr lang="de-DE" altLang="de-DE" sz="1800" b="1" dirty="0"/>
+              <a:t> und </a:t>
+            </a:r>
+            <a:r>
+              <a:rPr lang="de-DE" altLang="de-DE" sz="1800" b="1" dirty="0" err="1"/>
+              <a:t>GitLab</a:t>
+            </a:r>
+            <a:r>
+              <a:rPr lang="de-DE" altLang="de-DE" sz="1800" b="1" dirty="0"/>
+              <a:t>, </a:t>
+            </a:r>
+            <a:r>
+              <a:rPr lang="de-DE" altLang="de-DE" sz="1800" b="1" dirty="0" err="1"/>
+              <a:t>Git</a:t>
+            </a:r>
+            <a:r>
+              <a:rPr lang="de-DE" altLang="de-DE" sz="1800" b="1" dirty="0"/>
+              <a:t>-Workflow im Team</a:t>
+            </a:r>
+          </a:p>
+          <a:p>
+            <a:pPr lvl="1">
+              <a:buFont typeface="Arial" panose="020B0604020202020204" pitchFamily="34" charset="0"/>
+              <a:buChar char="•"/>
+            </a:pPr>
+            <a:r>
+              <a:rPr lang="de-DE" altLang="de-DE" sz="1400" dirty="0"/>
+              <a:t>Einführung &amp; Kursüberblick</a:t>
+            </a:r>
+          </a:p>
+          <a:p>
+            <a:pPr lvl="1">
+              <a:buFont typeface="Arial" panose="020B0604020202020204" pitchFamily="34" charset="0"/>
+              <a:buChar char="•"/>
+            </a:pPr>
+            <a:r>
+              <a:rPr lang="de-DE" altLang="de-DE" sz="1400" u="sng" dirty="0"/>
+              <a:t>Grundlagen von </a:t>
+            </a:r>
+            <a:r>
+              <a:rPr lang="de-DE" altLang="de-DE" sz="1400" u="sng" dirty="0" err="1"/>
+              <a:t>Git</a:t>
+            </a:r>
+            <a:endParaRPr lang="de-DE" altLang="de-DE" sz="1400" u="sng" dirty="0"/>
+          </a:p>
+          <a:p>
+            <a:pPr lvl="1">
+              <a:buFont typeface="Arial" panose="020B0604020202020204" pitchFamily="34" charset="0"/>
+              <a:buChar char="•"/>
+            </a:pPr>
+            <a:r>
+              <a:rPr lang="de-DE" altLang="de-DE" sz="1400" dirty="0" err="1"/>
+              <a:t>Git</a:t>
+            </a:r>
+            <a:r>
+              <a:rPr lang="de-DE" altLang="de-DE" sz="1400" dirty="0"/>
+              <a:t> </a:t>
+            </a:r>
+            <a:r>
+              <a:rPr lang="de-DE" altLang="de-DE" sz="1400" dirty="0" err="1"/>
+              <a:t>Rebase</a:t>
+            </a:r>
+            <a:r>
+              <a:rPr lang="de-DE" altLang="de-DE" sz="1400" dirty="0"/>
+              <a:t> und </a:t>
+            </a:r>
+            <a:r>
+              <a:rPr lang="de-DE" altLang="de-DE" sz="1400" dirty="0" err="1"/>
+              <a:t>Merge</a:t>
+            </a:r>
+            <a:r>
+              <a:rPr lang="de-DE" altLang="de-DE" sz="1400" dirty="0"/>
+              <a:t>-Strategien</a:t>
+            </a:r>
+          </a:p>
+          <a:p>
+            <a:pPr lvl="1">
+              <a:buFont typeface="Arial" panose="020B0604020202020204" pitchFamily="34" charset="0"/>
+              <a:buChar char="•"/>
+            </a:pPr>
+            <a:r>
+              <a:rPr lang="de-DE" altLang="de-DE" sz="1400" dirty="0" err="1"/>
+              <a:t>Git</a:t>
+            </a:r>
+            <a:r>
+              <a:rPr lang="de-DE" altLang="de-DE" sz="1400" dirty="0"/>
+              <a:t> Remote</a:t>
+            </a:r>
+          </a:p>
+          <a:p>
+            <a:pPr lvl="1">
+              <a:buFont typeface="Arial" panose="020B0604020202020204" pitchFamily="34" charset="0"/>
+              <a:buChar char="•"/>
+            </a:pPr>
+            <a:r>
+              <a:rPr lang="de-DE" altLang="de-DE" sz="1400" dirty="0"/>
+              <a:t>Grundlagen von </a:t>
+            </a:r>
+            <a:r>
+              <a:rPr lang="de-DE" altLang="de-DE" sz="1400" dirty="0" err="1"/>
+              <a:t>GitLab</a:t>
+            </a:r>
+            <a:endParaRPr lang="de-DE" altLang="de-DE" sz="1400" dirty="0"/>
+          </a:p>
+          <a:p>
+            <a:pPr lvl="1">
+              <a:buFont typeface="Arial" panose="020B0604020202020204" pitchFamily="34" charset="0"/>
+              <a:buChar char="•"/>
+            </a:pPr>
+            <a:r>
+              <a:rPr lang="de-DE" altLang="de-DE" sz="1400" dirty="0" err="1"/>
+              <a:t>Git</a:t>
+            </a:r>
+            <a:r>
+              <a:rPr lang="de-DE" altLang="de-DE" sz="1400" dirty="0"/>
+              <a:t>-Workflow im Team</a:t>
+            </a:r>
+          </a:p>
+          <a:p>
+            <a:pPr>
+              <a:buFont typeface="Arial" panose="020B0604020202020204" pitchFamily="34" charset="0"/>
+              <a:buChar char="•"/>
+            </a:pPr>
+            <a:r>
+              <a:rPr lang="de-DE" altLang="de-DE" sz="1800" b="1" dirty="0"/>
+              <a:t>Tag 2 – Vertiefung </a:t>
+            </a:r>
+            <a:r>
+              <a:rPr lang="de-DE" altLang="de-DE" sz="1800" b="1" dirty="0" err="1"/>
+              <a:t>Git</a:t>
+            </a:r>
+            <a:r>
+              <a:rPr lang="de-DE" altLang="de-DE" sz="1800" b="1" dirty="0"/>
+              <a:t>-Workflow, CI/CD &amp; </a:t>
+            </a:r>
+            <a:r>
+              <a:rPr lang="de-DE" altLang="de-DE" sz="1800" b="1" dirty="0" err="1"/>
+              <a:t>GitLab</a:t>
+            </a:r>
+            <a:r>
+              <a:rPr lang="de-DE" altLang="de-DE" sz="1800" b="1" dirty="0"/>
+              <a:t> CI </a:t>
+            </a:r>
+          </a:p>
+          <a:p>
+            <a:pPr lvl="1">
+              <a:buFont typeface="Arial" panose="020B0604020202020204" pitchFamily="34" charset="0"/>
+              <a:buChar char="•"/>
+            </a:pPr>
+            <a:r>
+              <a:rPr lang="de-DE" altLang="de-DE" sz="1400" dirty="0" err="1"/>
+              <a:t>Gitflow</a:t>
+            </a:r>
+            <a:r>
+              <a:rPr lang="de-DE" altLang="de-DE" sz="1400" dirty="0"/>
+              <a:t>-Workflow</a:t>
+            </a:r>
+          </a:p>
+          <a:p>
+            <a:pPr lvl="1">
+              <a:buFont typeface="Arial" panose="020B0604020202020204" pitchFamily="34" charset="0"/>
+              <a:buChar char="•"/>
+            </a:pPr>
+            <a:r>
+              <a:rPr lang="de-DE" altLang="de-DE" sz="1400" dirty="0"/>
+              <a:t>Tags, Releases &amp; deren Verwaltung</a:t>
+            </a:r>
+          </a:p>
+          <a:p>
+            <a:pPr lvl="1">
+              <a:buFont typeface="Arial" panose="020B0604020202020204" pitchFamily="34" charset="0"/>
+              <a:buChar char="•"/>
+            </a:pPr>
+            <a:r>
+              <a:rPr lang="de-DE" altLang="de-DE" sz="1400" dirty="0" err="1"/>
+              <a:t>GitLab</a:t>
+            </a:r>
+            <a:r>
+              <a:rPr lang="de-DE" altLang="de-DE" sz="1400" dirty="0"/>
+              <a:t>-Runner</a:t>
+            </a:r>
+          </a:p>
+          <a:p>
+            <a:pPr lvl="1">
+              <a:buFont typeface="Arial" panose="020B0604020202020204" pitchFamily="34" charset="0"/>
+              <a:buChar char="•"/>
+            </a:pPr>
+            <a:r>
+              <a:rPr lang="de-DE" altLang="de-DE" sz="1400" dirty="0"/>
+              <a:t>Einführung in </a:t>
+            </a:r>
+            <a:r>
+              <a:rPr lang="de-DE" altLang="de-DE" sz="1400" dirty="0" err="1"/>
+              <a:t>GitLab</a:t>
+            </a:r>
+            <a:r>
+              <a:rPr lang="de-DE" altLang="de-DE" sz="1400" dirty="0"/>
+              <a:t> CI/CD &amp; </a:t>
+            </a:r>
+            <a:r>
+              <a:rPr lang="de-DE" altLang="de-DE" sz="1400" dirty="0" err="1"/>
+              <a:t>gitlab.yml</a:t>
+            </a:r>
+            <a:endParaRPr lang="de-DE" altLang="de-DE" sz="1400" dirty="0"/>
+          </a:p>
+          <a:p>
+            <a:pPr>
+              <a:buFont typeface="Arial" panose="020B0604020202020204" pitchFamily="34" charset="0"/>
+              <a:buChar char="•"/>
+            </a:pPr>
+            <a:r>
+              <a:rPr lang="de-DE" altLang="de-DE" sz="1800" b="1" dirty="0"/>
+              <a:t>Tag 3 – </a:t>
+            </a:r>
+            <a:r>
+              <a:rPr lang="de-DE" altLang="de-DE" sz="1800" b="1" dirty="0" err="1"/>
+              <a:t>GitOps</a:t>
+            </a:r>
+            <a:r>
+              <a:rPr lang="de-DE" altLang="de-DE" sz="1800" b="1" dirty="0"/>
+              <a:t>, Docker in der Entwicklung und </a:t>
+            </a:r>
+            <a:r>
+              <a:rPr lang="de-DE" altLang="de-DE" sz="1800" b="1" dirty="0" err="1"/>
+              <a:t>Deployment</a:t>
+            </a:r>
+            <a:r>
+              <a:rPr lang="de-DE" altLang="de-DE" sz="1800" b="1" dirty="0"/>
+              <a:t>-Strategien</a:t>
+            </a:r>
+          </a:p>
+          <a:p>
+            <a:pPr lvl="1">
+              <a:buFont typeface="Arial" panose="020B0604020202020204" pitchFamily="34" charset="0"/>
+              <a:buChar char="•"/>
+            </a:pPr>
+            <a:r>
+              <a:rPr lang="de-DE" altLang="de-DE" sz="1400" dirty="0" err="1"/>
+              <a:t>GitOps</a:t>
+            </a:r>
+            <a:r>
+              <a:rPr lang="de-DE" altLang="de-DE" sz="1400" dirty="0"/>
+              <a:t> Grundlagen</a:t>
+            </a:r>
+          </a:p>
+          <a:p>
+            <a:pPr lvl="1">
+              <a:buFont typeface="Arial" panose="020B0604020202020204" pitchFamily="34" charset="0"/>
+              <a:buChar char="•"/>
+            </a:pPr>
+            <a:r>
+              <a:rPr lang="de-DE" altLang="de-DE" sz="1400" dirty="0"/>
+              <a:t>Lokale Entwicklung mit Docker</a:t>
+            </a:r>
+          </a:p>
+          <a:p>
+            <a:pPr lvl="1">
+              <a:buFont typeface="Arial" panose="020B0604020202020204" pitchFamily="34" charset="0"/>
+              <a:buChar char="•"/>
+            </a:pPr>
+            <a:r>
+              <a:rPr lang="de-DE" altLang="de-DE" sz="1400" dirty="0"/>
+              <a:t>Container/Docker-Registry</a:t>
+            </a:r>
+          </a:p>
+          <a:p>
+            <a:pPr lvl="1">
+              <a:buFont typeface="Arial" panose="020B0604020202020204" pitchFamily="34" charset="0"/>
+              <a:buChar char="•"/>
+            </a:pPr>
+            <a:r>
+              <a:rPr lang="de-DE" altLang="de-DE" sz="1400" dirty="0"/>
+              <a:t>Erstellen von Release- und </a:t>
+            </a:r>
+            <a:r>
+              <a:rPr lang="de-DE" altLang="de-DE" sz="1400" dirty="0" err="1"/>
+              <a:t>Tagged</a:t>
+            </a:r>
+            <a:r>
+              <a:rPr lang="de-DE" altLang="de-DE" sz="1400" dirty="0"/>
+              <a:t>-Images</a:t>
+            </a:r>
+          </a:p>
+          <a:p>
+            <a:pPr lvl="1">
+              <a:buFont typeface="Arial" panose="020B0604020202020204" pitchFamily="34" charset="0"/>
+              <a:buChar char="•"/>
+            </a:pPr>
+            <a:r>
+              <a:rPr lang="de-DE" altLang="de-DE" sz="1400" dirty="0"/>
+              <a:t>Möglichkeiten des </a:t>
+            </a:r>
+            <a:r>
+              <a:rPr lang="de-DE" altLang="de-DE" sz="1400" dirty="0" err="1"/>
+              <a:t>Deployments</a:t>
+            </a:r>
+            <a:r>
+              <a:rPr lang="de-DE" altLang="de-DE" sz="1400" dirty="0"/>
+              <a:t> &amp; Verwaltung von Konfiguration</a:t>
+            </a:r>
+          </a:p>
+          <a:p>
+            <a:pPr lvl="1">
+              <a:buFont typeface="Arial" panose="020B0604020202020204" pitchFamily="34" charset="0"/>
+              <a:buChar char="•"/>
+            </a:pPr>
+            <a:r>
+              <a:rPr lang="de-DE" altLang="de-DE" sz="1400" dirty="0"/>
+              <a:t>Abschlussübung &amp; Diskussion</a:t>
+            </a:r>
+          </a:p>
+          <a:p>
+            <a:pPr lvl="1">
+              <a:buFont typeface="Arial" panose="020B0604020202020204" pitchFamily="34" charset="0"/>
+              <a:buChar char="•"/>
+            </a:pPr>
+            <a:endParaRPr lang="de-DE" altLang="de-DE" sz="1400" dirty="0"/>
           </a:p>
         </p:txBody>
       </p:sp>
@@ -20297,12 +16924,7 @@
             <p:ph idx="1"/>
           </p:nvPr>
         </p:nvSpPr>
-        <p:spPr>
-          <a:xfrm>
-            <a:off x="303214" y="981075"/>
-            <a:ext cx="8517258" cy="5400675"/>
-          </a:xfrm>
-        </p:spPr>
+        <p:spPr/>
         <p:txBody>
           <a:bodyPr/>
           <a:lstStyle/>
@@ -41121,1440 +37743,6 @@
 </file>
 
 <file path=ppt/theme/theme3.xml><?xml version="1.0" encoding="utf-8"?>
-<a:theme xmlns:a="http://schemas.openxmlformats.org/drawingml/2006/main" name="1_vorlneu">
-  <a:themeElements>
-    <a:clrScheme name="">
-      <a:dk1>
-        <a:srgbClr val="000000"/>
-      </a:dk1>
-      <a:lt1>
-        <a:srgbClr val="FFFFFF"/>
-      </a:lt1>
-      <a:dk2>
-        <a:srgbClr val="000000"/>
-      </a:dk2>
-      <a:lt2>
-        <a:srgbClr val="919191"/>
-      </a:lt2>
-      <a:accent1>
-        <a:srgbClr val="618FFD"/>
-      </a:accent1>
-      <a:accent2>
-        <a:srgbClr val="00AE00"/>
-      </a:accent2>
-      <a:accent3>
-        <a:srgbClr val="FFFFFF"/>
-      </a:accent3>
-      <a:accent4>
-        <a:srgbClr val="000000"/>
-      </a:accent4>
-      <a:accent5>
-        <a:srgbClr val="B7C6FE"/>
-      </a:accent5>
-      <a:accent6>
-        <a:srgbClr val="009D00"/>
-      </a:accent6>
-      <a:hlink>
-        <a:srgbClr val="FC0128"/>
-      </a:hlink>
-      <a:folHlink>
-        <a:srgbClr val="CECECE"/>
-      </a:folHlink>
-    </a:clrScheme>
-    <a:fontScheme name="Larissa Klassisch 2">
-      <a:majorFont>
-        <a:latin typeface="Arial"/>
-        <a:ea typeface=""/>
-        <a:cs typeface=""/>
-        <a:font script="Jpan" typeface="ＭＳ Ｐゴシック"/>
-        <a:font script="Hang" typeface="굴림"/>
-        <a:font script="Hans" typeface="黑体"/>
-        <a:font script="Hant" typeface="微軟正黑體"/>
-        <a:font script="Arab" typeface="Arial"/>
-        <a:font script="Hebr" typeface="Arial"/>
-        <a:font script="Thai" typeface="Cordia New"/>
-        <a:font script="Ethi" typeface="Nyala"/>
-        <a:font script="Beng" typeface="Vrinda"/>
-        <a:font script="Gujr" typeface="Shruti"/>
-        <a:font script="Khmr" typeface="DaunPenh"/>
-        <a:font script="Knda" typeface="Tunga"/>
-        <a:font script="Guru" typeface="Raavi"/>
-        <a:font script="Cans" typeface="Euphemia"/>
-        <a:font script="Cher" typeface="Plantagenet Cherokee"/>
-        <a:font script="Yiii" typeface="Microsoft Yi Baiti"/>
-        <a:font script="Tibt" typeface="Microsoft Himalaya"/>
-        <a:font script="Thaa" typeface="MV Boli"/>
-        <a:font script="Deva" typeface="Mangal"/>
-        <a:font script="Telu" typeface="Gautami"/>
-        <a:font script="Taml" typeface="Latha"/>
-        <a:font script="Syrc" typeface="Estrangelo Edessa"/>
-        <a:font script="Orya" typeface="Kalinga"/>
-        <a:font script="Mlym" typeface="Kartika"/>
-        <a:font script="Laoo" typeface="DokChampa"/>
-        <a:font script="Sinh" typeface="Iskoola Pota"/>
-        <a:font script="Mong" typeface="Mongolian Baiti"/>
-        <a:font script="Viet" typeface="Arial"/>
-        <a:font script="Uigh" typeface="Microsoft Uighur"/>
-      </a:majorFont>
-      <a:minorFont>
-        <a:latin typeface="Arial"/>
-        <a:ea typeface=""/>
-        <a:cs typeface=""/>
-        <a:font script="Jpan" typeface="ＭＳ Ｐゴシック"/>
-        <a:font script="Hang" typeface="굴림"/>
-        <a:font script="Hans" typeface="黑体"/>
-        <a:font script="Hant" typeface="微軟正黑體"/>
-        <a:font script="Arab" typeface="Arial"/>
-        <a:font script="Hebr" typeface="Arial"/>
-        <a:font script="Thai" typeface="Cordia New"/>
-        <a:font script="Ethi" typeface="Nyala"/>
-        <a:font script="Beng" typeface="Vrinda"/>
-        <a:font script="Gujr" typeface="Shruti"/>
-        <a:font script="Khmr" typeface="DaunPenh"/>
-        <a:font script="Knda" typeface="Tunga"/>
-        <a:font script="Guru" typeface="Raavi"/>
-        <a:font script="Cans" typeface="Euphemia"/>
-        <a:font script="Cher" typeface="Plantagenet Cherokee"/>
-        <a:font script="Yiii" typeface="Microsoft Yi Baiti"/>
-        <a:font script="Tibt" typeface="Microsoft Himalaya"/>
-        <a:font script="Thaa" typeface="MV Boli"/>
-        <a:font script="Deva" typeface="Mangal"/>
-        <a:font script="Telu" typeface="Gautami"/>
-        <a:font script="Taml" typeface="Latha"/>
-        <a:font script="Syrc" typeface="Estrangelo Edessa"/>
-        <a:font script="Orya" typeface="Kalinga"/>
-        <a:font script="Mlym" typeface="Kartika"/>
-        <a:font script="Laoo" typeface="DokChampa"/>
-        <a:font script="Sinh" typeface="Iskoola Pota"/>
-        <a:font script="Mong" typeface="Mongolian Baiti"/>
-        <a:font script="Viet" typeface="Arial"/>
-        <a:font script="Uigh" typeface="Microsoft Uighur"/>
-      </a:minorFont>
-    </a:fontScheme>
-    <a:fmtScheme name="Larissa">
-      <a:fillStyleLst>
-        <a:solidFill>
-          <a:schemeClr val="phClr"/>
-        </a:solidFill>
-        <a:gradFill rotWithShape="1">
-          <a:gsLst>
-            <a:gs pos="0">
-              <a:schemeClr val="phClr">
-                <a:tint val="50000"/>
-                <a:satMod val="300000"/>
-              </a:schemeClr>
-            </a:gs>
-            <a:gs pos="35000">
-              <a:schemeClr val="phClr">
-                <a:tint val="37000"/>
-                <a:satMod val="300000"/>
-              </a:schemeClr>
-            </a:gs>
-            <a:gs pos="100000">
-              <a:schemeClr val="phClr">
-                <a:tint val="15000"/>
-                <a:satMod val="350000"/>
-              </a:schemeClr>
-            </a:gs>
-          </a:gsLst>
-          <a:lin ang="16200000" scaled="1"/>
-        </a:gradFill>
-        <a:gradFill rotWithShape="1">
-          <a:gsLst>
-            <a:gs pos="0">
-              <a:schemeClr val="phClr">
-                <a:shade val="51000"/>
-                <a:satMod val="130000"/>
-              </a:schemeClr>
-            </a:gs>
-            <a:gs pos="80000">
-              <a:schemeClr val="phClr">
-                <a:shade val="93000"/>
-                <a:satMod val="130000"/>
-              </a:schemeClr>
-            </a:gs>
-            <a:gs pos="100000">
-              <a:schemeClr val="phClr">
-                <a:shade val="94000"/>
-                <a:satMod val="135000"/>
-              </a:schemeClr>
-            </a:gs>
-          </a:gsLst>
-          <a:lin ang="16200000" scaled="0"/>
-        </a:gradFill>
-      </a:fillStyleLst>
-      <a:lnStyleLst>
-        <a:ln w="9525" cap="flat" cmpd="sng" algn="ctr">
-          <a:solidFill>
-            <a:schemeClr val="phClr">
-              <a:shade val="95000"/>
-              <a:satMod val="105000"/>
-            </a:schemeClr>
-          </a:solidFill>
-          <a:prstDash val="solid"/>
-        </a:ln>
-        <a:ln w="25400" cap="flat" cmpd="sng" algn="ctr">
-          <a:solidFill>
-            <a:schemeClr val="phClr"/>
-          </a:solidFill>
-          <a:prstDash val="solid"/>
-        </a:ln>
-        <a:ln w="38100" cap="flat" cmpd="sng" algn="ctr">
-          <a:solidFill>
-            <a:schemeClr val="phClr"/>
-          </a:solidFill>
-          <a:prstDash val="solid"/>
-        </a:ln>
-      </a:lnStyleLst>
-      <a:effectStyleLst>
-        <a:effectStyle>
-          <a:effectLst>
-            <a:outerShdw blurRad="40000" dist="20000" dir="5400000" rotWithShape="0">
-              <a:srgbClr val="000000">
-                <a:alpha val="38000"/>
-              </a:srgbClr>
-            </a:outerShdw>
-          </a:effectLst>
-        </a:effectStyle>
-        <a:effectStyle>
-          <a:effectLst>
-            <a:outerShdw blurRad="40000" dist="23000" dir="5400000" rotWithShape="0">
-              <a:srgbClr val="000000">
-                <a:alpha val="35000"/>
-              </a:srgbClr>
-            </a:outerShdw>
-          </a:effectLst>
-        </a:effectStyle>
-        <a:effectStyle>
-          <a:effectLst>
-            <a:outerShdw blurRad="40000" dist="23000" dir="5400000" rotWithShape="0">
-              <a:srgbClr val="000000">
-                <a:alpha val="35000"/>
-              </a:srgbClr>
-            </a:outerShdw>
-          </a:effectLst>
-          <a:scene3d>
-            <a:camera prst="orthographicFront">
-              <a:rot lat="0" lon="0" rev="0"/>
-            </a:camera>
-            <a:lightRig rig="threePt" dir="t">
-              <a:rot lat="0" lon="0" rev="1200000"/>
-            </a:lightRig>
-          </a:scene3d>
-          <a:sp3d>
-            <a:bevelT w="63500" h="25400"/>
-          </a:sp3d>
-        </a:effectStyle>
-      </a:effectStyleLst>
-      <a:bgFillStyleLst>
-        <a:solidFill>
-          <a:schemeClr val="phClr"/>
-        </a:solidFill>
-        <a:gradFill rotWithShape="1">
-          <a:gsLst>
-            <a:gs pos="0">
-              <a:schemeClr val="phClr">
-                <a:tint val="40000"/>
-                <a:satMod val="350000"/>
-              </a:schemeClr>
-            </a:gs>
-            <a:gs pos="40000">
-              <a:schemeClr val="phClr">
-                <a:tint val="45000"/>
-                <a:shade val="99000"/>
-                <a:satMod val="350000"/>
-              </a:schemeClr>
-            </a:gs>
-            <a:gs pos="100000">
-              <a:schemeClr val="phClr">
-                <a:shade val="20000"/>
-                <a:satMod val="255000"/>
-              </a:schemeClr>
-            </a:gs>
-          </a:gsLst>
-          <a:path path="circle">
-            <a:fillToRect l="50000" t="-80000" r="50000" b="180000"/>
-          </a:path>
-        </a:gradFill>
-        <a:gradFill rotWithShape="1">
-          <a:gsLst>
-            <a:gs pos="0">
-              <a:schemeClr val="phClr">
-                <a:tint val="80000"/>
-                <a:satMod val="300000"/>
-              </a:schemeClr>
-            </a:gs>
-            <a:gs pos="100000">
-              <a:schemeClr val="phClr">
-                <a:shade val="30000"/>
-                <a:satMod val="200000"/>
-              </a:schemeClr>
-            </a:gs>
-          </a:gsLst>
-          <a:path path="circle">
-            <a:fillToRect l="50000" t="50000" r="50000" b="50000"/>
-          </a:path>
-        </a:gradFill>
-      </a:bgFillStyleLst>
-    </a:fmtScheme>
-  </a:themeElements>
-  <a:objectDefaults>
-    <a:spDef>
-      <a:spPr bwMode="auto">
-        <a:xfrm>
-          <a:off x="0" y="0"/>
-          <a:ext cx="1" cy="1"/>
-        </a:xfrm>
-        <a:custGeom>
-          <a:avLst/>
-          <a:gdLst/>
-          <a:ahLst/>
-          <a:cxnLst/>
-          <a:rect l="0" t="0" r="0" b="0"/>
-          <a:pathLst/>
-        </a:custGeom>
-        <a:solidFill>
-          <a:schemeClr val="accent1"/>
-        </a:solidFill>
-        <a:ln w="12700" cap="flat" cmpd="sng" algn="ctr">
-          <a:solidFill>
-            <a:schemeClr val="tx1"/>
-          </a:solidFill>
-          <a:prstDash val="solid"/>
-          <a:round/>
-          <a:headEnd type="none" w="sm" len="sm"/>
-          <a:tailEnd type="none" w="sm" len="sm"/>
-        </a:ln>
-        <a:effectLst/>
-      </a:spPr>
-      <a:bodyPr vert="horz" wrap="square" lIns="91440" tIns="45720" rIns="91440" bIns="45720" numCol="1" anchor="t" anchorCtr="0" compatLnSpc="1">
-        <a:prstTxWarp prst="textNoShape">
-          <a:avLst/>
-        </a:prstTxWarp>
-      </a:bodyPr>
-      <a:lstStyle>
-        <a:defPPr marL="0" marR="0" indent="0" algn="l" defTabSz="914400" rtl="0" eaLnBrk="0" fontAlgn="base" latinLnBrk="0" hangingPunct="0">
-          <a:lnSpc>
-            <a:spcPct val="100000"/>
-          </a:lnSpc>
-          <a:spcBef>
-            <a:spcPct val="0"/>
-          </a:spcBef>
-          <a:spcAft>
-            <a:spcPct val="0"/>
-          </a:spcAft>
-          <a:buClrTx/>
-          <a:buSzTx/>
-          <a:buFontTx/>
-          <a:buNone/>
-          <a:tabLst/>
-          <a:defRPr kumimoji="0" lang="de-DE" sz="2400" b="0" i="0" u="none" strike="noStrike" cap="none" normalizeH="0" baseline="0" smtClean="0">
-            <a:ln>
-              <a:noFill/>
-            </a:ln>
-            <a:solidFill>
-              <a:schemeClr val="tx1"/>
-            </a:solidFill>
-            <a:effectLst/>
-            <a:latin typeface="Times New Roman" pitchFamily="18" charset="0"/>
-          </a:defRPr>
-        </a:defPPr>
-      </a:lstStyle>
-    </a:spDef>
-    <a:lnDef>
-      <a:spPr bwMode="auto">
-        <a:xfrm>
-          <a:off x="0" y="0"/>
-          <a:ext cx="1" cy="1"/>
-        </a:xfrm>
-        <a:custGeom>
-          <a:avLst/>
-          <a:gdLst/>
-          <a:ahLst/>
-          <a:cxnLst/>
-          <a:rect l="0" t="0" r="0" b="0"/>
-          <a:pathLst/>
-        </a:custGeom>
-        <a:solidFill>
-          <a:schemeClr val="accent1"/>
-        </a:solidFill>
-        <a:ln w="12700" cap="flat" cmpd="sng" algn="ctr">
-          <a:solidFill>
-            <a:schemeClr val="tx1"/>
-          </a:solidFill>
-          <a:prstDash val="solid"/>
-          <a:round/>
-          <a:headEnd type="none" w="sm" len="sm"/>
-          <a:tailEnd type="none" w="sm" len="sm"/>
-        </a:ln>
-        <a:effectLst/>
-      </a:spPr>
-      <a:bodyPr vert="horz" wrap="square" lIns="91440" tIns="45720" rIns="91440" bIns="45720" numCol="1" anchor="t" anchorCtr="0" compatLnSpc="1">
-        <a:prstTxWarp prst="textNoShape">
-          <a:avLst/>
-        </a:prstTxWarp>
-      </a:bodyPr>
-      <a:lstStyle>
-        <a:defPPr marL="0" marR="0" indent="0" algn="l" defTabSz="914400" rtl="0" eaLnBrk="0" fontAlgn="base" latinLnBrk="0" hangingPunct="0">
-          <a:lnSpc>
-            <a:spcPct val="100000"/>
-          </a:lnSpc>
-          <a:spcBef>
-            <a:spcPct val="0"/>
-          </a:spcBef>
-          <a:spcAft>
-            <a:spcPct val="0"/>
-          </a:spcAft>
-          <a:buClrTx/>
-          <a:buSzTx/>
-          <a:buFontTx/>
-          <a:buNone/>
-          <a:tabLst/>
-          <a:defRPr kumimoji="0" lang="de-DE" sz="2400" b="0" i="0" u="none" strike="noStrike" cap="none" normalizeH="0" baseline="0" smtClean="0">
-            <a:ln>
-              <a:noFill/>
-            </a:ln>
-            <a:solidFill>
-              <a:schemeClr val="tx1"/>
-            </a:solidFill>
-            <a:effectLst/>
-            <a:latin typeface="Times New Roman" pitchFamily="18" charset="0"/>
-          </a:defRPr>
-        </a:defPPr>
-      </a:lstStyle>
-    </a:lnDef>
-    <a:txDef>
-      <a:spPr bwMode="auto">
-        <a:noFill/>
-        <a:ln w="9525">
-          <a:noFill/>
-          <a:miter lim="800000"/>
-          <a:headEnd/>
-          <a:tailEnd/>
-        </a:ln>
-      </a:spPr>
-      <a:bodyPr anchor="ctr">
-        <a:spAutoFit/>
-      </a:bodyPr>
-      <a:lstStyle>
-        <a:defPPr eaLnBrk="1" hangingPunct="1">
-          <a:defRPr sz="1800" dirty="0">
-            <a:latin typeface="Arial" charset="0"/>
-          </a:defRPr>
-        </a:defPPr>
-      </a:lstStyle>
-    </a:txDef>
-  </a:objectDefaults>
-  <a:extraClrSchemeLst>
-    <a:extraClrScheme>
-      <a:clrScheme name="vorlneu 1">
-        <a:dk1>
-          <a:srgbClr val="000000"/>
-        </a:dk1>
-        <a:lt1>
-          <a:srgbClr val="FFFFFF"/>
-        </a:lt1>
-        <a:dk2>
-          <a:srgbClr val="000000"/>
-        </a:dk2>
-        <a:lt2>
-          <a:srgbClr val="969696"/>
-        </a:lt2>
-        <a:accent1>
-          <a:srgbClr val="00CC99"/>
-        </a:accent1>
-        <a:accent2>
-          <a:srgbClr val="3333CC"/>
-        </a:accent2>
-        <a:accent3>
-          <a:srgbClr val="FFFFFF"/>
-        </a:accent3>
-        <a:accent4>
-          <a:srgbClr val="000000"/>
-        </a:accent4>
-        <a:accent5>
-          <a:srgbClr val="AAE2CA"/>
-        </a:accent5>
-        <a:accent6>
-          <a:srgbClr val="2D2DB9"/>
-        </a:accent6>
-        <a:hlink>
-          <a:srgbClr val="CCCCFF"/>
-        </a:hlink>
-        <a:folHlink>
-          <a:srgbClr val="B2B2B2"/>
-        </a:folHlink>
-      </a:clrScheme>
-      <a:clrMap bg1="lt1" tx1="dk1" bg2="lt2" tx2="dk2" accent1="accent1" accent2="accent2" accent3="accent3" accent4="accent4" accent5="accent5" accent6="accent6" hlink="hlink" folHlink="folHlink"/>
-    </a:extraClrScheme>
-    <a:extraClrScheme>
-      <a:clrScheme name="vorlneu 2">
-        <a:dk1>
-          <a:srgbClr val="000000"/>
-        </a:dk1>
-        <a:lt1>
-          <a:srgbClr val="FFFFFF"/>
-        </a:lt1>
-        <a:dk2>
-          <a:srgbClr val="0000FF"/>
-        </a:dk2>
-        <a:lt2>
-          <a:srgbClr val="FFFF00"/>
-        </a:lt2>
-        <a:accent1>
-          <a:srgbClr val="FF9900"/>
-        </a:accent1>
-        <a:accent2>
-          <a:srgbClr val="00FFFF"/>
-        </a:accent2>
-        <a:accent3>
-          <a:srgbClr val="AAAAFF"/>
-        </a:accent3>
-        <a:accent4>
-          <a:srgbClr val="DADADA"/>
-        </a:accent4>
-        <a:accent5>
-          <a:srgbClr val="FFCAAA"/>
-        </a:accent5>
-        <a:accent6>
-          <a:srgbClr val="00E7E7"/>
-        </a:accent6>
-        <a:hlink>
-          <a:srgbClr val="FF0033"/>
-        </a:hlink>
-        <a:folHlink>
-          <a:srgbClr val="969696"/>
-        </a:folHlink>
-      </a:clrScheme>
-      <a:clrMap bg1="dk2" tx1="lt1" bg2="dk1" tx2="lt2" accent1="accent1" accent2="accent2" accent3="accent3" accent4="accent4" accent5="accent5" accent6="accent6" hlink="hlink" folHlink="folHlink"/>
-    </a:extraClrScheme>
-    <a:extraClrScheme>
-      <a:clrScheme name="vorlneu 3">
-        <a:dk1>
-          <a:srgbClr val="000000"/>
-        </a:dk1>
-        <a:lt1>
-          <a:srgbClr val="FFFFCC"/>
-        </a:lt1>
-        <a:dk2>
-          <a:srgbClr val="999933"/>
-        </a:dk2>
-        <a:lt2>
-          <a:srgbClr val="808000"/>
-        </a:lt2>
-        <a:accent1>
-          <a:srgbClr val="339933"/>
-        </a:accent1>
-        <a:accent2>
-          <a:srgbClr val="800000"/>
-        </a:accent2>
-        <a:accent3>
-          <a:srgbClr val="FFFFE2"/>
-        </a:accent3>
-        <a:accent4>
-          <a:srgbClr val="000000"/>
-        </a:accent4>
-        <a:accent5>
-          <a:srgbClr val="ADCAAD"/>
-        </a:accent5>
-        <a:accent6>
-          <a:srgbClr val="730000"/>
-        </a:accent6>
-        <a:hlink>
-          <a:srgbClr val="0033CC"/>
-        </a:hlink>
-        <a:folHlink>
-          <a:srgbClr val="FFCC66"/>
-        </a:folHlink>
-      </a:clrScheme>
-      <a:clrMap bg1="lt1" tx1="dk1" bg2="lt2" tx2="dk2" accent1="accent1" accent2="accent2" accent3="accent3" accent4="accent4" accent5="accent5" accent6="accent6" hlink="hlink" folHlink="folHlink"/>
-    </a:extraClrScheme>
-    <a:extraClrScheme>
-      <a:clrScheme name="vorlneu 4">
-        <a:dk1>
-          <a:srgbClr val="000000"/>
-        </a:dk1>
-        <a:lt1>
-          <a:srgbClr val="FFFFFF"/>
-        </a:lt1>
-        <a:dk2>
-          <a:srgbClr val="000000"/>
-        </a:dk2>
-        <a:lt2>
-          <a:srgbClr val="393939"/>
-        </a:lt2>
-        <a:accent1>
-          <a:srgbClr val="CBCBCB"/>
-        </a:accent1>
-        <a:accent2>
-          <a:srgbClr val="868686"/>
-        </a:accent2>
-        <a:accent3>
-          <a:srgbClr val="FFFFFF"/>
-        </a:accent3>
-        <a:accent4>
-          <a:srgbClr val="000000"/>
-        </a:accent4>
-        <a:accent5>
-          <a:srgbClr val="E2E2E2"/>
-        </a:accent5>
-        <a:accent6>
-          <a:srgbClr val="797979"/>
-        </a:accent6>
-        <a:hlink>
-          <a:srgbClr val="4D4D4D"/>
-        </a:hlink>
-        <a:folHlink>
-          <a:srgbClr val="EAEAEA"/>
-        </a:folHlink>
-      </a:clrScheme>
-      <a:clrMap bg1="lt1" tx1="dk1" bg2="lt2" tx2="dk2" accent1="accent1" accent2="accent2" accent3="accent3" accent4="accent4" accent5="accent5" accent6="accent6" hlink="hlink" folHlink="folHlink"/>
-    </a:extraClrScheme>
-    <a:extraClrScheme>
-      <a:clrScheme name="vorlneu 5">
-        <a:dk1>
-          <a:srgbClr val="000000"/>
-        </a:dk1>
-        <a:lt1>
-          <a:srgbClr val="FFFFFF"/>
-        </a:lt1>
-        <a:dk2>
-          <a:srgbClr val="000000"/>
-        </a:dk2>
-        <a:lt2>
-          <a:srgbClr val="9F9F9F"/>
-        </a:lt2>
-        <a:accent1>
-          <a:srgbClr val="FFCC66"/>
-        </a:accent1>
-        <a:accent2>
-          <a:srgbClr val="0000FF"/>
-        </a:accent2>
-        <a:accent3>
-          <a:srgbClr val="FFFFFF"/>
-        </a:accent3>
-        <a:accent4>
-          <a:srgbClr val="000000"/>
-        </a:accent4>
-        <a:accent5>
-          <a:srgbClr val="FFE2B8"/>
-        </a:accent5>
-        <a:accent6>
-          <a:srgbClr val="0000E7"/>
-        </a:accent6>
-        <a:hlink>
-          <a:srgbClr val="CC00CC"/>
-        </a:hlink>
-        <a:folHlink>
-          <a:srgbClr val="C0C0C0"/>
-        </a:folHlink>
-      </a:clrScheme>
-      <a:clrMap bg1="lt1" tx1="dk1" bg2="lt2" tx2="dk2" accent1="accent1" accent2="accent2" accent3="accent3" accent4="accent4" accent5="accent5" accent6="accent6" hlink="hlink" folHlink="folHlink"/>
-    </a:extraClrScheme>
-    <a:extraClrScheme>
-      <a:clrScheme name="vorlneu 6">
-        <a:dk1>
-          <a:srgbClr val="000000"/>
-        </a:dk1>
-        <a:lt1>
-          <a:srgbClr val="FFFFFF"/>
-        </a:lt1>
-        <a:dk2>
-          <a:srgbClr val="000000"/>
-        </a:dk2>
-        <a:lt2>
-          <a:srgbClr val="868686"/>
-        </a:lt2>
-        <a:accent1>
-          <a:srgbClr val="CBCBCB"/>
-        </a:accent1>
-        <a:accent2>
-          <a:srgbClr val="0066FF"/>
-        </a:accent2>
-        <a:accent3>
-          <a:srgbClr val="FFFFFF"/>
-        </a:accent3>
-        <a:accent4>
-          <a:srgbClr val="000000"/>
-        </a:accent4>
-        <a:accent5>
-          <a:srgbClr val="E2E2E2"/>
-        </a:accent5>
-        <a:accent6>
-          <a:srgbClr val="005CE7"/>
-        </a:accent6>
-        <a:hlink>
-          <a:srgbClr val="FF0033"/>
-        </a:hlink>
-        <a:folHlink>
-          <a:srgbClr val="009900"/>
-        </a:folHlink>
-      </a:clrScheme>
-      <a:clrMap bg1="lt1" tx1="dk1" bg2="lt2" tx2="dk2" accent1="accent1" accent2="accent2" accent3="accent3" accent4="accent4" accent5="accent5" accent6="accent6" hlink="hlink" folHlink="folHlink"/>
-    </a:extraClrScheme>
-    <a:extraClrScheme>
-      <a:clrScheme name="vorlneu 7">
-        <a:dk1>
-          <a:srgbClr val="000000"/>
-        </a:dk1>
-        <a:lt1>
-          <a:srgbClr val="FFFFFF"/>
-        </a:lt1>
-        <a:dk2>
-          <a:srgbClr val="000000"/>
-        </a:dk2>
-        <a:lt2>
-          <a:srgbClr val="969696"/>
-        </a:lt2>
-        <a:accent1>
-          <a:srgbClr val="3399FF"/>
-        </a:accent1>
-        <a:accent2>
-          <a:srgbClr val="99FFCC"/>
-        </a:accent2>
-        <a:accent3>
-          <a:srgbClr val="FFFFFF"/>
-        </a:accent3>
-        <a:accent4>
-          <a:srgbClr val="000000"/>
-        </a:accent4>
-        <a:accent5>
-          <a:srgbClr val="ADCAFF"/>
-        </a:accent5>
-        <a:accent6>
-          <a:srgbClr val="8AE7B9"/>
-        </a:accent6>
-        <a:hlink>
-          <a:srgbClr val="CC00CC"/>
-        </a:hlink>
-        <a:folHlink>
-          <a:srgbClr val="B2B2B2"/>
-        </a:folHlink>
-      </a:clrScheme>
-      <a:clrMap bg1="lt1" tx1="dk1" bg2="lt2" tx2="dk2" accent1="accent1" accent2="accent2" accent3="accent3" accent4="accent4" accent5="accent5" accent6="accent6" hlink="hlink" folHlink="folHlink"/>
-    </a:extraClrScheme>
-  </a:extraClrSchemeLst>
-</a:theme>
-</file>
-
-<file path=ppt/theme/theme4.xml><?xml version="1.0" encoding="utf-8"?>
-<a:theme xmlns:a="http://schemas.openxmlformats.org/drawingml/2006/main" name="2_vorlneu">
-  <a:themeElements>
-    <a:clrScheme name="">
-      <a:dk1>
-        <a:srgbClr val="000000"/>
-      </a:dk1>
-      <a:lt1>
-        <a:srgbClr val="FFFFFF"/>
-      </a:lt1>
-      <a:dk2>
-        <a:srgbClr val="000000"/>
-      </a:dk2>
-      <a:lt2>
-        <a:srgbClr val="919191"/>
-      </a:lt2>
-      <a:accent1>
-        <a:srgbClr val="618FFD"/>
-      </a:accent1>
-      <a:accent2>
-        <a:srgbClr val="00AE00"/>
-      </a:accent2>
-      <a:accent3>
-        <a:srgbClr val="FFFFFF"/>
-      </a:accent3>
-      <a:accent4>
-        <a:srgbClr val="000000"/>
-      </a:accent4>
-      <a:accent5>
-        <a:srgbClr val="B7C6FE"/>
-      </a:accent5>
-      <a:accent6>
-        <a:srgbClr val="009D00"/>
-      </a:accent6>
-      <a:hlink>
-        <a:srgbClr val="FC0128"/>
-      </a:hlink>
-      <a:folHlink>
-        <a:srgbClr val="CECECE"/>
-      </a:folHlink>
-    </a:clrScheme>
-    <a:fontScheme name="Larissa Klassisch 2">
-      <a:majorFont>
-        <a:latin typeface="Arial"/>
-        <a:ea typeface=""/>
-        <a:cs typeface=""/>
-        <a:font script="Jpan" typeface="ＭＳ Ｐゴシック"/>
-        <a:font script="Hang" typeface="굴림"/>
-        <a:font script="Hans" typeface="黑体"/>
-        <a:font script="Hant" typeface="微軟正黑體"/>
-        <a:font script="Arab" typeface="Arial"/>
-        <a:font script="Hebr" typeface="Arial"/>
-        <a:font script="Thai" typeface="Cordia New"/>
-        <a:font script="Ethi" typeface="Nyala"/>
-        <a:font script="Beng" typeface="Vrinda"/>
-        <a:font script="Gujr" typeface="Shruti"/>
-        <a:font script="Khmr" typeface="DaunPenh"/>
-        <a:font script="Knda" typeface="Tunga"/>
-        <a:font script="Guru" typeface="Raavi"/>
-        <a:font script="Cans" typeface="Euphemia"/>
-        <a:font script="Cher" typeface="Plantagenet Cherokee"/>
-        <a:font script="Yiii" typeface="Microsoft Yi Baiti"/>
-        <a:font script="Tibt" typeface="Microsoft Himalaya"/>
-        <a:font script="Thaa" typeface="MV Boli"/>
-        <a:font script="Deva" typeface="Mangal"/>
-        <a:font script="Telu" typeface="Gautami"/>
-        <a:font script="Taml" typeface="Latha"/>
-        <a:font script="Syrc" typeface="Estrangelo Edessa"/>
-        <a:font script="Orya" typeface="Kalinga"/>
-        <a:font script="Mlym" typeface="Kartika"/>
-        <a:font script="Laoo" typeface="DokChampa"/>
-        <a:font script="Sinh" typeface="Iskoola Pota"/>
-        <a:font script="Mong" typeface="Mongolian Baiti"/>
-        <a:font script="Viet" typeface="Arial"/>
-        <a:font script="Uigh" typeface="Microsoft Uighur"/>
-      </a:majorFont>
-      <a:minorFont>
-        <a:latin typeface="Arial"/>
-        <a:ea typeface=""/>
-        <a:cs typeface=""/>
-        <a:font script="Jpan" typeface="ＭＳ Ｐゴシック"/>
-        <a:font script="Hang" typeface="굴림"/>
-        <a:font script="Hans" typeface="黑体"/>
-        <a:font script="Hant" typeface="微軟正黑體"/>
-        <a:font script="Arab" typeface="Arial"/>
-        <a:font script="Hebr" typeface="Arial"/>
-        <a:font script="Thai" typeface="Cordia New"/>
-        <a:font script="Ethi" typeface="Nyala"/>
-        <a:font script="Beng" typeface="Vrinda"/>
-        <a:font script="Gujr" typeface="Shruti"/>
-        <a:font script="Khmr" typeface="DaunPenh"/>
-        <a:font script="Knda" typeface="Tunga"/>
-        <a:font script="Guru" typeface="Raavi"/>
-        <a:font script="Cans" typeface="Euphemia"/>
-        <a:font script="Cher" typeface="Plantagenet Cherokee"/>
-        <a:font script="Yiii" typeface="Microsoft Yi Baiti"/>
-        <a:font script="Tibt" typeface="Microsoft Himalaya"/>
-        <a:font script="Thaa" typeface="MV Boli"/>
-        <a:font script="Deva" typeface="Mangal"/>
-        <a:font script="Telu" typeface="Gautami"/>
-        <a:font script="Taml" typeface="Latha"/>
-        <a:font script="Syrc" typeface="Estrangelo Edessa"/>
-        <a:font script="Orya" typeface="Kalinga"/>
-        <a:font script="Mlym" typeface="Kartika"/>
-        <a:font script="Laoo" typeface="DokChampa"/>
-        <a:font script="Sinh" typeface="Iskoola Pota"/>
-        <a:font script="Mong" typeface="Mongolian Baiti"/>
-        <a:font script="Viet" typeface="Arial"/>
-        <a:font script="Uigh" typeface="Microsoft Uighur"/>
-      </a:minorFont>
-    </a:fontScheme>
-    <a:fmtScheme name="Larissa">
-      <a:fillStyleLst>
-        <a:solidFill>
-          <a:schemeClr val="phClr"/>
-        </a:solidFill>
-        <a:gradFill rotWithShape="1">
-          <a:gsLst>
-            <a:gs pos="0">
-              <a:schemeClr val="phClr">
-                <a:tint val="50000"/>
-                <a:satMod val="300000"/>
-              </a:schemeClr>
-            </a:gs>
-            <a:gs pos="35000">
-              <a:schemeClr val="phClr">
-                <a:tint val="37000"/>
-                <a:satMod val="300000"/>
-              </a:schemeClr>
-            </a:gs>
-            <a:gs pos="100000">
-              <a:schemeClr val="phClr">
-                <a:tint val="15000"/>
-                <a:satMod val="350000"/>
-              </a:schemeClr>
-            </a:gs>
-          </a:gsLst>
-          <a:lin ang="16200000" scaled="1"/>
-        </a:gradFill>
-        <a:gradFill rotWithShape="1">
-          <a:gsLst>
-            <a:gs pos="0">
-              <a:schemeClr val="phClr">
-                <a:shade val="51000"/>
-                <a:satMod val="130000"/>
-              </a:schemeClr>
-            </a:gs>
-            <a:gs pos="80000">
-              <a:schemeClr val="phClr">
-                <a:shade val="93000"/>
-                <a:satMod val="130000"/>
-              </a:schemeClr>
-            </a:gs>
-            <a:gs pos="100000">
-              <a:schemeClr val="phClr">
-                <a:shade val="94000"/>
-                <a:satMod val="135000"/>
-              </a:schemeClr>
-            </a:gs>
-          </a:gsLst>
-          <a:lin ang="16200000" scaled="0"/>
-        </a:gradFill>
-      </a:fillStyleLst>
-      <a:lnStyleLst>
-        <a:ln w="9525" cap="flat" cmpd="sng" algn="ctr">
-          <a:solidFill>
-            <a:schemeClr val="phClr">
-              <a:shade val="95000"/>
-              <a:satMod val="105000"/>
-            </a:schemeClr>
-          </a:solidFill>
-          <a:prstDash val="solid"/>
-        </a:ln>
-        <a:ln w="25400" cap="flat" cmpd="sng" algn="ctr">
-          <a:solidFill>
-            <a:schemeClr val="phClr"/>
-          </a:solidFill>
-          <a:prstDash val="solid"/>
-        </a:ln>
-        <a:ln w="38100" cap="flat" cmpd="sng" algn="ctr">
-          <a:solidFill>
-            <a:schemeClr val="phClr"/>
-          </a:solidFill>
-          <a:prstDash val="solid"/>
-        </a:ln>
-      </a:lnStyleLst>
-      <a:effectStyleLst>
-        <a:effectStyle>
-          <a:effectLst>
-            <a:outerShdw blurRad="40000" dist="20000" dir="5400000" rotWithShape="0">
-              <a:srgbClr val="000000">
-                <a:alpha val="38000"/>
-              </a:srgbClr>
-            </a:outerShdw>
-          </a:effectLst>
-        </a:effectStyle>
-        <a:effectStyle>
-          <a:effectLst>
-            <a:outerShdw blurRad="40000" dist="23000" dir="5400000" rotWithShape="0">
-              <a:srgbClr val="000000">
-                <a:alpha val="35000"/>
-              </a:srgbClr>
-            </a:outerShdw>
-          </a:effectLst>
-        </a:effectStyle>
-        <a:effectStyle>
-          <a:effectLst>
-            <a:outerShdw blurRad="40000" dist="23000" dir="5400000" rotWithShape="0">
-              <a:srgbClr val="000000">
-                <a:alpha val="35000"/>
-              </a:srgbClr>
-            </a:outerShdw>
-          </a:effectLst>
-          <a:scene3d>
-            <a:camera prst="orthographicFront">
-              <a:rot lat="0" lon="0" rev="0"/>
-            </a:camera>
-            <a:lightRig rig="threePt" dir="t">
-              <a:rot lat="0" lon="0" rev="1200000"/>
-            </a:lightRig>
-          </a:scene3d>
-          <a:sp3d>
-            <a:bevelT w="63500" h="25400"/>
-          </a:sp3d>
-        </a:effectStyle>
-      </a:effectStyleLst>
-      <a:bgFillStyleLst>
-        <a:solidFill>
-          <a:schemeClr val="phClr"/>
-        </a:solidFill>
-        <a:gradFill rotWithShape="1">
-          <a:gsLst>
-            <a:gs pos="0">
-              <a:schemeClr val="phClr">
-                <a:tint val="40000"/>
-                <a:satMod val="350000"/>
-              </a:schemeClr>
-            </a:gs>
-            <a:gs pos="40000">
-              <a:schemeClr val="phClr">
-                <a:tint val="45000"/>
-                <a:shade val="99000"/>
-                <a:satMod val="350000"/>
-              </a:schemeClr>
-            </a:gs>
-            <a:gs pos="100000">
-              <a:schemeClr val="phClr">
-                <a:shade val="20000"/>
-                <a:satMod val="255000"/>
-              </a:schemeClr>
-            </a:gs>
-          </a:gsLst>
-          <a:path path="circle">
-            <a:fillToRect l="50000" t="-80000" r="50000" b="180000"/>
-          </a:path>
-        </a:gradFill>
-        <a:gradFill rotWithShape="1">
-          <a:gsLst>
-            <a:gs pos="0">
-              <a:schemeClr val="phClr">
-                <a:tint val="80000"/>
-                <a:satMod val="300000"/>
-              </a:schemeClr>
-            </a:gs>
-            <a:gs pos="100000">
-              <a:schemeClr val="phClr">
-                <a:shade val="30000"/>
-                <a:satMod val="200000"/>
-              </a:schemeClr>
-            </a:gs>
-          </a:gsLst>
-          <a:path path="circle">
-            <a:fillToRect l="50000" t="50000" r="50000" b="50000"/>
-          </a:path>
-        </a:gradFill>
-      </a:bgFillStyleLst>
-    </a:fmtScheme>
-  </a:themeElements>
-  <a:objectDefaults>
-    <a:spDef>
-      <a:spPr bwMode="auto">
-        <a:xfrm>
-          <a:off x="0" y="0"/>
-          <a:ext cx="1" cy="1"/>
-        </a:xfrm>
-        <a:custGeom>
-          <a:avLst/>
-          <a:gdLst/>
-          <a:ahLst/>
-          <a:cxnLst/>
-          <a:rect l="0" t="0" r="0" b="0"/>
-          <a:pathLst/>
-        </a:custGeom>
-        <a:solidFill>
-          <a:schemeClr val="accent1"/>
-        </a:solidFill>
-        <a:ln w="12700" cap="flat" cmpd="sng" algn="ctr">
-          <a:solidFill>
-            <a:schemeClr val="tx1"/>
-          </a:solidFill>
-          <a:prstDash val="solid"/>
-          <a:round/>
-          <a:headEnd type="none" w="sm" len="sm"/>
-          <a:tailEnd type="none" w="sm" len="sm"/>
-        </a:ln>
-        <a:effectLst/>
-      </a:spPr>
-      <a:bodyPr vert="horz" wrap="square" lIns="91440" tIns="45720" rIns="91440" bIns="45720" numCol="1" anchor="t" anchorCtr="0" compatLnSpc="1">
-        <a:prstTxWarp prst="textNoShape">
-          <a:avLst/>
-        </a:prstTxWarp>
-      </a:bodyPr>
-      <a:lstStyle>
-        <a:defPPr marL="0" marR="0" indent="0" algn="l" defTabSz="914400" rtl="0" eaLnBrk="0" fontAlgn="base" latinLnBrk="0" hangingPunct="0">
-          <a:lnSpc>
-            <a:spcPct val="100000"/>
-          </a:lnSpc>
-          <a:spcBef>
-            <a:spcPct val="0"/>
-          </a:spcBef>
-          <a:spcAft>
-            <a:spcPct val="0"/>
-          </a:spcAft>
-          <a:buClrTx/>
-          <a:buSzTx/>
-          <a:buFontTx/>
-          <a:buNone/>
-          <a:tabLst/>
-          <a:defRPr kumimoji="0" lang="de-DE" sz="2400" b="0" i="0" u="none" strike="noStrike" cap="none" normalizeH="0" baseline="0" smtClean="0">
-            <a:ln>
-              <a:noFill/>
-            </a:ln>
-            <a:solidFill>
-              <a:schemeClr val="tx1"/>
-            </a:solidFill>
-            <a:effectLst/>
-            <a:latin typeface="Times New Roman" pitchFamily="18" charset="0"/>
-          </a:defRPr>
-        </a:defPPr>
-      </a:lstStyle>
-    </a:spDef>
-    <a:lnDef>
-      <a:spPr bwMode="auto">
-        <a:xfrm>
-          <a:off x="0" y="0"/>
-          <a:ext cx="1" cy="1"/>
-        </a:xfrm>
-        <a:custGeom>
-          <a:avLst/>
-          <a:gdLst/>
-          <a:ahLst/>
-          <a:cxnLst/>
-          <a:rect l="0" t="0" r="0" b="0"/>
-          <a:pathLst/>
-        </a:custGeom>
-        <a:solidFill>
-          <a:schemeClr val="accent1"/>
-        </a:solidFill>
-        <a:ln w="12700" cap="flat" cmpd="sng" algn="ctr">
-          <a:solidFill>
-            <a:schemeClr val="tx1"/>
-          </a:solidFill>
-          <a:prstDash val="solid"/>
-          <a:round/>
-          <a:headEnd type="none" w="sm" len="sm"/>
-          <a:tailEnd type="none" w="sm" len="sm"/>
-        </a:ln>
-        <a:effectLst/>
-      </a:spPr>
-      <a:bodyPr vert="horz" wrap="square" lIns="91440" tIns="45720" rIns="91440" bIns="45720" numCol="1" anchor="t" anchorCtr="0" compatLnSpc="1">
-        <a:prstTxWarp prst="textNoShape">
-          <a:avLst/>
-        </a:prstTxWarp>
-      </a:bodyPr>
-      <a:lstStyle>
-        <a:defPPr marL="0" marR="0" indent="0" algn="l" defTabSz="914400" rtl="0" eaLnBrk="0" fontAlgn="base" latinLnBrk="0" hangingPunct="0">
-          <a:lnSpc>
-            <a:spcPct val="100000"/>
-          </a:lnSpc>
-          <a:spcBef>
-            <a:spcPct val="0"/>
-          </a:spcBef>
-          <a:spcAft>
-            <a:spcPct val="0"/>
-          </a:spcAft>
-          <a:buClrTx/>
-          <a:buSzTx/>
-          <a:buFontTx/>
-          <a:buNone/>
-          <a:tabLst/>
-          <a:defRPr kumimoji="0" lang="de-DE" sz="2400" b="0" i="0" u="none" strike="noStrike" cap="none" normalizeH="0" baseline="0" smtClean="0">
-            <a:ln>
-              <a:noFill/>
-            </a:ln>
-            <a:solidFill>
-              <a:schemeClr val="tx1"/>
-            </a:solidFill>
-            <a:effectLst/>
-            <a:latin typeface="Times New Roman" pitchFamily="18" charset="0"/>
-          </a:defRPr>
-        </a:defPPr>
-      </a:lstStyle>
-    </a:lnDef>
-    <a:txDef>
-      <a:spPr bwMode="auto">
-        <a:noFill/>
-        <a:ln w="9525">
-          <a:noFill/>
-          <a:miter lim="800000"/>
-          <a:headEnd/>
-          <a:tailEnd/>
-        </a:ln>
-      </a:spPr>
-      <a:bodyPr anchor="ctr">
-        <a:spAutoFit/>
-      </a:bodyPr>
-      <a:lstStyle>
-        <a:defPPr eaLnBrk="1" hangingPunct="1">
-          <a:defRPr sz="1800" dirty="0">
-            <a:latin typeface="Arial" charset="0"/>
-          </a:defRPr>
-        </a:defPPr>
-      </a:lstStyle>
-    </a:txDef>
-  </a:objectDefaults>
-  <a:extraClrSchemeLst>
-    <a:extraClrScheme>
-      <a:clrScheme name="vorlneu 1">
-        <a:dk1>
-          <a:srgbClr val="000000"/>
-        </a:dk1>
-        <a:lt1>
-          <a:srgbClr val="FFFFFF"/>
-        </a:lt1>
-        <a:dk2>
-          <a:srgbClr val="000000"/>
-        </a:dk2>
-        <a:lt2>
-          <a:srgbClr val="969696"/>
-        </a:lt2>
-        <a:accent1>
-          <a:srgbClr val="00CC99"/>
-        </a:accent1>
-        <a:accent2>
-          <a:srgbClr val="3333CC"/>
-        </a:accent2>
-        <a:accent3>
-          <a:srgbClr val="FFFFFF"/>
-        </a:accent3>
-        <a:accent4>
-          <a:srgbClr val="000000"/>
-        </a:accent4>
-        <a:accent5>
-          <a:srgbClr val="AAE2CA"/>
-        </a:accent5>
-        <a:accent6>
-          <a:srgbClr val="2D2DB9"/>
-        </a:accent6>
-        <a:hlink>
-          <a:srgbClr val="CCCCFF"/>
-        </a:hlink>
-        <a:folHlink>
-          <a:srgbClr val="B2B2B2"/>
-        </a:folHlink>
-      </a:clrScheme>
-      <a:clrMap bg1="lt1" tx1="dk1" bg2="lt2" tx2="dk2" accent1="accent1" accent2="accent2" accent3="accent3" accent4="accent4" accent5="accent5" accent6="accent6" hlink="hlink" folHlink="folHlink"/>
-    </a:extraClrScheme>
-    <a:extraClrScheme>
-      <a:clrScheme name="vorlneu 2">
-        <a:dk1>
-          <a:srgbClr val="000000"/>
-        </a:dk1>
-        <a:lt1>
-          <a:srgbClr val="FFFFFF"/>
-        </a:lt1>
-        <a:dk2>
-          <a:srgbClr val="0000FF"/>
-        </a:dk2>
-        <a:lt2>
-          <a:srgbClr val="FFFF00"/>
-        </a:lt2>
-        <a:accent1>
-          <a:srgbClr val="FF9900"/>
-        </a:accent1>
-        <a:accent2>
-          <a:srgbClr val="00FFFF"/>
-        </a:accent2>
-        <a:accent3>
-          <a:srgbClr val="AAAAFF"/>
-        </a:accent3>
-        <a:accent4>
-          <a:srgbClr val="DADADA"/>
-        </a:accent4>
-        <a:accent5>
-          <a:srgbClr val="FFCAAA"/>
-        </a:accent5>
-        <a:accent6>
-          <a:srgbClr val="00E7E7"/>
-        </a:accent6>
-        <a:hlink>
-          <a:srgbClr val="FF0033"/>
-        </a:hlink>
-        <a:folHlink>
-          <a:srgbClr val="969696"/>
-        </a:folHlink>
-      </a:clrScheme>
-      <a:clrMap bg1="dk2" tx1="lt1" bg2="dk1" tx2="lt2" accent1="accent1" accent2="accent2" accent3="accent3" accent4="accent4" accent5="accent5" accent6="accent6" hlink="hlink" folHlink="folHlink"/>
-    </a:extraClrScheme>
-    <a:extraClrScheme>
-      <a:clrScheme name="vorlneu 3">
-        <a:dk1>
-          <a:srgbClr val="000000"/>
-        </a:dk1>
-        <a:lt1>
-          <a:srgbClr val="FFFFCC"/>
-        </a:lt1>
-        <a:dk2>
-          <a:srgbClr val="999933"/>
-        </a:dk2>
-        <a:lt2>
-          <a:srgbClr val="808000"/>
-        </a:lt2>
-        <a:accent1>
-          <a:srgbClr val="339933"/>
-        </a:accent1>
-        <a:accent2>
-          <a:srgbClr val="800000"/>
-        </a:accent2>
-        <a:accent3>
-          <a:srgbClr val="FFFFE2"/>
-        </a:accent3>
-        <a:accent4>
-          <a:srgbClr val="000000"/>
-        </a:accent4>
-        <a:accent5>
-          <a:srgbClr val="ADCAAD"/>
-        </a:accent5>
-        <a:accent6>
-          <a:srgbClr val="730000"/>
-        </a:accent6>
-        <a:hlink>
-          <a:srgbClr val="0033CC"/>
-        </a:hlink>
-        <a:folHlink>
-          <a:srgbClr val="FFCC66"/>
-        </a:folHlink>
-      </a:clrScheme>
-      <a:clrMap bg1="lt1" tx1="dk1" bg2="lt2" tx2="dk2" accent1="accent1" accent2="accent2" accent3="accent3" accent4="accent4" accent5="accent5" accent6="accent6" hlink="hlink" folHlink="folHlink"/>
-    </a:extraClrScheme>
-    <a:extraClrScheme>
-      <a:clrScheme name="vorlneu 4">
-        <a:dk1>
-          <a:srgbClr val="000000"/>
-        </a:dk1>
-        <a:lt1>
-          <a:srgbClr val="FFFFFF"/>
-        </a:lt1>
-        <a:dk2>
-          <a:srgbClr val="000000"/>
-        </a:dk2>
-        <a:lt2>
-          <a:srgbClr val="393939"/>
-        </a:lt2>
-        <a:accent1>
-          <a:srgbClr val="CBCBCB"/>
-        </a:accent1>
-        <a:accent2>
-          <a:srgbClr val="868686"/>
-        </a:accent2>
-        <a:accent3>
-          <a:srgbClr val="FFFFFF"/>
-        </a:accent3>
-        <a:accent4>
-          <a:srgbClr val="000000"/>
-        </a:accent4>
-        <a:accent5>
-          <a:srgbClr val="E2E2E2"/>
-        </a:accent5>
-        <a:accent6>
-          <a:srgbClr val="797979"/>
-        </a:accent6>
-        <a:hlink>
-          <a:srgbClr val="4D4D4D"/>
-        </a:hlink>
-        <a:folHlink>
-          <a:srgbClr val="EAEAEA"/>
-        </a:folHlink>
-      </a:clrScheme>
-      <a:clrMap bg1="lt1" tx1="dk1" bg2="lt2" tx2="dk2" accent1="accent1" accent2="accent2" accent3="accent3" accent4="accent4" accent5="accent5" accent6="accent6" hlink="hlink" folHlink="folHlink"/>
-    </a:extraClrScheme>
-    <a:extraClrScheme>
-      <a:clrScheme name="vorlneu 5">
-        <a:dk1>
-          <a:srgbClr val="000000"/>
-        </a:dk1>
-        <a:lt1>
-          <a:srgbClr val="FFFFFF"/>
-        </a:lt1>
-        <a:dk2>
-          <a:srgbClr val="000000"/>
-        </a:dk2>
-        <a:lt2>
-          <a:srgbClr val="9F9F9F"/>
-        </a:lt2>
-        <a:accent1>
-          <a:srgbClr val="FFCC66"/>
-        </a:accent1>
-        <a:accent2>
-          <a:srgbClr val="0000FF"/>
-        </a:accent2>
-        <a:accent3>
-          <a:srgbClr val="FFFFFF"/>
-        </a:accent3>
-        <a:accent4>
-          <a:srgbClr val="000000"/>
-        </a:accent4>
-        <a:accent5>
-          <a:srgbClr val="FFE2B8"/>
-        </a:accent5>
-        <a:accent6>
-          <a:srgbClr val="0000E7"/>
-        </a:accent6>
-        <a:hlink>
-          <a:srgbClr val="CC00CC"/>
-        </a:hlink>
-        <a:folHlink>
-          <a:srgbClr val="C0C0C0"/>
-        </a:folHlink>
-      </a:clrScheme>
-      <a:clrMap bg1="lt1" tx1="dk1" bg2="lt2" tx2="dk2" accent1="accent1" accent2="accent2" accent3="accent3" accent4="accent4" accent5="accent5" accent6="accent6" hlink="hlink" folHlink="folHlink"/>
-    </a:extraClrScheme>
-    <a:extraClrScheme>
-      <a:clrScheme name="vorlneu 6">
-        <a:dk1>
-          <a:srgbClr val="000000"/>
-        </a:dk1>
-        <a:lt1>
-          <a:srgbClr val="FFFFFF"/>
-        </a:lt1>
-        <a:dk2>
-          <a:srgbClr val="000000"/>
-        </a:dk2>
-        <a:lt2>
-          <a:srgbClr val="868686"/>
-        </a:lt2>
-        <a:accent1>
-          <a:srgbClr val="CBCBCB"/>
-        </a:accent1>
-        <a:accent2>
-          <a:srgbClr val="0066FF"/>
-        </a:accent2>
-        <a:accent3>
-          <a:srgbClr val="FFFFFF"/>
-        </a:accent3>
-        <a:accent4>
-          <a:srgbClr val="000000"/>
-        </a:accent4>
-        <a:accent5>
-          <a:srgbClr val="E2E2E2"/>
-        </a:accent5>
-        <a:accent6>
-          <a:srgbClr val="005CE7"/>
-        </a:accent6>
-        <a:hlink>
-          <a:srgbClr val="FF0033"/>
-        </a:hlink>
-        <a:folHlink>
-          <a:srgbClr val="009900"/>
-        </a:folHlink>
-      </a:clrScheme>
-      <a:clrMap bg1="lt1" tx1="dk1" bg2="lt2" tx2="dk2" accent1="accent1" accent2="accent2" accent3="accent3" accent4="accent4" accent5="accent5" accent6="accent6" hlink="hlink" folHlink="folHlink"/>
-    </a:extraClrScheme>
-    <a:extraClrScheme>
-      <a:clrScheme name="vorlneu 7">
-        <a:dk1>
-          <a:srgbClr val="000000"/>
-        </a:dk1>
-        <a:lt1>
-          <a:srgbClr val="FFFFFF"/>
-        </a:lt1>
-        <a:dk2>
-          <a:srgbClr val="000000"/>
-        </a:dk2>
-        <a:lt2>
-          <a:srgbClr val="969696"/>
-        </a:lt2>
-        <a:accent1>
-          <a:srgbClr val="3399FF"/>
-        </a:accent1>
-        <a:accent2>
-          <a:srgbClr val="99FFCC"/>
-        </a:accent2>
-        <a:accent3>
-          <a:srgbClr val="FFFFFF"/>
-        </a:accent3>
-        <a:accent4>
-          <a:srgbClr val="000000"/>
-        </a:accent4>
-        <a:accent5>
-          <a:srgbClr val="ADCAFF"/>
-        </a:accent5>
-        <a:accent6>
-          <a:srgbClr val="8AE7B9"/>
-        </a:accent6>
-        <a:hlink>
-          <a:srgbClr val="CC00CC"/>
-        </a:hlink>
-        <a:folHlink>
-          <a:srgbClr val="B2B2B2"/>
-        </a:folHlink>
-      </a:clrScheme>
-      <a:clrMap bg1="lt1" tx1="dk1" bg2="lt2" tx2="dk2" accent1="accent1" accent2="accent2" accent3="accent3" accent4="accent4" accent5="accent5" accent6="accent6" hlink="hlink" folHlink="folHlink"/>
-    </a:extraClrScheme>
-  </a:extraClrSchemeLst>
-</a:theme>
-</file>
-
-<file path=ppt/theme/theme5.xml><?xml version="1.0" encoding="utf-8"?>
 <a:theme xmlns:a="http://schemas.openxmlformats.org/drawingml/2006/main" name="Larissa-Design">
   <a:themeElements>
     <a:clrScheme name="">
@@ -42837,7 +38025,7 @@
 </a:theme>
 </file>
 
-<file path=ppt/theme/theme6.xml><?xml version="1.0" encoding="utf-8"?>
+<file path=ppt/theme/theme4.xml><?xml version="1.0" encoding="utf-8"?>
 <a:theme xmlns:a="http://schemas.openxmlformats.org/drawingml/2006/main" name="Larissa-Design">
   <a:themeElements>
     <a:clrScheme name="">

--- a/slides/Tag-1_2-Git.pptx
+++ b/slides/Tag-1_2-Git.pptx
@@ -1818,7 +1818,7 @@
               <a:pPr algn="ctr">
                 <a:defRPr/>
               </a:pPr>
-              <a:t>10.06.2024</a:t>
+              <a:t>11.06.2024</a:t>
             </a:fld>
             <a:endParaRPr lang="de-DE" sz="1000" dirty="0">
               <a:solidFill>
@@ -2667,6 +2667,42 @@
           </a:p>
         </p:txBody>
       </p:sp>
+      <p:pic>
+        <p:nvPicPr>
+          <p:cNvPr id="3" name="Grafik 2">
+            <a:extLst>
+              <a:ext uri="{FF2B5EF4-FFF2-40B4-BE49-F238E27FC236}">
+                <a16:creationId xmlns:a16="http://schemas.microsoft.com/office/drawing/2014/main" id="{0B339388-4B4C-1300-F174-B1D6E1E2B44A}"/>
+              </a:ext>
+            </a:extLst>
+          </p:cNvPr>
+          <p:cNvPicPr>
+            <a:picLocks noChangeAspect="1"/>
+          </p:cNvPicPr>
+          <p:nvPr userDrawn="1"/>
+        </p:nvPicPr>
+        <p:blipFill>
+          <a:blip r:embed="rId7">
+            <a:extLst>
+              <a:ext uri="{28A0092B-C50C-407E-A947-70E740481C1C}">
+                <a14:useLocalDpi xmlns:a14="http://schemas.microsoft.com/office/drawing/2010/main" val="0"/>
+              </a:ext>
+            </a:extLst>
+          </a:blip>
+          <a:stretch>
+            <a:fillRect/>
+          </a:stretch>
+        </p:blipFill>
+        <p:spPr>
+          <a:xfrm>
+            <a:off x="8486775" y="-15729"/>
+            <a:ext cx="636272" cy="636272"/>
+          </a:xfrm>
+          <a:prstGeom prst="rect">
+            <a:avLst/>
+          </a:prstGeom>
+        </p:spPr>
+      </p:pic>
     </p:spTree>
   </p:cSld>
   <p:clrMap bg1="lt1" tx1="dk1" bg2="lt2" tx2="dk2" accent1="accent1" accent2="accent2" accent3="accent3" accent4="accent4" accent5="accent5" accent6="accent6" hlink="hlink" folHlink="folHlink"/>

--- a/slides/Tag-1_2-Git.pptx
+++ b/slides/Tag-1_2-Git.pptx
@@ -2346,7 +2346,7 @@
               <a:pPr algn="ctr">
                 <a:defRPr/>
               </a:pPr>
-              <a:t>12.06.2024</a:t>
+              <a:t>13.06.2024</a:t>
             </a:fld>
             <a:endParaRPr lang="de-DE" sz="1000" dirty="0">
               <a:solidFill>
@@ -4516,7 +4516,7 @@
               <a:pPr algn="ctr">
                 <a:defRPr/>
               </a:pPr>
-              <a:t>12.06.2024</a:t>
+              <a:t>13.06.2024</a:t>
             </a:fld>
             <a:endParaRPr lang="de-DE" sz="1000" dirty="0">
               <a:solidFill>
@@ -5998,7 +5998,7 @@
               <a:pPr algn="ctr">
                 <a:defRPr/>
               </a:pPr>
-              <a:t>12.06.2024</a:t>
+              <a:t>13.06.2024</a:t>
             </a:fld>
             <a:endParaRPr lang="de-DE" sz="1000">
               <a:solidFill>
@@ -8759,7 +8759,7 @@
             </a:r>
             <a:r>
               <a:rPr lang="de-DE" altLang="de-DE" dirty="0"/>
-              <a:t> lässt sich als DVCS auch ausschließlich lokal betreiben</a:t>
+              <a:t> als DVCS auch ausschließlich lokal verwendbar</a:t>
             </a:r>
           </a:p>
           <a:p>
@@ -15681,7 +15681,7 @@
               <a:rPr lang="en-US" altLang="de-DE" sz="1200" dirty="0">
                 <a:latin typeface="Consolas" panose="020B0609020204030204" pitchFamily="49" charset="0"/>
               </a:rPr>
-              <a:t>$ git commit -m "Initial commit“</a:t>
+              <a:t>$ git commit -m "Initial commit"</a:t>
             </a:r>
           </a:p>
           <a:p>
@@ -16700,7 +16700,7 @@
             </a:r>
             <a:r>
               <a:rPr lang="de-DE" altLang="de-DE" dirty="0"/>
-              <a:t> sollten nur Änderungen für das jeweilige Ziel beinhalten</a:t>
+              <a:t> sollten nur Änderungen für jeweiliges Ziel beinhalten</a:t>
             </a:r>
           </a:p>
         </p:txBody>
@@ -17399,7 +17399,7 @@
               <a:rPr lang="de-DE" altLang="de-DE" sz="1400" dirty="0">
                 <a:latin typeface="Consolas" panose="020B0609020204030204" pitchFamily="49" charset="0"/>
               </a:rPr>
-              <a:t>„</a:t>
+              <a:t>"</a:t>
             </a:r>
             <a:br>
               <a:rPr lang="de-DE" altLang="de-DE" sz="1400" dirty="0">
@@ -17799,7 +17799,7 @@
               <a:rPr lang="en-US" altLang="de-DE" sz="1400" dirty="0">
                 <a:latin typeface="Consolas" panose="020B0609020204030204" pitchFamily="49" charset="0"/>
               </a:rPr>
-              <a:t>$ git commit -m "Add content to file1“</a:t>
+              <a:t>$ git commit -m "Add content to file1"</a:t>
             </a:r>
             <a:br>
               <a:rPr lang="en-US" altLang="de-DE" sz="1400" dirty="0">
@@ -21846,7 +21846,7 @@
               <a:rPr lang="en-US" altLang="de-DE" sz="1400" dirty="0">
                 <a:latin typeface="Consolas" panose="020B0609020204030204" pitchFamily="49" charset="0"/>
               </a:rPr>
-              <a:t>$ git commit -m "Add new_file.txt file“</a:t>
+              <a:t>$ git commit -m "Add new_file.txt file"</a:t>
             </a:r>
             <a:br>
               <a:rPr lang="en-US" altLang="de-DE" sz="1400" dirty="0">
@@ -21969,7 +21969,16 @@
               <a:rPr lang="en-US" altLang="de-DE" sz="1400" dirty="0">
                 <a:latin typeface="Consolas" panose="020B0609020204030204" pitchFamily="49" charset="0"/>
               </a:rPr>
-              <a:t>        deleted:    new_file.txt</a:t>
+              <a:t>        </a:t>
+            </a:r>
+            <a:r>
+              <a:rPr lang="en-US" altLang="de-DE" sz="1400" dirty="0">
+                <a:solidFill>
+                  <a:srgbClr val="C00000"/>
+                </a:solidFill>
+                <a:latin typeface="Consolas" panose="020B0609020204030204" pitchFamily="49" charset="0"/>
+              </a:rPr>
+              <a:t>deleted:    new_file.txt</a:t>
             </a:r>
             <a:br>
               <a:rPr lang="en-US" altLang="de-DE" sz="1400" dirty="0">
@@ -22007,7 +22016,16 @@
               <a:rPr lang="en-US" altLang="de-DE" sz="1400" dirty="0">
                 <a:latin typeface="Consolas" panose="020B0609020204030204" pitchFamily="49" charset="0"/>
               </a:rPr>
-              <a:t>        file2.txt</a:t>
+              <a:t>        </a:t>
+            </a:r>
+            <a:r>
+              <a:rPr lang="en-US" altLang="de-DE" sz="1400" dirty="0">
+                <a:solidFill>
+                  <a:srgbClr val="C00000"/>
+                </a:solidFill>
+                <a:latin typeface="Consolas" panose="020B0609020204030204" pitchFamily="49" charset="0"/>
+              </a:rPr>
+              <a:t>file2.txt</a:t>
             </a:r>
             <a:br>
               <a:rPr lang="en-US" altLang="de-DE" sz="1400" dirty="0">
@@ -22461,7 +22479,7 @@
               <a:rPr lang="de-DE" altLang="de-DE" sz="1400" dirty="0">
                 <a:latin typeface="Consolas" panose="020B0609020204030204" pitchFamily="49" charset="0"/>
               </a:rPr>
-              <a:t> file2.txt„</a:t>
+              <a:t> file2.txt"</a:t>
             </a:r>
             <a:br>
               <a:rPr lang="de-DE" altLang="de-DE" sz="1400" dirty="0">
@@ -23370,6 +23388,11 @@
               </a:spcBef>
               <a:buNone/>
             </a:pPr>
+            <a:br>
+              <a:rPr lang="de-DE" altLang="de-DE" dirty="0">
+                <a:latin typeface="Consolas" panose="020B0609020204030204" pitchFamily="49" charset="0"/>
+              </a:rPr>
+            </a:br>
             <a:r>
               <a:rPr lang="de-DE" altLang="de-DE" dirty="0">
                 <a:latin typeface="Consolas" panose="020B0609020204030204" pitchFamily="49" charset="0"/>
@@ -23810,7 +23833,7 @@
             </a:r>
             <a:r>
               <a:rPr lang="de-DE" altLang="de-DE" dirty="0" err="1"/>
-              <a:t>git</a:t>
+              <a:t>Git</a:t>
             </a:r>
             <a:r>
               <a:rPr lang="de-DE" altLang="de-DE" dirty="0"/>
@@ -24552,7 +24575,7 @@
               <a:rPr lang="de-DE" altLang="de-DE" sz="1400" dirty="0">
                 <a:latin typeface="Consolas" panose="020B0609020204030204" pitchFamily="49" charset="0"/>
               </a:rPr>
-              <a:t>„</a:t>
+              <a:t>"</a:t>
             </a:r>
             <a:br>
               <a:rPr lang="de-DE" altLang="de-DE" sz="1400" dirty="0">
@@ -31237,7 +31260,7 @@
               <a:rPr lang="en-US" altLang="de-DE" sz="1200" dirty="0">
                 <a:latin typeface="Consolas" panose="020B0609020204030204" pitchFamily="49" charset="0"/>
               </a:rPr>
-              <a:t>Switched to a new branch 'feature3’</a:t>
+              <a:t>Switched to a new branch 'feature3'</a:t>
             </a:r>
           </a:p>
           <a:p>
@@ -31982,7 +32005,7 @@
               <a:rPr lang="en-US" altLang="de-DE" sz="1400" dirty="0">
                 <a:latin typeface="Consolas" panose="020B0609020204030204" pitchFamily="49" charset="0"/>
               </a:rPr>
-              <a:t>Switched to a new branch 'feature1’</a:t>
+              <a:t>Switched to a new branch 'feature1'</a:t>
             </a:r>
             <a:br>
               <a:rPr lang="en-US" altLang="de-DE" sz="1400" dirty="0">
@@ -32034,7 +32057,7 @@
               <a:rPr lang="en-US" altLang="de-DE" sz="1400" dirty="0">
                 <a:latin typeface="Consolas" panose="020B0609020204030204" pitchFamily="49" charset="0"/>
               </a:rPr>
-              <a:t>$ git commit -m "Add feature1_file1.txt“</a:t>
+              <a:t>$ git commit -m "Add feature1_file1.txt"</a:t>
             </a:r>
             <a:br>
               <a:rPr lang="en-US" altLang="de-DE" sz="1400" dirty="0">
@@ -32119,7 +32142,7 @@
               <a:rPr lang="en-US" altLang="de-DE" sz="1400" dirty="0">
                 <a:latin typeface="Consolas" panose="020B0609020204030204" pitchFamily="49" charset="0"/>
               </a:rPr>
-              <a:t>$ git commit -m "Add feature1_file2.txt“</a:t>
+              <a:t>$ git commit -m "Add feature1_file2.txt"</a:t>
             </a:r>
             <a:br>
               <a:rPr lang="en-US" altLang="de-DE" sz="1400" dirty="0">
@@ -32297,7 +32320,7 @@
               <a:rPr lang="en-US" altLang="de-DE" sz="1400" dirty="0">
                 <a:latin typeface="Consolas" panose="020B0609020204030204" pitchFamily="49" charset="0"/>
               </a:rPr>
-              <a:t>Switched to branch 'main’</a:t>
+              <a:t>Switched to branch 'main'</a:t>
             </a:r>
             <a:br>
               <a:rPr lang="en-US" altLang="de-DE" sz="1400" dirty="0">
@@ -33051,7 +33074,7 @@
               <a:rPr lang="en-US" altLang="de-DE" sz="1200" dirty="0">
                 <a:latin typeface="Consolas" panose="020B0609020204030204" pitchFamily="49" charset="0"/>
               </a:rPr>
-              <a:t>Switched to branch 'main’</a:t>
+              <a:t>Switched to branch 'main'</a:t>
             </a:r>
           </a:p>
           <a:p>
@@ -33154,7 +33177,7 @@
               <a:rPr lang="en-US" altLang="de-DE" sz="1200" dirty="0">
                 <a:latin typeface="Consolas" panose="020B0609020204030204" pitchFamily="49" charset="0"/>
               </a:rPr>
-              <a:t>Switched to branch 'feature1’</a:t>
+              <a:t>Switched to branch 'feature1'</a:t>
             </a:r>
           </a:p>
           <a:p>
@@ -33602,7 +33625,7 @@
               <a:rPr lang="en-US" altLang="de-DE" sz="1200" dirty="0">
                 <a:latin typeface="Consolas" panose="020B0609020204030204" pitchFamily="49" charset="0"/>
               </a:rPr>
-              <a:t>Switched to branch 'main’</a:t>
+              <a:t>Switched to branch 'main'</a:t>
             </a:r>
           </a:p>
           <a:p>
@@ -35091,7 +35114,7 @@
             </a:r>
             <a:r>
               <a:rPr lang="de-DE" altLang="de-DE" dirty="0"/>
-              <a:t> ausgehend vom vorletzten Commit des </a:t>
+              <a:t> ausgehend vom zweiten Commit des </a:t>
             </a:r>
             <a:r>
               <a:rPr lang="de-DE" altLang="de-DE" dirty="0" err="1">
@@ -35332,7 +35355,7 @@
               <a:rPr lang="de-DE" altLang="de-DE" sz="1400" dirty="0">
                 <a:latin typeface="Consolas" panose="020B0609020204030204" pitchFamily="49" charset="0"/>
               </a:rPr>
-              <a:t> log –</a:t>
+              <a:t> log --</a:t>
             </a:r>
             <a:r>
               <a:rPr lang="de-DE" altLang="de-DE" sz="1400" dirty="0" err="1">
@@ -35493,7 +35516,7 @@
               <a:rPr lang="de-DE" altLang="de-DE" sz="1400" dirty="0">
                 <a:latin typeface="Consolas" panose="020B0609020204030204" pitchFamily="49" charset="0"/>
               </a:rPr>
-              <a:t>86561fb</a:t>
+              <a:t>1092ab2</a:t>
             </a:r>
             <a:br>
               <a:rPr lang="en-US" altLang="de-DE" sz="1400" dirty="0">
@@ -35504,7 +35527,7 @@
               <a:rPr lang="en-US" altLang="de-DE" sz="1400" dirty="0">
                 <a:latin typeface="Consolas" panose="020B0609020204030204" pitchFamily="49" charset="0"/>
               </a:rPr>
-              <a:t>Switched to a new branch 'feature2’</a:t>
+              <a:t>Switched to a new branch 'feature2'</a:t>
             </a:r>
             <a:br>
               <a:rPr lang="en-US" altLang="de-DE" sz="1400" dirty="0">
@@ -35590,7 +35613,7 @@
               <a:rPr lang="en-US" altLang="de-DE" sz="1400" dirty="0">
                 <a:latin typeface="Consolas" panose="020B0609020204030204" pitchFamily="49" charset="0"/>
               </a:rPr>
-              <a:t>$ git commit -m "Add feature2_file1.txt“</a:t>
+              <a:t>$ git commit -m "Add feature2_file1.txt"</a:t>
             </a:r>
             <a:br>
               <a:rPr lang="en-US" altLang="de-DE" sz="1400" dirty="0">
@@ -35782,7 +35805,7 @@
               <a:rPr lang="en-US" altLang="de-DE" sz="1400" dirty="0">
                 <a:latin typeface="Consolas" panose="020B0609020204030204" pitchFamily="49" charset="0"/>
               </a:rPr>
-              <a:t>Switched to branch 'main’</a:t>
+              <a:t>Switched to branch 'main'</a:t>
             </a:r>
             <a:br>
               <a:rPr lang="en-US" altLang="de-DE" sz="1400" dirty="0">

--- a/slides/Tag-1_2-Git.pptx
+++ b/slides/Tag-1_2-Git.pptx
@@ -46,9 +46,9 @@
     <p:sldId id="329" r:id="rId34"/>
     <p:sldId id="330" r:id="rId35"/>
     <p:sldId id="331" r:id="rId36"/>
-    <p:sldId id="332" r:id="rId37"/>
-    <p:sldId id="333" r:id="rId38"/>
-    <p:sldId id="334" r:id="rId39"/>
+    <p:sldId id="334" r:id="rId37"/>
+    <p:sldId id="332" r:id="rId38"/>
+    <p:sldId id="333" r:id="rId39"/>
     <p:sldId id="388" r:id="rId40"/>
     <p:sldId id="609" r:id="rId41"/>
     <p:sldId id="610" r:id="rId42"/>
@@ -12616,7 +12616,7 @@
           <a:p>
             <a:r>
               <a:rPr lang="de-DE" altLang="de-DE" dirty="0"/>
-              <a:t>Dateien müssen explizit zur Versionierung von </a:t>
+              <a:t>Dateien müssen explizit zur Versionierung mit </a:t>
             </a:r>
             <a:r>
               <a:rPr lang="de-DE" altLang="de-DE" dirty="0" err="1"/>
@@ -15459,7 +15459,15 @@
           <a:p>
             <a:r>
               <a:rPr lang="de-DE" altLang="de-DE" dirty="0"/>
-              <a:t>Ein Commit speichert aktuellen Zustand zum Commit vorgemerkter Dateien im Repository</a:t>
+              <a:t>Ein Commit speichert aktuellen Zustand zum Commit vorgemerkter Dateien im Repository (sog. </a:t>
+            </a:r>
+            <a:r>
+              <a:rPr lang="de-DE" altLang="de-DE" i="1" dirty="0"/>
+              <a:t>Snapshot</a:t>
+            </a:r>
+            <a:r>
+              <a:rPr lang="de-DE" altLang="de-DE" dirty="0"/>
+              <a:t>)</a:t>
             </a:r>
           </a:p>
           <a:p>
@@ -16026,12 +16034,7 @@
             <p:ph idx="1"/>
           </p:nvPr>
         </p:nvSpPr>
-        <p:spPr>
-          <a:xfrm>
-            <a:off x="303214" y="981075"/>
-            <a:ext cx="8517258" cy="5400675"/>
-          </a:xfrm>
-        </p:spPr>
+        <p:spPr/>
         <p:txBody>
           <a:bodyPr/>
           <a:lstStyle/>
@@ -16040,100 +16043,38 @@
               <a:buNone/>
             </a:pPr>
             <a:r>
+              <a:rPr lang="de-DE" altLang="de-DE" b="1" dirty="0"/>
+              <a:t>Inhalt eines </a:t>
+            </a:r>
+            <a:r>
               <a:rPr lang="de-DE" altLang="de-DE" b="1" dirty="0" err="1"/>
-              <a:t>Staging</a:t>
-            </a:r>
-            <a:r>
-              <a:rPr lang="de-DE" altLang="de-DE" b="1" dirty="0"/>
-              <a:t> von Änderungen</a:t>
-            </a:r>
+              <a:t>Commits</a:t>
+            </a:r>
+            <a:endParaRPr lang="de-DE" altLang="de-DE" b="1" dirty="0"/>
           </a:p>
           <a:p>
             <a:r>
               <a:rPr lang="de-DE" dirty="0"/>
-              <a:t>Änderungen an Dateien müssen für den nächsten Commit </a:t>
-            </a:r>
-            <a:r>
-              <a:rPr lang="de-DE" i="1" dirty="0" err="1"/>
-              <a:t>gestaged</a:t>
+              <a:t>Änderungen innerhalb eines </a:t>
+            </a:r>
+            <a:r>
+              <a:rPr lang="de-DE" dirty="0" err="1"/>
+              <a:t>Commits</a:t>
             </a:r>
             <a:r>
               <a:rPr lang="de-DE" dirty="0"/>
-              <a:t> werden</a:t>
-            </a:r>
-          </a:p>
-          <a:p>
-            <a:r>
-              <a:rPr lang="de-DE" altLang="de-DE" dirty="0"/>
-              <a:t>Datei </a:t>
-            </a:r>
+              <a:t> sollten auf ein einzelnes Feature oder eine spezifische Änderung beschränkt sein</a:t>
+            </a:r>
+            <a:endParaRPr lang="de-DE" altLang="de-DE" dirty="0"/>
+          </a:p>
+          <a:p>
             <a:r>
               <a:rPr lang="de-DE" altLang="de-DE" dirty="0" err="1"/>
-              <a:t>stagen</a:t>
-            </a:r>
-            <a:r>
-              <a:rPr lang="de-DE" altLang="de-DE" dirty="0"/>
-              <a:t> mittels</a:t>
-            </a:r>
-          </a:p>
-          <a:p>
-            <a:pPr marL="0" indent="0">
-              <a:buNone/>
-            </a:pPr>
-            <a:r>
-              <a:rPr lang="de-DE" altLang="de-DE" dirty="0"/>
-              <a:t>	</a:t>
-            </a:r>
-            <a:r>
-              <a:rPr lang="de-DE" altLang="de-DE" dirty="0" err="1">
-                <a:latin typeface="Consolas" panose="020B0609020204030204" pitchFamily="49" charset="0"/>
-              </a:rPr>
-              <a:t>git</a:t>
-            </a:r>
-            <a:r>
-              <a:rPr lang="de-DE" altLang="de-DE" dirty="0">
-                <a:latin typeface="Consolas" panose="020B0609020204030204" pitchFamily="49" charset="0"/>
-              </a:rPr>
-              <a:t> </a:t>
-            </a:r>
-            <a:r>
-              <a:rPr lang="de-DE" altLang="de-DE" dirty="0" err="1">
-                <a:latin typeface="Consolas" panose="020B0609020204030204" pitchFamily="49" charset="0"/>
-              </a:rPr>
-              <a:t>add</a:t>
-            </a:r>
-            <a:r>
-              <a:rPr lang="de-DE" altLang="de-DE" dirty="0">
-                <a:latin typeface="Consolas" panose="020B0609020204030204" pitchFamily="49" charset="0"/>
-              </a:rPr>
-              <a:t> &lt;</a:t>
-            </a:r>
-            <a:r>
-              <a:rPr lang="de-DE" altLang="de-DE" dirty="0" err="1">
-                <a:latin typeface="Consolas" panose="020B0609020204030204" pitchFamily="49" charset="0"/>
-              </a:rPr>
-              <a:t>file</a:t>
-            </a:r>
-            <a:r>
-              <a:rPr lang="de-DE" altLang="de-DE" dirty="0">
-                <a:latin typeface="Consolas" panose="020B0609020204030204" pitchFamily="49" charset="0"/>
-              </a:rPr>
-              <a:t>&gt;</a:t>
-            </a:r>
-            <a:endParaRPr lang="de-DE" dirty="0"/>
-          </a:p>
-          <a:p>
-            <a:r>
-              <a:rPr lang="de-DE" altLang="de-DE" dirty="0"/>
-              <a:t>Ohne </a:t>
-            </a:r>
-            <a:r>
-              <a:rPr lang="de-DE" altLang="de-DE" dirty="0" err="1"/>
-              <a:t>Staging</a:t>
-            </a:r>
-            <a:r>
-              <a:rPr lang="de-DE" altLang="de-DE" dirty="0"/>
-              <a:t> wird Datei beim nächsten Commit ignoriert</a:t>
+              <a:t>Commits</a:t>
+            </a:r>
+            <a:r>
+              <a:rPr lang="de-DE" altLang="de-DE" dirty="0"/>
+              <a:t> sollten nur Änderungen für jeweiliges Ziel beinhalten</a:t>
             </a:r>
           </a:p>
         </p:txBody>
@@ -16178,7 +16119,7 @@
     </p:spTree>
     <p:extLst>
       <p:ext uri="{BB962C8B-B14F-4D97-AF65-F5344CB8AC3E}">
-        <p14:creationId xmlns:p14="http://schemas.microsoft.com/office/powerpoint/2010/main" val="2794447281"/>
+        <p14:creationId xmlns:p14="http://schemas.microsoft.com/office/powerpoint/2010/main" val="207663350"/>
       </p:ext>
     </p:extLst>
   </p:cSld>
@@ -16235,345 +16176,101 @@
               <a:buNone/>
             </a:pPr>
             <a:r>
+              <a:rPr lang="de-DE" altLang="de-DE" b="1" dirty="0" err="1"/>
+              <a:t>Staging</a:t>
+            </a:r>
+            <a:r>
               <a:rPr lang="de-DE" altLang="de-DE" b="1" dirty="0"/>
-              <a:t>Beispiel:</a:t>
-            </a:r>
-            <a:endParaRPr lang="en-US" altLang="de-DE" sz="1200" b="1" dirty="0">
-              <a:latin typeface="Consolas" panose="020B0609020204030204" pitchFamily="49" charset="0"/>
-            </a:endParaRPr>
-          </a:p>
-          <a:p>
-            <a:pPr marL="457200" lvl="1" indent="0">
-              <a:spcBef>
-                <a:spcPts val="0"/>
-              </a:spcBef>
-              <a:buNone/>
-            </a:pPr>
-            <a:br>
-              <a:rPr lang="en-US" altLang="de-DE" sz="1200" dirty="0">
-                <a:latin typeface="Consolas" panose="020B0609020204030204" pitchFamily="49" charset="0"/>
-              </a:rPr>
-            </a:br>
-            <a:r>
-              <a:rPr lang="en-US" altLang="de-DE" sz="1200" dirty="0">
-                <a:latin typeface="Consolas" panose="020B0609020204030204" pitchFamily="49" charset="0"/>
-              </a:rPr>
-              <a:t>$ echo test &gt; file1.txt</a:t>
-            </a:r>
-          </a:p>
-          <a:p>
-            <a:pPr marL="457200" lvl="1" indent="0">
-              <a:spcBef>
-                <a:spcPts val="0"/>
-              </a:spcBef>
-              <a:buNone/>
-            </a:pPr>
-            <a:endParaRPr lang="en-US" altLang="de-DE" sz="1200" dirty="0">
-              <a:latin typeface="Consolas" panose="020B0609020204030204" pitchFamily="49" charset="0"/>
-            </a:endParaRPr>
-          </a:p>
-          <a:p>
-            <a:pPr marL="457200" lvl="1" indent="0">
-              <a:spcBef>
-                <a:spcPts val="0"/>
-              </a:spcBef>
-              <a:buNone/>
-            </a:pPr>
-            <a:r>
-              <a:rPr lang="en-US" altLang="de-DE" sz="1200" dirty="0">
-                <a:latin typeface="Consolas" panose="020B0609020204030204" pitchFamily="49" charset="0"/>
-              </a:rPr>
-              <a:t>$ git status</a:t>
-            </a:r>
-          </a:p>
-          <a:p>
-            <a:pPr marL="457200" lvl="1" indent="0">
-              <a:spcBef>
-                <a:spcPts val="0"/>
-              </a:spcBef>
-              <a:buNone/>
-            </a:pPr>
-            <a:r>
-              <a:rPr lang="en-US" altLang="de-DE" sz="1200" dirty="0">
-                <a:latin typeface="Consolas" panose="020B0609020204030204" pitchFamily="49" charset="0"/>
-              </a:rPr>
-              <a:t>On branch main</a:t>
-            </a:r>
-          </a:p>
-          <a:p>
-            <a:pPr marL="457200" lvl="1" indent="0">
-              <a:spcBef>
-                <a:spcPts val="0"/>
-              </a:spcBef>
-              <a:buNone/>
-            </a:pPr>
-            <a:r>
-              <a:rPr lang="en-US" altLang="de-DE" sz="1200" dirty="0">
-                <a:latin typeface="Consolas" panose="020B0609020204030204" pitchFamily="49" charset="0"/>
-              </a:rPr>
-              <a:t>Changes not staged for commit:</a:t>
-            </a:r>
-          </a:p>
-          <a:p>
-            <a:pPr marL="457200" lvl="1" indent="0">
-              <a:spcBef>
-                <a:spcPts val="0"/>
-              </a:spcBef>
-              <a:buNone/>
-            </a:pPr>
-            <a:r>
-              <a:rPr lang="en-US" altLang="de-DE" sz="1200" dirty="0">
-                <a:latin typeface="Consolas" panose="020B0609020204030204" pitchFamily="49" charset="0"/>
-              </a:rPr>
-              <a:t>  (use "git add &lt;file&gt;..." to update what will be committed)</a:t>
-            </a:r>
-          </a:p>
-          <a:p>
-            <a:pPr marL="457200" lvl="1" indent="0">
-              <a:spcBef>
-                <a:spcPts val="0"/>
-              </a:spcBef>
-              <a:buNone/>
-            </a:pPr>
-            <a:r>
-              <a:rPr lang="en-US" altLang="de-DE" sz="1200" dirty="0">
-                <a:latin typeface="Consolas" panose="020B0609020204030204" pitchFamily="49" charset="0"/>
-              </a:rPr>
-              <a:t>  (use "git restore &lt;file&gt;..." to discard changes in working directory)</a:t>
-            </a:r>
-          </a:p>
-          <a:p>
-            <a:pPr marL="457200" lvl="1" indent="0">
-              <a:spcBef>
-                <a:spcPts val="0"/>
-              </a:spcBef>
-              <a:buNone/>
-            </a:pPr>
-            <a:r>
-              <a:rPr lang="en-US" altLang="de-DE" sz="1200" dirty="0">
-                <a:latin typeface="Consolas" panose="020B0609020204030204" pitchFamily="49" charset="0"/>
-              </a:rPr>
-              <a:t>        </a:t>
-            </a:r>
-            <a:r>
-              <a:rPr lang="en-US" altLang="de-DE" sz="1200" dirty="0">
-                <a:solidFill>
-                  <a:srgbClr val="C00000"/>
-                </a:solidFill>
-                <a:latin typeface="Consolas" panose="020B0609020204030204" pitchFamily="49" charset="0"/>
-              </a:rPr>
-              <a:t>modified:   file1.txt</a:t>
-            </a:r>
-          </a:p>
-          <a:p>
-            <a:pPr marL="457200" lvl="1" indent="0">
-              <a:spcBef>
-                <a:spcPts val="0"/>
-              </a:spcBef>
-              <a:buNone/>
-            </a:pPr>
-            <a:endParaRPr lang="en-US" altLang="de-DE" sz="1200" dirty="0">
-              <a:latin typeface="Consolas" panose="020B0609020204030204" pitchFamily="49" charset="0"/>
-            </a:endParaRPr>
-          </a:p>
-          <a:p>
-            <a:pPr marL="457200" lvl="1" indent="0">
-              <a:spcBef>
-                <a:spcPts val="0"/>
-              </a:spcBef>
-              <a:buNone/>
-            </a:pPr>
-            <a:r>
-              <a:rPr lang="en-US" altLang="de-DE" sz="1200" dirty="0">
-                <a:latin typeface="Consolas" panose="020B0609020204030204" pitchFamily="49" charset="0"/>
-              </a:rPr>
-              <a:t>no changes added to commit (use "git add" and/or "git commit -a")</a:t>
-            </a:r>
-          </a:p>
-          <a:p>
-            <a:pPr marL="457200" lvl="1" indent="0">
-              <a:spcBef>
-                <a:spcPts val="0"/>
-              </a:spcBef>
-              <a:buNone/>
-            </a:pPr>
-            <a:br>
-              <a:rPr lang="en-US" altLang="de-DE" sz="1200" dirty="0">
-                <a:latin typeface="Consolas" panose="020B0609020204030204" pitchFamily="49" charset="0"/>
-              </a:rPr>
-            </a:br>
-            <a:r>
-              <a:rPr lang="en-US" altLang="de-DE" sz="1200" dirty="0">
-                <a:latin typeface="Consolas" panose="020B0609020204030204" pitchFamily="49" charset="0"/>
-              </a:rPr>
-              <a:t>$ git add file1.txt</a:t>
-            </a:r>
-          </a:p>
-          <a:p>
-            <a:pPr marL="457200" lvl="1" indent="0">
-              <a:spcBef>
-                <a:spcPts val="0"/>
-              </a:spcBef>
-              <a:buNone/>
-            </a:pPr>
-            <a:endParaRPr lang="en-US" altLang="de-DE" sz="1200" dirty="0">
-              <a:latin typeface="Consolas" panose="020B0609020204030204" pitchFamily="49" charset="0"/>
-            </a:endParaRPr>
-          </a:p>
-          <a:p>
-            <a:pPr marL="457200" lvl="1" indent="0">
-              <a:spcBef>
-                <a:spcPts val="0"/>
-              </a:spcBef>
-              <a:buNone/>
-            </a:pPr>
-            <a:r>
-              <a:rPr lang="en-US" altLang="de-DE" sz="1200" dirty="0">
-                <a:latin typeface="Consolas" panose="020B0609020204030204" pitchFamily="49" charset="0"/>
-              </a:rPr>
-              <a:t>$ git status</a:t>
-            </a:r>
-          </a:p>
-          <a:p>
-            <a:pPr marL="457200" lvl="1" indent="0">
-              <a:spcBef>
-                <a:spcPts val="0"/>
-              </a:spcBef>
-              <a:buNone/>
-            </a:pPr>
-            <a:r>
-              <a:rPr lang="en-US" altLang="de-DE" sz="1200" dirty="0">
-                <a:latin typeface="Consolas" panose="020B0609020204030204" pitchFamily="49" charset="0"/>
-              </a:rPr>
-              <a:t>On branch main</a:t>
-            </a:r>
-          </a:p>
-          <a:p>
-            <a:pPr marL="457200" lvl="1" indent="0">
-              <a:spcBef>
-                <a:spcPts val="0"/>
-              </a:spcBef>
-              <a:buNone/>
-            </a:pPr>
-            <a:r>
-              <a:rPr lang="en-US" altLang="de-DE" sz="1200" dirty="0">
-                <a:latin typeface="Consolas" panose="020B0609020204030204" pitchFamily="49" charset="0"/>
-              </a:rPr>
-              <a:t>Changes to be committed:</a:t>
-            </a:r>
-          </a:p>
-          <a:p>
-            <a:pPr marL="457200" lvl="1" indent="0">
-              <a:spcBef>
-                <a:spcPts val="0"/>
-              </a:spcBef>
-              <a:buNone/>
-            </a:pPr>
-            <a:r>
-              <a:rPr lang="en-US" altLang="de-DE" sz="1200" dirty="0">
-                <a:latin typeface="Consolas" panose="020B0609020204030204" pitchFamily="49" charset="0"/>
-              </a:rPr>
-              <a:t>  (use "git restore --staged &lt;file&gt;..." to </a:t>
-            </a:r>
-            <a:r>
-              <a:rPr lang="en-US" altLang="de-DE" sz="1200" dirty="0" err="1">
-                <a:latin typeface="Consolas" panose="020B0609020204030204" pitchFamily="49" charset="0"/>
-              </a:rPr>
-              <a:t>unstage</a:t>
-            </a:r>
-            <a:r>
-              <a:rPr lang="en-US" altLang="de-DE" sz="1200" dirty="0">
-                <a:latin typeface="Consolas" panose="020B0609020204030204" pitchFamily="49" charset="0"/>
-              </a:rPr>
-              <a:t>)</a:t>
-            </a:r>
-          </a:p>
-          <a:p>
-            <a:pPr marL="457200" lvl="1" indent="0">
-              <a:spcBef>
-                <a:spcPts val="0"/>
-              </a:spcBef>
-              <a:buNone/>
-            </a:pPr>
-            <a:r>
-              <a:rPr lang="en-US" altLang="de-DE" sz="1200" dirty="0">
-                <a:latin typeface="Consolas" panose="020B0609020204030204" pitchFamily="49" charset="0"/>
-              </a:rPr>
-              <a:t>        </a:t>
-            </a:r>
-            <a:r>
-              <a:rPr lang="en-US" altLang="de-DE" sz="1200" dirty="0">
-                <a:solidFill>
-                  <a:srgbClr val="008C5A"/>
-                </a:solidFill>
-                <a:latin typeface="Consolas" panose="020B0609020204030204" pitchFamily="49" charset="0"/>
-              </a:rPr>
-              <a:t>modified:   file1.txt</a:t>
-            </a:r>
-            <a:br>
-              <a:rPr lang="en-US" altLang="de-DE" sz="1200" dirty="0">
-                <a:solidFill>
-                  <a:srgbClr val="008C5A"/>
-                </a:solidFill>
-                <a:latin typeface="Consolas" panose="020B0609020204030204" pitchFamily="49" charset="0"/>
-              </a:rPr>
-            </a:br>
-            <a:br>
-              <a:rPr lang="en-US" altLang="de-DE" sz="1200" dirty="0">
-                <a:solidFill>
-                  <a:srgbClr val="008C5A"/>
-                </a:solidFill>
-                <a:latin typeface="Consolas" panose="020B0609020204030204" pitchFamily="49" charset="0"/>
-              </a:rPr>
-            </a:br>
-            <a:r>
-              <a:rPr lang="en-US" altLang="de-DE" sz="1200" dirty="0">
-                <a:latin typeface="Consolas" panose="020B0609020204030204" pitchFamily="49" charset="0"/>
-              </a:rPr>
-              <a:t>$ git commit -m "Update file1.txt"</a:t>
-            </a:r>
-          </a:p>
-          <a:p>
-            <a:pPr marL="457200" lvl="1" indent="0">
-              <a:spcBef>
-                <a:spcPts val="0"/>
-              </a:spcBef>
-              <a:buNone/>
-            </a:pPr>
-            <a:r>
-              <a:rPr lang="en-US" altLang="de-DE" sz="1200" dirty="0">
-                <a:latin typeface="Consolas" panose="020B0609020204030204" pitchFamily="49" charset="0"/>
-              </a:rPr>
-              <a:t>[main e0b3cf3] Update file1.txt</a:t>
-            </a:r>
-          </a:p>
-          <a:p>
-            <a:pPr marL="457200" lvl="1" indent="0">
-              <a:spcBef>
-                <a:spcPts val="0"/>
-              </a:spcBef>
-              <a:buNone/>
-            </a:pPr>
-            <a:r>
-              <a:rPr lang="en-US" altLang="de-DE" sz="1200" dirty="0">
-                <a:latin typeface="Consolas" panose="020B0609020204030204" pitchFamily="49" charset="0"/>
-              </a:rPr>
-              <a:t> 1 file changed, 1 insertion(+)</a:t>
-            </a:r>
-          </a:p>
-          <a:p>
-            <a:pPr marL="457200" lvl="1" indent="0">
-              <a:spcBef>
-                <a:spcPts val="0"/>
-              </a:spcBef>
-              <a:buNone/>
-            </a:pPr>
-            <a:endParaRPr lang="en-US" altLang="de-DE" sz="1200" dirty="0">
-              <a:solidFill>
-                <a:srgbClr val="008C5A"/>
-              </a:solidFill>
-              <a:latin typeface="Consolas" panose="020B0609020204030204" pitchFamily="49" charset="0"/>
-            </a:endParaRPr>
+              <a:t> von Änderungen</a:t>
+            </a:r>
+          </a:p>
+          <a:p>
+            <a:r>
+              <a:rPr lang="de-DE" dirty="0"/>
+              <a:t>Änderungen an Dateien müssen für den nächsten Commit </a:t>
+            </a:r>
+            <a:r>
+              <a:rPr lang="de-DE" i="1" dirty="0" err="1"/>
+              <a:t>gestaged</a:t>
+            </a:r>
+            <a:r>
+              <a:rPr lang="de-DE" dirty="0"/>
+              <a:t> werden</a:t>
+            </a:r>
+          </a:p>
+          <a:p>
+            <a:r>
+              <a:rPr lang="de-DE" altLang="de-DE" dirty="0"/>
+              <a:t>Datei </a:t>
+            </a:r>
+            <a:r>
+              <a:rPr lang="de-DE" altLang="de-DE" dirty="0" err="1"/>
+              <a:t>stagen</a:t>
+            </a:r>
+            <a:r>
+              <a:rPr lang="de-DE" altLang="de-DE" dirty="0"/>
+              <a:t> mittels</a:t>
+            </a:r>
+          </a:p>
+          <a:p>
+            <a:pPr marL="0" indent="0">
+              <a:buNone/>
+            </a:pPr>
+            <a:r>
+              <a:rPr lang="de-DE" altLang="de-DE" dirty="0"/>
+              <a:t>	</a:t>
+            </a:r>
+            <a:r>
+              <a:rPr lang="de-DE" altLang="de-DE" dirty="0" err="1">
+                <a:latin typeface="Consolas" panose="020B0609020204030204" pitchFamily="49" charset="0"/>
+              </a:rPr>
+              <a:t>git</a:t>
+            </a:r>
+            <a:r>
+              <a:rPr lang="de-DE" altLang="de-DE" dirty="0">
+                <a:latin typeface="Consolas" panose="020B0609020204030204" pitchFamily="49" charset="0"/>
+              </a:rPr>
+              <a:t> </a:t>
+            </a:r>
+            <a:r>
+              <a:rPr lang="de-DE" altLang="de-DE" dirty="0" err="1">
+                <a:latin typeface="Consolas" panose="020B0609020204030204" pitchFamily="49" charset="0"/>
+              </a:rPr>
+              <a:t>add</a:t>
+            </a:r>
+            <a:r>
+              <a:rPr lang="de-DE" altLang="de-DE" dirty="0">
+                <a:latin typeface="Consolas" panose="020B0609020204030204" pitchFamily="49" charset="0"/>
+              </a:rPr>
+              <a:t> &lt;</a:t>
+            </a:r>
+            <a:r>
+              <a:rPr lang="de-DE" altLang="de-DE" dirty="0" err="1">
+                <a:latin typeface="Consolas" panose="020B0609020204030204" pitchFamily="49" charset="0"/>
+              </a:rPr>
+              <a:t>file</a:t>
+            </a:r>
+            <a:r>
+              <a:rPr lang="de-DE" altLang="de-DE" dirty="0">
+                <a:latin typeface="Consolas" panose="020B0609020204030204" pitchFamily="49" charset="0"/>
+              </a:rPr>
+              <a:t>&gt;</a:t>
+            </a:r>
+            <a:endParaRPr lang="de-DE" dirty="0"/>
+          </a:p>
+          <a:p>
+            <a:r>
+              <a:rPr lang="de-DE" altLang="de-DE" dirty="0"/>
+              <a:t>Ohne </a:t>
+            </a:r>
+            <a:r>
+              <a:rPr lang="de-DE" altLang="de-DE" dirty="0" err="1"/>
+              <a:t>Staging</a:t>
+            </a:r>
+            <a:r>
+              <a:rPr lang="de-DE" altLang="de-DE" dirty="0"/>
+              <a:t> wird Datei beim nächsten Commit ignoriert</a:t>
+            </a:r>
           </a:p>
         </p:txBody>
       </p:sp>
@@ -16617,7 +16314,7 @@
     </p:spTree>
     <p:extLst>
       <p:ext uri="{BB962C8B-B14F-4D97-AF65-F5344CB8AC3E}">
-        <p14:creationId xmlns:p14="http://schemas.microsoft.com/office/powerpoint/2010/main" val="1505706663"/>
+        <p14:creationId xmlns:p14="http://schemas.microsoft.com/office/powerpoint/2010/main" val="2794447281"/>
       </p:ext>
     </p:extLst>
   </p:cSld>
@@ -16660,7 +16357,12 @@
             <p:ph idx="1"/>
           </p:nvPr>
         </p:nvSpPr>
-        <p:spPr/>
+        <p:spPr>
+          <a:xfrm>
+            <a:off x="303214" y="981075"/>
+            <a:ext cx="8517258" cy="5400675"/>
+          </a:xfrm>
+        </p:spPr>
         <p:txBody>
           <a:bodyPr/>
           <a:lstStyle/>
@@ -16670,38 +16372,344 @@
             </a:pPr>
             <a:r>
               <a:rPr lang="de-DE" altLang="de-DE" b="1" dirty="0"/>
-              <a:t>Inhalt eines </a:t>
-            </a:r>
-            <a:r>
-              <a:rPr lang="de-DE" altLang="de-DE" b="1" dirty="0" err="1"/>
-              <a:t>Commits</a:t>
-            </a:r>
-            <a:endParaRPr lang="de-DE" altLang="de-DE" b="1" dirty="0"/>
-          </a:p>
-          <a:p>
-            <a:r>
-              <a:rPr lang="de-DE" dirty="0"/>
-              <a:t>Änderungen innerhalb eines </a:t>
-            </a:r>
-            <a:r>
-              <a:rPr lang="de-DE" dirty="0" err="1"/>
-              <a:t>Commits</a:t>
-            </a:r>
-            <a:r>
-              <a:rPr lang="de-DE" dirty="0"/>
-              <a:t> sollten auf ein einzelnes Feature oder eine spezifische Änderung beschränkt sein</a:t>
-            </a:r>
-            <a:endParaRPr lang="de-DE" altLang="de-DE" dirty="0"/>
-          </a:p>
-          <a:p>
-            <a:r>
-              <a:rPr lang="de-DE" altLang="de-DE" dirty="0" err="1"/>
-              <a:t>Commits</a:t>
-            </a:r>
-            <a:r>
-              <a:rPr lang="de-DE" altLang="de-DE" dirty="0"/>
-              <a:t> sollten nur Änderungen für jeweiliges Ziel beinhalten</a:t>
-            </a:r>
+              <a:t>Beispiel:</a:t>
+            </a:r>
+            <a:endParaRPr lang="en-US" altLang="de-DE" sz="1200" b="1" dirty="0">
+              <a:latin typeface="Consolas" panose="020B0609020204030204" pitchFamily="49" charset="0"/>
+            </a:endParaRPr>
+          </a:p>
+          <a:p>
+            <a:pPr marL="457200" lvl="1" indent="0">
+              <a:spcBef>
+                <a:spcPts val="0"/>
+              </a:spcBef>
+              <a:buNone/>
+            </a:pPr>
+            <a:br>
+              <a:rPr lang="en-US" altLang="de-DE" sz="1200" dirty="0">
+                <a:latin typeface="Consolas" panose="020B0609020204030204" pitchFamily="49" charset="0"/>
+              </a:rPr>
+            </a:br>
+            <a:r>
+              <a:rPr lang="en-US" altLang="de-DE" sz="1200" dirty="0">
+                <a:latin typeface="Consolas" panose="020B0609020204030204" pitchFamily="49" charset="0"/>
+              </a:rPr>
+              <a:t>$ echo test &gt; file1.txt</a:t>
+            </a:r>
+          </a:p>
+          <a:p>
+            <a:pPr marL="457200" lvl="1" indent="0">
+              <a:spcBef>
+                <a:spcPts val="0"/>
+              </a:spcBef>
+              <a:buNone/>
+            </a:pPr>
+            <a:endParaRPr lang="en-US" altLang="de-DE" sz="1200" dirty="0">
+              <a:latin typeface="Consolas" panose="020B0609020204030204" pitchFamily="49" charset="0"/>
+            </a:endParaRPr>
+          </a:p>
+          <a:p>
+            <a:pPr marL="457200" lvl="1" indent="0">
+              <a:spcBef>
+                <a:spcPts val="0"/>
+              </a:spcBef>
+              <a:buNone/>
+            </a:pPr>
+            <a:r>
+              <a:rPr lang="en-US" altLang="de-DE" sz="1200" dirty="0">
+                <a:latin typeface="Consolas" panose="020B0609020204030204" pitchFamily="49" charset="0"/>
+              </a:rPr>
+              <a:t>$ git status</a:t>
+            </a:r>
+          </a:p>
+          <a:p>
+            <a:pPr marL="457200" lvl="1" indent="0">
+              <a:spcBef>
+                <a:spcPts val="0"/>
+              </a:spcBef>
+              <a:buNone/>
+            </a:pPr>
+            <a:r>
+              <a:rPr lang="en-US" altLang="de-DE" sz="1200" dirty="0">
+                <a:latin typeface="Consolas" panose="020B0609020204030204" pitchFamily="49" charset="0"/>
+              </a:rPr>
+              <a:t>On branch main</a:t>
+            </a:r>
+          </a:p>
+          <a:p>
+            <a:pPr marL="457200" lvl="1" indent="0">
+              <a:spcBef>
+                <a:spcPts val="0"/>
+              </a:spcBef>
+              <a:buNone/>
+            </a:pPr>
+            <a:r>
+              <a:rPr lang="en-US" altLang="de-DE" sz="1200" dirty="0">
+                <a:latin typeface="Consolas" panose="020B0609020204030204" pitchFamily="49" charset="0"/>
+              </a:rPr>
+              <a:t>Changes not staged for commit:</a:t>
+            </a:r>
+          </a:p>
+          <a:p>
+            <a:pPr marL="457200" lvl="1" indent="0">
+              <a:spcBef>
+                <a:spcPts val="0"/>
+              </a:spcBef>
+              <a:buNone/>
+            </a:pPr>
+            <a:r>
+              <a:rPr lang="en-US" altLang="de-DE" sz="1200" dirty="0">
+                <a:latin typeface="Consolas" panose="020B0609020204030204" pitchFamily="49" charset="0"/>
+              </a:rPr>
+              <a:t>  (use "git add &lt;file&gt;..." to update what will be committed)</a:t>
+            </a:r>
+          </a:p>
+          <a:p>
+            <a:pPr marL="457200" lvl="1" indent="0">
+              <a:spcBef>
+                <a:spcPts val="0"/>
+              </a:spcBef>
+              <a:buNone/>
+            </a:pPr>
+            <a:r>
+              <a:rPr lang="en-US" altLang="de-DE" sz="1200" dirty="0">
+                <a:latin typeface="Consolas" panose="020B0609020204030204" pitchFamily="49" charset="0"/>
+              </a:rPr>
+              <a:t>  (use "git restore &lt;file&gt;..." to discard changes in working directory)</a:t>
+            </a:r>
+          </a:p>
+          <a:p>
+            <a:pPr marL="457200" lvl="1" indent="0">
+              <a:spcBef>
+                <a:spcPts val="0"/>
+              </a:spcBef>
+              <a:buNone/>
+            </a:pPr>
+            <a:r>
+              <a:rPr lang="en-US" altLang="de-DE" sz="1200" dirty="0">
+                <a:latin typeface="Consolas" panose="020B0609020204030204" pitchFamily="49" charset="0"/>
+              </a:rPr>
+              <a:t>        </a:t>
+            </a:r>
+            <a:r>
+              <a:rPr lang="en-US" altLang="de-DE" sz="1200" dirty="0">
+                <a:solidFill>
+                  <a:srgbClr val="C00000"/>
+                </a:solidFill>
+                <a:latin typeface="Consolas" panose="020B0609020204030204" pitchFamily="49" charset="0"/>
+              </a:rPr>
+              <a:t>modified:   file1.txt</a:t>
+            </a:r>
+          </a:p>
+          <a:p>
+            <a:pPr marL="457200" lvl="1" indent="0">
+              <a:spcBef>
+                <a:spcPts val="0"/>
+              </a:spcBef>
+              <a:buNone/>
+            </a:pPr>
+            <a:endParaRPr lang="en-US" altLang="de-DE" sz="1200" dirty="0">
+              <a:latin typeface="Consolas" panose="020B0609020204030204" pitchFamily="49" charset="0"/>
+            </a:endParaRPr>
+          </a:p>
+          <a:p>
+            <a:pPr marL="457200" lvl="1" indent="0">
+              <a:spcBef>
+                <a:spcPts val="0"/>
+              </a:spcBef>
+              <a:buNone/>
+            </a:pPr>
+            <a:r>
+              <a:rPr lang="en-US" altLang="de-DE" sz="1200" dirty="0">
+                <a:latin typeface="Consolas" panose="020B0609020204030204" pitchFamily="49" charset="0"/>
+              </a:rPr>
+              <a:t>no changes added to commit (use "git add" and/or "git commit -a")</a:t>
+            </a:r>
+          </a:p>
+          <a:p>
+            <a:pPr marL="457200" lvl="1" indent="0">
+              <a:spcBef>
+                <a:spcPts val="0"/>
+              </a:spcBef>
+              <a:buNone/>
+            </a:pPr>
+            <a:br>
+              <a:rPr lang="en-US" altLang="de-DE" sz="1200" dirty="0">
+                <a:latin typeface="Consolas" panose="020B0609020204030204" pitchFamily="49" charset="0"/>
+              </a:rPr>
+            </a:br>
+            <a:r>
+              <a:rPr lang="en-US" altLang="de-DE" sz="1200" dirty="0">
+                <a:latin typeface="Consolas" panose="020B0609020204030204" pitchFamily="49" charset="0"/>
+              </a:rPr>
+              <a:t>$ git add file1.txt</a:t>
+            </a:r>
+          </a:p>
+          <a:p>
+            <a:pPr marL="457200" lvl="1" indent="0">
+              <a:spcBef>
+                <a:spcPts val="0"/>
+              </a:spcBef>
+              <a:buNone/>
+            </a:pPr>
+            <a:endParaRPr lang="en-US" altLang="de-DE" sz="1200" dirty="0">
+              <a:latin typeface="Consolas" panose="020B0609020204030204" pitchFamily="49" charset="0"/>
+            </a:endParaRPr>
+          </a:p>
+          <a:p>
+            <a:pPr marL="457200" lvl="1" indent="0">
+              <a:spcBef>
+                <a:spcPts val="0"/>
+              </a:spcBef>
+              <a:buNone/>
+            </a:pPr>
+            <a:r>
+              <a:rPr lang="en-US" altLang="de-DE" sz="1200" dirty="0">
+                <a:latin typeface="Consolas" panose="020B0609020204030204" pitchFamily="49" charset="0"/>
+              </a:rPr>
+              <a:t>$ git status</a:t>
+            </a:r>
+          </a:p>
+          <a:p>
+            <a:pPr marL="457200" lvl="1" indent="0">
+              <a:spcBef>
+                <a:spcPts val="0"/>
+              </a:spcBef>
+              <a:buNone/>
+            </a:pPr>
+            <a:r>
+              <a:rPr lang="en-US" altLang="de-DE" sz="1200" dirty="0">
+                <a:latin typeface="Consolas" panose="020B0609020204030204" pitchFamily="49" charset="0"/>
+              </a:rPr>
+              <a:t>On branch main</a:t>
+            </a:r>
+          </a:p>
+          <a:p>
+            <a:pPr marL="457200" lvl="1" indent="0">
+              <a:spcBef>
+                <a:spcPts val="0"/>
+              </a:spcBef>
+              <a:buNone/>
+            </a:pPr>
+            <a:r>
+              <a:rPr lang="en-US" altLang="de-DE" sz="1200" dirty="0">
+                <a:latin typeface="Consolas" panose="020B0609020204030204" pitchFamily="49" charset="0"/>
+              </a:rPr>
+              <a:t>Changes to be committed:</a:t>
+            </a:r>
+          </a:p>
+          <a:p>
+            <a:pPr marL="457200" lvl="1" indent="0">
+              <a:spcBef>
+                <a:spcPts val="0"/>
+              </a:spcBef>
+              <a:buNone/>
+            </a:pPr>
+            <a:r>
+              <a:rPr lang="en-US" altLang="de-DE" sz="1200" dirty="0">
+                <a:latin typeface="Consolas" panose="020B0609020204030204" pitchFamily="49" charset="0"/>
+              </a:rPr>
+              <a:t>  (use "git restore --staged &lt;file&gt;..." to </a:t>
+            </a:r>
+            <a:r>
+              <a:rPr lang="en-US" altLang="de-DE" sz="1200" dirty="0" err="1">
+                <a:latin typeface="Consolas" panose="020B0609020204030204" pitchFamily="49" charset="0"/>
+              </a:rPr>
+              <a:t>unstage</a:t>
+            </a:r>
+            <a:r>
+              <a:rPr lang="en-US" altLang="de-DE" sz="1200" dirty="0">
+                <a:latin typeface="Consolas" panose="020B0609020204030204" pitchFamily="49" charset="0"/>
+              </a:rPr>
+              <a:t>)</a:t>
+            </a:r>
+          </a:p>
+          <a:p>
+            <a:pPr marL="457200" lvl="1" indent="0">
+              <a:spcBef>
+                <a:spcPts val="0"/>
+              </a:spcBef>
+              <a:buNone/>
+            </a:pPr>
+            <a:r>
+              <a:rPr lang="en-US" altLang="de-DE" sz="1200" dirty="0">
+                <a:latin typeface="Consolas" panose="020B0609020204030204" pitchFamily="49" charset="0"/>
+              </a:rPr>
+              <a:t>        </a:t>
+            </a:r>
+            <a:r>
+              <a:rPr lang="en-US" altLang="de-DE" sz="1200" dirty="0">
+                <a:solidFill>
+                  <a:srgbClr val="008C5A"/>
+                </a:solidFill>
+                <a:latin typeface="Consolas" panose="020B0609020204030204" pitchFamily="49" charset="0"/>
+              </a:rPr>
+              <a:t>modified:   file1.txt</a:t>
+            </a:r>
+            <a:br>
+              <a:rPr lang="en-US" altLang="de-DE" sz="1200" dirty="0">
+                <a:solidFill>
+                  <a:srgbClr val="008C5A"/>
+                </a:solidFill>
+                <a:latin typeface="Consolas" panose="020B0609020204030204" pitchFamily="49" charset="0"/>
+              </a:rPr>
+            </a:br>
+            <a:br>
+              <a:rPr lang="en-US" altLang="de-DE" sz="1200" dirty="0">
+                <a:solidFill>
+                  <a:srgbClr val="008C5A"/>
+                </a:solidFill>
+                <a:latin typeface="Consolas" panose="020B0609020204030204" pitchFamily="49" charset="0"/>
+              </a:rPr>
+            </a:br>
+            <a:r>
+              <a:rPr lang="en-US" altLang="de-DE" sz="1200" dirty="0">
+                <a:latin typeface="Consolas" panose="020B0609020204030204" pitchFamily="49" charset="0"/>
+              </a:rPr>
+              <a:t>$ git commit -m "Update file1.txt"</a:t>
+            </a:r>
+          </a:p>
+          <a:p>
+            <a:pPr marL="457200" lvl="1" indent="0">
+              <a:spcBef>
+                <a:spcPts val="0"/>
+              </a:spcBef>
+              <a:buNone/>
+            </a:pPr>
+            <a:r>
+              <a:rPr lang="en-US" altLang="de-DE" sz="1200" dirty="0">
+                <a:latin typeface="Consolas" panose="020B0609020204030204" pitchFamily="49" charset="0"/>
+              </a:rPr>
+              <a:t>[main e0b3cf3] Update file1.txt</a:t>
+            </a:r>
+          </a:p>
+          <a:p>
+            <a:pPr marL="457200" lvl="1" indent="0">
+              <a:spcBef>
+                <a:spcPts val="0"/>
+              </a:spcBef>
+              <a:buNone/>
+            </a:pPr>
+            <a:r>
+              <a:rPr lang="en-US" altLang="de-DE" sz="1200" dirty="0">
+                <a:latin typeface="Consolas" panose="020B0609020204030204" pitchFamily="49" charset="0"/>
+              </a:rPr>
+              <a:t> 1 file changed, 1 insertion(+)</a:t>
+            </a:r>
+          </a:p>
+          <a:p>
+            <a:pPr marL="457200" lvl="1" indent="0">
+              <a:spcBef>
+                <a:spcPts val="0"/>
+              </a:spcBef>
+              <a:buNone/>
+            </a:pPr>
+            <a:endParaRPr lang="en-US" altLang="de-DE" sz="1200" dirty="0">
+              <a:solidFill>
+                <a:srgbClr val="008C5A"/>
+              </a:solidFill>
+              <a:latin typeface="Consolas" panose="020B0609020204030204" pitchFamily="49" charset="0"/>
+            </a:endParaRPr>
           </a:p>
         </p:txBody>
       </p:sp>
@@ -16745,7 +16753,7 @@
     </p:spTree>
     <p:extLst>
       <p:ext uri="{BB962C8B-B14F-4D97-AF65-F5344CB8AC3E}">
-        <p14:creationId xmlns:p14="http://schemas.microsoft.com/office/powerpoint/2010/main" val="207663350"/>
+        <p14:creationId xmlns:p14="http://schemas.microsoft.com/office/powerpoint/2010/main" val="1505706663"/>
       </p:ext>
     </p:extLst>
   </p:cSld>
@@ -20771,7 +20779,7 @@
           <p:nvPr>
             <p:extLst>
               <p:ext uri="{D42A27DB-BD31-4B8C-83A1-F6EECF244321}">
-                <p14:modId xmlns:p14="http://schemas.microsoft.com/office/powerpoint/2010/main" val="4062844820"/>
+                <p14:modId xmlns:p14="http://schemas.microsoft.com/office/powerpoint/2010/main" val="1976084203"/>
               </p:ext>
             </p:extLst>
           </p:nvPr>
@@ -21308,7 +21316,7 @@
                         <a:rPr lang="de-DE" sz="2000" dirty="0">
                           <a:latin typeface="Consolas" panose="020B0609020204030204" pitchFamily="49" charset="0"/>
                         </a:rPr>
-                        <a:t> -- /</a:t>
+                        <a:t> bzw.</a:t>
                       </a:r>
                       <a:br>
                         <a:rPr lang="de-DE" sz="2000" dirty="0">
@@ -24237,7 +24245,7 @@
             </a:r>
             <a:r>
               <a:rPr lang="de-DE" altLang="de-DE" dirty="0"/>
-              <a:t>-Basics</a:t>
+              <a:t> – Grundlagen</a:t>
             </a:r>
           </a:p>
         </p:txBody>
@@ -24877,7 +24885,7 @@
             </a:r>
             <a:r>
               <a:rPr lang="de-DE" altLang="de-DE" dirty="0"/>
-              <a:t>-Basics</a:t>
+              <a:t> – Grundlagen</a:t>
             </a:r>
           </a:p>
         </p:txBody>
@@ -25059,7 +25067,15 @@
           <a:p>
             <a:r>
               <a:rPr lang="de-DE" altLang="de-DE" dirty="0"/>
-              <a:t>Initialisierung eines Repository legt automatisch </a:t>
+              <a:t>Initialisierung eines </a:t>
+            </a:r>
+            <a:r>
+              <a:rPr lang="de-DE" altLang="de-DE" dirty="0" err="1"/>
+              <a:t>Repositorys</a:t>
+            </a:r>
+            <a:r>
+              <a:rPr lang="de-DE" altLang="de-DE" dirty="0"/>
+              <a:t> legt automatisch </a:t>
             </a:r>
             <a:r>
               <a:rPr lang="de-DE" altLang="de-DE" i="1" dirty="0" err="1"/>
@@ -31014,7 +31030,7 @@
               <a:rPr lang="de-DE" altLang="de-DE" dirty="0">
                 <a:sym typeface="Wingdings" panose="05000000000000000000" pitchFamily="2" charset="2"/>
               </a:rPr>
-              <a:t> Wechsel von </a:t>
+              <a:t> Wechsel des </a:t>
             </a:r>
             <a:r>
               <a:rPr lang="de-DE" altLang="de-DE" dirty="0" err="1">
@@ -31527,7 +31543,7 @@
           <a:p>
             <a:r>
               <a:rPr lang="de-DE" altLang="de-DE" dirty="0"/>
-              <a:t>Protokollierung von Änderung, Zeitstempel und Autor</a:t>
+              <a:t>Protokollierung: Änderung, Zeitstempel, Autor</a:t>
             </a:r>
           </a:p>
           <a:p>
@@ -33876,7 +33892,19 @@
               <a:rPr lang="en-US" altLang="de-DE" sz="1200" dirty="0">
                 <a:latin typeface="Consolas" panose="020B0609020204030204" pitchFamily="49" charset="0"/>
               </a:rPr>
-              <a:t>error: Your local changes to the following files would be overwritten by checkout:</a:t>
+              <a:t>error: Your local changes to the following files </a:t>
+            </a:r>
+            <a:r>
+              <a:rPr lang="en-US" altLang="de-DE" sz="1200" b="1" dirty="0">
+                <a:latin typeface="Consolas" panose="020B0609020204030204" pitchFamily="49" charset="0"/>
+              </a:rPr>
+              <a:t>would be overwritten by checkout</a:t>
+            </a:r>
+            <a:r>
+              <a:rPr lang="en-US" altLang="de-DE" sz="1200" dirty="0">
+                <a:latin typeface="Consolas" panose="020B0609020204030204" pitchFamily="49" charset="0"/>
+              </a:rPr>
+              <a:t>:</a:t>
             </a:r>
           </a:p>
           <a:p>
@@ -34031,23 +34059,19 @@
             <a:pPr lvl="1"/>
             <a:r>
               <a:rPr lang="de-DE" altLang="de-DE" dirty="0"/>
-              <a:t>Änderungen in „</a:t>
-            </a:r>
-            <a:r>
-              <a:rPr lang="de-DE" altLang="de-DE" dirty="0" err="1"/>
-              <a:t>stashing</a:t>
-            </a:r>
-            <a:r>
-              <a:rPr lang="de-DE" altLang="de-DE" dirty="0"/>
-              <a:t> </a:t>
-            </a:r>
-            <a:r>
-              <a:rPr lang="de-DE" altLang="de-DE" dirty="0" err="1"/>
-              <a:t>area</a:t>
-            </a:r>
-            <a:r>
-              <a:rPr lang="de-DE" altLang="de-DE" dirty="0"/>
-              <a:t>“ zwischenspeichern und später wiederherstellen mittels </a:t>
+              <a:t>Änderungen in </a:t>
+            </a:r>
+            <a:r>
+              <a:rPr lang="de-DE" altLang="de-DE" i="1" dirty="0" err="1"/>
+              <a:t>Stashing</a:t>
+            </a:r>
+            <a:r>
+              <a:rPr lang="de-DE" altLang="de-DE" i="1" dirty="0"/>
+              <a:t> Area </a:t>
+            </a:r>
+            <a:r>
+              <a:rPr lang="de-DE" altLang="de-DE" dirty="0"/>
+              <a:t>zwischenspeichern und später wiederherstellen mittels </a:t>
             </a:r>
             <a:r>
               <a:rPr lang="de-DE" altLang="de-DE" dirty="0" err="1">
@@ -34605,7 +34629,19 @@
               <a:rPr lang="en-US" altLang="de-DE" sz="1200" dirty="0">
                 <a:latin typeface="Consolas" panose="020B0609020204030204" pitchFamily="49" charset="0"/>
               </a:rPr>
-              <a:t>You are in 'detached HEAD' state. You can look around, make experimental</a:t>
+              <a:t>You are in </a:t>
+            </a:r>
+            <a:r>
+              <a:rPr lang="en-US" altLang="de-DE" sz="1200" b="1" dirty="0">
+                <a:latin typeface="Consolas" panose="020B0609020204030204" pitchFamily="49" charset="0"/>
+              </a:rPr>
+              <a:t>'detached HEAD' state</a:t>
+            </a:r>
+            <a:r>
+              <a:rPr lang="en-US" altLang="de-DE" sz="1200" dirty="0">
+                <a:latin typeface="Consolas" panose="020B0609020204030204" pitchFamily="49" charset="0"/>
+              </a:rPr>
+              <a:t>. You can look around, make experimental</a:t>
             </a:r>
           </a:p>
           <a:p>
@@ -36111,6 +36147,14 @@
             </a:r>
           </a:p>
           <a:p>
+            <a:pPr marL="0" indent="0">
+              <a:buNone/>
+            </a:pPr>
+            <a:endParaRPr lang="de-DE" altLang="de-DE" dirty="0">
+              <a:latin typeface="Consolas" panose="020B0609020204030204" pitchFamily="49" charset="0"/>
+            </a:endParaRPr>
+          </a:p>
+          <a:p>
             <a:r>
               <a:rPr lang="de-DE" altLang="de-DE" dirty="0"/>
               <a:t>Setzt den HEAD auf angegebenen Commit</a:t>
@@ -36135,7 +36179,15 @@
             </a:r>
             <a:r>
               <a:rPr lang="de-DE" altLang="de-DE" dirty="0"/>
-              <a:t> werden nicht gelöscht</a:t>
+              <a:t> werden </a:t>
+            </a:r>
+            <a:r>
+              <a:rPr lang="de-DE" altLang="de-DE" u="sng" dirty="0"/>
+              <a:t>nicht</a:t>
+            </a:r>
+            <a:r>
+              <a:rPr lang="de-DE" altLang="de-DE" dirty="0"/>
+              <a:t> gelöscht</a:t>
             </a:r>
           </a:p>
           <a:p>
@@ -39255,6 +39307,14 @@
             </a:r>
           </a:p>
           <a:p>
+            <a:pPr marL="0" indent="0">
+              <a:buNone/>
+            </a:pPr>
+            <a:endParaRPr lang="de-DE" altLang="de-DE" dirty="0">
+              <a:latin typeface="Consolas" panose="020B0609020204030204" pitchFamily="49" charset="0"/>
+            </a:endParaRPr>
+          </a:p>
+          <a:p>
             <a:r>
               <a:rPr lang="de-DE" altLang="de-DE" dirty="0">
                 <a:latin typeface="Consolas" panose="020B0609020204030204" pitchFamily="49" charset="0"/>
@@ -39497,6 +39557,14 @@
             </a:r>
           </a:p>
           <a:p>
+            <a:pPr marL="0" indent="0">
+              <a:buNone/>
+            </a:pPr>
+            <a:endParaRPr lang="de-DE" altLang="de-DE" dirty="0">
+              <a:latin typeface="Consolas" panose="020B0609020204030204" pitchFamily="49" charset="0"/>
+            </a:endParaRPr>
+          </a:p>
+          <a:p>
             <a:r>
               <a:rPr lang="de-DE" altLang="de-DE" dirty="0"/>
               <a:t>Macht Änderungen der angegebenen </a:t>
@@ -39516,7 +39584,7 @@
               <a:t>Nutzt für jeden zurückgesetzten Commit </a:t>
             </a:r>
             <a:r>
-              <a:rPr lang="de-DE" altLang="de-DE" i="1" dirty="0"/>
+              <a:rPr lang="de-DE" altLang="de-DE" u="sng" dirty="0"/>
               <a:t>neuen</a:t>
             </a:r>
             <a:r>
@@ -39527,7 +39595,11 @@
           <a:p>
             <a:r>
               <a:rPr lang="de-DE" altLang="de-DE" dirty="0"/>
-              <a:t>Verändert zurückliegende Commit Historie nicht</a:t>
+              <a:t>Verändert zurückliegende Commit Historie </a:t>
+            </a:r>
+            <a:r>
+              <a:rPr lang="de-DE" altLang="de-DE" u="sng" dirty="0"/>
+              <a:t>nicht</a:t>
             </a:r>
           </a:p>
           <a:p>
@@ -41216,14 +41288,14 @@
             </a:r>
             <a:r>
               <a:rPr lang="de-DE" altLang="de-DE" dirty="0"/>
-              <a:t> Versions System, 1990 (seit 2008 keine Weiterentwicklung)</a:t>
+              <a:t> Versions System (CVS), 1990 (seit 2008 keine Weiterentwicklung)</a:t>
             </a:r>
           </a:p>
           <a:p>
             <a:pPr lvl="1"/>
             <a:r>
               <a:rPr lang="de-DE" altLang="de-DE" dirty="0"/>
-              <a:t>Apache Subversion, 2000</a:t>
+              <a:t>Apache Subversion (SVN), 2000</a:t>
             </a:r>
           </a:p>
         </p:txBody>

--- a/slides/Tag-1_2-Git.pptx
+++ b/slides/Tag-1_2-Git.pptx
@@ -17225,101 +17225,8 @@
               </a:rPr>
               <a:t> file1.txt</a:t>
             </a:r>
-          </a:p>
-          <a:p>
-            <a:pPr marL="457200" indent="-457200">
-              <a:buFont typeface="+mj-lt"/>
-              <a:buAutoNum type="arabicPeriod"/>
-            </a:pPr>
-            <a:r>
-              <a:rPr lang="en-US" altLang="de-DE" sz="1400" dirty="0">
-                <a:latin typeface="Consolas" panose="020B0609020204030204" pitchFamily="49" charset="0"/>
-              </a:rPr>
-              <a:t>$ git status</a:t>
-            </a:r>
             <a:br>
-              <a:rPr lang="en-US" altLang="de-DE" sz="1400" dirty="0">
-                <a:latin typeface="Consolas" panose="020B0609020204030204" pitchFamily="49" charset="0"/>
-              </a:rPr>
-            </a:br>
-            <a:r>
-              <a:rPr lang="en-US" altLang="de-DE" sz="1400" dirty="0">
-                <a:latin typeface="Consolas" panose="020B0609020204030204" pitchFamily="49" charset="0"/>
-              </a:rPr>
-              <a:t>On branch main</a:t>
-            </a:r>
-            <a:br>
-              <a:rPr lang="en-US" altLang="de-DE" sz="1400" dirty="0">
-                <a:latin typeface="Consolas" panose="020B0609020204030204" pitchFamily="49" charset="0"/>
-              </a:rPr>
-            </a:br>
-            <a:br>
-              <a:rPr lang="en-US" altLang="de-DE" sz="1400" dirty="0">
-                <a:latin typeface="Consolas" panose="020B0609020204030204" pitchFamily="49" charset="0"/>
-              </a:rPr>
-            </a:br>
-            <a:r>
-              <a:rPr lang="en-US" altLang="de-DE" sz="1400" dirty="0">
-                <a:latin typeface="Consolas" panose="020B0609020204030204" pitchFamily="49" charset="0"/>
-              </a:rPr>
-              <a:t>No commits yet</a:t>
-            </a:r>
-            <a:br>
-              <a:rPr lang="en-US" altLang="de-DE" sz="1400" dirty="0">
-                <a:latin typeface="Consolas" panose="020B0609020204030204" pitchFamily="49" charset="0"/>
-              </a:rPr>
-            </a:br>
-            <a:br>
-              <a:rPr lang="en-US" altLang="de-DE" sz="1400" dirty="0">
-                <a:latin typeface="Consolas" panose="020B0609020204030204" pitchFamily="49" charset="0"/>
-              </a:rPr>
-            </a:br>
-            <a:r>
-              <a:rPr lang="en-US" altLang="de-DE" sz="1400" dirty="0">
-                <a:latin typeface="Consolas" panose="020B0609020204030204" pitchFamily="49" charset="0"/>
-              </a:rPr>
-              <a:t>Untracked files:</a:t>
-            </a:r>
-            <a:br>
-              <a:rPr lang="en-US" altLang="de-DE" sz="1400" dirty="0">
-                <a:latin typeface="Consolas" panose="020B0609020204030204" pitchFamily="49" charset="0"/>
-              </a:rPr>
-            </a:br>
-            <a:r>
-              <a:rPr lang="en-US" altLang="de-DE" sz="1400" dirty="0">
-                <a:latin typeface="Consolas" panose="020B0609020204030204" pitchFamily="49" charset="0"/>
-              </a:rPr>
-              <a:t>  (use "git add &lt;file&gt;..." to include in what will be committed) </a:t>
-            </a:r>
-            <a:br>
-              <a:rPr lang="en-US" altLang="de-DE" sz="1400" dirty="0">
-                <a:latin typeface="Consolas" panose="020B0609020204030204" pitchFamily="49" charset="0"/>
-              </a:rPr>
-            </a:br>
-            <a:r>
-              <a:rPr lang="en-US" altLang="de-DE" sz="1400" dirty="0">
-                <a:latin typeface="Consolas" panose="020B0609020204030204" pitchFamily="49" charset="0"/>
-              </a:rPr>
-              <a:t>       file1.txt</a:t>
-            </a:r>
-            <a:br>
-              <a:rPr lang="en-US" altLang="de-DE" sz="1400" dirty="0">
-                <a:latin typeface="Consolas" panose="020B0609020204030204" pitchFamily="49" charset="0"/>
-              </a:rPr>
-            </a:br>
-            <a:br>
-              <a:rPr lang="en-US" altLang="de-DE" sz="1400" dirty="0">
-                <a:latin typeface="Consolas" panose="020B0609020204030204" pitchFamily="49" charset="0"/>
-              </a:rPr>
-            </a:br>
-            <a:r>
-              <a:rPr lang="en-US" altLang="de-DE" sz="1400" dirty="0">
-                <a:latin typeface="Consolas" panose="020B0609020204030204" pitchFamily="49" charset="0"/>
-              </a:rPr>
-              <a:t>nothing added to commit but untracked files present (use "git add" to track)</a:t>
-            </a:r>
-            <a:br>
-              <a:rPr lang="en-US" altLang="de-DE" sz="1400" dirty="0">
+              <a:rPr lang="de-DE" altLang="de-DE" sz="1400" dirty="0">
                 <a:latin typeface="Consolas" panose="020B0609020204030204" pitchFamily="49" charset="0"/>
               </a:rPr>
             </a:br>
@@ -17333,6 +17240,107 @@
               <a:buAutoNum type="arabicPeriod"/>
             </a:pPr>
             <a:r>
+              <a:rPr lang="en-US" altLang="de-DE" sz="1400" dirty="0">
+                <a:latin typeface="Consolas" panose="020B0609020204030204" pitchFamily="49" charset="0"/>
+              </a:rPr>
+              <a:t>$ git status</a:t>
+            </a:r>
+            <a:br>
+              <a:rPr lang="en-US" altLang="de-DE" sz="1400" dirty="0">
+                <a:latin typeface="Consolas" panose="020B0609020204030204" pitchFamily="49" charset="0"/>
+              </a:rPr>
+            </a:br>
+            <a:r>
+              <a:rPr lang="en-US" altLang="de-DE" sz="1400" dirty="0">
+                <a:latin typeface="Consolas" panose="020B0609020204030204" pitchFamily="49" charset="0"/>
+              </a:rPr>
+              <a:t>On branch main</a:t>
+            </a:r>
+            <a:br>
+              <a:rPr lang="en-US" altLang="de-DE" sz="1400" dirty="0">
+                <a:latin typeface="Consolas" panose="020B0609020204030204" pitchFamily="49" charset="0"/>
+              </a:rPr>
+            </a:br>
+            <a:br>
+              <a:rPr lang="en-US" altLang="de-DE" sz="1400" dirty="0">
+                <a:latin typeface="Consolas" panose="020B0609020204030204" pitchFamily="49" charset="0"/>
+              </a:rPr>
+            </a:br>
+            <a:r>
+              <a:rPr lang="en-US" altLang="de-DE" sz="1400" dirty="0">
+                <a:latin typeface="Consolas" panose="020B0609020204030204" pitchFamily="49" charset="0"/>
+              </a:rPr>
+              <a:t>No commits yet</a:t>
+            </a:r>
+            <a:br>
+              <a:rPr lang="en-US" altLang="de-DE" sz="1400" dirty="0">
+                <a:latin typeface="Consolas" panose="020B0609020204030204" pitchFamily="49" charset="0"/>
+              </a:rPr>
+            </a:br>
+            <a:br>
+              <a:rPr lang="en-US" altLang="de-DE" sz="1400" dirty="0">
+                <a:latin typeface="Consolas" panose="020B0609020204030204" pitchFamily="49" charset="0"/>
+              </a:rPr>
+            </a:br>
+            <a:r>
+              <a:rPr lang="en-US" altLang="de-DE" sz="1400" dirty="0">
+                <a:latin typeface="Consolas" panose="020B0609020204030204" pitchFamily="49" charset="0"/>
+              </a:rPr>
+              <a:t>Untracked files:</a:t>
+            </a:r>
+            <a:br>
+              <a:rPr lang="en-US" altLang="de-DE" sz="1400" dirty="0">
+                <a:latin typeface="Consolas" panose="020B0609020204030204" pitchFamily="49" charset="0"/>
+              </a:rPr>
+            </a:br>
+            <a:r>
+              <a:rPr lang="en-US" altLang="de-DE" sz="1400" dirty="0">
+                <a:latin typeface="Consolas" panose="020B0609020204030204" pitchFamily="49" charset="0"/>
+              </a:rPr>
+              <a:t>  (use "git add &lt;file&gt;..." to include in what will be committed) </a:t>
+            </a:r>
+            <a:br>
+              <a:rPr lang="en-US" altLang="de-DE" sz="1400" dirty="0">
+                <a:latin typeface="Consolas" panose="020B0609020204030204" pitchFamily="49" charset="0"/>
+              </a:rPr>
+            </a:br>
+            <a:r>
+              <a:rPr lang="en-US" altLang="de-DE" sz="1400" dirty="0">
+                <a:latin typeface="Consolas" panose="020B0609020204030204" pitchFamily="49" charset="0"/>
+              </a:rPr>
+              <a:t>       file1.txt</a:t>
+            </a:r>
+            <a:br>
+              <a:rPr lang="en-US" altLang="de-DE" sz="1400" dirty="0">
+                <a:latin typeface="Consolas" panose="020B0609020204030204" pitchFamily="49" charset="0"/>
+              </a:rPr>
+            </a:br>
+            <a:br>
+              <a:rPr lang="en-US" altLang="de-DE" sz="1400" dirty="0">
+                <a:latin typeface="Consolas" panose="020B0609020204030204" pitchFamily="49" charset="0"/>
+              </a:rPr>
+            </a:br>
+            <a:r>
+              <a:rPr lang="en-US" altLang="de-DE" sz="1400" dirty="0">
+                <a:latin typeface="Consolas" panose="020B0609020204030204" pitchFamily="49" charset="0"/>
+              </a:rPr>
+              <a:t>nothing added to commit but untracked files present (use "git add" to track)</a:t>
+            </a:r>
+            <a:br>
+              <a:rPr lang="en-US" altLang="de-DE" sz="1400" dirty="0">
+                <a:latin typeface="Consolas" panose="020B0609020204030204" pitchFamily="49" charset="0"/>
+              </a:rPr>
+            </a:br>
+            <a:endParaRPr lang="de-DE" altLang="de-DE" sz="1400" dirty="0">
+              <a:latin typeface="Consolas" panose="020B0609020204030204" pitchFamily="49" charset="0"/>
+            </a:endParaRPr>
+          </a:p>
+          <a:p>
+            <a:pPr marL="457200" indent="-457200">
+              <a:buFont typeface="+mj-lt"/>
+              <a:buAutoNum type="arabicPeriod"/>
+            </a:pPr>
+            <a:r>
               <a:rPr lang="de-DE" altLang="de-DE" sz="1400" dirty="0">
                 <a:latin typeface="Consolas" panose="020B0609020204030204" pitchFamily="49" charset="0"/>
               </a:rPr>
@@ -17362,6 +17370,11 @@
               </a:rPr>
               <a:t> file1.txt</a:t>
             </a:r>
+            <a:br>
+              <a:rPr lang="de-DE" altLang="de-DE" sz="1400" dirty="0">
+                <a:latin typeface="Consolas" panose="020B0609020204030204" pitchFamily="49" charset="0"/>
+              </a:rPr>
+            </a:br>
             <a:br>
               <a:rPr lang="de-DE" altLang="de-DE" sz="1400" dirty="0">
                 <a:latin typeface="Consolas" panose="020B0609020204030204" pitchFamily="49" charset="0"/>

--- a/slides/Tag-1_2-Git.pptx
+++ b/slides/Tag-1_2-Git.pptx
@@ -2346,7 +2346,7 @@
               <a:pPr algn="ctr">
                 <a:defRPr/>
               </a:pPr>
-              <a:t>13.06.2024</a:t>
+              <a:t>14.06.2024</a:t>
             </a:fld>
             <a:endParaRPr lang="de-DE" sz="1000" dirty="0">
               <a:solidFill>
@@ -4516,7 +4516,7 @@
               <a:pPr algn="ctr">
                 <a:defRPr/>
               </a:pPr>
-              <a:t>13.06.2024</a:t>
+              <a:t>14.06.2024</a:t>
             </a:fld>
             <a:endParaRPr lang="de-DE" sz="1000" dirty="0">
               <a:solidFill>
@@ -4886,53 +4886,6 @@
       </p:sp>
       <p:sp>
         <p:nvSpPr>
-          <p:cNvPr id="1063" name="Rectangle 39">
-            <a:hlinkClick r:id="rId4"/>
-            <a:extLst>
-              <a:ext uri="{FF2B5EF4-FFF2-40B4-BE49-F238E27FC236}">
-                <a16:creationId xmlns:a16="http://schemas.microsoft.com/office/drawing/2014/main" id="{613611E0-DAA0-F230-CD0B-8592F1472163}"/>
-              </a:ext>
-            </a:extLst>
-          </p:cNvPr>
-          <p:cNvSpPr>
-            <a:spLocks noChangeArrowheads="1"/>
-          </p:cNvSpPr>
-          <p:nvPr userDrawn="1"/>
-        </p:nvSpPr>
-        <p:spPr bwMode="auto">
-          <a:xfrm>
-            <a:off x="3914775" y="3105150"/>
-            <a:ext cx="9144000" cy="461963"/>
-          </a:xfrm>
-          <a:prstGeom prst="rect">
-            <a:avLst/>
-          </a:prstGeom>
-          <a:noFill/>
-          <a:ln w="12700">
-            <a:noFill/>
-            <a:miter lim="800000"/>
-            <a:headEnd type="none" w="sm" len="sm"/>
-            <a:tailEnd type="none" w="sm" len="sm"/>
-          </a:ln>
-          <a:effectLst/>
-        </p:spPr>
-        <p:txBody>
-          <a:bodyPr>
-            <a:spAutoFit/>
-          </a:bodyPr>
-          <a:lstStyle/>
-          <a:p>
-            <a:pPr>
-              <a:defRPr/>
-            </a:pPr>
-            <a:endParaRPr lang="de-DE" dirty="0">
-              <a:latin typeface="Arial" pitchFamily="34" charset="0"/>
-            </a:endParaRPr>
-          </a:p>
-        </p:txBody>
-      </p:sp>
-      <p:sp>
-        <p:nvSpPr>
           <p:cNvPr id="1064" name="Rectangle 40">
             <a:extLst>
               <a:ext uri="{FF2B5EF4-FFF2-40B4-BE49-F238E27FC236}">
@@ -5138,7 +5091,7 @@
           <p:nvPr userDrawn="1"/>
         </p:nvPicPr>
         <p:blipFill>
-          <a:blip r:embed="rId5">
+          <a:blip r:embed="rId4">
             <a:extLst>
               <a:ext uri="{28A0092B-C50C-407E-A947-70E740481C1C}">
                 <a14:useLocalDpi xmlns:a14="http://schemas.microsoft.com/office/drawing/2010/main" val="0"/>
@@ -5198,7 +5151,7 @@
           <p:nvPr userDrawn="1"/>
         </p:nvPicPr>
         <p:blipFill>
-          <a:blip r:embed="rId6">
+          <a:blip r:embed="rId5">
             <a:extLst>
               <a:ext uri="{28A0092B-C50C-407E-A947-70E740481C1C}">
                 <a14:useLocalDpi xmlns:a14="http://schemas.microsoft.com/office/drawing/2010/main" val="0"/>
@@ -5322,7 +5275,7 @@
           <p:nvPr userDrawn="1"/>
         </p:nvPicPr>
         <p:blipFill>
-          <a:blip r:embed="rId7">
+          <a:blip r:embed="rId6">
             <a:extLst>
               <a:ext uri="{28A0092B-C50C-407E-A947-70E740481C1C}">
                 <a14:useLocalDpi xmlns:a14="http://schemas.microsoft.com/office/drawing/2010/main" val="0"/>
@@ -5998,7 +5951,7 @@
               <a:pPr algn="ctr">
                 <a:defRPr/>
               </a:pPr>
-              <a:t>13.06.2024</a:t>
+              <a:t>14.06.2024</a:t>
             </a:fld>
             <a:endParaRPr lang="de-DE" sz="1000">
               <a:solidFill>
@@ -6368,53 +6321,6 @@
       </p:sp>
       <p:sp>
         <p:nvSpPr>
-          <p:cNvPr id="1063" name="Rectangle 39">
-            <a:hlinkClick r:id="rId4"/>
-            <a:extLst>
-              <a:ext uri="{FF2B5EF4-FFF2-40B4-BE49-F238E27FC236}">
-                <a16:creationId xmlns:a16="http://schemas.microsoft.com/office/drawing/2014/main" id="{613611E0-DAA0-F230-CD0B-8592F1472163}"/>
-              </a:ext>
-            </a:extLst>
-          </p:cNvPr>
-          <p:cNvSpPr>
-            <a:spLocks noChangeArrowheads="1"/>
-          </p:cNvSpPr>
-          <p:nvPr userDrawn="1"/>
-        </p:nvSpPr>
-        <p:spPr bwMode="auto">
-          <a:xfrm>
-            <a:off x="3914775" y="3105150"/>
-            <a:ext cx="9144000" cy="461963"/>
-          </a:xfrm>
-          <a:prstGeom prst="rect">
-            <a:avLst/>
-          </a:prstGeom>
-          <a:noFill/>
-          <a:ln w="12700">
-            <a:noFill/>
-            <a:miter lim="800000"/>
-            <a:headEnd type="none" w="sm" len="sm"/>
-            <a:tailEnd type="none" w="sm" len="sm"/>
-          </a:ln>
-          <a:effectLst/>
-        </p:spPr>
-        <p:txBody>
-          <a:bodyPr>
-            <a:spAutoFit/>
-          </a:bodyPr>
-          <a:lstStyle/>
-          <a:p>
-            <a:pPr>
-              <a:defRPr/>
-            </a:pPr>
-            <a:endParaRPr lang="de-DE" dirty="0">
-              <a:latin typeface="Arial" pitchFamily="34" charset="0"/>
-            </a:endParaRPr>
-          </a:p>
-        </p:txBody>
-      </p:sp>
-      <p:sp>
-        <p:nvSpPr>
           <p:cNvPr id="1064" name="Rectangle 40">
             <a:extLst>
               <a:ext uri="{FF2B5EF4-FFF2-40B4-BE49-F238E27FC236}">
@@ -6620,7 +6526,7 @@
           <p:nvPr userDrawn="1"/>
         </p:nvPicPr>
         <p:blipFill>
-          <a:blip r:embed="rId5">
+          <a:blip r:embed="rId4">
             <a:extLst>
               <a:ext uri="{28A0092B-C50C-407E-A947-70E740481C1C}">
                 <a14:useLocalDpi xmlns:a14="http://schemas.microsoft.com/office/drawing/2010/main" val="0"/>
@@ -6680,7 +6586,7 @@
           <p:nvPr userDrawn="1"/>
         </p:nvPicPr>
         <p:blipFill>
-          <a:blip r:embed="rId6">
+          <a:blip r:embed="rId5">
             <a:extLst>
               <a:ext uri="{28A0092B-C50C-407E-A947-70E740481C1C}">
                 <a14:useLocalDpi xmlns:a14="http://schemas.microsoft.com/office/drawing/2010/main" val="0"/>
@@ -6804,7 +6710,7 @@
           <p:nvPr userDrawn="1"/>
         </p:nvPicPr>
         <p:blipFill>
-          <a:blip r:embed="rId7">
+          <a:blip r:embed="rId6">
             <a:extLst>
               <a:ext uri="{28A0092B-C50C-407E-A947-70E740481C1C}">
                 <a14:useLocalDpi xmlns:a14="http://schemas.microsoft.com/office/drawing/2010/main" val="0"/>

--- a/slides/Tag-1_2-Git.pptx
+++ b/slides/Tag-1_2-Git.pptx
@@ -2346,7 +2346,7 @@
               <a:pPr algn="ctr">
                 <a:defRPr/>
               </a:pPr>
-              <a:t>14.06.2024</a:t>
+              <a:t>17.06.2024</a:t>
             </a:fld>
             <a:endParaRPr lang="de-DE" sz="1000" dirty="0">
               <a:solidFill>
@@ -4516,7 +4516,7 @@
               <a:pPr algn="ctr">
                 <a:defRPr/>
               </a:pPr>
-              <a:t>14.06.2024</a:t>
+              <a:t>17.06.2024</a:t>
             </a:fld>
             <a:endParaRPr lang="de-DE" sz="1000" dirty="0">
               <a:solidFill>
@@ -5951,7 +5951,7 @@
               <a:pPr algn="ctr">
                 <a:defRPr/>
               </a:pPr>
-              <a:t>14.06.2024</a:t>
+              <a:t>17.06.2024</a:t>
             </a:fld>
             <a:endParaRPr lang="de-DE" sz="1000">
               <a:solidFill>
@@ -7647,12 +7647,6 @@
             </a:r>
           </a:p>
           <a:p>
-            <a:r>
-              <a:rPr lang="de-DE" altLang="de-DE" dirty="0"/>
-              <a:t>Server gibt Überblick über das Projekt</a:t>
-            </a:r>
-          </a:p>
-          <a:p>
             <a:pPr marL="0" indent="0">
               <a:buNone/>
             </a:pPr>
@@ -7865,13 +7859,13 @@
           <a:p>
             <a:pPr lvl="1"/>
             <a:r>
-              <a:rPr lang="de-DE" altLang="de-DE" dirty="0" err="1">
+              <a:rPr lang="de-DE" altLang="de-DE" b="1" dirty="0" err="1">
                 <a:sym typeface="Wingdings" panose="05000000000000000000" pitchFamily="2" charset="2"/>
               </a:rPr>
               <a:t>Git</a:t>
             </a:r>
             <a:r>
-              <a:rPr lang="de-DE" altLang="de-DE" dirty="0">
+              <a:rPr lang="de-DE" altLang="de-DE" b="1" dirty="0">
                 <a:sym typeface="Wingdings" panose="05000000000000000000" pitchFamily="2" charset="2"/>
               </a:rPr>
               <a:t>, 2005</a:t>
@@ -8462,7 +8456,7 @@
           <a:p>
             <a:r>
               <a:rPr lang="de-DE" altLang="de-DE" dirty="0"/>
-              <a:t>Vielzahl von GUI-Applikationen und </a:t>
+              <a:t>Vielzahl von GUIs und </a:t>
             </a:r>
             <a:br>
               <a:rPr lang="de-DE" altLang="de-DE" dirty="0"/>
@@ -9950,7 +9944,7 @@
           <a:p>
             <a:r>
               <a:rPr lang="de-DE" altLang="de-DE" dirty="0"/>
-              <a:t>Nachfolgende Level überschreiben vorheriges Level</a:t>
+              <a:t>Nachfolgende Level überschreiben vorherige</a:t>
             </a:r>
           </a:p>
           <a:p>
@@ -10140,7 +10134,7 @@
             </a:r>
             <a:r>
               <a:rPr lang="de-DE" altLang="de-DE" dirty="0"/>
-              <a:t> bei jeder Änderung beifügt </a:t>
+              <a:t> jedem Commit beifügt </a:t>
             </a:r>
           </a:p>
           <a:p>
@@ -11198,7 +11192,7 @@
             </a:r>
             <a:r>
               <a:rPr lang="de-DE" altLang="de-DE" dirty="0"/>
-              <a:t> wird angelegt, indem sich das </a:t>
+              <a:t> wird angelegt, in welchem sich das </a:t>
             </a:r>
             <a:r>
               <a:rPr lang="de-DE" altLang="de-DE" i="1" dirty="0"/>
@@ -12522,7 +12516,15 @@
           <a:p>
             <a:r>
               <a:rPr lang="de-DE" altLang="de-DE" dirty="0"/>
-              <a:t>Dateien müssen explizit zur Versionierung mit </a:t>
+              <a:t>Dateien müssen </a:t>
+            </a:r>
+            <a:r>
+              <a:rPr lang="de-DE" altLang="de-DE" u="sng" dirty="0"/>
+              <a:t>explizit</a:t>
+            </a:r>
+            <a:r>
+              <a:rPr lang="de-DE" altLang="de-DE" dirty="0"/>
+              <a:t> zur Versionierung mit </a:t>
             </a:r>
             <a:r>
               <a:rPr lang="de-DE" altLang="de-DE" dirty="0" err="1"/>
@@ -12663,7 +12665,7 @@
             </a:pPr>
             <a:r>
               <a:rPr lang="de-DE" altLang="de-DE" dirty="0"/>
-              <a:t>Erstellen Sie einen Ordner </a:t>
+              <a:t>Erstellen Sie einen neuen Ordner </a:t>
             </a:r>
             <a:r>
               <a:rPr lang="de-DE" altLang="de-DE" dirty="0" err="1">
@@ -12676,7 +12678,7 @@
             <a:r>
               <a:rPr lang="de-DE" altLang="de-DE" dirty="0">
                 <a:solidFill>
-                  <a:srgbClr val="006A42"/>
+                  <a:srgbClr val="C00000"/>
                 </a:solidFill>
               </a:rPr>
               <a:t> </a:t>
@@ -15852,7 +15854,7 @@
           <a:p>
             <a:r>
               <a:rPr lang="de-DE" altLang="de-DE" dirty="0"/>
-              <a:t>Commit Message sollte kurze aber aussagekräftige Auskunft geben</a:t>
+              <a:t>Commit Message sollte kurze, aber aussagekräftige Auskunft geben</a:t>
             </a:r>
           </a:p>
         </p:txBody>
@@ -16979,7 +16981,19 @@
             </a:pPr>
             <a:r>
               <a:rPr lang="de-DE" altLang="de-DE" dirty="0"/>
-              <a:t>Erstellen Sie einen zweiten Commit, um die Änderungen an </a:t>
+              <a:t>Erstellen Sie einen zweiten </a:t>
+            </a:r>
+            <a:r>
+              <a:rPr lang="de-DE" altLang="de-DE" dirty="0">
+                <a:solidFill>
+                  <a:srgbClr val="C00000"/>
+                </a:solidFill>
+              </a:rPr>
+              <a:t>Commit</a:t>
+            </a:r>
+            <a:r>
+              <a:rPr lang="de-DE" altLang="de-DE" dirty="0"/>
+              <a:t>, um die Änderungen an </a:t>
             </a:r>
             <a:r>
               <a:rPr lang="de-DE" altLang="de-DE" dirty="0">
@@ -34908,7 +34922,7 @@
           <a:p>
             <a:r>
               <a:rPr lang="de-DE" altLang="de-DE" dirty="0"/>
-              <a:t>Verwendung heutzutage in Büroanwendungen</a:t>
+              <a:t>Verwendung heutzutage vorwiegend in Büroanwendungen</a:t>
             </a:r>
           </a:p>
         </p:txBody>
@@ -41178,7 +41192,7 @@
           <a:p>
             <a:r>
               <a:rPr lang="de-DE" altLang="de-DE" dirty="0"/>
-              <a:t>Client-Server Struktur</a:t>
+              <a:t>Client-Server Architektur</a:t>
             </a:r>
           </a:p>
           <a:p>

--- a/slides/Tag-1_2-Git.pptx
+++ b/slides/Tag-1_2-Git.pptx
@@ -15,8 +15,8 @@
   </p:handoutMasterIdLst>
   <p:sldIdLst>
     <p:sldId id="604" r:id="rId5"/>
-    <p:sldId id="606" r:id="rId6"/>
-    <p:sldId id="607" r:id="rId7"/>
+    <p:sldId id="619" r:id="rId6"/>
+    <p:sldId id="620" r:id="rId7"/>
     <p:sldId id="287" r:id="rId8"/>
     <p:sldId id="596" r:id="rId9"/>
     <p:sldId id="303" r:id="rId10"/>
@@ -2346,7 +2346,7 @@
               <a:pPr algn="ctr">
                 <a:defRPr/>
               </a:pPr>
-              <a:t>17.06.2024</a:t>
+              <a:t>18.06.2024</a:t>
             </a:fld>
             <a:endParaRPr lang="de-DE" sz="1000" dirty="0">
               <a:solidFill>
@@ -2709,7 +2709,7 @@
                 </a:solidFill>
                 <a:latin typeface="Arial" charset="0"/>
               </a:rPr>
-              <a:t>Daniel Krämer &amp; Malte Fischer</a:t>
+              <a:t>Daniel Krämer</a:t>
             </a:r>
           </a:p>
         </p:txBody>
@@ -4516,7 +4516,7 @@
               <a:pPr algn="ctr">
                 <a:defRPr/>
               </a:pPr>
-              <a:t>17.06.2024</a:t>
+              <a:t>18.06.2024</a:t>
             </a:fld>
             <a:endParaRPr lang="de-DE" sz="1000" dirty="0">
               <a:solidFill>
@@ -4879,7 +4879,7 @@
                 </a:solidFill>
                 <a:latin typeface="Arial" charset="0"/>
               </a:rPr>
-              <a:t>Daniel Krämer &amp; Malte Fischer</a:t>
+              <a:t>Daniel Krämer</a:t>
             </a:r>
           </a:p>
         </p:txBody>
@@ -5951,7 +5951,7 @@
               <a:pPr algn="ctr">
                 <a:defRPr/>
               </a:pPr>
-              <a:t>17.06.2024</a:t>
+              <a:t>18.06.2024</a:t>
             </a:fld>
             <a:endParaRPr lang="de-DE" sz="1000">
               <a:solidFill>
@@ -6314,7 +6314,7 @@
                 </a:solidFill>
                 <a:latin typeface="Arial" charset="0"/>
               </a:rPr>
-              <a:t>Daniel Krämer &amp; Malte Fischer</a:t>
+              <a:t>Daniel Krämer</a:t>
             </a:r>
           </a:p>
         </p:txBody>
@@ -7304,18 +7304,7 @@
               <a:rPr lang="de-DE" altLang="de-DE" sz="3200" dirty="0" err="1"/>
               <a:t>GitLab</a:t>
             </a:r>
-            <a:r>
-              <a:rPr lang="de-DE" altLang="de-DE" sz="3200" dirty="0"/>
-              <a:t>, </a:t>
-            </a:r>
-            <a:r>
-              <a:rPr lang="de-DE" altLang="de-DE" sz="3200" dirty="0" err="1"/>
-              <a:t>Git</a:t>
-            </a:r>
-            <a:r>
-              <a:rPr lang="de-DE" altLang="de-DE" sz="3200" dirty="0"/>
-              <a:t>-Workflow im Team</a:t>
-            </a:r>
+            <a:endParaRPr lang="de-DE" altLang="de-DE" sz="3200" dirty="0"/>
           </a:p>
         </p:txBody>
       </p:sp>
@@ -7374,7 +7363,7 @@
             </a:pPr>
             <a:r>
               <a:rPr lang="de-DE" altLang="de-DE" sz="1600" dirty="0"/>
-              <a:t>17.06.2024, Daniel Krämer &amp; Malte Fischer</a:t>
+              <a:t>17.06.2024, Daniel Krämer</a:t>
             </a:r>
           </a:p>
         </p:txBody>
@@ -10290,18 +10279,7 @@
               <a:rPr lang="de-DE" altLang="de-DE" sz="1800" b="1" dirty="0" err="1"/>
               <a:t>GitLab</a:t>
             </a:r>
-            <a:r>
-              <a:rPr lang="de-DE" altLang="de-DE" sz="1800" b="1" dirty="0"/>
-              <a:t>, </a:t>
-            </a:r>
-            <a:r>
-              <a:rPr lang="de-DE" altLang="de-DE" sz="1800" b="1" dirty="0" err="1"/>
-              <a:t>Git</a:t>
-            </a:r>
-            <a:r>
-              <a:rPr lang="de-DE" altLang="de-DE" sz="1800" b="1" dirty="0"/>
-              <a:t>-Workflow im Team</a:t>
-            </a:r>
+            <a:endParaRPr lang="de-DE" altLang="de-DE" sz="1800" b="1" dirty="0"/>
           </a:p>
           <a:p>
             <a:pPr lvl="1">
@@ -10388,6 +10366,32 @@
             <a:endParaRPr lang="de-DE" altLang="de-DE" sz="1400" dirty="0"/>
           </a:p>
           <a:p>
+            <a:pPr>
+              <a:buFont typeface="Arial" panose="020B0604020202020204" pitchFamily="34" charset="0"/>
+              <a:buChar char="•"/>
+            </a:pPr>
+            <a:r>
+              <a:rPr lang="de-DE" altLang="de-DE" sz="1800" b="1" dirty="0"/>
+              <a:t>Tag 2 – </a:t>
+            </a:r>
+            <a:r>
+              <a:rPr lang="de-DE" altLang="de-DE" sz="1800" b="1" dirty="0" err="1"/>
+              <a:t>Git</a:t>
+            </a:r>
+            <a:r>
+              <a:rPr lang="de-DE" altLang="de-DE" sz="1800" b="1" dirty="0"/>
+              <a:t>-Workflows, CI/CD, </a:t>
+            </a:r>
+            <a:r>
+              <a:rPr lang="de-DE" altLang="de-DE" sz="1800" b="1" dirty="0" err="1"/>
+              <a:t>GitLab</a:t>
+            </a:r>
+            <a:r>
+              <a:rPr lang="de-DE" altLang="de-DE" sz="1800" b="1" dirty="0"/>
+              <a:t> CI </a:t>
+            </a:r>
+          </a:p>
+          <a:p>
             <a:pPr lvl="1">
               <a:buFont typeface="Arial" panose="020B0604020202020204" pitchFamily="34" charset="0"/>
               <a:buChar char="•"/>
@@ -10402,29 +10406,90 @@
             </a:r>
           </a:p>
           <a:p>
+            <a:pPr lvl="1">
+              <a:buFont typeface="Arial" panose="020B0604020202020204" pitchFamily="34" charset="0"/>
+              <a:buChar char="•"/>
+            </a:pPr>
+            <a:r>
+              <a:rPr lang="de-DE" altLang="de-DE" sz="1400" dirty="0" err="1"/>
+              <a:t>Gitflow</a:t>
+            </a:r>
+            <a:r>
+              <a:rPr lang="de-DE" altLang="de-DE" sz="1400" dirty="0"/>
+              <a:t>-Workflow</a:t>
+            </a:r>
+          </a:p>
+          <a:p>
+            <a:pPr lvl="1">
+              <a:buFont typeface="Arial" panose="020B0604020202020204" pitchFamily="34" charset="0"/>
+              <a:buChar char="•"/>
+            </a:pPr>
+            <a:r>
+              <a:rPr lang="de-DE" altLang="de-DE" sz="1400" dirty="0"/>
+              <a:t>Tags, Releases &amp; deren Verwaltung</a:t>
+            </a:r>
+          </a:p>
+          <a:p>
+            <a:pPr lvl="1">
+              <a:buFont typeface="Arial" panose="020B0604020202020204" pitchFamily="34" charset="0"/>
+              <a:buChar char="•"/>
+            </a:pPr>
+            <a:r>
+              <a:rPr lang="de-DE" altLang="de-DE" sz="1400" dirty="0"/>
+              <a:t>Einführung in </a:t>
+            </a:r>
+            <a:r>
+              <a:rPr lang="de-DE" altLang="de-DE" sz="1400" dirty="0" err="1"/>
+              <a:t>GitLab</a:t>
+            </a:r>
+            <a:r>
+              <a:rPr lang="de-DE" altLang="de-DE" sz="1400" dirty="0"/>
+              <a:t> CI/CD &amp; </a:t>
+            </a:r>
+            <a:r>
+              <a:rPr lang="de-DE" altLang="de-DE" sz="1400" dirty="0" err="1"/>
+              <a:t>gitlab-ci.yml</a:t>
+            </a:r>
+            <a:endParaRPr lang="de-DE" altLang="de-DE" sz="1400" dirty="0"/>
+          </a:p>
+          <a:p>
+            <a:pPr lvl="1">
+              <a:buFont typeface="Arial" panose="020B0604020202020204" pitchFamily="34" charset="0"/>
+              <a:buChar char="•"/>
+            </a:pPr>
+            <a:r>
+              <a:rPr lang="de-DE" altLang="de-DE" sz="1400" dirty="0" err="1"/>
+              <a:t>GitLab</a:t>
+            </a:r>
+            <a:r>
+              <a:rPr lang="de-DE" altLang="de-DE" sz="1400" dirty="0"/>
+              <a:t> Runner</a:t>
+            </a:r>
+          </a:p>
+          <a:p>
             <a:pPr>
               <a:buFont typeface="Arial" panose="020B0604020202020204" pitchFamily="34" charset="0"/>
               <a:buChar char="•"/>
             </a:pPr>
             <a:r>
               <a:rPr lang="de-DE" altLang="de-DE" sz="1800" b="1" dirty="0"/>
-              <a:t>Tag 2 – Vertiefung </a:t>
+              <a:t>Tag 3 – </a:t>
             </a:r>
             <a:r>
               <a:rPr lang="de-DE" altLang="de-DE" sz="1800" b="1" dirty="0" err="1"/>
-              <a:t>Git</a:t>
+              <a:t>GitOps</a:t>
             </a:r>
             <a:r>
               <a:rPr lang="de-DE" altLang="de-DE" sz="1800" b="1" dirty="0"/>
-              <a:t>-Workflow, CI/CD &amp; </a:t>
+              <a:t>, Docker, </a:t>
             </a:r>
             <a:r>
               <a:rPr lang="de-DE" altLang="de-DE" sz="1800" b="1" dirty="0" err="1"/>
-              <a:t>GitLab</a:t>
+              <a:t>Deployment</a:t>
             </a:r>
             <a:r>
               <a:rPr lang="de-DE" altLang="de-DE" sz="1800" b="1" dirty="0"/>
-              <a:t> CI </a:t>
+              <a:t>-Strategien</a:t>
             </a:r>
           </a:p>
           <a:p>
@@ -10434,11 +10499,11 @@
             </a:pPr>
             <a:r>
               <a:rPr lang="de-DE" altLang="de-DE" sz="1400" dirty="0" err="1"/>
-              <a:t>Gitflow</a:t>
+              <a:t>GitOps</a:t>
             </a:r>
             <a:r>
               <a:rPr lang="de-DE" altLang="de-DE" sz="1400" dirty="0"/>
-              <a:t>-Workflow</a:t>
+              <a:t> Grundlagen</a:t>
             </a:r>
           </a:p>
           <a:p>
@@ -10448,94 +10513,7 @@
             </a:pPr>
             <a:r>
               <a:rPr lang="de-DE" altLang="de-DE" sz="1400" dirty="0"/>
-              <a:t>Tags, Releases &amp; deren Verwaltung</a:t>
-            </a:r>
-          </a:p>
-          <a:p>
-            <a:pPr lvl="1">
-              <a:buFont typeface="Arial" panose="020B0604020202020204" pitchFamily="34" charset="0"/>
-              <a:buChar char="•"/>
-            </a:pPr>
-            <a:r>
-              <a:rPr lang="de-DE" altLang="de-DE" sz="1400" dirty="0" err="1"/>
-              <a:t>GitLab</a:t>
-            </a:r>
-            <a:r>
-              <a:rPr lang="de-DE" altLang="de-DE" sz="1400" dirty="0"/>
-              <a:t>-Runner</a:t>
-            </a:r>
-          </a:p>
-          <a:p>
-            <a:pPr lvl="1">
-              <a:buFont typeface="Arial" panose="020B0604020202020204" pitchFamily="34" charset="0"/>
-              <a:buChar char="•"/>
-            </a:pPr>
-            <a:r>
-              <a:rPr lang="de-DE" altLang="de-DE" sz="1400" dirty="0"/>
-              <a:t>Einführung in </a:t>
-            </a:r>
-            <a:r>
-              <a:rPr lang="de-DE" altLang="de-DE" sz="1400" dirty="0" err="1"/>
-              <a:t>GitLab</a:t>
-            </a:r>
-            <a:r>
-              <a:rPr lang="de-DE" altLang="de-DE" sz="1400" dirty="0"/>
-              <a:t> CI/CD &amp; </a:t>
-            </a:r>
-            <a:r>
-              <a:rPr lang="de-DE" altLang="de-DE" sz="1400" dirty="0" err="1"/>
-              <a:t>gitlab.yml</a:t>
-            </a:r>
-            <a:endParaRPr lang="de-DE" altLang="de-DE" sz="1400" dirty="0"/>
-          </a:p>
-          <a:p>
-            <a:pPr>
-              <a:buFont typeface="Arial" panose="020B0604020202020204" pitchFamily="34" charset="0"/>
-              <a:buChar char="•"/>
-            </a:pPr>
-            <a:r>
-              <a:rPr lang="de-DE" altLang="de-DE" sz="1800" b="1" dirty="0"/>
-              <a:t>Tag 3 – </a:t>
-            </a:r>
-            <a:r>
-              <a:rPr lang="de-DE" altLang="de-DE" sz="1800" b="1" dirty="0" err="1"/>
-              <a:t>GitOps</a:t>
-            </a:r>
-            <a:r>
-              <a:rPr lang="de-DE" altLang="de-DE" sz="1800" b="1" dirty="0"/>
-              <a:t>, Docker in der Entwicklung und </a:t>
-            </a:r>
-            <a:r>
-              <a:rPr lang="de-DE" altLang="de-DE" sz="1800" b="1" dirty="0" err="1"/>
-              <a:t>Deployment</a:t>
-            </a:r>
-            <a:r>
-              <a:rPr lang="de-DE" altLang="de-DE" sz="1800" b="1" dirty="0"/>
-              <a:t>-Strategien</a:t>
-            </a:r>
-          </a:p>
-          <a:p>
-            <a:pPr lvl="1">
-              <a:buFont typeface="Arial" panose="020B0604020202020204" pitchFamily="34" charset="0"/>
-              <a:buChar char="•"/>
-            </a:pPr>
-            <a:r>
-              <a:rPr lang="de-DE" altLang="de-DE" sz="1400" dirty="0" err="1"/>
-              <a:t>GitOps</a:t>
-            </a:r>
-            <a:r>
-              <a:rPr lang="de-DE" altLang="de-DE" sz="1400" dirty="0"/>
-              <a:t> Grundlagen</a:t>
-            </a:r>
-          </a:p>
-          <a:p>
-            <a:pPr lvl="1">
-              <a:buFont typeface="Arial" panose="020B0604020202020204" pitchFamily="34" charset="0"/>
-              <a:buChar char="•"/>
-            </a:pPr>
-            <a:r>
-              <a:rPr lang="de-DE" altLang="de-DE" sz="1400" dirty="0"/>
-              <a:t>Lokale Entwicklung mit Docker</a:t>
+              <a:t>Entwicklung mit Docker</a:t>
             </a:r>
           </a:p>
           <a:p>
@@ -14540,18 +14518,7 @@
               <a:rPr lang="de-DE" altLang="de-DE" sz="1800" b="1" dirty="0" err="1"/>
               <a:t>GitLab</a:t>
             </a:r>
-            <a:r>
-              <a:rPr lang="de-DE" altLang="de-DE" sz="1800" b="1" dirty="0"/>
-              <a:t>, </a:t>
-            </a:r>
-            <a:r>
-              <a:rPr lang="de-DE" altLang="de-DE" sz="1800" b="1" dirty="0" err="1"/>
-              <a:t>Git</a:t>
-            </a:r>
-            <a:r>
-              <a:rPr lang="de-DE" altLang="de-DE" sz="1800" b="1" dirty="0"/>
-              <a:t>-Workflow im Team</a:t>
-            </a:r>
+            <a:endParaRPr lang="de-DE" altLang="de-DE" sz="1800" b="1" dirty="0"/>
           </a:p>
           <a:p>
             <a:pPr lvl="1">
@@ -14638,6 +14605,32 @@
             <a:endParaRPr lang="de-DE" altLang="de-DE" sz="1400" dirty="0"/>
           </a:p>
           <a:p>
+            <a:pPr>
+              <a:buFont typeface="Arial" panose="020B0604020202020204" pitchFamily="34" charset="0"/>
+              <a:buChar char="•"/>
+            </a:pPr>
+            <a:r>
+              <a:rPr lang="de-DE" altLang="de-DE" sz="1800" b="1" dirty="0"/>
+              <a:t>Tag 2 – </a:t>
+            </a:r>
+            <a:r>
+              <a:rPr lang="de-DE" altLang="de-DE" sz="1800" b="1" dirty="0" err="1"/>
+              <a:t>Git</a:t>
+            </a:r>
+            <a:r>
+              <a:rPr lang="de-DE" altLang="de-DE" sz="1800" b="1" dirty="0"/>
+              <a:t>-Workflows, CI/CD, </a:t>
+            </a:r>
+            <a:r>
+              <a:rPr lang="de-DE" altLang="de-DE" sz="1800" b="1" dirty="0" err="1"/>
+              <a:t>GitLab</a:t>
+            </a:r>
+            <a:r>
+              <a:rPr lang="de-DE" altLang="de-DE" sz="1800" b="1" dirty="0"/>
+              <a:t> CI </a:t>
+            </a:r>
+          </a:p>
+          <a:p>
             <a:pPr lvl="1">
               <a:buFont typeface="Arial" panose="020B0604020202020204" pitchFamily="34" charset="0"/>
               <a:buChar char="•"/>
@@ -14652,29 +14645,90 @@
             </a:r>
           </a:p>
           <a:p>
+            <a:pPr lvl="1">
+              <a:buFont typeface="Arial" panose="020B0604020202020204" pitchFamily="34" charset="0"/>
+              <a:buChar char="•"/>
+            </a:pPr>
+            <a:r>
+              <a:rPr lang="de-DE" altLang="de-DE" sz="1400" dirty="0" err="1"/>
+              <a:t>Gitflow</a:t>
+            </a:r>
+            <a:r>
+              <a:rPr lang="de-DE" altLang="de-DE" sz="1400" dirty="0"/>
+              <a:t>-Workflow</a:t>
+            </a:r>
+          </a:p>
+          <a:p>
+            <a:pPr lvl="1">
+              <a:buFont typeface="Arial" panose="020B0604020202020204" pitchFamily="34" charset="0"/>
+              <a:buChar char="•"/>
+            </a:pPr>
+            <a:r>
+              <a:rPr lang="de-DE" altLang="de-DE" sz="1400" dirty="0"/>
+              <a:t>Tags, Releases &amp; deren Verwaltung</a:t>
+            </a:r>
+          </a:p>
+          <a:p>
+            <a:pPr lvl="1">
+              <a:buFont typeface="Arial" panose="020B0604020202020204" pitchFamily="34" charset="0"/>
+              <a:buChar char="•"/>
+            </a:pPr>
+            <a:r>
+              <a:rPr lang="de-DE" altLang="de-DE" sz="1400" dirty="0"/>
+              <a:t>Einführung in </a:t>
+            </a:r>
+            <a:r>
+              <a:rPr lang="de-DE" altLang="de-DE" sz="1400" dirty="0" err="1"/>
+              <a:t>GitLab</a:t>
+            </a:r>
+            <a:r>
+              <a:rPr lang="de-DE" altLang="de-DE" sz="1400" dirty="0"/>
+              <a:t> CI/CD &amp; </a:t>
+            </a:r>
+            <a:r>
+              <a:rPr lang="de-DE" altLang="de-DE" sz="1400" dirty="0" err="1"/>
+              <a:t>gitlab-ci.yml</a:t>
+            </a:r>
+            <a:endParaRPr lang="de-DE" altLang="de-DE" sz="1400" dirty="0"/>
+          </a:p>
+          <a:p>
+            <a:pPr lvl="1">
+              <a:buFont typeface="Arial" panose="020B0604020202020204" pitchFamily="34" charset="0"/>
+              <a:buChar char="•"/>
+            </a:pPr>
+            <a:r>
+              <a:rPr lang="de-DE" altLang="de-DE" sz="1400" dirty="0" err="1"/>
+              <a:t>GitLab</a:t>
+            </a:r>
+            <a:r>
+              <a:rPr lang="de-DE" altLang="de-DE" sz="1400" dirty="0"/>
+              <a:t> Runner</a:t>
+            </a:r>
+          </a:p>
+          <a:p>
             <a:pPr>
               <a:buFont typeface="Arial" panose="020B0604020202020204" pitchFamily="34" charset="0"/>
               <a:buChar char="•"/>
             </a:pPr>
             <a:r>
               <a:rPr lang="de-DE" altLang="de-DE" sz="1800" b="1" dirty="0"/>
-              <a:t>Tag 2 – Vertiefung </a:t>
+              <a:t>Tag 3 – </a:t>
             </a:r>
             <a:r>
               <a:rPr lang="de-DE" altLang="de-DE" sz="1800" b="1" dirty="0" err="1"/>
-              <a:t>Git</a:t>
+              <a:t>GitOps</a:t>
             </a:r>
             <a:r>
               <a:rPr lang="de-DE" altLang="de-DE" sz="1800" b="1" dirty="0"/>
-              <a:t>-Workflow, CI/CD &amp; </a:t>
+              <a:t>, Docker, </a:t>
             </a:r>
             <a:r>
               <a:rPr lang="de-DE" altLang="de-DE" sz="1800" b="1" dirty="0" err="1"/>
-              <a:t>GitLab</a:t>
+              <a:t>Deployment</a:t>
             </a:r>
             <a:r>
               <a:rPr lang="de-DE" altLang="de-DE" sz="1800" b="1" dirty="0"/>
-              <a:t> CI </a:t>
+              <a:t>-Strategien</a:t>
             </a:r>
           </a:p>
           <a:p>
@@ -14684,11 +14738,11 @@
             </a:pPr>
             <a:r>
               <a:rPr lang="de-DE" altLang="de-DE" sz="1400" dirty="0" err="1"/>
-              <a:t>Gitflow</a:t>
+              <a:t>GitOps</a:t>
             </a:r>
             <a:r>
               <a:rPr lang="de-DE" altLang="de-DE" sz="1400" dirty="0"/>
-              <a:t>-Workflow</a:t>
+              <a:t> Grundlagen</a:t>
             </a:r>
           </a:p>
           <a:p>
@@ -14698,94 +14752,7 @@
             </a:pPr>
             <a:r>
               <a:rPr lang="de-DE" altLang="de-DE" sz="1400" dirty="0"/>
-              <a:t>Tags, Releases &amp; deren Verwaltung</a:t>
-            </a:r>
-          </a:p>
-          <a:p>
-            <a:pPr lvl="1">
-              <a:buFont typeface="Arial" panose="020B0604020202020204" pitchFamily="34" charset="0"/>
-              <a:buChar char="•"/>
-            </a:pPr>
-            <a:r>
-              <a:rPr lang="de-DE" altLang="de-DE" sz="1400" dirty="0" err="1"/>
-              <a:t>GitLab</a:t>
-            </a:r>
-            <a:r>
-              <a:rPr lang="de-DE" altLang="de-DE" sz="1400" dirty="0"/>
-              <a:t>-Runner</a:t>
-            </a:r>
-          </a:p>
-          <a:p>
-            <a:pPr lvl="1">
-              <a:buFont typeface="Arial" panose="020B0604020202020204" pitchFamily="34" charset="0"/>
-              <a:buChar char="•"/>
-            </a:pPr>
-            <a:r>
-              <a:rPr lang="de-DE" altLang="de-DE" sz="1400" dirty="0"/>
-              <a:t>Einführung in </a:t>
-            </a:r>
-            <a:r>
-              <a:rPr lang="de-DE" altLang="de-DE" sz="1400" dirty="0" err="1"/>
-              <a:t>GitLab</a:t>
-            </a:r>
-            <a:r>
-              <a:rPr lang="de-DE" altLang="de-DE" sz="1400" dirty="0"/>
-              <a:t> CI/CD &amp; </a:t>
-            </a:r>
-            <a:r>
-              <a:rPr lang="de-DE" altLang="de-DE" sz="1400" dirty="0" err="1"/>
-              <a:t>gitlab.yml</a:t>
-            </a:r>
-            <a:endParaRPr lang="de-DE" altLang="de-DE" sz="1400" dirty="0"/>
-          </a:p>
-          <a:p>
-            <a:pPr>
-              <a:buFont typeface="Arial" panose="020B0604020202020204" pitchFamily="34" charset="0"/>
-              <a:buChar char="•"/>
-            </a:pPr>
-            <a:r>
-              <a:rPr lang="de-DE" altLang="de-DE" sz="1800" b="1" dirty="0"/>
-              <a:t>Tag 3 – </a:t>
-            </a:r>
-            <a:r>
-              <a:rPr lang="de-DE" altLang="de-DE" sz="1800" b="1" dirty="0" err="1"/>
-              <a:t>GitOps</a:t>
-            </a:r>
-            <a:r>
-              <a:rPr lang="de-DE" altLang="de-DE" sz="1800" b="1" dirty="0"/>
-              <a:t>, Docker in der Entwicklung und </a:t>
-            </a:r>
-            <a:r>
-              <a:rPr lang="de-DE" altLang="de-DE" sz="1800" b="1" dirty="0" err="1"/>
-              <a:t>Deployment</a:t>
-            </a:r>
-            <a:r>
-              <a:rPr lang="de-DE" altLang="de-DE" sz="1800" b="1" dirty="0"/>
-              <a:t>-Strategien</a:t>
-            </a:r>
-          </a:p>
-          <a:p>
-            <a:pPr lvl="1">
-              <a:buFont typeface="Arial" panose="020B0604020202020204" pitchFamily="34" charset="0"/>
-              <a:buChar char="•"/>
-            </a:pPr>
-            <a:r>
-              <a:rPr lang="de-DE" altLang="de-DE" sz="1400" dirty="0" err="1"/>
-              <a:t>GitOps</a:t>
-            </a:r>
-            <a:r>
-              <a:rPr lang="de-DE" altLang="de-DE" sz="1400" dirty="0"/>
-              <a:t> Grundlagen</a:t>
-            </a:r>
-          </a:p>
-          <a:p>
-            <a:pPr lvl="1">
-              <a:buFont typeface="Arial" panose="020B0604020202020204" pitchFamily="34" charset="0"/>
-              <a:buChar char="•"/>
-            </a:pPr>
-            <a:r>
-              <a:rPr lang="de-DE" altLang="de-DE" sz="1400" dirty="0"/>
-              <a:t>Lokale Entwicklung mit Docker</a:t>
+              <a:t>Entwicklung mit Docker</a:t>
             </a:r>
           </a:p>
           <a:p>
@@ -14887,11 +14854,6 @@
         </p:txBody>
       </p:sp>
     </p:spTree>
-    <p:extLst>
-      <p:ext uri="{BB962C8B-B14F-4D97-AF65-F5344CB8AC3E}">
-        <p14:creationId xmlns:p14="http://schemas.microsoft.com/office/powerpoint/2010/main" val="270064989"/>
-      </p:ext>
-    </p:extLst>
   </p:cSld>
   <p:clrMapOvr>
     <a:masterClrMapping/>

--- a/slides/Tag-1_2-Git.pptx
+++ b/slides/Tag-1_2-Git.pptx
@@ -33,11 +33,11 @@
     <p:sldId id="319" r:id="rId21"/>
     <p:sldId id="321" r:id="rId22"/>
     <p:sldId id="322" r:id="rId23"/>
-    <p:sldId id="601" r:id="rId24"/>
-    <p:sldId id="598" r:id="rId25"/>
-    <p:sldId id="323" r:id="rId26"/>
-    <p:sldId id="324" r:id="rId27"/>
-    <p:sldId id="325" r:id="rId28"/>
+    <p:sldId id="598" r:id="rId24"/>
+    <p:sldId id="323" r:id="rId25"/>
+    <p:sldId id="324" r:id="rId26"/>
+    <p:sldId id="325" r:id="rId27"/>
+    <p:sldId id="601" r:id="rId28"/>
     <p:sldId id="602" r:id="rId29"/>
     <p:sldId id="608" r:id="rId30"/>
     <p:sldId id="326" r:id="rId31"/>
@@ -56,10 +56,10 @@
     <p:sldId id="338" r:id="rId44"/>
     <p:sldId id="339" r:id="rId45"/>
     <p:sldId id="340" r:id="rId46"/>
-    <p:sldId id="389" r:id="rId47"/>
-    <p:sldId id="611" r:id="rId48"/>
-    <p:sldId id="612" r:id="rId49"/>
-    <p:sldId id="603" r:id="rId50"/>
+    <p:sldId id="603" r:id="rId47"/>
+    <p:sldId id="389" r:id="rId48"/>
+    <p:sldId id="611" r:id="rId49"/>
+    <p:sldId id="612" r:id="rId50"/>
     <p:sldId id="391" r:id="rId51"/>
     <p:sldId id="393" r:id="rId52"/>
     <p:sldId id="613" r:id="rId53"/>
@@ -73,16 +73,16 @@
     <p:sldId id="347" r:id="rId61"/>
     <p:sldId id="358" r:id="rId62"/>
     <p:sldId id="357" r:id="rId63"/>
-    <p:sldId id="394" r:id="rId64"/>
-    <p:sldId id="616" r:id="rId65"/>
-    <p:sldId id="615" r:id="rId66"/>
-    <p:sldId id="346" r:id="rId67"/>
-    <p:sldId id="348" r:id="rId68"/>
-    <p:sldId id="350" r:id="rId69"/>
-    <p:sldId id="352" r:id="rId70"/>
-    <p:sldId id="351" r:id="rId71"/>
-    <p:sldId id="355" r:id="rId72"/>
-    <p:sldId id="356" r:id="rId73"/>
+    <p:sldId id="346" r:id="rId64"/>
+    <p:sldId id="348" r:id="rId65"/>
+    <p:sldId id="350" r:id="rId66"/>
+    <p:sldId id="352" r:id="rId67"/>
+    <p:sldId id="351" r:id="rId68"/>
+    <p:sldId id="355" r:id="rId69"/>
+    <p:sldId id="356" r:id="rId70"/>
+    <p:sldId id="394" r:id="rId71"/>
+    <p:sldId id="616" r:id="rId72"/>
+    <p:sldId id="615" r:id="rId73"/>
     <p:sldId id="395" r:id="rId74"/>
     <p:sldId id="617" r:id="rId75"/>
     <p:sldId id="618" r:id="rId76"/>
@@ -10641,341 +10641,6 @@
       </p:grpSpPr>
       <p:sp>
         <p:nvSpPr>
-          <p:cNvPr id="6146" name="Inhaltsplatzhalter 18">
-            <a:extLst>
-              <a:ext uri="{FF2B5EF4-FFF2-40B4-BE49-F238E27FC236}">
-                <a16:creationId xmlns:a16="http://schemas.microsoft.com/office/drawing/2014/main" id="{BE3C4C95-FD5D-27F0-ED0C-AB8113CAC9F1}"/>
-              </a:ext>
-            </a:extLst>
-          </p:cNvPr>
-          <p:cNvSpPr>
-            <a:spLocks noGrp="1"/>
-          </p:cNvSpPr>
-          <p:nvPr>
-            <p:ph idx="1"/>
-          </p:nvPr>
-        </p:nvSpPr>
-        <p:spPr>
-          <a:xfrm>
-            <a:off x="303214" y="981075"/>
-            <a:ext cx="8517258" cy="5400675"/>
-          </a:xfrm>
-        </p:spPr>
-        <p:txBody>
-          <a:bodyPr/>
-          <a:lstStyle/>
-          <a:p>
-            <a:pPr marL="0" indent="0">
-              <a:spcBef>
-                <a:spcPts val="0"/>
-              </a:spcBef>
-              <a:spcAft>
-                <a:spcPts val="0"/>
-              </a:spcAft>
-              <a:buNone/>
-            </a:pPr>
-            <a:r>
-              <a:rPr lang="de-DE" altLang="de-DE" b="1" dirty="0"/>
-              <a:t>Übungsaufgabe 1: Installation</a:t>
-            </a:r>
-          </a:p>
-          <a:p>
-            <a:pPr marL="457200" indent="-457200">
-              <a:buFont typeface="+mj-lt"/>
-              <a:buAutoNum type="arabicPeriod"/>
-            </a:pPr>
-            <a:r>
-              <a:rPr lang="de-DE" altLang="de-DE" dirty="0"/>
-              <a:t>Überprüfen Sie, ob eine aktuelle Version von </a:t>
-            </a:r>
-            <a:r>
-              <a:rPr lang="de-DE" altLang="de-DE" dirty="0" err="1"/>
-              <a:t>Git</a:t>
-            </a:r>
-            <a:r>
-              <a:rPr lang="de-DE" altLang="de-DE" dirty="0"/>
-              <a:t> auf Ihrem Rechner installiert ist mit dem Befehl </a:t>
-            </a:r>
-            <a:r>
-              <a:rPr lang="de-DE" altLang="de-DE" dirty="0" err="1">
-                <a:latin typeface="Consolas" panose="020B0609020204030204" pitchFamily="49" charset="0"/>
-              </a:rPr>
-              <a:t>git</a:t>
-            </a:r>
-            <a:r>
-              <a:rPr lang="de-DE" altLang="de-DE" dirty="0">
-                <a:latin typeface="Consolas" panose="020B0609020204030204" pitchFamily="49" charset="0"/>
-              </a:rPr>
-              <a:t> -v</a:t>
-            </a:r>
-          </a:p>
-          <a:p>
-            <a:pPr marL="400050" lvl="1" indent="0">
-              <a:spcBef>
-                <a:spcPts val="0"/>
-              </a:spcBef>
-              <a:buNone/>
-            </a:pPr>
-            <a:endParaRPr lang="de-DE" altLang="de-DE" dirty="0">
-              <a:latin typeface="Consolas" panose="020B0609020204030204" pitchFamily="49" charset="0"/>
-            </a:endParaRPr>
-          </a:p>
-          <a:p>
-            <a:pPr marL="444500" lvl="1" indent="0">
-              <a:spcBef>
-                <a:spcPts val="0"/>
-              </a:spcBef>
-              <a:buNone/>
-              <a:tabLst>
-                <a:tab pos="444500" algn="l"/>
-                <a:tab pos="538163" algn="l"/>
-                <a:tab pos="1077913" algn="l"/>
-              </a:tabLst>
-            </a:pPr>
-            <a:r>
-              <a:rPr lang="de-DE" altLang="de-DE" dirty="0">
-                <a:latin typeface="Consolas" panose="020B0609020204030204" pitchFamily="49" charset="0"/>
-              </a:rPr>
-              <a:t>$ </a:t>
-            </a:r>
-            <a:r>
-              <a:rPr lang="de-DE" altLang="de-DE" dirty="0" err="1">
-                <a:latin typeface="Consolas" panose="020B0609020204030204" pitchFamily="49" charset="0"/>
-              </a:rPr>
-              <a:t>git</a:t>
-            </a:r>
-            <a:r>
-              <a:rPr lang="de-DE" altLang="de-DE" dirty="0">
-                <a:latin typeface="Consolas" panose="020B0609020204030204" pitchFamily="49" charset="0"/>
-              </a:rPr>
-              <a:t> -v</a:t>
-            </a:r>
-          </a:p>
-          <a:p>
-            <a:pPr marL="444500" lvl="1" indent="0">
-              <a:spcBef>
-                <a:spcPts val="0"/>
-              </a:spcBef>
-              <a:buNone/>
-              <a:tabLst>
-                <a:tab pos="444500" algn="l"/>
-                <a:tab pos="538163" algn="l"/>
-                <a:tab pos="1077913" algn="l"/>
-              </a:tabLst>
-            </a:pPr>
-            <a:r>
-              <a:rPr lang="de-DE" altLang="de-DE" dirty="0" err="1">
-                <a:latin typeface="Consolas" panose="020B0609020204030204" pitchFamily="49" charset="0"/>
-              </a:rPr>
-              <a:t>git</a:t>
-            </a:r>
-            <a:r>
-              <a:rPr lang="de-DE" altLang="de-DE" dirty="0">
-                <a:latin typeface="Consolas" panose="020B0609020204030204" pitchFamily="49" charset="0"/>
-              </a:rPr>
-              <a:t> </a:t>
-            </a:r>
-            <a:r>
-              <a:rPr lang="de-DE" altLang="de-DE" dirty="0" err="1">
-                <a:latin typeface="Consolas" panose="020B0609020204030204" pitchFamily="49" charset="0"/>
-              </a:rPr>
-              <a:t>version</a:t>
-            </a:r>
-            <a:r>
-              <a:rPr lang="de-DE" altLang="de-DE" dirty="0">
-                <a:latin typeface="Consolas" panose="020B0609020204030204" pitchFamily="49" charset="0"/>
-              </a:rPr>
-              <a:t> 2.34.1</a:t>
-            </a:r>
-          </a:p>
-          <a:p>
-            <a:pPr marL="400050" lvl="1" indent="0">
-              <a:spcBef>
-                <a:spcPts val="0"/>
-              </a:spcBef>
-              <a:buNone/>
-            </a:pPr>
-            <a:endParaRPr lang="de-DE" altLang="de-DE" dirty="0">
-              <a:latin typeface="Consolas" panose="020B0609020204030204" pitchFamily="49" charset="0"/>
-            </a:endParaRPr>
-          </a:p>
-          <a:p>
-            <a:pPr marL="457200" indent="-457200">
-              <a:buFont typeface="+mj-lt"/>
-              <a:buAutoNum type="arabicPeriod"/>
-            </a:pPr>
-            <a:r>
-              <a:rPr lang="de-DE" altLang="de-DE" dirty="0"/>
-              <a:t>Falls keine aktuelle Version installiert ist, folgen Sie der Anleitung auf </a:t>
-            </a:r>
-            <a:r>
-              <a:rPr lang="de-DE" altLang="de-DE" dirty="0">
-                <a:hlinkClick r:id="rId2"/>
-              </a:rPr>
-              <a:t>https://git-scm.com/book/de/v2/Erste-Schritte-Git-installieren</a:t>
-            </a:r>
-            <a:r>
-              <a:rPr lang="de-DE" altLang="de-DE" dirty="0"/>
-              <a:t> für Ihr jeweiliges System</a:t>
-            </a:r>
-          </a:p>
-          <a:p>
-            <a:pPr marL="457200" indent="-457200">
-              <a:buFont typeface="+mj-lt"/>
-              <a:buAutoNum type="arabicPeriod"/>
-            </a:pPr>
-            <a:r>
-              <a:rPr lang="de-DE" altLang="de-DE" dirty="0"/>
-              <a:t>Falls noch nicht geschehen, setzen Sie mit dem folgenden Befehl Ihren globalen Namen sowie Ihre E-Mail</a:t>
-            </a:r>
-          </a:p>
-          <a:p>
-            <a:pPr marL="400050" lvl="1" indent="0">
-              <a:spcBef>
-                <a:spcPts val="0"/>
-              </a:spcBef>
-              <a:buNone/>
-            </a:pPr>
-            <a:endParaRPr lang="en-US" altLang="de-DE" dirty="0">
-              <a:latin typeface="Consolas" panose="020B0609020204030204" pitchFamily="49" charset="0"/>
-            </a:endParaRPr>
-          </a:p>
-          <a:p>
-            <a:pPr marL="444500" lvl="1" indent="0">
-              <a:spcBef>
-                <a:spcPts val="0"/>
-              </a:spcBef>
-              <a:buNone/>
-            </a:pPr>
-            <a:r>
-              <a:rPr lang="en-US" altLang="de-DE" dirty="0">
-                <a:latin typeface="Consolas" panose="020B0609020204030204" pitchFamily="49" charset="0"/>
-              </a:rPr>
-              <a:t>$ git config --global user.name "&lt;</a:t>
-            </a:r>
-            <a:r>
-              <a:rPr lang="en-US" altLang="de-DE" dirty="0" err="1">
-                <a:latin typeface="Consolas" panose="020B0609020204030204" pitchFamily="49" charset="0"/>
-              </a:rPr>
-              <a:t>Ihr</a:t>
-            </a:r>
-            <a:r>
-              <a:rPr lang="en-US" altLang="de-DE" dirty="0">
-                <a:latin typeface="Consolas" panose="020B0609020204030204" pitchFamily="49" charset="0"/>
-              </a:rPr>
-              <a:t> Name&gt;"</a:t>
-            </a:r>
-          </a:p>
-          <a:p>
-            <a:pPr marL="444500" lvl="1" indent="0">
-              <a:spcBef>
-                <a:spcPts val="0"/>
-              </a:spcBef>
-              <a:buNone/>
-            </a:pPr>
-            <a:r>
-              <a:rPr lang="en-US" altLang="de-DE" dirty="0">
-                <a:latin typeface="Consolas" panose="020B0609020204030204" pitchFamily="49" charset="0"/>
-              </a:rPr>
-              <a:t>$ git config --global </a:t>
-            </a:r>
-            <a:r>
-              <a:rPr lang="en-US" altLang="de-DE" dirty="0" err="1">
-                <a:latin typeface="Consolas" panose="020B0609020204030204" pitchFamily="49" charset="0"/>
-              </a:rPr>
-              <a:t>user.email</a:t>
-            </a:r>
-            <a:r>
-              <a:rPr lang="en-US" altLang="de-DE" dirty="0">
-                <a:latin typeface="Consolas" panose="020B0609020204030204" pitchFamily="49" charset="0"/>
-              </a:rPr>
-              <a:t> "</a:t>
-            </a:r>
-            <a:r>
-              <a:rPr lang="de-DE" altLang="de-DE" dirty="0">
-                <a:latin typeface="Consolas" panose="020B0609020204030204" pitchFamily="49" charset="0"/>
-              </a:rPr>
-              <a:t>&lt;Ihre E-Mail&gt;</a:t>
-            </a:r>
-            <a:r>
-              <a:rPr lang="en-US" altLang="de-DE" dirty="0">
-                <a:latin typeface="Consolas" panose="020B0609020204030204" pitchFamily="49" charset="0"/>
-              </a:rPr>
-              <a:t>"</a:t>
-            </a:r>
-            <a:endParaRPr lang="de-DE" altLang="de-DE" dirty="0">
-              <a:latin typeface="Consolas" panose="020B0609020204030204" pitchFamily="49" charset="0"/>
-            </a:endParaRPr>
-          </a:p>
-          <a:p>
-            <a:endParaRPr lang="de-DE" altLang="de-DE" dirty="0"/>
-          </a:p>
-        </p:txBody>
-      </p:sp>
-      <p:sp>
-        <p:nvSpPr>
-          <p:cNvPr id="6147" name="Rectangle 1062">
-            <a:extLst>
-              <a:ext uri="{FF2B5EF4-FFF2-40B4-BE49-F238E27FC236}">
-                <a16:creationId xmlns:a16="http://schemas.microsoft.com/office/drawing/2014/main" id="{C46E9340-3256-8D55-A265-94F2F41E288E}"/>
-              </a:ext>
-            </a:extLst>
-          </p:cNvPr>
-          <p:cNvSpPr>
-            <a:spLocks noGrp="1" noChangeArrowheads="1"/>
-          </p:cNvSpPr>
-          <p:nvPr>
-            <p:ph type="title"/>
-          </p:nvPr>
-        </p:nvSpPr>
-        <p:spPr>
-          <a:xfrm>
-            <a:off x="285750" y="142875"/>
-            <a:ext cx="5654675" cy="706438"/>
-          </a:xfrm>
-        </p:spPr>
-        <p:txBody>
-          <a:bodyPr/>
-          <a:lstStyle/>
-          <a:p>
-            <a:r>
-              <a:rPr lang="de-DE" altLang="de-DE" dirty="0" err="1"/>
-              <a:t>Git</a:t>
-            </a:r>
-            <a:r>
-              <a:rPr lang="de-DE" altLang="de-DE" dirty="0"/>
-              <a:t> – Einführung </a:t>
-            </a:r>
-          </a:p>
-        </p:txBody>
-      </p:sp>
-    </p:spTree>
-  </p:cSld>
-  <p:clrMapOvr>
-    <a:masterClrMapping/>
-  </p:clrMapOvr>
-</p:sld>
-</file>
-
-<file path=ppt/slides/slide21.xml><?xml version="1.0" encoding="utf-8"?>
-<p:sld xmlns:a="http://schemas.openxmlformats.org/drawingml/2006/main" xmlns:r="http://schemas.openxmlformats.org/officeDocument/2006/relationships" xmlns:p="http://schemas.openxmlformats.org/presentationml/2006/main">
-  <p:cSld>
-    <p:spTree>
-      <p:nvGrpSpPr>
-        <p:cNvPr id="1" name=""/>
-        <p:cNvGrpSpPr/>
-        <p:nvPr/>
-      </p:nvGrpSpPr>
-      <p:grpSpPr>
-        <a:xfrm>
-          <a:off x="0" y="0"/>
-          <a:ext cx="0" cy="0"/>
-          <a:chOff x="0" y="0"/>
-          <a:chExt cx="0" cy="0"/>
-        </a:xfrm>
-      </p:grpSpPr>
-      <p:sp>
-        <p:nvSpPr>
           <p:cNvPr id="2" name="Titel 1"/>
           <p:cNvSpPr>
             <a:spLocks noGrp="1"/>
@@ -11036,7 +10701,7 @@
 </p:sld>
 </file>
 
-<file path=ppt/slides/slide22.xml><?xml version="1.0" encoding="utf-8"?>
+<file path=ppt/slides/slide21.xml><?xml version="1.0" encoding="utf-8"?>
 <p:sld xmlns:a="http://schemas.openxmlformats.org/drawingml/2006/main" xmlns:r="http://schemas.openxmlformats.org/officeDocument/2006/relationships" xmlns:p="http://schemas.openxmlformats.org/presentationml/2006/main">
   <p:cSld>
     <p:spTree>
@@ -11234,7 +10899,7 @@
 </p:sld>
 </file>
 
-<file path=ppt/slides/slide23.xml><?xml version="1.0" encoding="utf-8"?>
+<file path=ppt/slides/slide22.xml><?xml version="1.0" encoding="utf-8"?>
 <p:sld xmlns:a="http://schemas.openxmlformats.org/drawingml/2006/main" xmlns:r="http://schemas.openxmlformats.org/officeDocument/2006/relationships" xmlns:p="http://schemas.openxmlformats.org/presentationml/2006/main">
   <p:cSld>
     <p:spTree>
@@ -12183,6 +11848,393 @@
     <p:extLst>
       <p:ext uri="{BB962C8B-B14F-4D97-AF65-F5344CB8AC3E}">
         <p14:creationId xmlns:p14="http://schemas.microsoft.com/office/powerpoint/2010/main" val="1575747516"/>
+      </p:ext>
+    </p:extLst>
+  </p:cSld>
+  <p:clrMapOvr>
+    <a:masterClrMapping/>
+  </p:clrMapOvr>
+</p:sld>
+</file>
+
+<file path=ppt/slides/slide23.xml><?xml version="1.0" encoding="utf-8"?>
+<p:sld xmlns:a="http://schemas.openxmlformats.org/drawingml/2006/main" xmlns:r="http://schemas.openxmlformats.org/officeDocument/2006/relationships" xmlns:p="http://schemas.openxmlformats.org/presentationml/2006/main">
+  <p:cSld>
+    <p:spTree>
+      <p:nvGrpSpPr>
+        <p:cNvPr id="1" name=""/>
+        <p:cNvGrpSpPr/>
+        <p:nvPr/>
+      </p:nvGrpSpPr>
+      <p:grpSpPr>
+        <a:xfrm>
+          <a:off x="0" y="0"/>
+          <a:ext cx="0" cy="0"/>
+          <a:chOff x="0" y="0"/>
+          <a:chExt cx="0" cy="0"/>
+        </a:xfrm>
+      </p:grpSpPr>
+      <p:sp>
+        <p:nvSpPr>
+          <p:cNvPr id="6146" name="Inhaltsplatzhalter 18">
+            <a:extLst>
+              <a:ext uri="{FF2B5EF4-FFF2-40B4-BE49-F238E27FC236}">
+                <a16:creationId xmlns:a16="http://schemas.microsoft.com/office/drawing/2014/main" id="{BE3C4C95-FD5D-27F0-ED0C-AB8113CAC9F1}"/>
+              </a:ext>
+            </a:extLst>
+          </p:cNvPr>
+          <p:cNvSpPr>
+            <a:spLocks noGrp="1"/>
+          </p:cNvSpPr>
+          <p:nvPr>
+            <p:ph idx="1"/>
+          </p:nvPr>
+        </p:nvSpPr>
+        <p:spPr>
+          <a:xfrm>
+            <a:off x="303214" y="981075"/>
+            <a:ext cx="8517258" cy="5400675"/>
+          </a:xfrm>
+        </p:spPr>
+        <p:txBody>
+          <a:bodyPr/>
+          <a:lstStyle/>
+          <a:p>
+            <a:pPr marL="0" indent="0">
+              <a:buNone/>
+            </a:pPr>
+            <a:r>
+              <a:rPr lang="de-DE" altLang="de-DE" b="1" dirty="0"/>
+              <a:t>Status des </a:t>
+            </a:r>
+            <a:r>
+              <a:rPr lang="de-DE" altLang="de-DE" b="1" dirty="0" err="1"/>
+              <a:t>Workspaces</a:t>
+            </a:r>
+            <a:endParaRPr lang="de-DE" altLang="de-DE" b="1" dirty="0"/>
+          </a:p>
+          <a:p>
+            <a:r>
+              <a:rPr lang="de-DE" altLang="de-DE" dirty="0"/>
+              <a:t>Status eines </a:t>
+            </a:r>
+            <a:r>
+              <a:rPr lang="de-DE" altLang="de-DE" dirty="0" err="1"/>
+              <a:t>Workspaces</a:t>
+            </a:r>
+            <a:r>
+              <a:rPr lang="de-DE" altLang="de-DE" dirty="0"/>
+              <a:t> anzeigen</a:t>
+            </a:r>
+            <a:endParaRPr lang="de-DE" altLang="de-DE" i="1" dirty="0"/>
+          </a:p>
+          <a:p>
+            <a:pPr marL="0" indent="0">
+              <a:buNone/>
+            </a:pPr>
+            <a:r>
+              <a:rPr lang="de-DE" altLang="de-DE" i="1" dirty="0"/>
+              <a:t>	</a:t>
+            </a:r>
+            <a:r>
+              <a:rPr lang="de-DE" altLang="de-DE" dirty="0" err="1">
+                <a:latin typeface="Consolas" panose="020B0609020204030204" pitchFamily="49" charset="0"/>
+              </a:rPr>
+              <a:t>git</a:t>
+            </a:r>
+            <a:r>
+              <a:rPr lang="de-DE" altLang="de-DE" dirty="0">
+                <a:latin typeface="Consolas" panose="020B0609020204030204" pitchFamily="49" charset="0"/>
+              </a:rPr>
+              <a:t> </a:t>
+            </a:r>
+            <a:r>
+              <a:rPr lang="de-DE" altLang="de-DE" dirty="0" err="1">
+                <a:latin typeface="Consolas" panose="020B0609020204030204" pitchFamily="49" charset="0"/>
+              </a:rPr>
+              <a:t>status</a:t>
+            </a:r>
+            <a:endParaRPr lang="de-DE" altLang="de-DE" dirty="0">
+              <a:latin typeface="Consolas" panose="020B0609020204030204" pitchFamily="49" charset="0"/>
+            </a:endParaRPr>
+          </a:p>
+          <a:p>
+            <a:r>
+              <a:rPr lang="de-DE" altLang="de-DE" dirty="0"/>
+              <a:t>Zeigt Informationen über Dateien im Workspace</a:t>
+            </a:r>
+          </a:p>
+          <a:p>
+            <a:r>
+              <a:rPr lang="de-DE" altLang="de-DE" dirty="0"/>
+              <a:t>Beispiel</a:t>
+            </a:r>
+          </a:p>
+          <a:p>
+            <a:pPr marL="457200" lvl="1" indent="0">
+              <a:spcBef>
+                <a:spcPts val="0"/>
+              </a:spcBef>
+              <a:buNone/>
+            </a:pPr>
+            <a:endParaRPr lang="en-US" altLang="de-DE" sz="1200" dirty="0">
+              <a:latin typeface="Consolas" panose="020B0609020204030204" pitchFamily="49" charset="0"/>
+            </a:endParaRPr>
+          </a:p>
+          <a:p>
+            <a:pPr marL="457200" lvl="1" indent="0">
+              <a:spcBef>
+                <a:spcPts val="0"/>
+              </a:spcBef>
+              <a:buNone/>
+            </a:pPr>
+            <a:r>
+              <a:rPr lang="en-US" altLang="de-DE" sz="1200" dirty="0">
+                <a:latin typeface="Consolas" panose="020B0609020204030204" pitchFamily="49" charset="0"/>
+              </a:rPr>
+              <a:t>$ git status</a:t>
+            </a:r>
+          </a:p>
+          <a:p>
+            <a:pPr marL="457200" lvl="1" indent="0">
+              <a:spcBef>
+                <a:spcPts val="0"/>
+              </a:spcBef>
+              <a:buNone/>
+            </a:pPr>
+            <a:r>
+              <a:rPr lang="en-US" altLang="de-DE" sz="1200" dirty="0">
+                <a:latin typeface="Consolas" panose="020B0609020204030204" pitchFamily="49" charset="0"/>
+              </a:rPr>
+              <a:t>On branch main</a:t>
+            </a:r>
+          </a:p>
+          <a:p>
+            <a:pPr marL="457200" lvl="1" indent="0">
+              <a:spcBef>
+                <a:spcPts val="0"/>
+              </a:spcBef>
+              <a:buNone/>
+            </a:pPr>
+            <a:endParaRPr lang="en-US" altLang="de-DE" sz="1200" dirty="0">
+              <a:latin typeface="Consolas" panose="020B0609020204030204" pitchFamily="49" charset="0"/>
+            </a:endParaRPr>
+          </a:p>
+          <a:p>
+            <a:pPr marL="457200" lvl="1" indent="0">
+              <a:spcBef>
+                <a:spcPts val="0"/>
+              </a:spcBef>
+              <a:buNone/>
+            </a:pPr>
+            <a:r>
+              <a:rPr lang="en-US" altLang="de-DE" sz="1200" dirty="0">
+                <a:latin typeface="Consolas" panose="020B0609020204030204" pitchFamily="49" charset="0"/>
+              </a:rPr>
+              <a:t>No commits yet</a:t>
+            </a:r>
+          </a:p>
+          <a:p>
+            <a:pPr marL="457200" lvl="1" indent="0">
+              <a:spcBef>
+                <a:spcPts val="0"/>
+              </a:spcBef>
+              <a:buNone/>
+            </a:pPr>
+            <a:endParaRPr lang="en-US" altLang="de-DE" sz="1200" dirty="0">
+              <a:latin typeface="Consolas" panose="020B0609020204030204" pitchFamily="49" charset="0"/>
+            </a:endParaRPr>
+          </a:p>
+          <a:p>
+            <a:pPr marL="457200" lvl="1" indent="0">
+              <a:spcBef>
+                <a:spcPts val="0"/>
+              </a:spcBef>
+              <a:buNone/>
+            </a:pPr>
+            <a:r>
+              <a:rPr lang="en-US" altLang="de-DE" sz="1200" dirty="0">
+                <a:latin typeface="Consolas" panose="020B0609020204030204" pitchFamily="49" charset="0"/>
+              </a:rPr>
+              <a:t>Untracked files:</a:t>
+            </a:r>
+          </a:p>
+          <a:p>
+            <a:pPr marL="457200" lvl="1" indent="0">
+              <a:spcBef>
+                <a:spcPts val="0"/>
+              </a:spcBef>
+              <a:buNone/>
+            </a:pPr>
+            <a:r>
+              <a:rPr lang="en-US" altLang="de-DE" sz="1200" dirty="0">
+                <a:latin typeface="Consolas" panose="020B0609020204030204" pitchFamily="49" charset="0"/>
+              </a:rPr>
+              <a:t>  (use "git add &lt;file&gt;..." to include in what will be committed)</a:t>
+            </a:r>
+          </a:p>
+          <a:p>
+            <a:pPr marL="457200" lvl="1" indent="0">
+              <a:spcBef>
+                <a:spcPts val="0"/>
+              </a:spcBef>
+              <a:buNone/>
+            </a:pPr>
+            <a:r>
+              <a:rPr lang="en-US" altLang="de-DE" sz="1200" dirty="0">
+                <a:latin typeface="Consolas" panose="020B0609020204030204" pitchFamily="49" charset="0"/>
+              </a:rPr>
+              <a:t>        </a:t>
+            </a:r>
+            <a:r>
+              <a:rPr lang="en-US" altLang="de-DE" sz="1200" dirty="0">
+                <a:solidFill>
+                  <a:srgbClr val="C00000"/>
+                </a:solidFill>
+                <a:latin typeface="Consolas" panose="020B0609020204030204" pitchFamily="49" charset="0"/>
+              </a:rPr>
+              <a:t>file1.txt</a:t>
+            </a:r>
+          </a:p>
+          <a:p>
+            <a:pPr marL="457200" lvl="1" indent="0">
+              <a:spcBef>
+                <a:spcPts val="0"/>
+              </a:spcBef>
+              <a:buNone/>
+            </a:pPr>
+            <a:r>
+              <a:rPr lang="en-US" altLang="de-DE" sz="1200" dirty="0">
+                <a:solidFill>
+                  <a:srgbClr val="C00000"/>
+                </a:solidFill>
+                <a:latin typeface="Consolas" panose="020B0609020204030204" pitchFamily="49" charset="0"/>
+              </a:rPr>
+              <a:t>        file2.txt</a:t>
+            </a:r>
+          </a:p>
+          <a:p>
+            <a:pPr marL="457200" lvl="1" indent="0">
+              <a:spcBef>
+                <a:spcPts val="0"/>
+              </a:spcBef>
+              <a:buNone/>
+            </a:pPr>
+            <a:r>
+              <a:rPr lang="en-US" altLang="de-DE" sz="1200" dirty="0">
+                <a:solidFill>
+                  <a:srgbClr val="C00000"/>
+                </a:solidFill>
+                <a:latin typeface="Consolas" panose="020B0609020204030204" pitchFamily="49" charset="0"/>
+              </a:rPr>
+              <a:t>        subdir/</a:t>
+            </a:r>
+          </a:p>
+          <a:p>
+            <a:pPr marL="457200" lvl="1" indent="0">
+              <a:spcBef>
+                <a:spcPts val="0"/>
+              </a:spcBef>
+              <a:buNone/>
+            </a:pPr>
+            <a:endParaRPr lang="en-US" altLang="de-DE" sz="1200" dirty="0">
+              <a:latin typeface="Consolas" panose="020B0609020204030204" pitchFamily="49" charset="0"/>
+            </a:endParaRPr>
+          </a:p>
+          <a:p>
+            <a:pPr marL="457200" lvl="1" indent="0">
+              <a:spcBef>
+                <a:spcPts val="0"/>
+              </a:spcBef>
+              <a:buNone/>
+            </a:pPr>
+            <a:r>
+              <a:rPr lang="en-US" altLang="de-DE" sz="1200" dirty="0">
+                <a:latin typeface="Consolas" panose="020B0609020204030204" pitchFamily="49" charset="0"/>
+              </a:rPr>
+              <a:t>nothing added to commit but untracked files present (use "git add" to track)</a:t>
+            </a:r>
+            <a:endParaRPr lang="de-DE" altLang="de-DE" dirty="0"/>
+          </a:p>
+          <a:p>
+            <a:r>
+              <a:rPr lang="de-DE" altLang="de-DE" dirty="0"/>
+              <a:t>Dateien müssen </a:t>
+            </a:r>
+            <a:r>
+              <a:rPr lang="de-DE" altLang="de-DE" u="sng" dirty="0"/>
+              <a:t>explizit</a:t>
+            </a:r>
+            <a:r>
+              <a:rPr lang="de-DE" altLang="de-DE" dirty="0"/>
+              <a:t> zur Versionierung mit </a:t>
+            </a:r>
+            <a:r>
+              <a:rPr lang="de-DE" altLang="de-DE" dirty="0" err="1"/>
+              <a:t>Git</a:t>
+            </a:r>
+            <a:r>
+              <a:rPr lang="de-DE" altLang="de-DE" dirty="0"/>
+              <a:t> hinzugefügt werden</a:t>
+            </a:r>
+          </a:p>
+          <a:p>
+            <a:r>
+              <a:rPr lang="de-DE" altLang="de-DE" dirty="0"/>
+              <a:t>Sogenannte „</a:t>
+            </a:r>
+            <a:r>
+              <a:rPr lang="de-DE" altLang="de-DE" dirty="0" err="1"/>
+              <a:t>Tracked</a:t>
+            </a:r>
+            <a:r>
+              <a:rPr lang="de-DE" altLang="de-DE" dirty="0"/>
+              <a:t> Files“ werden auf Änderungen überwacht</a:t>
+            </a:r>
+          </a:p>
+        </p:txBody>
+      </p:sp>
+      <p:sp>
+        <p:nvSpPr>
+          <p:cNvPr id="6147" name="Rectangle 1062">
+            <a:extLst>
+              <a:ext uri="{FF2B5EF4-FFF2-40B4-BE49-F238E27FC236}">
+                <a16:creationId xmlns:a16="http://schemas.microsoft.com/office/drawing/2014/main" id="{C46E9340-3256-8D55-A265-94F2F41E288E}"/>
+              </a:ext>
+            </a:extLst>
+          </p:cNvPr>
+          <p:cNvSpPr>
+            <a:spLocks noGrp="1" noChangeArrowheads="1"/>
+          </p:cNvSpPr>
+          <p:nvPr>
+            <p:ph type="title"/>
+          </p:nvPr>
+        </p:nvSpPr>
+        <p:spPr>
+          <a:xfrm>
+            <a:off x="285750" y="142875"/>
+            <a:ext cx="5654675" cy="706438"/>
+          </a:xfrm>
+        </p:spPr>
+        <p:txBody>
+          <a:bodyPr/>
+          <a:lstStyle/>
+          <a:p>
+            <a:r>
+              <a:rPr lang="de-DE" altLang="de-DE" dirty="0" err="1"/>
+              <a:t>Git</a:t>
+            </a:r>
+            <a:r>
+              <a:rPr lang="de-DE" altLang="de-DE" dirty="0"/>
+              <a:t> – Grundlagen </a:t>
+            </a:r>
+          </a:p>
+        </p:txBody>
+      </p:sp>
+    </p:spTree>
+    <p:extLst>
+      <p:ext uri="{BB962C8B-B14F-4D97-AF65-F5344CB8AC3E}">
+        <p14:creationId xmlns:p14="http://schemas.microsoft.com/office/powerpoint/2010/main" val="2750129628"/>
       </p:ext>
     </p:extLst>
   </p:cSld>
@@ -12236,40 +12288,35 @@
           <a:lstStyle/>
           <a:p>
             <a:pPr marL="0" indent="0">
+              <a:spcBef>
+                <a:spcPts val="0"/>
+              </a:spcBef>
+              <a:spcAft>
+                <a:spcPts val="0"/>
+              </a:spcAft>
               <a:buNone/>
             </a:pPr>
             <a:r>
               <a:rPr lang="de-DE" altLang="de-DE" b="1" dirty="0"/>
-              <a:t>Status des </a:t>
-            </a:r>
-            <a:r>
-              <a:rPr lang="de-DE" altLang="de-DE" b="1" dirty="0" err="1"/>
-              <a:t>Workspaces</a:t>
-            </a:r>
-            <a:endParaRPr lang="de-DE" altLang="de-DE" b="1" dirty="0"/>
-          </a:p>
-          <a:p>
-            <a:r>
-              <a:rPr lang="de-DE" altLang="de-DE" dirty="0"/>
-              <a:t>Status eines </a:t>
+              <a:t>Übungsaufgabe 1: Installation</a:t>
+            </a:r>
+          </a:p>
+          <a:p>
+            <a:pPr marL="457200" indent="-457200">
+              <a:buFont typeface="+mj-lt"/>
+              <a:buAutoNum type="arabicPeriod"/>
+            </a:pPr>
+            <a:r>
+              <a:rPr lang="de-DE" altLang="de-DE" dirty="0"/>
+              <a:t>Überprüfen Sie, ob eine aktuelle Version von </a:t>
             </a:r>
             <a:r>
               <a:rPr lang="de-DE" altLang="de-DE" dirty="0" err="1"/>
-              <a:t>Workspaces</a:t>
-            </a:r>
-            <a:r>
-              <a:rPr lang="de-DE" altLang="de-DE" dirty="0"/>
-              <a:t> anzeigen</a:t>
-            </a:r>
-            <a:endParaRPr lang="de-DE" altLang="de-DE" i="1" dirty="0"/>
-          </a:p>
-          <a:p>
-            <a:pPr marL="0" indent="0">
-              <a:buNone/>
-            </a:pPr>
-            <a:r>
-              <a:rPr lang="de-DE" altLang="de-DE" i="1" dirty="0"/>
-              <a:t>	</a:t>
+              <a:t>Git</a:t>
+            </a:r>
+            <a:r>
+              <a:rPr lang="de-DE" altLang="de-DE" dirty="0"/>
+              <a:t> auf Ihrem Rechner installiert ist mit dem Befehl </a:t>
             </a:r>
             <a:r>
               <a:rPr lang="de-DE" altLang="de-DE" dirty="0" err="1">
@@ -12281,251 +12328,209 @@
               <a:rPr lang="de-DE" altLang="de-DE" dirty="0">
                 <a:latin typeface="Consolas" panose="020B0609020204030204" pitchFamily="49" charset="0"/>
               </a:rPr>
-              <a:t> </a:t>
-            </a:r>
-            <a:r>
-              <a:rPr lang="de-DE" altLang="de-DE" dirty="0" err="1">
-                <a:latin typeface="Consolas" panose="020B0609020204030204" pitchFamily="49" charset="0"/>
-              </a:rPr>
-              <a:t>status</a:t>
-            </a:r>
+              <a:t> -v</a:t>
+            </a:r>
+          </a:p>
+          <a:p>
+            <a:pPr marL="400050" lvl="1" indent="0">
+              <a:spcBef>
+                <a:spcPts val="0"/>
+              </a:spcBef>
+              <a:buNone/>
+            </a:pPr>
             <a:endParaRPr lang="de-DE" altLang="de-DE" dirty="0">
               <a:latin typeface="Consolas" panose="020B0609020204030204" pitchFamily="49" charset="0"/>
             </a:endParaRPr>
           </a:p>
           <a:p>
-            <a:r>
-              <a:rPr lang="de-DE" altLang="de-DE" dirty="0"/>
-              <a:t>Zeigt Informationen über Dateien im Workspace</a:t>
-            </a:r>
-          </a:p>
-          <a:p>
-            <a:r>
-              <a:rPr lang="de-DE" altLang="de-DE" dirty="0"/>
-              <a:t>Beispiel</a:t>
-            </a:r>
-          </a:p>
-          <a:p>
-            <a:pPr marL="457200" lvl="1" indent="0">
+            <a:pPr marL="444500" lvl="1" indent="0">
               <a:spcBef>
                 <a:spcPts val="0"/>
               </a:spcBef>
               <a:buNone/>
-            </a:pPr>
-            <a:endParaRPr lang="en-US" altLang="de-DE" sz="1200" dirty="0">
+              <a:tabLst>
+                <a:tab pos="444500" algn="l"/>
+                <a:tab pos="538163" algn="l"/>
+                <a:tab pos="1077913" algn="l"/>
+              </a:tabLst>
+            </a:pPr>
+            <a:r>
+              <a:rPr lang="de-DE" altLang="de-DE" dirty="0">
+                <a:latin typeface="Consolas" panose="020B0609020204030204" pitchFamily="49" charset="0"/>
+              </a:rPr>
+              <a:t>$ </a:t>
+            </a:r>
+            <a:r>
+              <a:rPr lang="de-DE" altLang="de-DE" dirty="0" err="1">
+                <a:latin typeface="Consolas" panose="020B0609020204030204" pitchFamily="49" charset="0"/>
+              </a:rPr>
+              <a:t>git</a:t>
+            </a:r>
+            <a:r>
+              <a:rPr lang="de-DE" altLang="de-DE" dirty="0">
+                <a:latin typeface="Consolas" panose="020B0609020204030204" pitchFamily="49" charset="0"/>
+              </a:rPr>
+              <a:t> -v</a:t>
+            </a:r>
+          </a:p>
+          <a:p>
+            <a:pPr marL="444500" lvl="1" indent="0">
+              <a:spcBef>
+                <a:spcPts val="0"/>
+              </a:spcBef>
+              <a:buNone/>
+              <a:tabLst>
+                <a:tab pos="444500" algn="l"/>
+                <a:tab pos="538163" algn="l"/>
+                <a:tab pos="1077913" algn="l"/>
+              </a:tabLst>
+            </a:pPr>
+            <a:r>
+              <a:rPr lang="de-DE" altLang="de-DE" dirty="0" err="1">
+                <a:latin typeface="Consolas" panose="020B0609020204030204" pitchFamily="49" charset="0"/>
+              </a:rPr>
+              <a:t>git</a:t>
+            </a:r>
+            <a:r>
+              <a:rPr lang="de-DE" altLang="de-DE" dirty="0">
+                <a:latin typeface="Consolas" panose="020B0609020204030204" pitchFamily="49" charset="0"/>
+              </a:rPr>
+              <a:t> </a:t>
+            </a:r>
+            <a:r>
+              <a:rPr lang="de-DE" altLang="de-DE" dirty="0" err="1">
+                <a:latin typeface="Consolas" panose="020B0609020204030204" pitchFamily="49" charset="0"/>
+              </a:rPr>
+              <a:t>version</a:t>
+            </a:r>
+            <a:r>
+              <a:rPr lang="de-DE" altLang="de-DE" dirty="0">
+                <a:latin typeface="Consolas" panose="020B0609020204030204" pitchFamily="49" charset="0"/>
+              </a:rPr>
+              <a:t> 2.34.1</a:t>
+            </a:r>
+          </a:p>
+          <a:p>
+            <a:pPr marL="400050" lvl="1" indent="0">
+              <a:spcBef>
+                <a:spcPts val="0"/>
+              </a:spcBef>
+              <a:buNone/>
+            </a:pPr>
+            <a:endParaRPr lang="de-DE" altLang="de-DE" dirty="0">
               <a:latin typeface="Consolas" panose="020B0609020204030204" pitchFamily="49" charset="0"/>
             </a:endParaRPr>
           </a:p>
           <a:p>
-            <a:pPr marL="457200" lvl="1" indent="0">
+            <a:pPr marL="457200" indent="-457200">
+              <a:buFont typeface="+mj-lt"/>
+              <a:buAutoNum type="arabicPeriod"/>
+            </a:pPr>
+            <a:r>
+              <a:rPr lang="de-DE" altLang="de-DE" dirty="0"/>
+              <a:t>Falls keine aktuelle Version installiert ist, folgen Sie der Anleitung auf </a:t>
+            </a:r>
+            <a:r>
+              <a:rPr lang="de-DE" altLang="de-DE" dirty="0">
+                <a:hlinkClick r:id="rId2"/>
+              </a:rPr>
+              <a:t>https://git-scm.com/book/de/v2/Erste-Schritte-Git-installieren</a:t>
+            </a:r>
+            <a:r>
+              <a:rPr lang="de-DE" altLang="de-DE" dirty="0"/>
+              <a:t> für Ihr jeweiliges System</a:t>
+            </a:r>
+          </a:p>
+          <a:p>
+            <a:pPr marL="457200" indent="-457200">
+              <a:buFont typeface="+mj-lt"/>
+              <a:buAutoNum type="arabicPeriod"/>
+            </a:pPr>
+            <a:r>
+              <a:rPr lang="de-DE" altLang="de-DE" dirty="0"/>
+              <a:t>Falls noch nicht geschehen, setzen Sie mit dem folgenden Befehl Ihren globalen Namen sowie Ihre E-Mail</a:t>
+            </a:r>
+          </a:p>
+          <a:p>
+            <a:pPr marL="400050" lvl="1" indent="0">
               <a:spcBef>
                 <a:spcPts val="0"/>
               </a:spcBef>
               <a:buNone/>
             </a:pPr>
-            <a:r>
-              <a:rPr lang="en-US" altLang="de-DE" sz="1200" dirty="0">
-                <a:latin typeface="Consolas" panose="020B0609020204030204" pitchFamily="49" charset="0"/>
-              </a:rPr>
-              <a:t>$ git status</a:t>
-            </a:r>
-          </a:p>
-          <a:p>
-            <a:pPr marL="457200" lvl="1" indent="0">
-              <a:spcBef>
-                <a:spcPts val="0"/>
-              </a:spcBef>
-              <a:buNone/>
-            </a:pPr>
-            <a:r>
-              <a:rPr lang="en-US" altLang="de-DE" sz="1200" dirty="0">
-                <a:latin typeface="Consolas" panose="020B0609020204030204" pitchFamily="49" charset="0"/>
-              </a:rPr>
-              <a:t>On branch main</a:t>
-            </a:r>
-          </a:p>
-          <a:p>
-            <a:pPr marL="457200" lvl="1" indent="0">
-              <a:spcBef>
-                <a:spcPts val="0"/>
-              </a:spcBef>
-              <a:buNone/>
-            </a:pPr>
-            <a:endParaRPr lang="en-US" altLang="de-DE" sz="1200" dirty="0">
+            <a:endParaRPr lang="en-US" altLang="de-DE" dirty="0">
               <a:latin typeface="Consolas" panose="020B0609020204030204" pitchFamily="49" charset="0"/>
             </a:endParaRPr>
           </a:p>
           <a:p>
-            <a:pPr marL="457200" lvl="1" indent="0">
+            <a:pPr marL="444500" lvl="1" indent="0">
               <a:spcBef>
                 <a:spcPts val="0"/>
               </a:spcBef>
               <a:buNone/>
             </a:pPr>
             <a:r>
-              <a:rPr lang="en-US" altLang="de-DE" sz="1200" dirty="0">
-                <a:latin typeface="Consolas" panose="020B0609020204030204" pitchFamily="49" charset="0"/>
-              </a:rPr>
-              <a:t>No commits yet</a:t>
-            </a:r>
-          </a:p>
-          <a:p>
-            <a:pPr marL="457200" lvl="1" indent="0">
+              <a:rPr lang="en-US" altLang="de-DE" dirty="0">
+                <a:latin typeface="Consolas" panose="020B0609020204030204" pitchFamily="49" charset="0"/>
+              </a:rPr>
+              <a:t>$ git config --global user.name "&lt;</a:t>
+            </a:r>
+            <a:r>
+              <a:rPr lang="en-US" altLang="de-DE" dirty="0" err="1">
+                <a:latin typeface="Consolas" panose="020B0609020204030204" pitchFamily="49" charset="0"/>
+              </a:rPr>
+              <a:t>Ihr</a:t>
+            </a:r>
+            <a:r>
+              <a:rPr lang="en-US" altLang="de-DE" dirty="0">
+                <a:latin typeface="Consolas" panose="020B0609020204030204" pitchFamily="49" charset="0"/>
+              </a:rPr>
+              <a:t> Name&gt;"</a:t>
+            </a:r>
+          </a:p>
+          <a:p>
+            <a:pPr marL="444500" lvl="1" indent="0">
               <a:spcBef>
                 <a:spcPts val="0"/>
               </a:spcBef>
               <a:buNone/>
             </a:pPr>
-            <a:endParaRPr lang="en-US" altLang="de-DE" sz="1200" dirty="0">
+            <a:r>
+              <a:rPr lang="en-US" altLang="de-DE" dirty="0">
+                <a:latin typeface="Consolas" panose="020B0609020204030204" pitchFamily="49" charset="0"/>
+              </a:rPr>
+              <a:t>$ git config --global </a:t>
+            </a:r>
+            <a:r>
+              <a:rPr lang="en-US" altLang="de-DE" dirty="0" err="1">
+                <a:latin typeface="Consolas" panose="020B0609020204030204" pitchFamily="49" charset="0"/>
+              </a:rPr>
+              <a:t>user.email</a:t>
+            </a:r>
+            <a:r>
+              <a:rPr lang="en-US" altLang="de-DE" dirty="0">
+                <a:latin typeface="Consolas" panose="020B0609020204030204" pitchFamily="49" charset="0"/>
+              </a:rPr>
+              <a:t> "</a:t>
+            </a:r>
+            <a:r>
+              <a:rPr lang="de-DE" altLang="de-DE" dirty="0">
+                <a:latin typeface="Consolas" panose="020B0609020204030204" pitchFamily="49" charset="0"/>
+              </a:rPr>
+              <a:t>&lt;Ihre E-Mail&gt;</a:t>
+            </a:r>
+            <a:r>
+              <a:rPr lang="en-US" altLang="de-DE" dirty="0">
+                <a:latin typeface="Consolas" panose="020B0609020204030204" pitchFamily="49" charset="0"/>
+              </a:rPr>
+              <a:t>"</a:t>
+            </a:r>
+            <a:endParaRPr lang="de-DE" altLang="de-DE" dirty="0">
               <a:latin typeface="Consolas" panose="020B0609020204030204" pitchFamily="49" charset="0"/>
             </a:endParaRPr>
           </a:p>
           <a:p>
-            <a:pPr marL="457200" lvl="1" indent="0">
-              <a:spcBef>
-                <a:spcPts val="0"/>
-              </a:spcBef>
-              <a:buNone/>
-            </a:pPr>
-            <a:r>
-              <a:rPr lang="en-US" altLang="de-DE" sz="1200" dirty="0">
-                <a:latin typeface="Consolas" panose="020B0609020204030204" pitchFamily="49" charset="0"/>
-              </a:rPr>
-              <a:t>Untracked files:</a:t>
-            </a:r>
-          </a:p>
-          <a:p>
-            <a:pPr marL="457200" lvl="1" indent="0">
-              <a:spcBef>
-                <a:spcPts val="0"/>
-              </a:spcBef>
-              <a:buNone/>
-            </a:pPr>
-            <a:r>
-              <a:rPr lang="en-US" altLang="de-DE" sz="1200" dirty="0">
-                <a:latin typeface="Consolas" panose="020B0609020204030204" pitchFamily="49" charset="0"/>
-              </a:rPr>
-              <a:t>  (use "git add &lt;file&gt;..." to include in what will be committed)</a:t>
-            </a:r>
-          </a:p>
-          <a:p>
-            <a:pPr marL="457200" lvl="1" indent="0">
-              <a:spcBef>
-                <a:spcPts val="0"/>
-              </a:spcBef>
-              <a:buNone/>
-            </a:pPr>
-            <a:r>
-              <a:rPr lang="en-US" altLang="de-DE" sz="1200" dirty="0">
-                <a:latin typeface="Consolas" panose="020B0609020204030204" pitchFamily="49" charset="0"/>
-              </a:rPr>
-              <a:t>        </a:t>
-            </a:r>
-            <a:r>
-              <a:rPr lang="en-US" altLang="de-DE" sz="1200" dirty="0">
-                <a:solidFill>
-                  <a:srgbClr val="C00000"/>
-                </a:solidFill>
-                <a:latin typeface="Consolas" panose="020B0609020204030204" pitchFamily="49" charset="0"/>
-              </a:rPr>
-              <a:t>file1.txt</a:t>
-            </a:r>
-          </a:p>
-          <a:p>
-            <a:pPr marL="457200" lvl="1" indent="0">
-              <a:spcBef>
-                <a:spcPts val="0"/>
-              </a:spcBef>
-              <a:buNone/>
-            </a:pPr>
-            <a:r>
-              <a:rPr lang="en-US" altLang="de-DE" sz="1200" dirty="0">
-                <a:solidFill>
-                  <a:srgbClr val="C00000"/>
-                </a:solidFill>
-                <a:latin typeface="Consolas" panose="020B0609020204030204" pitchFamily="49" charset="0"/>
-              </a:rPr>
-              <a:t>        file2.txt</a:t>
-            </a:r>
-          </a:p>
-          <a:p>
-            <a:pPr marL="457200" lvl="1" indent="0">
-              <a:spcBef>
-                <a:spcPts val="0"/>
-              </a:spcBef>
-              <a:buNone/>
-            </a:pPr>
-            <a:r>
-              <a:rPr lang="en-US" altLang="de-DE" sz="1200" dirty="0">
-                <a:solidFill>
-                  <a:srgbClr val="C00000"/>
-                </a:solidFill>
-                <a:latin typeface="Consolas" panose="020B0609020204030204" pitchFamily="49" charset="0"/>
-              </a:rPr>
-              <a:t>        subdir/</a:t>
-            </a:r>
-          </a:p>
-          <a:p>
-            <a:pPr marL="457200" lvl="1" indent="0">
-              <a:spcBef>
-                <a:spcPts val="0"/>
-              </a:spcBef>
-              <a:buNone/>
-            </a:pPr>
-            <a:endParaRPr lang="en-US" altLang="de-DE" sz="1200" dirty="0">
-              <a:latin typeface="Consolas" panose="020B0609020204030204" pitchFamily="49" charset="0"/>
-            </a:endParaRPr>
-          </a:p>
-          <a:p>
-            <a:pPr marL="457200" lvl="1" indent="0">
-              <a:spcBef>
-                <a:spcPts val="0"/>
-              </a:spcBef>
-              <a:buNone/>
-            </a:pPr>
-            <a:r>
-              <a:rPr lang="en-US" altLang="de-DE" sz="1200" dirty="0">
-                <a:latin typeface="Consolas" panose="020B0609020204030204" pitchFamily="49" charset="0"/>
-              </a:rPr>
-              <a:t>nothing added to commit but untracked files present (use "git add" to track)</a:t>
-            </a:r>
             <a:endParaRPr lang="de-DE" altLang="de-DE" dirty="0"/>
-          </a:p>
-          <a:p>
-            <a:r>
-              <a:rPr lang="de-DE" altLang="de-DE" dirty="0"/>
-              <a:t>Dateien müssen </a:t>
-            </a:r>
-            <a:r>
-              <a:rPr lang="de-DE" altLang="de-DE" u="sng" dirty="0"/>
-              <a:t>explizit</a:t>
-            </a:r>
-            <a:r>
-              <a:rPr lang="de-DE" altLang="de-DE" dirty="0"/>
-              <a:t> zur Versionierung mit </a:t>
-            </a:r>
-            <a:r>
-              <a:rPr lang="de-DE" altLang="de-DE" dirty="0" err="1"/>
-              <a:t>Git</a:t>
-            </a:r>
-            <a:r>
-              <a:rPr lang="de-DE" altLang="de-DE" dirty="0"/>
-              <a:t> hinzugefügt werden</a:t>
-            </a:r>
-          </a:p>
-          <a:p>
-            <a:r>
-              <a:rPr lang="de-DE" altLang="de-DE" dirty="0"/>
-              <a:t>Sogenannte „</a:t>
-            </a:r>
-            <a:r>
-              <a:rPr lang="de-DE" altLang="de-DE" dirty="0" err="1"/>
-              <a:t>Tracked</a:t>
-            </a:r>
-            <a:r>
-              <a:rPr lang="de-DE" altLang="de-DE" dirty="0"/>
-              <a:t> Files“ werden auf Änderungen überwacht</a:t>
-            </a:r>
           </a:p>
         </p:txBody>
       </p:sp>
@@ -12569,7 +12574,7 @@
     </p:spTree>
     <p:extLst>
       <p:ext uri="{BB962C8B-B14F-4D97-AF65-F5344CB8AC3E}">
-        <p14:creationId xmlns:p14="http://schemas.microsoft.com/office/powerpoint/2010/main" val="2750129628"/>
+        <p14:creationId xmlns:p14="http://schemas.microsoft.com/office/powerpoint/2010/main" val="1386261474"/>
       </p:ext>
     </p:extLst>
   </p:cSld>
@@ -21325,47 +21330,25 @@
           <a:lstStyle/>
           <a:p>
             <a:pPr marL="0" indent="0">
-              <a:spcBef>
-                <a:spcPts val="0"/>
-              </a:spcBef>
-              <a:spcAft>
-                <a:spcPts val="0"/>
-              </a:spcAft>
               <a:buNone/>
             </a:pPr>
             <a:r>
               <a:rPr lang="de-DE" altLang="de-DE" b="1" dirty="0"/>
-              <a:t>Übungsaufgabe 4: Umbenennen von Dateien</a:t>
-            </a:r>
-          </a:p>
-          <a:p>
-            <a:pPr marL="457200" indent="-457200">
-              <a:buFont typeface="+mj-lt"/>
-              <a:buAutoNum type="arabicPeriod"/>
-            </a:pPr>
-            <a:r>
-              <a:rPr lang="de-DE" altLang="de-DE" dirty="0"/>
-              <a:t>Erstellen Sie eine Datei </a:t>
-            </a:r>
-            <a:r>
-              <a:rPr lang="de-DE" altLang="de-DE" dirty="0">
-                <a:solidFill>
-                  <a:srgbClr val="C00000"/>
-                </a:solidFill>
-              </a:rPr>
-              <a:t>new_file.txt </a:t>
-            </a:r>
-            <a:r>
-              <a:rPr lang="de-DE" altLang="de-DE" dirty="0"/>
-              <a:t>mit dem Inhalt „file2 </a:t>
-            </a:r>
-            <a:r>
-              <a:rPr lang="de-DE" altLang="de-DE" dirty="0" err="1"/>
-              <a:t>content</a:t>
-            </a:r>
-            <a:r>
-              <a:rPr lang="de-DE" altLang="de-DE" dirty="0"/>
-              <a:t>“, lassen Sie diese durch </a:t>
+              <a:t>.</a:t>
+            </a:r>
+            <a:r>
+              <a:rPr lang="de-DE" altLang="de-DE" b="1" dirty="0" err="1"/>
+              <a:t>gitignore</a:t>
+            </a:r>
+            <a:r>
+              <a:rPr lang="de-DE" altLang="de-DE" b="1" dirty="0"/>
+              <a:t> Datei</a:t>
+            </a:r>
+          </a:p>
+          <a:p>
+            <a:r>
+              <a:rPr lang="de-DE" altLang="de-DE" dirty="0"/>
+              <a:t>Definiert von </a:t>
             </a:r>
             <a:r>
               <a:rPr lang="de-DE" altLang="de-DE" dirty="0" err="1"/>
@@ -21373,89 +21356,28 @@
             </a:r>
             <a:r>
               <a:rPr lang="de-DE" altLang="de-DE" dirty="0"/>
-              <a:t> tracken und committen Sie diese.</a:t>
-            </a:r>
-          </a:p>
-          <a:p>
-            <a:pPr marL="457200" indent="-457200">
-              <a:buFont typeface="+mj-lt"/>
-              <a:buAutoNum type="arabicPeriod"/>
-            </a:pPr>
-            <a:r>
-              <a:rPr lang="de-DE" altLang="de-DE" dirty="0"/>
-              <a:t>Benennen Sie die Datei </a:t>
-            </a:r>
-            <a:r>
-              <a:rPr lang="de-DE" altLang="de-DE" dirty="0">
-                <a:solidFill>
-                  <a:srgbClr val="C00000"/>
-                </a:solidFill>
-              </a:rPr>
-              <a:t>new_file.txt </a:t>
-            </a:r>
-            <a:r>
-              <a:rPr lang="de-DE" altLang="de-DE" dirty="0"/>
-              <a:t>über Ihr Betriebssystem in </a:t>
-            </a:r>
-            <a:r>
-              <a:rPr lang="de-DE" altLang="de-DE" dirty="0">
-                <a:solidFill>
-                  <a:srgbClr val="C00000"/>
-                </a:solidFill>
-              </a:rPr>
-              <a:t>file2.txt </a:t>
-            </a:r>
-            <a:r>
-              <a:rPr lang="de-DE" altLang="de-DE" dirty="0"/>
-              <a:t>um (Beispielsweise </a:t>
-            </a:r>
-            <a:r>
-              <a:rPr lang="de-DE" altLang="de-DE" dirty="0">
-                <a:latin typeface="Consolas" panose="020B0609020204030204" pitchFamily="49" charset="0"/>
-              </a:rPr>
-              <a:t>mv new_file.txt file2.txt </a:t>
-            </a:r>
-            <a:r>
-              <a:rPr lang="de-DE" altLang="de-DE" dirty="0"/>
-              <a:t>unter Linux).</a:t>
-            </a:r>
-          </a:p>
-          <a:p>
-            <a:pPr marL="457200" indent="-457200">
-              <a:buFont typeface="+mj-lt"/>
-              <a:buAutoNum type="arabicPeriod"/>
-            </a:pPr>
-            <a:r>
-              <a:rPr lang="de-DE" altLang="de-DE" dirty="0"/>
-              <a:t>Führen Sie den Befehl </a:t>
-            </a:r>
-            <a:r>
-              <a:rPr lang="de-DE" altLang="de-DE" dirty="0" err="1">
-                <a:latin typeface="Consolas" panose="020B0609020204030204" pitchFamily="49" charset="0"/>
-              </a:rPr>
-              <a:t>git</a:t>
-            </a:r>
-            <a:r>
-              <a:rPr lang="de-DE" altLang="de-DE" dirty="0">
-                <a:latin typeface="Consolas" panose="020B0609020204030204" pitchFamily="49" charset="0"/>
-              </a:rPr>
-              <a:t> </a:t>
-            </a:r>
-            <a:r>
-              <a:rPr lang="de-DE" altLang="de-DE" dirty="0" err="1">
-                <a:latin typeface="Consolas" panose="020B0609020204030204" pitchFamily="49" charset="0"/>
-              </a:rPr>
-              <a:t>status</a:t>
-            </a:r>
-            <a:r>
-              <a:rPr lang="de-DE" altLang="de-DE" dirty="0">
-                <a:latin typeface="Consolas" panose="020B0609020204030204" pitchFamily="49" charset="0"/>
-              </a:rPr>
-              <a:t> </a:t>
-            </a:r>
-            <a:r>
-              <a:rPr lang="de-DE" altLang="de-DE" dirty="0"/>
-              <a:t>aus. </a:t>
+              <a:t> zu ignorierende Verzeichnisse oder Dateien</a:t>
+            </a:r>
+          </a:p>
+          <a:p>
+            <a:r>
+              <a:rPr lang="de-DE" altLang="de-DE" dirty="0"/>
+              <a:t>Auf verschiedenen Ebenen definiert</a:t>
+            </a:r>
+          </a:p>
+          <a:p>
+            <a:pPr lvl="1"/>
+            <a:r>
+              <a:rPr lang="de-DE" altLang="de-DE" dirty="0"/>
+              <a:t>Globale .</a:t>
+            </a:r>
+            <a:r>
+              <a:rPr lang="de-DE" altLang="de-DE" dirty="0" err="1"/>
+              <a:t>gitignore</a:t>
+            </a:r>
+            <a:r>
+              <a:rPr lang="de-DE" altLang="de-DE" dirty="0"/>
+              <a:t> in der </a:t>
             </a:r>
             <a:r>
               <a:rPr lang="de-DE" altLang="de-DE" dirty="0" err="1"/>
@@ -21463,129 +21385,307 @@
             </a:r>
             <a:r>
               <a:rPr lang="de-DE" altLang="de-DE" dirty="0"/>
-              <a:t> sollte Ihnen anzeigen, dass </a:t>
+              <a:t>-Konfiguration</a:t>
+            </a:r>
+          </a:p>
+          <a:p>
+            <a:pPr lvl="1"/>
+            <a:r>
+              <a:rPr lang="de-DE" altLang="de-DE" dirty="0" err="1"/>
+              <a:t>Respository</a:t>
+            </a:r>
+            <a:r>
+              <a:rPr lang="de-DE" altLang="de-DE" dirty="0"/>
+              <a:t>-spezifische .</a:t>
+            </a:r>
+            <a:r>
+              <a:rPr lang="de-DE" altLang="de-DE" dirty="0" err="1"/>
+              <a:t>gitignore</a:t>
+            </a:r>
+            <a:endParaRPr lang="de-DE" altLang="de-DE" dirty="0"/>
+          </a:p>
+          <a:p>
+            <a:pPr lvl="1"/>
+            <a:r>
+              <a:rPr lang="de-DE" altLang="de-DE" dirty="0"/>
+              <a:t>Verzeichnis-spezifische .</a:t>
+            </a:r>
+            <a:r>
+              <a:rPr lang="de-DE" altLang="de-DE" dirty="0" err="1"/>
+              <a:t>gitignore</a:t>
+            </a:r>
+            <a:endParaRPr lang="de-DE" altLang="de-DE" dirty="0"/>
+          </a:p>
+          <a:p>
+            <a:r>
+              <a:rPr lang="de-DE" altLang="de-DE" dirty="0"/>
+              <a:t>Verzeichnisse/Dateien können über </a:t>
             </a:r>
             <a:r>
               <a:rPr lang="de-DE" altLang="de-DE" dirty="0">
-                <a:solidFill>
-                  <a:srgbClr val="C00000"/>
-                </a:solidFill>
-              </a:rPr>
-              <a:t>new_file.txt </a:t>
-            </a:r>
-            <a:r>
-              <a:rPr lang="de-DE" altLang="de-DE" dirty="0"/>
-              <a:t>gelöscht wurde und </a:t>
-            </a:r>
-            <a:r>
-              <a:rPr lang="de-DE" altLang="de-DE" dirty="0">
-                <a:solidFill>
-                  <a:srgbClr val="C00000"/>
-                </a:solidFill>
-              </a:rPr>
-              <a:t>file2.txt </a:t>
-            </a:r>
-            <a:r>
-              <a:rPr lang="de-DE" altLang="de-DE" dirty="0"/>
-              <a:t>als </a:t>
-            </a:r>
-            <a:r>
-              <a:rPr lang="de-DE" altLang="de-DE" dirty="0" err="1"/>
-              <a:t>untracked</a:t>
-            </a:r>
-            <a:r>
-              <a:rPr lang="de-DE" altLang="de-DE" dirty="0"/>
+                <a:hlinkClick r:id="rId2"/>
+              </a:rPr>
+              <a:t>Pattern</a:t>
+            </a:r>
+            <a:r>
+              <a:rPr lang="de-DE" altLang="de-DE" dirty="0"/>
+              <a:t> angegeben werden</a:t>
+            </a:r>
+          </a:p>
+          <a:p>
+            <a:r>
+              <a:rPr lang="de-DE" altLang="de-DE" dirty="0"/>
+              <a:t>Beispielinhalt:</a:t>
+            </a:r>
+          </a:p>
+          <a:p>
+            <a:pPr marL="457200" lvl="1" indent="0">
+              <a:spcBef>
+                <a:spcPts val="0"/>
+              </a:spcBef>
+              <a:buNone/>
+            </a:pPr>
+            <a:br>
+              <a:rPr lang="de-DE" altLang="de-DE" sz="1200" dirty="0">
+                <a:latin typeface="Consolas" panose="020B0609020204030204" pitchFamily="49" charset="0"/>
+              </a:rPr>
+            </a:br>
+            <a:r>
+              <a:rPr lang="de-DE" altLang="de-DE" sz="1200" dirty="0">
+                <a:latin typeface="Consolas" panose="020B0609020204030204" pitchFamily="49" charset="0"/>
+              </a:rPr>
+              <a:t># </a:t>
+            </a:r>
+            <a:r>
+              <a:rPr lang="de-DE" altLang="de-DE" sz="1200" dirty="0" err="1">
+                <a:latin typeface="Consolas" panose="020B0609020204030204" pitchFamily="49" charset="0"/>
+              </a:rPr>
+              <a:t>class</a:t>
+            </a:r>
+            <a:r>
+              <a:rPr lang="de-DE" altLang="de-DE" sz="1200" dirty="0">
+                <a:latin typeface="Consolas" panose="020B0609020204030204" pitchFamily="49" charset="0"/>
+              </a:rPr>
               <a:t> </a:t>
             </a:r>
             <a:r>
-              <a:rPr lang="de-DE" altLang="de-DE" dirty="0" err="1"/>
-              <a:t>file</a:t>
-            </a:r>
-            <a:r>
-              <a:rPr lang="de-DE" altLang="de-DE" dirty="0"/>
-              <a:t> zum Repository hinzugefügt wurde, was nicht direkt unsere Änderungen widerspiegelt.</a:t>
-            </a:r>
-          </a:p>
-          <a:p>
-            <a:pPr marL="457200" indent="-457200">
-              <a:buFont typeface="+mj-lt"/>
-              <a:buAutoNum type="arabicPeriod"/>
-            </a:pPr>
-            <a:r>
-              <a:rPr lang="de-DE" altLang="de-DE" dirty="0"/>
-              <a:t>Machen Sie die vorherige Umbenennung rückgängig und führen Sie diese erneut mit dem Befehl </a:t>
-            </a:r>
-            <a:r>
-              <a:rPr lang="de-DE" altLang="de-DE" dirty="0" err="1">
-                <a:latin typeface="Consolas" panose="020B0609020204030204" pitchFamily="49" charset="0"/>
-              </a:rPr>
-              <a:t>git</a:t>
-            </a:r>
-            <a:r>
-              <a:rPr lang="de-DE" altLang="de-DE" dirty="0">
-                <a:latin typeface="Consolas" panose="020B0609020204030204" pitchFamily="49" charset="0"/>
-              </a:rPr>
-              <a:t> mv </a:t>
-            </a:r>
-            <a:r>
-              <a:rPr lang="de-DE" altLang="de-DE" dirty="0"/>
-              <a:t>aus.</a:t>
-            </a:r>
+              <a:rPr lang="de-DE" altLang="de-DE" sz="1200" dirty="0" err="1">
+                <a:latin typeface="Consolas" panose="020B0609020204030204" pitchFamily="49" charset="0"/>
+              </a:rPr>
+              <a:t>files</a:t>
+            </a:r>
+            <a:endParaRPr lang="de-DE" altLang="de-DE" sz="1200" dirty="0">
+              <a:latin typeface="Consolas" panose="020B0609020204030204" pitchFamily="49" charset="0"/>
+            </a:endParaRPr>
+          </a:p>
+          <a:p>
+            <a:pPr marL="457200" lvl="1" indent="0">
+              <a:spcBef>
+                <a:spcPts val="0"/>
+              </a:spcBef>
+              <a:buNone/>
+            </a:pPr>
+            <a:r>
+              <a:rPr lang="de-DE" altLang="de-DE" sz="1200" dirty="0">
+                <a:latin typeface="Consolas" panose="020B0609020204030204" pitchFamily="49" charset="0"/>
+              </a:rPr>
+              <a:t>*.</a:t>
+            </a:r>
+            <a:r>
+              <a:rPr lang="de-DE" altLang="de-DE" sz="1200" dirty="0" err="1">
+                <a:latin typeface="Consolas" panose="020B0609020204030204" pitchFamily="49" charset="0"/>
+              </a:rPr>
+              <a:t>class</a:t>
+            </a:r>
+            <a:endParaRPr lang="de-DE" altLang="de-DE" sz="1200" dirty="0">
+              <a:latin typeface="Consolas" panose="020B0609020204030204" pitchFamily="49" charset="0"/>
+            </a:endParaRPr>
+          </a:p>
+          <a:p>
+            <a:pPr marL="457200" lvl="1" indent="0">
+              <a:spcBef>
+                <a:spcPts val="0"/>
+              </a:spcBef>
+              <a:buNone/>
+            </a:pPr>
             <a:br>
-              <a:rPr lang="de-DE" altLang="de-DE" dirty="0"/>
+              <a:rPr lang="de-DE" altLang="de-DE" sz="1200" dirty="0">
+                <a:latin typeface="Consolas" panose="020B0609020204030204" pitchFamily="49" charset="0"/>
+              </a:rPr>
             </a:br>
             <a:r>
-              <a:rPr lang="de-DE" altLang="de-DE" dirty="0" err="1">
-                <a:latin typeface="Consolas" panose="020B0609020204030204" pitchFamily="49" charset="0"/>
-              </a:rPr>
-              <a:t>git</a:t>
-            </a:r>
-            <a:r>
-              <a:rPr lang="de-DE" altLang="de-DE" dirty="0">
+              <a:rPr lang="de-DE" altLang="de-DE" sz="1200" dirty="0">
+                <a:latin typeface="Consolas" panose="020B0609020204030204" pitchFamily="49" charset="0"/>
+              </a:rPr>
+              <a:t># log </a:t>
+            </a:r>
+            <a:r>
+              <a:rPr lang="de-DE" altLang="de-DE" sz="1200" dirty="0" err="1">
+                <a:latin typeface="Consolas" panose="020B0609020204030204" pitchFamily="49" charset="0"/>
+              </a:rPr>
+              <a:t>files</a:t>
+            </a:r>
+            <a:endParaRPr lang="de-DE" altLang="de-DE" sz="1200" dirty="0">
+              <a:latin typeface="Consolas" panose="020B0609020204030204" pitchFamily="49" charset="0"/>
+            </a:endParaRPr>
+          </a:p>
+          <a:p>
+            <a:pPr marL="457200" lvl="1" indent="0">
+              <a:spcBef>
+                <a:spcPts val="0"/>
+              </a:spcBef>
+              <a:buNone/>
+            </a:pPr>
+            <a:r>
+              <a:rPr lang="de-DE" altLang="de-DE" sz="1200" dirty="0">
+                <a:latin typeface="Consolas" panose="020B0609020204030204" pitchFamily="49" charset="0"/>
+              </a:rPr>
+              <a:t>*.log</a:t>
+            </a:r>
+          </a:p>
+          <a:p>
+            <a:pPr marL="457200" lvl="1" indent="0">
+              <a:spcBef>
+                <a:spcPts val="0"/>
+              </a:spcBef>
+              <a:buNone/>
+            </a:pPr>
+            <a:endParaRPr lang="de-DE" altLang="de-DE" sz="1200" dirty="0">
+              <a:latin typeface="Consolas" panose="020B0609020204030204" pitchFamily="49" charset="0"/>
+            </a:endParaRPr>
+          </a:p>
+          <a:p>
+            <a:pPr marL="457200" lvl="1" indent="0">
+              <a:spcBef>
+                <a:spcPts val="0"/>
+              </a:spcBef>
+              <a:buNone/>
+            </a:pPr>
+            <a:r>
+              <a:rPr lang="de-DE" altLang="de-DE" sz="1200" dirty="0">
+                <a:latin typeface="Consolas" panose="020B0609020204030204" pitchFamily="49" charset="0"/>
+              </a:rPr>
+              <a:t># </a:t>
+            </a:r>
+            <a:r>
+              <a:rPr lang="de-DE" altLang="de-DE" sz="1200" dirty="0" err="1">
+                <a:latin typeface="Consolas" panose="020B0609020204030204" pitchFamily="49" charset="0"/>
+              </a:rPr>
+              <a:t>jar</a:t>
+            </a:r>
+            <a:r>
+              <a:rPr lang="de-DE" altLang="de-DE" sz="1200" dirty="0">
                 <a:latin typeface="Consolas" panose="020B0609020204030204" pitchFamily="49" charset="0"/>
               </a:rPr>
               <a:t> </a:t>
             </a:r>
             <a:r>
-              <a:rPr lang="de-DE" altLang="de-DE" dirty="0" err="1">
-                <a:latin typeface="Consolas" panose="020B0609020204030204" pitchFamily="49" charset="0"/>
-              </a:rPr>
-              <a:t>status</a:t>
-            </a:r>
-            <a:r>
-              <a:rPr lang="de-DE" altLang="de-DE" dirty="0">
-                <a:latin typeface="Consolas" panose="020B0609020204030204" pitchFamily="49" charset="0"/>
-              </a:rPr>
-              <a:t> </a:t>
-            </a:r>
-            <a:r>
-              <a:rPr lang="de-DE" altLang="de-DE" dirty="0"/>
-              <a:t>sollte Ihnen nun anzeigen, dass </a:t>
-            </a:r>
-            <a:r>
-              <a:rPr lang="de-DE" altLang="de-DE" dirty="0">
-                <a:solidFill>
-                  <a:srgbClr val="C00000"/>
-                </a:solidFill>
-              </a:rPr>
-              <a:t>new_file.txt </a:t>
-            </a:r>
-            <a:r>
-              <a:rPr lang="de-DE" altLang="de-DE" dirty="0"/>
-              <a:t>in </a:t>
-            </a:r>
-            <a:r>
-              <a:rPr lang="de-DE" altLang="de-DE" dirty="0">
-                <a:solidFill>
-                  <a:srgbClr val="C00000"/>
-                </a:solidFill>
-              </a:rPr>
-              <a:t>file2.txt </a:t>
-            </a:r>
-            <a:r>
-              <a:rPr lang="de-DE" altLang="de-DE" dirty="0"/>
-              <a:t>umbenannt wurde. Committen Sie die Änderungen.</a:t>
-            </a:r>
+              <a:rPr lang="de-DE" altLang="de-DE" sz="1200" dirty="0" err="1">
+                <a:latin typeface="Consolas" panose="020B0609020204030204" pitchFamily="49" charset="0"/>
+              </a:rPr>
+              <a:t>files</a:t>
+            </a:r>
+            <a:endParaRPr lang="de-DE" altLang="de-DE" sz="1200" dirty="0">
+              <a:latin typeface="Consolas" panose="020B0609020204030204" pitchFamily="49" charset="0"/>
+            </a:endParaRPr>
+          </a:p>
+          <a:p>
+            <a:pPr marL="457200" lvl="1" indent="0">
+              <a:spcBef>
+                <a:spcPts val="0"/>
+              </a:spcBef>
+              <a:buNone/>
+            </a:pPr>
+            <a:r>
+              <a:rPr lang="de-DE" altLang="de-DE" sz="1200" dirty="0">
+                <a:latin typeface="Consolas" panose="020B0609020204030204" pitchFamily="49" charset="0"/>
+              </a:rPr>
+              <a:t>*.</a:t>
+            </a:r>
+            <a:r>
+              <a:rPr lang="de-DE" altLang="de-DE" sz="1200" dirty="0" err="1">
+                <a:latin typeface="Consolas" panose="020B0609020204030204" pitchFamily="49" charset="0"/>
+              </a:rPr>
+              <a:t>jar</a:t>
+            </a:r>
+            <a:endParaRPr lang="de-DE" altLang="de-DE" sz="1200" dirty="0">
+              <a:latin typeface="Consolas" panose="020B0609020204030204" pitchFamily="49" charset="0"/>
+            </a:endParaRPr>
+          </a:p>
+          <a:p>
+            <a:pPr marL="457200" lvl="1" indent="0">
+              <a:spcBef>
+                <a:spcPts val="0"/>
+              </a:spcBef>
+              <a:buNone/>
+            </a:pPr>
+            <a:endParaRPr lang="de-DE" altLang="de-DE" sz="1200" dirty="0">
+              <a:latin typeface="Consolas" panose="020B0609020204030204" pitchFamily="49" charset="0"/>
+            </a:endParaRPr>
+          </a:p>
+          <a:p>
+            <a:pPr marL="457200" lvl="1" indent="0">
+              <a:spcBef>
+                <a:spcPts val="0"/>
+              </a:spcBef>
+              <a:buNone/>
+            </a:pPr>
+            <a:r>
+              <a:rPr lang="de-DE" altLang="de-DE" sz="1200" dirty="0">
+                <a:latin typeface="Consolas" panose="020B0609020204030204" pitchFamily="49" charset="0"/>
+              </a:rPr>
+              <a:t># </a:t>
+            </a:r>
+            <a:r>
+              <a:rPr lang="de-DE" altLang="de-DE" sz="1200" dirty="0" err="1">
+                <a:latin typeface="Consolas" panose="020B0609020204030204" pitchFamily="49" charset="0"/>
+              </a:rPr>
+              <a:t>build</a:t>
+            </a:r>
+            <a:r>
+              <a:rPr lang="de-DE" altLang="de-DE" sz="1200" dirty="0">
+                <a:latin typeface="Consolas" panose="020B0609020204030204" pitchFamily="49" charset="0"/>
+              </a:rPr>
+              <a:t> and out dir</a:t>
+            </a:r>
+          </a:p>
+          <a:p>
+            <a:pPr marL="457200" lvl="1" indent="0">
+              <a:spcBef>
+                <a:spcPts val="0"/>
+              </a:spcBef>
+              <a:buNone/>
+            </a:pPr>
+            <a:r>
+              <a:rPr lang="de-DE" altLang="de-DE" sz="1200" dirty="0">
+                <a:latin typeface="Consolas" panose="020B0609020204030204" pitchFamily="49" charset="0"/>
+              </a:rPr>
+              <a:t>**/</a:t>
+            </a:r>
+            <a:r>
+              <a:rPr lang="de-DE" altLang="de-DE" sz="1200" dirty="0" err="1">
+                <a:latin typeface="Consolas" panose="020B0609020204030204" pitchFamily="49" charset="0"/>
+              </a:rPr>
+              <a:t>build</a:t>
+            </a:r>
+            <a:endParaRPr lang="de-DE" altLang="de-DE" sz="1200" dirty="0">
+              <a:latin typeface="Consolas" panose="020B0609020204030204" pitchFamily="49" charset="0"/>
+            </a:endParaRPr>
+          </a:p>
+          <a:p>
+            <a:pPr marL="457200" lvl="1" indent="0">
+              <a:spcBef>
+                <a:spcPts val="0"/>
+              </a:spcBef>
+              <a:buNone/>
+            </a:pPr>
+            <a:r>
+              <a:rPr lang="de-DE" altLang="de-DE" sz="1200" dirty="0">
+                <a:latin typeface="Consolas" panose="020B0609020204030204" pitchFamily="49" charset="0"/>
+              </a:rPr>
+              <a:t>**/out</a:t>
+            </a:r>
+            <a:endParaRPr lang="de-DE" altLang="de-DE" dirty="0"/>
           </a:p>
         </p:txBody>
       </p:sp>
@@ -21629,7 +21729,7 @@
     </p:spTree>
     <p:extLst>
       <p:ext uri="{BB962C8B-B14F-4D97-AF65-F5344CB8AC3E}">
-        <p14:creationId xmlns:p14="http://schemas.microsoft.com/office/powerpoint/2010/main" val="865250725"/>
+        <p14:creationId xmlns:p14="http://schemas.microsoft.com/office/powerpoint/2010/main" val="645951355"/>
       </p:ext>
     </p:extLst>
   </p:cSld>
@@ -21693,7 +21793,7 @@
             </a:pPr>
             <a:r>
               <a:rPr lang="de-DE" altLang="de-DE" b="1" dirty="0"/>
-              <a:t>Lösung Übungsaufgabe 4: Umbenennen von Dateien</a:t>
+              <a:t>Übungsaufgabe 4: Umbenennen von Dateien</a:t>
             </a:r>
           </a:p>
           <a:p>
@@ -21702,96 +21802,37 @@
               <a:buAutoNum type="arabicPeriod"/>
             </a:pPr>
             <a:r>
-              <a:rPr lang="de-DE" altLang="de-DE" sz="1400" dirty="0">
-                <a:latin typeface="Consolas" panose="020B0609020204030204" pitchFamily="49" charset="0"/>
-              </a:rPr>
-              <a:t>$ echo "file2 </a:t>
-            </a:r>
-            <a:r>
-              <a:rPr lang="de-DE" altLang="de-DE" sz="1400" dirty="0" err="1">
-                <a:latin typeface="Consolas" panose="020B0609020204030204" pitchFamily="49" charset="0"/>
-              </a:rPr>
+              <a:rPr lang="de-DE" altLang="de-DE" dirty="0"/>
+              <a:t>Erstellen Sie eine Datei </a:t>
+            </a:r>
+            <a:r>
+              <a:rPr lang="de-DE" altLang="de-DE" dirty="0">
+                <a:solidFill>
+                  <a:srgbClr val="C00000"/>
+                </a:solidFill>
+              </a:rPr>
+              <a:t>new_file.txt </a:t>
+            </a:r>
+            <a:r>
+              <a:rPr lang="de-DE" altLang="de-DE" dirty="0"/>
+              <a:t>mit dem Inhalt „file2 </a:t>
+            </a:r>
+            <a:r>
+              <a:rPr lang="de-DE" altLang="de-DE" dirty="0" err="1"/>
               <a:t>content</a:t>
             </a:r>
             <a:r>
-              <a:rPr lang="de-DE" altLang="de-DE" sz="1400" dirty="0">
-                <a:latin typeface="Consolas" panose="020B0609020204030204" pitchFamily="49" charset="0"/>
-              </a:rPr>
-              <a:t>" &gt; new_file.txt</a:t>
-            </a:r>
-            <a:br>
-              <a:rPr lang="de-DE" altLang="de-DE" sz="1400" dirty="0">
-                <a:latin typeface="Consolas" panose="020B0609020204030204" pitchFamily="49" charset="0"/>
-              </a:rPr>
-            </a:br>
-            <a:br>
-              <a:rPr lang="de-DE" altLang="de-DE" sz="1400" dirty="0">
-                <a:latin typeface="Consolas" panose="020B0609020204030204" pitchFamily="49" charset="0"/>
-              </a:rPr>
-            </a:br>
-            <a:r>
-              <a:rPr lang="en-US" altLang="de-DE" sz="1400" dirty="0">
-                <a:latin typeface="Consolas" panose="020B0609020204030204" pitchFamily="49" charset="0"/>
-              </a:rPr>
-              <a:t>$ git add new_file.txt</a:t>
-            </a:r>
-            <a:br>
-              <a:rPr lang="en-US" altLang="de-DE" sz="1400" dirty="0">
-                <a:latin typeface="Consolas" panose="020B0609020204030204" pitchFamily="49" charset="0"/>
-              </a:rPr>
-            </a:br>
-            <a:br>
-              <a:rPr lang="en-US" altLang="de-DE" sz="1400" dirty="0">
-                <a:latin typeface="Consolas" panose="020B0609020204030204" pitchFamily="49" charset="0"/>
-              </a:rPr>
-            </a:br>
-            <a:r>
-              <a:rPr lang="en-US" altLang="de-DE" sz="1400" dirty="0">
-                <a:latin typeface="Consolas" panose="020B0609020204030204" pitchFamily="49" charset="0"/>
-              </a:rPr>
-              <a:t>$ git commit -m "Add new_file.txt file"</a:t>
-            </a:r>
-            <a:br>
-              <a:rPr lang="en-US" altLang="de-DE" sz="1400" dirty="0">
-                <a:latin typeface="Consolas" panose="020B0609020204030204" pitchFamily="49" charset="0"/>
-              </a:rPr>
-            </a:br>
-            <a:r>
-              <a:rPr lang="en-US" altLang="de-DE" sz="1400" dirty="0">
-                <a:latin typeface="Consolas" panose="020B0609020204030204" pitchFamily="49" charset="0"/>
-              </a:rPr>
-              <a:t>[main d2d6d1a] Add new_file.txt file</a:t>
-            </a:r>
-            <a:br>
-              <a:rPr lang="en-US" altLang="de-DE" sz="1400" dirty="0">
-                <a:latin typeface="Consolas" panose="020B0609020204030204" pitchFamily="49" charset="0"/>
-              </a:rPr>
-            </a:br>
-            <a:r>
-              <a:rPr lang="en-US" altLang="de-DE" sz="1400" dirty="0">
-                <a:latin typeface="Consolas" panose="020B0609020204030204" pitchFamily="49" charset="0"/>
-              </a:rPr>
-              <a:t> 1 file changed, 1 insertion(+)</a:t>
-            </a:r>
-            <a:br>
-              <a:rPr lang="en-US" altLang="de-DE" sz="1400" dirty="0">
-                <a:latin typeface="Consolas" panose="020B0609020204030204" pitchFamily="49" charset="0"/>
-              </a:rPr>
-            </a:br>
-            <a:r>
-              <a:rPr lang="en-US" altLang="de-DE" sz="1400" dirty="0">
-                <a:latin typeface="Consolas" panose="020B0609020204030204" pitchFamily="49" charset="0"/>
-              </a:rPr>
-              <a:t> create mode 100644 new_file.txt</a:t>
-            </a:r>
-            <a:br>
-              <a:rPr lang="en-US" altLang="de-DE" sz="1400" dirty="0">
-                <a:latin typeface="Consolas" panose="020B0609020204030204" pitchFamily="49" charset="0"/>
-              </a:rPr>
-            </a:br>
-            <a:endParaRPr lang="de-DE" altLang="de-DE" sz="1400" dirty="0">
-              <a:latin typeface="Consolas" panose="020B0609020204030204" pitchFamily="49" charset="0"/>
-            </a:endParaRPr>
+              <a:rPr lang="de-DE" altLang="de-DE" dirty="0"/>
+              <a:t>“, lassen Sie diese durch </a:t>
+            </a:r>
+            <a:r>
+              <a:rPr lang="de-DE" altLang="de-DE" dirty="0" err="1"/>
+              <a:t>Git</a:t>
+            </a:r>
+            <a:r>
+              <a:rPr lang="de-DE" altLang="de-DE" dirty="0"/>
+              <a:t> tracken und committen Sie diese.</a:t>
+            </a:r>
           </a:p>
           <a:p>
             <a:pPr marL="457200" indent="-457200">
@@ -21799,14 +21840,43 @@
               <a:buAutoNum type="arabicPeriod"/>
             </a:pPr>
             <a:r>
-              <a:rPr lang="en-US" altLang="de-DE" sz="1400" dirty="0">
-                <a:latin typeface="Consolas" panose="020B0609020204030204" pitchFamily="49" charset="0"/>
-              </a:rPr>
-              <a:t>$ mv new_file.txt file2.txt</a:t>
-            </a:r>
-            <a:endParaRPr lang="de-DE" altLang="de-DE" sz="1400" dirty="0">
-              <a:latin typeface="Consolas" panose="020B0609020204030204" pitchFamily="49" charset="0"/>
-            </a:endParaRPr>
+              <a:rPr lang="de-DE" altLang="de-DE" dirty="0"/>
+              <a:t>Benennen Sie die Datei </a:t>
+            </a:r>
+            <a:r>
+              <a:rPr lang="de-DE" altLang="de-DE" dirty="0">
+                <a:solidFill>
+                  <a:srgbClr val="C00000"/>
+                </a:solidFill>
+              </a:rPr>
+              <a:t>new_file.txt </a:t>
+            </a:r>
+            <a:r>
+              <a:rPr lang="de-DE" altLang="de-DE" dirty="0"/>
+              <a:t>über Ihr Betriebssystem in </a:t>
+            </a:r>
+            <a:r>
+              <a:rPr lang="de-DE" altLang="de-DE" dirty="0">
+                <a:solidFill>
+                  <a:srgbClr val="C00000"/>
+                </a:solidFill>
+              </a:rPr>
+              <a:t>file2.txt </a:t>
+            </a:r>
+            <a:r>
+              <a:rPr lang="de-DE" altLang="de-DE" dirty="0"/>
+              <a:t>um (Beispielsweise </a:t>
+            </a:r>
+            <a:r>
+              <a:rPr lang="de-DE" altLang="de-DE" dirty="0">
+                <a:latin typeface="Consolas" panose="020B0609020204030204" pitchFamily="49" charset="0"/>
+              </a:rPr>
+              <a:t>mv new_file.txt file2.txt </a:t>
+            </a:r>
+            <a:r>
+              <a:rPr lang="de-DE" altLang="de-DE" dirty="0"/>
+              <a:t>unter Linux).</a:t>
+            </a:r>
           </a:p>
           <a:p>
             <a:pPr marL="457200" indent="-457200">
@@ -21814,141 +21884,166 @@
               <a:buAutoNum type="arabicPeriod"/>
             </a:pPr>
             <a:r>
-              <a:rPr lang="en-US" altLang="de-DE" sz="1400" dirty="0">
-                <a:latin typeface="Consolas" panose="020B0609020204030204" pitchFamily="49" charset="0"/>
-              </a:rPr>
-              <a:t>$ git status</a:t>
-            </a:r>
-            <a:br>
-              <a:rPr lang="en-US" altLang="de-DE" sz="1400" dirty="0">
-                <a:latin typeface="Consolas" panose="020B0609020204030204" pitchFamily="49" charset="0"/>
-              </a:rPr>
-            </a:br>
-            <a:r>
-              <a:rPr lang="en-US" altLang="de-DE" sz="1400" dirty="0">
-                <a:latin typeface="Consolas" panose="020B0609020204030204" pitchFamily="49" charset="0"/>
-              </a:rPr>
-              <a:t>On branch main</a:t>
-            </a:r>
-            <a:br>
-              <a:rPr lang="en-US" altLang="de-DE" sz="1400" dirty="0">
-                <a:latin typeface="Consolas" panose="020B0609020204030204" pitchFamily="49" charset="0"/>
-              </a:rPr>
-            </a:br>
-            <a:r>
-              <a:rPr lang="en-US" altLang="de-DE" sz="1400" dirty="0">
-                <a:latin typeface="Consolas" panose="020B0609020204030204" pitchFamily="49" charset="0"/>
-              </a:rPr>
-              <a:t>Changes not staged for commit:</a:t>
-            </a:r>
-            <a:br>
-              <a:rPr lang="en-US" altLang="de-DE" sz="1400" dirty="0">
-                <a:latin typeface="Consolas" panose="020B0609020204030204" pitchFamily="49" charset="0"/>
-              </a:rPr>
-            </a:br>
-            <a:r>
-              <a:rPr lang="en-US" altLang="de-DE" sz="1400" dirty="0">
-                <a:latin typeface="Consolas" panose="020B0609020204030204" pitchFamily="49" charset="0"/>
-              </a:rPr>
-              <a:t>  (use "git add/rm &lt;file&gt;..." to update what will be committed)</a:t>
-            </a:r>
-            <a:br>
-              <a:rPr lang="en-US" altLang="de-DE" sz="1400" dirty="0">
-                <a:latin typeface="Consolas" panose="020B0609020204030204" pitchFamily="49" charset="0"/>
-              </a:rPr>
-            </a:br>
-            <a:r>
-              <a:rPr lang="en-US" altLang="de-DE" sz="1400" dirty="0">
-                <a:latin typeface="Consolas" panose="020B0609020204030204" pitchFamily="49" charset="0"/>
-              </a:rPr>
-              <a:t>  (use "git restore &lt;file&gt;..." to discard changes in working directory)</a:t>
-            </a:r>
-            <a:br>
-              <a:rPr lang="en-US" altLang="de-DE" sz="1400" dirty="0">
-                <a:latin typeface="Consolas" panose="020B0609020204030204" pitchFamily="49" charset="0"/>
-              </a:rPr>
-            </a:br>
-            <a:r>
-              <a:rPr lang="en-US" altLang="de-DE" sz="1400" dirty="0">
-                <a:latin typeface="Consolas" panose="020B0609020204030204" pitchFamily="49" charset="0"/>
-              </a:rPr>
-              <a:t>        </a:t>
-            </a:r>
-            <a:r>
-              <a:rPr lang="en-US" altLang="de-DE" sz="1400" dirty="0">
+              <a:rPr lang="de-DE" altLang="de-DE" dirty="0"/>
+              <a:t>Führen Sie den Befehl </a:t>
+            </a:r>
+            <a:r>
+              <a:rPr lang="de-DE" altLang="de-DE" dirty="0" err="1">
+                <a:latin typeface="Consolas" panose="020B0609020204030204" pitchFamily="49" charset="0"/>
+              </a:rPr>
+              <a:t>git</a:t>
+            </a:r>
+            <a:r>
+              <a:rPr lang="de-DE" altLang="de-DE" dirty="0">
+                <a:latin typeface="Consolas" panose="020B0609020204030204" pitchFamily="49" charset="0"/>
+              </a:rPr>
+              <a:t> </a:t>
+            </a:r>
+            <a:r>
+              <a:rPr lang="de-DE" altLang="de-DE" dirty="0" err="1">
+                <a:latin typeface="Consolas" panose="020B0609020204030204" pitchFamily="49" charset="0"/>
+              </a:rPr>
+              <a:t>status</a:t>
+            </a:r>
+            <a:r>
+              <a:rPr lang="de-DE" altLang="de-DE" dirty="0">
+                <a:latin typeface="Consolas" panose="020B0609020204030204" pitchFamily="49" charset="0"/>
+              </a:rPr>
+              <a:t> </a:t>
+            </a:r>
+            <a:r>
+              <a:rPr lang="de-DE" altLang="de-DE" dirty="0"/>
+              <a:t>aus. </a:t>
+            </a:r>
+            <a:r>
+              <a:rPr lang="de-DE" altLang="de-DE" dirty="0" err="1"/>
+              <a:t>Git</a:t>
+            </a:r>
+            <a:r>
+              <a:rPr lang="de-DE" altLang="de-DE" dirty="0"/>
+              <a:t> sollte Ihnen anzeigen, dass </a:t>
+            </a:r>
+            <a:r>
+              <a:rPr lang="de-DE" altLang="de-DE" dirty="0">
                 <a:solidFill>
                   <a:srgbClr val="C00000"/>
                 </a:solidFill>
-                <a:latin typeface="Consolas" panose="020B0609020204030204" pitchFamily="49" charset="0"/>
-              </a:rPr>
-              <a:t>deleted:    new_file.txt</a:t>
-            </a:r>
-            <a:br>
-              <a:rPr lang="en-US" altLang="de-DE" sz="1400" dirty="0">
-                <a:latin typeface="Consolas" panose="020B0609020204030204" pitchFamily="49" charset="0"/>
-              </a:rPr>
-            </a:br>
-            <a:br>
-              <a:rPr lang="en-US" altLang="de-DE" sz="1400" dirty="0">
-                <a:latin typeface="Consolas" panose="020B0609020204030204" pitchFamily="49" charset="0"/>
-              </a:rPr>
-            </a:br>
-            <a:r>
-              <a:rPr lang="en-US" altLang="de-DE" sz="1400" dirty="0">
-                <a:latin typeface="Consolas" panose="020B0609020204030204" pitchFamily="49" charset="0"/>
-              </a:rPr>
-              <a:t>Untracked files:</a:t>
-            </a:r>
-            <a:br>
-              <a:rPr lang="en-US" altLang="de-DE" sz="1400" dirty="0">
-                <a:latin typeface="Consolas" panose="020B0609020204030204" pitchFamily="49" charset="0"/>
-              </a:rPr>
-            </a:br>
-            <a:r>
-              <a:rPr lang="en-US" altLang="de-DE" sz="1400" dirty="0">
-                <a:latin typeface="Consolas" panose="020B0609020204030204" pitchFamily="49" charset="0"/>
-              </a:rPr>
-              <a:t>  (use "git add &lt;file&gt;..." to include in what will be committed)</a:t>
-            </a:r>
-            <a:br>
-              <a:rPr lang="en-US" altLang="de-DE" sz="1400" dirty="0">
-                <a:latin typeface="Consolas" panose="020B0609020204030204" pitchFamily="49" charset="0"/>
-              </a:rPr>
-            </a:br>
-            <a:r>
-              <a:rPr lang="en-US" altLang="de-DE" sz="1400" dirty="0">
-                <a:latin typeface="Consolas" panose="020B0609020204030204" pitchFamily="49" charset="0"/>
-              </a:rPr>
-              <a:t>        </a:t>
-            </a:r>
-            <a:r>
-              <a:rPr lang="en-US" altLang="de-DE" sz="1400" dirty="0">
+              </a:rPr>
+              <a:t>new_file.txt </a:t>
+            </a:r>
+            <a:r>
+              <a:rPr lang="de-DE" altLang="de-DE" dirty="0"/>
+              <a:t>gelöscht wurde und </a:t>
+            </a:r>
+            <a:r>
+              <a:rPr lang="de-DE" altLang="de-DE" dirty="0">
                 <a:solidFill>
                   <a:srgbClr val="C00000"/>
                 </a:solidFill>
-                <a:latin typeface="Consolas" panose="020B0609020204030204" pitchFamily="49" charset="0"/>
-              </a:rPr>
-              <a:t>file2.txt</a:t>
+              </a:rPr>
+              <a:t>file2.txt </a:t>
+            </a:r>
+            <a:r>
+              <a:rPr lang="de-DE" altLang="de-DE" dirty="0"/>
+              <a:t>als </a:t>
+            </a:r>
+            <a:r>
+              <a:rPr lang="de-DE" altLang="de-DE" dirty="0" err="1"/>
+              <a:t>untracked</a:t>
+            </a:r>
+            <a:r>
+              <a:rPr lang="de-DE" altLang="de-DE" dirty="0"/>
+              <a:t> </a:t>
+            </a:r>
+            <a:r>
+              <a:rPr lang="de-DE" altLang="de-DE" dirty="0" err="1"/>
+              <a:t>file</a:t>
+            </a:r>
+            <a:r>
+              <a:rPr lang="de-DE" altLang="de-DE" dirty="0"/>
+              <a:t> zum Repository hinzugefügt wurde, was nicht direkt unsere Änderungen widerspiegelt.</a:t>
+            </a:r>
+          </a:p>
+          <a:p>
+            <a:pPr marL="457200" indent="-457200">
+              <a:buFont typeface="+mj-lt"/>
+              <a:buAutoNum type="arabicPeriod"/>
+            </a:pPr>
+            <a:r>
+              <a:rPr lang="de-DE" altLang="de-DE" dirty="0"/>
+              <a:t>Machen Sie die vorherige Umbenennung rückgängig und führen Sie diese erneut mit dem Befehl </a:t>
+            </a:r>
+            <a:r>
+              <a:rPr lang="de-DE" altLang="de-DE" dirty="0" err="1">
+                <a:latin typeface="Consolas" panose="020B0609020204030204" pitchFamily="49" charset="0"/>
+              </a:rPr>
+              <a:t>git</a:t>
+            </a:r>
+            <a:r>
+              <a:rPr lang="de-DE" altLang="de-DE" dirty="0">
+                <a:latin typeface="Consolas" panose="020B0609020204030204" pitchFamily="49" charset="0"/>
+              </a:rPr>
+              <a:t> mv </a:t>
+            </a:r>
+            <a:r>
+              <a:rPr lang="de-DE" altLang="de-DE" dirty="0"/>
+              <a:t>aus.</a:t>
             </a:r>
             <a:br>
-              <a:rPr lang="en-US" altLang="de-DE" sz="1400" dirty="0">
-                <a:latin typeface="Consolas" panose="020B0609020204030204" pitchFamily="49" charset="0"/>
-              </a:rPr>
+              <a:rPr lang="de-DE" altLang="de-DE" dirty="0"/>
             </a:br>
-            <a:br>
-              <a:rPr lang="en-US" altLang="de-DE" sz="1400" dirty="0">
-                <a:latin typeface="Consolas" panose="020B0609020204030204" pitchFamily="49" charset="0"/>
-              </a:rPr>
-            </a:br>
-            <a:r>
-              <a:rPr lang="en-US" altLang="de-DE" sz="1400" dirty="0">
-                <a:latin typeface="Consolas" panose="020B0609020204030204" pitchFamily="49" charset="0"/>
-              </a:rPr>
-              <a:t>no changes added to commit (use "git add" and/or "git commit -a")</a:t>
-            </a:r>
-            <a:endParaRPr lang="de-DE" altLang="de-DE" sz="1400" dirty="0">
-              <a:latin typeface="Consolas" panose="020B0609020204030204" pitchFamily="49" charset="0"/>
-            </a:endParaRPr>
+            <a:r>
+              <a:rPr lang="de-DE" altLang="de-DE" dirty="0" err="1">
+                <a:latin typeface="Consolas" panose="020B0609020204030204" pitchFamily="49" charset="0"/>
+              </a:rPr>
+              <a:t>git</a:t>
+            </a:r>
+            <a:r>
+              <a:rPr lang="de-DE" altLang="de-DE" dirty="0">
+                <a:latin typeface="Consolas" panose="020B0609020204030204" pitchFamily="49" charset="0"/>
+              </a:rPr>
+              <a:t> </a:t>
+            </a:r>
+            <a:r>
+              <a:rPr lang="de-DE" altLang="de-DE" dirty="0" err="1">
+                <a:latin typeface="Consolas" panose="020B0609020204030204" pitchFamily="49" charset="0"/>
+              </a:rPr>
+              <a:t>status</a:t>
+            </a:r>
+            <a:r>
+              <a:rPr lang="de-DE" altLang="de-DE" dirty="0">
+                <a:latin typeface="Consolas" panose="020B0609020204030204" pitchFamily="49" charset="0"/>
+              </a:rPr>
+              <a:t> </a:t>
+            </a:r>
+            <a:r>
+              <a:rPr lang="de-DE" altLang="de-DE" dirty="0"/>
+              <a:t>sollte Ihnen nun anzeigen, dass </a:t>
+            </a:r>
+            <a:r>
+              <a:rPr lang="de-DE" altLang="de-DE" dirty="0">
+                <a:solidFill>
+                  <a:srgbClr val="C00000"/>
+                </a:solidFill>
+              </a:rPr>
+              <a:t>new_file.txt </a:t>
+            </a:r>
+            <a:r>
+              <a:rPr lang="de-DE" altLang="de-DE" dirty="0"/>
+              <a:t>in </a:t>
+            </a:r>
+            <a:r>
+              <a:rPr lang="de-DE" altLang="de-DE" dirty="0">
+                <a:solidFill>
+                  <a:srgbClr val="C00000"/>
+                </a:solidFill>
+              </a:rPr>
+              <a:t>file2.txt </a:t>
+            </a:r>
+            <a:r>
+              <a:rPr lang="de-DE" altLang="de-DE" dirty="0"/>
+              <a:t>umbenannt wurde. Committen Sie die Änderungen.</a:t>
+            </a:r>
           </a:p>
         </p:txBody>
       </p:sp>
@@ -21992,7 +22087,7 @@
     </p:spTree>
     <p:extLst>
       <p:ext uri="{BB962C8B-B14F-4D97-AF65-F5344CB8AC3E}">
-        <p14:creationId xmlns:p14="http://schemas.microsoft.com/office/powerpoint/2010/main" val="3442730547"/>
+        <p14:creationId xmlns:p14="http://schemas.microsoft.com/office/powerpoint/2010/main" val="865250725"/>
       </p:ext>
     </p:extLst>
   </p:cSld>
@@ -22062,13 +22157,25 @@
           <a:p>
             <a:pPr marL="457200" indent="-457200">
               <a:buFont typeface="+mj-lt"/>
-              <a:buAutoNum type="arabicPeriod" startAt="4"/>
+              <a:buAutoNum type="arabicPeriod"/>
             </a:pPr>
             <a:r>
               <a:rPr lang="de-DE" altLang="de-DE" sz="1400" dirty="0">
                 <a:latin typeface="Consolas" panose="020B0609020204030204" pitchFamily="49" charset="0"/>
               </a:rPr>
-              <a:t>$ mv file2.txt new_file.txt</a:t>
+              <a:t>$ echo "file2 </a:t>
+            </a:r>
+            <a:r>
+              <a:rPr lang="de-DE" altLang="de-DE" sz="1400" dirty="0" err="1">
+                <a:latin typeface="Consolas" panose="020B0609020204030204" pitchFamily="49" charset="0"/>
+              </a:rPr>
+              <a:t>content</a:t>
+            </a:r>
+            <a:r>
+              <a:rPr lang="de-DE" altLang="de-DE" sz="1400" dirty="0">
+                <a:latin typeface="Consolas" panose="020B0609020204030204" pitchFamily="49" charset="0"/>
+              </a:rPr>
+              <a:t>" &gt; new_file.txt</a:t>
             </a:r>
             <a:br>
               <a:rPr lang="de-DE" altLang="de-DE" sz="1400" dirty="0">
@@ -22081,438 +22188,225 @@
               </a:rPr>
             </a:br>
             <a:r>
-              <a:rPr lang="de-DE" altLang="de-DE" sz="1400" dirty="0">
-                <a:latin typeface="Consolas" panose="020B0609020204030204" pitchFamily="49" charset="0"/>
-              </a:rPr>
-              <a:t>$ </a:t>
-            </a:r>
-            <a:r>
-              <a:rPr lang="de-DE" altLang="de-DE" sz="1400" dirty="0" err="1">
-                <a:latin typeface="Consolas" panose="020B0609020204030204" pitchFamily="49" charset="0"/>
-              </a:rPr>
-              <a:t>git</a:t>
-            </a:r>
-            <a:r>
-              <a:rPr lang="de-DE" altLang="de-DE" sz="1400" dirty="0">
-                <a:latin typeface="Consolas" panose="020B0609020204030204" pitchFamily="49" charset="0"/>
-              </a:rPr>
-              <a:t> mv new_file.txt file2.txt</a:t>
+              <a:rPr lang="en-US" altLang="de-DE" sz="1400" dirty="0">
+                <a:latin typeface="Consolas" panose="020B0609020204030204" pitchFamily="49" charset="0"/>
+              </a:rPr>
+              <a:t>$ git add new_file.txt</a:t>
             </a:r>
             <a:br>
-              <a:rPr lang="de-DE" altLang="de-DE" sz="1400" dirty="0">
+              <a:rPr lang="en-US" altLang="de-DE" sz="1400" dirty="0">
                 <a:latin typeface="Consolas" panose="020B0609020204030204" pitchFamily="49" charset="0"/>
               </a:rPr>
             </a:br>
             <a:br>
-              <a:rPr lang="de-DE" altLang="de-DE" sz="1400" dirty="0">
+              <a:rPr lang="en-US" altLang="de-DE" sz="1400" dirty="0">
                 <a:latin typeface="Consolas" panose="020B0609020204030204" pitchFamily="49" charset="0"/>
               </a:rPr>
             </a:br>
             <a:r>
-              <a:rPr lang="de-DE" altLang="de-DE" sz="1400" dirty="0">
-                <a:latin typeface="Consolas" panose="020B0609020204030204" pitchFamily="49" charset="0"/>
-              </a:rPr>
-              <a:t>$ </a:t>
-            </a:r>
-            <a:r>
-              <a:rPr lang="de-DE" altLang="de-DE" sz="1400" dirty="0" err="1">
-                <a:latin typeface="Consolas" panose="020B0609020204030204" pitchFamily="49" charset="0"/>
-              </a:rPr>
-              <a:t>git</a:t>
-            </a:r>
-            <a:r>
-              <a:rPr lang="de-DE" altLang="de-DE" sz="1400" dirty="0">
-                <a:latin typeface="Consolas" panose="020B0609020204030204" pitchFamily="49" charset="0"/>
-              </a:rPr>
-              <a:t> </a:t>
-            </a:r>
-            <a:r>
-              <a:rPr lang="de-DE" altLang="de-DE" sz="1400" dirty="0" err="1">
-                <a:latin typeface="Consolas" panose="020B0609020204030204" pitchFamily="49" charset="0"/>
-              </a:rPr>
-              <a:t>status</a:t>
+              <a:rPr lang="en-US" altLang="de-DE" sz="1400" dirty="0">
+                <a:latin typeface="Consolas" panose="020B0609020204030204" pitchFamily="49" charset="0"/>
+              </a:rPr>
+              <a:t>$ git commit -m "Add new_file.txt file"</a:t>
             </a:r>
             <a:br>
-              <a:rPr lang="de-DE" altLang="de-DE" sz="1400" dirty="0">
+              <a:rPr lang="en-US" altLang="de-DE" sz="1400" dirty="0">
                 <a:latin typeface="Consolas" panose="020B0609020204030204" pitchFamily="49" charset="0"/>
               </a:rPr>
             </a:br>
             <a:r>
-              <a:rPr lang="de-DE" altLang="de-DE" sz="1400" dirty="0">
-                <a:latin typeface="Consolas" panose="020B0609020204030204" pitchFamily="49" charset="0"/>
-              </a:rPr>
-              <a:t>On </a:t>
-            </a:r>
-            <a:r>
-              <a:rPr lang="de-DE" altLang="de-DE" sz="1400" dirty="0" err="1">
-                <a:latin typeface="Consolas" panose="020B0609020204030204" pitchFamily="49" charset="0"/>
-              </a:rPr>
-              <a:t>branch</a:t>
-            </a:r>
-            <a:r>
-              <a:rPr lang="de-DE" altLang="de-DE" sz="1400" dirty="0">
-                <a:latin typeface="Consolas" panose="020B0609020204030204" pitchFamily="49" charset="0"/>
-              </a:rPr>
-              <a:t> </a:t>
-            </a:r>
-            <a:r>
-              <a:rPr lang="de-DE" altLang="de-DE" sz="1400" dirty="0" err="1">
-                <a:latin typeface="Consolas" panose="020B0609020204030204" pitchFamily="49" charset="0"/>
-              </a:rPr>
-              <a:t>main</a:t>
+              <a:rPr lang="en-US" altLang="de-DE" sz="1400" dirty="0">
+                <a:latin typeface="Consolas" panose="020B0609020204030204" pitchFamily="49" charset="0"/>
+              </a:rPr>
+              <a:t>[main d2d6d1a] Add new_file.txt file</a:t>
             </a:r>
             <a:br>
-              <a:rPr lang="de-DE" altLang="de-DE" sz="1400" dirty="0">
+              <a:rPr lang="en-US" altLang="de-DE" sz="1400" dirty="0">
                 <a:latin typeface="Consolas" panose="020B0609020204030204" pitchFamily="49" charset="0"/>
               </a:rPr>
             </a:br>
             <a:r>
-              <a:rPr lang="de-DE" altLang="de-DE" sz="1400" dirty="0" err="1">
-                <a:latin typeface="Consolas" panose="020B0609020204030204" pitchFamily="49" charset="0"/>
-              </a:rPr>
-              <a:t>Changes</a:t>
-            </a:r>
-            <a:r>
-              <a:rPr lang="de-DE" altLang="de-DE" sz="1400" dirty="0">
-                <a:latin typeface="Consolas" panose="020B0609020204030204" pitchFamily="49" charset="0"/>
-              </a:rPr>
-              <a:t> </a:t>
-            </a:r>
-            <a:r>
-              <a:rPr lang="de-DE" altLang="de-DE" sz="1400" dirty="0" err="1">
-                <a:latin typeface="Consolas" panose="020B0609020204030204" pitchFamily="49" charset="0"/>
-              </a:rPr>
-              <a:t>to</a:t>
-            </a:r>
-            <a:r>
-              <a:rPr lang="de-DE" altLang="de-DE" sz="1400" dirty="0">
-                <a:latin typeface="Consolas" panose="020B0609020204030204" pitchFamily="49" charset="0"/>
-              </a:rPr>
-              <a:t> </a:t>
-            </a:r>
-            <a:r>
-              <a:rPr lang="de-DE" altLang="de-DE" sz="1400" dirty="0" err="1">
-                <a:latin typeface="Consolas" panose="020B0609020204030204" pitchFamily="49" charset="0"/>
-              </a:rPr>
-              <a:t>be</a:t>
-            </a:r>
-            <a:r>
-              <a:rPr lang="de-DE" altLang="de-DE" sz="1400" dirty="0">
-                <a:latin typeface="Consolas" panose="020B0609020204030204" pitchFamily="49" charset="0"/>
-              </a:rPr>
-              <a:t> </a:t>
-            </a:r>
-            <a:r>
-              <a:rPr lang="de-DE" altLang="de-DE" sz="1400" dirty="0" err="1">
-                <a:latin typeface="Consolas" panose="020B0609020204030204" pitchFamily="49" charset="0"/>
-              </a:rPr>
-              <a:t>committed</a:t>
-            </a:r>
-            <a:r>
-              <a:rPr lang="de-DE" altLang="de-DE" sz="1400" dirty="0">
-                <a:latin typeface="Consolas" panose="020B0609020204030204" pitchFamily="49" charset="0"/>
-              </a:rPr>
-              <a:t>:</a:t>
+              <a:rPr lang="en-US" altLang="de-DE" sz="1400" dirty="0">
+                <a:latin typeface="Consolas" panose="020B0609020204030204" pitchFamily="49" charset="0"/>
+              </a:rPr>
+              <a:t> 1 file changed, 1 insertion(+)</a:t>
             </a:r>
             <a:br>
-              <a:rPr lang="de-DE" altLang="de-DE" sz="1400" dirty="0">
+              <a:rPr lang="en-US" altLang="de-DE" sz="1400" dirty="0">
                 <a:latin typeface="Consolas" panose="020B0609020204030204" pitchFamily="49" charset="0"/>
               </a:rPr>
             </a:br>
             <a:r>
-              <a:rPr lang="de-DE" altLang="de-DE" sz="1400" dirty="0">
-                <a:latin typeface="Consolas" panose="020B0609020204030204" pitchFamily="49" charset="0"/>
-              </a:rPr>
-              <a:t>  (</a:t>
-            </a:r>
-            <a:r>
-              <a:rPr lang="de-DE" altLang="de-DE" sz="1400" dirty="0" err="1">
-                <a:latin typeface="Consolas" panose="020B0609020204030204" pitchFamily="49" charset="0"/>
-              </a:rPr>
-              <a:t>use</a:t>
-            </a:r>
-            <a:r>
-              <a:rPr lang="de-DE" altLang="de-DE" sz="1400" dirty="0">
-                <a:latin typeface="Consolas" panose="020B0609020204030204" pitchFamily="49" charset="0"/>
-              </a:rPr>
-              <a:t> "</a:t>
-            </a:r>
-            <a:r>
-              <a:rPr lang="de-DE" altLang="de-DE" sz="1400" dirty="0" err="1">
-                <a:latin typeface="Consolas" panose="020B0609020204030204" pitchFamily="49" charset="0"/>
-              </a:rPr>
-              <a:t>git</a:t>
-            </a:r>
-            <a:r>
-              <a:rPr lang="de-DE" altLang="de-DE" sz="1400" dirty="0">
-                <a:latin typeface="Consolas" panose="020B0609020204030204" pitchFamily="49" charset="0"/>
-              </a:rPr>
-              <a:t> restore --</a:t>
-            </a:r>
-            <a:r>
-              <a:rPr lang="de-DE" altLang="de-DE" sz="1400" dirty="0" err="1">
-                <a:latin typeface="Consolas" panose="020B0609020204030204" pitchFamily="49" charset="0"/>
-              </a:rPr>
-              <a:t>staged</a:t>
-            </a:r>
-            <a:r>
-              <a:rPr lang="de-DE" altLang="de-DE" sz="1400" dirty="0">
-                <a:latin typeface="Consolas" panose="020B0609020204030204" pitchFamily="49" charset="0"/>
-              </a:rPr>
-              <a:t> &lt;</a:t>
-            </a:r>
-            <a:r>
-              <a:rPr lang="de-DE" altLang="de-DE" sz="1400" dirty="0" err="1">
-                <a:latin typeface="Consolas" panose="020B0609020204030204" pitchFamily="49" charset="0"/>
-              </a:rPr>
-              <a:t>file</a:t>
-            </a:r>
-            <a:r>
-              <a:rPr lang="de-DE" altLang="de-DE" sz="1400" dirty="0">
-                <a:latin typeface="Consolas" panose="020B0609020204030204" pitchFamily="49" charset="0"/>
-              </a:rPr>
-              <a:t>&gt;..." </a:t>
-            </a:r>
-            <a:r>
-              <a:rPr lang="de-DE" altLang="de-DE" sz="1400" dirty="0" err="1">
-                <a:latin typeface="Consolas" panose="020B0609020204030204" pitchFamily="49" charset="0"/>
-              </a:rPr>
-              <a:t>to</a:t>
-            </a:r>
-            <a:r>
-              <a:rPr lang="de-DE" altLang="de-DE" sz="1400" dirty="0">
-                <a:latin typeface="Consolas" panose="020B0609020204030204" pitchFamily="49" charset="0"/>
-              </a:rPr>
-              <a:t> </a:t>
-            </a:r>
-            <a:r>
-              <a:rPr lang="de-DE" altLang="de-DE" sz="1400" dirty="0" err="1">
-                <a:latin typeface="Consolas" panose="020B0609020204030204" pitchFamily="49" charset="0"/>
-              </a:rPr>
-              <a:t>unstage</a:t>
-            </a:r>
-            <a:r>
-              <a:rPr lang="de-DE" altLang="de-DE" sz="1400" dirty="0">
-                <a:latin typeface="Consolas" panose="020B0609020204030204" pitchFamily="49" charset="0"/>
-              </a:rPr>
-              <a:t>)</a:t>
+              <a:rPr lang="en-US" altLang="de-DE" sz="1400" dirty="0">
+                <a:latin typeface="Consolas" panose="020B0609020204030204" pitchFamily="49" charset="0"/>
+              </a:rPr>
+              <a:t> create mode 100644 new_file.txt</a:t>
             </a:r>
             <a:br>
-              <a:rPr lang="de-DE" altLang="de-DE" sz="1400" dirty="0">
+              <a:rPr lang="en-US" altLang="de-DE" sz="1400" dirty="0">
                 <a:latin typeface="Consolas" panose="020B0609020204030204" pitchFamily="49" charset="0"/>
               </a:rPr>
             </a:br>
-            <a:r>
-              <a:rPr lang="de-DE" altLang="de-DE" sz="1400" dirty="0">
+            <a:endParaRPr lang="de-DE" altLang="de-DE" sz="1400" dirty="0">
+              <a:latin typeface="Consolas" panose="020B0609020204030204" pitchFamily="49" charset="0"/>
+            </a:endParaRPr>
+          </a:p>
+          <a:p>
+            <a:pPr marL="457200" indent="-457200">
+              <a:buFont typeface="+mj-lt"/>
+              <a:buAutoNum type="arabicPeriod"/>
+            </a:pPr>
+            <a:r>
+              <a:rPr lang="en-US" altLang="de-DE" sz="1400" dirty="0">
+                <a:latin typeface="Consolas" panose="020B0609020204030204" pitchFamily="49" charset="0"/>
+              </a:rPr>
+              <a:t>$ mv new_file.txt file2.txt</a:t>
+            </a:r>
+            <a:endParaRPr lang="de-DE" altLang="de-DE" sz="1400" dirty="0">
+              <a:latin typeface="Consolas" panose="020B0609020204030204" pitchFamily="49" charset="0"/>
+            </a:endParaRPr>
+          </a:p>
+          <a:p>
+            <a:pPr marL="457200" indent="-457200">
+              <a:buFont typeface="+mj-lt"/>
+              <a:buAutoNum type="arabicPeriod"/>
+            </a:pPr>
+            <a:r>
+              <a:rPr lang="en-US" altLang="de-DE" sz="1400" dirty="0">
+                <a:latin typeface="Consolas" panose="020B0609020204030204" pitchFamily="49" charset="0"/>
+              </a:rPr>
+              <a:t>$ git status</a:t>
+            </a:r>
+            <a:br>
+              <a:rPr lang="en-US" altLang="de-DE" sz="1400" dirty="0">
+                <a:latin typeface="Consolas" panose="020B0609020204030204" pitchFamily="49" charset="0"/>
+              </a:rPr>
+            </a:br>
+            <a:r>
+              <a:rPr lang="en-US" altLang="de-DE" sz="1400" dirty="0">
+                <a:latin typeface="Consolas" panose="020B0609020204030204" pitchFamily="49" charset="0"/>
+              </a:rPr>
+              <a:t>On branch main</a:t>
+            </a:r>
+            <a:br>
+              <a:rPr lang="en-US" altLang="de-DE" sz="1400" dirty="0">
+                <a:latin typeface="Consolas" panose="020B0609020204030204" pitchFamily="49" charset="0"/>
+              </a:rPr>
+            </a:br>
+            <a:r>
+              <a:rPr lang="en-US" altLang="de-DE" sz="1400" dirty="0">
+                <a:latin typeface="Consolas" panose="020B0609020204030204" pitchFamily="49" charset="0"/>
+              </a:rPr>
+              <a:t>Changes not staged for commit:</a:t>
+            </a:r>
+            <a:br>
+              <a:rPr lang="en-US" altLang="de-DE" sz="1400" dirty="0">
+                <a:latin typeface="Consolas" panose="020B0609020204030204" pitchFamily="49" charset="0"/>
+              </a:rPr>
+            </a:br>
+            <a:r>
+              <a:rPr lang="en-US" altLang="de-DE" sz="1400" dirty="0">
+                <a:latin typeface="Consolas" panose="020B0609020204030204" pitchFamily="49" charset="0"/>
+              </a:rPr>
+              <a:t>  (use "git add/rm &lt;file&gt;..." to update what will be committed)</a:t>
+            </a:r>
+            <a:br>
+              <a:rPr lang="en-US" altLang="de-DE" sz="1400" dirty="0">
+                <a:latin typeface="Consolas" panose="020B0609020204030204" pitchFamily="49" charset="0"/>
+              </a:rPr>
+            </a:br>
+            <a:r>
+              <a:rPr lang="en-US" altLang="de-DE" sz="1400" dirty="0">
+                <a:latin typeface="Consolas" panose="020B0609020204030204" pitchFamily="49" charset="0"/>
+              </a:rPr>
+              <a:t>  (use "git restore &lt;file&gt;..." to discard changes in working directory)</a:t>
+            </a:r>
+            <a:br>
+              <a:rPr lang="en-US" altLang="de-DE" sz="1400" dirty="0">
+                <a:latin typeface="Consolas" panose="020B0609020204030204" pitchFamily="49" charset="0"/>
+              </a:rPr>
+            </a:br>
+            <a:r>
+              <a:rPr lang="en-US" altLang="de-DE" sz="1400" dirty="0">
                 <a:latin typeface="Consolas" panose="020B0609020204030204" pitchFamily="49" charset="0"/>
               </a:rPr>
               <a:t>        </a:t>
             </a:r>
             <a:r>
-              <a:rPr lang="de-DE" altLang="de-DE" sz="1400" dirty="0" err="1">
-                <a:latin typeface="Consolas" panose="020B0609020204030204" pitchFamily="49" charset="0"/>
-              </a:rPr>
-              <a:t>renamed</a:t>
-            </a:r>
-            <a:r>
-              <a:rPr lang="de-DE" altLang="de-DE" sz="1400" dirty="0">
-                <a:latin typeface="Consolas" panose="020B0609020204030204" pitchFamily="49" charset="0"/>
-              </a:rPr>
-              <a:t>:    new_file.txt -&gt; file2.txt</a:t>
+              <a:rPr lang="en-US" altLang="de-DE" sz="1400" dirty="0">
+                <a:solidFill>
+                  <a:srgbClr val="C00000"/>
+                </a:solidFill>
+                <a:latin typeface="Consolas" panose="020B0609020204030204" pitchFamily="49" charset="0"/>
+              </a:rPr>
+              <a:t>deleted:    new_file.txt</a:t>
             </a:r>
             <a:br>
-              <a:rPr lang="de-DE" altLang="de-DE" sz="1400" dirty="0">
+              <a:rPr lang="en-US" altLang="de-DE" sz="1400" dirty="0">
                 <a:latin typeface="Consolas" panose="020B0609020204030204" pitchFamily="49" charset="0"/>
               </a:rPr>
             </a:br>
             <a:br>
-              <a:rPr lang="de-DE" altLang="de-DE" sz="1400" dirty="0">
+              <a:rPr lang="en-US" altLang="de-DE" sz="1400" dirty="0">
                 <a:latin typeface="Consolas" panose="020B0609020204030204" pitchFamily="49" charset="0"/>
               </a:rPr>
             </a:br>
             <a:r>
-              <a:rPr lang="de-DE" altLang="de-DE" sz="1400" dirty="0">
-                <a:latin typeface="Consolas" panose="020B0609020204030204" pitchFamily="49" charset="0"/>
-              </a:rPr>
-              <a:t>$ </a:t>
-            </a:r>
-            <a:r>
-              <a:rPr lang="de-DE" altLang="de-DE" sz="1400" dirty="0" err="1">
-                <a:latin typeface="Consolas" panose="020B0609020204030204" pitchFamily="49" charset="0"/>
-              </a:rPr>
-              <a:t>git</a:t>
-            </a:r>
-            <a:r>
-              <a:rPr lang="de-DE" altLang="de-DE" sz="1400" dirty="0">
-                <a:latin typeface="Consolas" panose="020B0609020204030204" pitchFamily="49" charset="0"/>
-              </a:rPr>
-              <a:t> </a:t>
-            </a:r>
-            <a:r>
-              <a:rPr lang="de-DE" altLang="de-DE" sz="1400" dirty="0" err="1">
-                <a:latin typeface="Consolas" panose="020B0609020204030204" pitchFamily="49" charset="0"/>
-              </a:rPr>
-              <a:t>commit</a:t>
-            </a:r>
-            <a:r>
-              <a:rPr lang="de-DE" altLang="de-DE" sz="1400" dirty="0">
-                <a:latin typeface="Consolas" panose="020B0609020204030204" pitchFamily="49" charset="0"/>
-              </a:rPr>
-              <a:t> -m "</a:t>
-            </a:r>
-            <a:r>
-              <a:rPr lang="de-DE" altLang="de-DE" sz="1400" dirty="0" err="1">
-                <a:latin typeface="Consolas" panose="020B0609020204030204" pitchFamily="49" charset="0"/>
-              </a:rPr>
-              <a:t>Rename</a:t>
-            </a:r>
-            <a:r>
-              <a:rPr lang="de-DE" altLang="de-DE" sz="1400" dirty="0">
-                <a:latin typeface="Consolas" panose="020B0609020204030204" pitchFamily="49" charset="0"/>
-              </a:rPr>
-              <a:t> new_file.txt </a:t>
-            </a:r>
-            <a:r>
-              <a:rPr lang="de-DE" altLang="de-DE" sz="1400" dirty="0" err="1">
-                <a:latin typeface="Consolas" panose="020B0609020204030204" pitchFamily="49" charset="0"/>
-              </a:rPr>
-              <a:t>to</a:t>
-            </a:r>
-            <a:r>
-              <a:rPr lang="de-DE" altLang="de-DE" sz="1400" dirty="0">
-                <a:latin typeface="Consolas" panose="020B0609020204030204" pitchFamily="49" charset="0"/>
-              </a:rPr>
-              <a:t> file2.txt"</a:t>
+              <a:rPr lang="en-US" altLang="de-DE" sz="1400" dirty="0">
+                <a:latin typeface="Consolas" panose="020B0609020204030204" pitchFamily="49" charset="0"/>
+              </a:rPr>
+              <a:t>Untracked files:</a:t>
             </a:r>
             <a:br>
-              <a:rPr lang="de-DE" altLang="de-DE" sz="1400" dirty="0">
+              <a:rPr lang="en-US" altLang="de-DE" sz="1400" dirty="0">
                 <a:latin typeface="Consolas" panose="020B0609020204030204" pitchFamily="49" charset="0"/>
               </a:rPr>
             </a:br>
             <a:r>
-              <a:rPr lang="de-DE" altLang="de-DE" sz="1400" dirty="0">
-                <a:latin typeface="Consolas" panose="020B0609020204030204" pitchFamily="49" charset="0"/>
-              </a:rPr>
-              <a:t>[</a:t>
-            </a:r>
-            <a:r>
-              <a:rPr lang="de-DE" altLang="de-DE" sz="1400" dirty="0" err="1">
-                <a:latin typeface="Consolas" panose="020B0609020204030204" pitchFamily="49" charset="0"/>
-              </a:rPr>
-              <a:t>main</a:t>
-            </a:r>
-            <a:r>
-              <a:rPr lang="de-DE" altLang="de-DE" sz="1400" dirty="0">
-                <a:latin typeface="Consolas" panose="020B0609020204030204" pitchFamily="49" charset="0"/>
-              </a:rPr>
-              <a:t> 86561fb] </a:t>
-            </a:r>
-            <a:r>
-              <a:rPr lang="de-DE" altLang="de-DE" sz="1400" dirty="0" err="1">
-                <a:latin typeface="Consolas" panose="020B0609020204030204" pitchFamily="49" charset="0"/>
-              </a:rPr>
-              <a:t>Rename</a:t>
-            </a:r>
-            <a:r>
-              <a:rPr lang="de-DE" altLang="de-DE" sz="1400" dirty="0">
-                <a:latin typeface="Consolas" panose="020B0609020204030204" pitchFamily="49" charset="0"/>
-              </a:rPr>
-              <a:t> new_file.txt </a:t>
-            </a:r>
-            <a:r>
-              <a:rPr lang="de-DE" altLang="de-DE" sz="1400" dirty="0" err="1">
-                <a:latin typeface="Consolas" panose="020B0609020204030204" pitchFamily="49" charset="0"/>
-              </a:rPr>
-              <a:t>to</a:t>
-            </a:r>
-            <a:r>
-              <a:rPr lang="de-DE" altLang="de-DE" sz="1400" dirty="0">
-                <a:latin typeface="Consolas" panose="020B0609020204030204" pitchFamily="49" charset="0"/>
-              </a:rPr>
-              <a:t> file2.txt</a:t>
+              <a:rPr lang="en-US" altLang="de-DE" sz="1400" dirty="0">
+                <a:latin typeface="Consolas" panose="020B0609020204030204" pitchFamily="49" charset="0"/>
+              </a:rPr>
+              <a:t>  (use "git add &lt;file&gt;..." to include in what will be committed)</a:t>
             </a:r>
             <a:br>
-              <a:rPr lang="de-DE" altLang="de-DE" sz="1400" dirty="0">
+              <a:rPr lang="en-US" altLang="de-DE" sz="1400" dirty="0">
                 <a:latin typeface="Consolas" panose="020B0609020204030204" pitchFamily="49" charset="0"/>
               </a:rPr>
             </a:br>
             <a:r>
-              <a:rPr lang="de-DE" altLang="de-DE" sz="1400" dirty="0">
-                <a:latin typeface="Consolas" panose="020B0609020204030204" pitchFamily="49" charset="0"/>
-              </a:rPr>
-              <a:t> 1 </a:t>
-            </a:r>
-            <a:r>
-              <a:rPr lang="de-DE" altLang="de-DE" sz="1400" dirty="0" err="1">
-                <a:latin typeface="Consolas" panose="020B0609020204030204" pitchFamily="49" charset="0"/>
-              </a:rPr>
-              <a:t>file</a:t>
-            </a:r>
-            <a:r>
-              <a:rPr lang="de-DE" altLang="de-DE" sz="1400" dirty="0">
-                <a:latin typeface="Consolas" panose="020B0609020204030204" pitchFamily="49" charset="0"/>
-              </a:rPr>
-              <a:t> </a:t>
-            </a:r>
-            <a:r>
-              <a:rPr lang="de-DE" altLang="de-DE" sz="1400" dirty="0" err="1">
-                <a:latin typeface="Consolas" panose="020B0609020204030204" pitchFamily="49" charset="0"/>
-              </a:rPr>
-              <a:t>changed</a:t>
-            </a:r>
-            <a:r>
-              <a:rPr lang="de-DE" altLang="de-DE" sz="1400" dirty="0">
-                <a:latin typeface="Consolas" panose="020B0609020204030204" pitchFamily="49" charset="0"/>
-              </a:rPr>
-              <a:t>, 0 </a:t>
-            </a:r>
-            <a:r>
-              <a:rPr lang="de-DE" altLang="de-DE" sz="1400" dirty="0" err="1">
-                <a:latin typeface="Consolas" panose="020B0609020204030204" pitchFamily="49" charset="0"/>
-              </a:rPr>
-              <a:t>insertions</a:t>
-            </a:r>
-            <a:r>
-              <a:rPr lang="de-DE" altLang="de-DE" sz="1400" dirty="0">
-                <a:latin typeface="Consolas" panose="020B0609020204030204" pitchFamily="49" charset="0"/>
-              </a:rPr>
-              <a:t>(+), 0 </a:t>
-            </a:r>
-            <a:r>
-              <a:rPr lang="de-DE" altLang="de-DE" sz="1400" dirty="0" err="1">
-                <a:latin typeface="Consolas" panose="020B0609020204030204" pitchFamily="49" charset="0"/>
-              </a:rPr>
-              <a:t>deletions</a:t>
-            </a:r>
-            <a:r>
-              <a:rPr lang="de-DE" altLang="de-DE" sz="1400" dirty="0">
-                <a:latin typeface="Consolas" panose="020B0609020204030204" pitchFamily="49" charset="0"/>
-              </a:rPr>
-              <a:t>(-)</a:t>
+              <a:rPr lang="en-US" altLang="de-DE" sz="1400" dirty="0">
+                <a:latin typeface="Consolas" panose="020B0609020204030204" pitchFamily="49" charset="0"/>
+              </a:rPr>
+              <a:t>        </a:t>
+            </a:r>
+            <a:r>
+              <a:rPr lang="en-US" altLang="de-DE" sz="1400" dirty="0">
+                <a:solidFill>
+                  <a:srgbClr val="C00000"/>
+                </a:solidFill>
+                <a:latin typeface="Consolas" panose="020B0609020204030204" pitchFamily="49" charset="0"/>
+              </a:rPr>
+              <a:t>file2.txt</a:t>
             </a:r>
             <a:br>
-              <a:rPr lang="de-DE" altLang="de-DE" sz="1400" dirty="0">
+              <a:rPr lang="en-US" altLang="de-DE" sz="1400" dirty="0">
                 <a:latin typeface="Consolas" panose="020B0609020204030204" pitchFamily="49" charset="0"/>
               </a:rPr>
             </a:br>
-            <a:r>
-              <a:rPr lang="de-DE" altLang="de-DE" sz="1400" dirty="0">
-                <a:latin typeface="Consolas" panose="020B0609020204030204" pitchFamily="49" charset="0"/>
-              </a:rPr>
-              <a:t> </a:t>
-            </a:r>
-            <a:r>
-              <a:rPr lang="de-DE" altLang="de-DE" sz="1400" dirty="0" err="1">
-                <a:latin typeface="Consolas" panose="020B0609020204030204" pitchFamily="49" charset="0"/>
-              </a:rPr>
-              <a:t>rename</a:t>
-            </a:r>
-            <a:r>
-              <a:rPr lang="de-DE" altLang="de-DE" sz="1400" dirty="0">
-                <a:latin typeface="Consolas" panose="020B0609020204030204" pitchFamily="49" charset="0"/>
-              </a:rPr>
-              <a:t> new_file.txt =&gt; file2.txt (100%)</a:t>
-            </a:r>
+            <a:br>
+              <a:rPr lang="en-US" altLang="de-DE" sz="1400" dirty="0">
+                <a:latin typeface="Consolas" panose="020B0609020204030204" pitchFamily="49" charset="0"/>
+              </a:rPr>
+            </a:br>
+            <a:r>
+              <a:rPr lang="en-US" altLang="de-DE" sz="1400" dirty="0">
+                <a:latin typeface="Consolas" panose="020B0609020204030204" pitchFamily="49" charset="0"/>
+              </a:rPr>
+              <a:t>no changes added to commit (use "git add" and/or "git commit -a")</a:t>
+            </a:r>
+            <a:endParaRPr lang="de-DE" altLang="de-DE" sz="1400" dirty="0">
+              <a:latin typeface="Consolas" panose="020B0609020204030204" pitchFamily="49" charset="0"/>
+            </a:endParaRPr>
           </a:p>
         </p:txBody>
       </p:sp>
@@ -22556,7 +22450,7 @@
     </p:spTree>
     <p:extLst>
       <p:ext uri="{BB962C8B-B14F-4D97-AF65-F5344CB8AC3E}">
-        <p14:creationId xmlns:p14="http://schemas.microsoft.com/office/powerpoint/2010/main" val="2185865622"/>
+        <p14:creationId xmlns:p14="http://schemas.microsoft.com/office/powerpoint/2010/main" val="3442730547"/>
       </p:ext>
     </p:extLst>
   </p:cSld>
@@ -22610,362 +22504,473 @@
           <a:lstStyle/>
           <a:p>
             <a:pPr marL="0" indent="0">
+              <a:spcBef>
+                <a:spcPts val="0"/>
+              </a:spcBef>
+              <a:spcAft>
+                <a:spcPts val="0"/>
+              </a:spcAft>
               <a:buNone/>
             </a:pPr>
             <a:r>
               <a:rPr lang="de-DE" altLang="de-DE" b="1" dirty="0"/>
-              <a:t>.</a:t>
-            </a:r>
-            <a:r>
-              <a:rPr lang="de-DE" altLang="de-DE" b="1" dirty="0" err="1"/>
-              <a:t>gitignore</a:t>
-            </a:r>
-            <a:r>
-              <a:rPr lang="de-DE" altLang="de-DE" b="1" dirty="0"/>
-              <a:t> Datei</a:t>
-            </a:r>
-          </a:p>
-          <a:p>
-            <a:r>
-              <a:rPr lang="de-DE" altLang="de-DE" dirty="0"/>
-              <a:t>Definiert von </a:t>
-            </a:r>
-            <a:r>
-              <a:rPr lang="de-DE" altLang="de-DE" dirty="0" err="1"/>
-              <a:t>Git</a:t>
-            </a:r>
-            <a:r>
-              <a:rPr lang="de-DE" altLang="de-DE" dirty="0"/>
-              <a:t> zu ignorierende Verzeichnisse oder Dateien</a:t>
-            </a:r>
-          </a:p>
-          <a:p>
-            <a:r>
-              <a:rPr lang="de-DE" altLang="de-DE" dirty="0"/>
-              <a:t>Auf verschiedenen Ebenen definiert</a:t>
-            </a:r>
-          </a:p>
-          <a:p>
-            <a:pPr lvl="1"/>
-            <a:r>
-              <a:rPr lang="de-DE" altLang="de-DE" dirty="0"/>
-              <a:t>Globale .</a:t>
-            </a:r>
-            <a:r>
-              <a:rPr lang="de-DE" altLang="de-DE" dirty="0" err="1"/>
-              <a:t>gitignore</a:t>
-            </a:r>
-            <a:r>
-              <a:rPr lang="de-DE" altLang="de-DE" dirty="0"/>
-              <a:t> in der </a:t>
-            </a:r>
-            <a:r>
-              <a:rPr lang="de-DE" altLang="de-DE" dirty="0" err="1"/>
-              <a:t>Git</a:t>
-            </a:r>
-            <a:r>
-              <a:rPr lang="de-DE" altLang="de-DE" dirty="0"/>
-              <a:t>-Konfiguration</a:t>
-            </a:r>
-          </a:p>
-          <a:p>
-            <a:pPr lvl="1"/>
-            <a:r>
-              <a:rPr lang="de-DE" altLang="de-DE" dirty="0" err="1"/>
-              <a:t>Respository</a:t>
-            </a:r>
-            <a:r>
-              <a:rPr lang="de-DE" altLang="de-DE" dirty="0"/>
-              <a:t>-spezifische .</a:t>
-            </a:r>
-            <a:r>
-              <a:rPr lang="de-DE" altLang="de-DE" dirty="0" err="1"/>
-              <a:t>gitignore</a:t>
-            </a:r>
-            <a:endParaRPr lang="de-DE" altLang="de-DE" dirty="0"/>
-          </a:p>
-          <a:p>
-            <a:pPr lvl="1"/>
-            <a:r>
-              <a:rPr lang="de-DE" altLang="de-DE" dirty="0"/>
-              <a:t>Verzeichnis-spezifische .</a:t>
-            </a:r>
-            <a:r>
-              <a:rPr lang="de-DE" altLang="de-DE" dirty="0" err="1"/>
-              <a:t>gitignore</a:t>
-            </a:r>
-            <a:endParaRPr lang="de-DE" altLang="de-DE" dirty="0"/>
-          </a:p>
-          <a:p>
-            <a:r>
-              <a:rPr lang="de-DE" altLang="de-DE" dirty="0"/>
-              <a:t>Verzeichnisse/Dateien können über </a:t>
-            </a:r>
-            <a:r>
-              <a:rPr lang="de-DE" altLang="de-DE" dirty="0">
-                <a:hlinkClick r:id="rId2"/>
-              </a:rPr>
-              <a:t>Pattern</a:t>
-            </a:r>
-            <a:r>
-              <a:rPr lang="de-DE" altLang="de-DE" dirty="0"/>
-              <a:t> angegeben werden</a:t>
-            </a:r>
-          </a:p>
-          <a:p>
-            <a:r>
-              <a:rPr lang="de-DE" altLang="de-DE" dirty="0"/>
-              <a:t>Beispielinhalt:</a:t>
-            </a:r>
-          </a:p>
-          <a:p>
-            <a:pPr marL="457200" lvl="1" indent="0">
-              <a:spcBef>
-                <a:spcPts val="0"/>
-              </a:spcBef>
-              <a:buNone/>
-            </a:pPr>
+              <a:t>Lösung Übungsaufgabe 4: Umbenennen von Dateien</a:t>
+            </a:r>
+          </a:p>
+          <a:p>
+            <a:pPr marL="457200" indent="-457200">
+              <a:buFont typeface="+mj-lt"/>
+              <a:buAutoNum type="arabicPeriod" startAt="4"/>
+            </a:pPr>
+            <a:r>
+              <a:rPr lang="de-DE" altLang="de-DE" sz="1400" dirty="0">
+                <a:latin typeface="Consolas" panose="020B0609020204030204" pitchFamily="49" charset="0"/>
+              </a:rPr>
+              <a:t>$ mv file2.txt new_file.txt</a:t>
+            </a:r>
             <a:br>
-              <a:rPr lang="de-DE" altLang="de-DE" sz="1200" dirty="0">
+              <a:rPr lang="de-DE" altLang="de-DE" sz="1400" dirty="0">
                 <a:latin typeface="Consolas" panose="020B0609020204030204" pitchFamily="49" charset="0"/>
               </a:rPr>
             </a:br>
-            <a:r>
-              <a:rPr lang="de-DE" altLang="de-DE" sz="1200" dirty="0">
-                <a:latin typeface="Consolas" panose="020B0609020204030204" pitchFamily="49" charset="0"/>
-              </a:rPr>
-              <a:t># </a:t>
-            </a:r>
-            <a:r>
-              <a:rPr lang="de-DE" altLang="de-DE" sz="1200" dirty="0" err="1">
-                <a:latin typeface="Consolas" panose="020B0609020204030204" pitchFamily="49" charset="0"/>
-              </a:rPr>
-              <a:t>class</a:t>
-            </a:r>
-            <a:r>
-              <a:rPr lang="de-DE" altLang="de-DE" sz="1200" dirty="0">
+            <a:br>
+              <a:rPr lang="de-DE" altLang="de-DE" sz="1400" dirty="0">
+                <a:latin typeface="Consolas" panose="020B0609020204030204" pitchFamily="49" charset="0"/>
+              </a:rPr>
+            </a:br>
+            <a:r>
+              <a:rPr lang="de-DE" altLang="de-DE" sz="1400" dirty="0">
+                <a:latin typeface="Consolas" panose="020B0609020204030204" pitchFamily="49" charset="0"/>
+              </a:rPr>
+              <a:t>$ </a:t>
+            </a:r>
+            <a:r>
+              <a:rPr lang="de-DE" altLang="de-DE" sz="1400" dirty="0" err="1">
+                <a:latin typeface="Consolas" panose="020B0609020204030204" pitchFamily="49" charset="0"/>
+              </a:rPr>
+              <a:t>git</a:t>
+            </a:r>
+            <a:r>
+              <a:rPr lang="de-DE" altLang="de-DE" sz="1400" dirty="0">
+                <a:latin typeface="Consolas" panose="020B0609020204030204" pitchFamily="49" charset="0"/>
+              </a:rPr>
+              <a:t> mv new_file.txt file2.txt</a:t>
+            </a:r>
+            <a:br>
+              <a:rPr lang="de-DE" altLang="de-DE" sz="1400" dirty="0">
+                <a:latin typeface="Consolas" panose="020B0609020204030204" pitchFamily="49" charset="0"/>
+              </a:rPr>
+            </a:br>
+            <a:br>
+              <a:rPr lang="de-DE" altLang="de-DE" sz="1400" dirty="0">
+                <a:latin typeface="Consolas" panose="020B0609020204030204" pitchFamily="49" charset="0"/>
+              </a:rPr>
+            </a:br>
+            <a:r>
+              <a:rPr lang="de-DE" altLang="de-DE" sz="1400" dirty="0">
+                <a:latin typeface="Consolas" panose="020B0609020204030204" pitchFamily="49" charset="0"/>
+              </a:rPr>
+              <a:t>$ </a:t>
+            </a:r>
+            <a:r>
+              <a:rPr lang="de-DE" altLang="de-DE" sz="1400" dirty="0" err="1">
+                <a:latin typeface="Consolas" panose="020B0609020204030204" pitchFamily="49" charset="0"/>
+              </a:rPr>
+              <a:t>git</a:t>
+            </a:r>
+            <a:r>
+              <a:rPr lang="de-DE" altLang="de-DE" sz="1400" dirty="0">
                 <a:latin typeface="Consolas" panose="020B0609020204030204" pitchFamily="49" charset="0"/>
               </a:rPr>
               <a:t> </a:t>
             </a:r>
             <a:r>
-              <a:rPr lang="de-DE" altLang="de-DE" sz="1200" dirty="0" err="1">
-                <a:latin typeface="Consolas" panose="020B0609020204030204" pitchFamily="49" charset="0"/>
-              </a:rPr>
-              <a:t>files</a:t>
-            </a:r>
-            <a:endParaRPr lang="de-DE" altLang="de-DE" sz="1200" dirty="0">
-              <a:latin typeface="Consolas" panose="020B0609020204030204" pitchFamily="49" charset="0"/>
-            </a:endParaRPr>
-          </a:p>
-          <a:p>
-            <a:pPr marL="457200" lvl="1" indent="0">
-              <a:spcBef>
-                <a:spcPts val="0"/>
-              </a:spcBef>
-              <a:buNone/>
-            </a:pPr>
-            <a:r>
-              <a:rPr lang="de-DE" altLang="de-DE" sz="1200" dirty="0">
-                <a:latin typeface="Consolas" panose="020B0609020204030204" pitchFamily="49" charset="0"/>
-              </a:rPr>
-              <a:t>*.</a:t>
-            </a:r>
-            <a:r>
-              <a:rPr lang="de-DE" altLang="de-DE" sz="1200" dirty="0" err="1">
-                <a:latin typeface="Consolas" panose="020B0609020204030204" pitchFamily="49" charset="0"/>
-              </a:rPr>
-              <a:t>class</a:t>
-            </a:r>
-            <a:endParaRPr lang="de-DE" altLang="de-DE" sz="1200" dirty="0">
-              <a:latin typeface="Consolas" panose="020B0609020204030204" pitchFamily="49" charset="0"/>
-            </a:endParaRPr>
-          </a:p>
-          <a:p>
-            <a:pPr marL="457200" lvl="1" indent="0">
-              <a:spcBef>
-                <a:spcPts val="0"/>
-              </a:spcBef>
-              <a:buNone/>
-            </a:pPr>
+              <a:rPr lang="de-DE" altLang="de-DE" sz="1400" dirty="0" err="1">
+                <a:latin typeface="Consolas" panose="020B0609020204030204" pitchFamily="49" charset="0"/>
+              </a:rPr>
+              <a:t>status</a:t>
+            </a:r>
             <a:br>
-              <a:rPr lang="de-DE" altLang="de-DE" sz="1200" dirty="0">
+              <a:rPr lang="de-DE" altLang="de-DE" sz="1400" dirty="0">
                 <a:latin typeface="Consolas" panose="020B0609020204030204" pitchFamily="49" charset="0"/>
               </a:rPr>
             </a:br>
             <a:r>
-              <a:rPr lang="de-DE" altLang="de-DE" sz="1200" dirty="0">
-                <a:latin typeface="Consolas" panose="020B0609020204030204" pitchFamily="49" charset="0"/>
-              </a:rPr>
-              <a:t># log </a:t>
-            </a:r>
-            <a:r>
-              <a:rPr lang="de-DE" altLang="de-DE" sz="1200" dirty="0" err="1">
-                <a:latin typeface="Consolas" panose="020B0609020204030204" pitchFamily="49" charset="0"/>
-              </a:rPr>
-              <a:t>files</a:t>
-            </a:r>
-            <a:endParaRPr lang="de-DE" altLang="de-DE" sz="1200" dirty="0">
-              <a:latin typeface="Consolas" panose="020B0609020204030204" pitchFamily="49" charset="0"/>
-            </a:endParaRPr>
-          </a:p>
-          <a:p>
-            <a:pPr marL="457200" lvl="1" indent="0">
-              <a:spcBef>
-                <a:spcPts val="0"/>
-              </a:spcBef>
-              <a:buNone/>
-            </a:pPr>
-            <a:r>
-              <a:rPr lang="de-DE" altLang="de-DE" sz="1200" dirty="0">
-                <a:latin typeface="Consolas" panose="020B0609020204030204" pitchFamily="49" charset="0"/>
-              </a:rPr>
-              <a:t>*.log</a:t>
-            </a:r>
-          </a:p>
-          <a:p>
-            <a:pPr marL="457200" lvl="1" indent="0">
-              <a:spcBef>
-                <a:spcPts val="0"/>
-              </a:spcBef>
-              <a:buNone/>
-            </a:pPr>
-            <a:endParaRPr lang="de-DE" altLang="de-DE" sz="1200" dirty="0">
-              <a:latin typeface="Consolas" panose="020B0609020204030204" pitchFamily="49" charset="0"/>
-            </a:endParaRPr>
-          </a:p>
-          <a:p>
-            <a:pPr marL="457200" lvl="1" indent="0">
-              <a:spcBef>
-                <a:spcPts val="0"/>
-              </a:spcBef>
-              <a:buNone/>
-            </a:pPr>
-            <a:r>
-              <a:rPr lang="de-DE" altLang="de-DE" sz="1200" dirty="0">
-                <a:latin typeface="Consolas" panose="020B0609020204030204" pitchFamily="49" charset="0"/>
-              </a:rPr>
-              <a:t># </a:t>
-            </a:r>
-            <a:r>
-              <a:rPr lang="de-DE" altLang="de-DE" sz="1200" dirty="0" err="1">
-                <a:latin typeface="Consolas" panose="020B0609020204030204" pitchFamily="49" charset="0"/>
-              </a:rPr>
-              <a:t>jar</a:t>
-            </a:r>
-            <a:r>
-              <a:rPr lang="de-DE" altLang="de-DE" sz="1200" dirty="0">
+              <a:rPr lang="de-DE" altLang="de-DE" sz="1400" dirty="0">
+                <a:latin typeface="Consolas" panose="020B0609020204030204" pitchFamily="49" charset="0"/>
+              </a:rPr>
+              <a:t>On </a:t>
+            </a:r>
+            <a:r>
+              <a:rPr lang="de-DE" altLang="de-DE" sz="1400" dirty="0" err="1">
+                <a:latin typeface="Consolas" panose="020B0609020204030204" pitchFamily="49" charset="0"/>
+              </a:rPr>
+              <a:t>branch</a:t>
+            </a:r>
+            <a:r>
+              <a:rPr lang="de-DE" altLang="de-DE" sz="1400" dirty="0">
                 <a:latin typeface="Consolas" panose="020B0609020204030204" pitchFamily="49" charset="0"/>
               </a:rPr>
               <a:t> </a:t>
             </a:r>
             <a:r>
-              <a:rPr lang="de-DE" altLang="de-DE" sz="1200" dirty="0" err="1">
-                <a:latin typeface="Consolas" panose="020B0609020204030204" pitchFamily="49" charset="0"/>
-              </a:rPr>
-              <a:t>files</a:t>
-            </a:r>
-            <a:endParaRPr lang="de-DE" altLang="de-DE" sz="1200" dirty="0">
-              <a:latin typeface="Consolas" panose="020B0609020204030204" pitchFamily="49" charset="0"/>
-            </a:endParaRPr>
-          </a:p>
-          <a:p>
-            <a:pPr marL="457200" lvl="1" indent="0">
-              <a:spcBef>
-                <a:spcPts val="0"/>
-              </a:spcBef>
-              <a:buNone/>
-            </a:pPr>
-            <a:r>
-              <a:rPr lang="de-DE" altLang="de-DE" sz="1200" dirty="0">
-                <a:latin typeface="Consolas" panose="020B0609020204030204" pitchFamily="49" charset="0"/>
-              </a:rPr>
-              <a:t>*.</a:t>
-            </a:r>
-            <a:r>
-              <a:rPr lang="de-DE" altLang="de-DE" sz="1200" dirty="0" err="1">
-                <a:latin typeface="Consolas" panose="020B0609020204030204" pitchFamily="49" charset="0"/>
-              </a:rPr>
-              <a:t>jar</a:t>
-            </a:r>
-            <a:endParaRPr lang="de-DE" altLang="de-DE" sz="1200" dirty="0">
-              <a:latin typeface="Consolas" panose="020B0609020204030204" pitchFamily="49" charset="0"/>
-            </a:endParaRPr>
-          </a:p>
-          <a:p>
-            <a:pPr marL="457200" lvl="1" indent="0">
-              <a:spcBef>
-                <a:spcPts val="0"/>
-              </a:spcBef>
-              <a:buNone/>
-            </a:pPr>
-            <a:endParaRPr lang="de-DE" altLang="de-DE" sz="1200" dirty="0">
-              <a:latin typeface="Consolas" panose="020B0609020204030204" pitchFamily="49" charset="0"/>
-            </a:endParaRPr>
-          </a:p>
-          <a:p>
-            <a:pPr marL="457200" lvl="1" indent="0">
-              <a:spcBef>
-                <a:spcPts val="0"/>
-              </a:spcBef>
-              <a:buNone/>
-            </a:pPr>
-            <a:r>
-              <a:rPr lang="de-DE" altLang="de-DE" sz="1200" dirty="0">
-                <a:latin typeface="Consolas" panose="020B0609020204030204" pitchFamily="49" charset="0"/>
-              </a:rPr>
-              <a:t># </a:t>
-            </a:r>
-            <a:r>
-              <a:rPr lang="de-DE" altLang="de-DE" sz="1200" dirty="0" err="1">
-                <a:latin typeface="Consolas" panose="020B0609020204030204" pitchFamily="49" charset="0"/>
-              </a:rPr>
-              <a:t>build</a:t>
-            </a:r>
-            <a:r>
-              <a:rPr lang="de-DE" altLang="de-DE" sz="1200" dirty="0">
-                <a:latin typeface="Consolas" panose="020B0609020204030204" pitchFamily="49" charset="0"/>
-              </a:rPr>
-              <a:t> and out dir</a:t>
-            </a:r>
-          </a:p>
-          <a:p>
-            <a:pPr marL="457200" lvl="1" indent="0">
-              <a:spcBef>
-                <a:spcPts val="0"/>
-              </a:spcBef>
-              <a:buNone/>
-            </a:pPr>
-            <a:r>
-              <a:rPr lang="de-DE" altLang="de-DE" sz="1200" dirty="0">
-                <a:latin typeface="Consolas" panose="020B0609020204030204" pitchFamily="49" charset="0"/>
-              </a:rPr>
-              <a:t>**/</a:t>
-            </a:r>
-            <a:r>
-              <a:rPr lang="de-DE" altLang="de-DE" sz="1200" dirty="0" err="1">
-                <a:latin typeface="Consolas" panose="020B0609020204030204" pitchFamily="49" charset="0"/>
-              </a:rPr>
-              <a:t>build</a:t>
-            </a:r>
-            <a:endParaRPr lang="de-DE" altLang="de-DE" sz="1200" dirty="0">
-              <a:latin typeface="Consolas" panose="020B0609020204030204" pitchFamily="49" charset="0"/>
-            </a:endParaRPr>
-          </a:p>
-          <a:p>
-            <a:pPr marL="457200" lvl="1" indent="0">
-              <a:spcBef>
-                <a:spcPts val="0"/>
-              </a:spcBef>
-              <a:buNone/>
-            </a:pPr>
-            <a:r>
-              <a:rPr lang="de-DE" altLang="de-DE" sz="1200" dirty="0">
-                <a:latin typeface="Consolas" panose="020B0609020204030204" pitchFamily="49" charset="0"/>
-              </a:rPr>
-              <a:t>**/out</a:t>
-            </a:r>
-            <a:endParaRPr lang="de-DE" altLang="de-DE" dirty="0"/>
+              <a:rPr lang="de-DE" altLang="de-DE" sz="1400" dirty="0" err="1">
+                <a:latin typeface="Consolas" panose="020B0609020204030204" pitchFamily="49" charset="0"/>
+              </a:rPr>
+              <a:t>main</a:t>
+            </a:r>
+            <a:br>
+              <a:rPr lang="de-DE" altLang="de-DE" sz="1400" dirty="0">
+                <a:latin typeface="Consolas" panose="020B0609020204030204" pitchFamily="49" charset="0"/>
+              </a:rPr>
+            </a:br>
+            <a:r>
+              <a:rPr lang="de-DE" altLang="de-DE" sz="1400" dirty="0" err="1">
+                <a:latin typeface="Consolas" panose="020B0609020204030204" pitchFamily="49" charset="0"/>
+              </a:rPr>
+              <a:t>Changes</a:t>
+            </a:r>
+            <a:r>
+              <a:rPr lang="de-DE" altLang="de-DE" sz="1400" dirty="0">
+                <a:latin typeface="Consolas" panose="020B0609020204030204" pitchFamily="49" charset="0"/>
+              </a:rPr>
+              <a:t> </a:t>
+            </a:r>
+            <a:r>
+              <a:rPr lang="de-DE" altLang="de-DE" sz="1400" dirty="0" err="1">
+                <a:latin typeface="Consolas" panose="020B0609020204030204" pitchFamily="49" charset="0"/>
+              </a:rPr>
+              <a:t>to</a:t>
+            </a:r>
+            <a:r>
+              <a:rPr lang="de-DE" altLang="de-DE" sz="1400" dirty="0">
+                <a:latin typeface="Consolas" panose="020B0609020204030204" pitchFamily="49" charset="0"/>
+              </a:rPr>
+              <a:t> </a:t>
+            </a:r>
+            <a:r>
+              <a:rPr lang="de-DE" altLang="de-DE" sz="1400" dirty="0" err="1">
+                <a:latin typeface="Consolas" panose="020B0609020204030204" pitchFamily="49" charset="0"/>
+              </a:rPr>
+              <a:t>be</a:t>
+            </a:r>
+            <a:r>
+              <a:rPr lang="de-DE" altLang="de-DE" sz="1400" dirty="0">
+                <a:latin typeface="Consolas" panose="020B0609020204030204" pitchFamily="49" charset="0"/>
+              </a:rPr>
+              <a:t> </a:t>
+            </a:r>
+            <a:r>
+              <a:rPr lang="de-DE" altLang="de-DE" sz="1400" dirty="0" err="1">
+                <a:latin typeface="Consolas" panose="020B0609020204030204" pitchFamily="49" charset="0"/>
+              </a:rPr>
+              <a:t>committed</a:t>
+            </a:r>
+            <a:r>
+              <a:rPr lang="de-DE" altLang="de-DE" sz="1400" dirty="0">
+                <a:latin typeface="Consolas" panose="020B0609020204030204" pitchFamily="49" charset="0"/>
+              </a:rPr>
+              <a:t>:</a:t>
+            </a:r>
+            <a:br>
+              <a:rPr lang="de-DE" altLang="de-DE" sz="1400" dirty="0">
+                <a:latin typeface="Consolas" panose="020B0609020204030204" pitchFamily="49" charset="0"/>
+              </a:rPr>
+            </a:br>
+            <a:r>
+              <a:rPr lang="de-DE" altLang="de-DE" sz="1400" dirty="0">
+                <a:latin typeface="Consolas" panose="020B0609020204030204" pitchFamily="49" charset="0"/>
+              </a:rPr>
+              <a:t>  (</a:t>
+            </a:r>
+            <a:r>
+              <a:rPr lang="de-DE" altLang="de-DE" sz="1400" dirty="0" err="1">
+                <a:latin typeface="Consolas" panose="020B0609020204030204" pitchFamily="49" charset="0"/>
+              </a:rPr>
+              <a:t>use</a:t>
+            </a:r>
+            <a:r>
+              <a:rPr lang="de-DE" altLang="de-DE" sz="1400" dirty="0">
+                <a:latin typeface="Consolas" panose="020B0609020204030204" pitchFamily="49" charset="0"/>
+              </a:rPr>
+              <a:t> "</a:t>
+            </a:r>
+            <a:r>
+              <a:rPr lang="de-DE" altLang="de-DE" sz="1400" dirty="0" err="1">
+                <a:latin typeface="Consolas" panose="020B0609020204030204" pitchFamily="49" charset="0"/>
+              </a:rPr>
+              <a:t>git</a:t>
+            </a:r>
+            <a:r>
+              <a:rPr lang="de-DE" altLang="de-DE" sz="1400" dirty="0">
+                <a:latin typeface="Consolas" panose="020B0609020204030204" pitchFamily="49" charset="0"/>
+              </a:rPr>
+              <a:t> restore --</a:t>
+            </a:r>
+            <a:r>
+              <a:rPr lang="de-DE" altLang="de-DE" sz="1400" dirty="0" err="1">
+                <a:latin typeface="Consolas" panose="020B0609020204030204" pitchFamily="49" charset="0"/>
+              </a:rPr>
+              <a:t>staged</a:t>
+            </a:r>
+            <a:r>
+              <a:rPr lang="de-DE" altLang="de-DE" sz="1400" dirty="0">
+                <a:latin typeface="Consolas" panose="020B0609020204030204" pitchFamily="49" charset="0"/>
+              </a:rPr>
+              <a:t> &lt;</a:t>
+            </a:r>
+            <a:r>
+              <a:rPr lang="de-DE" altLang="de-DE" sz="1400" dirty="0" err="1">
+                <a:latin typeface="Consolas" panose="020B0609020204030204" pitchFamily="49" charset="0"/>
+              </a:rPr>
+              <a:t>file</a:t>
+            </a:r>
+            <a:r>
+              <a:rPr lang="de-DE" altLang="de-DE" sz="1400" dirty="0">
+                <a:latin typeface="Consolas" panose="020B0609020204030204" pitchFamily="49" charset="0"/>
+              </a:rPr>
+              <a:t>&gt;..." </a:t>
+            </a:r>
+            <a:r>
+              <a:rPr lang="de-DE" altLang="de-DE" sz="1400" dirty="0" err="1">
+                <a:latin typeface="Consolas" panose="020B0609020204030204" pitchFamily="49" charset="0"/>
+              </a:rPr>
+              <a:t>to</a:t>
+            </a:r>
+            <a:r>
+              <a:rPr lang="de-DE" altLang="de-DE" sz="1400" dirty="0">
+                <a:latin typeface="Consolas" panose="020B0609020204030204" pitchFamily="49" charset="0"/>
+              </a:rPr>
+              <a:t> </a:t>
+            </a:r>
+            <a:r>
+              <a:rPr lang="de-DE" altLang="de-DE" sz="1400" dirty="0" err="1">
+                <a:latin typeface="Consolas" panose="020B0609020204030204" pitchFamily="49" charset="0"/>
+              </a:rPr>
+              <a:t>unstage</a:t>
+            </a:r>
+            <a:r>
+              <a:rPr lang="de-DE" altLang="de-DE" sz="1400" dirty="0">
+                <a:latin typeface="Consolas" panose="020B0609020204030204" pitchFamily="49" charset="0"/>
+              </a:rPr>
+              <a:t>)</a:t>
+            </a:r>
+            <a:br>
+              <a:rPr lang="de-DE" altLang="de-DE" sz="1400" dirty="0">
+                <a:latin typeface="Consolas" panose="020B0609020204030204" pitchFamily="49" charset="0"/>
+              </a:rPr>
+            </a:br>
+            <a:r>
+              <a:rPr lang="de-DE" altLang="de-DE" sz="1400" dirty="0">
+                <a:latin typeface="Consolas" panose="020B0609020204030204" pitchFamily="49" charset="0"/>
+              </a:rPr>
+              <a:t>        </a:t>
+            </a:r>
+            <a:r>
+              <a:rPr lang="de-DE" altLang="de-DE" sz="1400" dirty="0" err="1">
+                <a:latin typeface="Consolas" panose="020B0609020204030204" pitchFamily="49" charset="0"/>
+              </a:rPr>
+              <a:t>renamed</a:t>
+            </a:r>
+            <a:r>
+              <a:rPr lang="de-DE" altLang="de-DE" sz="1400" dirty="0">
+                <a:latin typeface="Consolas" panose="020B0609020204030204" pitchFamily="49" charset="0"/>
+              </a:rPr>
+              <a:t>:    new_file.txt -&gt; file2.txt</a:t>
+            </a:r>
+            <a:br>
+              <a:rPr lang="de-DE" altLang="de-DE" sz="1400" dirty="0">
+                <a:latin typeface="Consolas" panose="020B0609020204030204" pitchFamily="49" charset="0"/>
+              </a:rPr>
+            </a:br>
+            <a:br>
+              <a:rPr lang="de-DE" altLang="de-DE" sz="1400" dirty="0">
+                <a:latin typeface="Consolas" panose="020B0609020204030204" pitchFamily="49" charset="0"/>
+              </a:rPr>
+            </a:br>
+            <a:r>
+              <a:rPr lang="de-DE" altLang="de-DE" sz="1400" dirty="0">
+                <a:latin typeface="Consolas" panose="020B0609020204030204" pitchFamily="49" charset="0"/>
+              </a:rPr>
+              <a:t>$ </a:t>
+            </a:r>
+            <a:r>
+              <a:rPr lang="de-DE" altLang="de-DE" sz="1400" dirty="0" err="1">
+                <a:latin typeface="Consolas" panose="020B0609020204030204" pitchFamily="49" charset="0"/>
+              </a:rPr>
+              <a:t>git</a:t>
+            </a:r>
+            <a:r>
+              <a:rPr lang="de-DE" altLang="de-DE" sz="1400" dirty="0">
+                <a:latin typeface="Consolas" panose="020B0609020204030204" pitchFamily="49" charset="0"/>
+              </a:rPr>
+              <a:t> </a:t>
+            </a:r>
+            <a:r>
+              <a:rPr lang="de-DE" altLang="de-DE" sz="1400" dirty="0" err="1">
+                <a:latin typeface="Consolas" panose="020B0609020204030204" pitchFamily="49" charset="0"/>
+              </a:rPr>
+              <a:t>commit</a:t>
+            </a:r>
+            <a:r>
+              <a:rPr lang="de-DE" altLang="de-DE" sz="1400" dirty="0">
+                <a:latin typeface="Consolas" panose="020B0609020204030204" pitchFamily="49" charset="0"/>
+              </a:rPr>
+              <a:t> -m "</a:t>
+            </a:r>
+            <a:r>
+              <a:rPr lang="de-DE" altLang="de-DE" sz="1400" dirty="0" err="1">
+                <a:latin typeface="Consolas" panose="020B0609020204030204" pitchFamily="49" charset="0"/>
+              </a:rPr>
+              <a:t>Rename</a:t>
+            </a:r>
+            <a:r>
+              <a:rPr lang="de-DE" altLang="de-DE" sz="1400" dirty="0">
+                <a:latin typeface="Consolas" panose="020B0609020204030204" pitchFamily="49" charset="0"/>
+              </a:rPr>
+              <a:t> new_file.txt </a:t>
+            </a:r>
+            <a:r>
+              <a:rPr lang="de-DE" altLang="de-DE" sz="1400" dirty="0" err="1">
+                <a:latin typeface="Consolas" panose="020B0609020204030204" pitchFamily="49" charset="0"/>
+              </a:rPr>
+              <a:t>to</a:t>
+            </a:r>
+            <a:r>
+              <a:rPr lang="de-DE" altLang="de-DE" sz="1400" dirty="0">
+                <a:latin typeface="Consolas" panose="020B0609020204030204" pitchFamily="49" charset="0"/>
+              </a:rPr>
+              <a:t> file2.txt"</a:t>
+            </a:r>
+            <a:br>
+              <a:rPr lang="de-DE" altLang="de-DE" sz="1400" dirty="0">
+                <a:latin typeface="Consolas" panose="020B0609020204030204" pitchFamily="49" charset="0"/>
+              </a:rPr>
+            </a:br>
+            <a:r>
+              <a:rPr lang="de-DE" altLang="de-DE" sz="1400" dirty="0">
+                <a:latin typeface="Consolas" panose="020B0609020204030204" pitchFamily="49" charset="0"/>
+              </a:rPr>
+              <a:t>[</a:t>
+            </a:r>
+            <a:r>
+              <a:rPr lang="de-DE" altLang="de-DE" sz="1400" dirty="0" err="1">
+                <a:latin typeface="Consolas" panose="020B0609020204030204" pitchFamily="49" charset="0"/>
+              </a:rPr>
+              <a:t>main</a:t>
+            </a:r>
+            <a:r>
+              <a:rPr lang="de-DE" altLang="de-DE" sz="1400" dirty="0">
+                <a:latin typeface="Consolas" panose="020B0609020204030204" pitchFamily="49" charset="0"/>
+              </a:rPr>
+              <a:t> 86561fb] </a:t>
+            </a:r>
+            <a:r>
+              <a:rPr lang="de-DE" altLang="de-DE" sz="1400" dirty="0" err="1">
+                <a:latin typeface="Consolas" panose="020B0609020204030204" pitchFamily="49" charset="0"/>
+              </a:rPr>
+              <a:t>Rename</a:t>
+            </a:r>
+            <a:r>
+              <a:rPr lang="de-DE" altLang="de-DE" sz="1400" dirty="0">
+                <a:latin typeface="Consolas" panose="020B0609020204030204" pitchFamily="49" charset="0"/>
+              </a:rPr>
+              <a:t> new_file.txt </a:t>
+            </a:r>
+            <a:r>
+              <a:rPr lang="de-DE" altLang="de-DE" sz="1400" dirty="0" err="1">
+                <a:latin typeface="Consolas" panose="020B0609020204030204" pitchFamily="49" charset="0"/>
+              </a:rPr>
+              <a:t>to</a:t>
+            </a:r>
+            <a:r>
+              <a:rPr lang="de-DE" altLang="de-DE" sz="1400" dirty="0">
+                <a:latin typeface="Consolas" panose="020B0609020204030204" pitchFamily="49" charset="0"/>
+              </a:rPr>
+              <a:t> file2.txt</a:t>
+            </a:r>
+            <a:br>
+              <a:rPr lang="de-DE" altLang="de-DE" sz="1400" dirty="0">
+                <a:latin typeface="Consolas" panose="020B0609020204030204" pitchFamily="49" charset="0"/>
+              </a:rPr>
+            </a:br>
+            <a:r>
+              <a:rPr lang="de-DE" altLang="de-DE" sz="1400" dirty="0">
+                <a:latin typeface="Consolas" panose="020B0609020204030204" pitchFamily="49" charset="0"/>
+              </a:rPr>
+              <a:t> 1 </a:t>
+            </a:r>
+            <a:r>
+              <a:rPr lang="de-DE" altLang="de-DE" sz="1400" dirty="0" err="1">
+                <a:latin typeface="Consolas" panose="020B0609020204030204" pitchFamily="49" charset="0"/>
+              </a:rPr>
+              <a:t>file</a:t>
+            </a:r>
+            <a:r>
+              <a:rPr lang="de-DE" altLang="de-DE" sz="1400" dirty="0">
+                <a:latin typeface="Consolas" panose="020B0609020204030204" pitchFamily="49" charset="0"/>
+              </a:rPr>
+              <a:t> </a:t>
+            </a:r>
+            <a:r>
+              <a:rPr lang="de-DE" altLang="de-DE" sz="1400" dirty="0" err="1">
+                <a:latin typeface="Consolas" panose="020B0609020204030204" pitchFamily="49" charset="0"/>
+              </a:rPr>
+              <a:t>changed</a:t>
+            </a:r>
+            <a:r>
+              <a:rPr lang="de-DE" altLang="de-DE" sz="1400" dirty="0">
+                <a:latin typeface="Consolas" panose="020B0609020204030204" pitchFamily="49" charset="0"/>
+              </a:rPr>
+              <a:t>, 0 </a:t>
+            </a:r>
+            <a:r>
+              <a:rPr lang="de-DE" altLang="de-DE" sz="1400" dirty="0" err="1">
+                <a:latin typeface="Consolas" panose="020B0609020204030204" pitchFamily="49" charset="0"/>
+              </a:rPr>
+              <a:t>insertions</a:t>
+            </a:r>
+            <a:r>
+              <a:rPr lang="de-DE" altLang="de-DE" sz="1400" dirty="0">
+                <a:latin typeface="Consolas" panose="020B0609020204030204" pitchFamily="49" charset="0"/>
+              </a:rPr>
+              <a:t>(+), 0 </a:t>
+            </a:r>
+            <a:r>
+              <a:rPr lang="de-DE" altLang="de-DE" sz="1400" dirty="0" err="1">
+                <a:latin typeface="Consolas" panose="020B0609020204030204" pitchFamily="49" charset="0"/>
+              </a:rPr>
+              <a:t>deletions</a:t>
+            </a:r>
+            <a:r>
+              <a:rPr lang="de-DE" altLang="de-DE" sz="1400" dirty="0">
+                <a:latin typeface="Consolas" panose="020B0609020204030204" pitchFamily="49" charset="0"/>
+              </a:rPr>
+              <a:t>(-)</a:t>
+            </a:r>
+            <a:br>
+              <a:rPr lang="de-DE" altLang="de-DE" sz="1400" dirty="0">
+                <a:latin typeface="Consolas" panose="020B0609020204030204" pitchFamily="49" charset="0"/>
+              </a:rPr>
+            </a:br>
+            <a:r>
+              <a:rPr lang="de-DE" altLang="de-DE" sz="1400" dirty="0">
+                <a:latin typeface="Consolas" panose="020B0609020204030204" pitchFamily="49" charset="0"/>
+              </a:rPr>
+              <a:t> </a:t>
+            </a:r>
+            <a:r>
+              <a:rPr lang="de-DE" altLang="de-DE" sz="1400" dirty="0" err="1">
+                <a:latin typeface="Consolas" panose="020B0609020204030204" pitchFamily="49" charset="0"/>
+              </a:rPr>
+              <a:t>rename</a:t>
+            </a:r>
+            <a:r>
+              <a:rPr lang="de-DE" altLang="de-DE" sz="1400" dirty="0">
+                <a:latin typeface="Consolas" panose="020B0609020204030204" pitchFamily="49" charset="0"/>
+              </a:rPr>
+              <a:t> new_file.txt =&gt; file2.txt (100%)</a:t>
+            </a:r>
           </a:p>
         </p:txBody>
       </p:sp>
@@ -23009,7 +23014,7 @@
     </p:spTree>
     <p:extLst>
       <p:ext uri="{BB962C8B-B14F-4D97-AF65-F5344CB8AC3E}">
-        <p14:creationId xmlns:p14="http://schemas.microsoft.com/office/powerpoint/2010/main" val="645951355"/>
+        <p14:creationId xmlns:p14="http://schemas.microsoft.com/office/powerpoint/2010/main" val="2185865622"/>
       </p:ext>
     </p:extLst>
   </p:cSld>
@@ -31457,7 +31462,7 @@
             <a:pPr lvl="1"/>
             <a:r>
               <a:rPr lang="de-DE" altLang="de-DE" dirty="0"/>
-              <a:t>Lokaler Versionsverwaltung</a:t>
+              <a:t>(Lokaler Versionsverwaltung)</a:t>
             </a:r>
           </a:p>
           <a:p>
@@ -31569,172 +31574,182 @@
           <a:lstStyle/>
           <a:p>
             <a:pPr marL="0" indent="0">
+              <a:buNone/>
+            </a:pPr>
+            <a:r>
+              <a:rPr lang="de-DE" altLang="de-DE" b="1" dirty="0"/>
+              <a:t>Aktiver Branch</a:t>
+            </a:r>
+          </a:p>
+          <a:p>
+            <a:r>
+              <a:rPr lang="de-DE" altLang="de-DE" dirty="0"/>
+              <a:t>Immer ein aktiver Branch im lokalen Workspace</a:t>
+            </a:r>
+          </a:p>
+          <a:p>
+            <a:r>
+              <a:rPr lang="de-DE" altLang="de-DE" dirty="0"/>
+              <a:t>Alle </a:t>
+            </a:r>
+            <a:r>
+              <a:rPr lang="de-DE" altLang="de-DE" dirty="0" err="1"/>
+              <a:t>Commits</a:t>
+            </a:r>
+            <a:r>
+              <a:rPr lang="de-DE" altLang="de-DE" dirty="0"/>
+              <a:t> werden auf dem aktiven Branch ausgeführt</a:t>
+            </a:r>
+          </a:p>
+          <a:p>
+            <a:r>
+              <a:rPr lang="de-DE" altLang="de-DE" dirty="0"/>
+              <a:t>Wechsel des </a:t>
+            </a:r>
+            <a:r>
+              <a:rPr lang="de-DE" altLang="de-DE" dirty="0" err="1"/>
+              <a:t>Branches</a:t>
+            </a:r>
+            <a:r>
+              <a:rPr lang="de-DE" altLang="de-DE" dirty="0"/>
+              <a:t> ändert Inhalt sämtlicher Dateien im Workspace auf den Stand des </a:t>
+            </a:r>
+            <a:r>
+              <a:rPr lang="de-DE" altLang="de-DE" dirty="0" err="1"/>
+              <a:t>Zielbranches</a:t>
+            </a:r>
+            <a:endParaRPr lang="de-DE" altLang="de-DE" dirty="0"/>
+          </a:p>
+          <a:p>
+            <a:r>
+              <a:rPr lang="de-DE" altLang="de-DE" dirty="0"/>
+              <a:t>Anzeige des aktiven </a:t>
+            </a:r>
+            <a:r>
+              <a:rPr lang="de-DE" altLang="de-DE" dirty="0" err="1"/>
+              <a:t>Branches</a:t>
+            </a:r>
+            <a:endParaRPr lang="de-DE" altLang="de-DE" dirty="0"/>
+          </a:p>
+          <a:p>
+            <a:pPr marL="0" indent="0">
+              <a:buNone/>
+            </a:pPr>
+            <a:r>
+              <a:rPr lang="de-DE" altLang="de-DE" dirty="0"/>
+              <a:t>	</a:t>
+            </a:r>
+            <a:r>
+              <a:rPr lang="de-DE" altLang="de-DE" dirty="0" err="1">
+                <a:latin typeface="Consolas" panose="020B0609020204030204" pitchFamily="49" charset="0"/>
+              </a:rPr>
+              <a:t>git</a:t>
+            </a:r>
+            <a:r>
+              <a:rPr lang="de-DE" altLang="de-DE" dirty="0">
+                <a:latin typeface="Consolas" panose="020B0609020204030204" pitchFamily="49" charset="0"/>
+              </a:rPr>
+              <a:t> </a:t>
+            </a:r>
+            <a:r>
+              <a:rPr lang="de-DE" altLang="de-DE" dirty="0" err="1">
+                <a:latin typeface="Consolas" panose="020B0609020204030204" pitchFamily="49" charset="0"/>
+              </a:rPr>
+              <a:t>status</a:t>
+            </a:r>
+            <a:r>
+              <a:rPr lang="de-DE" altLang="de-DE" dirty="0">
+                <a:latin typeface="Consolas" panose="020B0609020204030204" pitchFamily="49" charset="0"/>
+              </a:rPr>
+              <a:t> </a:t>
+            </a:r>
+            <a:r>
+              <a:rPr lang="de-DE" altLang="de-DE" dirty="0"/>
+              <a:t>oder über </a:t>
+            </a:r>
+            <a:r>
+              <a:rPr lang="de-DE" altLang="de-DE" dirty="0" err="1">
+                <a:latin typeface="Consolas" panose="020B0609020204030204" pitchFamily="49" charset="0"/>
+              </a:rPr>
+              <a:t>git</a:t>
+            </a:r>
+            <a:r>
+              <a:rPr lang="de-DE" altLang="de-DE" dirty="0">
+                <a:latin typeface="Consolas" panose="020B0609020204030204" pitchFamily="49" charset="0"/>
+              </a:rPr>
+              <a:t> </a:t>
+            </a:r>
+            <a:r>
+              <a:rPr lang="de-DE" altLang="de-DE" dirty="0" err="1">
+                <a:latin typeface="Consolas" panose="020B0609020204030204" pitchFamily="49" charset="0"/>
+              </a:rPr>
+              <a:t>branch</a:t>
+            </a:r>
+            <a:endParaRPr lang="de-DE" altLang="de-DE" dirty="0">
+              <a:latin typeface="Consolas" panose="020B0609020204030204" pitchFamily="49" charset="0"/>
+            </a:endParaRPr>
+          </a:p>
+          <a:p>
+            <a:r>
+              <a:rPr lang="de-DE" altLang="de-DE" dirty="0"/>
+              <a:t>Beispiel</a:t>
+            </a:r>
+            <a:endParaRPr lang="en-US" altLang="de-DE" sz="1200" dirty="0">
+              <a:latin typeface="Consolas" panose="020B0609020204030204" pitchFamily="49" charset="0"/>
+            </a:endParaRPr>
+          </a:p>
+          <a:p>
+            <a:pPr marL="457200" lvl="1" indent="0">
               <a:spcBef>
                 <a:spcPts val="0"/>
               </a:spcBef>
-              <a:spcAft>
+              <a:buNone/>
+            </a:pPr>
+            <a:endParaRPr lang="en-US" altLang="de-DE" sz="1200" dirty="0">
+              <a:latin typeface="Consolas" panose="020B0609020204030204" pitchFamily="49" charset="0"/>
+            </a:endParaRPr>
+          </a:p>
+          <a:p>
+            <a:pPr marL="457200" lvl="1" indent="0">
+              <a:spcBef>
                 <a:spcPts val="0"/>
-              </a:spcAft>
-              <a:buNone/>
-            </a:pPr>
-            <a:r>
-              <a:rPr lang="de-DE" altLang="de-DE" b="1" dirty="0"/>
-              <a:t>Übungsaufgabe 6: </a:t>
-            </a:r>
-            <a:r>
-              <a:rPr lang="de-DE" altLang="de-DE" b="1" dirty="0" err="1"/>
-              <a:t>Branches</a:t>
-            </a:r>
-            <a:endParaRPr lang="de-DE" altLang="de-DE" b="1" dirty="0"/>
-          </a:p>
-          <a:p>
-            <a:pPr marL="457200" indent="-457200">
-              <a:buFont typeface="+mj-lt"/>
-              <a:buAutoNum type="arabicPeriod"/>
-            </a:pPr>
-            <a:r>
-              <a:rPr lang="de-DE" altLang="de-DE" dirty="0"/>
-              <a:t>Erstellen Sie im Projekt einen Ordner </a:t>
-            </a:r>
-            <a:r>
-              <a:rPr lang="de-DE" altLang="de-DE" dirty="0" err="1">
-                <a:solidFill>
-                  <a:srgbClr val="C00000"/>
-                </a:solidFill>
-              </a:rPr>
-              <a:t>features</a:t>
-            </a:r>
-            <a:r>
-              <a:rPr lang="de-DE" altLang="de-DE" dirty="0"/>
-              <a:t>.</a:t>
-            </a:r>
-          </a:p>
-          <a:p>
-            <a:pPr marL="457200" indent="-457200">
-              <a:buFont typeface="+mj-lt"/>
-              <a:buAutoNum type="arabicPeriod"/>
-            </a:pPr>
-            <a:r>
-              <a:rPr lang="de-DE" altLang="de-DE" dirty="0"/>
-              <a:t>Erstellen Sie einen neuen Branch </a:t>
-            </a:r>
-            <a:r>
-              <a:rPr lang="de-DE" altLang="de-DE" dirty="0">
-                <a:solidFill>
-                  <a:srgbClr val="C00000"/>
-                </a:solidFill>
-              </a:rPr>
-              <a:t>feature1</a:t>
-            </a:r>
-            <a:r>
-              <a:rPr lang="de-DE" altLang="de-DE" dirty="0"/>
-              <a:t> und wechseln Sie in diesen.</a:t>
-            </a:r>
-          </a:p>
-          <a:p>
-            <a:pPr marL="457200" indent="-457200">
-              <a:buFont typeface="+mj-lt"/>
-              <a:buAutoNum type="arabicPeriod"/>
-            </a:pPr>
-            <a:r>
-              <a:rPr lang="de-DE" altLang="de-DE" dirty="0"/>
-              <a:t>Legen Sie im Ordner </a:t>
-            </a:r>
-            <a:r>
-              <a:rPr lang="de-DE" altLang="de-DE" dirty="0" err="1">
-                <a:solidFill>
-                  <a:srgbClr val="C00000"/>
-                </a:solidFill>
-              </a:rPr>
-              <a:t>features</a:t>
-            </a:r>
-            <a:r>
-              <a:rPr lang="de-DE" altLang="de-DE" dirty="0"/>
-              <a:t> eine Datei </a:t>
-            </a:r>
-            <a:r>
-              <a:rPr lang="de-DE" altLang="de-DE" dirty="0">
-                <a:solidFill>
-                  <a:srgbClr val="C00000"/>
-                </a:solidFill>
-              </a:rPr>
-              <a:t>feature1_file1.txt</a:t>
-            </a:r>
-            <a:r>
-              <a:rPr lang="de-DE" altLang="de-DE" dirty="0"/>
-              <a:t> mit beliebigem Inhalt an und committen Sie Ihre Änderungen.</a:t>
-            </a:r>
-          </a:p>
-          <a:p>
-            <a:pPr marL="457200" indent="-457200">
-              <a:buFont typeface="+mj-lt"/>
-              <a:buAutoNum type="arabicPeriod"/>
-            </a:pPr>
-            <a:r>
-              <a:rPr lang="de-DE" altLang="de-DE" dirty="0"/>
-              <a:t>Erstellen Sie eine zweite Datei </a:t>
-            </a:r>
-            <a:r>
-              <a:rPr lang="de-DE" altLang="de-DE" dirty="0">
-                <a:solidFill>
-                  <a:srgbClr val="C00000"/>
-                </a:solidFill>
-              </a:rPr>
-              <a:t>feature1_file2.txt </a:t>
-            </a:r>
-            <a:r>
-              <a:rPr lang="de-DE" altLang="de-DE" dirty="0"/>
-              <a:t>im Ordner an und committen Sie auch diese.</a:t>
-            </a:r>
-          </a:p>
-          <a:p>
-            <a:pPr marL="457200" indent="-457200">
-              <a:buFont typeface="+mj-lt"/>
-              <a:buAutoNum type="arabicPeriod"/>
-            </a:pPr>
-            <a:r>
-              <a:rPr lang="de-DE" altLang="de-DE" dirty="0"/>
-              <a:t>Wechseln Sie zurück auf den </a:t>
-            </a:r>
-            <a:r>
-              <a:rPr lang="de-DE" altLang="de-DE" dirty="0" err="1">
-                <a:solidFill>
-                  <a:srgbClr val="C00000"/>
-                </a:solidFill>
-              </a:rPr>
-              <a:t>main</a:t>
-            </a:r>
-            <a:r>
-              <a:rPr lang="de-DE" altLang="de-DE" dirty="0"/>
-              <a:t> Branch. Da </a:t>
-            </a:r>
-            <a:r>
-              <a:rPr lang="de-DE" altLang="de-DE" dirty="0" err="1"/>
-              <a:t>Git</a:t>
-            </a:r>
-            <a:r>
-              <a:rPr lang="de-DE" altLang="de-DE" dirty="0"/>
-              <a:t> den Workspace an den aktiven Branch anpasst, sollte der Ordner </a:t>
-            </a:r>
-            <a:r>
-              <a:rPr lang="de-DE" altLang="de-DE" dirty="0" err="1">
-                <a:solidFill>
-                  <a:srgbClr val="C00000"/>
-                </a:solidFill>
-              </a:rPr>
-              <a:t>features</a:t>
-            </a:r>
-            <a:r>
-              <a:rPr lang="de-DE" altLang="de-DE" dirty="0"/>
-              <a:t> hier leer bzw. nicht vorhanden sein.</a:t>
-            </a:r>
-          </a:p>
-          <a:p>
-            <a:pPr marL="457200" indent="-457200">
-              <a:buFont typeface="+mj-lt"/>
-              <a:buAutoNum type="arabicPeriod"/>
-            </a:pPr>
-            <a:endParaRPr lang="de-DE" altLang="de-DE" dirty="0"/>
+              </a:spcBef>
+              <a:buNone/>
+            </a:pPr>
+            <a:r>
+              <a:rPr lang="en-US" altLang="de-DE" sz="1200" dirty="0">
+                <a:latin typeface="Consolas" panose="020B0609020204030204" pitchFamily="49" charset="0"/>
+              </a:rPr>
+              <a:t>$ git status</a:t>
+            </a:r>
+          </a:p>
+          <a:p>
+            <a:pPr marL="457200" lvl="1" indent="0">
+              <a:spcBef>
+                <a:spcPts val="0"/>
+              </a:spcBef>
+              <a:buNone/>
+            </a:pPr>
+            <a:r>
+              <a:rPr lang="en-US" altLang="de-DE" sz="1200" dirty="0">
+                <a:latin typeface="Consolas" panose="020B0609020204030204" pitchFamily="49" charset="0"/>
+              </a:rPr>
+              <a:t>On branch main</a:t>
+            </a:r>
+          </a:p>
+          <a:p>
+            <a:pPr marL="457200" lvl="1" indent="0">
+              <a:spcBef>
+                <a:spcPts val="0"/>
+              </a:spcBef>
+              <a:buNone/>
+            </a:pPr>
+            <a:r>
+              <a:rPr lang="en-US" altLang="de-DE" sz="1200" dirty="0">
+                <a:latin typeface="Consolas" panose="020B0609020204030204" pitchFamily="49" charset="0"/>
+              </a:rPr>
+              <a:t>nothing to commit, working tree clean</a:t>
+            </a:r>
           </a:p>
         </p:txBody>
       </p:sp>
@@ -31786,7 +31801,7 @@
     </p:spTree>
     <p:extLst>
       <p:ext uri="{BB962C8B-B14F-4D97-AF65-F5344CB8AC3E}">
-        <p14:creationId xmlns:p14="http://schemas.microsoft.com/office/powerpoint/2010/main" val="2351510317"/>
+        <p14:creationId xmlns:p14="http://schemas.microsoft.com/office/powerpoint/2010/main" val="1291088434"/>
       </p:ext>
     </p:extLst>
   </p:cSld>
@@ -31840,17 +31855,11 @@
           <a:lstStyle/>
           <a:p>
             <a:pPr marL="0" indent="0">
-              <a:spcBef>
-                <a:spcPts val="0"/>
-              </a:spcBef>
-              <a:spcAft>
-                <a:spcPts val="0"/>
-              </a:spcAft>
               <a:buNone/>
             </a:pPr>
             <a:r>
               <a:rPr lang="de-DE" altLang="de-DE" b="1" dirty="0"/>
-              <a:t>Lösung Übungsaufgabe 6: </a:t>
+              <a:t>Wechseln zwischen </a:t>
             </a:r>
             <a:r>
               <a:rPr lang="de-DE" altLang="de-DE" b="1" dirty="0" err="1"/>
@@ -31859,234 +31868,63 @@
             <a:endParaRPr lang="de-DE" altLang="de-DE" b="1" dirty="0"/>
           </a:p>
           <a:p>
-            <a:pPr marL="457200" indent="-457200">
-              <a:buFont typeface="+mj-lt"/>
-              <a:buAutoNum type="arabicPeriod"/>
-            </a:pPr>
-            <a:r>
-              <a:rPr lang="de-DE" altLang="de-DE" sz="1400" dirty="0">
-                <a:latin typeface="Consolas" panose="020B0609020204030204" pitchFamily="49" charset="0"/>
-              </a:rPr>
-              <a:t>$ </a:t>
-            </a:r>
-            <a:r>
-              <a:rPr lang="de-DE" altLang="de-DE" sz="1400" dirty="0" err="1">
-                <a:latin typeface="Consolas" panose="020B0609020204030204" pitchFamily="49" charset="0"/>
-              </a:rPr>
-              <a:t>mkdir</a:t>
-            </a:r>
-            <a:r>
-              <a:rPr lang="de-DE" altLang="de-DE" sz="1400" dirty="0">
-                <a:latin typeface="Consolas" panose="020B0609020204030204" pitchFamily="49" charset="0"/>
-              </a:rPr>
-              <a:t> </a:t>
-            </a:r>
-            <a:r>
-              <a:rPr lang="de-DE" altLang="de-DE" sz="1400" dirty="0" err="1">
-                <a:latin typeface="Consolas" panose="020B0609020204030204" pitchFamily="49" charset="0"/>
-              </a:rPr>
-              <a:t>features</a:t>
-            </a:r>
-            <a:br>
-              <a:rPr lang="de-DE" altLang="de-DE" sz="1400" dirty="0">
-                <a:latin typeface="Consolas" panose="020B0609020204030204" pitchFamily="49" charset="0"/>
-              </a:rPr>
-            </a:br>
-            <a:endParaRPr lang="de-DE" altLang="de-DE" sz="1400" dirty="0">
-              <a:latin typeface="Consolas" panose="020B0609020204030204" pitchFamily="49" charset="0"/>
-            </a:endParaRPr>
-          </a:p>
-          <a:p>
-            <a:pPr marL="457200" indent="-457200">
-              <a:buFont typeface="+mj-lt"/>
-              <a:buAutoNum type="arabicPeriod"/>
-            </a:pPr>
-            <a:r>
-              <a:rPr lang="en-US" altLang="de-DE" sz="1400" dirty="0">
-                <a:latin typeface="Consolas" panose="020B0609020204030204" pitchFamily="49" charset="0"/>
-              </a:rPr>
-              <a:t>$ git checkout -b feature1</a:t>
-            </a:r>
-            <a:br>
-              <a:rPr lang="en-US" altLang="de-DE" sz="1400" dirty="0">
-                <a:latin typeface="Consolas" panose="020B0609020204030204" pitchFamily="49" charset="0"/>
-              </a:rPr>
-            </a:br>
-            <a:r>
-              <a:rPr lang="en-US" altLang="de-DE" sz="1400" dirty="0">
-                <a:latin typeface="Consolas" panose="020B0609020204030204" pitchFamily="49" charset="0"/>
-              </a:rPr>
-              <a:t>Switched to a new branch 'feature1'</a:t>
-            </a:r>
-            <a:br>
-              <a:rPr lang="en-US" altLang="de-DE" sz="1400" dirty="0">
-                <a:latin typeface="Consolas" panose="020B0609020204030204" pitchFamily="49" charset="0"/>
-              </a:rPr>
-            </a:br>
-            <a:endParaRPr lang="de-DE" altLang="de-DE" sz="1400" dirty="0">
-              <a:latin typeface="Consolas" panose="020B0609020204030204" pitchFamily="49" charset="0"/>
-            </a:endParaRPr>
-          </a:p>
-          <a:p>
-            <a:pPr marL="457200" indent="-457200">
-              <a:buFont typeface="+mj-lt"/>
-              <a:buAutoNum type="arabicPeriod"/>
-            </a:pPr>
-            <a:r>
-              <a:rPr lang="en-US" altLang="de-DE" sz="1400" dirty="0">
-                <a:latin typeface="Consolas" panose="020B0609020204030204" pitchFamily="49" charset="0"/>
-              </a:rPr>
-              <a:t>$ echo "feature1 file1 content" &gt; features/feature1_file1.txt</a:t>
-            </a:r>
-            <a:br>
-              <a:rPr lang="en-US" altLang="de-DE" sz="1400" dirty="0">
-                <a:latin typeface="Consolas" panose="020B0609020204030204" pitchFamily="49" charset="0"/>
-              </a:rPr>
-            </a:br>
-            <a:br>
-              <a:rPr lang="en-US" altLang="de-DE" sz="1400" dirty="0">
-                <a:latin typeface="Consolas" panose="020B0609020204030204" pitchFamily="49" charset="0"/>
-              </a:rPr>
-            </a:br>
-            <a:r>
-              <a:rPr lang="en-US" altLang="de-DE" sz="1400" dirty="0">
-                <a:latin typeface="Consolas" panose="020B0609020204030204" pitchFamily="49" charset="0"/>
-              </a:rPr>
-              <a:t>$ git add features/feature1_file1.txt</a:t>
-            </a:r>
-            <a:br>
-              <a:rPr lang="en-US" altLang="de-DE" sz="1400" dirty="0">
-                <a:latin typeface="Consolas" panose="020B0609020204030204" pitchFamily="49" charset="0"/>
-              </a:rPr>
-            </a:br>
-            <a:br>
-              <a:rPr lang="en-US" altLang="de-DE" sz="1400" dirty="0">
-                <a:latin typeface="Consolas" panose="020B0609020204030204" pitchFamily="49" charset="0"/>
-              </a:rPr>
-            </a:br>
-            <a:r>
-              <a:rPr lang="en-US" altLang="de-DE" sz="1400" dirty="0">
-                <a:latin typeface="Consolas" panose="020B0609020204030204" pitchFamily="49" charset="0"/>
-              </a:rPr>
-              <a:t>$ git commit -m "Add feature1_file1.txt"</a:t>
-            </a:r>
-            <a:br>
-              <a:rPr lang="en-US" altLang="de-DE" sz="1400" dirty="0">
-                <a:latin typeface="Consolas" panose="020B0609020204030204" pitchFamily="49" charset="0"/>
-              </a:rPr>
-            </a:br>
-            <a:r>
-              <a:rPr lang="en-US" altLang="de-DE" sz="1400" dirty="0">
-                <a:latin typeface="Consolas" panose="020B0609020204030204" pitchFamily="49" charset="0"/>
-              </a:rPr>
-              <a:t>[feature1 0fd3371] Add feature1_file1.txt</a:t>
-            </a:r>
-            <a:br>
-              <a:rPr lang="en-US" altLang="de-DE" sz="1400" dirty="0">
-                <a:latin typeface="Consolas" panose="020B0609020204030204" pitchFamily="49" charset="0"/>
-              </a:rPr>
-            </a:br>
-            <a:r>
-              <a:rPr lang="en-US" altLang="de-DE" sz="1400" dirty="0">
-                <a:latin typeface="Consolas" panose="020B0609020204030204" pitchFamily="49" charset="0"/>
-              </a:rPr>
-              <a:t> 1 file changed, 1 insertion(+)</a:t>
-            </a:r>
-            <a:br>
-              <a:rPr lang="en-US" altLang="de-DE" sz="1400" dirty="0">
-                <a:latin typeface="Consolas" panose="020B0609020204030204" pitchFamily="49" charset="0"/>
-              </a:rPr>
-            </a:br>
-            <a:r>
-              <a:rPr lang="en-US" altLang="de-DE" sz="1400" dirty="0">
-                <a:latin typeface="Consolas" panose="020B0609020204030204" pitchFamily="49" charset="0"/>
-              </a:rPr>
-              <a:t> create mode 100644 features/feature1_file1.txt</a:t>
-            </a:r>
-            <a:br>
-              <a:rPr lang="en-US" altLang="de-DE" sz="1400" dirty="0">
-                <a:latin typeface="Consolas" panose="020B0609020204030204" pitchFamily="49" charset="0"/>
-              </a:rPr>
-            </a:br>
-            <a:endParaRPr lang="en-US" altLang="de-DE" sz="1400" dirty="0">
-              <a:latin typeface="Consolas" panose="020B0609020204030204" pitchFamily="49" charset="0"/>
-            </a:endParaRPr>
-          </a:p>
-          <a:p>
-            <a:pPr marL="457200" indent="-457200">
-              <a:buFont typeface="+mj-lt"/>
-              <a:buAutoNum type="arabicPeriod"/>
-            </a:pPr>
-            <a:r>
-              <a:rPr lang="en-US" altLang="de-DE" sz="1400" dirty="0">
-                <a:latin typeface="Consolas" panose="020B0609020204030204" pitchFamily="49" charset="0"/>
-              </a:rPr>
-              <a:t>$ echo "feature1 file2 content" &gt; features/feature1_file2.txt</a:t>
-            </a:r>
-            <a:br>
-              <a:rPr lang="en-US" altLang="de-DE" sz="1400" dirty="0">
-                <a:latin typeface="Consolas" panose="020B0609020204030204" pitchFamily="49" charset="0"/>
-              </a:rPr>
-            </a:br>
-            <a:br>
-              <a:rPr lang="en-US" altLang="de-DE" sz="1400" dirty="0">
-                <a:latin typeface="Consolas" panose="020B0609020204030204" pitchFamily="49" charset="0"/>
-              </a:rPr>
-            </a:br>
-            <a:r>
-              <a:rPr lang="en-US" altLang="de-DE" sz="1400" dirty="0">
-                <a:latin typeface="Consolas" panose="020B0609020204030204" pitchFamily="49" charset="0"/>
-              </a:rPr>
-              <a:t>$ git add features/feature1_file2.txt</a:t>
-            </a:r>
-            <a:br>
-              <a:rPr lang="en-US" altLang="de-DE" sz="1400" dirty="0">
-                <a:latin typeface="Consolas" panose="020B0609020204030204" pitchFamily="49" charset="0"/>
-              </a:rPr>
-            </a:br>
-            <a:br>
-              <a:rPr lang="en-US" altLang="de-DE" sz="1400" dirty="0">
-                <a:latin typeface="Consolas" panose="020B0609020204030204" pitchFamily="49" charset="0"/>
-              </a:rPr>
-            </a:br>
-            <a:r>
-              <a:rPr lang="en-US" altLang="de-DE" sz="1400" dirty="0">
-                <a:latin typeface="Consolas" panose="020B0609020204030204" pitchFamily="49" charset="0"/>
-              </a:rPr>
-              <a:t>$ git commit -m "Add feature1_file2.txt"</a:t>
-            </a:r>
-            <a:br>
-              <a:rPr lang="en-US" altLang="de-DE" sz="1400" dirty="0">
-                <a:latin typeface="Consolas" panose="020B0609020204030204" pitchFamily="49" charset="0"/>
-              </a:rPr>
-            </a:br>
-            <a:r>
-              <a:rPr lang="en-US" altLang="de-DE" sz="1400" dirty="0">
-                <a:latin typeface="Consolas" panose="020B0609020204030204" pitchFamily="49" charset="0"/>
-              </a:rPr>
-              <a:t>[feature1 6c2b85a] Add feature1_file2.txt</a:t>
-            </a:r>
-            <a:br>
-              <a:rPr lang="en-US" altLang="de-DE" sz="1400" dirty="0">
-                <a:latin typeface="Consolas" panose="020B0609020204030204" pitchFamily="49" charset="0"/>
-              </a:rPr>
-            </a:br>
-            <a:r>
-              <a:rPr lang="en-US" altLang="de-DE" sz="1400" dirty="0">
-                <a:latin typeface="Consolas" panose="020B0609020204030204" pitchFamily="49" charset="0"/>
-              </a:rPr>
-              <a:t> 1 file changed, 1 insertion(+)</a:t>
-            </a:r>
-            <a:br>
-              <a:rPr lang="en-US" altLang="de-DE" sz="1400" dirty="0">
-                <a:latin typeface="Consolas" panose="020B0609020204030204" pitchFamily="49" charset="0"/>
-              </a:rPr>
-            </a:br>
-            <a:r>
-              <a:rPr lang="en-US" altLang="de-DE" sz="1400" dirty="0">
-                <a:latin typeface="Consolas" panose="020B0609020204030204" pitchFamily="49" charset="0"/>
-              </a:rPr>
-              <a:t> create mode 100644 features/feature1_file2.txt</a:t>
+            <a:r>
+              <a:rPr lang="de-DE" altLang="de-DE" dirty="0"/>
+              <a:t>Wechseln von </a:t>
+            </a:r>
+            <a:r>
+              <a:rPr lang="de-DE" altLang="de-DE" dirty="0" err="1"/>
+              <a:t>Branches</a:t>
+            </a:r>
+            <a:r>
+              <a:rPr lang="de-DE" altLang="de-DE" dirty="0"/>
+              <a:t> mit </a:t>
+            </a:r>
+            <a:r>
+              <a:rPr lang="de-DE" altLang="de-DE" dirty="0" err="1"/>
+              <a:t>gestageten</a:t>
+            </a:r>
+            <a:r>
+              <a:rPr lang="de-DE" altLang="de-DE" dirty="0"/>
+              <a:t> Änderungen oder veränderten getrackten Dateien mitunter problematisch</a:t>
+            </a:r>
+          </a:p>
+          <a:p>
+            <a:r>
+              <a:rPr lang="de-DE" altLang="de-DE" dirty="0"/>
+              <a:t>Änderungen auf </a:t>
+            </a:r>
+            <a:r>
+              <a:rPr lang="de-DE" altLang="de-DE" dirty="0" err="1"/>
+              <a:t>Zielbranch</a:t>
+            </a:r>
+            <a:r>
+              <a:rPr lang="de-DE" altLang="de-DE" dirty="0"/>
+              <a:t> würden ggf. verloren gehen </a:t>
+            </a:r>
+          </a:p>
+          <a:p>
+            <a:r>
+              <a:rPr lang="de-DE" altLang="de-DE" dirty="0" err="1"/>
+              <a:t>Git</a:t>
+            </a:r>
+            <a:r>
+              <a:rPr lang="de-DE" altLang="de-DE" dirty="0"/>
+              <a:t> warnt Nutzer, sollten Änderungen verloren gehen</a:t>
+            </a:r>
+          </a:p>
+          <a:p>
+            <a:r>
+              <a:rPr lang="de-DE" altLang="de-DE" dirty="0"/>
+              <a:t>Ausnahme: Existiert Änderung nur im </a:t>
+            </a:r>
+            <a:r>
+              <a:rPr lang="de-DE" altLang="de-DE" dirty="0" err="1"/>
+              <a:t>Ausgangsbranch</a:t>
+            </a:r>
+            <a:r>
+              <a:rPr lang="de-DE" altLang="de-DE" dirty="0"/>
+              <a:t>, kann der Branch gewechselt werden</a:t>
             </a:r>
           </a:p>
         </p:txBody>
@@ -32139,7 +31977,7 @@
     </p:spTree>
     <p:extLst>
       <p:ext uri="{BB962C8B-B14F-4D97-AF65-F5344CB8AC3E}">
-        <p14:creationId xmlns:p14="http://schemas.microsoft.com/office/powerpoint/2010/main" val="1528920463"/>
+        <p14:creationId xmlns:p14="http://schemas.microsoft.com/office/powerpoint/2010/main" val="3830641037"/>
       </p:ext>
     </p:extLst>
   </p:cSld>
@@ -32150,7 +31988,7 @@
 </file>
 
 <file path=ppt/slides/slide62.xml><?xml version="1.0" encoding="utf-8"?>
-<p:sld xmlns:a="http://schemas.openxmlformats.org/drawingml/2006/main" xmlns:r="http://schemas.openxmlformats.org/officeDocument/2006/relationships" xmlns:p="http://schemas.openxmlformats.org/presentationml/2006/main">
+<p:sld xmlns:a="http://schemas.openxmlformats.org/drawingml/2006/main" xmlns:r="http://schemas.openxmlformats.org/officeDocument/2006/relationships" xmlns:p="http://schemas.openxmlformats.org/presentationml/2006/main" show="0">
   <p:cSld>
     <p:spTree>
       <p:nvGrpSpPr>
@@ -32193,74 +32031,390 @@
           <a:lstStyle/>
           <a:p>
             <a:pPr marL="0" indent="0">
+              <a:buNone/>
+            </a:pPr>
+            <a:r>
+              <a:rPr lang="de-DE" altLang="de-DE" b="1" dirty="0"/>
+              <a:t>Beispiel:</a:t>
+            </a:r>
+            <a:r>
+              <a:rPr lang="de-DE" altLang="de-DE" dirty="0"/>
+              <a:t> unveränderter </a:t>
+            </a:r>
+            <a:r>
+              <a:rPr lang="de-DE" altLang="de-DE" dirty="0" err="1"/>
+              <a:t>Zielbranch</a:t>
+            </a:r>
+            <a:endParaRPr lang="en-US" altLang="de-DE" sz="1200" dirty="0">
+              <a:latin typeface="Consolas" panose="020B0609020204030204" pitchFamily="49" charset="0"/>
+            </a:endParaRPr>
+          </a:p>
+          <a:p>
+            <a:pPr marL="457200" lvl="1" indent="0">
               <a:spcBef>
                 <a:spcPts val="0"/>
               </a:spcBef>
-              <a:spcAft>
+              <a:buNone/>
+            </a:pPr>
+            <a:endParaRPr lang="en-US" altLang="de-DE" sz="1200" dirty="0">
+              <a:latin typeface="Consolas" panose="020B0609020204030204" pitchFamily="49" charset="0"/>
+            </a:endParaRPr>
+          </a:p>
+          <a:p>
+            <a:pPr marL="457200" lvl="1" indent="0">
+              <a:spcBef>
                 <a:spcPts val="0"/>
-              </a:spcAft>
-              <a:buNone/>
-            </a:pPr>
-            <a:r>
-              <a:rPr lang="de-DE" altLang="de-DE" b="1" dirty="0"/>
-              <a:t>Lösung Übungsaufgabe 6: </a:t>
-            </a:r>
-            <a:r>
-              <a:rPr lang="de-DE" altLang="de-DE" b="1" dirty="0" err="1"/>
-              <a:t>Branches</a:t>
-            </a:r>
-            <a:endParaRPr lang="de-DE" altLang="de-DE" b="1" dirty="0"/>
-          </a:p>
-          <a:p>
-            <a:pPr marL="457200" indent="-457200">
-              <a:buFont typeface="+mj-lt"/>
-              <a:buAutoNum type="arabicPeriod" startAt="5"/>
-            </a:pPr>
-            <a:r>
-              <a:rPr lang="en-US" altLang="de-DE" sz="1400" dirty="0">
+              </a:spcBef>
+              <a:buNone/>
+            </a:pPr>
+            <a:r>
+              <a:rPr lang="en-US" altLang="de-DE" sz="1200" dirty="0">
+                <a:latin typeface="Consolas" panose="020B0609020204030204" pitchFamily="49" charset="0"/>
+              </a:rPr>
+              <a:t>$ git status</a:t>
+            </a:r>
+          </a:p>
+          <a:p>
+            <a:pPr marL="457200" lvl="1" indent="0">
+              <a:spcBef>
+                <a:spcPts val="0"/>
+              </a:spcBef>
+              <a:buNone/>
+            </a:pPr>
+            <a:r>
+              <a:rPr lang="en-US" altLang="de-DE" sz="1200" dirty="0">
+                <a:latin typeface="Consolas" panose="020B0609020204030204" pitchFamily="49" charset="0"/>
+              </a:rPr>
+              <a:t>On branch feature1</a:t>
+            </a:r>
+          </a:p>
+          <a:p>
+            <a:pPr marL="457200" lvl="1" indent="0">
+              <a:spcBef>
+                <a:spcPts val="0"/>
+              </a:spcBef>
+              <a:buNone/>
+            </a:pPr>
+            <a:r>
+              <a:rPr lang="en-US" altLang="de-DE" sz="1200" dirty="0">
+                <a:latin typeface="Consolas" panose="020B0609020204030204" pitchFamily="49" charset="0"/>
+              </a:rPr>
+              <a:t>nothing to commit, working tree clean</a:t>
+            </a:r>
+          </a:p>
+          <a:p>
+            <a:pPr marL="457200" lvl="1" indent="0">
+              <a:spcBef>
+                <a:spcPts val="0"/>
+              </a:spcBef>
+              <a:buNone/>
+            </a:pPr>
+            <a:endParaRPr lang="en-US" altLang="de-DE" sz="1200" dirty="0">
+              <a:latin typeface="Consolas" panose="020B0609020204030204" pitchFamily="49" charset="0"/>
+            </a:endParaRPr>
+          </a:p>
+          <a:p>
+            <a:pPr marL="457200" lvl="1" indent="0">
+              <a:spcBef>
+                <a:spcPts val="0"/>
+              </a:spcBef>
+              <a:buNone/>
+            </a:pPr>
+            <a:r>
+              <a:rPr lang="en-US" altLang="de-DE" sz="1200" dirty="0">
+                <a:latin typeface="Consolas" panose="020B0609020204030204" pitchFamily="49" charset="0"/>
+              </a:rPr>
+              <a:t>$ ls</a:t>
+            </a:r>
+          </a:p>
+          <a:p>
+            <a:pPr marL="457200" lvl="1" indent="0">
+              <a:spcBef>
+                <a:spcPts val="0"/>
+              </a:spcBef>
+              <a:buNone/>
+            </a:pPr>
+            <a:r>
+              <a:rPr lang="en-US" altLang="de-DE" sz="1200" dirty="0">
+                <a:latin typeface="Consolas" panose="020B0609020204030204" pitchFamily="49" charset="0"/>
+              </a:rPr>
+              <a:t>file1.txt file2.txt </a:t>
+            </a:r>
+            <a:r>
+              <a:rPr lang="en-US" altLang="de-DE" sz="1200" dirty="0">
+                <a:solidFill>
+                  <a:schemeClr val="accent5">
+                    <a:lumMod val="25000"/>
+                  </a:schemeClr>
+                </a:solidFill>
+                <a:latin typeface="Consolas" panose="020B0609020204030204" pitchFamily="49" charset="0"/>
+              </a:rPr>
+              <a:t>subdir</a:t>
+            </a:r>
+          </a:p>
+          <a:p>
+            <a:pPr marL="457200" lvl="1" indent="0">
+              <a:spcBef>
+                <a:spcPts val="0"/>
+              </a:spcBef>
+              <a:buNone/>
+            </a:pPr>
+            <a:endParaRPr lang="en-US" altLang="de-DE" sz="1200" dirty="0">
+              <a:solidFill>
+                <a:schemeClr val="accent5">
+                  <a:lumMod val="25000"/>
+                </a:schemeClr>
+              </a:solidFill>
+              <a:latin typeface="Consolas" panose="020B0609020204030204" pitchFamily="49" charset="0"/>
+            </a:endParaRPr>
+          </a:p>
+          <a:p>
+            <a:pPr marL="457200" lvl="1" indent="0">
+              <a:spcBef>
+                <a:spcPts val="0"/>
+              </a:spcBef>
+              <a:buNone/>
+            </a:pPr>
+            <a:r>
+              <a:rPr lang="en-US" altLang="de-DE" sz="1200" dirty="0">
                 <a:latin typeface="Consolas" panose="020B0609020204030204" pitchFamily="49" charset="0"/>
               </a:rPr>
               <a:t>$ git checkout main</a:t>
             </a:r>
-            <a:br>
-              <a:rPr lang="en-US" altLang="de-DE" sz="1400" dirty="0">
-                <a:latin typeface="Consolas" panose="020B0609020204030204" pitchFamily="49" charset="0"/>
-              </a:rPr>
-            </a:br>
-            <a:r>
-              <a:rPr lang="en-US" altLang="de-DE" sz="1400" dirty="0">
+          </a:p>
+          <a:p>
+            <a:pPr marL="457200" lvl="1" indent="0">
+              <a:spcBef>
+                <a:spcPts val="0"/>
+              </a:spcBef>
+              <a:buNone/>
+            </a:pPr>
+            <a:r>
+              <a:rPr lang="en-US" altLang="de-DE" sz="1200" dirty="0">
                 <a:latin typeface="Consolas" panose="020B0609020204030204" pitchFamily="49" charset="0"/>
               </a:rPr>
               <a:t>Switched to branch 'main'</a:t>
             </a:r>
-            <a:br>
-              <a:rPr lang="en-US" altLang="de-DE" sz="1400" dirty="0">
-                <a:latin typeface="Consolas" panose="020B0609020204030204" pitchFamily="49" charset="0"/>
-              </a:rPr>
-            </a:br>
-            <a:br>
-              <a:rPr lang="en-US" altLang="de-DE" sz="1400" dirty="0">
-                <a:latin typeface="Consolas" panose="020B0609020204030204" pitchFamily="49" charset="0"/>
-              </a:rPr>
-            </a:br>
-            <a:r>
-              <a:rPr lang="en-US" altLang="de-DE" sz="1400" dirty="0">
-                <a:latin typeface="Consolas" panose="020B0609020204030204" pitchFamily="49" charset="0"/>
-              </a:rPr>
-              <a:t>$ ls</a:t>
-            </a:r>
-            <a:br>
-              <a:rPr lang="en-US" altLang="de-DE" sz="1400" dirty="0">
-                <a:latin typeface="Consolas" panose="020B0609020204030204" pitchFamily="49" charset="0"/>
-              </a:rPr>
-            </a:br>
-            <a:r>
-              <a:rPr lang="en-US" altLang="de-DE" sz="1400" dirty="0">
-                <a:latin typeface="Consolas" panose="020B0609020204030204" pitchFamily="49" charset="0"/>
-              </a:rPr>
-              <a:t>bin  build  file1.txt  file2.txt</a:t>
-            </a:r>
-            <a:endParaRPr lang="de-DE" altLang="de-DE" dirty="0"/>
+          </a:p>
+          <a:p>
+            <a:pPr marL="457200" lvl="1" indent="0">
+              <a:spcBef>
+                <a:spcPts val="0"/>
+              </a:spcBef>
+              <a:buNone/>
+            </a:pPr>
+            <a:endParaRPr lang="en-US" altLang="de-DE" sz="1200" dirty="0">
+              <a:latin typeface="Consolas" panose="020B0609020204030204" pitchFamily="49" charset="0"/>
+            </a:endParaRPr>
+          </a:p>
+          <a:p>
+            <a:pPr marL="457200" lvl="1" indent="0">
+              <a:spcBef>
+                <a:spcPts val="0"/>
+              </a:spcBef>
+              <a:buNone/>
+            </a:pPr>
+            <a:r>
+              <a:rPr lang="en-US" altLang="de-DE" sz="1200" dirty="0">
+                <a:latin typeface="Consolas" panose="020B0609020204030204" pitchFamily="49" charset="0"/>
+              </a:rPr>
+              <a:t>$ touch main_file1.txt</a:t>
+            </a:r>
+          </a:p>
+          <a:p>
+            <a:pPr marL="457200" lvl="1" indent="0">
+              <a:spcBef>
+                <a:spcPts val="0"/>
+              </a:spcBef>
+              <a:buNone/>
+            </a:pPr>
+            <a:endParaRPr lang="en-US" altLang="de-DE" sz="1200" dirty="0">
+              <a:latin typeface="Consolas" panose="020B0609020204030204" pitchFamily="49" charset="0"/>
+            </a:endParaRPr>
+          </a:p>
+          <a:p>
+            <a:pPr marL="457200" lvl="1" indent="0">
+              <a:spcBef>
+                <a:spcPts val="0"/>
+              </a:spcBef>
+              <a:buNone/>
+            </a:pPr>
+            <a:r>
+              <a:rPr lang="en-US" altLang="de-DE" sz="1200" dirty="0">
+                <a:latin typeface="Consolas" panose="020B0609020204030204" pitchFamily="49" charset="0"/>
+              </a:rPr>
+              <a:t>$ git add main_file1.txt</a:t>
+            </a:r>
+          </a:p>
+          <a:p>
+            <a:pPr marL="457200" lvl="1" indent="0">
+              <a:spcBef>
+                <a:spcPts val="0"/>
+              </a:spcBef>
+              <a:buNone/>
+            </a:pPr>
+            <a:endParaRPr lang="en-US" altLang="de-DE" sz="1200" dirty="0">
+              <a:latin typeface="Consolas" panose="020B0609020204030204" pitchFamily="49" charset="0"/>
+            </a:endParaRPr>
+          </a:p>
+          <a:p>
+            <a:pPr marL="457200" lvl="1" indent="0">
+              <a:spcBef>
+                <a:spcPts val="0"/>
+              </a:spcBef>
+              <a:buNone/>
+            </a:pPr>
+            <a:r>
+              <a:rPr lang="en-US" altLang="de-DE" sz="1200" dirty="0">
+                <a:latin typeface="Consolas" panose="020B0609020204030204" pitchFamily="49" charset="0"/>
+              </a:rPr>
+              <a:t>$ git checkout feature1</a:t>
+            </a:r>
+          </a:p>
+          <a:p>
+            <a:pPr marL="457200" lvl="1" indent="0">
+              <a:spcBef>
+                <a:spcPts val="0"/>
+              </a:spcBef>
+              <a:buNone/>
+            </a:pPr>
+            <a:r>
+              <a:rPr lang="en-US" altLang="de-DE" sz="1200" dirty="0">
+                <a:latin typeface="Consolas" panose="020B0609020204030204" pitchFamily="49" charset="0"/>
+              </a:rPr>
+              <a:t>A       main_file1.txt</a:t>
+            </a:r>
+          </a:p>
+          <a:p>
+            <a:pPr marL="457200" lvl="1" indent="0">
+              <a:spcBef>
+                <a:spcPts val="0"/>
+              </a:spcBef>
+              <a:buNone/>
+            </a:pPr>
+            <a:r>
+              <a:rPr lang="en-US" altLang="de-DE" sz="1200" dirty="0">
+                <a:latin typeface="Consolas" panose="020B0609020204030204" pitchFamily="49" charset="0"/>
+              </a:rPr>
+              <a:t>Switched to branch 'feature1'</a:t>
+            </a:r>
+          </a:p>
+          <a:p>
+            <a:pPr marL="457200" lvl="1" indent="0">
+              <a:spcBef>
+                <a:spcPts val="0"/>
+              </a:spcBef>
+              <a:buNone/>
+            </a:pPr>
+            <a:endParaRPr lang="en-US" altLang="de-DE" sz="1200" dirty="0">
+              <a:latin typeface="Consolas" panose="020B0609020204030204" pitchFamily="49" charset="0"/>
+            </a:endParaRPr>
+          </a:p>
+          <a:p>
+            <a:pPr marL="457200" lvl="1" indent="0">
+              <a:spcBef>
+                <a:spcPts val="0"/>
+              </a:spcBef>
+              <a:buNone/>
+            </a:pPr>
+            <a:r>
+              <a:rPr lang="en-US" altLang="de-DE" sz="1200" dirty="0">
+                <a:latin typeface="Consolas" panose="020B0609020204030204" pitchFamily="49" charset="0"/>
+              </a:rPr>
+              <a:t>$ ls </a:t>
+            </a:r>
+          </a:p>
+          <a:p>
+            <a:pPr marL="457200" lvl="1" indent="0">
+              <a:spcBef>
+                <a:spcPts val="0"/>
+              </a:spcBef>
+              <a:buNone/>
+            </a:pPr>
+            <a:r>
+              <a:rPr lang="en-US" altLang="de-DE" sz="1200" dirty="0">
+                <a:latin typeface="Consolas" panose="020B0609020204030204" pitchFamily="49" charset="0"/>
+              </a:rPr>
+              <a:t>file1.txt file2.txt main_file1.txt subdir</a:t>
+            </a:r>
+          </a:p>
+          <a:p>
+            <a:pPr marL="457200" lvl="1" indent="0">
+              <a:spcBef>
+                <a:spcPts val="0"/>
+              </a:spcBef>
+              <a:buNone/>
+            </a:pPr>
+            <a:endParaRPr lang="en-US" altLang="de-DE" sz="1200" dirty="0">
+              <a:latin typeface="Consolas" panose="020B0609020204030204" pitchFamily="49" charset="0"/>
+            </a:endParaRPr>
+          </a:p>
+          <a:p>
+            <a:pPr marL="400050">
+              <a:spcBef>
+                <a:spcPts val="0"/>
+              </a:spcBef>
+            </a:pPr>
+            <a:r>
+              <a:rPr lang="en-US" altLang="de-DE" i="1" dirty="0"/>
+              <a:t>main_file1.txt </a:t>
+            </a:r>
+            <a:r>
+              <a:rPr lang="de-DE" altLang="de-DE" dirty="0"/>
+              <a:t>existiert</a:t>
+            </a:r>
+            <a:r>
+              <a:rPr lang="en-US" altLang="de-DE" dirty="0"/>
+              <a:t> </a:t>
+            </a:r>
+            <a:r>
+              <a:rPr lang="de-DE" altLang="de-DE" dirty="0"/>
+              <a:t>nur</a:t>
+            </a:r>
+            <a:r>
+              <a:rPr lang="en-US" altLang="de-DE" dirty="0"/>
+              <a:t> auf dem </a:t>
+            </a:r>
+            <a:r>
+              <a:rPr lang="en-US" altLang="de-DE" i="1" dirty="0"/>
+              <a:t>main</a:t>
+            </a:r>
+            <a:r>
+              <a:rPr lang="en-US" altLang="de-DE" dirty="0"/>
+              <a:t> Branch, </a:t>
+            </a:r>
+            <a:r>
+              <a:rPr lang="de-DE" altLang="de-DE" dirty="0"/>
+              <a:t>daher</a:t>
+            </a:r>
+            <a:r>
+              <a:rPr lang="en-US" altLang="de-DE" dirty="0"/>
+              <a:t> </a:t>
+            </a:r>
+            <a:r>
+              <a:rPr lang="de-DE" altLang="de-DE" dirty="0"/>
+              <a:t>kann</a:t>
+            </a:r>
+            <a:r>
+              <a:rPr lang="en-US" altLang="de-DE" dirty="0"/>
+              <a:t> der Branch </a:t>
+            </a:r>
+            <a:r>
+              <a:rPr lang="de-DE" altLang="de-DE" dirty="0"/>
+              <a:t>gewechselt</a:t>
+            </a:r>
+            <a:r>
+              <a:rPr lang="en-US" altLang="de-DE" dirty="0"/>
+              <a:t> </a:t>
+            </a:r>
+            <a:r>
+              <a:rPr lang="de-DE" altLang="de-DE" dirty="0"/>
+              <a:t>werden</a:t>
+            </a:r>
+            <a:r>
+              <a:rPr lang="en-US" altLang="de-DE" dirty="0"/>
+              <a:t> </a:t>
+            </a:r>
           </a:p>
         </p:txBody>
       </p:sp>
@@ -32312,7 +32466,7 @@
     </p:spTree>
     <p:extLst>
       <p:ext uri="{BB962C8B-B14F-4D97-AF65-F5344CB8AC3E}">
-        <p14:creationId xmlns:p14="http://schemas.microsoft.com/office/powerpoint/2010/main" val="2695274982"/>
+        <p14:creationId xmlns:p14="http://schemas.microsoft.com/office/powerpoint/2010/main" val="1862383976"/>
       </p:ext>
     </p:extLst>
   </p:cSld>
@@ -32323,7 +32477,7 @@
 </file>
 
 <file path=ppt/slides/slide63.xml><?xml version="1.0" encoding="utf-8"?>
-<p:sld xmlns:a="http://schemas.openxmlformats.org/drawingml/2006/main" xmlns:r="http://schemas.openxmlformats.org/officeDocument/2006/relationships" xmlns:p="http://schemas.openxmlformats.org/presentationml/2006/main">
+<p:sld xmlns:a="http://schemas.openxmlformats.org/drawingml/2006/main" xmlns:r="http://schemas.openxmlformats.org/officeDocument/2006/relationships" xmlns:p="http://schemas.openxmlformats.org/presentationml/2006/main" show="0">
   <p:cSld>
     <p:spTree>
       <p:nvGrpSpPr>
@@ -32370,121 +32524,15 @@
             </a:pPr>
             <a:r>
               <a:rPr lang="de-DE" altLang="de-DE" b="1" dirty="0"/>
-              <a:t>Aktiver Branch</a:t>
-            </a:r>
-          </a:p>
-          <a:p>
-            <a:r>
-              <a:rPr lang="de-DE" altLang="de-DE" dirty="0"/>
-              <a:t>Immer ein aktiver Branch im lokalen Workspace</a:t>
-            </a:r>
-          </a:p>
-          <a:p>
-            <a:r>
-              <a:rPr lang="de-DE" altLang="de-DE" dirty="0"/>
-              <a:t>Alle </a:t>
+              <a:t>Beispiel:</a:t>
+            </a:r>
+            <a:r>
+              <a:rPr lang="de-DE" altLang="de-DE" dirty="0"/>
+              <a:t> veränderter </a:t>
             </a:r>
             <a:r>
               <a:rPr lang="de-DE" altLang="de-DE" dirty="0" err="1"/>
-              <a:t>Commits</a:t>
-            </a:r>
-            <a:r>
-              <a:rPr lang="de-DE" altLang="de-DE" dirty="0"/>
-              <a:t> werden auf dem aktiven Branch ausgeführt</a:t>
-            </a:r>
-          </a:p>
-          <a:p>
-            <a:r>
-              <a:rPr lang="de-DE" altLang="de-DE" dirty="0"/>
-              <a:t>Wechsel des </a:t>
-            </a:r>
-            <a:r>
-              <a:rPr lang="de-DE" altLang="de-DE" dirty="0" err="1"/>
-              <a:t>Branches</a:t>
-            </a:r>
-            <a:r>
-              <a:rPr lang="de-DE" altLang="de-DE" dirty="0"/>
-              <a:t> ändert Inhalt sämtlicher Dateien im Workspace auf den Stand des </a:t>
-            </a:r>
-            <a:r>
-              <a:rPr lang="de-DE" altLang="de-DE" dirty="0" err="1"/>
-              <a:t>Zielbranches</a:t>
-            </a:r>
-            <a:endParaRPr lang="de-DE" altLang="de-DE" dirty="0"/>
-          </a:p>
-          <a:p>
-            <a:r>
-              <a:rPr lang="de-DE" altLang="de-DE" dirty="0"/>
-              <a:t>Anzeige des aktiven </a:t>
-            </a:r>
-            <a:r>
-              <a:rPr lang="de-DE" altLang="de-DE" dirty="0" err="1"/>
-              <a:t>Branches</a:t>
-            </a:r>
-            <a:endParaRPr lang="de-DE" altLang="de-DE" dirty="0"/>
-          </a:p>
-          <a:p>
-            <a:pPr marL="0" indent="0">
-              <a:buNone/>
-            </a:pPr>
-            <a:r>
-              <a:rPr lang="de-DE" altLang="de-DE" dirty="0"/>
-              <a:t>	</a:t>
-            </a:r>
-            <a:r>
-              <a:rPr lang="de-DE" altLang="de-DE" dirty="0" err="1">
-                <a:latin typeface="Consolas" panose="020B0609020204030204" pitchFamily="49" charset="0"/>
-              </a:rPr>
-              <a:t>git</a:t>
-            </a:r>
-            <a:r>
-              <a:rPr lang="de-DE" altLang="de-DE" dirty="0">
-                <a:latin typeface="Consolas" panose="020B0609020204030204" pitchFamily="49" charset="0"/>
-              </a:rPr>
-              <a:t> </a:t>
-            </a:r>
-            <a:r>
-              <a:rPr lang="de-DE" altLang="de-DE" dirty="0" err="1">
-                <a:latin typeface="Consolas" panose="020B0609020204030204" pitchFamily="49" charset="0"/>
-              </a:rPr>
-              <a:t>status</a:t>
-            </a:r>
-            <a:r>
-              <a:rPr lang="de-DE" altLang="de-DE" dirty="0">
-                <a:latin typeface="Consolas" panose="020B0609020204030204" pitchFamily="49" charset="0"/>
-              </a:rPr>
-              <a:t> </a:t>
-            </a:r>
-            <a:r>
-              <a:rPr lang="de-DE" altLang="de-DE" dirty="0"/>
-              <a:t>oder über </a:t>
-            </a:r>
-            <a:r>
-              <a:rPr lang="de-DE" altLang="de-DE" dirty="0" err="1">
-                <a:latin typeface="Consolas" panose="020B0609020204030204" pitchFamily="49" charset="0"/>
-              </a:rPr>
-              <a:t>git</a:t>
-            </a:r>
-            <a:r>
-              <a:rPr lang="de-DE" altLang="de-DE" dirty="0">
-                <a:latin typeface="Consolas" panose="020B0609020204030204" pitchFamily="49" charset="0"/>
-              </a:rPr>
-              <a:t> </a:t>
-            </a:r>
-            <a:r>
-              <a:rPr lang="de-DE" altLang="de-DE" dirty="0" err="1">
-                <a:latin typeface="Consolas" panose="020B0609020204030204" pitchFamily="49" charset="0"/>
-              </a:rPr>
-              <a:t>branch</a:t>
-            </a:r>
-            <a:endParaRPr lang="de-DE" altLang="de-DE" dirty="0">
-              <a:latin typeface="Consolas" panose="020B0609020204030204" pitchFamily="49" charset="0"/>
-            </a:endParaRPr>
-          </a:p>
-          <a:p>
-            <a:r>
-              <a:rPr lang="de-DE" altLang="de-DE" dirty="0"/>
-              <a:t>Beispiel</a:t>
+              <a:t>Zielbranch</a:t>
             </a:r>
             <a:endParaRPr lang="en-US" altLang="de-DE" sz="1200" dirty="0">
               <a:latin typeface="Consolas" panose="020B0609020204030204" pitchFamily="49" charset="0"/>
@@ -32526,7 +32574,7 @@
               <a:rPr lang="en-US" altLang="de-DE" sz="1200" dirty="0">
                 <a:latin typeface="Consolas" panose="020B0609020204030204" pitchFamily="49" charset="0"/>
               </a:rPr>
-              <a:t>On branch main</a:t>
+              <a:t>On branch feature1</a:t>
             </a:r>
           </a:p>
           <a:p>
@@ -32542,6 +32590,262 @@
               </a:rPr>
               <a:t>nothing to commit, working tree clean</a:t>
             </a:r>
+          </a:p>
+          <a:p>
+            <a:pPr marL="457200" lvl="1" indent="0">
+              <a:spcBef>
+                <a:spcPts val="0"/>
+              </a:spcBef>
+              <a:buNone/>
+            </a:pPr>
+            <a:endParaRPr lang="en-US" altLang="de-DE" sz="1200" dirty="0">
+              <a:latin typeface="Consolas" panose="020B0609020204030204" pitchFamily="49" charset="0"/>
+            </a:endParaRPr>
+          </a:p>
+          <a:p>
+            <a:pPr marL="457200" lvl="1" indent="0">
+              <a:spcBef>
+                <a:spcPts val="0"/>
+              </a:spcBef>
+              <a:buNone/>
+            </a:pPr>
+            <a:r>
+              <a:rPr lang="en-US" altLang="de-DE" sz="1200" dirty="0">
+                <a:latin typeface="Consolas" panose="020B0609020204030204" pitchFamily="49" charset="0"/>
+              </a:rPr>
+              <a:t>$ echo "hello from feature1" &gt; shared_file.txt</a:t>
+            </a:r>
+          </a:p>
+          <a:p>
+            <a:pPr marL="457200" lvl="1" indent="0">
+              <a:spcBef>
+                <a:spcPts val="0"/>
+              </a:spcBef>
+              <a:buNone/>
+            </a:pPr>
+            <a:endParaRPr lang="en-US" altLang="de-DE" sz="1200" dirty="0">
+              <a:latin typeface="Consolas" panose="020B0609020204030204" pitchFamily="49" charset="0"/>
+            </a:endParaRPr>
+          </a:p>
+          <a:p>
+            <a:pPr marL="457200" lvl="1" indent="0">
+              <a:spcBef>
+                <a:spcPts val="0"/>
+              </a:spcBef>
+              <a:buNone/>
+            </a:pPr>
+            <a:r>
+              <a:rPr lang="en-US" altLang="de-DE" sz="1200" dirty="0">
+                <a:latin typeface="Consolas" panose="020B0609020204030204" pitchFamily="49" charset="0"/>
+              </a:rPr>
+              <a:t>$ git add shared_file.txt</a:t>
+            </a:r>
+          </a:p>
+          <a:p>
+            <a:pPr marL="457200" lvl="1" indent="0">
+              <a:spcBef>
+                <a:spcPts val="0"/>
+              </a:spcBef>
+              <a:buNone/>
+            </a:pPr>
+            <a:endParaRPr lang="en-US" altLang="de-DE" sz="1200" dirty="0">
+              <a:latin typeface="Consolas" panose="020B0609020204030204" pitchFamily="49" charset="0"/>
+            </a:endParaRPr>
+          </a:p>
+          <a:p>
+            <a:pPr marL="457200" lvl="1" indent="0">
+              <a:spcBef>
+                <a:spcPts val="0"/>
+              </a:spcBef>
+              <a:buNone/>
+            </a:pPr>
+            <a:r>
+              <a:rPr lang="en-US" altLang="de-DE" sz="1200" dirty="0">
+                <a:latin typeface="Consolas" panose="020B0609020204030204" pitchFamily="49" charset="0"/>
+              </a:rPr>
+              <a:t>$ git commit -m "add share file"</a:t>
+            </a:r>
+          </a:p>
+          <a:p>
+            <a:pPr marL="457200" lvl="1" indent="0">
+              <a:spcBef>
+                <a:spcPts val="0"/>
+              </a:spcBef>
+              <a:buNone/>
+            </a:pPr>
+            <a:r>
+              <a:rPr lang="en-US" altLang="de-DE" sz="1200" dirty="0">
+                <a:latin typeface="Consolas" panose="020B0609020204030204" pitchFamily="49" charset="0"/>
+              </a:rPr>
+              <a:t>[feature1 d8cb253] add share file</a:t>
+            </a:r>
+          </a:p>
+          <a:p>
+            <a:pPr marL="457200" lvl="1" indent="0">
+              <a:spcBef>
+                <a:spcPts val="0"/>
+              </a:spcBef>
+              <a:buNone/>
+            </a:pPr>
+            <a:r>
+              <a:rPr lang="en-US" altLang="de-DE" sz="1200" dirty="0">
+                <a:latin typeface="Consolas" panose="020B0609020204030204" pitchFamily="49" charset="0"/>
+              </a:rPr>
+              <a:t> 1 file changed, 1 insertion(+)</a:t>
+            </a:r>
+          </a:p>
+          <a:p>
+            <a:pPr marL="457200" lvl="1" indent="0">
+              <a:spcBef>
+                <a:spcPts val="0"/>
+              </a:spcBef>
+              <a:buNone/>
+            </a:pPr>
+            <a:r>
+              <a:rPr lang="en-US" altLang="de-DE" sz="1200" dirty="0">
+                <a:latin typeface="Consolas" panose="020B0609020204030204" pitchFamily="49" charset="0"/>
+              </a:rPr>
+              <a:t> create mode 100644 shared_file.txt</a:t>
+            </a:r>
+          </a:p>
+          <a:p>
+            <a:pPr marL="457200" lvl="1" indent="0">
+              <a:spcBef>
+                <a:spcPts val="0"/>
+              </a:spcBef>
+              <a:buNone/>
+            </a:pPr>
+            <a:endParaRPr lang="en-US" altLang="de-DE" sz="1200" dirty="0">
+              <a:latin typeface="Consolas" panose="020B0609020204030204" pitchFamily="49" charset="0"/>
+            </a:endParaRPr>
+          </a:p>
+          <a:p>
+            <a:pPr marL="457200" lvl="1" indent="0">
+              <a:spcBef>
+                <a:spcPts val="0"/>
+              </a:spcBef>
+              <a:buNone/>
+            </a:pPr>
+            <a:r>
+              <a:rPr lang="en-US" altLang="de-DE" sz="1200" dirty="0">
+                <a:latin typeface="Consolas" panose="020B0609020204030204" pitchFamily="49" charset="0"/>
+              </a:rPr>
+              <a:t>$ git checkout main</a:t>
+            </a:r>
+          </a:p>
+          <a:p>
+            <a:pPr marL="457200" lvl="1" indent="0">
+              <a:spcBef>
+                <a:spcPts val="0"/>
+              </a:spcBef>
+              <a:buNone/>
+            </a:pPr>
+            <a:r>
+              <a:rPr lang="en-US" altLang="de-DE" sz="1200" dirty="0">
+                <a:latin typeface="Consolas" panose="020B0609020204030204" pitchFamily="49" charset="0"/>
+              </a:rPr>
+              <a:t>Switched to branch 'main'</a:t>
+            </a:r>
+          </a:p>
+          <a:p>
+            <a:pPr marL="457200" lvl="1" indent="0">
+              <a:spcBef>
+                <a:spcPts val="0"/>
+              </a:spcBef>
+              <a:buNone/>
+            </a:pPr>
+            <a:endParaRPr lang="en-US" altLang="de-DE" sz="1200" dirty="0">
+              <a:latin typeface="Consolas" panose="020B0609020204030204" pitchFamily="49" charset="0"/>
+            </a:endParaRPr>
+          </a:p>
+          <a:p>
+            <a:pPr marL="457200" lvl="1" indent="0">
+              <a:spcBef>
+                <a:spcPts val="0"/>
+              </a:spcBef>
+              <a:buNone/>
+            </a:pPr>
+            <a:r>
+              <a:rPr lang="en-US" altLang="de-DE" sz="1200" dirty="0">
+                <a:latin typeface="Consolas" panose="020B0609020204030204" pitchFamily="49" charset="0"/>
+              </a:rPr>
+              <a:t>$ ls</a:t>
+            </a:r>
+          </a:p>
+          <a:p>
+            <a:pPr marL="457200" lvl="1" indent="0">
+              <a:spcBef>
+                <a:spcPts val="0"/>
+              </a:spcBef>
+              <a:buNone/>
+            </a:pPr>
+            <a:r>
+              <a:rPr lang="en-US" altLang="de-DE" sz="1200" dirty="0">
+                <a:latin typeface="Consolas" panose="020B0609020204030204" pitchFamily="49" charset="0"/>
+              </a:rPr>
+              <a:t>file1.txt  file2.txt  subdir</a:t>
+            </a:r>
+          </a:p>
+          <a:p>
+            <a:pPr marL="457200" lvl="1" indent="0">
+              <a:spcBef>
+                <a:spcPts val="0"/>
+              </a:spcBef>
+              <a:buNone/>
+            </a:pPr>
+            <a:endParaRPr lang="en-US" altLang="de-DE" sz="1200" dirty="0">
+              <a:latin typeface="Consolas" panose="020B0609020204030204" pitchFamily="49" charset="0"/>
+            </a:endParaRPr>
+          </a:p>
+          <a:p>
+            <a:pPr marL="457200" lvl="1" indent="0">
+              <a:spcBef>
+                <a:spcPts val="0"/>
+              </a:spcBef>
+              <a:buNone/>
+            </a:pPr>
+            <a:r>
+              <a:rPr lang="en-US" altLang="de-DE" sz="1200" dirty="0">
+                <a:latin typeface="Consolas" panose="020B0609020204030204" pitchFamily="49" charset="0"/>
+              </a:rPr>
+              <a:t>$ echo "hello from main" &gt; shared_file.txt</a:t>
+            </a:r>
+          </a:p>
+          <a:p>
+            <a:pPr marL="457200" lvl="1" indent="0">
+              <a:spcBef>
+                <a:spcPts val="0"/>
+              </a:spcBef>
+              <a:buNone/>
+            </a:pPr>
+            <a:endParaRPr lang="en-US" altLang="de-DE" sz="1200" dirty="0">
+              <a:latin typeface="Consolas" panose="020B0609020204030204" pitchFamily="49" charset="0"/>
+            </a:endParaRPr>
+          </a:p>
+          <a:p>
+            <a:pPr marL="457200" lvl="1" indent="0">
+              <a:spcBef>
+                <a:spcPts val="0"/>
+              </a:spcBef>
+              <a:buNone/>
+            </a:pPr>
+            <a:r>
+              <a:rPr lang="en-US" altLang="de-DE" sz="1200" dirty="0">
+                <a:latin typeface="Consolas" panose="020B0609020204030204" pitchFamily="49" charset="0"/>
+              </a:rPr>
+              <a:t>$ git add shared_file.txt</a:t>
+            </a:r>
+          </a:p>
+          <a:p>
+            <a:pPr marL="457200" lvl="1" indent="0">
+              <a:spcBef>
+                <a:spcPts val="0"/>
+              </a:spcBef>
+              <a:buNone/>
+            </a:pPr>
+            <a:endParaRPr lang="en-US" altLang="de-DE" sz="1200" dirty="0">
+              <a:latin typeface="Consolas" panose="020B0609020204030204" pitchFamily="49" charset="0"/>
+            </a:endParaRPr>
           </a:p>
         </p:txBody>
       </p:sp>
@@ -32593,7 +32897,7 @@
     </p:spTree>
     <p:extLst>
       <p:ext uri="{BB962C8B-B14F-4D97-AF65-F5344CB8AC3E}">
-        <p14:creationId xmlns:p14="http://schemas.microsoft.com/office/powerpoint/2010/main" val="1291088434"/>
+        <p14:creationId xmlns:p14="http://schemas.microsoft.com/office/powerpoint/2010/main" val="1677662882"/>
       </p:ext>
     </p:extLst>
   </p:cSld>
@@ -32651,73 +32955,248 @@
             </a:pPr>
             <a:r>
               <a:rPr lang="de-DE" altLang="de-DE" b="1" dirty="0"/>
-              <a:t>Wechseln zwischen </a:t>
-            </a:r>
-            <a:r>
-              <a:rPr lang="de-DE" altLang="de-DE" b="1" dirty="0" err="1"/>
-              <a:t>Branches</a:t>
-            </a:r>
-            <a:endParaRPr lang="de-DE" altLang="de-DE" b="1" dirty="0"/>
-          </a:p>
-          <a:p>
-            <a:r>
-              <a:rPr lang="de-DE" altLang="de-DE" dirty="0"/>
-              <a:t>Wechseln von </a:t>
+              <a:t>Beispiel:</a:t>
+            </a:r>
+            <a:endParaRPr lang="de-DE" altLang="de-DE" dirty="0"/>
+          </a:p>
+          <a:p>
+            <a:pPr marL="457200" lvl="1" indent="0">
+              <a:spcBef>
+                <a:spcPts val="0"/>
+              </a:spcBef>
+              <a:buNone/>
+            </a:pPr>
+            <a:endParaRPr lang="en-US" altLang="de-DE" sz="1200" dirty="0">
+              <a:latin typeface="Consolas" panose="020B0609020204030204" pitchFamily="49" charset="0"/>
+            </a:endParaRPr>
+          </a:p>
+          <a:p>
+            <a:pPr marL="457200" lvl="1" indent="0">
+              <a:spcBef>
+                <a:spcPts val="0"/>
+              </a:spcBef>
+              <a:buNone/>
+            </a:pPr>
+            <a:r>
+              <a:rPr lang="en-US" altLang="de-DE" sz="1200" dirty="0">
+                <a:latin typeface="Consolas" panose="020B0609020204030204" pitchFamily="49" charset="0"/>
+              </a:rPr>
+              <a:t>$ git checkout feature1</a:t>
+            </a:r>
+          </a:p>
+          <a:p>
+            <a:pPr marL="457200" lvl="1" indent="0">
+              <a:spcBef>
+                <a:spcPts val="0"/>
+              </a:spcBef>
+              <a:buNone/>
+            </a:pPr>
+            <a:r>
+              <a:rPr lang="en-US" altLang="de-DE" sz="1200" dirty="0">
+                <a:latin typeface="Consolas" panose="020B0609020204030204" pitchFamily="49" charset="0"/>
+              </a:rPr>
+              <a:t>error: Your local changes to the following files </a:t>
+            </a:r>
+            <a:r>
+              <a:rPr lang="en-US" altLang="de-DE" sz="1200" b="1" dirty="0">
+                <a:latin typeface="Consolas" panose="020B0609020204030204" pitchFamily="49" charset="0"/>
+              </a:rPr>
+              <a:t>would be overwritten by checkout</a:t>
+            </a:r>
+            <a:r>
+              <a:rPr lang="en-US" altLang="de-DE" sz="1200" dirty="0">
+                <a:latin typeface="Consolas" panose="020B0609020204030204" pitchFamily="49" charset="0"/>
+              </a:rPr>
+              <a:t>:</a:t>
+            </a:r>
+          </a:p>
+          <a:p>
+            <a:pPr marL="457200" lvl="1" indent="0">
+              <a:spcBef>
+                <a:spcPts val="0"/>
+              </a:spcBef>
+              <a:buNone/>
+            </a:pPr>
+            <a:r>
+              <a:rPr lang="en-US" altLang="de-DE" sz="1200" dirty="0">
+                <a:latin typeface="Consolas" panose="020B0609020204030204" pitchFamily="49" charset="0"/>
+              </a:rPr>
+              <a:t>        shared_file.txt</a:t>
+            </a:r>
+          </a:p>
+          <a:p>
+            <a:pPr marL="457200" lvl="1" indent="0">
+              <a:spcBef>
+                <a:spcPts val="0"/>
+              </a:spcBef>
+              <a:buNone/>
+            </a:pPr>
+            <a:r>
+              <a:rPr lang="en-US" altLang="de-DE" sz="1200" dirty="0">
+                <a:latin typeface="Consolas" panose="020B0609020204030204" pitchFamily="49" charset="0"/>
+              </a:rPr>
+              <a:t>Please commit your changes or stash them before you switch branches.</a:t>
+            </a:r>
+          </a:p>
+          <a:p>
+            <a:pPr marL="457200" lvl="1" indent="0">
+              <a:spcBef>
+                <a:spcPts val="0"/>
+              </a:spcBef>
+              <a:buNone/>
+            </a:pPr>
+            <a:r>
+              <a:rPr lang="en-US" altLang="de-DE" sz="1200" dirty="0">
+                <a:latin typeface="Consolas" panose="020B0609020204030204" pitchFamily="49" charset="0"/>
+              </a:rPr>
+              <a:t>Aborting</a:t>
+            </a:r>
+          </a:p>
+          <a:p>
+            <a:pPr marL="457200" lvl="1" indent="0">
+              <a:spcBef>
+                <a:spcPts val="0"/>
+              </a:spcBef>
+              <a:buNone/>
+            </a:pPr>
+            <a:endParaRPr lang="de-DE" altLang="de-DE" sz="1200" dirty="0"/>
+          </a:p>
+          <a:p>
+            <a:r>
+              <a:rPr lang="de-DE" altLang="de-DE" dirty="0"/>
+              <a:t>Mögliche Optionen</a:t>
+            </a:r>
+          </a:p>
+          <a:p>
+            <a:pPr lvl="1"/>
+            <a:r>
+              <a:rPr lang="de-DE" altLang="de-DE" dirty="0"/>
+              <a:t>Änderungen committen</a:t>
+            </a:r>
+          </a:p>
+          <a:p>
+            <a:pPr lvl="1"/>
+            <a:r>
+              <a:rPr lang="de-DE" altLang="de-DE" dirty="0"/>
+              <a:t>Änderungen verwerfen und </a:t>
             </a:r>
             <a:r>
               <a:rPr lang="de-DE" altLang="de-DE" dirty="0" err="1"/>
-              <a:t>Branches</a:t>
-            </a:r>
-            <a:r>
-              <a:rPr lang="de-DE" altLang="de-DE" dirty="0"/>
-              <a:t> mit </a:t>
-            </a:r>
-            <a:r>
-              <a:rPr lang="de-DE" altLang="de-DE" dirty="0" err="1"/>
-              <a:t>gestageten</a:t>
-            </a:r>
-            <a:r>
-              <a:rPr lang="de-DE" altLang="de-DE" dirty="0"/>
-              <a:t> Änderungen oder veränderten getrackten Dateien mitunter problematisch</a:t>
-            </a:r>
-          </a:p>
-          <a:p>
-            <a:r>
-              <a:rPr lang="de-DE" altLang="de-DE" dirty="0"/>
-              <a:t>Änderungen auf </a:t>
-            </a:r>
-            <a:r>
-              <a:rPr lang="de-DE" altLang="de-DE" dirty="0" err="1"/>
-              <a:t>Zielbranch</a:t>
-            </a:r>
-            <a:r>
-              <a:rPr lang="de-DE" altLang="de-DE" dirty="0"/>
-              <a:t> würden ggf. verloren gehen </a:t>
-            </a:r>
-          </a:p>
-          <a:p>
-            <a:r>
-              <a:rPr lang="de-DE" altLang="de-DE" dirty="0" err="1"/>
-              <a:t>Git</a:t>
-            </a:r>
-            <a:r>
-              <a:rPr lang="de-DE" altLang="de-DE" dirty="0"/>
-              <a:t> warnt Nutzer, sollten Änderungen verloren gehen</a:t>
-            </a:r>
-          </a:p>
-          <a:p>
-            <a:r>
-              <a:rPr lang="de-DE" altLang="de-DE" dirty="0"/>
-              <a:t>Ausnahme: Existiert Änderung nur im </a:t>
-            </a:r>
-            <a:r>
-              <a:rPr lang="de-DE" altLang="de-DE" dirty="0" err="1"/>
-              <a:t>Ausgangsbranch</a:t>
-            </a:r>
-            <a:r>
-              <a:rPr lang="de-DE" altLang="de-DE" dirty="0"/>
-              <a:t>, kann der Branch gewechselt werden</a:t>
-            </a:r>
+              <a:t>Checkout</a:t>
+            </a:r>
+            <a:r>
+              <a:rPr lang="de-DE" altLang="de-DE" dirty="0"/>
+              <a:t> mittels </a:t>
+            </a:r>
+            <a:br>
+              <a:rPr lang="de-DE" altLang="de-DE" dirty="0"/>
+            </a:br>
+            <a:r>
+              <a:rPr lang="de-DE" altLang="de-DE" dirty="0" err="1">
+                <a:latin typeface="Consolas" panose="020B0609020204030204" pitchFamily="49" charset="0"/>
+              </a:rPr>
+              <a:t>git</a:t>
+            </a:r>
+            <a:r>
+              <a:rPr lang="de-DE" altLang="de-DE" dirty="0">
+                <a:latin typeface="Consolas" panose="020B0609020204030204" pitchFamily="49" charset="0"/>
+              </a:rPr>
+              <a:t> </a:t>
+            </a:r>
+            <a:r>
+              <a:rPr lang="de-DE" altLang="de-DE" dirty="0" err="1">
+                <a:latin typeface="Consolas" panose="020B0609020204030204" pitchFamily="49" charset="0"/>
+              </a:rPr>
+              <a:t>checkout</a:t>
+            </a:r>
+            <a:r>
+              <a:rPr lang="de-DE" altLang="de-DE" dirty="0">
+                <a:latin typeface="Consolas" panose="020B0609020204030204" pitchFamily="49" charset="0"/>
+              </a:rPr>
+              <a:t> -f &lt;</a:t>
+            </a:r>
+            <a:r>
+              <a:rPr lang="de-DE" altLang="de-DE" dirty="0" err="1">
+                <a:latin typeface="Consolas" panose="020B0609020204030204" pitchFamily="49" charset="0"/>
+              </a:rPr>
+              <a:t>branch</a:t>
+            </a:r>
+            <a:r>
+              <a:rPr lang="de-DE" altLang="de-DE" dirty="0">
+                <a:latin typeface="Consolas" panose="020B0609020204030204" pitchFamily="49" charset="0"/>
+              </a:rPr>
+              <a:t>&gt;</a:t>
+            </a:r>
+            <a:r>
+              <a:rPr lang="de-DE" altLang="de-DE" dirty="0"/>
+              <a:t> (</a:t>
+            </a:r>
+            <a:r>
+              <a:rPr lang="de-DE" altLang="de-DE" dirty="0">
+                <a:latin typeface="Consolas" panose="020B0609020204030204" pitchFamily="49" charset="0"/>
+              </a:rPr>
+              <a:t>-f </a:t>
+            </a:r>
+            <a:r>
+              <a:rPr lang="de-DE" altLang="de-DE" dirty="0"/>
+              <a:t>oder </a:t>
+            </a:r>
+            <a:r>
+              <a:rPr lang="de-DE" altLang="de-DE" dirty="0">
+                <a:latin typeface="Consolas" panose="020B0609020204030204" pitchFamily="49" charset="0"/>
+              </a:rPr>
+              <a:t>--</a:t>
+            </a:r>
+            <a:r>
+              <a:rPr lang="de-DE" altLang="de-DE" dirty="0" err="1">
+                <a:latin typeface="Consolas" panose="020B0609020204030204" pitchFamily="49" charset="0"/>
+              </a:rPr>
+              <a:t>force</a:t>
+            </a:r>
+            <a:r>
+              <a:rPr lang="de-DE" altLang="de-DE" dirty="0"/>
+              <a:t>) erzwingen </a:t>
+            </a:r>
+          </a:p>
+          <a:p>
+            <a:pPr lvl="1"/>
+            <a:r>
+              <a:rPr lang="de-DE" altLang="de-DE" dirty="0"/>
+              <a:t>Änderungen in </a:t>
+            </a:r>
+            <a:r>
+              <a:rPr lang="de-DE" altLang="de-DE" i="1" dirty="0" err="1"/>
+              <a:t>Stashing</a:t>
+            </a:r>
+            <a:r>
+              <a:rPr lang="de-DE" altLang="de-DE" i="1" dirty="0"/>
+              <a:t> Area </a:t>
+            </a:r>
+            <a:r>
+              <a:rPr lang="de-DE" altLang="de-DE" dirty="0"/>
+              <a:t>zwischenspeichern und später wiederherstellen mittels </a:t>
+            </a:r>
+            <a:r>
+              <a:rPr lang="de-DE" altLang="de-DE" dirty="0" err="1">
+                <a:latin typeface="Consolas" panose="020B0609020204030204" pitchFamily="49" charset="0"/>
+              </a:rPr>
+              <a:t>git</a:t>
+            </a:r>
+            <a:r>
+              <a:rPr lang="de-DE" altLang="de-DE" dirty="0">
+                <a:latin typeface="Consolas" panose="020B0609020204030204" pitchFamily="49" charset="0"/>
+              </a:rPr>
+              <a:t> </a:t>
+            </a:r>
+            <a:r>
+              <a:rPr lang="de-DE" altLang="de-DE" dirty="0" err="1">
+                <a:latin typeface="Consolas" panose="020B0609020204030204" pitchFamily="49" charset="0"/>
+              </a:rPr>
+              <a:t>stash</a:t>
+            </a:r>
+            <a:endParaRPr lang="en-US" altLang="de-DE" sz="1200" dirty="0">
+              <a:latin typeface="Consolas" panose="020B0609020204030204" pitchFamily="49" charset="0"/>
+            </a:endParaRPr>
           </a:p>
         </p:txBody>
       </p:sp>
@@ -32769,7 +33248,7 @@
     </p:spTree>
     <p:extLst>
       <p:ext uri="{BB962C8B-B14F-4D97-AF65-F5344CB8AC3E}">
-        <p14:creationId xmlns:p14="http://schemas.microsoft.com/office/powerpoint/2010/main" val="3830641037"/>
+        <p14:creationId xmlns:p14="http://schemas.microsoft.com/office/powerpoint/2010/main" val="2199880751"/>
       </p:ext>
     </p:extLst>
   </p:cSld>
@@ -32780,7 +33259,7 @@
 </file>
 
 <file path=ppt/slides/slide65.xml><?xml version="1.0" encoding="utf-8"?>
-<p:sld xmlns:a="http://schemas.openxmlformats.org/drawingml/2006/main" xmlns:r="http://schemas.openxmlformats.org/officeDocument/2006/relationships" xmlns:p="http://schemas.openxmlformats.org/presentationml/2006/main" show="0">
+<p:sld xmlns:a="http://schemas.openxmlformats.org/drawingml/2006/main" xmlns:r="http://schemas.openxmlformats.org/officeDocument/2006/relationships" xmlns:p="http://schemas.openxmlformats.org/presentationml/2006/main">
   <p:cSld>
     <p:spTree>
       <p:nvGrpSpPr>
@@ -32827,15 +33306,27 @@
             </a:pPr>
             <a:r>
               <a:rPr lang="de-DE" altLang="de-DE" b="1" dirty="0"/>
+              <a:t>HEAD</a:t>
+            </a:r>
+          </a:p>
+          <a:p>
+            <a:r>
+              <a:rPr lang="de-DE" altLang="de-DE" dirty="0"/>
+              <a:t>Spezielle Referenz, die auf letzten Commit des aktiven </a:t>
+            </a:r>
+            <a:r>
+              <a:rPr lang="de-DE" altLang="de-DE" dirty="0" err="1"/>
+              <a:t>Branches</a:t>
+            </a:r>
+            <a:r>
+              <a:rPr lang="de-DE" altLang="de-DE" dirty="0"/>
+              <a:t> verweist</a:t>
+            </a:r>
+          </a:p>
+          <a:p>
+            <a:r>
+              <a:rPr lang="de-DE" altLang="de-DE" dirty="0"/>
               <a:t>Beispiel:</a:t>
-            </a:r>
-            <a:r>
-              <a:rPr lang="de-DE" altLang="de-DE" dirty="0"/>
-              <a:t> unveränderter </a:t>
-            </a:r>
-            <a:r>
-              <a:rPr lang="de-DE" altLang="de-DE" dirty="0" err="1"/>
-              <a:t>Zielbranch</a:t>
             </a:r>
             <a:endParaRPr lang="en-US" altLang="de-DE" sz="1200" dirty="0">
               <a:latin typeface="Consolas" panose="020B0609020204030204" pitchFamily="49" charset="0"/>
@@ -32863,7 +33354,7 @@
               <a:rPr lang="en-US" altLang="de-DE" sz="1200" dirty="0">
                 <a:latin typeface="Consolas" panose="020B0609020204030204" pitchFamily="49" charset="0"/>
               </a:rPr>
-              <a:t>$ git status</a:t>
+              <a:t>$ git log</a:t>
             </a:r>
           </a:p>
           <a:p>
@@ -32877,7 +33368,7 @@
               <a:rPr lang="en-US" altLang="de-DE" sz="1200" dirty="0">
                 <a:latin typeface="Consolas" panose="020B0609020204030204" pitchFamily="49" charset="0"/>
               </a:rPr>
-              <a:t>On branch feature1</a:t>
+              <a:t>commit e0b3cf300585c6230d1abffafe37bb4b9d540247 (HEAD -&gt; main)</a:t>
             </a:r>
           </a:p>
           <a:p>
@@ -32891,7 +33382,21 @@
               <a:rPr lang="en-US" altLang="de-DE" sz="1200" dirty="0">
                 <a:latin typeface="Consolas" panose="020B0609020204030204" pitchFamily="49" charset="0"/>
               </a:rPr>
-              <a:t>nothing to commit, working tree clean</a:t>
+              <a:t>Author: Git User &lt;git.user@example.com&gt;</a:t>
+            </a:r>
+          </a:p>
+          <a:p>
+            <a:pPr marL="457200" lvl="1" indent="0">
+              <a:spcBef>
+                <a:spcPts val="0"/>
+              </a:spcBef>
+              <a:buNone/>
+            </a:pPr>
+            <a:r>
+              <a:rPr lang="en-US" altLang="de-DE" sz="1200" dirty="0">
+                <a:latin typeface="Consolas" panose="020B0609020204030204" pitchFamily="49" charset="0"/>
+              </a:rPr>
+              <a:t>Date:   Fri May 10 00:04:39 2024 +0200</a:t>
             </a:r>
           </a:p>
           <a:p>
@@ -32916,7 +33421,7 @@
               <a:rPr lang="en-US" altLang="de-DE" sz="1200" dirty="0">
                 <a:latin typeface="Consolas" panose="020B0609020204030204" pitchFamily="49" charset="0"/>
               </a:rPr>
-              <a:t>$ ls</a:t>
+              <a:t>    Update file1.txt</a:t>
             </a:r>
           </a:p>
           <a:p>
@@ -32930,62 +33435,7 @@
               <a:rPr lang="en-US" altLang="de-DE" sz="1200" dirty="0">
                 <a:latin typeface="Consolas" panose="020B0609020204030204" pitchFamily="49" charset="0"/>
               </a:rPr>
-              <a:t>file1.txt file2.txt </a:t>
-            </a:r>
-            <a:r>
-              <a:rPr lang="en-US" altLang="de-DE" sz="1200" dirty="0">
-                <a:solidFill>
-                  <a:schemeClr val="accent5">
-                    <a:lumMod val="25000"/>
-                  </a:schemeClr>
-                </a:solidFill>
-                <a:latin typeface="Consolas" panose="020B0609020204030204" pitchFamily="49" charset="0"/>
-              </a:rPr>
-              <a:t>subdir</a:t>
-            </a:r>
-          </a:p>
-          <a:p>
-            <a:pPr marL="457200" lvl="1" indent="0">
-              <a:spcBef>
-                <a:spcPts val="0"/>
-              </a:spcBef>
-              <a:buNone/>
-            </a:pPr>
-            <a:endParaRPr lang="en-US" altLang="de-DE" sz="1200" dirty="0">
-              <a:solidFill>
-                <a:schemeClr val="accent5">
-                  <a:lumMod val="25000"/>
-                </a:schemeClr>
-              </a:solidFill>
-              <a:latin typeface="Consolas" panose="020B0609020204030204" pitchFamily="49" charset="0"/>
-            </a:endParaRPr>
-          </a:p>
-          <a:p>
-            <a:pPr marL="457200" lvl="1" indent="0">
-              <a:spcBef>
-                <a:spcPts val="0"/>
-              </a:spcBef>
-              <a:buNone/>
-            </a:pPr>
-            <a:r>
-              <a:rPr lang="en-US" altLang="de-DE" sz="1200" dirty="0">
-                <a:latin typeface="Consolas" panose="020B0609020204030204" pitchFamily="49" charset="0"/>
-              </a:rPr>
-              <a:t>$ git checkout main</a:t>
-            </a:r>
-          </a:p>
-          <a:p>
-            <a:pPr marL="457200" lvl="1" indent="0">
-              <a:spcBef>
-                <a:spcPts val="0"/>
-              </a:spcBef>
-              <a:buNone/>
-            </a:pPr>
-            <a:r>
-              <a:rPr lang="en-US" altLang="de-DE" sz="1200" dirty="0">
-                <a:latin typeface="Consolas" panose="020B0609020204030204" pitchFamily="49" charset="0"/>
-              </a:rPr>
-              <a:t>Switched to branch 'main'</a:t>
+              <a:t>...</a:t>
             </a:r>
           </a:p>
           <a:p>
@@ -33000,212 +33450,17 @@
             </a:endParaRPr>
           </a:p>
           <a:p>
-            <a:pPr marL="457200" lvl="1" indent="0">
-              <a:spcBef>
-                <a:spcPts val="0"/>
-              </a:spcBef>
-              <a:buNone/>
-            </a:pPr>
-            <a:r>
-              <a:rPr lang="en-US" altLang="de-DE" sz="1200" dirty="0">
-                <a:latin typeface="Consolas" panose="020B0609020204030204" pitchFamily="49" charset="0"/>
-              </a:rPr>
-              <a:t>$ touch main_file1.txt</a:t>
-            </a:r>
-          </a:p>
-          <a:p>
-            <a:pPr marL="457200" lvl="1" indent="0">
-              <a:spcBef>
-                <a:spcPts val="0"/>
-              </a:spcBef>
-              <a:buNone/>
-            </a:pPr>
-            <a:endParaRPr lang="en-US" altLang="de-DE" sz="1200" dirty="0">
-              <a:latin typeface="Consolas" panose="020B0609020204030204" pitchFamily="49" charset="0"/>
-            </a:endParaRPr>
-          </a:p>
-          <a:p>
-            <a:pPr marL="457200" lvl="1" indent="0">
-              <a:spcBef>
-                <a:spcPts val="0"/>
-              </a:spcBef>
-              <a:buNone/>
-            </a:pPr>
-            <a:r>
-              <a:rPr lang="en-US" altLang="de-DE" sz="1200" dirty="0">
-                <a:latin typeface="Consolas" panose="020B0609020204030204" pitchFamily="49" charset="0"/>
-              </a:rPr>
-              <a:t>$ git add main_file1.txt</a:t>
-            </a:r>
-          </a:p>
-          <a:p>
-            <a:pPr marL="457200" lvl="1" indent="0">
-              <a:spcBef>
-                <a:spcPts val="0"/>
-              </a:spcBef>
-              <a:buNone/>
-            </a:pPr>
-            <a:endParaRPr lang="en-US" altLang="de-DE" sz="1200" dirty="0">
-              <a:latin typeface="Consolas" panose="020B0609020204030204" pitchFamily="49" charset="0"/>
-            </a:endParaRPr>
-          </a:p>
-          <a:p>
-            <a:pPr marL="457200" lvl="1" indent="0">
-              <a:spcBef>
-                <a:spcPts val="0"/>
-              </a:spcBef>
-              <a:buNone/>
-            </a:pPr>
-            <a:r>
-              <a:rPr lang="en-US" altLang="de-DE" sz="1200" dirty="0">
-                <a:latin typeface="Consolas" panose="020B0609020204030204" pitchFamily="49" charset="0"/>
-              </a:rPr>
-              <a:t>$ git checkout feature1</a:t>
-            </a:r>
-          </a:p>
-          <a:p>
-            <a:pPr marL="457200" lvl="1" indent="0">
-              <a:spcBef>
-                <a:spcPts val="0"/>
-              </a:spcBef>
-              <a:buNone/>
-            </a:pPr>
-            <a:r>
-              <a:rPr lang="en-US" altLang="de-DE" sz="1200" dirty="0">
-                <a:latin typeface="Consolas" panose="020B0609020204030204" pitchFamily="49" charset="0"/>
-              </a:rPr>
-              <a:t>A       main_file1.txt</a:t>
-            </a:r>
-          </a:p>
-          <a:p>
-            <a:pPr marL="457200" lvl="1" indent="0">
-              <a:spcBef>
-                <a:spcPts val="0"/>
-              </a:spcBef>
-              <a:buNone/>
-            </a:pPr>
-            <a:r>
-              <a:rPr lang="en-US" altLang="de-DE" sz="1200" dirty="0">
-                <a:latin typeface="Consolas" panose="020B0609020204030204" pitchFamily="49" charset="0"/>
-              </a:rPr>
-              <a:t>Switched to branch 'feature1'</a:t>
-            </a:r>
-          </a:p>
-          <a:p>
-            <a:pPr marL="457200" lvl="1" indent="0">
-              <a:spcBef>
-                <a:spcPts val="0"/>
-              </a:spcBef>
-              <a:buNone/>
-            </a:pPr>
-            <a:endParaRPr lang="en-US" altLang="de-DE" sz="1200" dirty="0">
-              <a:latin typeface="Consolas" panose="020B0609020204030204" pitchFamily="49" charset="0"/>
-            </a:endParaRPr>
-          </a:p>
-          <a:p>
-            <a:pPr marL="457200" lvl="1" indent="0">
-              <a:spcBef>
-                <a:spcPts val="0"/>
-              </a:spcBef>
-              <a:buNone/>
-            </a:pPr>
-            <a:r>
-              <a:rPr lang="en-US" altLang="de-DE" sz="1200" dirty="0">
-                <a:latin typeface="Consolas" panose="020B0609020204030204" pitchFamily="49" charset="0"/>
-              </a:rPr>
-              <a:t>$ ls </a:t>
-            </a:r>
-          </a:p>
-          <a:p>
-            <a:pPr marL="457200" lvl="1" indent="0">
-              <a:spcBef>
-                <a:spcPts val="0"/>
-              </a:spcBef>
-              <a:buNone/>
-            </a:pPr>
-            <a:r>
-              <a:rPr lang="en-US" altLang="de-DE" sz="1200" dirty="0">
-                <a:latin typeface="Consolas" panose="020B0609020204030204" pitchFamily="49" charset="0"/>
-              </a:rPr>
-              <a:t>file1.txt file2.txt main_file1.txt subdir</a:t>
-            </a:r>
-          </a:p>
-          <a:p>
-            <a:pPr marL="457200" lvl="1" indent="0">
-              <a:spcBef>
-                <a:spcPts val="0"/>
-              </a:spcBef>
-              <a:buNone/>
-            </a:pPr>
-            <a:endParaRPr lang="en-US" altLang="de-DE" sz="1200" dirty="0">
-              <a:latin typeface="Consolas" panose="020B0609020204030204" pitchFamily="49" charset="0"/>
-            </a:endParaRPr>
-          </a:p>
-          <a:p>
-            <a:pPr marL="400050">
-              <a:spcBef>
-                <a:spcPts val="0"/>
-              </a:spcBef>
-            </a:pPr>
-            <a:r>
-              <a:rPr lang="en-US" altLang="de-DE" i="1" dirty="0"/>
-              <a:t>main_file1.txt </a:t>
-            </a:r>
-            <a:r>
-              <a:rPr lang="de-DE" altLang="de-DE" dirty="0"/>
-              <a:t>existiert</a:t>
-            </a:r>
-            <a:r>
-              <a:rPr lang="en-US" altLang="de-DE" dirty="0"/>
-              <a:t> </a:t>
-            </a:r>
-            <a:r>
-              <a:rPr lang="de-DE" altLang="de-DE" dirty="0"/>
-              <a:t>nur</a:t>
-            </a:r>
-            <a:r>
-              <a:rPr lang="en-US" altLang="de-DE" dirty="0"/>
-              <a:t> auf dem </a:t>
-            </a:r>
-            <a:r>
-              <a:rPr lang="en-US" altLang="de-DE" i="1" dirty="0"/>
-              <a:t>main</a:t>
-            </a:r>
-            <a:r>
-              <a:rPr lang="en-US" altLang="de-DE" dirty="0"/>
-              <a:t> Branch, </a:t>
-            </a:r>
-            <a:r>
-              <a:rPr lang="de-DE" altLang="de-DE" dirty="0"/>
-              <a:t>daher</a:t>
-            </a:r>
-            <a:r>
-              <a:rPr lang="en-US" altLang="de-DE" dirty="0"/>
-              <a:t> </a:t>
-            </a:r>
-            <a:r>
-              <a:rPr lang="de-DE" altLang="de-DE" dirty="0"/>
-              <a:t>kann</a:t>
-            </a:r>
-            <a:r>
-              <a:rPr lang="en-US" altLang="de-DE" dirty="0"/>
-              <a:t> der Branch </a:t>
-            </a:r>
-            <a:r>
-              <a:rPr lang="de-DE" altLang="de-DE" dirty="0"/>
-              <a:t>gewechselt</a:t>
-            </a:r>
-            <a:r>
-              <a:rPr lang="en-US" altLang="de-DE" dirty="0"/>
-              <a:t> </a:t>
-            </a:r>
-            <a:r>
-              <a:rPr lang="de-DE" altLang="de-DE" dirty="0"/>
-              <a:t>werden</a:t>
-            </a:r>
-            <a:r>
-              <a:rPr lang="en-US" altLang="de-DE" dirty="0"/>
-              <a:t> </a:t>
+            <a:r>
+              <a:rPr lang="de-DE" altLang="de-DE" dirty="0"/>
+              <a:t>Bei neuen </a:t>
+            </a:r>
+            <a:r>
+              <a:rPr lang="de-DE" altLang="de-DE" dirty="0" err="1"/>
+              <a:t>Commits</a:t>
+            </a:r>
+            <a:r>
+              <a:rPr lang="de-DE" altLang="de-DE" dirty="0"/>
+              <a:t> wandert die HEAD Referenz weiter</a:t>
             </a:r>
           </a:p>
         </p:txBody>
@@ -33255,10 +33510,79 @@
           </a:p>
         </p:txBody>
       </p:sp>
+      <p:sp>
+        <p:nvSpPr>
+          <p:cNvPr id="2" name="Rechteck: abgerundete Ecken 1">
+            <a:extLst>
+              <a:ext uri="{FF2B5EF4-FFF2-40B4-BE49-F238E27FC236}">
+                <a16:creationId xmlns:a16="http://schemas.microsoft.com/office/drawing/2014/main" id="{D2A0FEA1-072B-EEA4-2DE2-76326162FC2C}"/>
+              </a:ext>
+            </a:extLst>
+          </p:cNvPr>
+          <p:cNvSpPr/>
+          <p:nvPr/>
+        </p:nvSpPr>
+        <p:spPr bwMode="auto">
+          <a:xfrm>
+            <a:off x="4860032" y="2708920"/>
+            <a:ext cx="1296144" cy="288032"/>
+          </a:xfrm>
+          <a:prstGeom prst="roundRect">
+            <a:avLst/>
+          </a:prstGeom>
+          <a:noFill/>
+          <a:ln w="12700" cap="flat" cmpd="sng" algn="ctr">
+            <a:solidFill>
+              <a:srgbClr val="FF0000"/>
+            </a:solidFill>
+            <a:prstDash val="solid"/>
+            <a:round/>
+            <a:headEnd type="none" w="sm" len="sm"/>
+            <a:tailEnd type="none" w="sm" len="sm"/>
+          </a:ln>
+          <a:effectLst/>
+        </p:spPr>
+        <p:txBody>
+          <a:bodyPr vert="horz" wrap="square" lIns="91440" tIns="45720" rIns="91440" bIns="45720" numCol="1" rtlCol="0" anchor="t" anchorCtr="0" compatLnSpc="1">
+            <a:prstTxWarp prst="textNoShape">
+              <a:avLst/>
+            </a:prstTxWarp>
+          </a:bodyPr>
+          <a:lstStyle/>
+          <a:p>
+            <a:pPr marL="0" marR="0" indent="0" algn="l" defTabSz="914400" rtl="0" eaLnBrk="0" fontAlgn="base" latinLnBrk="0" hangingPunct="0">
+              <a:lnSpc>
+                <a:spcPct val="100000"/>
+              </a:lnSpc>
+              <a:spcBef>
+                <a:spcPct val="0"/>
+              </a:spcBef>
+              <a:spcAft>
+                <a:spcPct val="0"/>
+              </a:spcAft>
+              <a:buClrTx/>
+              <a:buSzTx/>
+              <a:buFontTx/>
+              <a:buNone/>
+              <a:tabLst/>
+            </a:pPr>
+            <a:endParaRPr kumimoji="0" lang="de-DE" sz="2400" b="0" i="0" u="none" strike="noStrike" cap="none" normalizeH="0" baseline="0">
+              <a:ln>
+                <a:noFill/>
+              </a:ln>
+              <a:solidFill>
+                <a:schemeClr val="tx1"/>
+              </a:solidFill>
+              <a:effectLst/>
+              <a:latin typeface="Times New Roman" pitchFamily="18" charset="0"/>
+            </a:endParaRPr>
+          </a:p>
+        </p:txBody>
+      </p:sp>
     </p:spTree>
     <p:extLst>
       <p:ext uri="{BB962C8B-B14F-4D97-AF65-F5344CB8AC3E}">
-        <p14:creationId xmlns:p14="http://schemas.microsoft.com/office/powerpoint/2010/main" val="1862383976"/>
+        <p14:creationId xmlns:p14="http://schemas.microsoft.com/office/powerpoint/2010/main" val="2256350937"/>
       </p:ext>
     </p:extLst>
   </p:cSld>
@@ -33269,7 +33593,7 @@
 </file>
 
 <file path=ppt/slides/slide66.xml><?xml version="1.0" encoding="utf-8"?>
-<p:sld xmlns:a="http://schemas.openxmlformats.org/drawingml/2006/main" xmlns:r="http://schemas.openxmlformats.org/officeDocument/2006/relationships" xmlns:p="http://schemas.openxmlformats.org/presentationml/2006/main" show="0">
+<p:sld xmlns:a="http://schemas.openxmlformats.org/drawingml/2006/main" xmlns:r="http://schemas.openxmlformats.org/officeDocument/2006/relationships" xmlns:p="http://schemas.openxmlformats.org/presentationml/2006/main">
   <p:cSld>
     <p:spTree>
       <p:nvGrpSpPr>
@@ -33315,16 +33639,33 @@
               <a:buNone/>
             </a:pPr>
             <a:r>
+              <a:rPr lang="de-DE" altLang="de-DE" b="1" dirty="0" err="1"/>
+              <a:t>Detached</a:t>
+            </a:r>
+            <a:r>
               <a:rPr lang="de-DE" altLang="de-DE" b="1" dirty="0"/>
-              <a:t>Beispiel:</a:t>
-            </a:r>
-            <a:r>
-              <a:rPr lang="de-DE" altLang="de-DE" dirty="0"/>
-              <a:t> veränderter </a:t>
+              <a:t> HEAD</a:t>
+            </a:r>
+          </a:p>
+          <a:p>
+            <a:r>
+              <a:rPr lang="de-DE" altLang="de-DE" dirty="0"/>
+              <a:t>HEAD verweist nicht auf letzten Commit des aktiven </a:t>
             </a:r>
             <a:r>
               <a:rPr lang="de-DE" altLang="de-DE" dirty="0" err="1"/>
-              <a:t>Zielbranch</a:t>
+              <a:t>Branches</a:t>
+            </a:r>
+            <a:endParaRPr lang="de-DE" altLang="de-DE" dirty="0"/>
+          </a:p>
+          <a:p>
+            <a:r>
+              <a:rPr lang="de-DE" altLang="de-DE" dirty="0"/>
+              <a:t>Auschecken einzelner </a:t>
+            </a:r>
+            <a:r>
+              <a:rPr lang="de-DE" altLang="de-DE" dirty="0" err="1"/>
+              <a:t>Commits</a:t>
             </a:r>
             <a:endParaRPr lang="en-US" altLang="de-DE" sz="1200" dirty="0">
               <a:latin typeface="Consolas" panose="020B0609020204030204" pitchFamily="49" charset="0"/>
@@ -33352,7 +33693,7 @@
               <a:rPr lang="en-US" altLang="de-DE" sz="1200" dirty="0">
                 <a:latin typeface="Consolas" panose="020B0609020204030204" pitchFamily="49" charset="0"/>
               </a:rPr>
-              <a:t>$ git status</a:t>
+              <a:t>$ git checkout c61ef14</a:t>
             </a:r>
           </a:p>
           <a:p>
@@ -33366,21 +33707,7 @@
               <a:rPr lang="en-US" altLang="de-DE" sz="1200" dirty="0">
                 <a:latin typeface="Consolas" panose="020B0609020204030204" pitchFamily="49" charset="0"/>
               </a:rPr>
-              <a:t>On branch feature1</a:t>
-            </a:r>
-          </a:p>
-          <a:p>
-            <a:pPr marL="457200" lvl="1" indent="0">
-              <a:spcBef>
-                <a:spcPts val="0"/>
-              </a:spcBef>
-              <a:buNone/>
-            </a:pPr>
-            <a:r>
-              <a:rPr lang="en-US" altLang="de-DE" sz="1200" dirty="0">
-                <a:latin typeface="Consolas" panose="020B0609020204030204" pitchFamily="49" charset="0"/>
-              </a:rPr>
-              <a:t>nothing to commit, working tree clean</a:t>
+              <a:t>Note: switching to 'c61ef14'.</a:t>
             </a:r>
           </a:p>
           <a:p>
@@ -33405,7 +33732,47 @@
               <a:rPr lang="en-US" altLang="de-DE" sz="1200" dirty="0">
                 <a:latin typeface="Consolas" panose="020B0609020204030204" pitchFamily="49" charset="0"/>
               </a:rPr>
-              <a:t>$ echo "hello from feature1" &gt; shared_file.txt</a:t>
+              <a:t>You are in </a:t>
+            </a:r>
+            <a:r>
+              <a:rPr lang="en-US" altLang="de-DE" sz="1200" b="1" dirty="0">
+                <a:latin typeface="Consolas" panose="020B0609020204030204" pitchFamily="49" charset="0"/>
+              </a:rPr>
+              <a:t>'detached HEAD' state</a:t>
+            </a:r>
+            <a:r>
+              <a:rPr lang="en-US" altLang="de-DE" sz="1200" dirty="0">
+                <a:latin typeface="Consolas" panose="020B0609020204030204" pitchFamily="49" charset="0"/>
+              </a:rPr>
+              <a:t>. You can look around, make experimental</a:t>
+            </a:r>
+          </a:p>
+          <a:p>
+            <a:pPr marL="457200" lvl="1" indent="0">
+              <a:spcBef>
+                <a:spcPts val="0"/>
+              </a:spcBef>
+              <a:buNone/>
+            </a:pPr>
+            <a:r>
+              <a:rPr lang="en-US" altLang="de-DE" sz="1200" dirty="0">
+                <a:latin typeface="Consolas" panose="020B0609020204030204" pitchFamily="49" charset="0"/>
+              </a:rPr>
+              <a:t>changes and commit them, and you can discard any commits you make in this</a:t>
+            </a:r>
+          </a:p>
+          <a:p>
+            <a:pPr marL="457200" lvl="1" indent="0">
+              <a:spcBef>
+                <a:spcPts val="0"/>
+              </a:spcBef>
+              <a:buNone/>
+            </a:pPr>
+            <a:r>
+              <a:rPr lang="en-US" altLang="de-DE" sz="1200" dirty="0">
+                <a:latin typeface="Consolas" panose="020B0609020204030204" pitchFamily="49" charset="0"/>
+              </a:rPr>
+              <a:t>state without impacting any branches by switching back to a branch.</a:t>
             </a:r>
           </a:p>
           <a:p>
@@ -33430,7 +33797,21 @@
               <a:rPr lang="en-US" altLang="de-DE" sz="1200" dirty="0">
                 <a:latin typeface="Consolas" panose="020B0609020204030204" pitchFamily="49" charset="0"/>
               </a:rPr>
-              <a:t>$ git add shared_file.txt</a:t>
+              <a:t>If you want to create a new branch to retain commits you create, you may</a:t>
+            </a:r>
+          </a:p>
+          <a:p>
+            <a:pPr marL="457200" lvl="1" indent="0">
+              <a:spcBef>
+                <a:spcPts val="0"/>
+              </a:spcBef>
+              <a:buNone/>
+            </a:pPr>
+            <a:r>
+              <a:rPr lang="en-US" altLang="de-DE" sz="1200" dirty="0">
+                <a:latin typeface="Consolas" panose="020B0609020204030204" pitchFamily="49" charset="0"/>
+              </a:rPr>
+              <a:t>do so (now or later) by using -c with the switch command. Example:</a:t>
             </a:r>
           </a:p>
           <a:p>
@@ -33455,49 +33836,7 @@
               <a:rPr lang="en-US" altLang="de-DE" sz="1200" dirty="0">
                 <a:latin typeface="Consolas" panose="020B0609020204030204" pitchFamily="49" charset="0"/>
               </a:rPr>
-              <a:t>$ git commit -m "add share file"</a:t>
-            </a:r>
-          </a:p>
-          <a:p>
-            <a:pPr marL="457200" lvl="1" indent="0">
-              <a:spcBef>
-                <a:spcPts val="0"/>
-              </a:spcBef>
-              <a:buNone/>
-            </a:pPr>
-            <a:r>
-              <a:rPr lang="en-US" altLang="de-DE" sz="1200" dirty="0">
-                <a:latin typeface="Consolas" panose="020B0609020204030204" pitchFamily="49" charset="0"/>
-              </a:rPr>
-              <a:t>[feature1 d8cb253] add share file</a:t>
-            </a:r>
-          </a:p>
-          <a:p>
-            <a:pPr marL="457200" lvl="1" indent="0">
-              <a:spcBef>
-                <a:spcPts val="0"/>
-              </a:spcBef>
-              <a:buNone/>
-            </a:pPr>
-            <a:r>
-              <a:rPr lang="en-US" altLang="de-DE" sz="1200" dirty="0">
-                <a:latin typeface="Consolas" panose="020B0609020204030204" pitchFamily="49" charset="0"/>
-              </a:rPr>
-              <a:t> 1 file changed, 1 insertion(+)</a:t>
-            </a:r>
-          </a:p>
-          <a:p>
-            <a:pPr marL="457200" lvl="1" indent="0">
-              <a:spcBef>
-                <a:spcPts val="0"/>
-              </a:spcBef>
-              <a:buNone/>
-            </a:pPr>
-            <a:r>
-              <a:rPr lang="en-US" altLang="de-DE" sz="1200" dirty="0">
-                <a:latin typeface="Consolas" panose="020B0609020204030204" pitchFamily="49" charset="0"/>
-              </a:rPr>
-              <a:t> create mode 100644 shared_file.txt</a:t>
+              <a:t>  git switch -c &lt;new-branch-name&gt;</a:t>
             </a:r>
           </a:p>
           <a:p>
@@ -33522,21 +33861,7 @@
               <a:rPr lang="en-US" altLang="de-DE" sz="1200" dirty="0">
                 <a:latin typeface="Consolas" panose="020B0609020204030204" pitchFamily="49" charset="0"/>
               </a:rPr>
-              <a:t>$ git checkout main</a:t>
-            </a:r>
-          </a:p>
-          <a:p>
-            <a:pPr marL="457200" lvl="1" indent="0">
-              <a:spcBef>
-                <a:spcPts val="0"/>
-              </a:spcBef>
-              <a:buNone/>
-            </a:pPr>
-            <a:r>
-              <a:rPr lang="en-US" altLang="de-DE" sz="1200" dirty="0">
-                <a:latin typeface="Consolas" panose="020B0609020204030204" pitchFamily="49" charset="0"/>
-              </a:rPr>
-              <a:t>Switched to branch 'main'</a:t>
+              <a:t>Or undo this operation with:</a:t>
             </a:r>
           </a:p>
           <a:p>
@@ -33561,21 +33886,7 @@
               <a:rPr lang="en-US" altLang="de-DE" sz="1200" dirty="0">
                 <a:latin typeface="Consolas" panose="020B0609020204030204" pitchFamily="49" charset="0"/>
               </a:rPr>
-              <a:t>$ ls</a:t>
-            </a:r>
-          </a:p>
-          <a:p>
-            <a:pPr marL="457200" lvl="1" indent="0">
-              <a:spcBef>
-                <a:spcPts val="0"/>
-              </a:spcBef>
-              <a:buNone/>
-            </a:pPr>
-            <a:r>
-              <a:rPr lang="en-US" altLang="de-DE" sz="1200" dirty="0">
-                <a:latin typeface="Consolas" panose="020B0609020204030204" pitchFamily="49" charset="0"/>
-              </a:rPr>
-              <a:t>file1.txt  file2.txt  subdir</a:t>
+              <a:t>  git switch -</a:t>
             </a:r>
           </a:p>
           <a:p>
@@ -33600,7 +33911,19 @@
               <a:rPr lang="en-US" altLang="de-DE" sz="1200" dirty="0">
                 <a:latin typeface="Consolas" panose="020B0609020204030204" pitchFamily="49" charset="0"/>
               </a:rPr>
-              <a:t>$ echo "hello from main" &gt; shared_file.txt</a:t>
+              <a:t>Turn off this advice by setting config variable </a:t>
+            </a:r>
+            <a:r>
+              <a:rPr lang="en-US" altLang="de-DE" sz="1200" dirty="0" err="1">
+                <a:latin typeface="Consolas" panose="020B0609020204030204" pitchFamily="49" charset="0"/>
+              </a:rPr>
+              <a:t>advice.detachedHead</a:t>
+            </a:r>
+            <a:r>
+              <a:rPr lang="en-US" altLang="de-DE" sz="1200" dirty="0">
+                <a:latin typeface="Consolas" panose="020B0609020204030204" pitchFamily="49" charset="0"/>
+              </a:rPr>
+              <a:t> to false</a:t>
             </a:r>
           </a:p>
           <a:p>
@@ -33625,19 +33948,8 @@
               <a:rPr lang="en-US" altLang="de-DE" sz="1200" dirty="0">
                 <a:latin typeface="Consolas" panose="020B0609020204030204" pitchFamily="49" charset="0"/>
               </a:rPr>
-              <a:t>$ git add shared_file.txt</a:t>
-            </a:r>
-          </a:p>
-          <a:p>
-            <a:pPr marL="457200" lvl="1" indent="0">
-              <a:spcBef>
-                <a:spcPts val="0"/>
-              </a:spcBef>
-              <a:buNone/>
-            </a:pPr>
-            <a:endParaRPr lang="en-US" altLang="de-DE" sz="1200" dirty="0">
-              <a:latin typeface="Consolas" panose="020B0609020204030204" pitchFamily="49" charset="0"/>
-            </a:endParaRPr>
+              <a:t>HEAD is now at c61ef14 Initial commit</a:t>
+            </a:r>
           </a:p>
         </p:txBody>
       </p:sp>
@@ -33689,7 +34001,7 @@
     </p:spTree>
     <p:extLst>
       <p:ext uri="{BB962C8B-B14F-4D97-AF65-F5344CB8AC3E}">
-        <p14:creationId xmlns:p14="http://schemas.microsoft.com/office/powerpoint/2010/main" val="1677662882"/>
+        <p14:creationId xmlns:p14="http://schemas.microsoft.com/office/powerpoint/2010/main" val="3963167377"/>
       </p:ext>
     </p:extLst>
   </p:cSld>
@@ -33743,252 +34055,172 @@
           <a:lstStyle/>
           <a:p>
             <a:pPr marL="0" indent="0">
+              <a:spcBef>
+                <a:spcPts val="0"/>
+              </a:spcBef>
+              <a:spcAft>
+                <a:spcPts val="0"/>
+              </a:spcAft>
               <a:buNone/>
             </a:pPr>
             <a:r>
               <a:rPr lang="de-DE" altLang="de-DE" b="1" dirty="0"/>
-              <a:t>Beispiel:</a:t>
-            </a:r>
+              <a:t>Übungsaufgabe 6: </a:t>
+            </a:r>
+            <a:r>
+              <a:rPr lang="de-DE" altLang="de-DE" b="1" dirty="0" err="1"/>
+              <a:t>Branches</a:t>
+            </a:r>
+            <a:endParaRPr lang="de-DE" altLang="de-DE" b="1" dirty="0"/>
+          </a:p>
+          <a:p>
+            <a:pPr marL="457200" indent="-457200">
+              <a:buFont typeface="+mj-lt"/>
+              <a:buAutoNum type="arabicPeriod"/>
+            </a:pPr>
+            <a:r>
+              <a:rPr lang="de-DE" altLang="de-DE" dirty="0"/>
+              <a:t>Erstellen Sie im Projekt einen Ordner </a:t>
+            </a:r>
+            <a:r>
+              <a:rPr lang="de-DE" altLang="de-DE" dirty="0" err="1">
+                <a:solidFill>
+                  <a:srgbClr val="C00000"/>
+                </a:solidFill>
+              </a:rPr>
+              <a:t>features</a:t>
+            </a:r>
+            <a:r>
+              <a:rPr lang="de-DE" altLang="de-DE" dirty="0"/>
+              <a:t>.</a:t>
+            </a:r>
+          </a:p>
+          <a:p>
+            <a:pPr marL="457200" indent="-457200">
+              <a:buFont typeface="+mj-lt"/>
+              <a:buAutoNum type="arabicPeriod"/>
+            </a:pPr>
+            <a:r>
+              <a:rPr lang="de-DE" altLang="de-DE" dirty="0"/>
+              <a:t>Erstellen Sie einen neuen Branch </a:t>
+            </a:r>
+            <a:r>
+              <a:rPr lang="de-DE" altLang="de-DE" dirty="0">
+                <a:solidFill>
+                  <a:srgbClr val="C00000"/>
+                </a:solidFill>
+              </a:rPr>
+              <a:t>feature1</a:t>
+            </a:r>
+            <a:r>
+              <a:rPr lang="de-DE" altLang="de-DE" dirty="0"/>
+              <a:t> und wechseln Sie in diesen.</a:t>
+            </a:r>
+          </a:p>
+          <a:p>
+            <a:pPr marL="457200" indent="-457200">
+              <a:buFont typeface="+mj-lt"/>
+              <a:buAutoNum type="arabicPeriod"/>
+            </a:pPr>
+            <a:r>
+              <a:rPr lang="de-DE" altLang="de-DE" dirty="0"/>
+              <a:t>Legen Sie im Ordner </a:t>
+            </a:r>
+            <a:r>
+              <a:rPr lang="de-DE" altLang="de-DE" dirty="0" err="1">
+                <a:solidFill>
+                  <a:srgbClr val="C00000"/>
+                </a:solidFill>
+              </a:rPr>
+              <a:t>features</a:t>
+            </a:r>
+            <a:r>
+              <a:rPr lang="de-DE" altLang="de-DE" dirty="0"/>
+              <a:t> eine Datei </a:t>
+            </a:r>
+            <a:r>
+              <a:rPr lang="de-DE" altLang="de-DE" dirty="0">
+                <a:solidFill>
+                  <a:srgbClr val="C00000"/>
+                </a:solidFill>
+              </a:rPr>
+              <a:t>feature1_file1.txt</a:t>
+            </a:r>
+            <a:r>
+              <a:rPr lang="de-DE" altLang="de-DE" dirty="0"/>
+              <a:t> mit beliebigem Inhalt an und committen Sie Ihre Änderungen.</a:t>
+            </a:r>
+          </a:p>
+          <a:p>
+            <a:pPr marL="457200" indent="-457200">
+              <a:buFont typeface="+mj-lt"/>
+              <a:buAutoNum type="arabicPeriod"/>
+            </a:pPr>
+            <a:r>
+              <a:rPr lang="de-DE" altLang="de-DE" dirty="0"/>
+              <a:t>Erstellen Sie eine zweite Datei </a:t>
+            </a:r>
+            <a:r>
+              <a:rPr lang="de-DE" altLang="de-DE" dirty="0">
+                <a:solidFill>
+                  <a:srgbClr val="C00000"/>
+                </a:solidFill>
+              </a:rPr>
+              <a:t>feature1_file2.txt </a:t>
+            </a:r>
+            <a:r>
+              <a:rPr lang="de-DE" altLang="de-DE" dirty="0"/>
+              <a:t>im Ordner an und committen Sie auch diese.</a:t>
+            </a:r>
+          </a:p>
+          <a:p>
+            <a:pPr marL="457200" indent="-457200">
+              <a:buFont typeface="+mj-lt"/>
+              <a:buAutoNum type="arabicPeriod"/>
+            </a:pPr>
+            <a:r>
+              <a:rPr lang="de-DE" altLang="de-DE" dirty="0"/>
+              <a:t>Wechseln Sie zurück auf den </a:t>
+            </a:r>
+            <a:r>
+              <a:rPr lang="de-DE" altLang="de-DE" dirty="0" err="1">
+                <a:solidFill>
+                  <a:srgbClr val="C00000"/>
+                </a:solidFill>
+              </a:rPr>
+              <a:t>main</a:t>
+            </a:r>
+            <a:r>
+              <a:rPr lang="de-DE" altLang="de-DE" dirty="0"/>
+              <a:t> Branch. Da </a:t>
+            </a:r>
+            <a:r>
+              <a:rPr lang="de-DE" altLang="de-DE" dirty="0" err="1"/>
+              <a:t>Git</a:t>
+            </a:r>
+            <a:r>
+              <a:rPr lang="de-DE" altLang="de-DE" dirty="0"/>
+              <a:t> den Workspace an den aktiven Branch anpasst, sollte der Ordner </a:t>
+            </a:r>
+            <a:r>
+              <a:rPr lang="de-DE" altLang="de-DE" dirty="0" err="1">
+                <a:solidFill>
+                  <a:srgbClr val="C00000"/>
+                </a:solidFill>
+              </a:rPr>
+              <a:t>features</a:t>
+            </a:r>
+            <a:r>
+              <a:rPr lang="de-DE" altLang="de-DE" dirty="0"/>
+              <a:t> hier leer bzw. nicht vorhanden sein.</a:t>
+            </a:r>
+          </a:p>
+          <a:p>
+            <a:pPr marL="457200" indent="-457200">
+              <a:buFont typeface="+mj-lt"/>
+              <a:buAutoNum type="arabicPeriod"/>
+            </a:pPr>
             <a:endParaRPr lang="de-DE" altLang="de-DE" dirty="0"/>
-          </a:p>
-          <a:p>
-            <a:pPr marL="457200" lvl="1" indent="0">
-              <a:spcBef>
-                <a:spcPts val="0"/>
-              </a:spcBef>
-              <a:buNone/>
-            </a:pPr>
-            <a:endParaRPr lang="en-US" altLang="de-DE" sz="1200" dirty="0">
-              <a:latin typeface="Consolas" panose="020B0609020204030204" pitchFamily="49" charset="0"/>
-            </a:endParaRPr>
-          </a:p>
-          <a:p>
-            <a:pPr marL="457200" lvl="1" indent="0">
-              <a:spcBef>
-                <a:spcPts val="0"/>
-              </a:spcBef>
-              <a:buNone/>
-            </a:pPr>
-            <a:r>
-              <a:rPr lang="en-US" altLang="de-DE" sz="1200" dirty="0">
-                <a:latin typeface="Consolas" panose="020B0609020204030204" pitchFamily="49" charset="0"/>
-              </a:rPr>
-              <a:t>$ git checkout feature1</a:t>
-            </a:r>
-          </a:p>
-          <a:p>
-            <a:pPr marL="457200" lvl="1" indent="0">
-              <a:spcBef>
-                <a:spcPts val="0"/>
-              </a:spcBef>
-              <a:buNone/>
-            </a:pPr>
-            <a:r>
-              <a:rPr lang="en-US" altLang="de-DE" sz="1200" dirty="0">
-                <a:latin typeface="Consolas" panose="020B0609020204030204" pitchFamily="49" charset="0"/>
-              </a:rPr>
-              <a:t>error: Your local changes to the following files </a:t>
-            </a:r>
-            <a:r>
-              <a:rPr lang="en-US" altLang="de-DE" sz="1200" b="1" dirty="0">
-                <a:latin typeface="Consolas" panose="020B0609020204030204" pitchFamily="49" charset="0"/>
-              </a:rPr>
-              <a:t>would be overwritten by checkout</a:t>
-            </a:r>
-            <a:r>
-              <a:rPr lang="en-US" altLang="de-DE" sz="1200" dirty="0">
-                <a:latin typeface="Consolas" panose="020B0609020204030204" pitchFamily="49" charset="0"/>
-              </a:rPr>
-              <a:t>:</a:t>
-            </a:r>
-          </a:p>
-          <a:p>
-            <a:pPr marL="457200" lvl="1" indent="0">
-              <a:spcBef>
-                <a:spcPts val="0"/>
-              </a:spcBef>
-              <a:buNone/>
-            </a:pPr>
-            <a:r>
-              <a:rPr lang="en-US" altLang="de-DE" sz="1200" dirty="0">
-                <a:latin typeface="Consolas" panose="020B0609020204030204" pitchFamily="49" charset="0"/>
-              </a:rPr>
-              <a:t>        shared_file.txt</a:t>
-            </a:r>
-          </a:p>
-          <a:p>
-            <a:pPr marL="457200" lvl="1" indent="0">
-              <a:spcBef>
-                <a:spcPts val="0"/>
-              </a:spcBef>
-              <a:buNone/>
-            </a:pPr>
-            <a:r>
-              <a:rPr lang="en-US" altLang="de-DE" sz="1200" dirty="0">
-                <a:latin typeface="Consolas" panose="020B0609020204030204" pitchFamily="49" charset="0"/>
-              </a:rPr>
-              <a:t>Please commit your changes or stash them before you switch branches.</a:t>
-            </a:r>
-          </a:p>
-          <a:p>
-            <a:pPr marL="457200" lvl="1" indent="0">
-              <a:spcBef>
-                <a:spcPts val="0"/>
-              </a:spcBef>
-              <a:buNone/>
-            </a:pPr>
-            <a:r>
-              <a:rPr lang="en-US" altLang="de-DE" sz="1200" dirty="0">
-                <a:latin typeface="Consolas" panose="020B0609020204030204" pitchFamily="49" charset="0"/>
-              </a:rPr>
-              <a:t>Aborting</a:t>
-            </a:r>
-          </a:p>
-          <a:p>
-            <a:pPr marL="457200" lvl="1" indent="0">
-              <a:spcBef>
-                <a:spcPts val="0"/>
-              </a:spcBef>
-              <a:buNone/>
-            </a:pPr>
-            <a:endParaRPr lang="de-DE" altLang="de-DE" sz="1200" dirty="0"/>
-          </a:p>
-          <a:p>
-            <a:r>
-              <a:rPr lang="de-DE" altLang="de-DE" dirty="0"/>
-              <a:t>Mögliche Optionen</a:t>
-            </a:r>
-          </a:p>
-          <a:p>
-            <a:pPr lvl="1"/>
-            <a:r>
-              <a:rPr lang="de-DE" altLang="de-DE" dirty="0"/>
-              <a:t>Änderungen committen</a:t>
-            </a:r>
-          </a:p>
-          <a:p>
-            <a:pPr lvl="1"/>
-            <a:r>
-              <a:rPr lang="de-DE" altLang="de-DE" dirty="0"/>
-              <a:t>Änderungen verwerfen und </a:t>
-            </a:r>
-            <a:r>
-              <a:rPr lang="de-DE" altLang="de-DE" dirty="0" err="1"/>
-              <a:t>Checkout</a:t>
-            </a:r>
-            <a:r>
-              <a:rPr lang="de-DE" altLang="de-DE" dirty="0"/>
-              <a:t> mittels </a:t>
-            </a:r>
-            <a:br>
-              <a:rPr lang="de-DE" altLang="de-DE" dirty="0"/>
-            </a:br>
-            <a:r>
-              <a:rPr lang="de-DE" altLang="de-DE" dirty="0" err="1">
-                <a:latin typeface="Consolas" panose="020B0609020204030204" pitchFamily="49" charset="0"/>
-              </a:rPr>
-              <a:t>git</a:t>
-            </a:r>
-            <a:r>
-              <a:rPr lang="de-DE" altLang="de-DE" dirty="0">
-                <a:latin typeface="Consolas" panose="020B0609020204030204" pitchFamily="49" charset="0"/>
-              </a:rPr>
-              <a:t> </a:t>
-            </a:r>
-            <a:r>
-              <a:rPr lang="de-DE" altLang="de-DE" dirty="0" err="1">
-                <a:latin typeface="Consolas" panose="020B0609020204030204" pitchFamily="49" charset="0"/>
-              </a:rPr>
-              <a:t>checkout</a:t>
-            </a:r>
-            <a:r>
-              <a:rPr lang="de-DE" altLang="de-DE" dirty="0">
-                <a:latin typeface="Consolas" panose="020B0609020204030204" pitchFamily="49" charset="0"/>
-              </a:rPr>
-              <a:t> -f &lt;</a:t>
-            </a:r>
-            <a:r>
-              <a:rPr lang="de-DE" altLang="de-DE" dirty="0" err="1">
-                <a:latin typeface="Consolas" panose="020B0609020204030204" pitchFamily="49" charset="0"/>
-              </a:rPr>
-              <a:t>branch</a:t>
-            </a:r>
-            <a:r>
-              <a:rPr lang="de-DE" altLang="de-DE" dirty="0">
-                <a:latin typeface="Consolas" panose="020B0609020204030204" pitchFamily="49" charset="0"/>
-              </a:rPr>
-              <a:t>&gt;</a:t>
-            </a:r>
-            <a:r>
-              <a:rPr lang="de-DE" altLang="de-DE" dirty="0"/>
-              <a:t> (</a:t>
-            </a:r>
-            <a:r>
-              <a:rPr lang="de-DE" altLang="de-DE" dirty="0">
-                <a:latin typeface="Consolas" panose="020B0609020204030204" pitchFamily="49" charset="0"/>
-              </a:rPr>
-              <a:t>-f </a:t>
-            </a:r>
-            <a:r>
-              <a:rPr lang="de-DE" altLang="de-DE" dirty="0"/>
-              <a:t>oder </a:t>
-            </a:r>
-            <a:r>
-              <a:rPr lang="de-DE" altLang="de-DE" dirty="0">
-                <a:latin typeface="Consolas" panose="020B0609020204030204" pitchFamily="49" charset="0"/>
-              </a:rPr>
-              <a:t>--</a:t>
-            </a:r>
-            <a:r>
-              <a:rPr lang="de-DE" altLang="de-DE" dirty="0" err="1">
-                <a:latin typeface="Consolas" panose="020B0609020204030204" pitchFamily="49" charset="0"/>
-              </a:rPr>
-              <a:t>force</a:t>
-            </a:r>
-            <a:r>
-              <a:rPr lang="de-DE" altLang="de-DE" dirty="0"/>
-              <a:t>) erzwingen </a:t>
-            </a:r>
-          </a:p>
-          <a:p>
-            <a:pPr lvl="1"/>
-            <a:r>
-              <a:rPr lang="de-DE" altLang="de-DE" dirty="0"/>
-              <a:t>Änderungen in </a:t>
-            </a:r>
-            <a:r>
-              <a:rPr lang="de-DE" altLang="de-DE" i="1" dirty="0" err="1"/>
-              <a:t>Stashing</a:t>
-            </a:r>
-            <a:r>
-              <a:rPr lang="de-DE" altLang="de-DE" i="1" dirty="0"/>
-              <a:t> Area </a:t>
-            </a:r>
-            <a:r>
-              <a:rPr lang="de-DE" altLang="de-DE" dirty="0"/>
-              <a:t>zwischenspeichern und später wiederherstellen mittels </a:t>
-            </a:r>
-            <a:r>
-              <a:rPr lang="de-DE" altLang="de-DE" dirty="0" err="1">
-                <a:latin typeface="Consolas" panose="020B0609020204030204" pitchFamily="49" charset="0"/>
-              </a:rPr>
-              <a:t>git</a:t>
-            </a:r>
-            <a:r>
-              <a:rPr lang="de-DE" altLang="de-DE" dirty="0">
-                <a:latin typeface="Consolas" panose="020B0609020204030204" pitchFamily="49" charset="0"/>
-              </a:rPr>
-              <a:t> </a:t>
-            </a:r>
-            <a:r>
-              <a:rPr lang="de-DE" altLang="de-DE" dirty="0" err="1">
-                <a:latin typeface="Consolas" panose="020B0609020204030204" pitchFamily="49" charset="0"/>
-              </a:rPr>
-              <a:t>stash</a:t>
-            </a:r>
-            <a:endParaRPr lang="en-US" altLang="de-DE" sz="1200" dirty="0">
-              <a:latin typeface="Consolas" panose="020B0609020204030204" pitchFamily="49" charset="0"/>
-            </a:endParaRPr>
           </a:p>
         </p:txBody>
       </p:sp>
@@ -34040,7 +34272,7 @@
     </p:spTree>
     <p:extLst>
       <p:ext uri="{BB962C8B-B14F-4D97-AF65-F5344CB8AC3E}">
-        <p14:creationId xmlns:p14="http://schemas.microsoft.com/office/powerpoint/2010/main" val="2199880751"/>
+        <p14:creationId xmlns:p14="http://schemas.microsoft.com/office/powerpoint/2010/main" val="2351510317"/>
       </p:ext>
     </p:extLst>
   </p:cSld>
@@ -34094,165 +34326,253 @@
           <a:lstStyle/>
           <a:p>
             <a:pPr marL="0" indent="0">
+              <a:spcBef>
+                <a:spcPts val="0"/>
+              </a:spcBef>
+              <a:spcAft>
+                <a:spcPts val="0"/>
+              </a:spcAft>
               <a:buNone/>
             </a:pPr>
             <a:r>
               <a:rPr lang="de-DE" altLang="de-DE" b="1" dirty="0"/>
-              <a:t>HEAD</a:t>
-            </a:r>
-          </a:p>
-          <a:p>
-            <a:r>
-              <a:rPr lang="de-DE" altLang="de-DE" dirty="0"/>
-              <a:t>Spezielle Referenz, die auf letzten Commit des aktiven </a:t>
-            </a:r>
-            <a:r>
-              <a:rPr lang="de-DE" altLang="de-DE" dirty="0" err="1"/>
+              <a:t>Lösung Übungsaufgabe 6: </a:t>
+            </a:r>
+            <a:r>
+              <a:rPr lang="de-DE" altLang="de-DE" b="1" dirty="0" err="1"/>
               <a:t>Branches</a:t>
             </a:r>
-            <a:r>
-              <a:rPr lang="de-DE" altLang="de-DE" dirty="0"/>
-              <a:t> verweist</a:t>
-            </a:r>
-          </a:p>
-          <a:p>
-            <a:r>
-              <a:rPr lang="de-DE" altLang="de-DE" dirty="0"/>
-              <a:t>Beispiel:</a:t>
-            </a:r>
-            <a:endParaRPr lang="en-US" altLang="de-DE" sz="1200" dirty="0">
+            <a:endParaRPr lang="de-DE" altLang="de-DE" b="1" dirty="0"/>
+          </a:p>
+          <a:p>
+            <a:pPr marL="457200" indent="-457200">
+              <a:buFont typeface="+mj-lt"/>
+              <a:buAutoNum type="arabicPeriod"/>
+            </a:pPr>
+            <a:r>
+              <a:rPr lang="de-DE" altLang="de-DE" sz="1400" dirty="0">
+                <a:latin typeface="Consolas" panose="020B0609020204030204" pitchFamily="49" charset="0"/>
+              </a:rPr>
+              <a:t>$ </a:t>
+            </a:r>
+            <a:r>
+              <a:rPr lang="de-DE" altLang="de-DE" sz="1400" dirty="0" err="1">
+                <a:latin typeface="Consolas" panose="020B0609020204030204" pitchFamily="49" charset="0"/>
+              </a:rPr>
+              <a:t>mkdir</a:t>
+            </a:r>
+            <a:r>
+              <a:rPr lang="de-DE" altLang="de-DE" sz="1400" dirty="0">
+                <a:latin typeface="Consolas" panose="020B0609020204030204" pitchFamily="49" charset="0"/>
+              </a:rPr>
+              <a:t> </a:t>
+            </a:r>
+            <a:r>
+              <a:rPr lang="de-DE" altLang="de-DE" sz="1400" dirty="0" err="1">
+                <a:latin typeface="Consolas" panose="020B0609020204030204" pitchFamily="49" charset="0"/>
+              </a:rPr>
+              <a:t>features</a:t>
+            </a:r>
+            <a:br>
+              <a:rPr lang="de-DE" altLang="de-DE" sz="1400" dirty="0">
+                <a:latin typeface="Consolas" panose="020B0609020204030204" pitchFamily="49" charset="0"/>
+              </a:rPr>
+            </a:br>
+            <a:endParaRPr lang="de-DE" altLang="de-DE" sz="1400" dirty="0">
               <a:latin typeface="Consolas" panose="020B0609020204030204" pitchFamily="49" charset="0"/>
             </a:endParaRPr>
           </a:p>
           <a:p>
-            <a:pPr marL="457200" lvl="1" indent="0">
-              <a:spcBef>
-                <a:spcPts val="0"/>
-              </a:spcBef>
-              <a:buNone/>
-            </a:pPr>
-            <a:endParaRPr lang="en-US" altLang="de-DE" sz="1200" dirty="0">
+            <a:pPr marL="457200" indent="-457200">
+              <a:buFont typeface="+mj-lt"/>
+              <a:buAutoNum type="arabicPeriod"/>
+            </a:pPr>
+            <a:r>
+              <a:rPr lang="en-US" altLang="de-DE" sz="1400" dirty="0">
+                <a:latin typeface="Consolas" panose="020B0609020204030204" pitchFamily="49" charset="0"/>
+              </a:rPr>
+              <a:t>$ git checkout -b feature1</a:t>
+            </a:r>
+            <a:br>
+              <a:rPr lang="en-US" altLang="de-DE" sz="1400" dirty="0">
+                <a:latin typeface="Consolas" panose="020B0609020204030204" pitchFamily="49" charset="0"/>
+              </a:rPr>
+            </a:br>
+            <a:r>
+              <a:rPr lang="en-US" altLang="de-DE" sz="1400" dirty="0">
+                <a:latin typeface="Consolas" panose="020B0609020204030204" pitchFamily="49" charset="0"/>
+              </a:rPr>
+              <a:t>Switched to a new branch 'feature1'</a:t>
+            </a:r>
+            <a:br>
+              <a:rPr lang="en-US" altLang="de-DE" sz="1400" dirty="0">
+                <a:latin typeface="Consolas" panose="020B0609020204030204" pitchFamily="49" charset="0"/>
+              </a:rPr>
+            </a:br>
+            <a:endParaRPr lang="de-DE" altLang="de-DE" sz="1400" dirty="0">
               <a:latin typeface="Consolas" panose="020B0609020204030204" pitchFamily="49" charset="0"/>
             </a:endParaRPr>
           </a:p>
           <a:p>
-            <a:pPr marL="457200" lvl="1" indent="0">
-              <a:spcBef>
-                <a:spcPts val="0"/>
-              </a:spcBef>
-              <a:buNone/>
-            </a:pPr>
-            <a:r>
-              <a:rPr lang="en-US" altLang="de-DE" sz="1200" dirty="0">
-                <a:latin typeface="Consolas" panose="020B0609020204030204" pitchFamily="49" charset="0"/>
-              </a:rPr>
-              <a:t>$ git log</a:t>
-            </a:r>
-          </a:p>
-          <a:p>
-            <a:pPr marL="457200" lvl="1" indent="0">
-              <a:spcBef>
-                <a:spcPts val="0"/>
-              </a:spcBef>
-              <a:buNone/>
-            </a:pPr>
-            <a:r>
-              <a:rPr lang="en-US" altLang="de-DE" sz="1200" dirty="0">
-                <a:latin typeface="Consolas" panose="020B0609020204030204" pitchFamily="49" charset="0"/>
-              </a:rPr>
-              <a:t>commit e0b3cf300585c6230d1abffafe37bb4b9d540247 (HEAD -&gt; main)</a:t>
-            </a:r>
-          </a:p>
-          <a:p>
-            <a:pPr marL="457200" lvl="1" indent="0">
-              <a:spcBef>
-                <a:spcPts val="0"/>
-              </a:spcBef>
-              <a:buNone/>
-            </a:pPr>
-            <a:r>
-              <a:rPr lang="en-US" altLang="de-DE" sz="1200" dirty="0">
-                <a:latin typeface="Consolas" panose="020B0609020204030204" pitchFamily="49" charset="0"/>
-              </a:rPr>
-              <a:t>Author: Git User &lt;git.user@example.com&gt;</a:t>
-            </a:r>
-          </a:p>
-          <a:p>
-            <a:pPr marL="457200" lvl="1" indent="0">
-              <a:spcBef>
-                <a:spcPts val="0"/>
-              </a:spcBef>
-              <a:buNone/>
-            </a:pPr>
-            <a:r>
-              <a:rPr lang="en-US" altLang="de-DE" sz="1200" dirty="0">
-                <a:latin typeface="Consolas" panose="020B0609020204030204" pitchFamily="49" charset="0"/>
-              </a:rPr>
-              <a:t>Date:   Fri May 10 00:04:39 2024 +0200</a:t>
-            </a:r>
-          </a:p>
-          <a:p>
-            <a:pPr marL="457200" lvl="1" indent="0">
-              <a:spcBef>
-                <a:spcPts val="0"/>
-              </a:spcBef>
-              <a:buNone/>
-            </a:pPr>
-            <a:endParaRPr lang="en-US" altLang="de-DE" sz="1200" dirty="0">
+            <a:pPr marL="457200" indent="-457200">
+              <a:buFont typeface="+mj-lt"/>
+              <a:buAutoNum type="arabicPeriod"/>
+            </a:pPr>
+            <a:r>
+              <a:rPr lang="en-US" altLang="de-DE" sz="1400" dirty="0">
+                <a:latin typeface="Consolas" panose="020B0609020204030204" pitchFamily="49" charset="0"/>
+              </a:rPr>
+              <a:t>$ echo "feature1 file1 content" &gt; features/feature1_file1.txt</a:t>
+            </a:r>
+            <a:br>
+              <a:rPr lang="en-US" altLang="de-DE" sz="1400" dirty="0">
+                <a:latin typeface="Consolas" panose="020B0609020204030204" pitchFamily="49" charset="0"/>
+              </a:rPr>
+            </a:br>
+            <a:br>
+              <a:rPr lang="en-US" altLang="de-DE" sz="1400" dirty="0">
+                <a:latin typeface="Consolas" panose="020B0609020204030204" pitchFamily="49" charset="0"/>
+              </a:rPr>
+            </a:br>
+            <a:r>
+              <a:rPr lang="en-US" altLang="de-DE" sz="1400" dirty="0">
+                <a:latin typeface="Consolas" panose="020B0609020204030204" pitchFamily="49" charset="0"/>
+              </a:rPr>
+              <a:t>$ git add features/feature1_file1.txt</a:t>
+            </a:r>
+            <a:br>
+              <a:rPr lang="en-US" altLang="de-DE" sz="1400" dirty="0">
+                <a:latin typeface="Consolas" panose="020B0609020204030204" pitchFamily="49" charset="0"/>
+              </a:rPr>
+            </a:br>
+            <a:br>
+              <a:rPr lang="en-US" altLang="de-DE" sz="1400" dirty="0">
+                <a:latin typeface="Consolas" panose="020B0609020204030204" pitchFamily="49" charset="0"/>
+              </a:rPr>
+            </a:br>
+            <a:r>
+              <a:rPr lang="en-US" altLang="de-DE" sz="1400" dirty="0">
+                <a:latin typeface="Consolas" panose="020B0609020204030204" pitchFamily="49" charset="0"/>
+              </a:rPr>
+              <a:t>$ git commit -m "Add feature1_file1.txt"</a:t>
+            </a:r>
+            <a:br>
+              <a:rPr lang="en-US" altLang="de-DE" sz="1400" dirty="0">
+                <a:latin typeface="Consolas" panose="020B0609020204030204" pitchFamily="49" charset="0"/>
+              </a:rPr>
+            </a:br>
+            <a:r>
+              <a:rPr lang="en-US" altLang="de-DE" sz="1400" dirty="0">
+                <a:latin typeface="Consolas" panose="020B0609020204030204" pitchFamily="49" charset="0"/>
+              </a:rPr>
+              <a:t>[feature1 0fd3371] Add feature1_file1.txt</a:t>
+            </a:r>
+            <a:br>
+              <a:rPr lang="en-US" altLang="de-DE" sz="1400" dirty="0">
+                <a:latin typeface="Consolas" panose="020B0609020204030204" pitchFamily="49" charset="0"/>
+              </a:rPr>
+            </a:br>
+            <a:r>
+              <a:rPr lang="en-US" altLang="de-DE" sz="1400" dirty="0">
+                <a:latin typeface="Consolas" panose="020B0609020204030204" pitchFamily="49" charset="0"/>
+              </a:rPr>
+              <a:t> 1 file changed, 1 insertion(+)</a:t>
+            </a:r>
+            <a:br>
+              <a:rPr lang="en-US" altLang="de-DE" sz="1400" dirty="0">
+                <a:latin typeface="Consolas" panose="020B0609020204030204" pitchFamily="49" charset="0"/>
+              </a:rPr>
+            </a:br>
+            <a:r>
+              <a:rPr lang="en-US" altLang="de-DE" sz="1400" dirty="0">
+                <a:latin typeface="Consolas" panose="020B0609020204030204" pitchFamily="49" charset="0"/>
+              </a:rPr>
+              <a:t> create mode 100644 features/feature1_file1.txt</a:t>
+            </a:r>
+            <a:br>
+              <a:rPr lang="en-US" altLang="de-DE" sz="1400" dirty="0">
+                <a:latin typeface="Consolas" panose="020B0609020204030204" pitchFamily="49" charset="0"/>
+              </a:rPr>
+            </a:br>
+            <a:endParaRPr lang="en-US" altLang="de-DE" sz="1400" dirty="0">
               <a:latin typeface="Consolas" panose="020B0609020204030204" pitchFamily="49" charset="0"/>
             </a:endParaRPr>
           </a:p>
           <a:p>
-            <a:pPr marL="457200" lvl="1" indent="0">
-              <a:spcBef>
-                <a:spcPts val="0"/>
-              </a:spcBef>
-              <a:buNone/>
-            </a:pPr>
-            <a:r>
-              <a:rPr lang="en-US" altLang="de-DE" sz="1200" dirty="0">
-                <a:latin typeface="Consolas" panose="020B0609020204030204" pitchFamily="49" charset="0"/>
-              </a:rPr>
-              <a:t>    Update file1.txt</a:t>
-            </a:r>
-          </a:p>
-          <a:p>
-            <a:pPr marL="457200" lvl="1" indent="0">
-              <a:spcBef>
-                <a:spcPts val="0"/>
-              </a:spcBef>
-              <a:buNone/>
-            </a:pPr>
-            <a:r>
-              <a:rPr lang="en-US" altLang="de-DE" sz="1200" dirty="0">
-                <a:latin typeface="Consolas" panose="020B0609020204030204" pitchFamily="49" charset="0"/>
-              </a:rPr>
-              <a:t>...</a:t>
-            </a:r>
-          </a:p>
-          <a:p>
-            <a:pPr marL="457200" lvl="1" indent="0">
-              <a:spcBef>
-                <a:spcPts val="0"/>
-              </a:spcBef>
-              <a:buNone/>
-            </a:pPr>
-            <a:endParaRPr lang="en-US" altLang="de-DE" sz="1200" dirty="0">
-              <a:latin typeface="Consolas" panose="020B0609020204030204" pitchFamily="49" charset="0"/>
-            </a:endParaRPr>
-          </a:p>
-          <a:p>
-            <a:r>
-              <a:rPr lang="de-DE" altLang="de-DE" dirty="0"/>
-              <a:t>Bei neuen </a:t>
-            </a:r>
-            <a:r>
-              <a:rPr lang="de-DE" altLang="de-DE" dirty="0" err="1"/>
-              <a:t>Commits</a:t>
-            </a:r>
-            <a:r>
-              <a:rPr lang="de-DE" altLang="de-DE" dirty="0"/>
-              <a:t> wandert die HEAD Referenz weiter</a:t>
+            <a:pPr marL="457200" indent="-457200">
+              <a:buFont typeface="+mj-lt"/>
+              <a:buAutoNum type="arabicPeriod"/>
+            </a:pPr>
+            <a:r>
+              <a:rPr lang="en-US" altLang="de-DE" sz="1400" dirty="0">
+                <a:latin typeface="Consolas" panose="020B0609020204030204" pitchFamily="49" charset="0"/>
+              </a:rPr>
+              <a:t>$ echo "feature1 file2 content" &gt; features/feature1_file2.txt</a:t>
+            </a:r>
+            <a:br>
+              <a:rPr lang="en-US" altLang="de-DE" sz="1400" dirty="0">
+                <a:latin typeface="Consolas" panose="020B0609020204030204" pitchFamily="49" charset="0"/>
+              </a:rPr>
+            </a:br>
+            <a:br>
+              <a:rPr lang="en-US" altLang="de-DE" sz="1400" dirty="0">
+                <a:latin typeface="Consolas" panose="020B0609020204030204" pitchFamily="49" charset="0"/>
+              </a:rPr>
+            </a:br>
+            <a:r>
+              <a:rPr lang="en-US" altLang="de-DE" sz="1400" dirty="0">
+                <a:latin typeface="Consolas" panose="020B0609020204030204" pitchFamily="49" charset="0"/>
+              </a:rPr>
+              <a:t>$ git add features/feature1_file2.txt</a:t>
+            </a:r>
+            <a:br>
+              <a:rPr lang="en-US" altLang="de-DE" sz="1400" dirty="0">
+                <a:latin typeface="Consolas" panose="020B0609020204030204" pitchFamily="49" charset="0"/>
+              </a:rPr>
+            </a:br>
+            <a:br>
+              <a:rPr lang="en-US" altLang="de-DE" sz="1400" dirty="0">
+                <a:latin typeface="Consolas" panose="020B0609020204030204" pitchFamily="49" charset="0"/>
+              </a:rPr>
+            </a:br>
+            <a:r>
+              <a:rPr lang="en-US" altLang="de-DE" sz="1400" dirty="0">
+                <a:latin typeface="Consolas" panose="020B0609020204030204" pitchFamily="49" charset="0"/>
+              </a:rPr>
+              <a:t>$ git commit -m "Add feature1_file2.txt"</a:t>
+            </a:r>
+            <a:br>
+              <a:rPr lang="en-US" altLang="de-DE" sz="1400" dirty="0">
+                <a:latin typeface="Consolas" panose="020B0609020204030204" pitchFamily="49" charset="0"/>
+              </a:rPr>
+            </a:br>
+            <a:r>
+              <a:rPr lang="en-US" altLang="de-DE" sz="1400" dirty="0">
+                <a:latin typeface="Consolas" panose="020B0609020204030204" pitchFamily="49" charset="0"/>
+              </a:rPr>
+              <a:t>[feature1 6c2b85a] Add feature1_file2.txt</a:t>
+            </a:r>
+            <a:br>
+              <a:rPr lang="en-US" altLang="de-DE" sz="1400" dirty="0">
+                <a:latin typeface="Consolas" panose="020B0609020204030204" pitchFamily="49" charset="0"/>
+              </a:rPr>
+            </a:br>
+            <a:r>
+              <a:rPr lang="en-US" altLang="de-DE" sz="1400" dirty="0">
+                <a:latin typeface="Consolas" panose="020B0609020204030204" pitchFamily="49" charset="0"/>
+              </a:rPr>
+              <a:t> 1 file changed, 1 insertion(+)</a:t>
+            </a:r>
+            <a:br>
+              <a:rPr lang="en-US" altLang="de-DE" sz="1400" dirty="0">
+                <a:latin typeface="Consolas" panose="020B0609020204030204" pitchFamily="49" charset="0"/>
+              </a:rPr>
+            </a:br>
+            <a:r>
+              <a:rPr lang="en-US" altLang="de-DE" sz="1400" dirty="0">
+                <a:latin typeface="Consolas" panose="020B0609020204030204" pitchFamily="49" charset="0"/>
+              </a:rPr>
+              <a:t> create mode 100644 features/feature1_file2.txt</a:t>
             </a:r>
           </a:p>
         </p:txBody>
@@ -34302,79 +34622,10 @@
           </a:p>
         </p:txBody>
       </p:sp>
-      <p:sp>
-        <p:nvSpPr>
-          <p:cNvPr id="2" name="Rechteck: abgerundete Ecken 1">
-            <a:extLst>
-              <a:ext uri="{FF2B5EF4-FFF2-40B4-BE49-F238E27FC236}">
-                <a16:creationId xmlns:a16="http://schemas.microsoft.com/office/drawing/2014/main" id="{D2A0FEA1-072B-EEA4-2DE2-76326162FC2C}"/>
-              </a:ext>
-            </a:extLst>
-          </p:cNvPr>
-          <p:cNvSpPr/>
-          <p:nvPr/>
-        </p:nvSpPr>
-        <p:spPr bwMode="auto">
-          <a:xfrm>
-            <a:off x="4860032" y="2708920"/>
-            <a:ext cx="1296144" cy="288032"/>
-          </a:xfrm>
-          <a:prstGeom prst="roundRect">
-            <a:avLst/>
-          </a:prstGeom>
-          <a:noFill/>
-          <a:ln w="12700" cap="flat" cmpd="sng" algn="ctr">
-            <a:solidFill>
-              <a:srgbClr val="FF0000"/>
-            </a:solidFill>
-            <a:prstDash val="solid"/>
-            <a:round/>
-            <a:headEnd type="none" w="sm" len="sm"/>
-            <a:tailEnd type="none" w="sm" len="sm"/>
-          </a:ln>
-          <a:effectLst/>
-        </p:spPr>
-        <p:txBody>
-          <a:bodyPr vert="horz" wrap="square" lIns="91440" tIns="45720" rIns="91440" bIns="45720" numCol="1" rtlCol="0" anchor="t" anchorCtr="0" compatLnSpc="1">
-            <a:prstTxWarp prst="textNoShape">
-              <a:avLst/>
-            </a:prstTxWarp>
-          </a:bodyPr>
-          <a:lstStyle/>
-          <a:p>
-            <a:pPr marL="0" marR="0" indent="0" algn="l" defTabSz="914400" rtl="0" eaLnBrk="0" fontAlgn="base" latinLnBrk="0" hangingPunct="0">
-              <a:lnSpc>
-                <a:spcPct val="100000"/>
-              </a:lnSpc>
-              <a:spcBef>
-                <a:spcPct val="0"/>
-              </a:spcBef>
-              <a:spcAft>
-                <a:spcPct val="0"/>
-              </a:spcAft>
-              <a:buClrTx/>
-              <a:buSzTx/>
-              <a:buFontTx/>
-              <a:buNone/>
-              <a:tabLst/>
-            </a:pPr>
-            <a:endParaRPr kumimoji="0" lang="de-DE" sz="2400" b="0" i="0" u="none" strike="noStrike" cap="none" normalizeH="0" baseline="0">
-              <a:ln>
-                <a:noFill/>
-              </a:ln>
-              <a:solidFill>
-                <a:schemeClr val="tx1"/>
-              </a:solidFill>
-              <a:effectLst/>
-              <a:latin typeface="Times New Roman" pitchFamily="18" charset="0"/>
-            </a:endParaRPr>
-          </a:p>
-        </p:txBody>
-      </p:sp>
     </p:spTree>
     <p:extLst>
       <p:ext uri="{BB962C8B-B14F-4D97-AF65-F5344CB8AC3E}">
-        <p14:creationId xmlns:p14="http://schemas.microsoft.com/office/powerpoint/2010/main" val="2256350937"/>
+        <p14:creationId xmlns:p14="http://schemas.microsoft.com/office/powerpoint/2010/main" val="4168597093"/>
       </p:ext>
     </p:extLst>
   </p:cSld>
@@ -34428,320 +34679,74 @@
           <a:lstStyle/>
           <a:p>
             <a:pPr marL="0" indent="0">
-              <a:buNone/>
-            </a:pPr>
+              <a:spcBef>
+                <a:spcPts val="0"/>
+              </a:spcBef>
+              <a:spcAft>
+                <a:spcPts val="0"/>
+              </a:spcAft>
+              <a:buNone/>
+            </a:pPr>
+            <a:r>
+              <a:rPr lang="de-DE" altLang="de-DE" b="1" dirty="0"/>
+              <a:t>Lösung Übungsaufgabe 6: </a:t>
+            </a:r>
             <a:r>
               <a:rPr lang="de-DE" altLang="de-DE" b="1" dirty="0" err="1"/>
-              <a:t>Detached</a:t>
-            </a:r>
-            <a:r>
-              <a:rPr lang="de-DE" altLang="de-DE" b="1" dirty="0"/>
-              <a:t> HEAD</a:t>
-            </a:r>
-          </a:p>
-          <a:p>
-            <a:r>
-              <a:rPr lang="de-DE" altLang="de-DE" dirty="0"/>
-              <a:t>HEAD verweist nicht auf letzten Commit des aktiven </a:t>
-            </a:r>
-            <a:r>
-              <a:rPr lang="de-DE" altLang="de-DE" dirty="0" err="1"/>
               <a:t>Branches</a:t>
             </a:r>
+            <a:endParaRPr lang="de-DE" altLang="de-DE" b="1" dirty="0"/>
+          </a:p>
+          <a:p>
+            <a:pPr marL="457200" indent="-457200">
+              <a:buFont typeface="+mj-lt"/>
+              <a:buAutoNum type="arabicPeriod" startAt="5"/>
+            </a:pPr>
+            <a:r>
+              <a:rPr lang="en-US" altLang="de-DE" sz="1400" dirty="0">
+                <a:latin typeface="Consolas" panose="020B0609020204030204" pitchFamily="49" charset="0"/>
+              </a:rPr>
+              <a:t>$ git checkout main</a:t>
+            </a:r>
+            <a:br>
+              <a:rPr lang="en-US" altLang="de-DE" sz="1400" dirty="0">
+                <a:latin typeface="Consolas" panose="020B0609020204030204" pitchFamily="49" charset="0"/>
+              </a:rPr>
+            </a:br>
+            <a:r>
+              <a:rPr lang="en-US" altLang="de-DE" sz="1400" dirty="0">
+                <a:latin typeface="Consolas" panose="020B0609020204030204" pitchFamily="49" charset="0"/>
+              </a:rPr>
+              <a:t>Switched to branch 'main'</a:t>
+            </a:r>
+            <a:br>
+              <a:rPr lang="en-US" altLang="de-DE" sz="1400" dirty="0">
+                <a:latin typeface="Consolas" panose="020B0609020204030204" pitchFamily="49" charset="0"/>
+              </a:rPr>
+            </a:br>
+            <a:br>
+              <a:rPr lang="en-US" altLang="de-DE" sz="1400" dirty="0">
+                <a:latin typeface="Consolas" panose="020B0609020204030204" pitchFamily="49" charset="0"/>
+              </a:rPr>
+            </a:br>
+            <a:r>
+              <a:rPr lang="en-US" altLang="de-DE" sz="1400" dirty="0">
+                <a:latin typeface="Consolas" panose="020B0609020204030204" pitchFamily="49" charset="0"/>
+              </a:rPr>
+              <a:t>$ ls</a:t>
+            </a:r>
+            <a:br>
+              <a:rPr lang="en-US" altLang="de-DE" sz="1400" dirty="0">
+                <a:latin typeface="Consolas" panose="020B0609020204030204" pitchFamily="49" charset="0"/>
+              </a:rPr>
+            </a:br>
+            <a:r>
+              <a:rPr lang="en-US" altLang="de-DE" sz="1400" dirty="0">
+                <a:latin typeface="Consolas" panose="020B0609020204030204" pitchFamily="49" charset="0"/>
+              </a:rPr>
+              <a:t>bin  build  file1.txt  file2.txt</a:t>
+            </a:r>
             <a:endParaRPr lang="de-DE" altLang="de-DE" dirty="0"/>
-          </a:p>
-          <a:p>
-            <a:r>
-              <a:rPr lang="de-DE" altLang="de-DE" dirty="0"/>
-              <a:t>Auschecken einzelner </a:t>
-            </a:r>
-            <a:r>
-              <a:rPr lang="de-DE" altLang="de-DE" dirty="0" err="1"/>
-              <a:t>Commits</a:t>
-            </a:r>
-            <a:endParaRPr lang="en-US" altLang="de-DE" sz="1200" dirty="0">
-              <a:latin typeface="Consolas" panose="020B0609020204030204" pitchFamily="49" charset="0"/>
-            </a:endParaRPr>
-          </a:p>
-          <a:p>
-            <a:pPr marL="457200" lvl="1" indent="0">
-              <a:spcBef>
-                <a:spcPts val="0"/>
-              </a:spcBef>
-              <a:buNone/>
-            </a:pPr>
-            <a:endParaRPr lang="en-US" altLang="de-DE" sz="1200" dirty="0">
-              <a:latin typeface="Consolas" panose="020B0609020204030204" pitchFamily="49" charset="0"/>
-            </a:endParaRPr>
-          </a:p>
-          <a:p>
-            <a:pPr marL="457200" lvl="1" indent="0">
-              <a:spcBef>
-                <a:spcPts val="0"/>
-              </a:spcBef>
-              <a:buNone/>
-            </a:pPr>
-            <a:r>
-              <a:rPr lang="en-US" altLang="de-DE" sz="1200" dirty="0">
-                <a:latin typeface="Consolas" panose="020B0609020204030204" pitchFamily="49" charset="0"/>
-              </a:rPr>
-              <a:t>$ git checkout c61ef14</a:t>
-            </a:r>
-          </a:p>
-          <a:p>
-            <a:pPr marL="457200" lvl="1" indent="0">
-              <a:spcBef>
-                <a:spcPts val="0"/>
-              </a:spcBef>
-              <a:buNone/>
-            </a:pPr>
-            <a:r>
-              <a:rPr lang="en-US" altLang="de-DE" sz="1200" dirty="0">
-                <a:latin typeface="Consolas" panose="020B0609020204030204" pitchFamily="49" charset="0"/>
-              </a:rPr>
-              <a:t>Note: switching to 'c61ef14'.</a:t>
-            </a:r>
-          </a:p>
-          <a:p>
-            <a:pPr marL="457200" lvl="1" indent="0">
-              <a:spcBef>
-                <a:spcPts val="0"/>
-              </a:spcBef>
-              <a:buNone/>
-            </a:pPr>
-            <a:endParaRPr lang="en-US" altLang="de-DE" sz="1200" dirty="0">
-              <a:latin typeface="Consolas" panose="020B0609020204030204" pitchFamily="49" charset="0"/>
-            </a:endParaRPr>
-          </a:p>
-          <a:p>
-            <a:pPr marL="457200" lvl="1" indent="0">
-              <a:spcBef>
-                <a:spcPts val="0"/>
-              </a:spcBef>
-              <a:buNone/>
-            </a:pPr>
-            <a:r>
-              <a:rPr lang="en-US" altLang="de-DE" sz="1200" dirty="0">
-                <a:latin typeface="Consolas" panose="020B0609020204030204" pitchFamily="49" charset="0"/>
-              </a:rPr>
-              <a:t>You are in </a:t>
-            </a:r>
-            <a:r>
-              <a:rPr lang="en-US" altLang="de-DE" sz="1200" b="1" dirty="0">
-                <a:latin typeface="Consolas" panose="020B0609020204030204" pitchFamily="49" charset="0"/>
-              </a:rPr>
-              <a:t>'detached HEAD' state</a:t>
-            </a:r>
-            <a:r>
-              <a:rPr lang="en-US" altLang="de-DE" sz="1200" dirty="0">
-                <a:latin typeface="Consolas" panose="020B0609020204030204" pitchFamily="49" charset="0"/>
-              </a:rPr>
-              <a:t>. You can look around, make experimental</a:t>
-            </a:r>
-          </a:p>
-          <a:p>
-            <a:pPr marL="457200" lvl="1" indent="0">
-              <a:spcBef>
-                <a:spcPts val="0"/>
-              </a:spcBef>
-              <a:buNone/>
-            </a:pPr>
-            <a:r>
-              <a:rPr lang="en-US" altLang="de-DE" sz="1200" dirty="0">
-                <a:latin typeface="Consolas" panose="020B0609020204030204" pitchFamily="49" charset="0"/>
-              </a:rPr>
-              <a:t>changes and commit them, and you can discard any commits you make in this</a:t>
-            </a:r>
-          </a:p>
-          <a:p>
-            <a:pPr marL="457200" lvl="1" indent="0">
-              <a:spcBef>
-                <a:spcPts val="0"/>
-              </a:spcBef>
-              <a:buNone/>
-            </a:pPr>
-            <a:r>
-              <a:rPr lang="en-US" altLang="de-DE" sz="1200" dirty="0">
-                <a:latin typeface="Consolas" panose="020B0609020204030204" pitchFamily="49" charset="0"/>
-              </a:rPr>
-              <a:t>state without impacting any branches by switching back to a branch.</a:t>
-            </a:r>
-          </a:p>
-          <a:p>
-            <a:pPr marL="457200" lvl="1" indent="0">
-              <a:spcBef>
-                <a:spcPts val="0"/>
-              </a:spcBef>
-              <a:buNone/>
-            </a:pPr>
-            <a:endParaRPr lang="en-US" altLang="de-DE" sz="1200" dirty="0">
-              <a:latin typeface="Consolas" panose="020B0609020204030204" pitchFamily="49" charset="0"/>
-            </a:endParaRPr>
-          </a:p>
-          <a:p>
-            <a:pPr marL="457200" lvl="1" indent="0">
-              <a:spcBef>
-                <a:spcPts val="0"/>
-              </a:spcBef>
-              <a:buNone/>
-            </a:pPr>
-            <a:r>
-              <a:rPr lang="en-US" altLang="de-DE" sz="1200" dirty="0">
-                <a:latin typeface="Consolas" panose="020B0609020204030204" pitchFamily="49" charset="0"/>
-              </a:rPr>
-              <a:t>If you want to create a new branch to retain commits you create, you may</a:t>
-            </a:r>
-          </a:p>
-          <a:p>
-            <a:pPr marL="457200" lvl="1" indent="0">
-              <a:spcBef>
-                <a:spcPts val="0"/>
-              </a:spcBef>
-              <a:buNone/>
-            </a:pPr>
-            <a:r>
-              <a:rPr lang="en-US" altLang="de-DE" sz="1200" dirty="0">
-                <a:latin typeface="Consolas" panose="020B0609020204030204" pitchFamily="49" charset="0"/>
-              </a:rPr>
-              <a:t>do so (now or later) by using -c with the switch command. Example:</a:t>
-            </a:r>
-          </a:p>
-          <a:p>
-            <a:pPr marL="457200" lvl="1" indent="0">
-              <a:spcBef>
-                <a:spcPts val="0"/>
-              </a:spcBef>
-              <a:buNone/>
-            </a:pPr>
-            <a:endParaRPr lang="en-US" altLang="de-DE" sz="1200" dirty="0">
-              <a:latin typeface="Consolas" panose="020B0609020204030204" pitchFamily="49" charset="0"/>
-            </a:endParaRPr>
-          </a:p>
-          <a:p>
-            <a:pPr marL="457200" lvl="1" indent="0">
-              <a:spcBef>
-                <a:spcPts val="0"/>
-              </a:spcBef>
-              <a:buNone/>
-            </a:pPr>
-            <a:r>
-              <a:rPr lang="en-US" altLang="de-DE" sz="1200" dirty="0">
-                <a:latin typeface="Consolas" panose="020B0609020204030204" pitchFamily="49" charset="0"/>
-              </a:rPr>
-              <a:t>  git switch -c &lt;new-branch-name&gt;</a:t>
-            </a:r>
-          </a:p>
-          <a:p>
-            <a:pPr marL="457200" lvl="1" indent="0">
-              <a:spcBef>
-                <a:spcPts val="0"/>
-              </a:spcBef>
-              <a:buNone/>
-            </a:pPr>
-            <a:endParaRPr lang="en-US" altLang="de-DE" sz="1200" dirty="0">
-              <a:latin typeface="Consolas" panose="020B0609020204030204" pitchFamily="49" charset="0"/>
-            </a:endParaRPr>
-          </a:p>
-          <a:p>
-            <a:pPr marL="457200" lvl="1" indent="0">
-              <a:spcBef>
-                <a:spcPts val="0"/>
-              </a:spcBef>
-              <a:buNone/>
-            </a:pPr>
-            <a:r>
-              <a:rPr lang="en-US" altLang="de-DE" sz="1200" dirty="0">
-                <a:latin typeface="Consolas" panose="020B0609020204030204" pitchFamily="49" charset="0"/>
-              </a:rPr>
-              <a:t>Or undo this operation with:</a:t>
-            </a:r>
-          </a:p>
-          <a:p>
-            <a:pPr marL="457200" lvl="1" indent="0">
-              <a:spcBef>
-                <a:spcPts val="0"/>
-              </a:spcBef>
-              <a:buNone/>
-            </a:pPr>
-            <a:endParaRPr lang="en-US" altLang="de-DE" sz="1200" dirty="0">
-              <a:latin typeface="Consolas" panose="020B0609020204030204" pitchFamily="49" charset="0"/>
-            </a:endParaRPr>
-          </a:p>
-          <a:p>
-            <a:pPr marL="457200" lvl="1" indent="0">
-              <a:spcBef>
-                <a:spcPts val="0"/>
-              </a:spcBef>
-              <a:buNone/>
-            </a:pPr>
-            <a:r>
-              <a:rPr lang="en-US" altLang="de-DE" sz="1200" dirty="0">
-                <a:latin typeface="Consolas" panose="020B0609020204030204" pitchFamily="49" charset="0"/>
-              </a:rPr>
-              <a:t>  git switch -</a:t>
-            </a:r>
-          </a:p>
-          <a:p>
-            <a:pPr marL="457200" lvl="1" indent="0">
-              <a:spcBef>
-                <a:spcPts val="0"/>
-              </a:spcBef>
-              <a:buNone/>
-            </a:pPr>
-            <a:endParaRPr lang="en-US" altLang="de-DE" sz="1200" dirty="0">
-              <a:latin typeface="Consolas" panose="020B0609020204030204" pitchFamily="49" charset="0"/>
-            </a:endParaRPr>
-          </a:p>
-          <a:p>
-            <a:pPr marL="457200" lvl="1" indent="0">
-              <a:spcBef>
-                <a:spcPts val="0"/>
-              </a:spcBef>
-              <a:buNone/>
-            </a:pPr>
-            <a:r>
-              <a:rPr lang="en-US" altLang="de-DE" sz="1200" dirty="0">
-                <a:latin typeface="Consolas" panose="020B0609020204030204" pitchFamily="49" charset="0"/>
-              </a:rPr>
-              <a:t>Turn off this advice by setting config variable </a:t>
-            </a:r>
-            <a:r>
-              <a:rPr lang="en-US" altLang="de-DE" sz="1200" dirty="0" err="1">
-                <a:latin typeface="Consolas" panose="020B0609020204030204" pitchFamily="49" charset="0"/>
-              </a:rPr>
-              <a:t>advice.detachedHead</a:t>
-            </a:r>
-            <a:r>
-              <a:rPr lang="en-US" altLang="de-DE" sz="1200" dirty="0">
-                <a:latin typeface="Consolas" panose="020B0609020204030204" pitchFamily="49" charset="0"/>
-              </a:rPr>
-              <a:t> to false</a:t>
-            </a:r>
-          </a:p>
-          <a:p>
-            <a:pPr marL="457200" lvl="1" indent="0">
-              <a:spcBef>
-                <a:spcPts val="0"/>
-              </a:spcBef>
-              <a:buNone/>
-            </a:pPr>
-            <a:endParaRPr lang="en-US" altLang="de-DE" sz="1200" dirty="0">
-              <a:latin typeface="Consolas" panose="020B0609020204030204" pitchFamily="49" charset="0"/>
-            </a:endParaRPr>
-          </a:p>
-          <a:p>
-            <a:pPr marL="457200" lvl="1" indent="0">
-              <a:spcBef>
-                <a:spcPts val="0"/>
-              </a:spcBef>
-              <a:buNone/>
-            </a:pPr>
-            <a:r>
-              <a:rPr lang="en-US" altLang="de-DE" sz="1200" dirty="0">
-                <a:latin typeface="Consolas" panose="020B0609020204030204" pitchFamily="49" charset="0"/>
-              </a:rPr>
-              <a:t>HEAD is now at c61ef14 Initial commit</a:t>
-            </a:r>
           </a:p>
         </p:txBody>
       </p:sp>
@@ -34793,7 +34798,7 @@
     </p:spTree>
     <p:extLst>
       <p:ext uri="{BB962C8B-B14F-4D97-AF65-F5344CB8AC3E}">
-        <p14:creationId xmlns:p14="http://schemas.microsoft.com/office/powerpoint/2010/main" val="3963167377"/>
+        <p14:creationId xmlns:p14="http://schemas.microsoft.com/office/powerpoint/2010/main" val="4280333569"/>
       </p:ext>
     </p:extLst>
   </p:cSld>
@@ -34804,7 +34809,7 @@
 </file>
 
 <file path=ppt/slides/slide7.xml><?xml version="1.0" encoding="utf-8"?>
-<p:sld xmlns:a="http://schemas.openxmlformats.org/drawingml/2006/main" xmlns:r="http://schemas.openxmlformats.org/officeDocument/2006/relationships" xmlns:p="http://schemas.openxmlformats.org/presentationml/2006/main">
+<p:sld xmlns:a="http://schemas.openxmlformats.org/drawingml/2006/main" xmlns:r="http://schemas.openxmlformats.org/officeDocument/2006/relationships" xmlns:p="http://schemas.openxmlformats.org/presentationml/2006/main" show="0">
   <p:cSld>
     <p:spTree>
       <p:nvGrpSpPr>

--- a/slides/Tag-1_2-Git.pptx
+++ b/slides/Tag-1_2-Git.pptx
@@ -15,8 +15,8 @@
   </p:handoutMasterIdLst>
   <p:sldIdLst>
     <p:sldId id="604" r:id="rId5"/>
-    <p:sldId id="619" r:id="rId6"/>
-    <p:sldId id="620" r:id="rId7"/>
+    <p:sldId id="592" r:id="rId6"/>
+    <p:sldId id="591" r:id="rId7"/>
     <p:sldId id="287" r:id="rId8"/>
     <p:sldId id="596" r:id="rId9"/>
     <p:sldId id="303" r:id="rId10"/>
@@ -2346,7 +2346,7 @@
               <a:pPr algn="ctr">
                 <a:defRPr/>
               </a:pPr>
-              <a:t>18.06.2024</a:t>
+              <a:t>19.06.2024</a:t>
             </a:fld>
             <a:endParaRPr lang="de-DE" sz="1000" dirty="0">
               <a:solidFill>
@@ -4516,7 +4516,7 @@
               <a:pPr algn="ctr">
                 <a:defRPr/>
               </a:pPr>
-              <a:t>18.06.2024</a:t>
+              <a:t>19.06.2024</a:t>
             </a:fld>
             <a:endParaRPr lang="de-DE" sz="1000" dirty="0">
               <a:solidFill>
@@ -5951,7 +5951,7 @@
               <a:pPr algn="ctr">
                 <a:defRPr/>
               </a:pPr>
-              <a:t>18.06.2024</a:t>
+              <a:t>19.06.2024</a:t>
             </a:fld>
             <a:endParaRPr lang="de-DE" sz="1000">
               <a:solidFill>
@@ -10473,7 +10473,7 @@
             </a:pPr>
             <a:r>
               <a:rPr lang="de-DE" altLang="de-DE" sz="1800" b="1" dirty="0"/>
-              <a:t>Tag 3 – </a:t>
+              <a:t>Tag 3 – Docker, </a:t>
             </a:r>
             <a:r>
               <a:rPr lang="de-DE" altLang="de-DE" sz="1800" b="1" dirty="0" err="1"/>
@@ -10481,7 +10481,7 @@
             </a:r>
             <a:r>
               <a:rPr lang="de-DE" altLang="de-DE" sz="1800" b="1" dirty="0"/>
-              <a:t>, Docker, </a:t>
+              <a:t>, </a:t>
             </a:r>
             <a:r>
               <a:rPr lang="de-DE" altLang="de-DE" sz="1800" b="1" dirty="0" err="1"/>
@@ -10498,12 +10498,8 @@
               <a:buChar char="•"/>
             </a:pPr>
             <a:r>
-              <a:rPr lang="de-DE" altLang="de-DE" sz="1400" dirty="0" err="1"/>
-              <a:t>GitOps</a:t>
-            </a:r>
-            <a:r>
               <a:rPr lang="de-DE" altLang="de-DE" sz="1400" dirty="0"/>
-              <a:t> Grundlagen</a:t>
+              <a:t>Entwicklung mit Docker</a:t>
             </a:r>
           </a:p>
           <a:p>
@@ -10513,7 +10509,7 @@
             </a:pPr>
             <a:r>
               <a:rPr lang="de-DE" altLang="de-DE" sz="1400" dirty="0"/>
-              <a:t>Entwicklung mit Docker</a:t>
+              <a:t>Container/Docker-Registry</a:t>
             </a:r>
           </a:p>
           <a:p>
@@ -10523,7 +10519,15 @@
             </a:pPr>
             <a:r>
               <a:rPr lang="de-DE" altLang="de-DE" sz="1400" dirty="0"/>
-              <a:t>Container/Docker-Registry</a:t>
+              <a:t>Erstellen von Release- und </a:t>
+            </a:r>
+            <a:r>
+              <a:rPr lang="de-DE" altLang="de-DE" sz="1400" dirty="0" err="1"/>
+              <a:t>Tagged</a:t>
+            </a:r>
+            <a:r>
+              <a:rPr lang="de-DE" altLang="de-DE" sz="1400" dirty="0"/>
+              <a:t>-Images</a:t>
             </a:r>
           </a:p>
           <a:p>
@@ -10532,16 +10536,12 @@
               <a:buChar char="•"/>
             </a:pPr>
             <a:r>
+              <a:rPr lang="de-DE" altLang="de-DE" sz="1400" dirty="0" err="1"/>
+              <a:t>GitOps</a:t>
+            </a:r>
+            <a:r>
               <a:rPr lang="de-DE" altLang="de-DE" sz="1400" dirty="0"/>
-              <a:t>Erstellen von Release- und </a:t>
-            </a:r>
-            <a:r>
-              <a:rPr lang="de-DE" altLang="de-DE" sz="1400" dirty="0" err="1"/>
-              <a:t>Tagged</a:t>
-            </a:r>
-            <a:r>
-              <a:rPr lang="de-DE" altLang="de-DE" sz="1400" dirty="0"/>
-              <a:t>-Images</a:t>
+              <a:t> Grundlagen</a:t>
             </a:r>
           </a:p>
           <a:p>
@@ -10615,6 +10615,11 @@
         </p:txBody>
       </p:sp>
     </p:spTree>
+    <p:extLst>
+      <p:ext uri="{BB962C8B-B14F-4D97-AF65-F5344CB8AC3E}">
+        <p14:creationId xmlns:p14="http://schemas.microsoft.com/office/powerpoint/2010/main" val="3781715788"/>
+      </p:ext>
+    </p:extLst>
   </p:cSld>
   <p:clrMapOvr>
     <a:masterClrMapping/>
@@ -14717,7 +14722,7 @@
             </a:pPr>
             <a:r>
               <a:rPr lang="de-DE" altLang="de-DE" sz="1800" b="1" dirty="0"/>
-              <a:t>Tag 3 – </a:t>
+              <a:t>Tag 3 – Docker, </a:t>
             </a:r>
             <a:r>
               <a:rPr lang="de-DE" altLang="de-DE" sz="1800" b="1" dirty="0" err="1"/>
@@ -14725,7 +14730,7 @@
             </a:r>
             <a:r>
               <a:rPr lang="de-DE" altLang="de-DE" sz="1800" b="1" dirty="0"/>
-              <a:t>, Docker, </a:t>
+              <a:t>, </a:t>
             </a:r>
             <a:r>
               <a:rPr lang="de-DE" altLang="de-DE" sz="1800" b="1" dirty="0" err="1"/>
@@ -14742,12 +14747,8 @@
               <a:buChar char="•"/>
             </a:pPr>
             <a:r>
-              <a:rPr lang="de-DE" altLang="de-DE" sz="1400" dirty="0" err="1"/>
-              <a:t>GitOps</a:t>
-            </a:r>
-            <a:r>
               <a:rPr lang="de-DE" altLang="de-DE" sz="1400" dirty="0"/>
-              <a:t> Grundlagen</a:t>
+              <a:t>Entwicklung mit Docker</a:t>
             </a:r>
           </a:p>
           <a:p>
@@ -14757,7 +14758,7 @@
             </a:pPr>
             <a:r>
               <a:rPr lang="de-DE" altLang="de-DE" sz="1400" dirty="0"/>
-              <a:t>Entwicklung mit Docker</a:t>
+              <a:t>Container/Docker-Registry</a:t>
             </a:r>
           </a:p>
           <a:p>
@@ -14767,7 +14768,15 @@
             </a:pPr>
             <a:r>
               <a:rPr lang="de-DE" altLang="de-DE" sz="1400" dirty="0"/>
-              <a:t>Container/Docker-Registry</a:t>
+              <a:t>Erstellen von Release- und </a:t>
+            </a:r>
+            <a:r>
+              <a:rPr lang="de-DE" altLang="de-DE" sz="1400" dirty="0" err="1"/>
+              <a:t>Tagged</a:t>
+            </a:r>
+            <a:r>
+              <a:rPr lang="de-DE" altLang="de-DE" sz="1400" dirty="0"/>
+              <a:t>-Images</a:t>
             </a:r>
           </a:p>
           <a:p>
@@ -14776,16 +14785,12 @@
               <a:buChar char="•"/>
             </a:pPr>
             <a:r>
+              <a:rPr lang="de-DE" altLang="de-DE" sz="1400" dirty="0" err="1"/>
+              <a:t>GitOps</a:t>
+            </a:r>
+            <a:r>
               <a:rPr lang="de-DE" altLang="de-DE" sz="1400" dirty="0"/>
-              <a:t>Erstellen von Release- und </a:t>
-            </a:r>
-            <a:r>
-              <a:rPr lang="de-DE" altLang="de-DE" sz="1400" dirty="0" err="1"/>
-              <a:t>Tagged</a:t>
-            </a:r>
-            <a:r>
-              <a:rPr lang="de-DE" altLang="de-DE" sz="1400" dirty="0"/>
-              <a:t>-Images</a:t>
+              <a:t> Grundlagen</a:t>
             </a:r>
           </a:p>
           <a:p>
@@ -14859,6 +14864,11 @@
         </p:txBody>
       </p:sp>
     </p:spTree>
+    <p:extLst>
+      <p:ext uri="{BB962C8B-B14F-4D97-AF65-F5344CB8AC3E}">
+        <p14:creationId xmlns:p14="http://schemas.microsoft.com/office/powerpoint/2010/main" val="969879471"/>
+      </p:ext>
+    </p:extLst>
   </p:cSld>
   <p:clrMapOvr>
     <a:masterClrMapping/>

--- a/slides/Tag-1_2-Git.pptx
+++ b/slides/Tag-1_2-Git.pptx
@@ -2346,7 +2346,7 @@
               <a:pPr algn="ctr">
                 <a:defRPr/>
               </a:pPr>
-              <a:t>19.06.2024</a:t>
+              <a:t>06.07.2024</a:t>
             </a:fld>
             <a:endParaRPr lang="de-DE" sz="1000" dirty="0">
               <a:solidFill>
@@ -4516,7 +4516,7 @@
               <a:pPr algn="ctr">
                 <a:defRPr/>
               </a:pPr>
-              <a:t>19.06.2024</a:t>
+              <a:t>06.07.2024</a:t>
             </a:fld>
             <a:endParaRPr lang="de-DE" sz="1000" dirty="0">
               <a:solidFill>
@@ -5951,7 +5951,7 @@
               <a:pPr algn="ctr">
                 <a:defRPr/>
               </a:pPr>
-              <a:t>19.06.2024</a:t>
+              <a:t>06.07.2024</a:t>
             </a:fld>
             <a:endParaRPr lang="de-DE" sz="1000">
               <a:solidFill>
@@ -7363,7 +7363,7 @@
             </a:pPr>
             <a:r>
               <a:rPr lang="de-DE" altLang="de-DE" sz="1600" dirty="0"/>
-              <a:t>17.06.2024, Daniel Krämer</a:t>
+              <a:t>08.07.2024, Daniel Krämer</a:t>
             </a:r>
           </a:p>
         </p:txBody>

--- a/slides/Tag-1_2-Git.pptx
+++ b/slides/Tag-1_2-Git.pptx
@@ -1311,6 +1311,494 @@
 </p:notes>
 </file>
 
+<file path=ppt/notesSlides/notesSlide2.xml><?xml version="1.0" encoding="utf-8"?>
+<p:notes xmlns:a="http://schemas.openxmlformats.org/drawingml/2006/main" xmlns:r="http://schemas.openxmlformats.org/officeDocument/2006/relationships" xmlns:p="http://schemas.openxmlformats.org/presentationml/2006/main">
+  <p:cSld>
+    <p:spTree>
+      <p:nvGrpSpPr>
+        <p:cNvPr id="1" name=""/>
+        <p:cNvGrpSpPr/>
+        <p:nvPr/>
+      </p:nvGrpSpPr>
+      <p:grpSpPr>
+        <a:xfrm>
+          <a:off x="0" y="0"/>
+          <a:ext cx="0" cy="0"/>
+          <a:chOff x="0" y="0"/>
+          <a:chExt cx="0" cy="0"/>
+        </a:xfrm>
+      </p:grpSpPr>
+      <p:sp>
+        <p:nvSpPr>
+          <p:cNvPr id="2" name="Folienbildplatzhalter 1"/>
+          <p:cNvSpPr>
+            <a:spLocks noGrp="1" noRot="1" noChangeAspect="1"/>
+          </p:cNvSpPr>
+          <p:nvPr>
+            <p:ph type="sldImg"/>
+          </p:nvPr>
+        </p:nvSpPr>
+        <p:spPr/>
+      </p:sp>
+      <p:sp>
+        <p:nvSpPr>
+          <p:cNvPr id="3" name="Notizenplatzhalter 2"/>
+          <p:cNvSpPr>
+            <a:spLocks noGrp="1"/>
+          </p:cNvSpPr>
+          <p:nvPr>
+            <p:ph type="body" idx="1"/>
+          </p:nvPr>
+        </p:nvSpPr>
+        <p:spPr/>
+        <p:txBody>
+          <a:bodyPr/>
+          <a:lstStyle/>
+          <a:p>
+            <a:r>
+              <a:rPr lang="de-DE" altLang="de-DE" dirty="0"/>
+              <a:t>Konfigurationsdateien können auf drei Ebenen gespeichert werden</a:t>
+            </a:r>
+          </a:p>
+          <a:p>
+            <a:pPr lvl="1"/>
+            <a:r>
+              <a:rPr lang="de-DE" altLang="de-DE" b="1" dirty="0"/>
+              <a:t>Systemkonfiguration</a:t>
+            </a:r>
+          </a:p>
+          <a:p>
+            <a:pPr lvl="2"/>
+            <a:r>
+              <a:rPr lang="de-DE" altLang="de-DE" dirty="0"/>
+              <a:t>/</a:t>
+            </a:r>
+            <a:r>
+              <a:rPr lang="de-DE" altLang="de-DE" dirty="0" err="1"/>
+              <a:t>etc</a:t>
+            </a:r>
+            <a:r>
+              <a:rPr lang="de-DE" altLang="de-DE" dirty="0"/>
+              <a:t>/</a:t>
+            </a:r>
+            <a:r>
+              <a:rPr lang="de-DE" altLang="de-DE" dirty="0" err="1"/>
+              <a:t>gitconfig</a:t>
+            </a:r>
+            <a:r>
+              <a:rPr lang="de-DE" altLang="de-DE" dirty="0"/>
+              <a:t> (Linux)</a:t>
+            </a:r>
+          </a:p>
+          <a:p>
+            <a:pPr lvl="2"/>
+            <a:r>
+              <a:rPr lang="de-DE" altLang="de-DE" dirty="0"/>
+              <a:t>C:\ProgrammData\Git\config oder C:\Programm Files\</a:t>
+            </a:r>
+            <a:r>
+              <a:rPr lang="de-DE" altLang="de-DE" dirty="0" err="1"/>
+              <a:t>Git</a:t>
+            </a:r>
+            <a:r>
+              <a:rPr lang="de-DE" altLang="de-DE" dirty="0"/>
+              <a:t>\</a:t>
+            </a:r>
+            <a:r>
+              <a:rPr lang="de-DE" altLang="de-DE" dirty="0" err="1"/>
+              <a:t>etc</a:t>
+            </a:r>
+            <a:r>
+              <a:rPr lang="de-DE" altLang="de-DE" dirty="0"/>
+              <a:t>\</a:t>
+            </a:r>
+            <a:r>
+              <a:rPr lang="de-DE" altLang="de-DE" dirty="0" err="1"/>
+              <a:t>gitconfig</a:t>
+            </a:r>
+            <a:r>
+              <a:rPr lang="de-DE" altLang="de-DE" dirty="0"/>
+              <a:t> (Windows, </a:t>
+            </a:r>
+            <a:r>
+              <a:rPr lang="de-DE" altLang="de-DE" dirty="0" err="1"/>
+              <a:t>Git</a:t>
+            </a:r>
+            <a:r>
+              <a:rPr lang="de-DE" altLang="de-DE" dirty="0"/>
+              <a:t> Version 2.x oder neuer)</a:t>
+            </a:r>
+          </a:p>
+          <a:p>
+            <a:pPr lvl="1"/>
+            <a:r>
+              <a:rPr lang="de-DE" altLang="de-DE" b="1" dirty="0"/>
+              <a:t>Userkonfiguration</a:t>
+            </a:r>
+          </a:p>
+          <a:p>
+            <a:pPr lvl="2"/>
+            <a:r>
+              <a:rPr lang="de-DE" altLang="de-DE" dirty="0"/>
+              <a:t>~/.</a:t>
+            </a:r>
+            <a:r>
+              <a:rPr lang="de-DE" altLang="de-DE" dirty="0" err="1"/>
+              <a:t>gitconfig</a:t>
+            </a:r>
+            <a:r>
+              <a:rPr lang="de-DE" altLang="de-DE" dirty="0"/>
+              <a:t> oder ~/.</a:t>
+            </a:r>
+            <a:r>
+              <a:rPr lang="de-DE" altLang="de-DE" dirty="0" err="1"/>
+              <a:t>config</a:t>
+            </a:r>
+            <a:r>
+              <a:rPr lang="de-DE" altLang="de-DE" dirty="0"/>
+              <a:t>/</a:t>
+            </a:r>
+            <a:r>
+              <a:rPr lang="de-DE" altLang="de-DE" dirty="0" err="1"/>
+              <a:t>gitconfig</a:t>
+            </a:r>
+            <a:r>
+              <a:rPr lang="de-DE" altLang="de-DE" dirty="0"/>
+              <a:t> (Linux)</a:t>
+            </a:r>
+          </a:p>
+          <a:p>
+            <a:pPr lvl="2"/>
+            <a:r>
+              <a:rPr lang="de-DE" altLang="de-DE" dirty="0"/>
+              <a:t>C:\User\&lt;User&gt;\.gitconfig (Windows)</a:t>
+            </a:r>
+          </a:p>
+          <a:p>
+            <a:pPr lvl="1"/>
+            <a:r>
+              <a:rPr lang="de-DE" altLang="de-DE" b="1" dirty="0"/>
+              <a:t>Projektkonfiguration</a:t>
+            </a:r>
+          </a:p>
+          <a:p>
+            <a:pPr lvl="2"/>
+            <a:r>
+              <a:rPr lang="de-DE" altLang="de-DE" dirty="0"/>
+              <a:t>&lt;Pfad zum Projekt&gt;/.</a:t>
+            </a:r>
+            <a:r>
+              <a:rPr lang="de-DE" altLang="de-DE" dirty="0" err="1"/>
+              <a:t>git</a:t>
+            </a:r>
+            <a:r>
+              <a:rPr lang="de-DE" altLang="de-DE" dirty="0"/>
+              <a:t>/</a:t>
+            </a:r>
+            <a:r>
+              <a:rPr lang="de-DE" altLang="de-DE" dirty="0" err="1"/>
+              <a:t>config</a:t>
+            </a:r>
+            <a:endParaRPr lang="de-DE" altLang="de-DE" dirty="0"/>
+          </a:p>
+          <a:p>
+            <a:endParaRPr lang="de-DE" dirty="0"/>
+          </a:p>
+        </p:txBody>
+      </p:sp>
+      <p:sp>
+        <p:nvSpPr>
+          <p:cNvPr id="4" name="Foliennummernplatzhalter 3"/>
+          <p:cNvSpPr>
+            <a:spLocks noGrp="1"/>
+          </p:cNvSpPr>
+          <p:nvPr>
+            <p:ph type="sldNum" sz="quarter" idx="5"/>
+          </p:nvPr>
+        </p:nvSpPr>
+        <p:spPr/>
+        <p:txBody>
+          <a:bodyPr/>
+          <a:lstStyle/>
+          <a:p>
+            <a:fld id="{18182567-388C-4D33-8B7B-A651F195F118}" type="slidenum">
+              <a:rPr lang="de-DE" altLang="de-DE" smtClean="0"/>
+              <a:pPr/>
+              <a:t>18</a:t>
+            </a:fld>
+            <a:endParaRPr lang="de-DE" altLang="de-DE"/>
+          </a:p>
+        </p:txBody>
+      </p:sp>
+    </p:spTree>
+    <p:extLst>
+      <p:ext uri="{BB962C8B-B14F-4D97-AF65-F5344CB8AC3E}">
+        <p14:creationId xmlns:p14="http://schemas.microsoft.com/office/powerpoint/2010/main" val="3890333188"/>
+      </p:ext>
+    </p:extLst>
+  </p:cSld>
+  <p:clrMapOvr>
+    <a:masterClrMapping/>
+  </p:clrMapOvr>
+</p:notes>
+</file>
+
+<file path=ppt/notesSlides/notesSlide3.xml><?xml version="1.0" encoding="utf-8"?>
+<p:notes xmlns:a="http://schemas.openxmlformats.org/drawingml/2006/main" xmlns:r="http://schemas.openxmlformats.org/officeDocument/2006/relationships" xmlns:p="http://schemas.openxmlformats.org/presentationml/2006/main">
+  <p:cSld>
+    <p:spTree>
+      <p:nvGrpSpPr>
+        <p:cNvPr id="1" name=""/>
+        <p:cNvGrpSpPr/>
+        <p:nvPr/>
+      </p:nvGrpSpPr>
+      <p:grpSpPr>
+        <a:xfrm>
+          <a:off x="0" y="0"/>
+          <a:ext cx="0" cy="0"/>
+          <a:chOff x="0" y="0"/>
+          <a:chExt cx="0" cy="0"/>
+        </a:xfrm>
+      </p:grpSpPr>
+      <p:sp>
+        <p:nvSpPr>
+          <p:cNvPr id="2" name="Folienbildplatzhalter 1"/>
+          <p:cNvSpPr>
+            <a:spLocks noGrp="1" noRot="1" noChangeAspect="1"/>
+          </p:cNvSpPr>
+          <p:nvPr>
+            <p:ph type="sldImg"/>
+          </p:nvPr>
+        </p:nvSpPr>
+        <p:spPr/>
+      </p:sp>
+      <p:sp>
+        <p:nvSpPr>
+          <p:cNvPr id="3" name="Notizenplatzhalter 2"/>
+          <p:cNvSpPr>
+            <a:spLocks noGrp="1"/>
+          </p:cNvSpPr>
+          <p:nvPr>
+            <p:ph type="body" idx="1"/>
+          </p:nvPr>
+        </p:nvSpPr>
+        <p:spPr/>
+        <p:txBody>
+          <a:bodyPr/>
+          <a:lstStyle/>
+          <a:p>
+            <a:r>
+              <a:rPr lang="de-DE" dirty="0"/>
+              <a:t>Tracken mittels </a:t>
+            </a:r>
+            <a:r>
+              <a:rPr lang="de-DE" dirty="0" err="1"/>
+              <a:t>git</a:t>
+            </a:r>
+            <a:r>
+              <a:rPr lang="de-DE" dirty="0"/>
+              <a:t> </a:t>
+            </a:r>
+            <a:r>
+              <a:rPr lang="de-DE" dirty="0" err="1"/>
+              <a:t>status</a:t>
+            </a:r>
+            <a:endParaRPr lang="de-DE" dirty="0"/>
+          </a:p>
+          <a:p>
+            <a:endParaRPr lang="de-DE" dirty="0"/>
+          </a:p>
+        </p:txBody>
+      </p:sp>
+      <p:sp>
+        <p:nvSpPr>
+          <p:cNvPr id="4" name="Foliennummernplatzhalter 3"/>
+          <p:cNvSpPr>
+            <a:spLocks noGrp="1"/>
+          </p:cNvSpPr>
+          <p:nvPr>
+            <p:ph type="sldNum" sz="quarter" idx="5"/>
+          </p:nvPr>
+        </p:nvSpPr>
+        <p:spPr/>
+        <p:txBody>
+          <a:bodyPr/>
+          <a:lstStyle/>
+          <a:p>
+            <a:fld id="{18182567-388C-4D33-8B7B-A651F195F118}" type="slidenum">
+              <a:rPr lang="de-DE" altLang="de-DE" smtClean="0"/>
+              <a:pPr/>
+              <a:t>36</a:t>
+            </a:fld>
+            <a:endParaRPr lang="de-DE" altLang="de-DE"/>
+          </a:p>
+        </p:txBody>
+      </p:sp>
+    </p:spTree>
+    <p:extLst>
+      <p:ext uri="{BB962C8B-B14F-4D97-AF65-F5344CB8AC3E}">
+        <p14:creationId xmlns:p14="http://schemas.microsoft.com/office/powerpoint/2010/main" val="2983690892"/>
+      </p:ext>
+    </p:extLst>
+  </p:cSld>
+  <p:clrMapOvr>
+    <a:masterClrMapping/>
+  </p:clrMapOvr>
+</p:notes>
+</file>
+
+<file path=ppt/notesSlides/notesSlide4.xml><?xml version="1.0" encoding="utf-8"?>
+<p:notes xmlns:a="http://schemas.openxmlformats.org/drawingml/2006/main" xmlns:r="http://schemas.openxmlformats.org/officeDocument/2006/relationships" xmlns:p="http://schemas.openxmlformats.org/presentationml/2006/main">
+  <p:cSld>
+    <p:spTree>
+      <p:nvGrpSpPr>
+        <p:cNvPr id="1" name=""/>
+        <p:cNvGrpSpPr/>
+        <p:nvPr/>
+      </p:nvGrpSpPr>
+      <p:grpSpPr>
+        <a:xfrm>
+          <a:off x="0" y="0"/>
+          <a:ext cx="0" cy="0"/>
+          <a:chOff x="0" y="0"/>
+          <a:chExt cx="0" cy="0"/>
+        </a:xfrm>
+      </p:grpSpPr>
+      <p:sp>
+        <p:nvSpPr>
+          <p:cNvPr id="2" name="Folienbildplatzhalter 1"/>
+          <p:cNvSpPr>
+            <a:spLocks noGrp="1" noRot="1" noChangeAspect="1"/>
+          </p:cNvSpPr>
+          <p:nvPr>
+            <p:ph type="sldImg"/>
+          </p:nvPr>
+        </p:nvSpPr>
+        <p:spPr/>
+      </p:sp>
+      <p:sp>
+        <p:nvSpPr>
+          <p:cNvPr id="3" name="Notizenplatzhalter 2"/>
+          <p:cNvSpPr>
+            <a:spLocks noGrp="1"/>
+          </p:cNvSpPr>
+          <p:nvPr>
+            <p:ph type="body" idx="1"/>
+          </p:nvPr>
+        </p:nvSpPr>
+        <p:spPr/>
+        <p:txBody>
+          <a:bodyPr/>
+          <a:lstStyle/>
+          <a:p>
+            <a:pPr marL="0" marR="0" lvl="0" indent="0" algn="l" defTabSz="762000" rtl="0" eaLnBrk="0" fontAlgn="base" latinLnBrk="0" hangingPunct="0">
+              <a:lnSpc>
+                <a:spcPct val="100000"/>
+              </a:lnSpc>
+              <a:spcBef>
+                <a:spcPct val="30000"/>
+              </a:spcBef>
+              <a:spcAft>
+                <a:spcPct val="0"/>
+              </a:spcAft>
+              <a:buClrTx/>
+              <a:buSzTx/>
+              <a:buFontTx/>
+              <a:buNone/>
+              <a:tabLst/>
+              <a:defRPr/>
+            </a:pPr>
+            <a:r>
+              <a:rPr lang="de-DE" altLang="de-DE" dirty="0" err="1"/>
+              <a:t>Git</a:t>
+            </a:r>
+            <a:r>
+              <a:rPr lang="de-DE" altLang="de-DE" dirty="0"/>
+              <a:t> sollte Ihnen anzeigen, dass </a:t>
+            </a:r>
+            <a:r>
+              <a:rPr lang="de-DE" altLang="de-DE" dirty="0">
+                <a:solidFill>
+                  <a:srgbClr val="C00000"/>
+                </a:solidFill>
+              </a:rPr>
+              <a:t>new_file.txt </a:t>
+            </a:r>
+            <a:r>
+              <a:rPr lang="de-DE" altLang="de-DE" dirty="0"/>
+              <a:t>gelöscht wurde und </a:t>
+            </a:r>
+            <a:r>
+              <a:rPr lang="de-DE" altLang="de-DE" dirty="0">
+                <a:solidFill>
+                  <a:srgbClr val="C00000"/>
+                </a:solidFill>
+              </a:rPr>
+              <a:t>file2.txt </a:t>
+            </a:r>
+            <a:r>
+              <a:rPr lang="de-DE" altLang="de-DE" dirty="0"/>
+              <a:t>als </a:t>
+            </a:r>
+            <a:r>
+              <a:rPr lang="de-DE" altLang="de-DE" dirty="0" err="1"/>
+              <a:t>untracked</a:t>
+            </a:r>
+            <a:r>
+              <a:rPr lang="de-DE" altLang="de-DE" dirty="0"/>
+              <a:t> </a:t>
+            </a:r>
+            <a:r>
+              <a:rPr lang="de-DE" altLang="de-DE" dirty="0" err="1"/>
+              <a:t>file</a:t>
+            </a:r>
+            <a:r>
+              <a:rPr lang="de-DE" altLang="de-DE" dirty="0"/>
+              <a:t> zum Repository hinzugefügt wurde, was nicht direkt unsere Änderungen widerspiegelt.</a:t>
+            </a:r>
+          </a:p>
+          <a:p>
+            <a:endParaRPr lang="de-DE" dirty="0"/>
+          </a:p>
+        </p:txBody>
+      </p:sp>
+      <p:sp>
+        <p:nvSpPr>
+          <p:cNvPr id="4" name="Foliennummernplatzhalter 3"/>
+          <p:cNvSpPr>
+            <a:spLocks noGrp="1"/>
+          </p:cNvSpPr>
+          <p:nvPr>
+            <p:ph type="sldNum" sz="quarter" idx="5"/>
+          </p:nvPr>
+        </p:nvSpPr>
+        <p:spPr/>
+        <p:txBody>
+          <a:bodyPr/>
+          <a:lstStyle/>
+          <a:p>
+            <a:fld id="{18182567-388C-4D33-8B7B-A651F195F118}" type="slidenum">
+              <a:rPr lang="de-DE" altLang="de-DE" smtClean="0"/>
+              <a:pPr/>
+              <a:t>44</a:t>
+            </a:fld>
+            <a:endParaRPr lang="de-DE" altLang="de-DE"/>
+          </a:p>
+        </p:txBody>
+      </p:sp>
+    </p:spTree>
+    <p:extLst>
+      <p:ext uri="{BB962C8B-B14F-4D97-AF65-F5344CB8AC3E}">
+        <p14:creationId xmlns:p14="http://schemas.microsoft.com/office/powerpoint/2010/main" val="1224826783"/>
+      </p:ext>
+    </p:extLst>
+  </p:cSld>
+  <p:clrMapOvr>
+    <a:masterClrMapping/>
+  </p:clrMapOvr>
+</p:notes>
+</file>
+
 <file path=ppt/slideLayouts/slideLayout1.xml><?xml version="1.0" encoding="utf-8"?>
 <p:sldLayout xmlns:a="http://schemas.openxmlformats.org/drawingml/2006/main" xmlns:r="http://schemas.openxmlformats.org/officeDocument/2006/relationships" xmlns:p="http://schemas.openxmlformats.org/presentationml/2006/main" type="obj" preserve="1">
   <p:cSld name="Titel und Inhalt">
@@ -2346,7 +2834,7 @@
               <a:pPr algn="ctr">
                 <a:defRPr/>
               </a:pPr>
-              <a:t>06.07.2024</a:t>
+              <a:t>25.07.2024</a:t>
             </a:fld>
             <a:endParaRPr lang="de-DE" sz="1000" dirty="0">
               <a:solidFill>
@@ -4516,7 +5004,7 @@
               <a:pPr algn="ctr">
                 <a:defRPr/>
               </a:pPr>
-              <a:t>06.07.2024</a:t>
+              <a:t>25.07.2024</a:t>
             </a:fld>
             <a:endParaRPr lang="de-DE" sz="1000" dirty="0">
               <a:solidFill>
@@ -5951,7 +6439,7 @@
               <a:pPr algn="ctr">
                 <a:defRPr/>
               </a:pPr>
-              <a:t>06.07.2024</a:t>
+              <a:t>25.07.2024</a:t>
             </a:fld>
             <a:endParaRPr lang="de-DE" sz="1000">
               <a:solidFill>
@@ -8179,7 +8667,7 @@
           <a:p>
             <a:r>
               <a:rPr lang="de-DE" altLang="de-DE" dirty="0"/>
-              <a:t>Änderungen werden im eigenen lokalen Workspace vorgenommen und anschließend wieder ans Remote Repository gesendet (</a:t>
+              <a:t>Dateien werden lokal geändert und ans Remote Repository gesendet (</a:t>
             </a:r>
             <a:r>
               <a:rPr lang="de-DE" altLang="de-DE" i="1" dirty="0"/>
@@ -8193,13 +8681,13 @@
           <a:p>
             <a:r>
               <a:rPr lang="de-DE" altLang="de-DE" dirty="0"/>
-              <a:t>Durch lokale Änderungen entstehen zunächst keine Konflikte bei Änderung von mehreren Entwicklern an einer Datei</a:t>
+              <a:t>Keine Konflikte bei jeweils lokalen Änderungen durch mehrere Benutzer</a:t>
             </a:r>
           </a:p>
           <a:p>
             <a:r>
               <a:rPr lang="de-DE" altLang="de-DE" dirty="0"/>
-              <a:t>Eventuelle Konflikte müssen bei der Zusammenfügung im Remote Repository aufgelöst werden</a:t>
+              <a:t>Konflikte werden beim Zusammenführen im Remote Repository aufgelöst</a:t>
             </a:r>
           </a:p>
         </p:txBody>
@@ -9792,143 +10280,23 @@
           <a:p>
             <a:pPr lvl="1"/>
             <a:r>
-              <a:rPr lang="de-DE" altLang="de-DE" b="1" dirty="0"/>
+              <a:rPr lang="de-DE" altLang="de-DE" sz="1800" dirty="0"/>
               <a:t>Systemkonfiguration</a:t>
             </a:r>
           </a:p>
           <a:p>
-            <a:pPr lvl="2"/>
-            <a:r>
-              <a:rPr lang="de-DE" altLang="de-DE" dirty="0"/>
-              <a:t>/</a:t>
-            </a:r>
-            <a:r>
-              <a:rPr lang="de-DE" altLang="de-DE" dirty="0" err="1"/>
-              <a:t>etc</a:t>
-            </a:r>
-            <a:r>
-              <a:rPr lang="de-DE" altLang="de-DE" dirty="0"/>
-              <a:t>/</a:t>
-            </a:r>
-            <a:r>
-              <a:rPr lang="de-DE" altLang="de-DE" dirty="0" err="1"/>
-              <a:t>gitconfig</a:t>
-            </a:r>
-            <a:r>
-              <a:rPr lang="de-DE" altLang="de-DE" dirty="0"/>
-              <a:t> (Linux)</a:t>
-            </a:r>
-          </a:p>
-          <a:p>
-            <a:pPr lvl="2"/>
-            <a:r>
-              <a:rPr lang="de-DE" altLang="de-DE" dirty="0"/>
-              <a:t>C:\ProgrammData\Git\config oder C:\Programm Files\</a:t>
-            </a:r>
-            <a:r>
-              <a:rPr lang="de-DE" altLang="de-DE" dirty="0" err="1"/>
-              <a:t>Git</a:t>
-            </a:r>
-            <a:r>
-              <a:rPr lang="de-DE" altLang="de-DE" dirty="0"/>
-              <a:t>\</a:t>
-            </a:r>
-            <a:r>
-              <a:rPr lang="de-DE" altLang="de-DE" dirty="0" err="1"/>
-              <a:t>etc</a:t>
-            </a:r>
-            <a:r>
-              <a:rPr lang="de-DE" altLang="de-DE" dirty="0"/>
-              <a:t>\</a:t>
-            </a:r>
-            <a:r>
-              <a:rPr lang="de-DE" altLang="de-DE" dirty="0" err="1"/>
-              <a:t>gitconfig</a:t>
-            </a:r>
-            <a:r>
-              <a:rPr lang="de-DE" altLang="de-DE" dirty="0"/>
-              <a:t> (Windows, </a:t>
-            </a:r>
-            <a:r>
-              <a:rPr lang="de-DE" altLang="de-DE" dirty="0" err="1"/>
-              <a:t>Git</a:t>
-            </a:r>
-            <a:r>
-              <a:rPr lang="de-DE" altLang="de-DE" dirty="0"/>
-              <a:t> Version 2.x oder neuer)</a:t>
-            </a:r>
-          </a:p>
-          <a:p>
             <a:pPr lvl="1"/>
             <a:r>
-              <a:rPr lang="de-DE" altLang="de-DE" b="1" dirty="0"/>
+              <a:rPr lang="de-DE" altLang="de-DE" sz="1800" dirty="0"/>
               <a:t>Userkonfiguration</a:t>
             </a:r>
           </a:p>
           <a:p>
-            <a:pPr lvl="2"/>
-            <a:r>
-              <a:rPr lang="de-DE" altLang="de-DE" dirty="0"/>
-              <a:t>~/.</a:t>
-            </a:r>
-            <a:r>
-              <a:rPr lang="de-DE" altLang="de-DE" dirty="0" err="1"/>
-              <a:t>gitconfig</a:t>
-            </a:r>
-            <a:r>
-              <a:rPr lang="de-DE" altLang="de-DE" dirty="0"/>
-              <a:t> oder ~/.</a:t>
-            </a:r>
-            <a:r>
-              <a:rPr lang="de-DE" altLang="de-DE" dirty="0" err="1"/>
-              <a:t>config</a:t>
-            </a:r>
-            <a:r>
-              <a:rPr lang="de-DE" altLang="de-DE" dirty="0"/>
-              <a:t>/</a:t>
-            </a:r>
-            <a:r>
-              <a:rPr lang="de-DE" altLang="de-DE" dirty="0" err="1"/>
-              <a:t>gitconfig</a:t>
-            </a:r>
-            <a:r>
-              <a:rPr lang="de-DE" altLang="de-DE" dirty="0"/>
-              <a:t> (Linux)</a:t>
-            </a:r>
-          </a:p>
-          <a:p>
-            <a:pPr lvl="2"/>
-            <a:r>
-              <a:rPr lang="de-DE" altLang="de-DE" dirty="0"/>
-              <a:t>C:\User\&lt;User&gt;\.gitconfig (Windows)</a:t>
-            </a:r>
-          </a:p>
-          <a:p>
             <a:pPr lvl="1"/>
             <a:r>
-              <a:rPr lang="de-DE" altLang="de-DE" b="1" dirty="0"/>
+              <a:rPr lang="de-DE" altLang="de-DE" sz="1800" dirty="0"/>
               <a:t>Projektkonfiguration</a:t>
             </a:r>
-          </a:p>
-          <a:p>
-            <a:pPr lvl="2"/>
-            <a:r>
-              <a:rPr lang="de-DE" altLang="de-DE" dirty="0"/>
-              <a:t>&lt;Pfad zum Projekt&gt;/.</a:t>
-            </a:r>
-            <a:r>
-              <a:rPr lang="de-DE" altLang="de-DE" dirty="0" err="1"/>
-              <a:t>git</a:t>
-            </a:r>
-            <a:r>
-              <a:rPr lang="de-DE" altLang="de-DE" dirty="0"/>
-              <a:t>/</a:t>
-            </a:r>
-            <a:r>
-              <a:rPr lang="de-DE" altLang="de-DE" dirty="0" err="1"/>
-              <a:t>config</a:t>
-            </a:r>
-            <a:endParaRPr lang="de-DE" altLang="de-DE" dirty="0"/>
           </a:p>
           <a:p>
             <a:r>
@@ -12303,8 +12671,11 @@
             </a:pPr>
             <a:r>
               <a:rPr lang="de-DE" altLang="de-DE" b="1" dirty="0"/>
-              <a:t>Übungsaufgabe 1: Installation</a:t>
-            </a:r>
+              <a:t>Setup</a:t>
+            </a:r>
+            <a:endParaRPr lang="de-DE" altLang="de-DE" dirty="0">
+              <a:latin typeface="Consolas" panose="020B0609020204030204" pitchFamily="49" charset="0"/>
+            </a:endParaRPr>
           </a:p>
           <a:p>
             <a:pPr marL="457200" indent="-457200">
@@ -12313,118 +12684,18 @@
             </a:pPr>
             <a:r>
               <a:rPr lang="de-DE" altLang="de-DE" dirty="0"/>
-              <a:t>Überprüfen Sie, ob eine aktuelle Version von </a:t>
-            </a:r>
-            <a:r>
-              <a:rPr lang="de-DE" altLang="de-DE" dirty="0" err="1"/>
-              <a:t>Git</a:t>
-            </a:r>
-            <a:r>
-              <a:rPr lang="de-DE" altLang="de-DE" dirty="0"/>
-              <a:t> auf Ihrem Rechner installiert ist mit dem Befehl </a:t>
-            </a:r>
-            <a:r>
-              <a:rPr lang="de-DE" altLang="de-DE" dirty="0" err="1">
-                <a:latin typeface="Consolas" panose="020B0609020204030204" pitchFamily="49" charset="0"/>
-              </a:rPr>
-              <a:t>git</a:t>
-            </a:r>
+              <a:t>Mittels folgender Installation Installieren</a:t>
+            </a:r>
+          </a:p>
+          <a:p>
+            <a:pPr marL="857250" lvl="1" indent="-457200"/>
             <a:r>
               <a:rPr lang="de-DE" altLang="de-DE" dirty="0">
-                <a:latin typeface="Consolas" panose="020B0609020204030204" pitchFamily="49" charset="0"/>
-              </a:rPr>
-              <a:t> -v</a:t>
-            </a:r>
-          </a:p>
-          <a:p>
-            <a:pPr marL="400050" lvl="1" indent="0">
-              <a:spcBef>
-                <a:spcPts val="0"/>
-              </a:spcBef>
-              <a:buNone/>
-            </a:pPr>
-            <a:endParaRPr lang="de-DE" altLang="de-DE" dirty="0">
-              <a:latin typeface="Consolas" panose="020B0609020204030204" pitchFamily="49" charset="0"/>
-            </a:endParaRPr>
-          </a:p>
-          <a:p>
-            <a:pPr marL="444500" lvl="1" indent="0">
-              <a:spcBef>
-                <a:spcPts val="0"/>
-              </a:spcBef>
-              <a:buNone/>
-              <a:tabLst>
-                <a:tab pos="444500" algn="l"/>
-                <a:tab pos="538163" algn="l"/>
-                <a:tab pos="1077913" algn="l"/>
-              </a:tabLst>
-            </a:pPr>
-            <a:r>
-              <a:rPr lang="de-DE" altLang="de-DE" dirty="0">
-                <a:latin typeface="Consolas" panose="020B0609020204030204" pitchFamily="49" charset="0"/>
-              </a:rPr>
-              <a:t>$ </a:t>
-            </a:r>
-            <a:r>
-              <a:rPr lang="de-DE" altLang="de-DE" dirty="0" err="1">
-                <a:latin typeface="Consolas" panose="020B0609020204030204" pitchFamily="49" charset="0"/>
-              </a:rPr>
-              <a:t>git</a:t>
-            </a:r>
-            <a:r>
-              <a:rPr lang="de-DE" altLang="de-DE" dirty="0">
-                <a:latin typeface="Consolas" panose="020B0609020204030204" pitchFamily="49" charset="0"/>
-              </a:rPr>
-              <a:t> -v</a:t>
-            </a:r>
-          </a:p>
-          <a:p>
-            <a:pPr marL="444500" lvl="1" indent="0">
-              <a:spcBef>
-                <a:spcPts val="0"/>
-              </a:spcBef>
-              <a:buNone/>
-              <a:tabLst>
-                <a:tab pos="444500" algn="l"/>
-                <a:tab pos="538163" algn="l"/>
-                <a:tab pos="1077913" algn="l"/>
-              </a:tabLst>
-            </a:pPr>
-            <a:r>
-              <a:rPr lang="de-DE" altLang="de-DE" dirty="0" err="1">
-                <a:latin typeface="Consolas" panose="020B0609020204030204" pitchFamily="49" charset="0"/>
-              </a:rPr>
-              <a:t>git</a:t>
-            </a:r>
-            <a:r>
-              <a:rPr lang="de-DE" altLang="de-DE" dirty="0">
-                <a:latin typeface="Consolas" panose="020B0609020204030204" pitchFamily="49" charset="0"/>
-              </a:rPr>
-              <a:t> </a:t>
-            </a:r>
-            <a:r>
-              <a:rPr lang="de-DE" altLang="de-DE" dirty="0" err="1">
-                <a:latin typeface="Consolas" panose="020B0609020204030204" pitchFamily="49" charset="0"/>
-              </a:rPr>
-              <a:t>version</a:t>
-            </a:r>
-            <a:r>
-              <a:rPr lang="de-DE" altLang="de-DE" dirty="0">
-                <a:latin typeface="Consolas" panose="020B0609020204030204" pitchFamily="49" charset="0"/>
-              </a:rPr>
-              <a:t> 2.34.1</a:t>
-            </a:r>
-          </a:p>
-          <a:p>
-            <a:pPr marL="400050" lvl="1" indent="0">
-              <a:spcBef>
-                <a:spcPts val="0"/>
-              </a:spcBef>
-              <a:buNone/>
-            </a:pPr>
-            <a:endParaRPr lang="de-DE" altLang="de-DE" dirty="0">
-              <a:latin typeface="Consolas" panose="020B0609020204030204" pitchFamily="49" charset="0"/>
-            </a:endParaRPr>
+                <a:hlinkClick r:id="rId2"/>
+              </a:rPr>
+              <a:t>https://git-scm.com/book/de/v2/Erste-Schritte-Git-installieren</a:t>
+            </a:r>
+            <a:endParaRPr lang="de-DE" altLang="de-DE" dirty="0"/>
           </a:p>
           <a:p>
             <a:pPr marL="457200" indent="-457200">
@@ -12433,27 +12704,15 @@
             </a:pPr>
             <a:r>
               <a:rPr lang="de-DE" altLang="de-DE" dirty="0"/>
-              <a:t>Falls keine aktuelle Version installiert ist, folgen Sie der Anleitung auf </a:t>
-            </a:r>
-            <a:r>
-              <a:rPr lang="de-DE" altLang="de-DE" dirty="0">
-                <a:hlinkClick r:id="rId2"/>
-              </a:rPr>
-              <a:t>https://git-scm.com/book/de/v2/Erste-Schritte-Git-installieren</a:t>
+              <a:t>Global Namen und E-Mail </a:t>
+            </a:r>
+            <a:r>
+              <a:rPr lang="de-DE" altLang="de-DE" dirty="0" err="1"/>
+              <a:t>Addresse</a:t>
             </a:r>
             <a:r>
               <a:rPr lang="de-DE" altLang="de-DE" dirty="0"/>
-              <a:t> für Ihr jeweiliges System</a:t>
-            </a:r>
-          </a:p>
-          <a:p>
-            <a:pPr marL="457200" indent="-457200">
-              <a:buFont typeface="+mj-lt"/>
-              <a:buAutoNum type="arabicPeriod"/>
-            </a:pPr>
-            <a:r>
-              <a:rPr lang="de-DE" altLang="de-DE" dirty="0"/>
-              <a:t>Falls noch nicht geschehen, setzen Sie mit dem folgenden Befehl Ihren globalen Namen sowie Ihre E-Mail</a:t>
+              <a:t> setzen</a:t>
             </a:r>
           </a:p>
           <a:p>
@@ -12643,7 +12902,7 @@
             </a:pPr>
             <a:r>
               <a:rPr lang="de-DE" altLang="de-DE" b="1" dirty="0"/>
-              <a:t>Übungsaufgabe 2: Repository anlegen</a:t>
+              <a:t>Übungsaufgabe 1: Repository anlegen</a:t>
             </a:r>
           </a:p>
           <a:p>
@@ -12975,7 +13234,7 @@
             </a:pPr>
             <a:r>
               <a:rPr lang="de-DE" altLang="de-DE" b="1" dirty="0"/>
-              <a:t>Lösung Übungsaufgabe 2: Repository anlegen</a:t>
+              <a:t>Lösung Übungsaufgabe 1: Repository anlegen</a:t>
             </a:r>
           </a:p>
           <a:p>
@@ -16702,7 +16961,7 @@
             </a:pPr>
             <a:r>
               <a:rPr lang="de-DE" altLang="de-DE" b="1" dirty="0"/>
-              <a:t>Übungsaufgabe 3: Erste </a:t>
+              <a:t>Übungsaufgabe 2: Erste </a:t>
             </a:r>
             <a:r>
               <a:rPr lang="de-DE" altLang="de-DE" b="1" dirty="0" err="1"/>
@@ -16744,35 +17003,7 @@
             </a:pPr>
             <a:r>
               <a:rPr lang="de-DE" altLang="de-DE" dirty="0"/>
-              <a:t>Führen Sie den Befehl </a:t>
-            </a:r>
-            <a:r>
-              <a:rPr lang="de-DE" altLang="de-DE" dirty="0" err="1">
-                <a:latin typeface="Consolas" panose="020B0609020204030204" pitchFamily="49" charset="0"/>
-              </a:rPr>
-              <a:t>git</a:t>
-            </a:r>
-            <a:r>
-              <a:rPr lang="de-DE" altLang="de-DE" dirty="0">
-                <a:latin typeface="Consolas" panose="020B0609020204030204" pitchFamily="49" charset="0"/>
-              </a:rPr>
-              <a:t> </a:t>
-            </a:r>
-            <a:r>
-              <a:rPr lang="de-DE" altLang="de-DE" dirty="0" err="1">
-                <a:latin typeface="Consolas" panose="020B0609020204030204" pitchFamily="49" charset="0"/>
-              </a:rPr>
-              <a:t>status</a:t>
-            </a:r>
-            <a:r>
-              <a:rPr lang="de-DE" altLang="de-DE" dirty="0">
-                <a:latin typeface="Consolas" panose="020B0609020204030204" pitchFamily="49" charset="0"/>
-              </a:rPr>
-              <a:t> </a:t>
-            </a:r>
-            <a:r>
-              <a:rPr lang="de-DE" altLang="de-DE" dirty="0"/>
-              <a:t>aus. </a:t>
+              <a:t>Lassen Sie </a:t>
             </a:r>
             <a:r>
               <a:rPr lang="de-DE" altLang="de-DE" dirty="0" err="1"/>
@@ -16780,7 +17011,43 @@
             </a:r>
             <a:r>
               <a:rPr lang="de-DE" altLang="de-DE" dirty="0"/>
-              <a:t> zeigt Ihnen an, dass </a:t>
+              <a:t> diese Datei tracken.</a:t>
+            </a:r>
+          </a:p>
+          <a:p>
+            <a:pPr marL="457200" indent="-457200">
+              <a:buFont typeface="+mj-lt"/>
+              <a:buAutoNum type="arabicPeriod"/>
+            </a:pPr>
+            <a:r>
+              <a:rPr lang="de-DE" altLang="de-DE" dirty="0"/>
+              <a:t>Committen Sie nun Ihre hinzugefügte Datei mit der Commit-Nachricht „</a:t>
+            </a:r>
+            <a:r>
+              <a:rPr lang="de-DE" altLang="de-DE" dirty="0" err="1"/>
+              <a:t>Added</a:t>
+            </a:r>
+            <a:r>
+              <a:rPr lang="de-DE" altLang="de-DE" dirty="0"/>
+              <a:t> file1.txt </a:t>
+            </a:r>
+            <a:r>
+              <a:rPr lang="de-DE" altLang="de-DE" dirty="0" err="1"/>
+              <a:t>file</a:t>
+            </a:r>
+            <a:r>
+              <a:rPr lang="de-DE" altLang="de-DE" dirty="0"/>
+              <a:t>“.</a:t>
+            </a:r>
+          </a:p>
+          <a:p>
+            <a:pPr marL="457200" indent="-457200">
+              <a:buFont typeface="+mj-lt"/>
+              <a:buAutoNum type="arabicPeriod"/>
+            </a:pPr>
+            <a:r>
+              <a:rPr lang="de-DE" altLang="de-DE" dirty="0"/>
+              <a:t>Füllen Sie nun Ihre </a:t>
             </a:r>
             <a:r>
               <a:rPr lang="de-DE" altLang="de-DE" dirty="0">
@@ -16788,70 +17055,52 @@
                   <a:srgbClr val="C00000"/>
                 </a:solidFill>
               </a:rPr>
-              <a:t>file1.txt</a:t>
+              <a:t>file1.txt </a:t>
             </a:r>
             <a:r>
               <a:rPr lang="de-DE" altLang="de-DE" dirty="0"/>
-              <a:t> aktuell nicht von </a:t>
+              <a:t>mit dem Inhalt „file1 </a:t>
             </a:r>
             <a:r>
               <a:rPr lang="de-DE" altLang="de-DE" dirty="0" err="1"/>
-              <a:t>Git</a:t>
+              <a:t>content</a:t>
             </a:r>
             <a:r>
               <a:rPr lang="de-DE" altLang="de-DE" dirty="0"/>
-              <a:t> versioniert wird. </a:t>
+              <a:t>“.</a:t>
+            </a:r>
+          </a:p>
+          <a:p>
+            <a:pPr marL="457200" indent="-457200">
+              <a:buFont typeface="+mj-lt"/>
+              <a:buAutoNum type="arabicPeriod"/>
+            </a:pPr>
+            <a:r>
+              <a:rPr lang="de-DE" altLang="de-DE" dirty="0"/>
+              <a:t>Lassen Sie sich mit </a:t>
+            </a:r>
+            <a:r>
+              <a:rPr lang="de-DE" altLang="de-DE" dirty="0" err="1"/>
+              <a:t>git</a:t>
+            </a:r>
+            <a:r>
+              <a:rPr lang="de-DE" altLang="de-DE" dirty="0"/>
+              <a:t> </a:t>
+            </a:r>
+            <a:r>
+              <a:rPr lang="de-DE" altLang="de-DE" dirty="0" err="1"/>
+              <a:t>status</a:t>
+            </a:r>
+            <a:r>
+              <a:rPr lang="de-DE" altLang="de-DE" dirty="0"/>
+              <a:t> den aktuellen Stand anzeigen.</a:t>
             </a:r>
             <a:br>
               <a:rPr lang="de-DE" altLang="de-DE" dirty="0"/>
             </a:br>
             <a:r>
               <a:rPr lang="de-DE" altLang="de-DE" dirty="0"/>
-              <a:t>Lassen Sie </a:t>
-            </a:r>
-            <a:r>
-              <a:rPr lang="de-DE" altLang="de-DE" dirty="0" err="1"/>
-              <a:t>Git</a:t>
-            </a:r>
-            <a:r>
-              <a:rPr lang="de-DE" altLang="de-DE" dirty="0"/>
-              <a:t> diese Datei tracken.</a:t>
-            </a:r>
-          </a:p>
-          <a:p>
-            <a:pPr marL="457200" indent="-457200">
-              <a:buFont typeface="+mj-lt"/>
-              <a:buAutoNum type="arabicPeriod"/>
-            </a:pPr>
-            <a:r>
-              <a:rPr lang="de-DE" altLang="de-DE" dirty="0"/>
-              <a:t>Committen Sie nun Ihre hinzugefügte Datei mit der Commit-Nachricht „</a:t>
-            </a:r>
-            <a:r>
-              <a:rPr lang="de-DE" altLang="de-DE" dirty="0" err="1"/>
-              <a:t>Added</a:t>
-            </a:r>
-            <a:r>
-              <a:rPr lang="de-DE" altLang="de-DE" dirty="0"/>
-              <a:t> file1.txt </a:t>
-            </a:r>
-            <a:r>
-              <a:rPr lang="de-DE" altLang="de-DE" dirty="0" err="1"/>
-              <a:t>file</a:t>
-            </a:r>
-            <a:r>
-              <a:rPr lang="de-DE" altLang="de-DE" dirty="0"/>
-              <a:t>“.</a:t>
-            </a:r>
-          </a:p>
-          <a:p>
-            <a:pPr marL="457200" indent="-457200">
-              <a:buFont typeface="+mj-lt"/>
-              <a:buAutoNum type="arabicPeriod"/>
-            </a:pPr>
-            <a:r>
-              <a:rPr lang="de-DE" altLang="de-DE" dirty="0"/>
-              <a:t>Füllen Sie nun Ihre </a:t>
+              <a:t>Fügen Sie </a:t>
             </a:r>
             <a:r>
               <a:rPr lang="de-DE" altLang="de-DE" dirty="0">
@@ -16863,15 +17112,15 @@
             </a:r>
             <a:r>
               <a:rPr lang="de-DE" altLang="de-DE" dirty="0"/>
-              <a:t>mit dem Inhalt „file1 </a:t>
+              <a:t>zur </a:t>
             </a:r>
             <a:r>
               <a:rPr lang="de-DE" altLang="de-DE" dirty="0" err="1"/>
-              <a:t>content</a:t>
+              <a:t>Staging</a:t>
             </a:r>
             <a:r>
               <a:rPr lang="de-DE" altLang="de-DE" dirty="0"/>
-              <a:t>“.</a:t>
+              <a:t> Area hinzu.</a:t>
             </a:r>
           </a:p>
           <a:p>
@@ -16881,108 +17130,7 @@
             </a:pPr>
             <a:r>
               <a:rPr lang="de-DE" altLang="de-DE" dirty="0"/>
-              <a:t>Führen Sie erneut den Befehl </a:t>
-            </a:r>
-            <a:r>
-              <a:rPr lang="de-DE" altLang="de-DE" dirty="0" err="1">
-                <a:latin typeface="Consolas" panose="020B0609020204030204" pitchFamily="49" charset="0"/>
-              </a:rPr>
-              <a:t>git</a:t>
-            </a:r>
-            <a:r>
-              <a:rPr lang="de-DE" altLang="de-DE" dirty="0">
-                <a:latin typeface="Consolas" panose="020B0609020204030204" pitchFamily="49" charset="0"/>
-              </a:rPr>
-              <a:t> </a:t>
-            </a:r>
-            <a:r>
-              <a:rPr lang="de-DE" altLang="de-DE" dirty="0" err="1">
-                <a:latin typeface="Consolas" panose="020B0609020204030204" pitchFamily="49" charset="0"/>
-              </a:rPr>
-              <a:t>status</a:t>
-            </a:r>
-            <a:r>
-              <a:rPr lang="de-DE" altLang="de-DE" dirty="0">
-                <a:latin typeface="Consolas" panose="020B0609020204030204" pitchFamily="49" charset="0"/>
-              </a:rPr>
-              <a:t> </a:t>
-            </a:r>
-            <a:r>
-              <a:rPr lang="de-DE" altLang="de-DE" dirty="0"/>
-              <a:t>aus. Ihnen wird nun angezeigt, dass </a:t>
-            </a:r>
-            <a:r>
-              <a:rPr lang="de-DE" altLang="de-DE" dirty="0">
-                <a:solidFill>
-                  <a:srgbClr val="C00000"/>
-                </a:solidFill>
-              </a:rPr>
-              <a:t>file1.txt </a:t>
-            </a:r>
-            <a:r>
-              <a:rPr lang="de-DE" altLang="de-DE" dirty="0"/>
-              <a:t>modifiziert wurde.</a:t>
-            </a:r>
-            <a:br>
-              <a:rPr lang="de-DE" altLang="de-DE" dirty="0"/>
-            </a:br>
-            <a:r>
-              <a:rPr lang="de-DE" altLang="de-DE" dirty="0"/>
-              <a:t>Fügen Sie </a:t>
-            </a:r>
-            <a:r>
-              <a:rPr lang="de-DE" altLang="de-DE" dirty="0">
-                <a:solidFill>
-                  <a:srgbClr val="C00000"/>
-                </a:solidFill>
-              </a:rPr>
-              <a:t>file1.txt </a:t>
-            </a:r>
-            <a:r>
-              <a:rPr lang="de-DE" altLang="de-DE" dirty="0"/>
-              <a:t>zur </a:t>
-            </a:r>
-            <a:r>
-              <a:rPr lang="de-DE" altLang="de-DE" dirty="0" err="1"/>
-              <a:t>Staging</a:t>
-            </a:r>
-            <a:r>
-              <a:rPr lang="de-DE" altLang="de-DE" dirty="0"/>
-              <a:t> Area hinzu.</a:t>
-            </a:r>
-          </a:p>
-          <a:p>
-            <a:pPr marL="457200" indent="-457200">
-              <a:buFont typeface="+mj-lt"/>
-              <a:buAutoNum type="arabicPeriod"/>
-            </a:pPr>
-            <a:r>
-              <a:rPr lang="de-DE" altLang="de-DE" dirty="0"/>
-              <a:t>Erstellen Sie einen zweiten </a:t>
-            </a:r>
-            <a:r>
-              <a:rPr lang="de-DE" altLang="de-DE" dirty="0">
-                <a:solidFill>
-                  <a:srgbClr val="C00000"/>
-                </a:solidFill>
-              </a:rPr>
-              <a:t>Commit</a:t>
-            </a:r>
-            <a:r>
-              <a:rPr lang="de-DE" altLang="de-DE" dirty="0"/>
-              <a:t>, um die Änderungen an </a:t>
-            </a:r>
-            <a:r>
-              <a:rPr lang="de-DE" altLang="de-DE" dirty="0">
-                <a:solidFill>
-                  <a:srgbClr val="C00000"/>
-                </a:solidFill>
-              </a:rPr>
-              <a:t>file1.txt </a:t>
-            </a:r>
-            <a:r>
-              <a:rPr lang="de-DE" altLang="de-DE" dirty="0"/>
-              <a:t>zu speichern. Wählen Sie dabei eine geeignete Commit-Message.</a:t>
+              <a:t>Committen Sie die Änderung mit einer passenden Commit-Nachricht.</a:t>
             </a:r>
           </a:p>
         </p:txBody>
@@ -17091,7 +17239,7 @@
             </a:pPr>
             <a:r>
               <a:rPr lang="de-DE" altLang="de-DE" b="1" dirty="0"/>
-              <a:t>Lösung Übungsaufgabe 3: Erste </a:t>
+              <a:t>Lösung Übungsaufgabe 2: Erste </a:t>
             </a:r>
             <a:r>
               <a:rPr lang="de-DE" altLang="de-DE" b="1" dirty="0" err="1"/>
@@ -17228,6 +17376,46 @@
                 <a:latin typeface="Consolas" panose="020B0609020204030204" pitchFamily="49" charset="0"/>
               </a:rPr>
             </a:br>
+            <a:br>
+              <a:rPr lang="en-US" altLang="de-DE" sz="1400" dirty="0">
+                <a:latin typeface="Consolas" panose="020B0609020204030204" pitchFamily="49" charset="0"/>
+              </a:rPr>
+            </a:br>
+            <a:r>
+              <a:rPr lang="de-DE" altLang="de-DE" sz="1400" dirty="0">
+                <a:latin typeface="Consolas" panose="020B0609020204030204" pitchFamily="49" charset="0"/>
+              </a:rPr>
+              <a:t>$ </a:t>
+            </a:r>
+            <a:r>
+              <a:rPr lang="de-DE" altLang="de-DE" sz="1400" dirty="0" err="1">
+                <a:latin typeface="Consolas" panose="020B0609020204030204" pitchFamily="49" charset="0"/>
+              </a:rPr>
+              <a:t>git</a:t>
+            </a:r>
+            <a:r>
+              <a:rPr lang="de-DE" altLang="de-DE" sz="1400" dirty="0">
+                <a:latin typeface="Consolas" panose="020B0609020204030204" pitchFamily="49" charset="0"/>
+              </a:rPr>
+              <a:t> </a:t>
+            </a:r>
+            <a:r>
+              <a:rPr lang="de-DE" altLang="de-DE" sz="1400" dirty="0" err="1">
+                <a:latin typeface="Consolas" panose="020B0609020204030204" pitchFamily="49" charset="0"/>
+              </a:rPr>
+              <a:t>add</a:t>
+            </a:r>
+            <a:r>
+              <a:rPr lang="de-DE" altLang="de-DE" sz="1400" dirty="0">
+                <a:latin typeface="Consolas" panose="020B0609020204030204" pitchFamily="49" charset="0"/>
+              </a:rPr>
+              <a:t> file1.txt</a:t>
+            </a:r>
+            <a:br>
+              <a:rPr lang="en-US" altLang="de-DE" sz="1400" dirty="0">
+                <a:latin typeface="Consolas" panose="020B0609020204030204" pitchFamily="49" charset="0"/>
+              </a:rPr>
+            </a:br>
             <a:endParaRPr lang="de-DE" altLang="de-DE" sz="1400" dirty="0">
               <a:latin typeface="Consolas" panose="020B0609020204030204" pitchFamily="49" charset="0"/>
             </a:endParaRPr>
@@ -17237,46 +17425,6 @@
               <a:buFont typeface="+mj-lt"/>
               <a:buAutoNum type="arabicPeriod"/>
             </a:pPr>
-            <a:r>
-              <a:rPr lang="de-DE" altLang="de-DE" sz="1400" dirty="0">
-                <a:latin typeface="Consolas" panose="020B0609020204030204" pitchFamily="49" charset="0"/>
-              </a:rPr>
-              <a:t>$ </a:t>
-            </a:r>
-            <a:r>
-              <a:rPr lang="de-DE" altLang="de-DE" sz="1400" dirty="0" err="1">
-                <a:latin typeface="Consolas" panose="020B0609020204030204" pitchFamily="49" charset="0"/>
-              </a:rPr>
-              <a:t>git</a:t>
-            </a:r>
-            <a:r>
-              <a:rPr lang="de-DE" altLang="de-DE" sz="1400" dirty="0">
-                <a:latin typeface="Consolas" panose="020B0609020204030204" pitchFamily="49" charset="0"/>
-              </a:rPr>
-              <a:t> </a:t>
-            </a:r>
-            <a:r>
-              <a:rPr lang="de-DE" altLang="de-DE" sz="1400" dirty="0" err="1">
-                <a:latin typeface="Consolas" panose="020B0609020204030204" pitchFamily="49" charset="0"/>
-              </a:rPr>
-              <a:t>add</a:t>
-            </a:r>
-            <a:r>
-              <a:rPr lang="de-DE" altLang="de-DE" sz="1400" dirty="0">
-                <a:latin typeface="Consolas" panose="020B0609020204030204" pitchFamily="49" charset="0"/>
-              </a:rPr>
-              <a:t> file1.txt</a:t>
-            </a:r>
-            <a:br>
-              <a:rPr lang="de-DE" altLang="de-DE" sz="1400" dirty="0">
-                <a:latin typeface="Consolas" panose="020B0609020204030204" pitchFamily="49" charset="0"/>
-              </a:rPr>
-            </a:br>
-            <a:br>
-              <a:rPr lang="de-DE" altLang="de-DE" sz="1400" dirty="0">
-                <a:latin typeface="Consolas" panose="020B0609020204030204" pitchFamily="49" charset="0"/>
-              </a:rPr>
-            </a:br>
             <a:r>
               <a:rPr lang="de-DE" altLang="de-DE" sz="1400" dirty="0">
                 <a:latin typeface="Consolas" panose="020B0609020204030204" pitchFamily="49" charset="0"/>
@@ -17593,7 +17741,7 @@
             </a:pPr>
             <a:r>
               <a:rPr lang="de-DE" altLang="de-DE" b="1" dirty="0"/>
-              <a:t>Lösung Übungsaufgabe 3: Erste </a:t>
+              <a:t>Lösung Übungsaufgabe 2: Erste </a:t>
             </a:r>
             <a:r>
               <a:rPr lang="de-DE" altLang="de-DE" b="1" dirty="0" err="1"/>
@@ -21803,7 +21951,7 @@
             </a:pPr>
             <a:r>
               <a:rPr lang="de-DE" altLang="de-DE" b="1" dirty="0"/>
-              <a:t>Übungsaufgabe 4: Umbenennen von Dateien</a:t>
+              <a:t>Übungsaufgabe 3: Umbenennen von Dateien</a:t>
             </a:r>
           </a:p>
           <a:p>
@@ -21875,17 +22023,7 @@
             </a:r>
             <a:r>
               <a:rPr lang="de-DE" altLang="de-DE" dirty="0"/>
-              <a:t>um (Beispielsweise </a:t>
-            </a:r>
-            <a:r>
-              <a:rPr lang="de-DE" altLang="de-DE" dirty="0">
-                <a:latin typeface="Consolas" panose="020B0609020204030204" pitchFamily="49" charset="0"/>
-              </a:rPr>
-              <a:t>mv new_file.txt file2.txt </a:t>
-            </a:r>
-            <a:r>
-              <a:rPr lang="de-DE" altLang="de-DE" dirty="0"/>
-              <a:t>unter Linux).</a:t>
+              <a:t>um.</a:t>
             </a:r>
           </a:p>
           <a:p>
@@ -21925,54 +22063,6 @@
               <a:rPr lang="de-DE" altLang="de-DE" dirty="0"/>
               <a:t>aus. </a:t>
             </a:r>
-            <a:r>
-              <a:rPr lang="de-DE" altLang="de-DE" dirty="0" err="1"/>
-              <a:t>Git</a:t>
-            </a:r>
-            <a:r>
-              <a:rPr lang="de-DE" altLang="de-DE" dirty="0"/>
-              <a:t> sollte Ihnen anzeigen, dass </a:t>
-            </a:r>
-            <a:r>
-              <a:rPr lang="de-DE" altLang="de-DE" dirty="0">
-                <a:solidFill>
-                  <a:srgbClr val="C00000"/>
-                </a:solidFill>
-              </a:rPr>
-              <a:t>new_file.txt </a:t>
-            </a:r>
-            <a:r>
-              <a:rPr lang="de-DE" altLang="de-DE" dirty="0"/>
-              <a:t>gelöscht wurde und </a:t>
-            </a:r>
-            <a:r>
-              <a:rPr lang="de-DE" altLang="de-DE" dirty="0">
-                <a:solidFill>
-                  <a:srgbClr val="C00000"/>
-                </a:solidFill>
-              </a:rPr>
-              <a:t>file2.txt </a:t>
-            </a:r>
-            <a:r>
-              <a:rPr lang="de-DE" altLang="de-DE" dirty="0"/>
-              <a:t>als </a:t>
-            </a:r>
-            <a:r>
-              <a:rPr lang="de-DE" altLang="de-DE" dirty="0" err="1"/>
-              <a:t>untracked</a:t>
-            </a:r>
-            <a:r>
-              <a:rPr lang="de-DE" altLang="de-DE" dirty="0"/>
-              <a:t> </a:t>
-            </a:r>
-            <a:r>
-              <a:rPr lang="de-DE" altLang="de-DE" dirty="0" err="1"/>
-              <a:t>file</a:t>
-            </a:r>
-            <a:r>
-              <a:rPr lang="de-DE" altLang="de-DE" dirty="0"/>
-              <a:t> zum Repository hinzugefügt wurde, was nicht direkt unsere Änderungen widerspiegelt.</a:t>
-            </a:r>
           </a:p>
           <a:p>
             <a:pPr marL="457200" indent="-457200">
@@ -21997,62 +22087,45 @@
             </a:r>
             <a:r>
               <a:rPr lang="de-DE" altLang="de-DE" dirty="0"/>
+              <a:t>aus..</a:t>
+            </a:r>
+          </a:p>
+          <a:p>
+            <a:pPr marL="457200" indent="-457200">
+              <a:buFont typeface="+mj-lt"/>
+              <a:buAutoNum type="arabicPeriod"/>
+            </a:pPr>
+            <a:r>
+              <a:rPr lang="de-DE" altLang="de-DE" dirty="0"/>
+              <a:t>Führen Sie den Befehl </a:t>
+            </a:r>
+            <a:r>
+              <a:rPr lang="de-DE" altLang="de-DE" dirty="0" err="1">
+                <a:latin typeface="Consolas" panose="020B0609020204030204" pitchFamily="49" charset="0"/>
+              </a:rPr>
+              <a:t>git</a:t>
+            </a:r>
+            <a:r>
+              <a:rPr lang="de-DE" altLang="de-DE" dirty="0">
+                <a:latin typeface="Consolas" panose="020B0609020204030204" pitchFamily="49" charset="0"/>
+              </a:rPr>
+              <a:t> </a:t>
+            </a:r>
+            <a:r>
+              <a:rPr lang="de-DE" altLang="de-DE" dirty="0" err="1">
+                <a:latin typeface="Consolas" panose="020B0609020204030204" pitchFamily="49" charset="0"/>
+              </a:rPr>
+              <a:t>status</a:t>
+            </a:r>
+            <a:r>
+              <a:rPr lang="de-DE" altLang="de-DE" dirty="0">
+                <a:latin typeface="Consolas" panose="020B0609020204030204" pitchFamily="49" charset="0"/>
+              </a:rPr>
+              <a:t> erneut </a:t>
+            </a:r>
+            <a:r>
+              <a:rPr lang="de-DE" altLang="de-DE" dirty="0"/>
               <a:t>aus.</a:t>
-            </a:r>
-            <a:br>
-              <a:rPr lang="de-DE" altLang="de-DE" dirty="0"/>
-            </a:br>
-            <a:r>
-              <a:rPr lang="de-DE" altLang="de-DE" dirty="0" err="1">
-                <a:latin typeface="Consolas" panose="020B0609020204030204" pitchFamily="49" charset="0"/>
-              </a:rPr>
-              <a:t>git</a:t>
-            </a:r>
-            <a:r>
-              <a:rPr lang="de-DE" altLang="de-DE" dirty="0">
-                <a:latin typeface="Consolas" panose="020B0609020204030204" pitchFamily="49" charset="0"/>
-              </a:rPr>
-              <a:t> </a:t>
-            </a:r>
-            <a:r>
-              <a:rPr lang="de-DE" altLang="de-DE" dirty="0" err="1">
-                <a:latin typeface="Consolas" panose="020B0609020204030204" pitchFamily="49" charset="0"/>
-              </a:rPr>
-              <a:t>status</a:t>
-            </a:r>
-            <a:r>
-              <a:rPr lang="de-DE" altLang="de-DE" dirty="0">
-                <a:latin typeface="Consolas" panose="020B0609020204030204" pitchFamily="49" charset="0"/>
-              </a:rPr>
-              <a:t> </a:t>
-            </a:r>
-            <a:r>
-              <a:rPr lang="de-DE" altLang="de-DE" dirty="0"/>
-              <a:t>sollte Ihnen nun anzeigen, dass </a:t>
-            </a:r>
-            <a:r>
-              <a:rPr lang="de-DE" altLang="de-DE" dirty="0">
-                <a:solidFill>
-                  <a:srgbClr val="C00000"/>
-                </a:solidFill>
-              </a:rPr>
-              <a:t>new_file.txt </a:t>
-            </a:r>
-            <a:r>
-              <a:rPr lang="de-DE" altLang="de-DE" dirty="0"/>
-              <a:t>in </a:t>
-            </a:r>
-            <a:r>
-              <a:rPr lang="de-DE" altLang="de-DE" dirty="0">
-                <a:solidFill>
-                  <a:srgbClr val="C00000"/>
-                </a:solidFill>
-              </a:rPr>
-              <a:t>file2.txt </a:t>
-            </a:r>
-            <a:r>
-              <a:rPr lang="de-DE" altLang="de-DE" dirty="0"/>
-              <a:t>umbenannt wurde. Committen Sie die Änderungen.</a:t>
             </a:r>
           </a:p>
         </p:txBody>
@@ -22161,7 +22234,7 @@
             </a:pPr>
             <a:r>
               <a:rPr lang="de-DE" altLang="de-DE" b="1" dirty="0"/>
-              <a:t>Lösung Übungsaufgabe 4: Umbenennen von Dateien</a:t>
+              <a:t>Lösung Übungsaufgabe 3: Umbenennen von Dateien</a:t>
             </a:r>
           </a:p>
           <a:p>
@@ -22524,7 +22597,7 @@
             </a:pPr>
             <a:r>
               <a:rPr lang="de-DE" altLang="de-DE" b="1" dirty="0"/>
-              <a:t>Lösung Übungsaufgabe 4: Umbenennen von Dateien</a:t>
+              <a:t>Lösung Übungsaufgabe 3: Umbenennen von Dateien</a:t>
             </a:r>
           </a:p>
           <a:p>
@@ -22571,11 +22644,15 @@
                 <a:latin typeface="Consolas" panose="020B0609020204030204" pitchFamily="49" charset="0"/>
               </a:rPr>
             </a:br>
-            <a:br>
-              <a:rPr lang="de-DE" altLang="de-DE" sz="1400" dirty="0">
-                <a:latin typeface="Consolas" panose="020B0609020204030204" pitchFamily="49" charset="0"/>
-              </a:rPr>
-            </a:br>
+            <a:endParaRPr lang="de-DE" altLang="de-DE" sz="1400" dirty="0">
+              <a:latin typeface="Consolas" panose="020B0609020204030204" pitchFamily="49" charset="0"/>
+            </a:endParaRPr>
+          </a:p>
+          <a:p>
+            <a:pPr marL="457200" indent="-457200">
+              <a:buFont typeface="+mj-lt"/>
+              <a:buAutoNum type="arabicPeriod" startAt="4"/>
+            </a:pPr>
             <a:r>
               <a:rPr lang="de-DE" altLang="de-DE" sz="1400" dirty="0">
                 <a:latin typeface="Consolas" panose="020B0609020204030204" pitchFamily="49" charset="0"/>
@@ -23088,7 +23165,7 @@
             </a:pPr>
             <a:r>
               <a:rPr lang="de-DE" altLang="de-DE" b="1" dirty="0"/>
-              <a:t>Übungsaufgabe 5: .</a:t>
+              <a:t>Übungsaufgabe 4: .</a:t>
             </a:r>
             <a:r>
               <a:rPr lang="de-DE" altLang="de-DE" b="1" dirty="0" err="1"/>
@@ -23471,7 +23548,7 @@
             </a:pPr>
             <a:r>
               <a:rPr lang="de-DE" altLang="de-DE" b="1" dirty="0"/>
-              <a:t>Übungsaufgabe 5: .</a:t>
+              <a:t>Übungsaufgabe 4: .</a:t>
             </a:r>
             <a:r>
               <a:rPr lang="de-DE" altLang="de-DE" b="1" dirty="0" err="1"/>
@@ -23900,7 +23977,7 @@
             </a:pPr>
             <a:r>
               <a:rPr lang="de-DE" altLang="de-DE" b="1" dirty="0"/>
-              <a:t>Lösung Übungsaufgabe 5: .</a:t>
+              <a:t>Lösung Übungsaufgabe 4: .</a:t>
             </a:r>
             <a:r>
               <a:rPr lang="de-DE" altLang="de-DE" b="1" dirty="0" err="1"/>
@@ -24394,7 +24471,7 @@
             </a:pPr>
             <a:r>
               <a:rPr lang="de-DE" altLang="de-DE" b="1" dirty="0"/>
-              <a:t>Lösung Übungsaufgabe 5: .</a:t>
+              <a:t>Lösung Übungsaufgabe 4: .</a:t>
             </a:r>
             <a:r>
               <a:rPr lang="de-DE" altLang="de-DE" b="1" dirty="0" err="1"/>
@@ -31459,7 +31536,7 @@
           <a:p>
             <a:r>
               <a:rPr lang="de-DE" altLang="de-DE" dirty="0"/>
-              <a:t>Häufiger Use Case: Verwaltung von Quellcode</a:t>
+              <a:t>Beispiel: Quellcode</a:t>
             </a:r>
           </a:p>
           <a:p>
@@ -34075,7 +34152,7 @@
             </a:pPr>
             <a:r>
               <a:rPr lang="de-DE" altLang="de-DE" b="1" dirty="0"/>
-              <a:t>Übungsaufgabe 6: </a:t>
+              <a:t>Übungsaufgabe 5: </a:t>
             </a:r>
             <a:r>
               <a:rPr lang="de-DE" altLang="de-DE" b="1" dirty="0" err="1"/>
@@ -34346,7 +34423,7 @@
             </a:pPr>
             <a:r>
               <a:rPr lang="de-DE" altLang="de-DE" b="1" dirty="0"/>
-              <a:t>Lösung Übungsaufgabe 6: </a:t>
+              <a:t>Lösung Übungsaufgabe 5: </a:t>
             </a:r>
             <a:r>
               <a:rPr lang="de-DE" altLang="de-DE" b="1" dirty="0" err="1"/>
@@ -34699,7 +34776,7 @@
             </a:pPr>
             <a:r>
               <a:rPr lang="de-DE" altLang="de-DE" b="1" dirty="0"/>
-              <a:t>Lösung Übungsaufgabe 6: </a:t>
+              <a:t>Lösung Übungsaufgabe 5: </a:t>
             </a:r>
             <a:r>
               <a:rPr lang="de-DE" altLang="de-DE" b="1" dirty="0" err="1"/>
@@ -35004,7 +35081,7 @@
             </a:pPr>
             <a:r>
               <a:rPr lang="de-DE" altLang="de-DE" b="1" dirty="0"/>
-              <a:t>Übungsaufgabe 7: </a:t>
+              <a:t>Übungsaufgabe 6: </a:t>
             </a:r>
             <a:r>
               <a:rPr lang="de-DE" altLang="de-DE" b="1" dirty="0" err="1"/>
@@ -35272,7 +35349,7 @@
             </a:pPr>
             <a:r>
               <a:rPr lang="de-DE" altLang="de-DE" b="1" dirty="0"/>
-              <a:t>Lösung Übungsaufgabe 7: </a:t>
+              <a:t>Lösung Übungsaufgabe 6: </a:t>
             </a:r>
             <a:r>
               <a:rPr lang="de-DE" altLang="de-DE" b="1" dirty="0" err="1"/>

--- a/slides/Tag-1_2-Git.pptx
+++ b/slides/Tag-1_2-Git.pptx
@@ -2834,7 +2834,7 @@
               <a:pPr algn="ctr">
                 <a:defRPr/>
               </a:pPr>
-              <a:t>25.07.2024</a:t>
+              <a:t>26.08.2024</a:t>
             </a:fld>
             <a:endParaRPr lang="de-DE" sz="1000" dirty="0">
               <a:solidFill>
@@ -5004,7 +5004,7 @@
               <a:pPr algn="ctr">
                 <a:defRPr/>
               </a:pPr>
-              <a:t>25.07.2024</a:t>
+              <a:t>26.08.2024</a:t>
             </a:fld>
             <a:endParaRPr lang="de-DE" sz="1000" dirty="0">
               <a:solidFill>
@@ -6439,7 +6439,7 @@
               <a:pPr algn="ctr">
                 <a:defRPr/>
               </a:pPr>
-              <a:t>25.07.2024</a:t>
+              <a:t>26.08.2024</a:t>
             </a:fld>
             <a:endParaRPr lang="de-DE" sz="1000">
               <a:solidFill>
@@ -22087,7 +22087,7 @@
             </a:r>
             <a:r>
               <a:rPr lang="de-DE" altLang="de-DE" dirty="0"/>
-              <a:t>aus..</a:t>
+              <a:t>aus.</a:t>
             </a:r>
           </a:p>
           <a:p>
@@ -34257,7 +34257,7 @@
             </a:r>
             <a:r>
               <a:rPr lang="de-DE" altLang="de-DE" dirty="0"/>
-              <a:t>im Ordner an und committen Sie auch diese.</a:t>
+              <a:t>im Ordner und committen Sie auch diese.</a:t>
             </a:r>
           </a:p>
           <a:p>
@@ -35800,7 +35800,7 @@
             </a:pPr>
             <a:r>
               <a:rPr lang="de-DE" altLang="de-DE" b="1" dirty="0"/>
-              <a:t>Lösung Übungsaufgabe 7: </a:t>
+              <a:t>Lösung Übungsaufgabe 6: </a:t>
             </a:r>
             <a:r>
               <a:rPr lang="de-DE" altLang="de-DE" b="1" dirty="0" err="1"/>
